--- a/webComponents/web Componts.pptx
+++ b/webComponents/web Componts.pptx
@@ -5,7 +5,7 @@
     <p:sldMasterId id="2147483709" r:id="rId1"/>
   </p:sldMasterIdLst>
   <p:notesMasterIdLst>
-    <p:notesMasterId r:id="rId16"/>
+    <p:notesMasterId r:id="rId17"/>
   </p:notesMasterIdLst>
   <p:sldIdLst>
     <p:sldId id="257" r:id="rId2"/>
@@ -21,7 +21,8 @@
     <p:sldId id="270" r:id="rId12"/>
     <p:sldId id="271" r:id="rId13"/>
     <p:sldId id="272" r:id="rId14"/>
-    <p:sldId id="262" r:id="rId15"/>
+    <p:sldId id="273" r:id="rId15"/>
+    <p:sldId id="262" r:id="rId16"/>
   </p:sldIdLst>
   <p:sldSz cx="12192000" cy="6858000"/>
   <p:notesSz cx="6858000" cy="9144000"/>
@@ -120,10 +121,1509 @@
       </a:defRPr>
     </a:lvl9pPr>
   </p:defaultTextStyle>
+  <p:extLst>
+    <p:ext uri="{EFAFB233-063F-42B5-8137-9DF3F51BA10A}">
+      <p15:sldGuideLst xmlns:p15="http://schemas.microsoft.com/office/powerpoint/2012/main"/>
+    </p:ext>
+  </p:extLst>
 </p:presentation>
 </file>
 
 <file path=ppt/diagrams/colors1.xml><?xml version="1.0" encoding="utf-8"?>
+<dgm:colorsDef xmlns:dgm="http://schemas.openxmlformats.org/drawingml/2006/diagram" xmlns:a="http://schemas.openxmlformats.org/drawingml/2006/main" uniqueId="urn:microsoft.com/office/officeart/2005/8/colors/accent1_2">
+  <dgm:title val=""/>
+  <dgm:desc val=""/>
+  <dgm:catLst>
+    <dgm:cat type="accent1" pri="11200"/>
+  </dgm:catLst>
+  <dgm:styleLbl name="node0">
+    <dgm:fillClrLst meth="repeat">
+      <a:schemeClr val="accent1"/>
+    </dgm:fillClrLst>
+    <dgm:linClrLst meth="repeat">
+      <a:schemeClr val="lt1"/>
+    </dgm:linClrLst>
+    <dgm:effectClrLst/>
+    <dgm:txLinClrLst/>
+    <dgm:txFillClrLst/>
+    <dgm:txEffectClrLst/>
+  </dgm:styleLbl>
+  <dgm:styleLbl name="alignNode1">
+    <dgm:fillClrLst meth="repeat">
+      <a:schemeClr val="accent1"/>
+    </dgm:fillClrLst>
+    <dgm:linClrLst meth="repeat">
+      <a:schemeClr val="accent1"/>
+    </dgm:linClrLst>
+    <dgm:effectClrLst/>
+    <dgm:txLinClrLst/>
+    <dgm:txFillClrLst/>
+    <dgm:txEffectClrLst/>
+  </dgm:styleLbl>
+  <dgm:styleLbl name="node1">
+    <dgm:fillClrLst meth="repeat">
+      <a:schemeClr val="accent1"/>
+    </dgm:fillClrLst>
+    <dgm:linClrLst meth="repeat">
+      <a:schemeClr val="lt1"/>
+    </dgm:linClrLst>
+    <dgm:effectClrLst/>
+    <dgm:txLinClrLst/>
+    <dgm:txFillClrLst/>
+    <dgm:txEffectClrLst/>
+  </dgm:styleLbl>
+  <dgm:styleLbl name="lnNode1">
+    <dgm:fillClrLst meth="repeat">
+      <a:schemeClr val="accent1"/>
+    </dgm:fillClrLst>
+    <dgm:linClrLst meth="repeat">
+      <a:schemeClr val="lt1"/>
+    </dgm:linClrLst>
+    <dgm:effectClrLst/>
+    <dgm:txLinClrLst/>
+    <dgm:txFillClrLst/>
+    <dgm:txEffectClrLst/>
+  </dgm:styleLbl>
+  <dgm:styleLbl name="vennNode1">
+    <dgm:fillClrLst meth="repeat">
+      <a:schemeClr val="accent1">
+        <a:alpha val="50000"/>
+      </a:schemeClr>
+    </dgm:fillClrLst>
+    <dgm:linClrLst meth="repeat">
+      <a:schemeClr val="lt1"/>
+    </dgm:linClrLst>
+    <dgm:effectClrLst/>
+    <dgm:txLinClrLst/>
+    <dgm:txFillClrLst/>
+    <dgm:txEffectClrLst/>
+  </dgm:styleLbl>
+  <dgm:styleLbl name="node2">
+    <dgm:fillClrLst meth="repeat">
+      <a:schemeClr val="accent1"/>
+    </dgm:fillClrLst>
+    <dgm:linClrLst meth="repeat">
+      <a:schemeClr val="lt1"/>
+    </dgm:linClrLst>
+    <dgm:effectClrLst/>
+    <dgm:txLinClrLst/>
+    <dgm:txFillClrLst/>
+    <dgm:txEffectClrLst/>
+  </dgm:styleLbl>
+  <dgm:styleLbl name="node3">
+    <dgm:fillClrLst meth="repeat">
+      <a:schemeClr val="accent1"/>
+    </dgm:fillClrLst>
+    <dgm:linClrLst meth="repeat">
+      <a:schemeClr val="lt1"/>
+    </dgm:linClrLst>
+    <dgm:effectClrLst/>
+    <dgm:txLinClrLst/>
+    <dgm:txFillClrLst/>
+    <dgm:txEffectClrLst/>
+  </dgm:styleLbl>
+  <dgm:styleLbl name="node4">
+    <dgm:fillClrLst meth="repeat">
+      <a:schemeClr val="accent1"/>
+    </dgm:fillClrLst>
+    <dgm:linClrLst meth="repeat">
+      <a:schemeClr val="lt1"/>
+    </dgm:linClrLst>
+    <dgm:effectClrLst/>
+    <dgm:txLinClrLst/>
+    <dgm:txFillClrLst/>
+    <dgm:txEffectClrLst/>
+  </dgm:styleLbl>
+  <dgm:styleLbl name="fgImgPlace1">
+    <dgm:fillClrLst meth="repeat">
+      <a:schemeClr val="accent1">
+        <a:tint val="50000"/>
+      </a:schemeClr>
+    </dgm:fillClrLst>
+    <dgm:linClrLst meth="repeat">
+      <a:schemeClr val="lt1"/>
+    </dgm:linClrLst>
+    <dgm:effectClrLst/>
+    <dgm:txLinClrLst/>
+    <dgm:txFillClrLst meth="repeat">
+      <a:schemeClr val="lt1"/>
+    </dgm:txFillClrLst>
+    <dgm:txEffectClrLst/>
+  </dgm:styleLbl>
+  <dgm:styleLbl name="alignImgPlace1">
+    <dgm:fillClrLst meth="repeat">
+      <a:schemeClr val="accent1">
+        <a:tint val="50000"/>
+      </a:schemeClr>
+    </dgm:fillClrLst>
+    <dgm:linClrLst meth="repeat">
+      <a:schemeClr val="lt1"/>
+    </dgm:linClrLst>
+    <dgm:effectClrLst/>
+    <dgm:txLinClrLst/>
+    <dgm:txFillClrLst meth="repeat">
+      <a:schemeClr val="lt1"/>
+    </dgm:txFillClrLst>
+    <dgm:txEffectClrLst/>
+  </dgm:styleLbl>
+  <dgm:styleLbl name="bgImgPlace1">
+    <dgm:fillClrLst meth="repeat">
+      <a:schemeClr val="accent1">
+        <a:tint val="50000"/>
+      </a:schemeClr>
+    </dgm:fillClrLst>
+    <dgm:linClrLst meth="repeat">
+      <a:schemeClr val="lt1"/>
+    </dgm:linClrLst>
+    <dgm:effectClrLst/>
+    <dgm:txLinClrLst/>
+    <dgm:txFillClrLst meth="repeat">
+      <a:schemeClr val="lt1"/>
+    </dgm:txFillClrLst>
+    <dgm:txEffectClrLst/>
+  </dgm:styleLbl>
+  <dgm:styleLbl name="sibTrans2D1">
+    <dgm:fillClrLst meth="repeat">
+      <a:schemeClr val="accent1">
+        <a:tint val="60000"/>
+      </a:schemeClr>
+    </dgm:fillClrLst>
+    <dgm:linClrLst meth="repeat">
+      <a:schemeClr val="accent1">
+        <a:tint val="60000"/>
+      </a:schemeClr>
+    </dgm:linClrLst>
+    <dgm:effectClrLst/>
+    <dgm:txLinClrLst/>
+    <dgm:txFillClrLst/>
+    <dgm:txEffectClrLst/>
+  </dgm:styleLbl>
+  <dgm:styleLbl name="fgSibTrans2D1">
+    <dgm:fillClrLst meth="repeat">
+      <a:schemeClr val="accent1">
+        <a:tint val="60000"/>
+      </a:schemeClr>
+    </dgm:fillClrLst>
+    <dgm:linClrLst meth="repeat">
+      <a:schemeClr val="accent1">
+        <a:tint val="60000"/>
+      </a:schemeClr>
+    </dgm:linClrLst>
+    <dgm:effectClrLst/>
+    <dgm:txLinClrLst/>
+    <dgm:txFillClrLst/>
+    <dgm:txEffectClrLst/>
+  </dgm:styleLbl>
+  <dgm:styleLbl name="bgSibTrans2D1">
+    <dgm:fillClrLst meth="repeat">
+      <a:schemeClr val="accent1">
+        <a:tint val="60000"/>
+      </a:schemeClr>
+    </dgm:fillClrLst>
+    <dgm:linClrLst meth="repeat">
+      <a:schemeClr val="accent1">
+        <a:tint val="60000"/>
+      </a:schemeClr>
+    </dgm:linClrLst>
+    <dgm:effectClrLst/>
+    <dgm:txLinClrLst/>
+    <dgm:txFillClrLst/>
+    <dgm:txEffectClrLst/>
+  </dgm:styleLbl>
+  <dgm:styleLbl name="sibTrans1D1">
+    <dgm:fillClrLst meth="repeat">
+      <a:schemeClr val="accent1"/>
+    </dgm:fillClrLst>
+    <dgm:linClrLst meth="repeat">
+      <a:schemeClr val="accent1"/>
+    </dgm:linClrLst>
+    <dgm:effectClrLst/>
+    <dgm:txLinClrLst/>
+    <dgm:txFillClrLst meth="repeat">
+      <a:schemeClr val="tx1"/>
+    </dgm:txFillClrLst>
+    <dgm:txEffectClrLst/>
+  </dgm:styleLbl>
+  <dgm:styleLbl name="callout">
+    <dgm:fillClrLst meth="repeat">
+      <a:schemeClr val="accent1"/>
+    </dgm:fillClrLst>
+    <dgm:linClrLst meth="repeat">
+      <a:schemeClr val="accent1">
+        <a:tint val="50000"/>
+      </a:schemeClr>
+    </dgm:linClrLst>
+    <dgm:effectClrLst/>
+    <dgm:txLinClrLst/>
+    <dgm:txFillClrLst meth="repeat">
+      <a:schemeClr val="tx1"/>
+    </dgm:txFillClrLst>
+    <dgm:txEffectClrLst/>
+  </dgm:styleLbl>
+  <dgm:styleLbl name="asst0">
+    <dgm:fillClrLst meth="repeat">
+      <a:schemeClr val="accent1"/>
+    </dgm:fillClrLst>
+    <dgm:linClrLst meth="repeat">
+      <a:schemeClr val="lt1"/>
+    </dgm:linClrLst>
+    <dgm:effectClrLst/>
+    <dgm:txLinClrLst/>
+    <dgm:txFillClrLst/>
+    <dgm:txEffectClrLst/>
+  </dgm:styleLbl>
+  <dgm:styleLbl name="asst1">
+    <dgm:fillClrLst meth="repeat">
+      <a:schemeClr val="accent1"/>
+    </dgm:fillClrLst>
+    <dgm:linClrLst meth="repeat">
+      <a:schemeClr val="lt1"/>
+    </dgm:linClrLst>
+    <dgm:effectClrLst/>
+    <dgm:txLinClrLst/>
+    <dgm:txFillClrLst/>
+    <dgm:txEffectClrLst/>
+  </dgm:styleLbl>
+  <dgm:styleLbl name="asst2">
+    <dgm:fillClrLst meth="repeat">
+      <a:schemeClr val="accent1"/>
+    </dgm:fillClrLst>
+    <dgm:linClrLst meth="repeat">
+      <a:schemeClr val="lt1"/>
+    </dgm:linClrLst>
+    <dgm:effectClrLst/>
+    <dgm:txLinClrLst/>
+    <dgm:txFillClrLst/>
+    <dgm:txEffectClrLst/>
+  </dgm:styleLbl>
+  <dgm:styleLbl name="asst3">
+    <dgm:fillClrLst meth="repeat">
+      <a:schemeClr val="accent1"/>
+    </dgm:fillClrLst>
+    <dgm:linClrLst meth="repeat">
+      <a:schemeClr val="lt1"/>
+    </dgm:linClrLst>
+    <dgm:effectClrLst/>
+    <dgm:txLinClrLst/>
+    <dgm:txFillClrLst/>
+    <dgm:txEffectClrLst/>
+  </dgm:styleLbl>
+  <dgm:styleLbl name="asst4">
+    <dgm:fillClrLst meth="repeat">
+      <a:schemeClr val="accent1"/>
+    </dgm:fillClrLst>
+    <dgm:linClrLst meth="repeat">
+      <a:schemeClr val="lt1"/>
+    </dgm:linClrLst>
+    <dgm:effectClrLst/>
+    <dgm:txLinClrLst/>
+    <dgm:txFillClrLst/>
+    <dgm:txEffectClrLst/>
+  </dgm:styleLbl>
+  <dgm:styleLbl name="parChTrans2D1">
+    <dgm:fillClrLst meth="repeat">
+      <a:schemeClr val="accent1">
+        <a:tint val="60000"/>
+      </a:schemeClr>
+    </dgm:fillClrLst>
+    <dgm:linClrLst meth="repeat">
+      <a:schemeClr val="accent1">
+        <a:tint val="60000"/>
+      </a:schemeClr>
+    </dgm:linClrLst>
+    <dgm:effectClrLst/>
+    <dgm:txLinClrLst/>
+    <dgm:txFillClrLst meth="repeat">
+      <a:schemeClr val="lt1"/>
+    </dgm:txFillClrLst>
+    <dgm:txEffectClrLst/>
+  </dgm:styleLbl>
+  <dgm:styleLbl name="parChTrans2D2">
+    <dgm:fillClrLst meth="repeat">
+      <a:schemeClr val="accent1"/>
+    </dgm:fillClrLst>
+    <dgm:linClrLst meth="repeat">
+      <a:schemeClr val="accent1"/>
+    </dgm:linClrLst>
+    <dgm:effectClrLst/>
+    <dgm:txLinClrLst/>
+    <dgm:txFillClrLst meth="repeat">
+      <a:schemeClr val="lt1"/>
+    </dgm:txFillClrLst>
+    <dgm:txEffectClrLst/>
+  </dgm:styleLbl>
+  <dgm:styleLbl name="parChTrans2D3">
+    <dgm:fillClrLst meth="repeat">
+      <a:schemeClr val="accent1"/>
+    </dgm:fillClrLst>
+    <dgm:linClrLst meth="repeat">
+      <a:schemeClr val="accent1"/>
+    </dgm:linClrLst>
+    <dgm:effectClrLst/>
+    <dgm:txLinClrLst/>
+    <dgm:txFillClrLst meth="repeat">
+      <a:schemeClr val="lt1"/>
+    </dgm:txFillClrLst>
+    <dgm:txEffectClrLst/>
+  </dgm:styleLbl>
+  <dgm:styleLbl name="parChTrans2D4">
+    <dgm:fillClrLst meth="repeat">
+      <a:schemeClr val="accent1"/>
+    </dgm:fillClrLst>
+    <dgm:linClrLst meth="repeat">
+      <a:schemeClr val="accent1"/>
+    </dgm:linClrLst>
+    <dgm:effectClrLst/>
+    <dgm:txLinClrLst/>
+    <dgm:txFillClrLst meth="repeat">
+      <a:schemeClr val="lt1"/>
+    </dgm:txFillClrLst>
+    <dgm:txEffectClrLst/>
+  </dgm:styleLbl>
+  <dgm:styleLbl name="parChTrans1D1">
+    <dgm:fillClrLst meth="repeat">
+      <a:schemeClr val="accent1"/>
+    </dgm:fillClrLst>
+    <dgm:linClrLst meth="repeat">
+      <a:schemeClr val="accent1">
+        <a:shade val="60000"/>
+      </a:schemeClr>
+    </dgm:linClrLst>
+    <dgm:effectClrLst/>
+    <dgm:txLinClrLst/>
+    <dgm:txFillClrLst meth="repeat">
+      <a:schemeClr val="tx1"/>
+    </dgm:txFillClrLst>
+    <dgm:txEffectClrLst/>
+  </dgm:styleLbl>
+  <dgm:styleLbl name="parChTrans1D2">
+    <dgm:fillClrLst meth="repeat">
+      <a:schemeClr val="accent1"/>
+    </dgm:fillClrLst>
+    <dgm:linClrLst meth="repeat">
+      <a:schemeClr val="accent1">
+        <a:shade val="60000"/>
+      </a:schemeClr>
+    </dgm:linClrLst>
+    <dgm:effectClrLst/>
+    <dgm:txLinClrLst/>
+    <dgm:txFillClrLst meth="repeat">
+      <a:schemeClr val="tx1"/>
+    </dgm:txFillClrLst>
+    <dgm:txEffectClrLst/>
+  </dgm:styleLbl>
+  <dgm:styleLbl name="parChTrans1D3">
+    <dgm:fillClrLst meth="repeat">
+      <a:schemeClr val="accent1"/>
+    </dgm:fillClrLst>
+    <dgm:linClrLst meth="repeat">
+      <a:schemeClr val="accent1">
+        <a:shade val="80000"/>
+      </a:schemeClr>
+    </dgm:linClrLst>
+    <dgm:effectClrLst/>
+    <dgm:txLinClrLst/>
+    <dgm:txFillClrLst meth="repeat">
+      <a:schemeClr val="tx1"/>
+    </dgm:txFillClrLst>
+    <dgm:txEffectClrLst/>
+  </dgm:styleLbl>
+  <dgm:styleLbl name="parChTrans1D4">
+    <dgm:fillClrLst meth="repeat">
+      <a:schemeClr val="accent1"/>
+    </dgm:fillClrLst>
+    <dgm:linClrLst meth="repeat">
+      <a:schemeClr val="accent1">
+        <a:shade val="80000"/>
+      </a:schemeClr>
+    </dgm:linClrLst>
+    <dgm:effectClrLst/>
+    <dgm:txLinClrLst/>
+    <dgm:txFillClrLst meth="repeat">
+      <a:schemeClr val="tx1"/>
+    </dgm:txFillClrLst>
+    <dgm:txEffectClrLst/>
+  </dgm:styleLbl>
+  <dgm:styleLbl name="fgAcc1">
+    <dgm:fillClrLst meth="repeat">
+      <a:schemeClr val="lt1">
+        <a:alpha val="90000"/>
+      </a:schemeClr>
+    </dgm:fillClrLst>
+    <dgm:linClrLst meth="repeat">
+      <a:schemeClr val="accent1"/>
+    </dgm:linClrLst>
+    <dgm:effectClrLst/>
+    <dgm:txLinClrLst/>
+    <dgm:txFillClrLst meth="repeat">
+      <a:schemeClr val="dk1"/>
+    </dgm:txFillClrLst>
+    <dgm:txEffectClrLst/>
+  </dgm:styleLbl>
+  <dgm:styleLbl name="conFgAcc1">
+    <dgm:fillClrLst meth="repeat">
+      <a:schemeClr val="lt1">
+        <a:alpha val="90000"/>
+      </a:schemeClr>
+    </dgm:fillClrLst>
+    <dgm:linClrLst meth="repeat">
+      <a:schemeClr val="accent1"/>
+    </dgm:linClrLst>
+    <dgm:effectClrLst/>
+    <dgm:txLinClrLst/>
+    <dgm:txFillClrLst meth="repeat">
+      <a:schemeClr val="dk1"/>
+    </dgm:txFillClrLst>
+    <dgm:txEffectClrLst/>
+  </dgm:styleLbl>
+  <dgm:styleLbl name="alignAcc1">
+    <dgm:fillClrLst meth="repeat">
+      <a:schemeClr val="lt1">
+        <a:alpha val="90000"/>
+      </a:schemeClr>
+    </dgm:fillClrLst>
+    <dgm:linClrLst meth="repeat">
+      <a:schemeClr val="accent1"/>
+    </dgm:linClrLst>
+    <dgm:effectClrLst/>
+    <dgm:txLinClrLst/>
+    <dgm:txFillClrLst meth="repeat">
+      <a:schemeClr val="dk1"/>
+    </dgm:txFillClrLst>
+    <dgm:txEffectClrLst/>
+  </dgm:styleLbl>
+  <dgm:styleLbl name="trAlignAcc1">
+    <dgm:fillClrLst meth="repeat">
+      <a:schemeClr val="lt1">
+        <a:alpha val="40000"/>
+      </a:schemeClr>
+    </dgm:fillClrLst>
+    <dgm:linClrLst meth="repeat">
+      <a:schemeClr val="accent1"/>
+    </dgm:linClrLst>
+    <dgm:effectClrLst/>
+    <dgm:txLinClrLst/>
+    <dgm:txFillClrLst meth="repeat">
+      <a:schemeClr val="dk1"/>
+    </dgm:txFillClrLst>
+    <dgm:txEffectClrLst/>
+  </dgm:styleLbl>
+  <dgm:styleLbl name="bgAcc1">
+    <dgm:fillClrLst meth="repeat">
+      <a:schemeClr val="lt1">
+        <a:alpha val="90000"/>
+      </a:schemeClr>
+    </dgm:fillClrLst>
+    <dgm:linClrLst meth="repeat">
+      <a:schemeClr val="accent1"/>
+    </dgm:linClrLst>
+    <dgm:effectClrLst/>
+    <dgm:txLinClrLst/>
+    <dgm:txFillClrLst meth="repeat">
+      <a:schemeClr val="dk1"/>
+    </dgm:txFillClrLst>
+    <dgm:txEffectClrLst/>
+  </dgm:styleLbl>
+  <dgm:styleLbl name="solidFgAcc1">
+    <dgm:fillClrLst meth="repeat">
+      <a:schemeClr val="lt1"/>
+    </dgm:fillClrLst>
+    <dgm:linClrLst meth="repeat">
+      <a:schemeClr val="accent1"/>
+    </dgm:linClrLst>
+    <dgm:effectClrLst/>
+    <dgm:txLinClrLst/>
+    <dgm:txFillClrLst meth="repeat">
+      <a:schemeClr val="dk1"/>
+    </dgm:txFillClrLst>
+    <dgm:txEffectClrLst/>
+  </dgm:styleLbl>
+  <dgm:styleLbl name="solidAlignAcc1">
+    <dgm:fillClrLst meth="repeat">
+      <a:schemeClr val="lt1"/>
+    </dgm:fillClrLst>
+    <dgm:linClrLst meth="repeat">
+      <a:schemeClr val="accent1"/>
+    </dgm:linClrLst>
+    <dgm:effectClrLst/>
+    <dgm:txLinClrLst/>
+    <dgm:txFillClrLst meth="repeat">
+      <a:schemeClr val="dk1"/>
+    </dgm:txFillClrLst>
+    <dgm:txEffectClrLst/>
+  </dgm:styleLbl>
+  <dgm:styleLbl name="solidBgAcc1">
+    <dgm:fillClrLst meth="repeat">
+      <a:schemeClr val="lt1"/>
+    </dgm:fillClrLst>
+    <dgm:linClrLst meth="repeat">
+      <a:schemeClr val="accent1"/>
+    </dgm:linClrLst>
+    <dgm:effectClrLst/>
+    <dgm:txLinClrLst/>
+    <dgm:txFillClrLst meth="repeat">
+      <a:schemeClr val="dk1"/>
+    </dgm:txFillClrLst>
+    <dgm:txEffectClrLst/>
+  </dgm:styleLbl>
+  <dgm:styleLbl name="fgAccFollowNode1">
+    <dgm:fillClrLst meth="repeat">
+      <a:schemeClr val="accent1">
+        <a:alpha val="90000"/>
+        <a:tint val="40000"/>
+      </a:schemeClr>
+    </dgm:fillClrLst>
+    <dgm:linClrLst meth="repeat">
+      <a:schemeClr val="accent1">
+        <a:alpha val="90000"/>
+        <a:tint val="40000"/>
+      </a:schemeClr>
+    </dgm:linClrLst>
+    <dgm:effectClrLst/>
+    <dgm:txLinClrLst/>
+    <dgm:txFillClrLst meth="repeat">
+      <a:schemeClr val="dk1"/>
+    </dgm:txFillClrLst>
+    <dgm:txEffectClrLst/>
+  </dgm:styleLbl>
+  <dgm:styleLbl name="alignAccFollowNode1">
+    <dgm:fillClrLst meth="repeat">
+      <a:schemeClr val="accent1">
+        <a:alpha val="90000"/>
+        <a:tint val="40000"/>
+      </a:schemeClr>
+    </dgm:fillClrLst>
+    <dgm:linClrLst meth="repeat">
+      <a:schemeClr val="accent1">
+        <a:alpha val="90000"/>
+        <a:tint val="40000"/>
+      </a:schemeClr>
+    </dgm:linClrLst>
+    <dgm:effectClrLst/>
+    <dgm:txLinClrLst/>
+    <dgm:txFillClrLst meth="repeat">
+      <a:schemeClr val="dk1"/>
+    </dgm:txFillClrLst>
+    <dgm:txEffectClrLst/>
+  </dgm:styleLbl>
+  <dgm:styleLbl name="bgAccFollowNode1">
+    <dgm:fillClrLst meth="repeat">
+      <a:schemeClr val="accent1">
+        <a:alpha val="90000"/>
+        <a:tint val="40000"/>
+      </a:schemeClr>
+    </dgm:fillClrLst>
+    <dgm:linClrLst meth="repeat">
+      <a:schemeClr val="accent1">
+        <a:alpha val="90000"/>
+        <a:tint val="40000"/>
+      </a:schemeClr>
+    </dgm:linClrLst>
+    <dgm:effectClrLst/>
+    <dgm:txLinClrLst/>
+    <dgm:txFillClrLst meth="repeat">
+      <a:schemeClr val="dk1"/>
+    </dgm:txFillClrLst>
+    <dgm:txEffectClrLst/>
+  </dgm:styleLbl>
+  <dgm:styleLbl name="fgAcc0">
+    <dgm:fillClrLst meth="repeat">
+      <a:schemeClr val="lt1">
+        <a:alpha val="90000"/>
+      </a:schemeClr>
+    </dgm:fillClrLst>
+    <dgm:linClrLst meth="repeat">
+      <a:schemeClr val="accent1"/>
+    </dgm:linClrLst>
+    <dgm:effectClrLst/>
+    <dgm:txLinClrLst/>
+    <dgm:txFillClrLst meth="repeat">
+      <a:schemeClr val="dk1"/>
+    </dgm:txFillClrLst>
+    <dgm:txEffectClrLst/>
+  </dgm:styleLbl>
+  <dgm:styleLbl name="fgAcc2">
+    <dgm:fillClrLst meth="repeat">
+      <a:schemeClr val="lt1">
+        <a:alpha val="90000"/>
+      </a:schemeClr>
+    </dgm:fillClrLst>
+    <dgm:linClrLst meth="repeat">
+      <a:schemeClr val="accent1"/>
+    </dgm:linClrLst>
+    <dgm:effectClrLst/>
+    <dgm:txLinClrLst/>
+    <dgm:txFillClrLst meth="repeat">
+      <a:schemeClr val="dk1"/>
+    </dgm:txFillClrLst>
+    <dgm:txEffectClrLst/>
+  </dgm:styleLbl>
+  <dgm:styleLbl name="fgAcc3">
+    <dgm:fillClrLst meth="repeat">
+      <a:schemeClr val="lt1">
+        <a:alpha val="90000"/>
+      </a:schemeClr>
+    </dgm:fillClrLst>
+    <dgm:linClrLst meth="repeat">
+      <a:schemeClr val="accent1"/>
+    </dgm:linClrLst>
+    <dgm:effectClrLst/>
+    <dgm:txLinClrLst/>
+    <dgm:txFillClrLst meth="repeat">
+      <a:schemeClr val="dk1"/>
+    </dgm:txFillClrLst>
+    <dgm:txEffectClrLst/>
+  </dgm:styleLbl>
+  <dgm:styleLbl name="fgAcc4">
+    <dgm:fillClrLst meth="repeat">
+      <a:schemeClr val="lt1">
+        <a:alpha val="90000"/>
+      </a:schemeClr>
+    </dgm:fillClrLst>
+    <dgm:linClrLst meth="repeat">
+      <a:schemeClr val="accent1"/>
+    </dgm:linClrLst>
+    <dgm:effectClrLst/>
+    <dgm:txLinClrLst/>
+    <dgm:txFillClrLst meth="repeat">
+      <a:schemeClr val="dk1"/>
+    </dgm:txFillClrLst>
+    <dgm:txEffectClrLst/>
+  </dgm:styleLbl>
+  <dgm:styleLbl name="bgShp">
+    <dgm:fillClrLst meth="repeat">
+      <a:schemeClr val="accent1">
+        <a:tint val="40000"/>
+      </a:schemeClr>
+    </dgm:fillClrLst>
+    <dgm:linClrLst meth="repeat">
+      <a:schemeClr val="accent1"/>
+    </dgm:linClrLst>
+    <dgm:effectClrLst/>
+    <dgm:txLinClrLst/>
+    <dgm:txFillClrLst meth="repeat">
+      <a:schemeClr val="dk1"/>
+    </dgm:txFillClrLst>
+    <dgm:txEffectClrLst/>
+  </dgm:styleLbl>
+  <dgm:styleLbl name="dkBgShp">
+    <dgm:fillClrLst meth="repeat">
+      <a:schemeClr val="accent1">
+        <a:shade val="80000"/>
+      </a:schemeClr>
+    </dgm:fillClrLst>
+    <dgm:linClrLst meth="repeat">
+      <a:schemeClr val="accent1"/>
+    </dgm:linClrLst>
+    <dgm:effectClrLst/>
+    <dgm:txLinClrLst/>
+    <dgm:txFillClrLst meth="repeat">
+      <a:schemeClr val="lt1"/>
+    </dgm:txFillClrLst>
+    <dgm:txEffectClrLst/>
+  </dgm:styleLbl>
+  <dgm:styleLbl name="trBgShp">
+    <dgm:fillClrLst meth="repeat">
+      <a:schemeClr val="accent1">
+        <a:tint val="50000"/>
+        <a:alpha val="40000"/>
+      </a:schemeClr>
+    </dgm:fillClrLst>
+    <dgm:linClrLst meth="repeat">
+      <a:schemeClr val="accent1"/>
+    </dgm:linClrLst>
+    <dgm:effectClrLst/>
+    <dgm:txLinClrLst/>
+    <dgm:txFillClrLst meth="repeat">
+      <a:schemeClr val="lt1"/>
+    </dgm:txFillClrLst>
+    <dgm:txEffectClrLst/>
+  </dgm:styleLbl>
+  <dgm:styleLbl name="fgShp">
+    <dgm:fillClrLst meth="repeat">
+      <a:schemeClr val="accent1">
+        <a:tint val="60000"/>
+      </a:schemeClr>
+    </dgm:fillClrLst>
+    <dgm:linClrLst meth="repeat">
+      <a:schemeClr val="lt1"/>
+    </dgm:linClrLst>
+    <dgm:effectClrLst/>
+    <dgm:txLinClrLst/>
+    <dgm:txFillClrLst meth="repeat">
+      <a:schemeClr val="dk1"/>
+    </dgm:txFillClrLst>
+    <dgm:txEffectClrLst/>
+  </dgm:styleLbl>
+  <dgm:styleLbl name="revTx">
+    <dgm:fillClrLst meth="repeat">
+      <a:schemeClr val="lt1">
+        <a:alpha val="0"/>
+      </a:schemeClr>
+    </dgm:fillClrLst>
+    <dgm:linClrLst meth="repeat">
+      <a:schemeClr val="dk1">
+        <a:alpha val="0"/>
+      </a:schemeClr>
+    </dgm:linClrLst>
+    <dgm:effectClrLst/>
+    <dgm:txLinClrLst/>
+    <dgm:txFillClrLst meth="repeat">
+      <a:schemeClr val="tx1"/>
+    </dgm:txFillClrLst>
+    <dgm:txEffectClrLst/>
+  </dgm:styleLbl>
+</dgm:colorsDef>
+</file>
+
+<file path=ppt/diagrams/colors2.xml><?xml version="1.0" encoding="utf-8"?>
+<dgm:colorsDef xmlns:dgm="http://schemas.openxmlformats.org/drawingml/2006/diagram" xmlns:a="http://schemas.openxmlformats.org/drawingml/2006/main" uniqueId="urn:microsoft.com/office/officeart/2005/8/colors/accent1_2">
+  <dgm:title val=""/>
+  <dgm:desc val=""/>
+  <dgm:catLst>
+    <dgm:cat type="accent1" pri="11200"/>
+  </dgm:catLst>
+  <dgm:styleLbl name="node0">
+    <dgm:fillClrLst meth="repeat">
+      <a:schemeClr val="accent1"/>
+    </dgm:fillClrLst>
+    <dgm:linClrLst meth="repeat">
+      <a:schemeClr val="lt1"/>
+    </dgm:linClrLst>
+    <dgm:effectClrLst/>
+    <dgm:txLinClrLst/>
+    <dgm:txFillClrLst/>
+    <dgm:txEffectClrLst/>
+  </dgm:styleLbl>
+  <dgm:styleLbl name="alignNode1">
+    <dgm:fillClrLst meth="repeat">
+      <a:schemeClr val="accent1"/>
+    </dgm:fillClrLst>
+    <dgm:linClrLst meth="repeat">
+      <a:schemeClr val="accent1"/>
+    </dgm:linClrLst>
+    <dgm:effectClrLst/>
+    <dgm:txLinClrLst/>
+    <dgm:txFillClrLst/>
+    <dgm:txEffectClrLst/>
+  </dgm:styleLbl>
+  <dgm:styleLbl name="node1">
+    <dgm:fillClrLst meth="repeat">
+      <a:schemeClr val="accent1"/>
+    </dgm:fillClrLst>
+    <dgm:linClrLst meth="repeat">
+      <a:schemeClr val="lt1"/>
+    </dgm:linClrLst>
+    <dgm:effectClrLst/>
+    <dgm:txLinClrLst/>
+    <dgm:txFillClrLst/>
+    <dgm:txEffectClrLst/>
+  </dgm:styleLbl>
+  <dgm:styleLbl name="lnNode1">
+    <dgm:fillClrLst meth="repeat">
+      <a:schemeClr val="accent1"/>
+    </dgm:fillClrLst>
+    <dgm:linClrLst meth="repeat">
+      <a:schemeClr val="lt1"/>
+    </dgm:linClrLst>
+    <dgm:effectClrLst/>
+    <dgm:txLinClrLst/>
+    <dgm:txFillClrLst/>
+    <dgm:txEffectClrLst/>
+  </dgm:styleLbl>
+  <dgm:styleLbl name="vennNode1">
+    <dgm:fillClrLst meth="repeat">
+      <a:schemeClr val="accent1">
+        <a:alpha val="50000"/>
+      </a:schemeClr>
+    </dgm:fillClrLst>
+    <dgm:linClrLst meth="repeat">
+      <a:schemeClr val="lt1"/>
+    </dgm:linClrLst>
+    <dgm:effectClrLst/>
+    <dgm:txLinClrLst/>
+    <dgm:txFillClrLst/>
+    <dgm:txEffectClrLst/>
+  </dgm:styleLbl>
+  <dgm:styleLbl name="node2">
+    <dgm:fillClrLst meth="repeat">
+      <a:schemeClr val="accent1"/>
+    </dgm:fillClrLst>
+    <dgm:linClrLst meth="repeat">
+      <a:schemeClr val="lt1"/>
+    </dgm:linClrLst>
+    <dgm:effectClrLst/>
+    <dgm:txLinClrLst/>
+    <dgm:txFillClrLst/>
+    <dgm:txEffectClrLst/>
+  </dgm:styleLbl>
+  <dgm:styleLbl name="node3">
+    <dgm:fillClrLst meth="repeat">
+      <a:schemeClr val="accent1"/>
+    </dgm:fillClrLst>
+    <dgm:linClrLst meth="repeat">
+      <a:schemeClr val="lt1"/>
+    </dgm:linClrLst>
+    <dgm:effectClrLst/>
+    <dgm:txLinClrLst/>
+    <dgm:txFillClrLst/>
+    <dgm:txEffectClrLst/>
+  </dgm:styleLbl>
+  <dgm:styleLbl name="node4">
+    <dgm:fillClrLst meth="repeat">
+      <a:schemeClr val="accent1"/>
+    </dgm:fillClrLst>
+    <dgm:linClrLst meth="repeat">
+      <a:schemeClr val="lt1"/>
+    </dgm:linClrLst>
+    <dgm:effectClrLst/>
+    <dgm:txLinClrLst/>
+    <dgm:txFillClrLst/>
+    <dgm:txEffectClrLst/>
+  </dgm:styleLbl>
+  <dgm:styleLbl name="fgImgPlace1">
+    <dgm:fillClrLst meth="repeat">
+      <a:schemeClr val="accent1">
+        <a:tint val="50000"/>
+      </a:schemeClr>
+    </dgm:fillClrLst>
+    <dgm:linClrLst meth="repeat">
+      <a:schemeClr val="lt1"/>
+    </dgm:linClrLst>
+    <dgm:effectClrLst/>
+    <dgm:txLinClrLst/>
+    <dgm:txFillClrLst meth="repeat">
+      <a:schemeClr val="lt1"/>
+    </dgm:txFillClrLst>
+    <dgm:txEffectClrLst/>
+  </dgm:styleLbl>
+  <dgm:styleLbl name="alignImgPlace1">
+    <dgm:fillClrLst meth="repeat">
+      <a:schemeClr val="accent1">
+        <a:tint val="50000"/>
+      </a:schemeClr>
+    </dgm:fillClrLst>
+    <dgm:linClrLst meth="repeat">
+      <a:schemeClr val="lt1"/>
+    </dgm:linClrLst>
+    <dgm:effectClrLst/>
+    <dgm:txLinClrLst/>
+    <dgm:txFillClrLst meth="repeat">
+      <a:schemeClr val="lt1"/>
+    </dgm:txFillClrLst>
+    <dgm:txEffectClrLst/>
+  </dgm:styleLbl>
+  <dgm:styleLbl name="bgImgPlace1">
+    <dgm:fillClrLst meth="repeat">
+      <a:schemeClr val="accent1">
+        <a:tint val="50000"/>
+      </a:schemeClr>
+    </dgm:fillClrLst>
+    <dgm:linClrLst meth="repeat">
+      <a:schemeClr val="lt1"/>
+    </dgm:linClrLst>
+    <dgm:effectClrLst/>
+    <dgm:txLinClrLst/>
+    <dgm:txFillClrLst meth="repeat">
+      <a:schemeClr val="lt1"/>
+    </dgm:txFillClrLst>
+    <dgm:txEffectClrLst/>
+  </dgm:styleLbl>
+  <dgm:styleLbl name="sibTrans2D1">
+    <dgm:fillClrLst meth="repeat">
+      <a:schemeClr val="accent1">
+        <a:tint val="60000"/>
+      </a:schemeClr>
+    </dgm:fillClrLst>
+    <dgm:linClrLst meth="repeat">
+      <a:schemeClr val="accent1">
+        <a:tint val="60000"/>
+      </a:schemeClr>
+    </dgm:linClrLst>
+    <dgm:effectClrLst/>
+    <dgm:txLinClrLst/>
+    <dgm:txFillClrLst/>
+    <dgm:txEffectClrLst/>
+  </dgm:styleLbl>
+  <dgm:styleLbl name="fgSibTrans2D1">
+    <dgm:fillClrLst meth="repeat">
+      <a:schemeClr val="accent1">
+        <a:tint val="60000"/>
+      </a:schemeClr>
+    </dgm:fillClrLst>
+    <dgm:linClrLst meth="repeat">
+      <a:schemeClr val="accent1">
+        <a:tint val="60000"/>
+      </a:schemeClr>
+    </dgm:linClrLst>
+    <dgm:effectClrLst/>
+    <dgm:txLinClrLst/>
+    <dgm:txFillClrLst/>
+    <dgm:txEffectClrLst/>
+  </dgm:styleLbl>
+  <dgm:styleLbl name="bgSibTrans2D1">
+    <dgm:fillClrLst meth="repeat">
+      <a:schemeClr val="accent1">
+        <a:tint val="60000"/>
+      </a:schemeClr>
+    </dgm:fillClrLst>
+    <dgm:linClrLst meth="repeat">
+      <a:schemeClr val="accent1">
+        <a:tint val="60000"/>
+      </a:schemeClr>
+    </dgm:linClrLst>
+    <dgm:effectClrLst/>
+    <dgm:txLinClrLst/>
+    <dgm:txFillClrLst/>
+    <dgm:txEffectClrLst/>
+  </dgm:styleLbl>
+  <dgm:styleLbl name="sibTrans1D1">
+    <dgm:fillClrLst meth="repeat">
+      <a:schemeClr val="accent1"/>
+    </dgm:fillClrLst>
+    <dgm:linClrLst meth="repeat">
+      <a:schemeClr val="accent1"/>
+    </dgm:linClrLst>
+    <dgm:effectClrLst/>
+    <dgm:txLinClrLst/>
+    <dgm:txFillClrLst meth="repeat">
+      <a:schemeClr val="tx1"/>
+    </dgm:txFillClrLst>
+    <dgm:txEffectClrLst/>
+  </dgm:styleLbl>
+  <dgm:styleLbl name="callout">
+    <dgm:fillClrLst meth="repeat">
+      <a:schemeClr val="accent1"/>
+    </dgm:fillClrLst>
+    <dgm:linClrLst meth="repeat">
+      <a:schemeClr val="accent1">
+        <a:tint val="50000"/>
+      </a:schemeClr>
+    </dgm:linClrLst>
+    <dgm:effectClrLst/>
+    <dgm:txLinClrLst/>
+    <dgm:txFillClrLst meth="repeat">
+      <a:schemeClr val="tx1"/>
+    </dgm:txFillClrLst>
+    <dgm:txEffectClrLst/>
+  </dgm:styleLbl>
+  <dgm:styleLbl name="asst0">
+    <dgm:fillClrLst meth="repeat">
+      <a:schemeClr val="accent1"/>
+    </dgm:fillClrLst>
+    <dgm:linClrLst meth="repeat">
+      <a:schemeClr val="lt1"/>
+    </dgm:linClrLst>
+    <dgm:effectClrLst/>
+    <dgm:txLinClrLst/>
+    <dgm:txFillClrLst/>
+    <dgm:txEffectClrLst/>
+  </dgm:styleLbl>
+  <dgm:styleLbl name="asst1">
+    <dgm:fillClrLst meth="repeat">
+      <a:schemeClr val="accent1"/>
+    </dgm:fillClrLst>
+    <dgm:linClrLst meth="repeat">
+      <a:schemeClr val="lt1"/>
+    </dgm:linClrLst>
+    <dgm:effectClrLst/>
+    <dgm:txLinClrLst/>
+    <dgm:txFillClrLst/>
+    <dgm:txEffectClrLst/>
+  </dgm:styleLbl>
+  <dgm:styleLbl name="asst2">
+    <dgm:fillClrLst meth="repeat">
+      <a:schemeClr val="accent1"/>
+    </dgm:fillClrLst>
+    <dgm:linClrLst meth="repeat">
+      <a:schemeClr val="lt1"/>
+    </dgm:linClrLst>
+    <dgm:effectClrLst/>
+    <dgm:txLinClrLst/>
+    <dgm:txFillClrLst/>
+    <dgm:txEffectClrLst/>
+  </dgm:styleLbl>
+  <dgm:styleLbl name="asst3">
+    <dgm:fillClrLst meth="repeat">
+      <a:schemeClr val="accent1"/>
+    </dgm:fillClrLst>
+    <dgm:linClrLst meth="repeat">
+      <a:schemeClr val="lt1"/>
+    </dgm:linClrLst>
+    <dgm:effectClrLst/>
+    <dgm:txLinClrLst/>
+    <dgm:txFillClrLst/>
+    <dgm:txEffectClrLst/>
+  </dgm:styleLbl>
+  <dgm:styleLbl name="asst4">
+    <dgm:fillClrLst meth="repeat">
+      <a:schemeClr val="accent1"/>
+    </dgm:fillClrLst>
+    <dgm:linClrLst meth="repeat">
+      <a:schemeClr val="lt1"/>
+    </dgm:linClrLst>
+    <dgm:effectClrLst/>
+    <dgm:txLinClrLst/>
+    <dgm:txFillClrLst/>
+    <dgm:txEffectClrLst/>
+  </dgm:styleLbl>
+  <dgm:styleLbl name="parChTrans2D1">
+    <dgm:fillClrLst meth="repeat">
+      <a:schemeClr val="accent1">
+        <a:tint val="60000"/>
+      </a:schemeClr>
+    </dgm:fillClrLst>
+    <dgm:linClrLst meth="repeat">
+      <a:schemeClr val="accent1">
+        <a:tint val="60000"/>
+      </a:schemeClr>
+    </dgm:linClrLst>
+    <dgm:effectClrLst/>
+    <dgm:txLinClrLst/>
+    <dgm:txFillClrLst meth="repeat">
+      <a:schemeClr val="lt1"/>
+    </dgm:txFillClrLst>
+    <dgm:txEffectClrLst/>
+  </dgm:styleLbl>
+  <dgm:styleLbl name="parChTrans2D2">
+    <dgm:fillClrLst meth="repeat">
+      <a:schemeClr val="accent1"/>
+    </dgm:fillClrLst>
+    <dgm:linClrLst meth="repeat">
+      <a:schemeClr val="accent1"/>
+    </dgm:linClrLst>
+    <dgm:effectClrLst/>
+    <dgm:txLinClrLst/>
+    <dgm:txFillClrLst meth="repeat">
+      <a:schemeClr val="lt1"/>
+    </dgm:txFillClrLst>
+    <dgm:txEffectClrLst/>
+  </dgm:styleLbl>
+  <dgm:styleLbl name="parChTrans2D3">
+    <dgm:fillClrLst meth="repeat">
+      <a:schemeClr val="accent1"/>
+    </dgm:fillClrLst>
+    <dgm:linClrLst meth="repeat">
+      <a:schemeClr val="accent1"/>
+    </dgm:linClrLst>
+    <dgm:effectClrLst/>
+    <dgm:txLinClrLst/>
+    <dgm:txFillClrLst meth="repeat">
+      <a:schemeClr val="lt1"/>
+    </dgm:txFillClrLst>
+    <dgm:txEffectClrLst/>
+  </dgm:styleLbl>
+  <dgm:styleLbl name="parChTrans2D4">
+    <dgm:fillClrLst meth="repeat">
+      <a:schemeClr val="accent1"/>
+    </dgm:fillClrLst>
+    <dgm:linClrLst meth="repeat">
+      <a:schemeClr val="accent1"/>
+    </dgm:linClrLst>
+    <dgm:effectClrLst/>
+    <dgm:txLinClrLst/>
+    <dgm:txFillClrLst meth="repeat">
+      <a:schemeClr val="lt1"/>
+    </dgm:txFillClrLst>
+    <dgm:txEffectClrLst/>
+  </dgm:styleLbl>
+  <dgm:styleLbl name="parChTrans1D1">
+    <dgm:fillClrLst meth="repeat">
+      <a:schemeClr val="accent1"/>
+    </dgm:fillClrLst>
+    <dgm:linClrLst meth="repeat">
+      <a:schemeClr val="accent1">
+        <a:shade val="60000"/>
+      </a:schemeClr>
+    </dgm:linClrLst>
+    <dgm:effectClrLst/>
+    <dgm:txLinClrLst/>
+    <dgm:txFillClrLst meth="repeat">
+      <a:schemeClr val="tx1"/>
+    </dgm:txFillClrLst>
+    <dgm:txEffectClrLst/>
+  </dgm:styleLbl>
+  <dgm:styleLbl name="parChTrans1D2">
+    <dgm:fillClrLst meth="repeat">
+      <a:schemeClr val="accent1"/>
+    </dgm:fillClrLst>
+    <dgm:linClrLst meth="repeat">
+      <a:schemeClr val="accent1">
+        <a:shade val="60000"/>
+      </a:schemeClr>
+    </dgm:linClrLst>
+    <dgm:effectClrLst/>
+    <dgm:txLinClrLst/>
+    <dgm:txFillClrLst meth="repeat">
+      <a:schemeClr val="tx1"/>
+    </dgm:txFillClrLst>
+    <dgm:txEffectClrLst/>
+  </dgm:styleLbl>
+  <dgm:styleLbl name="parChTrans1D3">
+    <dgm:fillClrLst meth="repeat">
+      <a:schemeClr val="accent1"/>
+    </dgm:fillClrLst>
+    <dgm:linClrLst meth="repeat">
+      <a:schemeClr val="accent1">
+        <a:shade val="80000"/>
+      </a:schemeClr>
+    </dgm:linClrLst>
+    <dgm:effectClrLst/>
+    <dgm:txLinClrLst/>
+    <dgm:txFillClrLst meth="repeat">
+      <a:schemeClr val="tx1"/>
+    </dgm:txFillClrLst>
+    <dgm:txEffectClrLst/>
+  </dgm:styleLbl>
+  <dgm:styleLbl name="parChTrans1D4">
+    <dgm:fillClrLst meth="repeat">
+      <a:schemeClr val="accent1"/>
+    </dgm:fillClrLst>
+    <dgm:linClrLst meth="repeat">
+      <a:schemeClr val="accent1">
+        <a:shade val="80000"/>
+      </a:schemeClr>
+    </dgm:linClrLst>
+    <dgm:effectClrLst/>
+    <dgm:txLinClrLst/>
+    <dgm:txFillClrLst meth="repeat">
+      <a:schemeClr val="tx1"/>
+    </dgm:txFillClrLst>
+    <dgm:txEffectClrLst/>
+  </dgm:styleLbl>
+  <dgm:styleLbl name="fgAcc1">
+    <dgm:fillClrLst meth="repeat">
+      <a:schemeClr val="lt1">
+        <a:alpha val="90000"/>
+      </a:schemeClr>
+    </dgm:fillClrLst>
+    <dgm:linClrLst meth="repeat">
+      <a:schemeClr val="accent1"/>
+    </dgm:linClrLst>
+    <dgm:effectClrLst/>
+    <dgm:txLinClrLst/>
+    <dgm:txFillClrLst meth="repeat">
+      <a:schemeClr val="dk1"/>
+    </dgm:txFillClrLst>
+    <dgm:txEffectClrLst/>
+  </dgm:styleLbl>
+  <dgm:styleLbl name="conFgAcc1">
+    <dgm:fillClrLst meth="repeat">
+      <a:schemeClr val="lt1">
+        <a:alpha val="90000"/>
+      </a:schemeClr>
+    </dgm:fillClrLst>
+    <dgm:linClrLst meth="repeat">
+      <a:schemeClr val="accent1"/>
+    </dgm:linClrLst>
+    <dgm:effectClrLst/>
+    <dgm:txLinClrLst/>
+    <dgm:txFillClrLst meth="repeat">
+      <a:schemeClr val="dk1"/>
+    </dgm:txFillClrLst>
+    <dgm:txEffectClrLst/>
+  </dgm:styleLbl>
+  <dgm:styleLbl name="alignAcc1">
+    <dgm:fillClrLst meth="repeat">
+      <a:schemeClr val="lt1">
+        <a:alpha val="90000"/>
+      </a:schemeClr>
+    </dgm:fillClrLst>
+    <dgm:linClrLst meth="repeat">
+      <a:schemeClr val="accent1"/>
+    </dgm:linClrLst>
+    <dgm:effectClrLst/>
+    <dgm:txLinClrLst/>
+    <dgm:txFillClrLst meth="repeat">
+      <a:schemeClr val="dk1"/>
+    </dgm:txFillClrLst>
+    <dgm:txEffectClrLst/>
+  </dgm:styleLbl>
+  <dgm:styleLbl name="trAlignAcc1">
+    <dgm:fillClrLst meth="repeat">
+      <a:schemeClr val="lt1">
+        <a:alpha val="40000"/>
+      </a:schemeClr>
+    </dgm:fillClrLst>
+    <dgm:linClrLst meth="repeat">
+      <a:schemeClr val="accent1"/>
+    </dgm:linClrLst>
+    <dgm:effectClrLst/>
+    <dgm:txLinClrLst/>
+    <dgm:txFillClrLst meth="repeat">
+      <a:schemeClr val="dk1"/>
+    </dgm:txFillClrLst>
+    <dgm:txEffectClrLst/>
+  </dgm:styleLbl>
+  <dgm:styleLbl name="bgAcc1">
+    <dgm:fillClrLst meth="repeat">
+      <a:schemeClr val="lt1">
+        <a:alpha val="90000"/>
+      </a:schemeClr>
+    </dgm:fillClrLst>
+    <dgm:linClrLst meth="repeat">
+      <a:schemeClr val="accent1"/>
+    </dgm:linClrLst>
+    <dgm:effectClrLst/>
+    <dgm:txLinClrLst/>
+    <dgm:txFillClrLst meth="repeat">
+      <a:schemeClr val="dk1"/>
+    </dgm:txFillClrLst>
+    <dgm:txEffectClrLst/>
+  </dgm:styleLbl>
+  <dgm:styleLbl name="solidFgAcc1">
+    <dgm:fillClrLst meth="repeat">
+      <a:schemeClr val="lt1"/>
+    </dgm:fillClrLst>
+    <dgm:linClrLst meth="repeat">
+      <a:schemeClr val="accent1"/>
+    </dgm:linClrLst>
+    <dgm:effectClrLst/>
+    <dgm:txLinClrLst/>
+    <dgm:txFillClrLst meth="repeat">
+      <a:schemeClr val="dk1"/>
+    </dgm:txFillClrLst>
+    <dgm:txEffectClrLst/>
+  </dgm:styleLbl>
+  <dgm:styleLbl name="solidAlignAcc1">
+    <dgm:fillClrLst meth="repeat">
+      <a:schemeClr val="lt1"/>
+    </dgm:fillClrLst>
+    <dgm:linClrLst meth="repeat">
+      <a:schemeClr val="accent1"/>
+    </dgm:linClrLst>
+    <dgm:effectClrLst/>
+    <dgm:txLinClrLst/>
+    <dgm:txFillClrLst meth="repeat">
+      <a:schemeClr val="dk1"/>
+    </dgm:txFillClrLst>
+    <dgm:txEffectClrLst/>
+  </dgm:styleLbl>
+  <dgm:styleLbl name="solidBgAcc1">
+    <dgm:fillClrLst meth="repeat">
+      <a:schemeClr val="lt1"/>
+    </dgm:fillClrLst>
+    <dgm:linClrLst meth="repeat">
+      <a:schemeClr val="accent1"/>
+    </dgm:linClrLst>
+    <dgm:effectClrLst/>
+    <dgm:txLinClrLst/>
+    <dgm:txFillClrLst meth="repeat">
+      <a:schemeClr val="dk1"/>
+    </dgm:txFillClrLst>
+    <dgm:txEffectClrLst/>
+  </dgm:styleLbl>
+  <dgm:styleLbl name="fgAccFollowNode1">
+    <dgm:fillClrLst meth="repeat">
+      <a:schemeClr val="accent1">
+        <a:alpha val="90000"/>
+        <a:tint val="40000"/>
+      </a:schemeClr>
+    </dgm:fillClrLst>
+    <dgm:linClrLst meth="repeat">
+      <a:schemeClr val="accent1">
+        <a:alpha val="90000"/>
+        <a:tint val="40000"/>
+      </a:schemeClr>
+    </dgm:linClrLst>
+    <dgm:effectClrLst/>
+    <dgm:txLinClrLst/>
+    <dgm:txFillClrLst meth="repeat">
+      <a:schemeClr val="dk1"/>
+    </dgm:txFillClrLst>
+    <dgm:txEffectClrLst/>
+  </dgm:styleLbl>
+  <dgm:styleLbl name="alignAccFollowNode1">
+    <dgm:fillClrLst meth="repeat">
+      <a:schemeClr val="accent1">
+        <a:alpha val="90000"/>
+        <a:tint val="40000"/>
+      </a:schemeClr>
+    </dgm:fillClrLst>
+    <dgm:linClrLst meth="repeat">
+      <a:schemeClr val="accent1">
+        <a:alpha val="90000"/>
+        <a:tint val="40000"/>
+      </a:schemeClr>
+    </dgm:linClrLst>
+    <dgm:effectClrLst/>
+    <dgm:txLinClrLst/>
+    <dgm:txFillClrLst meth="repeat">
+      <a:schemeClr val="dk1"/>
+    </dgm:txFillClrLst>
+    <dgm:txEffectClrLst/>
+  </dgm:styleLbl>
+  <dgm:styleLbl name="bgAccFollowNode1">
+    <dgm:fillClrLst meth="repeat">
+      <a:schemeClr val="accent1">
+        <a:alpha val="90000"/>
+        <a:tint val="40000"/>
+      </a:schemeClr>
+    </dgm:fillClrLst>
+    <dgm:linClrLst meth="repeat">
+      <a:schemeClr val="accent1">
+        <a:alpha val="90000"/>
+        <a:tint val="40000"/>
+      </a:schemeClr>
+    </dgm:linClrLst>
+    <dgm:effectClrLst/>
+    <dgm:txLinClrLst/>
+    <dgm:txFillClrLst meth="repeat">
+      <a:schemeClr val="dk1"/>
+    </dgm:txFillClrLst>
+    <dgm:txEffectClrLst/>
+  </dgm:styleLbl>
+  <dgm:styleLbl name="fgAcc0">
+    <dgm:fillClrLst meth="repeat">
+      <a:schemeClr val="lt1">
+        <a:alpha val="90000"/>
+      </a:schemeClr>
+    </dgm:fillClrLst>
+    <dgm:linClrLst meth="repeat">
+      <a:schemeClr val="accent1"/>
+    </dgm:linClrLst>
+    <dgm:effectClrLst/>
+    <dgm:txLinClrLst/>
+    <dgm:txFillClrLst meth="repeat">
+      <a:schemeClr val="dk1"/>
+    </dgm:txFillClrLst>
+    <dgm:txEffectClrLst/>
+  </dgm:styleLbl>
+  <dgm:styleLbl name="fgAcc2">
+    <dgm:fillClrLst meth="repeat">
+      <a:schemeClr val="lt1">
+        <a:alpha val="90000"/>
+      </a:schemeClr>
+    </dgm:fillClrLst>
+    <dgm:linClrLst meth="repeat">
+      <a:schemeClr val="accent1"/>
+    </dgm:linClrLst>
+    <dgm:effectClrLst/>
+    <dgm:txLinClrLst/>
+    <dgm:txFillClrLst meth="repeat">
+      <a:schemeClr val="dk1"/>
+    </dgm:txFillClrLst>
+    <dgm:txEffectClrLst/>
+  </dgm:styleLbl>
+  <dgm:styleLbl name="fgAcc3">
+    <dgm:fillClrLst meth="repeat">
+      <a:schemeClr val="lt1">
+        <a:alpha val="90000"/>
+      </a:schemeClr>
+    </dgm:fillClrLst>
+    <dgm:linClrLst meth="repeat">
+      <a:schemeClr val="accent1"/>
+    </dgm:linClrLst>
+    <dgm:effectClrLst/>
+    <dgm:txLinClrLst/>
+    <dgm:txFillClrLst meth="repeat">
+      <a:schemeClr val="dk1"/>
+    </dgm:txFillClrLst>
+    <dgm:txEffectClrLst/>
+  </dgm:styleLbl>
+  <dgm:styleLbl name="fgAcc4">
+    <dgm:fillClrLst meth="repeat">
+      <a:schemeClr val="lt1">
+        <a:alpha val="90000"/>
+      </a:schemeClr>
+    </dgm:fillClrLst>
+    <dgm:linClrLst meth="repeat">
+      <a:schemeClr val="accent1"/>
+    </dgm:linClrLst>
+    <dgm:effectClrLst/>
+    <dgm:txLinClrLst/>
+    <dgm:txFillClrLst meth="repeat">
+      <a:schemeClr val="dk1"/>
+    </dgm:txFillClrLst>
+    <dgm:txEffectClrLst/>
+  </dgm:styleLbl>
+  <dgm:styleLbl name="bgShp">
+    <dgm:fillClrLst meth="repeat">
+      <a:schemeClr val="accent1">
+        <a:tint val="40000"/>
+      </a:schemeClr>
+    </dgm:fillClrLst>
+    <dgm:linClrLst meth="repeat">
+      <a:schemeClr val="accent1"/>
+    </dgm:linClrLst>
+    <dgm:effectClrLst/>
+    <dgm:txLinClrLst/>
+    <dgm:txFillClrLst meth="repeat">
+      <a:schemeClr val="dk1"/>
+    </dgm:txFillClrLst>
+    <dgm:txEffectClrLst/>
+  </dgm:styleLbl>
+  <dgm:styleLbl name="dkBgShp">
+    <dgm:fillClrLst meth="repeat">
+      <a:schemeClr val="accent1">
+        <a:shade val="80000"/>
+      </a:schemeClr>
+    </dgm:fillClrLst>
+    <dgm:linClrLst meth="repeat">
+      <a:schemeClr val="accent1"/>
+    </dgm:linClrLst>
+    <dgm:effectClrLst/>
+    <dgm:txLinClrLst/>
+    <dgm:txFillClrLst meth="repeat">
+      <a:schemeClr val="lt1"/>
+    </dgm:txFillClrLst>
+    <dgm:txEffectClrLst/>
+  </dgm:styleLbl>
+  <dgm:styleLbl name="trBgShp">
+    <dgm:fillClrLst meth="repeat">
+      <a:schemeClr val="accent1">
+        <a:tint val="50000"/>
+        <a:alpha val="40000"/>
+      </a:schemeClr>
+    </dgm:fillClrLst>
+    <dgm:linClrLst meth="repeat">
+      <a:schemeClr val="accent1"/>
+    </dgm:linClrLst>
+    <dgm:effectClrLst/>
+    <dgm:txLinClrLst/>
+    <dgm:txFillClrLst meth="repeat">
+      <a:schemeClr val="lt1"/>
+    </dgm:txFillClrLst>
+    <dgm:txEffectClrLst/>
+  </dgm:styleLbl>
+  <dgm:styleLbl name="fgShp">
+    <dgm:fillClrLst meth="repeat">
+      <a:schemeClr val="accent1">
+        <a:tint val="60000"/>
+      </a:schemeClr>
+    </dgm:fillClrLst>
+    <dgm:linClrLst meth="repeat">
+      <a:schemeClr val="lt1"/>
+    </dgm:linClrLst>
+    <dgm:effectClrLst/>
+    <dgm:txLinClrLst/>
+    <dgm:txFillClrLst meth="repeat">
+      <a:schemeClr val="dk1"/>
+    </dgm:txFillClrLst>
+    <dgm:txEffectClrLst/>
+  </dgm:styleLbl>
+  <dgm:styleLbl name="revTx">
+    <dgm:fillClrLst meth="repeat">
+      <a:schemeClr val="lt1">
+        <a:alpha val="0"/>
+      </a:schemeClr>
+    </dgm:fillClrLst>
+    <dgm:linClrLst meth="repeat">
+      <a:schemeClr val="dk1">
+        <a:alpha val="0"/>
+      </a:schemeClr>
+    </dgm:linClrLst>
+    <dgm:effectClrLst/>
+    <dgm:txLinClrLst/>
+    <dgm:txFillClrLst meth="repeat">
+      <a:schemeClr val="tx1"/>
+    </dgm:txFillClrLst>
+    <dgm:txEffectClrLst/>
+  </dgm:styleLbl>
+</dgm:colorsDef>
+</file>
+
+<file path=ppt/diagrams/colors3.xml><?xml version="1.0" encoding="utf-8"?>
 <dgm:colorsDef xmlns:dgm="http://schemas.openxmlformats.org/drawingml/2006/diagram" xmlns:a="http://schemas.openxmlformats.org/drawingml/2006/main" uniqueId="urn:microsoft.com/office/officeart/2005/8/colors/accent1_2">
   <dgm:title val=""/>
   <dgm:desc val=""/>
@@ -1053,6 +2553,13 @@
         </dgm:presLayoutVars>
       </dgm:prSet>
       <dgm:spPr/>
+      <dgm:t>
+        <a:bodyPr/>
+        <a:lstStyle/>
+        <a:p>
+          <a:endParaRPr lang="zh-CN" altLang="en-US"/>
+        </a:p>
+      </dgm:t>
     </dgm:pt>
     <dgm:pt modelId="{FD28EEA3-514D-4171-B9BB-D5A18B7C1316}" type="pres">
       <dgm:prSet presAssocID="{0545C9DE-8A07-4C2A-A2D9-65C076C9B365}" presName="Name1" presStyleCnt="0"/>
@@ -1069,6 +2576,13 @@
     <dgm:pt modelId="{781D2BA9-01B8-4B7C-82D6-94E995C3B482}" type="pres">
       <dgm:prSet presAssocID="{0545C9DE-8A07-4C2A-A2D9-65C076C9B365}" presName="conn" presStyleLbl="parChTrans1D2" presStyleIdx="0" presStyleCnt="1"/>
       <dgm:spPr/>
+      <dgm:t>
+        <a:bodyPr/>
+        <a:lstStyle/>
+        <a:p>
+          <a:endParaRPr lang="zh-CN" altLang="en-US"/>
+        </a:p>
+      </dgm:t>
     </dgm:pt>
     <dgm:pt modelId="{C21B03CF-4D38-4344-B1B4-033B0B4ABA67}" type="pres">
       <dgm:prSet presAssocID="{0545C9DE-8A07-4C2A-A2D9-65C076C9B365}" presName="extraNode" presStyleLbl="node1" presStyleIdx="0" presStyleCnt="4"/>
@@ -1108,6 +2622,13 @@
         </dgm:presLayoutVars>
       </dgm:prSet>
       <dgm:spPr/>
+      <dgm:t>
+        <a:bodyPr/>
+        <a:lstStyle/>
+        <a:p>
+          <a:endParaRPr lang="zh-CN" altLang="en-US"/>
+        </a:p>
+      </dgm:t>
     </dgm:pt>
     <dgm:pt modelId="{96108D26-B565-4F20-90AF-0AE335A002C5}" type="pres">
       <dgm:prSet presAssocID="{93AFD633-663F-4106-A338-B53D365FA55A}" presName="accent_2" presStyleCnt="0"/>
@@ -1165,16 +2686,16 @@
     </dgm:pt>
   </dgm:ptLst>
   <dgm:cxnLst>
+    <dgm:cxn modelId="{8B60C6DD-5630-4375-8031-ABE9047794FD}" srcId="{0545C9DE-8A07-4C2A-A2D9-65C076C9B365}" destId="{A928F303-82EB-4DE6-84A9-ADE69A9B736A}" srcOrd="0" destOrd="0" parTransId="{F359EEA1-8CFB-40EF-9FAB-1E007DE85419}" sibTransId="{B3B2A0C6-F177-4A28-BC7B-0B98A24E353A}"/>
+    <dgm:cxn modelId="{99B14536-2F45-4326-A8B0-BB747628260B}" type="presOf" srcId="{2E09E152-16CE-4B7B-9A17-C3A886600D7E}" destId="{A0A7E770-CD20-4A85-B860-14E7E41A6359}" srcOrd="0" destOrd="0" presId="urn:microsoft.com/office/officeart/2008/layout/VerticalCurvedList"/>
+    <dgm:cxn modelId="{DEB4E969-1CAE-4BB5-8753-CE27A3E4CDB3}" type="presOf" srcId="{A928F303-82EB-4DE6-84A9-ADE69A9B736A}" destId="{70ABE1E6-AAF8-4A13-8929-D138719B5DAC}" srcOrd="0" destOrd="0" presId="urn:microsoft.com/office/officeart/2008/layout/VerticalCurvedList"/>
+    <dgm:cxn modelId="{4F9AA761-18A1-4DA6-BCEA-0A6C5F92EE67}" type="presOf" srcId="{93AFD633-663F-4106-A338-B53D365FA55A}" destId="{1D193561-E8A1-42D7-8316-5840CB872E79}" srcOrd="0" destOrd="0" presId="urn:microsoft.com/office/officeart/2008/layout/VerticalCurvedList"/>
+    <dgm:cxn modelId="{7A5AD296-49A1-4E3A-AB6C-903B9F3CA13B}" type="presOf" srcId="{B3B2A0C6-F177-4A28-BC7B-0B98A24E353A}" destId="{781D2BA9-01B8-4B7C-82D6-94E995C3B482}" srcOrd="0" destOrd="0" presId="urn:microsoft.com/office/officeart/2008/layout/VerticalCurvedList"/>
+    <dgm:cxn modelId="{EA4E4529-DA80-4190-847E-05175DA9F9A7}" srcId="{0545C9DE-8A07-4C2A-A2D9-65C076C9B365}" destId="{AF2E17C9-E4B4-44F6-9F02-0F853BFEDFCD}" srcOrd="2" destOrd="0" parTransId="{8EE9E8ED-3E10-4E1E-B1C7-C9C4DB6E55BD}" sibTransId="{E5113DCA-C2BA-4EC5-9C1C-6D7D664A71D0}"/>
     <dgm:cxn modelId="{40E9745D-3C70-4943-A271-A7244CDDC0D4}" srcId="{0545C9DE-8A07-4C2A-A2D9-65C076C9B365}" destId="{93AFD633-663F-4106-A338-B53D365FA55A}" srcOrd="1" destOrd="0" parTransId="{742FB39E-DC99-4FEC-A19F-DE19CFD786B5}" sibTransId="{13ED9EDE-EB10-4687-8B9D-78BE111500DB}"/>
-    <dgm:cxn modelId="{99B14536-2F45-4326-A8B0-BB747628260B}" type="presOf" srcId="{2E09E152-16CE-4B7B-9A17-C3A886600D7E}" destId="{A0A7E770-CD20-4A85-B860-14E7E41A6359}" srcOrd="0" destOrd="0" presId="urn:microsoft.com/office/officeart/2008/layout/VerticalCurvedList"/>
+    <dgm:cxn modelId="{8F6180DB-84CB-4DBF-9297-78E9293C7511}" srcId="{0545C9DE-8A07-4C2A-A2D9-65C076C9B365}" destId="{2E09E152-16CE-4B7B-9A17-C3A886600D7E}" srcOrd="3" destOrd="0" parTransId="{A28597A9-E8C3-44E8-9451-48ADD2C950E6}" sibTransId="{D21F3EEE-17CA-42B5-8D63-87D5A01326D0}"/>
     <dgm:cxn modelId="{1EE0F523-D903-467B-94AE-81094E4F7C2D}" type="presOf" srcId="{AF2E17C9-E4B4-44F6-9F02-0F853BFEDFCD}" destId="{045D4F48-AEF5-41E3-A97B-002BFBFC1C97}" srcOrd="0" destOrd="0" presId="urn:microsoft.com/office/officeart/2008/layout/VerticalCurvedList"/>
-    <dgm:cxn modelId="{DEB4E969-1CAE-4BB5-8753-CE27A3E4CDB3}" type="presOf" srcId="{A928F303-82EB-4DE6-84A9-ADE69A9B736A}" destId="{70ABE1E6-AAF8-4A13-8929-D138719B5DAC}" srcOrd="0" destOrd="0" presId="urn:microsoft.com/office/officeart/2008/layout/VerticalCurvedList"/>
     <dgm:cxn modelId="{FD554201-8AAC-4AA0-BAF5-E4CE3F4B19CE}" type="presOf" srcId="{0545C9DE-8A07-4C2A-A2D9-65C076C9B365}" destId="{872F07F0-E8CB-4ADA-B358-7B9336DA293B}" srcOrd="0" destOrd="0" presId="urn:microsoft.com/office/officeart/2008/layout/VerticalCurvedList"/>
-    <dgm:cxn modelId="{EA4E4529-DA80-4190-847E-05175DA9F9A7}" srcId="{0545C9DE-8A07-4C2A-A2D9-65C076C9B365}" destId="{AF2E17C9-E4B4-44F6-9F02-0F853BFEDFCD}" srcOrd="2" destOrd="0" parTransId="{8EE9E8ED-3E10-4E1E-B1C7-C9C4DB6E55BD}" sibTransId="{E5113DCA-C2BA-4EC5-9C1C-6D7D664A71D0}"/>
-    <dgm:cxn modelId="{8F6180DB-84CB-4DBF-9297-78E9293C7511}" srcId="{0545C9DE-8A07-4C2A-A2D9-65C076C9B365}" destId="{2E09E152-16CE-4B7B-9A17-C3A886600D7E}" srcOrd="3" destOrd="0" parTransId="{A28597A9-E8C3-44E8-9451-48ADD2C950E6}" sibTransId="{D21F3EEE-17CA-42B5-8D63-87D5A01326D0}"/>
-    <dgm:cxn modelId="{8B60C6DD-5630-4375-8031-ABE9047794FD}" srcId="{0545C9DE-8A07-4C2A-A2D9-65C076C9B365}" destId="{A928F303-82EB-4DE6-84A9-ADE69A9B736A}" srcOrd="0" destOrd="0" parTransId="{F359EEA1-8CFB-40EF-9FAB-1E007DE85419}" sibTransId="{B3B2A0C6-F177-4A28-BC7B-0B98A24E353A}"/>
-    <dgm:cxn modelId="{7A5AD296-49A1-4E3A-AB6C-903B9F3CA13B}" type="presOf" srcId="{B3B2A0C6-F177-4A28-BC7B-0B98A24E353A}" destId="{781D2BA9-01B8-4B7C-82D6-94E995C3B482}" srcOrd="0" destOrd="0" presId="urn:microsoft.com/office/officeart/2008/layout/VerticalCurvedList"/>
-    <dgm:cxn modelId="{4F9AA761-18A1-4DA6-BCEA-0A6C5F92EE67}" type="presOf" srcId="{93AFD633-663F-4106-A338-B53D365FA55A}" destId="{1D193561-E8A1-42D7-8316-5840CB872E79}" srcOrd="0" destOrd="0" presId="urn:microsoft.com/office/officeart/2008/layout/VerticalCurvedList"/>
     <dgm:cxn modelId="{1253BF6F-9BA4-4F49-B28A-B0D92D094114}" type="presParOf" srcId="{872F07F0-E8CB-4ADA-B358-7B9336DA293B}" destId="{FD28EEA3-514D-4171-B9BB-D5A18B7C1316}" srcOrd="0" destOrd="0" presId="urn:microsoft.com/office/officeart/2008/layout/VerticalCurvedList"/>
     <dgm:cxn modelId="{B02FFF59-FCA4-44D1-B79D-6C4541737B81}" type="presParOf" srcId="{FD28EEA3-514D-4171-B9BB-D5A18B7C1316}" destId="{FF264DE9-B967-4F60-8D9B-3EBCDF43A95E}" srcOrd="0" destOrd="0" presId="urn:microsoft.com/office/officeart/2008/layout/VerticalCurvedList"/>
     <dgm:cxn modelId="{B852BFDB-565C-4B89-88D4-0FC78C756FF3}" type="presParOf" srcId="{FF264DE9-B967-4F60-8D9B-3EBCDF43A95E}" destId="{D1DA99DF-585B-4573-9478-92811A71EC07}" srcOrd="0" destOrd="0" presId="urn:microsoft.com/office/officeart/2008/layout/VerticalCurvedList"/>
@@ -1204,6 +2725,678 @@
 </dgm:dataModel>
 </file>
 
+<file path=ppt/diagrams/data2.xml><?xml version="1.0" encoding="utf-8"?>
+<dgm:dataModel xmlns:dgm="http://schemas.openxmlformats.org/drawingml/2006/diagram" xmlns:a="http://schemas.openxmlformats.org/drawingml/2006/main">
+  <dgm:ptLst>
+    <dgm:pt modelId="{9EADD6EA-42F7-4857-991C-697DB63761DA}" type="doc">
+      <dgm:prSet loTypeId="urn:microsoft.com/office/officeart/2005/8/layout/hierarchy2" loCatId="hierarchy" qsTypeId="urn:microsoft.com/office/officeart/2005/8/quickstyle/simple1" qsCatId="simple" csTypeId="urn:microsoft.com/office/officeart/2005/8/colors/accent1_2" csCatId="accent1" phldr="1"/>
+      <dgm:spPr/>
+      <dgm:t>
+        <a:bodyPr/>
+        <a:lstStyle/>
+        <a:p>
+          <a:endParaRPr lang="zh-CN" altLang="en-US"/>
+        </a:p>
+      </dgm:t>
+    </dgm:pt>
+    <dgm:pt modelId="{5886DA34-5D32-4ADA-973A-D9E92FF1FAED}">
+      <dgm:prSet phldrT="[文本]"/>
+      <dgm:spPr/>
+      <dgm:t>
+        <a:bodyPr/>
+        <a:lstStyle/>
+        <a:p>
+          <a:r>
+            <a:rPr lang="en-US" altLang="zh-CN" dirty="0" smtClean="0">
+              <a:solidFill>
+                <a:srgbClr val="404040"/>
+              </a:solidFill>
+              <a:latin typeface="Arial" panose="020B0604020202020204" pitchFamily="34" charset="0"/>
+              <a:ea typeface="-apple-system"/>
+            </a:rPr>
+            <a:t>Custom Elements</a:t>
+          </a:r>
+          <a:endParaRPr lang="zh-CN" altLang="en-US" dirty="0"/>
+        </a:p>
+      </dgm:t>
+    </dgm:pt>
+    <dgm:pt modelId="{D151F72F-F315-4A10-9EA4-FC3113AF3D24}" type="parTrans" cxnId="{7D8460BC-7C96-4EFC-ABF5-9331029DCEC9}">
+      <dgm:prSet/>
+      <dgm:spPr/>
+      <dgm:t>
+        <a:bodyPr/>
+        <a:lstStyle/>
+        <a:p>
+          <a:endParaRPr lang="zh-CN" altLang="en-US"/>
+        </a:p>
+      </dgm:t>
+    </dgm:pt>
+    <dgm:pt modelId="{6D3A3184-3F63-4755-A86D-B75926D5EB7E}" type="sibTrans" cxnId="{7D8460BC-7C96-4EFC-ABF5-9331029DCEC9}">
+      <dgm:prSet/>
+      <dgm:spPr/>
+      <dgm:t>
+        <a:bodyPr/>
+        <a:lstStyle/>
+        <a:p>
+          <a:endParaRPr lang="zh-CN" altLang="en-US"/>
+        </a:p>
+      </dgm:t>
+    </dgm:pt>
+    <dgm:pt modelId="{50ED6453-A4A9-4B62-9C59-4B861ACB7FF1}">
+      <dgm:prSet phldrT="[文本]"/>
+      <dgm:spPr/>
+      <dgm:t>
+        <a:bodyPr/>
+        <a:lstStyle/>
+        <a:p>
+          <a:r>
+            <a:rPr lang="en-US" altLang="zh-CN" dirty="0" err="1" smtClean="0"/>
+            <a:t>HTMLElement</a:t>
+          </a:r>
+          <a:endParaRPr lang="zh-CN" altLang="en-US" dirty="0"/>
+        </a:p>
+      </dgm:t>
+    </dgm:pt>
+    <dgm:pt modelId="{6819E42D-34BB-4E3C-BD14-280AB0CD9F51}" type="parTrans" cxnId="{F89896D5-D45A-4751-9B21-3564D124DE03}">
+      <dgm:prSet/>
+      <dgm:spPr/>
+      <dgm:t>
+        <a:bodyPr/>
+        <a:lstStyle/>
+        <a:p>
+          <a:endParaRPr lang="zh-CN" altLang="en-US"/>
+        </a:p>
+      </dgm:t>
+    </dgm:pt>
+    <dgm:pt modelId="{963B6512-A0C4-44BC-A5BE-562A24082FF9}" type="sibTrans" cxnId="{F89896D5-D45A-4751-9B21-3564D124DE03}">
+      <dgm:prSet/>
+      <dgm:spPr/>
+      <dgm:t>
+        <a:bodyPr/>
+        <a:lstStyle/>
+        <a:p>
+          <a:endParaRPr lang="zh-CN" altLang="en-US"/>
+        </a:p>
+      </dgm:t>
+    </dgm:pt>
+    <dgm:pt modelId="{3B5E1CBD-D2ED-4574-A0D5-A2E6CA9112C1}">
+      <dgm:prSet phldrT="[文本]"/>
+      <dgm:spPr/>
+      <dgm:t>
+        <a:bodyPr/>
+        <a:lstStyle/>
+        <a:p>
+          <a:r>
+            <a:rPr lang="en-US" altLang="zh-CN" dirty="0" err="1" smtClean="0"/>
+            <a:t>customElements</a:t>
+          </a:r>
+          <a:endParaRPr lang="zh-CN" altLang="en-US" dirty="0"/>
+        </a:p>
+      </dgm:t>
+    </dgm:pt>
+    <dgm:pt modelId="{4B7F96FB-BD66-403E-B051-A494EA89F97C}" type="parTrans" cxnId="{83E2DB47-65CC-470F-AFA7-1248E8ACE4D4}">
+      <dgm:prSet/>
+      <dgm:spPr/>
+      <dgm:t>
+        <a:bodyPr/>
+        <a:lstStyle/>
+        <a:p>
+          <a:endParaRPr lang="zh-CN" altLang="en-US"/>
+        </a:p>
+      </dgm:t>
+    </dgm:pt>
+    <dgm:pt modelId="{90DAC3FC-21BD-43B8-9317-47D138E97B77}" type="sibTrans" cxnId="{83E2DB47-65CC-470F-AFA7-1248E8ACE4D4}">
+      <dgm:prSet/>
+      <dgm:spPr/>
+      <dgm:t>
+        <a:bodyPr/>
+        <a:lstStyle/>
+        <a:p>
+          <a:endParaRPr lang="zh-CN" altLang="en-US"/>
+        </a:p>
+      </dgm:t>
+    </dgm:pt>
+    <dgm:pt modelId="{7EC5456D-F8B1-484E-9CCC-A5E484C5B6C1}">
+      <dgm:prSet/>
+      <dgm:spPr/>
+      <dgm:t>
+        <a:bodyPr/>
+        <a:lstStyle/>
+        <a:p>
+          <a:r>
+            <a:rPr lang="en-US" altLang="zh-CN" dirty="0" smtClean="0"/>
+            <a:t>define(name, </a:t>
+          </a:r>
+          <a:r>
+            <a:rPr lang="en-US" altLang="zh-CN" dirty="0" err="1" smtClean="0"/>
+            <a:t>Ele</a:t>
+          </a:r>
+          <a:r>
+            <a:rPr lang="en-US" altLang="zh-CN" dirty="0" smtClean="0"/>
+            <a:t>)</a:t>
+          </a:r>
+          <a:endParaRPr lang="zh-CN" altLang="en-US" dirty="0"/>
+        </a:p>
+      </dgm:t>
+    </dgm:pt>
+    <dgm:pt modelId="{41E05C28-2972-4660-AC8D-8038D23D4266}" type="parTrans" cxnId="{41E43FA6-6C5C-4DE0-80CF-1D4AC5064AC8}">
+      <dgm:prSet/>
+      <dgm:spPr/>
+      <dgm:t>
+        <a:bodyPr/>
+        <a:lstStyle/>
+        <a:p>
+          <a:endParaRPr lang="zh-CN" altLang="en-US"/>
+        </a:p>
+      </dgm:t>
+    </dgm:pt>
+    <dgm:pt modelId="{8585A957-FF48-4BA9-A543-781075A9F24B}" type="sibTrans" cxnId="{41E43FA6-6C5C-4DE0-80CF-1D4AC5064AC8}">
+      <dgm:prSet/>
+      <dgm:spPr/>
+      <dgm:t>
+        <a:bodyPr/>
+        <a:lstStyle/>
+        <a:p>
+          <a:endParaRPr lang="zh-CN" altLang="en-US"/>
+        </a:p>
+      </dgm:t>
+    </dgm:pt>
+    <dgm:pt modelId="{F7F96C41-2A8A-4F4A-A9FB-B2AD2AA6A75B}" type="pres">
+      <dgm:prSet presAssocID="{9EADD6EA-42F7-4857-991C-697DB63761DA}" presName="diagram" presStyleCnt="0">
+        <dgm:presLayoutVars>
+          <dgm:chPref val="1"/>
+          <dgm:dir/>
+          <dgm:animOne val="branch"/>
+          <dgm:animLvl val="lvl"/>
+          <dgm:resizeHandles val="exact"/>
+        </dgm:presLayoutVars>
+      </dgm:prSet>
+      <dgm:spPr/>
+    </dgm:pt>
+    <dgm:pt modelId="{C077A129-C28C-4167-BEEC-5792567B1337}" type="pres">
+      <dgm:prSet presAssocID="{5886DA34-5D32-4ADA-973A-D9E92FF1FAED}" presName="root1" presStyleCnt="0"/>
+      <dgm:spPr/>
+    </dgm:pt>
+    <dgm:pt modelId="{B754F008-6133-4743-B8E7-D297F889C552}" type="pres">
+      <dgm:prSet presAssocID="{5886DA34-5D32-4ADA-973A-D9E92FF1FAED}" presName="LevelOneTextNode" presStyleLbl="node0" presStyleIdx="0" presStyleCnt="1">
+        <dgm:presLayoutVars>
+          <dgm:chPref val="3"/>
+        </dgm:presLayoutVars>
+      </dgm:prSet>
+      <dgm:spPr/>
+      <dgm:t>
+        <a:bodyPr/>
+        <a:lstStyle/>
+        <a:p>
+          <a:endParaRPr lang="zh-CN" altLang="en-US"/>
+        </a:p>
+      </dgm:t>
+    </dgm:pt>
+    <dgm:pt modelId="{1ED6A051-3959-4FD6-AD29-3654FA28C3DC}" type="pres">
+      <dgm:prSet presAssocID="{5886DA34-5D32-4ADA-973A-D9E92FF1FAED}" presName="level2hierChild" presStyleCnt="0"/>
+      <dgm:spPr/>
+    </dgm:pt>
+    <dgm:pt modelId="{BD228529-4367-4D2A-930C-46C6B3A9A0B7}" type="pres">
+      <dgm:prSet presAssocID="{6819E42D-34BB-4E3C-BD14-280AB0CD9F51}" presName="conn2-1" presStyleLbl="parChTrans1D2" presStyleIdx="0" presStyleCnt="3"/>
+      <dgm:spPr/>
+    </dgm:pt>
+    <dgm:pt modelId="{4C172460-6350-4E90-8458-0F317DBC5CE0}" type="pres">
+      <dgm:prSet presAssocID="{6819E42D-34BB-4E3C-BD14-280AB0CD9F51}" presName="connTx" presStyleLbl="parChTrans1D2" presStyleIdx="0" presStyleCnt="3"/>
+      <dgm:spPr/>
+    </dgm:pt>
+    <dgm:pt modelId="{29837749-5BAF-4EA5-B204-5BCEF5277F82}" type="pres">
+      <dgm:prSet presAssocID="{50ED6453-A4A9-4B62-9C59-4B861ACB7FF1}" presName="root2" presStyleCnt="0"/>
+      <dgm:spPr/>
+    </dgm:pt>
+    <dgm:pt modelId="{DF3DCC9B-419F-4E67-95FA-EDA26FA91A8F}" type="pres">
+      <dgm:prSet presAssocID="{50ED6453-A4A9-4B62-9C59-4B861ACB7FF1}" presName="LevelTwoTextNode" presStyleLbl="node2" presStyleIdx="0" presStyleCnt="3">
+        <dgm:presLayoutVars>
+          <dgm:chPref val="3"/>
+        </dgm:presLayoutVars>
+      </dgm:prSet>
+      <dgm:spPr/>
+    </dgm:pt>
+    <dgm:pt modelId="{55242990-BA2E-4226-B504-A3732E97F380}" type="pres">
+      <dgm:prSet presAssocID="{50ED6453-A4A9-4B62-9C59-4B861ACB7FF1}" presName="level3hierChild" presStyleCnt="0"/>
+      <dgm:spPr/>
+    </dgm:pt>
+    <dgm:pt modelId="{F8C36DA8-75C7-44B8-9A07-F9512D817F6A}" type="pres">
+      <dgm:prSet presAssocID="{4B7F96FB-BD66-403E-B051-A494EA89F97C}" presName="conn2-1" presStyleLbl="parChTrans1D2" presStyleIdx="1" presStyleCnt="3"/>
+      <dgm:spPr/>
+    </dgm:pt>
+    <dgm:pt modelId="{DE60C95E-65BE-4365-B40B-24A5860D9413}" type="pres">
+      <dgm:prSet presAssocID="{4B7F96FB-BD66-403E-B051-A494EA89F97C}" presName="connTx" presStyleLbl="parChTrans1D2" presStyleIdx="1" presStyleCnt="3"/>
+      <dgm:spPr/>
+    </dgm:pt>
+    <dgm:pt modelId="{C9790290-4468-431E-8AB0-F90C3CE8CA0A}" type="pres">
+      <dgm:prSet presAssocID="{3B5E1CBD-D2ED-4574-A0D5-A2E6CA9112C1}" presName="root2" presStyleCnt="0"/>
+      <dgm:spPr/>
+    </dgm:pt>
+    <dgm:pt modelId="{A41E3F7D-FA4D-41CF-8A41-E599E6AAAADB}" type="pres">
+      <dgm:prSet presAssocID="{3B5E1CBD-D2ED-4574-A0D5-A2E6CA9112C1}" presName="LevelTwoTextNode" presStyleLbl="node2" presStyleIdx="1" presStyleCnt="3">
+        <dgm:presLayoutVars>
+          <dgm:chPref val="3"/>
+        </dgm:presLayoutVars>
+      </dgm:prSet>
+      <dgm:spPr/>
+    </dgm:pt>
+    <dgm:pt modelId="{A469A066-4903-4E2B-8137-72D471BE1FD8}" type="pres">
+      <dgm:prSet presAssocID="{3B5E1CBD-D2ED-4574-A0D5-A2E6CA9112C1}" presName="level3hierChild" presStyleCnt="0"/>
+      <dgm:spPr/>
+    </dgm:pt>
+    <dgm:pt modelId="{1AD78B2E-2D99-4CD7-B50E-8B02DDD80302}" type="pres">
+      <dgm:prSet presAssocID="{41E05C28-2972-4660-AC8D-8038D23D4266}" presName="conn2-1" presStyleLbl="parChTrans1D2" presStyleIdx="2" presStyleCnt="3"/>
+      <dgm:spPr/>
+    </dgm:pt>
+    <dgm:pt modelId="{96BCCA7C-94FC-45D3-90C4-F4FC0E1DC541}" type="pres">
+      <dgm:prSet presAssocID="{41E05C28-2972-4660-AC8D-8038D23D4266}" presName="connTx" presStyleLbl="parChTrans1D2" presStyleIdx="2" presStyleCnt="3"/>
+      <dgm:spPr/>
+    </dgm:pt>
+    <dgm:pt modelId="{9CF50223-0AB8-4BEE-A4C7-0ED38B61FEC1}" type="pres">
+      <dgm:prSet presAssocID="{7EC5456D-F8B1-484E-9CCC-A5E484C5B6C1}" presName="root2" presStyleCnt="0"/>
+      <dgm:spPr/>
+    </dgm:pt>
+    <dgm:pt modelId="{E19A0B7E-5174-4A07-BE49-C874D9FEBD02}" type="pres">
+      <dgm:prSet presAssocID="{7EC5456D-F8B1-484E-9CCC-A5E484C5B6C1}" presName="LevelTwoTextNode" presStyleLbl="node2" presStyleIdx="2" presStyleCnt="3">
+        <dgm:presLayoutVars>
+          <dgm:chPref val="3"/>
+        </dgm:presLayoutVars>
+      </dgm:prSet>
+      <dgm:spPr/>
+      <dgm:t>
+        <a:bodyPr/>
+        <a:lstStyle/>
+        <a:p>
+          <a:endParaRPr lang="zh-CN" altLang="en-US"/>
+        </a:p>
+      </dgm:t>
+    </dgm:pt>
+    <dgm:pt modelId="{386E3F3C-BAFD-400B-A9A0-F4D87F01DC50}" type="pres">
+      <dgm:prSet presAssocID="{7EC5456D-F8B1-484E-9CCC-A5E484C5B6C1}" presName="level3hierChild" presStyleCnt="0"/>
+      <dgm:spPr/>
+    </dgm:pt>
+  </dgm:ptLst>
+  <dgm:cxnLst>
+    <dgm:cxn modelId="{60412E9A-5C45-4BB6-8571-CD646B82D5A1}" type="presOf" srcId="{3B5E1CBD-D2ED-4574-A0D5-A2E6CA9112C1}" destId="{A41E3F7D-FA4D-41CF-8A41-E599E6AAAADB}" srcOrd="0" destOrd="0" presId="urn:microsoft.com/office/officeart/2005/8/layout/hierarchy2"/>
+    <dgm:cxn modelId="{1AB0F146-DAF8-49E9-8C6D-8F5B1F5CD989}" type="presOf" srcId="{50ED6453-A4A9-4B62-9C59-4B861ACB7FF1}" destId="{DF3DCC9B-419F-4E67-95FA-EDA26FA91A8F}" srcOrd="0" destOrd="0" presId="urn:microsoft.com/office/officeart/2005/8/layout/hierarchy2"/>
+    <dgm:cxn modelId="{7D8460BC-7C96-4EFC-ABF5-9331029DCEC9}" srcId="{9EADD6EA-42F7-4857-991C-697DB63761DA}" destId="{5886DA34-5D32-4ADA-973A-D9E92FF1FAED}" srcOrd="0" destOrd="0" parTransId="{D151F72F-F315-4A10-9EA4-FC3113AF3D24}" sibTransId="{6D3A3184-3F63-4755-A86D-B75926D5EB7E}"/>
+    <dgm:cxn modelId="{41E43FA6-6C5C-4DE0-80CF-1D4AC5064AC8}" srcId="{5886DA34-5D32-4ADA-973A-D9E92FF1FAED}" destId="{7EC5456D-F8B1-484E-9CCC-A5E484C5B6C1}" srcOrd="2" destOrd="0" parTransId="{41E05C28-2972-4660-AC8D-8038D23D4266}" sibTransId="{8585A957-FF48-4BA9-A543-781075A9F24B}"/>
+    <dgm:cxn modelId="{922FF2E6-98CD-43F3-87F8-EA7BC0B46EB5}" type="presOf" srcId="{4B7F96FB-BD66-403E-B051-A494EA89F97C}" destId="{DE60C95E-65BE-4365-B40B-24A5860D9413}" srcOrd="1" destOrd="0" presId="urn:microsoft.com/office/officeart/2005/8/layout/hierarchy2"/>
+    <dgm:cxn modelId="{83E2DB47-65CC-470F-AFA7-1248E8ACE4D4}" srcId="{5886DA34-5D32-4ADA-973A-D9E92FF1FAED}" destId="{3B5E1CBD-D2ED-4574-A0D5-A2E6CA9112C1}" srcOrd="1" destOrd="0" parTransId="{4B7F96FB-BD66-403E-B051-A494EA89F97C}" sibTransId="{90DAC3FC-21BD-43B8-9317-47D138E97B77}"/>
+    <dgm:cxn modelId="{D9E82A8F-D480-4346-B460-F11FC0CAA2FC}" type="presOf" srcId="{5886DA34-5D32-4ADA-973A-D9E92FF1FAED}" destId="{B754F008-6133-4743-B8E7-D297F889C552}" srcOrd="0" destOrd="0" presId="urn:microsoft.com/office/officeart/2005/8/layout/hierarchy2"/>
+    <dgm:cxn modelId="{06162947-C46A-4F05-905B-8463F6FCE0EF}" type="presOf" srcId="{9EADD6EA-42F7-4857-991C-697DB63761DA}" destId="{F7F96C41-2A8A-4F4A-A9FB-B2AD2AA6A75B}" srcOrd="0" destOrd="0" presId="urn:microsoft.com/office/officeart/2005/8/layout/hierarchy2"/>
+    <dgm:cxn modelId="{E67BE753-27E0-49B9-B897-24C47E46EBBE}" type="presOf" srcId="{6819E42D-34BB-4E3C-BD14-280AB0CD9F51}" destId="{4C172460-6350-4E90-8458-0F317DBC5CE0}" srcOrd="1" destOrd="0" presId="urn:microsoft.com/office/officeart/2005/8/layout/hierarchy2"/>
+    <dgm:cxn modelId="{F89896D5-D45A-4751-9B21-3564D124DE03}" srcId="{5886DA34-5D32-4ADA-973A-D9E92FF1FAED}" destId="{50ED6453-A4A9-4B62-9C59-4B861ACB7FF1}" srcOrd="0" destOrd="0" parTransId="{6819E42D-34BB-4E3C-BD14-280AB0CD9F51}" sibTransId="{963B6512-A0C4-44BC-A5BE-562A24082FF9}"/>
+    <dgm:cxn modelId="{52206446-9AAE-4655-AF0D-A6B69C38EF22}" type="presOf" srcId="{6819E42D-34BB-4E3C-BD14-280AB0CD9F51}" destId="{BD228529-4367-4D2A-930C-46C6B3A9A0B7}" srcOrd="0" destOrd="0" presId="urn:microsoft.com/office/officeart/2005/8/layout/hierarchy2"/>
+    <dgm:cxn modelId="{848C367E-B5E6-4722-A79D-7FF27FA0F5E9}" type="presOf" srcId="{41E05C28-2972-4660-AC8D-8038D23D4266}" destId="{96BCCA7C-94FC-45D3-90C4-F4FC0E1DC541}" srcOrd="1" destOrd="0" presId="urn:microsoft.com/office/officeart/2005/8/layout/hierarchy2"/>
+    <dgm:cxn modelId="{58A97096-A401-47A3-83BA-FD957F5DA6CC}" type="presOf" srcId="{7EC5456D-F8B1-484E-9CCC-A5E484C5B6C1}" destId="{E19A0B7E-5174-4A07-BE49-C874D9FEBD02}" srcOrd="0" destOrd="0" presId="urn:microsoft.com/office/officeart/2005/8/layout/hierarchy2"/>
+    <dgm:cxn modelId="{F3195752-FB69-4402-BD48-0452677F63B0}" type="presOf" srcId="{41E05C28-2972-4660-AC8D-8038D23D4266}" destId="{1AD78B2E-2D99-4CD7-B50E-8B02DDD80302}" srcOrd="0" destOrd="0" presId="urn:microsoft.com/office/officeart/2005/8/layout/hierarchy2"/>
+    <dgm:cxn modelId="{8DC27FDC-A5F2-4511-8E95-3AAC1A6B151A}" type="presOf" srcId="{4B7F96FB-BD66-403E-B051-A494EA89F97C}" destId="{F8C36DA8-75C7-44B8-9A07-F9512D817F6A}" srcOrd="0" destOrd="0" presId="urn:microsoft.com/office/officeart/2005/8/layout/hierarchy2"/>
+    <dgm:cxn modelId="{F4210A71-FA93-41A8-A9B9-DA4536182955}" type="presParOf" srcId="{F7F96C41-2A8A-4F4A-A9FB-B2AD2AA6A75B}" destId="{C077A129-C28C-4167-BEEC-5792567B1337}" srcOrd="0" destOrd="0" presId="urn:microsoft.com/office/officeart/2005/8/layout/hierarchy2"/>
+    <dgm:cxn modelId="{6752C81B-A289-434D-87B5-466AAD974B35}" type="presParOf" srcId="{C077A129-C28C-4167-BEEC-5792567B1337}" destId="{B754F008-6133-4743-B8E7-D297F889C552}" srcOrd="0" destOrd="0" presId="urn:microsoft.com/office/officeart/2005/8/layout/hierarchy2"/>
+    <dgm:cxn modelId="{94D53BD2-ADE6-4218-836A-2B5F27580E4B}" type="presParOf" srcId="{C077A129-C28C-4167-BEEC-5792567B1337}" destId="{1ED6A051-3959-4FD6-AD29-3654FA28C3DC}" srcOrd="1" destOrd="0" presId="urn:microsoft.com/office/officeart/2005/8/layout/hierarchy2"/>
+    <dgm:cxn modelId="{F736F1BB-486E-4AA5-95B8-FF52D5A12D8D}" type="presParOf" srcId="{1ED6A051-3959-4FD6-AD29-3654FA28C3DC}" destId="{BD228529-4367-4D2A-930C-46C6B3A9A0B7}" srcOrd="0" destOrd="0" presId="urn:microsoft.com/office/officeart/2005/8/layout/hierarchy2"/>
+    <dgm:cxn modelId="{0DBFA3DD-B5DB-472B-9F41-A02D1E9485E0}" type="presParOf" srcId="{BD228529-4367-4D2A-930C-46C6B3A9A0B7}" destId="{4C172460-6350-4E90-8458-0F317DBC5CE0}" srcOrd="0" destOrd="0" presId="urn:microsoft.com/office/officeart/2005/8/layout/hierarchy2"/>
+    <dgm:cxn modelId="{CD0323B5-A9E3-4107-A171-80E0EAA9F49B}" type="presParOf" srcId="{1ED6A051-3959-4FD6-AD29-3654FA28C3DC}" destId="{29837749-5BAF-4EA5-B204-5BCEF5277F82}" srcOrd="1" destOrd="0" presId="urn:microsoft.com/office/officeart/2005/8/layout/hierarchy2"/>
+    <dgm:cxn modelId="{80EC569D-CF6C-4794-8DFC-EC51FF36656B}" type="presParOf" srcId="{29837749-5BAF-4EA5-B204-5BCEF5277F82}" destId="{DF3DCC9B-419F-4E67-95FA-EDA26FA91A8F}" srcOrd="0" destOrd="0" presId="urn:microsoft.com/office/officeart/2005/8/layout/hierarchy2"/>
+    <dgm:cxn modelId="{8DFD9AD3-0D85-4BE6-9893-15DC69AE64C6}" type="presParOf" srcId="{29837749-5BAF-4EA5-B204-5BCEF5277F82}" destId="{55242990-BA2E-4226-B504-A3732E97F380}" srcOrd="1" destOrd="0" presId="urn:microsoft.com/office/officeart/2005/8/layout/hierarchy2"/>
+    <dgm:cxn modelId="{2A881F3E-11E0-422B-B85C-11625871FED5}" type="presParOf" srcId="{1ED6A051-3959-4FD6-AD29-3654FA28C3DC}" destId="{F8C36DA8-75C7-44B8-9A07-F9512D817F6A}" srcOrd="2" destOrd="0" presId="urn:microsoft.com/office/officeart/2005/8/layout/hierarchy2"/>
+    <dgm:cxn modelId="{67C5450E-5471-4CD4-BECD-D181DC55602A}" type="presParOf" srcId="{F8C36DA8-75C7-44B8-9A07-F9512D817F6A}" destId="{DE60C95E-65BE-4365-B40B-24A5860D9413}" srcOrd="0" destOrd="0" presId="urn:microsoft.com/office/officeart/2005/8/layout/hierarchy2"/>
+    <dgm:cxn modelId="{7B0282CF-53B1-40C7-88F4-C1E1D2FFC39E}" type="presParOf" srcId="{1ED6A051-3959-4FD6-AD29-3654FA28C3DC}" destId="{C9790290-4468-431E-8AB0-F90C3CE8CA0A}" srcOrd="3" destOrd="0" presId="urn:microsoft.com/office/officeart/2005/8/layout/hierarchy2"/>
+    <dgm:cxn modelId="{5CC21F26-7D4D-4762-A3FF-2D79C6452015}" type="presParOf" srcId="{C9790290-4468-431E-8AB0-F90C3CE8CA0A}" destId="{A41E3F7D-FA4D-41CF-8A41-E599E6AAAADB}" srcOrd="0" destOrd="0" presId="urn:microsoft.com/office/officeart/2005/8/layout/hierarchy2"/>
+    <dgm:cxn modelId="{25C1BECC-466F-4C54-9C18-99A355870C12}" type="presParOf" srcId="{C9790290-4468-431E-8AB0-F90C3CE8CA0A}" destId="{A469A066-4903-4E2B-8137-72D471BE1FD8}" srcOrd="1" destOrd="0" presId="urn:microsoft.com/office/officeart/2005/8/layout/hierarchy2"/>
+    <dgm:cxn modelId="{FC10E08E-71A9-41CC-BE9E-FB0F005DFB8B}" type="presParOf" srcId="{1ED6A051-3959-4FD6-AD29-3654FA28C3DC}" destId="{1AD78B2E-2D99-4CD7-B50E-8B02DDD80302}" srcOrd="4" destOrd="0" presId="urn:microsoft.com/office/officeart/2005/8/layout/hierarchy2"/>
+    <dgm:cxn modelId="{8158D8F0-D01F-488C-A780-793BC0370DDE}" type="presParOf" srcId="{1AD78B2E-2D99-4CD7-B50E-8B02DDD80302}" destId="{96BCCA7C-94FC-45D3-90C4-F4FC0E1DC541}" srcOrd="0" destOrd="0" presId="urn:microsoft.com/office/officeart/2005/8/layout/hierarchy2"/>
+    <dgm:cxn modelId="{D5E723B7-1D03-4581-9E36-028B23FDEF3E}" type="presParOf" srcId="{1ED6A051-3959-4FD6-AD29-3654FA28C3DC}" destId="{9CF50223-0AB8-4BEE-A4C7-0ED38B61FEC1}" srcOrd="5" destOrd="0" presId="urn:microsoft.com/office/officeart/2005/8/layout/hierarchy2"/>
+    <dgm:cxn modelId="{CA419738-ECDF-48FA-9A39-82DC57A647F7}" type="presParOf" srcId="{9CF50223-0AB8-4BEE-A4C7-0ED38B61FEC1}" destId="{E19A0B7E-5174-4A07-BE49-C874D9FEBD02}" srcOrd="0" destOrd="0" presId="urn:microsoft.com/office/officeart/2005/8/layout/hierarchy2"/>
+    <dgm:cxn modelId="{E7592992-97C6-4E3A-992D-0D427FA61F9B}" type="presParOf" srcId="{9CF50223-0AB8-4BEE-A4C7-0ED38B61FEC1}" destId="{386E3F3C-BAFD-400B-A9A0-F4D87F01DC50}" srcOrd="1" destOrd="0" presId="urn:microsoft.com/office/officeart/2005/8/layout/hierarchy2"/>
+  </dgm:cxnLst>
+  <dgm:bg/>
+  <dgm:whole/>
+  <dgm:extLst>
+    <a:ext uri="http://schemas.microsoft.com/office/drawing/2008/diagram">
+      <dsp:dataModelExt xmlns:dsp="http://schemas.microsoft.com/office/drawing/2008/diagram" relId="rId7" minVer="http://schemas.openxmlformats.org/drawingml/2006/diagram"/>
+    </a:ext>
+  </dgm:extLst>
+</dgm:dataModel>
+</file>
+
+<file path=ppt/diagrams/data3.xml><?xml version="1.0" encoding="utf-8"?>
+<dgm:dataModel xmlns:dgm="http://schemas.openxmlformats.org/drawingml/2006/diagram" xmlns:a="http://schemas.openxmlformats.org/drawingml/2006/main">
+  <dgm:ptLst>
+    <dgm:pt modelId="{9EADD6EA-42F7-4857-991C-697DB63761DA}" type="doc">
+      <dgm:prSet loTypeId="urn:microsoft.com/office/officeart/2005/8/layout/hierarchy2" loCatId="hierarchy" qsTypeId="urn:microsoft.com/office/officeart/2005/8/quickstyle/simple1" qsCatId="simple" csTypeId="urn:microsoft.com/office/officeart/2005/8/colors/accent1_2" csCatId="accent1" phldr="1"/>
+      <dgm:spPr/>
+      <dgm:t>
+        <a:bodyPr/>
+        <a:lstStyle/>
+        <a:p>
+          <a:endParaRPr lang="zh-CN" altLang="en-US"/>
+        </a:p>
+      </dgm:t>
+    </dgm:pt>
+    <dgm:pt modelId="{5886DA34-5D32-4ADA-973A-D9E92FF1FAED}">
+      <dgm:prSet phldrT="[文本]"/>
+      <dgm:spPr/>
+      <dgm:t>
+        <a:bodyPr/>
+        <a:lstStyle/>
+        <a:p>
+          <a:r>
+            <a:rPr lang="en-US" altLang="zh-CN" dirty="0" smtClean="0">
+              <a:solidFill>
+                <a:srgbClr val="404040"/>
+              </a:solidFill>
+              <a:latin typeface="Arial" panose="020B0604020202020204" pitchFamily="34" charset="0"/>
+              <a:ea typeface="-apple-system"/>
+            </a:rPr>
+            <a:t>Custom Elements</a:t>
+          </a:r>
+          <a:endParaRPr lang="zh-CN" altLang="en-US" dirty="0"/>
+        </a:p>
+      </dgm:t>
+    </dgm:pt>
+    <dgm:pt modelId="{D151F72F-F315-4A10-9EA4-FC3113AF3D24}" type="parTrans" cxnId="{7D8460BC-7C96-4EFC-ABF5-9331029DCEC9}">
+      <dgm:prSet/>
+      <dgm:spPr/>
+      <dgm:t>
+        <a:bodyPr/>
+        <a:lstStyle/>
+        <a:p>
+          <a:endParaRPr lang="zh-CN" altLang="en-US"/>
+        </a:p>
+      </dgm:t>
+    </dgm:pt>
+    <dgm:pt modelId="{6D3A3184-3F63-4755-A86D-B75926D5EB7E}" type="sibTrans" cxnId="{7D8460BC-7C96-4EFC-ABF5-9331029DCEC9}">
+      <dgm:prSet/>
+      <dgm:spPr/>
+      <dgm:t>
+        <a:bodyPr/>
+        <a:lstStyle/>
+        <a:p>
+          <a:endParaRPr lang="zh-CN" altLang="en-US"/>
+        </a:p>
+      </dgm:t>
+    </dgm:pt>
+    <dgm:pt modelId="{50ED6453-A4A9-4B62-9C59-4B861ACB7FF1}">
+      <dgm:prSet phldrT="[文本]"/>
+      <dgm:spPr/>
+      <dgm:t>
+        <a:bodyPr/>
+        <a:lstStyle/>
+        <a:p>
+          <a:r>
+            <a:rPr lang="en-US" altLang="zh-CN" dirty="0" err="1" smtClean="0"/>
+            <a:t>HTMLElement</a:t>
+          </a:r>
+          <a:endParaRPr lang="zh-CN" altLang="en-US" dirty="0"/>
+        </a:p>
+      </dgm:t>
+    </dgm:pt>
+    <dgm:pt modelId="{6819E42D-34BB-4E3C-BD14-280AB0CD9F51}" type="parTrans" cxnId="{F89896D5-D45A-4751-9B21-3564D124DE03}">
+      <dgm:prSet/>
+      <dgm:spPr/>
+      <dgm:t>
+        <a:bodyPr/>
+        <a:lstStyle/>
+        <a:p>
+          <a:endParaRPr lang="zh-CN" altLang="en-US"/>
+        </a:p>
+      </dgm:t>
+    </dgm:pt>
+    <dgm:pt modelId="{963B6512-A0C4-44BC-A5BE-562A24082FF9}" type="sibTrans" cxnId="{F89896D5-D45A-4751-9B21-3564D124DE03}">
+      <dgm:prSet/>
+      <dgm:spPr/>
+      <dgm:t>
+        <a:bodyPr/>
+        <a:lstStyle/>
+        <a:p>
+          <a:endParaRPr lang="zh-CN" altLang="en-US"/>
+        </a:p>
+      </dgm:t>
+    </dgm:pt>
+    <dgm:pt modelId="{3B5E1CBD-D2ED-4574-A0D5-A2E6CA9112C1}">
+      <dgm:prSet phldrT="[文本]"/>
+      <dgm:spPr/>
+      <dgm:t>
+        <a:bodyPr/>
+        <a:lstStyle/>
+        <a:p>
+          <a:r>
+            <a:rPr lang="en-US" altLang="zh-CN" dirty="0" err="1" smtClean="0"/>
+            <a:t>customElements</a:t>
+          </a:r>
+          <a:endParaRPr lang="zh-CN" altLang="en-US" dirty="0"/>
+        </a:p>
+      </dgm:t>
+    </dgm:pt>
+    <dgm:pt modelId="{4B7F96FB-BD66-403E-B051-A494EA89F97C}" type="parTrans" cxnId="{83E2DB47-65CC-470F-AFA7-1248E8ACE4D4}">
+      <dgm:prSet/>
+      <dgm:spPr/>
+      <dgm:t>
+        <a:bodyPr/>
+        <a:lstStyle/>
+        <a:p>
+          <a:endParaRPr lang="zh-CN" altLang="en-US"/>
+        </a:p>
+      </dgm:t>
+    </dgm:pt>
+    <dgm:pt modelId="{90DAC3FC-21BD-43B8-9317-47D138E97B77}" type="sibTrans" cxnId="{83E2DB47-65CC-470F-AFA7-1248E8ACE4D4}">
+      <dgm:prSet/>
+      <dgm:spPr/>
+      <dgm:t>
+        <a:bodyPr/>
+        <a:lstStyle/>
+        <a:p>
+          <a:endParaRPr lang="zh-CN" altLang="en-US"/>
+        </a:p>
+      </dgm:t>
+    </dgm:pt>
+    <dgm:pt modelId="{7EC5456D-F8B1-484E-9CCC-A5E484C5B6C1}">
+      <dgm:prSet/>
+      <dgm:spPr/>
+      <dgm:t>
+        <a:bodyPr/>
+        <a:lstStyle/>
+        <a:p>
+          <a:r>
+            <a:rPr lang="en-US" altLang="zh-CN" dirty="0" smtClean="0"/>
+            <a:t>define(name, </a:t>
+          </a:r>
+          <a:r>
+            <a:rPr lang="en-US" altLang="zh-CN" dirty="0" err="1" smtClean="0"/>
+            <a:t>Ele</a:t>
+          </a:r>
+          <a:r>
+            <a:rPr lang="en-US" altLang="zh-CN" dirty="0" smtClean="0"/>
+            <a:t>)</a:t>
+          </a:r>
+          <a:endParaRPr lang="zh-CN" altLang="en-US" dirty="0"/>
+        </a:p>
+      </dgm:t>
+    </dgm:pt>
+    <dgm:pt modelId="{41E05C28-2972-4660-AC8D-8038D23D4266}" type="parTrans" cxnId="{41E43FA6-6C5C-4DE0-80CF-1D4AC5064AC8}">
+      <dgm:prSet/>
+      <dgm:spPr/>
+      <dgm:t>
+        <a:bodyPr/>
+        <a:lstStyle/>
+        <a:p>
+          <a:endParaRPr lang="zh-CN" altLang="en-US"/>
+        </a:p>
+      </dgm:t>
+    </dgm:pt>
+    <dgm:pt modelId="{8585A957-FF48-4BA9-A543-781075A9F24B}" type="sibTrans" cxnId="{41E43FA6-6C5C-4DE0-80CF-1D4AC5064AC8}">
+      <dgm:prSet/>
+      <dgm:spPr/>
+      <dgm:t>
+        <a:bodyPr/>
+        <a:lstStyle/>
+        <a:p>
+          <a:endParaRPr lang="zh-CN" altLang="en-US"/>
+        </a:p>
+      </dgm:t>
+    </dgm:pt>
+    <dgm:pt modelId="{F7F96C41-2A8A-4F4A-A9FB-B2AD2AA6A75B}" type="pres">
+      <dgm:prSet presAssocID="{9EADD6EA-42F7-4857-991C-697DB63761DA}" presName="diagram" presStyleCnt="0">
+        <dgm:presLayoutVars>
+          <dgm:chPref val="1"/>
+          <dgm:dir/>
+          <dgm:animOne val="branch"/>
+          <dgm:animLvl val="lvl"/>
+          <dgm:resizeHandles val="exact"/>
+        </dgm:presLayoutVars>
+      </dgm:prSet>
+      <dgm:spPr/>
+    </dgm:pt>
+    <dgm:pt modelId="{C077A129-C28C-4167-BEEC-5792567B1337}" type="pres">
+      <dgm:prSet presAssocID="{5886DA34-5D32-4ADA-973A-D9E92FF1FAED}" presName="root1" presStyleCnt="0"/>
+      <dgm:spPr/>
+    </dgm:pt>
+    <dgm:pt modelId="{B754F008-6133-4743-B8E7-D297F889C552}" type="pres">
+      <dgm:prSet presAssocID="{5886DA34-5D32-4ADA-973A-D9E92FF1FAED}" presName="LevelOneTextNode" presStyleLbl="node0" presStyleIdx="0" presStyleCnt="1">
+        <dgm:presLayoutVars>
+          <dgm:chPref val="3"/>
+        </dgm:presLayoutVars>
+      </dgm:prSet>
+      <dgm:spPr/>
+      <dgm:t>
+        <a:bodyPr/>
+        <a:lstStyle/>
+        <a:p>
+          <a:endParaRPr lang="zh-CN" altLang="en-US"/>
+        </a:p>
+      </dgm:t>
+    </dgm:pt>
+    <dgm:pt modelId="{1ED6A051-3959-4FD6-AD29-3654FA28C3DC}" type="pres">
+      <dgm:prSet presAssocID="{5886DA34-5D32-4ADA-973A-D9E92FF1FAED}" presName="level2hierChild" presStyleCnt="0"/>
+      <dgm:spPr/>
+    </dgm:pt>
+    <dgm:pt modelId="{BD228529-4367-4D2A-930C-46C6B3A9A0B7}" type="pres">
+      <dgm:prSet presAssocID="{6819E42D-34BB-4E3C-BD14-280AB0CD9F51}" presName="conn2-1" presStyleLbl="parChTrans1D2" presStyleIdx="0" presStyleCnt="3"/>
+      <dgm:spPr/>
+    </dgm:pt>
+    <dgm:pt modelId="{4C172460-6350-4E90-8458-0F317DBC5CE0}" type="pres">
+      <dgm:prSet presAssocID="{6819E42D-34BB-4E3C-BD14-280AB0CD9F51}" presName="connTx" presStyleLbl="parChTrans1D2" presStyleIdx="0" presStyleCnt="3"/>
+      <dgm:spPr/>
+    </dgm:pt>
+    <dgm:pt modelId="{29837749-5BAF-4EA5-B204-5BCEF5277F82}" type="pres">
+      <dgm:prSet presAssocID="{50ED6453-A4A9-4B62-9C59-4B861ACB7FF1}" presName="root2" presStyleCnt="0"/>
+      <dgm:spPr/>
+    </dgm:pt>
+    <dgm:pt modelId="{DF3DCC9B-419F-4E67-95FA-EDA26FA91A8F}" type="pres">
+      <dgm:prSet presAssocID="{50ED6453-A4A9-4B62-9C59-4B861ACB7FF1}" presName="LevelTwoTextNode" presStyleLbl="node2" presStyleIdx="0" presStyleCnt="3">
+        <dgm:presLayoutVars>
+          <dgm:chPref val="3"/>
+        </dgm:presLayoutVars>
+      </dgm:prSet>
+      <dgm:spPr/>
+    </dgm:pt>
+    <dgm:pt modelId="{55242990-BA2E-4226-B504-A3732E97F380}" type="pres">
+      <dgm:prSet presAssocID="{50ED6453-A4A9-4B62-9C59-4B861ACB7FF1}" presName="level3hierChild" presStyleCnt="0"/>
+      <dgm:spPr/>
+    </dgm:pt>
+    <dgm:pt modelId="{F8C36DA8-75C7-44B8-9A07-F9512D817F6A}" type="pres">
+      <dgm:prSet presAssocID="{4B7F96FB-BD66-403E-B051-A494EA89F97C}" presName="conn2-1" presStyleLbl="parChTrans1D2" presStyleIdx="1" presStyleCnt="3"/>
+      <dgm:spPr/>
+    </dgm:pt>
+    <dgm:pt modelId="{DE60C95E-65BE-4365-B40B-24A5860D9413}" type="pres">
+      <dgm:prSet presAssocID="{4B7F96FB-BD66-403E-B051-A494EA89F97C}" presName="connTx" presStyleLbl="parChTrans1D2" presStyleIdx="1" presStyleCnt="3"/>
+      <dgm:spPr/>
+    </dgm:pt>
+    <dgm:pt modelId="{C9790290-4468-431E-8AB0-F90C3CE8CA0A}" type="pres">
+      <dgm:prSet presAssocID="{3B5E1CBD-D2ED-4574-A0D5-A2E6CA9112C1}" presName="root2" presStyleCnt="0"/>
+      <dgm:spPr/>
+    </dgm:pt>
+    <dgm:pt modelId="{A41E3F7D-FA4D-41CF-8A41-E599E6AAAADB}" type="pres">
+      <dgm:prSet presAssocID="{3B5E1CBD-D2ED-4574-A0D5-A2E6CA9112C1}" presName="LevelTwoTextNode" presStyleLbl="node2" presStyleIdx="1" presStyleCnt="3">
+        <dgm:presLayoutVars>
+          <dgm:chPref val="3"/>
+        </dgm:presLayoutVars>
+      </dgm:prSet>
+      <dgm:spPr/>
+    </dgm:pt>
+    <dgm:pt modelId="{A469A066-4903-4E2B-8137-72D471BE1FD8}" type="pres">
+      <dgm:prSet presAssocID="{3B5E1CBD-D2ED-4574-A0D5-A2E6CA9112C1}" presName="level3hierChild" presStyleCnt="0"/>
+      <dgm:spPr/>
+    </dgm:pt>
+    <dgm:pt modelId="{1AD78B2E-2D99-4CD7-B50E-8B02DDD80302}" type="pres">
+      <dgm:prSet presAssocID="{41E05C28-2972-4660-AC8D-8038D23D4266}" presName="conn2-1" presStyleLbl="parChTrans1D2" presStyleIdx="2" presStyleCnt="3"/>
+      <dgm:spPr/>
+    </dgm:pt>
+    <dgm:pt modelId="{96BCCA7C-94FC-45D3-90C4-F4FC0E1DC541}" type="pres">
+      <dgm:prSet presAssocID="{41E05C28-2972-4660-AC8D-8038D23D4266}" presName="connTx" presStyleLbl="parChTrans1D2" presStyleIdx="2" presStyleCnt="3"/>
+      <dgm:spPr/>
+    </dgm:pt>
+    <dgm:pt modelId="{9CF50223-0AB8-4BEE-A4C7-0ED38B61FEC1}" type="pres">
+      <dgm:prSet presAssocID="{7EC5456D-F8B1-484E-9CCC-A5E484C5B6C1}" presName="root2" presStyleCnt="0"/>
+      <dgm:spPr/>
+    </dgm:pt>
+    <dgm:pt modelId="{E19A0B7E-5174-4A07-BE49-C874D9FEBD02}" type="pres">
+      <dgm:prSet presAssocID="{7EC5456D-F8B1-484E-9CCC-A5E484C5B6C1}" presName="LevelTwoTextNode" presStyleLbl="node2" presStyleIdx="2" presStyleCnt="3">
+        <dgm:presLayoutVars>
+          <dgm:chPref val="3"/>
+        </dgm:presLayoutVars>
+      </dgm:prSet>
+      <dgm:spPr/>
+      <dgm:t>
+        <a:bodyPr/>
+        <a:lstStyle/>
+        <a:p>
+          <a:endParaRPr lang="zh-CN" altLang="en-US"/>
+        </a:p>
+      </dgm:t>
+    </dgm:pt>
+    <dgm:pt modelId="{386E3F3C-BAFD-400B-A9A0-F4D87F01DC50}" type="pres">
+      <dgm:prSet presAssocID="{7EC5456D-F8B1-484E-9CCC-A5E484C5B6C1}" presName="level3hierChild" presStyleCnt="0"/>
+      <dgm:spPr/>
+    </dgm:pt>
+  </dgm:ptLst>
+  <dgm:cxnLst>
+    <dgm:cxn modelId="{0656EFB7-6A69-43D3-9F44-2FCB973225E7}" type="presOf" srcId="{41E05C28-2972-4660-AC8D-8038D23D4266}" destId="{96BCCA7C-94FC-45D3-90C4-F4FC0E1DC541}" srcOrd="1" destOrd="0" presId="urn:microsoft.com/office/officeart/2005/8/layout/hierarchy2"/>
+    <dgm:cxn modelId="{41E43FA6-6C5C-4DE0-80CF-1D4AC5064AC8}" srcId="{5886DA34-5D32-4ADA-973A-D9E92FF1FAED}" destId="{7EC5456D-F8B1-484E-9CCC-A5E484C5B6C1}" srcOrd="2" destOrd="0" parTransId="{41E05C28-2972-4660-AC8D-8038D23D4266}" sibTransId="{8585A957-FF48-4BA9-A543-781075A9F24B}"/>
+    <dgm:cxn modelId="{228DFF31-4C4E-45F3-BA4F-43F69EC0B354}" type="presOf" srcId="{41E05C28-2972-4660-AC8D-8038D23D4266}" destId="{1AD78B2E-2D99-4CD7-B50E-8B02DDD80302}" srcOrd="0" destOrd="0" presId="urn:microsoft.com/office/officeart/2005/8/layout/hierarchy2"/>
+    <dgm:cxn modelId="{83E2DB47-65CC-470F-AFA7-1248E8ACE4D4}" srcId="{5886DA34-5D32-4ADA-973A-D9E92FF1FAED}" destId="{3B5E1CBD-D2ED-4574-A0D5-A2E6CA9112C1}" srcOrd="1" destOrd="0" parTransId="{4B7F96FB-BD66-403E-B051-A494EA89F97C}" sibTransId="{90DAC3FC-21BD-43B8-9317-47D138E97B77}"/>
+    <dgm:cxn modelId="{0549079B-D0A7-4F37-B9B0-CD5F197D238B}" type="presOf" srcId="{50ED6453-A4A9-4B62-9C59-4B861ACB7FF1}" destId="{DF3DCC9B-419F-4E67-95FA-EDA26FA91A8F}" srcOrd="0" destOrd="0" presId="urn:microsoft.com/office/officeart/2005/8/layout/hierarchy2"/>
+    <dgm:cxn modelId="{A095802C-3534-4427-BDE7-30E6CD740607}" type="presOf" srcId="{9EADD6EA-42F7-4857-991C-697DB63761DA}" destId="{F7F96C41-2A8A-4F4A-A9FB-B2AD2AA6A75B}" srcOrd="0" destOrd="0" presId="urn:microsoft.com/office/officeart/2005/8/layout/hierarchy2"/>
+    <dgm:cxn modelId="{867559E7-8D7E-4264-9890-F8E193ABF96E}" type="presOf" srcId="{7EC5456D-F8B1-484E-9CCC-A5E484C5B6C1}" destId="{E19A0B7E-5174-4A07-BE49-C874D9FEBD02}" srcOrd="0" destOrd="0" presId="urn:microsoft.com/office/officeart/2005/8/layout/hierarchy2"/>
+    <dgm:cxn modelId="{8988D402-58C9-4106-8DA0-AF08955B6F6A}" type="presOf" srcId="{5886DA34-5D32-4ADA-973A-D9E92FF1FAED}" destId="{B754F008-6133-4743-B8E7-D297F889C552}" srcOrd="0" destOrd="0" presId="urn:microsoft.com/office/officeart/2005/8/layout/hierarchy2"/>
+    <dgm:cxn modelId="{9968E276-D183-4C13-809D-6DE5836AF82E}" type="presOf" srcId="{4B7F96FB-BD66-403E-B051-A494EA89F97C}" destId="{F8C36DA8-75C7-44B8-9A07-F9512D817F6A}" srcOrd="0" destOrd="0" presId="urn:microsoft.com/office/officeart/2005/8/layout/hierarchy2"/>
+    <dgm:cxn modelId="{C56D73EB-4772-466F-9B39-57ADCD5D3523}" type="presOf" srcId="{4B7F96FB-BD66-403E-B051-A494EA89F97C}" destId="{DE60C95E-65BE-4365-B40B-24A5860D9413}" srcOrd="1" destOrd="0" presId="urn:microsoft.com/office/officeart/2005/8/layout/hierarchy2"/>
+    <dgm:cxn modelId="{07DB829F-7F64-451B-A424-7DB396348E64}" type="presOf" srcId="{6819E42D-34BB-4E3C-BD14-280AB0CD9F51}" destId="{BD228529-4367-4D2A-930C-46C6B3A9A0B7}" srcOrd="0" destOrd="0" presId="urn:microsoft.com/office/officeart/2005/8/layout/hierarchy2"/>
+    <dgm:cxn modelId="{06DCB1F4-F2D6-42ED-B033-DF1CB8C19FFA}" type="presOf" srcId="{3B5E1CBD-D2ED-4574-A0D5-A2E6CA9112C1}" destId="{A41E3F7D-FA4D-41CF-8A41-E599E6AAAADB}" srcOrd="0" destOrd="0" presId="urn:microsoft.com/office/officeart/2005/8/layout/hierarchy2"/>
+    <dgm:cxn modelId="{1F550DE6-8D0E-4D09-9594-668FA5C8D924}" type="presOf" srcId="{6819E42D-34BB-4E3C-BD14-280AB0CD9F51}" destId="{4C172460-6350-4E90-8458-0F317DBC5CE0}" srcOrd="1" destOrd="0" presId="urn:microsoft.com/office/officeart/2005/8/layout/hierarchy2"/>
+    <dgm:cxn modelId="{7D8460BC-7C96-4EFC-ABF5-9331029DCEC9}" srcId="{9EADD6EA-42F7-4857-991C-697DB63761DA}" destId="{5886DA34-5D32-4ADA-973A-D9E92FF1FAED}" srcOrd="0" destOrd="0" parTransId="{D151F72F-F315-4A10-9EA4-FC3113AF3D24}" sibTransId="{6D3A3184-3F63-4755-A86D-B75926D5EB7E}"/>
+    <dgm:cxn modelId="{F89896D5-D45A-4751-9B21-3564D124DE03}" srcId="{5886DA34-5D32-4ADA-973A-D9E92FF1FAED}" destId="{50ED6453-A4A9-4B62-9C59-4B861ACB7FF1}" srcOrd="0" destOrd="0" parTransId="{6819E42D-34BB-4E3C-BD14-280AB0CD9F51}" sibTransId="{963B6512-A0C4-44BC-A5BE-562A24082FF9}"/>
+    <dgm:cxn modelId="{1DAF0204-1385-4A8F-A57C-AA777BFE38C8}" type="presParOf" srcId="{F7F96C41-2A8A-4F4A-A9FB-B2AD2AA6A75B}" destId="{C077A129-C28C-4167-BEEC-5792567B1337}" srcOrd="0" destOrd="0" presId="urn:microsoft.com/office/officeart/2005/8/layout/hierarchy2"/>
+    <dgm:cxn modelId="{E88AA2E8-4353-4789-9883-471E2289F609}" type="presParOf" srcId="{C077A129-C28C-4167-BEEC-5792567B1337}" destId="{B754F008-6133-4743-B8E7-D297F889C552}" srcOrd="0" destOrd="0" presId="urn:microsoft.com/office/officeart/2005/8/layout/hierarchy2"/>
+    <dgm:cxn modelId="{3C528B67-B177-4455-BEA0-1CD20EC3E540}" type="presParOf" srcId="{C077A129-C28C-4167-BEEC-5792567B1337}" destId="{1ED6A051-3959-4FD6-AD29-3654FA28C3DC}" srcOrd="1" destOrd="0" presId="urn:microsoft.com/office/officeart/2005/8/layout/hierarchy2"/>
+    <dgm:cxn modelId="{B332D9A9-1878-417A-838D-3B5C9ECA5AF8}" type="presParOf" srcId="{1ED6A051-3959-4FD6-AD29-3654FA28C3DC}" destId="{BD228529-4367-4D2A-930C-46C6B3A9A0B7}" srcOrd="0" destOrd="0" presId="urn:microsoft.com/office/officeart/2005/8/layout/hierarchy2"/>
+    <dgm:cxn modelId="{538EFAB5-A774-4C51-A1F3-7C4E85BE3204}" type="presParOf" srcId="{BD228529-4367-4D2A-930C-46C6B3A9A0B7}" destId="{4C172460-6350-4E90-8458-0F317DBC5CE0}" srcOrd="0" destOrd="0" presId="urn:microsoft.com/office/officeart/2005/8/layout/hierarchy2"/>
+    <dgm:cxn modelId="{0407B5F4-8EA3-4FC3-8C95-F78EC3BA4A8E}" type="presParOf" srcId="{1ED6A051-3959-4FD6-AD29-3654FA28C3DC}" destId="{29837749-5BAF-4EA5-B204-5BCEF5277F82}" srcOrd="1" destOrd="0" presId="urn:microsoft.com/office/officeart/2005/8/layout/hierarchy2"/>
+    <dgm:cxn modelId="{62896B92-EF33-42CA-AED2-DEB25FDA8605}" type="presParOf" srcId="{29837749-5BAF-4EA5-B204-5BCEF5277F82}" destId="{DF3DCC9B-419F-4E67-95FA-EDA26FA91A8F}" srcOrd="0" destOrd="0" presId="urn:microsoft.com/office/officeart/2005/8/layout/hierarchy2"/>
+    <dgm:cxn modelId="{51F6A8D9-7031-442F-9D6C-B3456271798C}" type="presParOf" srcId="{29837749-5BAF-4EA5-B204-5BCEF5277F82}" destId="{55242990-BA2E-4226-B504-A3732E97F380}" srcOrd="1" destOrd="0" presId="urn:microsoft.com/office/officeart/2005/8/layout/hierarchy2"/>
+    <dgm:cxn modelId="{C3F52556-EF43-46BA-9F54-B0B99C5B775E}" type="presParOf" srcId="{1ED6A051-3959-4FD6-AD29-3654FA28C3DC}" destId="{F8C36DA8-75C7-44B8-9A07-F9512D817F6A}" srcOrd="2" destOrd="0" presId="urn:microsoft.com/office/officeart/2005/8/layout/hierarchy2"/>
+    <dgm:cxn modelId="{1FCCFD41-5BAD-4D42-A83B-AB7A128CD306}" type="presParOf" srcId="{F8C36DA8-75C7-44B8-9A07-F9512D817F6A}" destId="{DE60C95E-65BE-4365-B40B-24A5860D9413}" srcOrd="0" destOrd="0" presId="urn:microsoft.com/office/officeart/2005/8/layout/hierarchy2"/>
+    <dgm:cxn modelId="{9251311B-F93B-47A4-BC08-4FEEEC162FE0}" type="presParOf" srcId="{1ED6A051-3959-4FD6-AD29-3654FA28C3DC}" destId="{C9790290-4468-431E-8AB0-F90C3CE8CA0A}" srcOrd="3" destOrd="0" presId="urn:microsoft.com/office/officeart/2005/8/layout/hierarchy2"/>
+    <dgm:cxn modelId="{70BBB0AE-0CFA-410A-9A9F-10301781A219}" type="presParOf" srcId="{C9790290-4468-431E-8AB0-F90C3CE8CA0A}" destId="{A41E3F7D-FA4D-41CF-8A41-E599E6AAAADB}" srcOrd="0" destOrd="0" presId="urn:microsoft.com/office/officeart/2005/8/layout/hierarchy2"/>
+    <dgm:cxn modelId="{D3A918EC-4681-49C4-A7BF-3E8069C4EF0B}" type="presParOf" srcId="{C9790290-4468-431E-8AB0-F90C3CE8CA0A}" destId="{A469A066-4903-4E2B-8137-72D471BE1FD8}" srcOrd="1" destOrd="0" presId="urn:microsoft.com/office/officeart/2005/8/layout/hierarchy2"/>
+    <dgm:cxn modelId="{BA267B64-789F-4713-AFF1-03F505C95876}" type="presParOf" srcId="{1ED6A051-3959-4FD6-AD29-3654FA28C3DC}" destId="{1AD78B2E-2D99-4CD7-B50E-8B02DDD80302}" srcOrd="4" destOrd="0" presId="urn:microsoft.com/office/officeart/2005/8/layout/hierarchy2"/>
+    <dgm:cxn modelId="{8C34FCA3-F6A6-4B6C-90BC-76052CCB4B54}" type="presParOf" srcId="{1AD78B2E-2D99-4CD7-B50E-8B02DDD80302}" destId="{96BCCA7C-94FC-45D3-90C4-F4FC0E1DC541}" srcOrd="0" destOrd="0" presId="urn:microsoft.com/office/officeart/2005/8/layout/hierarchy2"/>
+    <dgm:cxn modelId="{B864A430-83D3-4336-B724-419FB6B506AE}" type="presParOf" srcId="{1ED6A051-3959-4FD6-AD29-3654FA28C3DC}" destId="{9CF50223-0AB8-4BEE-A4C7-0ED38B61FEC1}" srcOrd="5" destOrd="0" presId="urn:microsoft.com/office/officeart/2005/8/layout/hierarchy2"/>
+    <dgm:cxn modelId="{402D15D1-74DE-47FE-A871-72C12F011D72}" type="presParOf" srcId="{9CF50223-0AB8-4BEE-A4C7-0ED38B61FEC1}" destId="{E19A0B7E-5174-4A07-BE49-C874D9FEBD02}" srcOrd="0" destOrd="0" presId="urn:microsoft.com/office/officeart/2005/8/layout/hierarchy2"/>
+    <dgm:cxn modelId="{E48A6034-137B-4CBB-944E-4C0BF213B6C7}" type="presParOf" srcId="{9CF50223-0AB8-4BEE-A4C7-0ED38B61FEC1}" destId="{386E3F3C-BAFD-400B-A9A0-F4D87F01DC50}" srcOrd="1" destOrd="0" presId="urn:microsoft.com/office/officeart/2005/8/layout/hierarchy2"/>
+  </dgm:cxnLst>
+  <dgm:bg/>
+  <dgm:whole/>
+  <dgm:extLst>
+    <a:ext uri="http://schemas.microsoft.com/office/drawing/2008/diagram">
+      <dsp:dataModelExt xmlns:dsp="http://schemas.microsoft.com/office/drawing/2008/diagram" relId="rId7" minVer="http://schemas.openxmlformats.org/drawingml/2006/diagram"/>
+    </a:ext>
+  </dgm:extLst>
+</dgm:dataModel>
+</file>
+
 <file path=ppt/diagrams/drawing1.xml><?xml version="1.0" encoding="utf-8"?>
 <dsp:drawing xmlns:dgm="http://schemas.openxmlformats.org/drawingml/2006/diagram" xmlns:dsp="http://schemas.microsoft.com/office/drawing/2008/diagram" xmlns:a="http://schemas.openxmlformats.org/drawingml/2006/main">
   <dsp:spTree>
@@ -1212,64 +3405,32 @@
       <dsp:cNvGrpSpPr/>
     </dsp:nvGrpSpPr>
     <dsp:grpSpPr/>
-    <dsp:sp modelId="{781D2BA9-01B8-4B7C-82D6-94E995C3B482}">
+  </dsp:spTree>
+</dsp:drawing>
+</file>
+
+<file path=ppt/diagrams/drawing2.xml><?xml version="1.0" encoding="utf-8"?>
+<dsp:drawing xmlns:dgm="http://schemas.openxmlformats.org/drawingml/2006/diagram" xmlns:dsp="http://schemas.microsoft.com/office/drawing/2008/diagram" xmlns:a="http://schemas.openxmlformats.org/drawingml/2006/main">
+  <dsp:spTree>
+    <dsp:nvGrpSpPr>
+      <dsp:cNvPr id="0" name=""/>
+      <dsp:cNvGrpSpPr/>
+    </dsp:nvGrpSpPr>
+    <dsp:grpSpPr/>
+    <dsp:sp modelId="{B754F008-6133-4743-B8E7-D297F889C552}">
       <dsp:nvSpPr>
         <dsp:cNvPr id="0" name=""/>
         <dsp:cNvSpPr/>
       </dsp:nvSpPr>
       <dsp:spPr>
         <a:xfrm>
-          <a:off x="-4230453" y="-649088"/>
-          <a:ext cx="5040550" cy="5040550"/>
+          <a:off x="110" y="1387460"/>
+          <a:ext cx="1514220" cy="757110"/>
         </a:xfrm>
-        <a:prstGeom prst="blockArc">
+        <a:prstGeom prst="roundRect">
           <a:avLst>
-            <a:gd name="adj1" fmla="val 18900000"/>
-            <a:gd name="adj2" fmla="val 2700000"/>
-            <a:gd name="adj3" fmla="val 429"/>
+            <a:gd name="adj" fmla="val 10000"/>
           </a:avLst>
-        </a:prstGeom>
-        <a:noFill/>
-        <a:ln w="12700" cap="flat" cmpd="sng" algn="ctr">
-          <a:solidFill>
-            <a:schemeClr val="accent1">
-              <a:shade val="60000"/>
-              <a:hueOff val="0"/>
-              <a:satOff val="0"/>
-              <a:lumOff val="0"/>
-              <a:alphaOff val="0"/>
-            </a:schemeClr>
-          </a:solidFill>
-          <a:prstDash val="solid"/>
-          <a:miter lim="800000"/>
-        </a:ln>
-        <a:effectLst/>
-      </dsp:spPr>
-      <dsp:style>
-        <a:lnRef idx="2">
-          <a:scrgbClr r="0" g="0" b="0"/>
-        </a:lnRef>
-        <a:fillRef idx="0">
-          <a:scrgbClr r="0" g="0" b="0"/>
-        </a:fillRef>
-        <a:effectRef idx="0">
-          <a:scrgbClr r="0" g="0" b="0"/>
-        </a:effectRef>
-        <a:fontRef idx="minor"/>
-      </dsp:style>
-    </dsp:sp>
-    <dsp:sp modelId="{70ABE1E6-AAF8-4A13-8929-D138719B5DAC}">
-      <dsp:nvSpPr>
-        <dsp:cNvPr id="0" name=""/>
-        <dsp:cNvSpPr/>
-      </dsp:nvSpPr>
-      <dsp:spPr>
-        <a:xfrm>
-          <a:off x="424426" y="287713"/>
-          <a:ext cx="6826519" cy="575726"/>
-        </a:xfrm>
-        <a:prstGeom prst="rect">
-          <a:avLst/>
         </a:prstGeom>
         <a:solidFill>
           <a:schemeClr val="accent1">
@@ -1308,12 +3469,12 @@
         </a:fontRef>
       </dsp:style>
       <dsp:txBody>
-        <a:bodyPr spcFirstLastPara="0" vert="horz" wrap="square" lIns="456983" tIns="71120" rIns="71120" bIns="71120" numCol="1" spcCol="1270" anchor="ctr" anchorCtr="0">
+        <a:bodyPr spcFirstLastPara="0" vert="horz" wrap="square" lIns="10160" tIns="10160" rIns="10160" bIns="10160" numCol="1" spcCol="1270" anchor="ctr" anchorCtr="0">
           <a:noAutofit/>
         </a:bodyPr>
         <a:lstStyle/>
         <a:p>
-          <a:pPr lvl="0" algn="l" defTabSz="1244600">
+          <a:pPr lvl="0" algn="ctr" defTabSz="711200">
             <a:lnSpc>
               <a:spcPct val="90000"/>
             </a:lnSpc>
@@ -1325,45 +3486,55 @@
             </a:spcAft>
           </a:pPr>
           <a:r>
-            <a:rPr lang="zh-CN" altLang="en-US" sz="2800" kern="1200" dirty="0" smtClean="0"/>
-            <a:t>虚拟</a:t>
+            <a:rPr lang="en-US" altLang="zh-CN" sz="1600" kern="1200" dirty="0" smtClean="0">
+              <a:solidFill>
+                <a:srgbClr val="404040"/>
+              </a:solidFill>
+              <a:latin typeface="Arial" panose="020B0604020202020204" pitchFamily="34" charset="0"/>
+              <a:ea typeface="-apple-system"/>
+            </a:rPr>
+            <a:t>Custom Elements</a:t>
           </a:r>
-          <a:r>
-            <a:rPr lang="en-US" altLang="zh-CN" sz="2800" kern="1200" dirty="0" err="1" smtClean="0"/>
-            <a:t>dom</a:t>
-          </a:r>
-          <a:endParaRPr lang="zh-CN" altLang="en-US" sz="2800" kern="1200" dirty="0"/>
+          <a:endParaRPr lang="zh-CN" altLang="en-US" sz="1600" kern="1200" dirty="0"/>
         </a:p>
       </dsp:txBody>
       <dsp:txXfrm>
-        <a:off x="424426" y="287713"/>
-        <a:ext cx="6826519" cy="575726"/>
+        <a:off x="22285" y="1409635"/>
+        <a:ext cx="1469870" cy="712760"/>
       </dsp:txXfrm>
     </dsp:sp>
-    <dsp:sp modelId="{AB6C5970-6B6B-4CC0-9945-08DC0B17EE3E}">
+    <dsp:sp modelId="{BD228529-4367-4D2A-930C-46C6B3A9A0B7}">
       <dsp:nvSpPr>
         <dsp:cNvPr id="0" name=""/>
         <dsp:cNvSpPr/>
       </dsp:nvSpPr>
       <dsp:spPr>
-        <a:xfrm>
-          <a:off x="64596" y="215747"/>
-          <a:ext cx="719658" cy="719658"/>
+        <a:xfrm rot="18289469">
+          <a:off x="1286859" y="1311385"/>
+          <a:ext cx="1060630" cy="38583"/>
         </a:xfrm>
-        <a:prstGeom prst="ellipse">
+        <a:custGeom>
           <a:avLst/>
-        </a:prstGeom>
-        <a:solidFill>
-          <a:schemeClr val="lt1">
-            <a:hueOff val="0"/>
-            <a:satOff val="0"/>
-            <a:lumOff val="0"/>
-            <a:alphaOff val="0"/>
-          </a:schemeClr>
-        </a:solidFill>
+          <a:gdLst/>
+          <a:ahLst/>
+          <a:cxnLst/>
+          <a:rect l="0" t="0" r="0" b="0"/>
+          <a:pathLst>
+            <a:path>
+              <a:moveTo>
+                <a:pt x="0" y="19291"/>
+              </a:moveTo>
+              <a:lnTo>
+                <a:pt x="1060630" y="19291"/>
+              </a:lnTo>
+            </a:path>
+          </a:pathLst>
+        </a:custGeom>
+        <a:noFill/>
         <a:ln w="12700" cap="flat" cmpd="sng" algn="ctr">
           <a:solidFill>
             <a:schemeClr val="accent1">
+              <a:shade val="60000"/>
               <a:hueOff val="0"/>
               <a:satOff val="0"/>
               <a:lumOff val="0"/>
@@ -1379,7 +3550,7 @@
         <a:lnRef idx="2">
           <a:scrgbClr r="0" g="0" b="0"/>
         </a:lnRef>
-        <a:fillRef idx="1">
+        <a:fillRef idx="0">
           <a:scrgbClr r="0" g="0" b="0"/>
         </a:fillRef>
         <a:effectRef idx="0">
@@ -1387,19 +3558,45 @@
         </a:effectRef>
         <a:fontRef idx="minor"/>
       </dsp:style>
+      <dsp:txBody>
+        <a:bodyPr spcFirstLastPara="0" vert="horz" wrap="square" lIns="12700" tIns="0" rIns="12700" bIns="0" numCol="1" spcCol="1270" anchor="ctr" anchorCtr="0">
+          <a:noAutofit/>
+        </a:bodyPr>
+        <a:lstStyle/>
+        <a:p>
+          <a:pPr lvl="0" algn="ctr" defTabSz="222250">
+            <a:lnSpc>
+              <a:spcPct val="90000"/>
+            </a:lnSpc>
+            <a:spcBef>
+              <a:spcPct val="0"/>
+            </a:spcBef>
+            <a:spcAft>
+              <a:spcPct val="35000"/>
+            </a:spcAft>
+          </a:pPr>
+          <a:endParaRPr lang="zh-CN" altLang="en-US" sz="500" kern="1200"/>
+        </a:p>
+      </dsp:txBody>
+      <dsp:txXfrm>
+        <a:off x="1790659" y="1304161"/>
+        <a:ext cx="53031" cy="53031"/>
+      </dsp:txXfrm>
     </dsp:sp>
-    <dsp:sp modelId="{1D193561-E8A1-42D7-8316-5840CB872E79}">
+    <dsp:sp modelId="{DF3DCC9B-419F-4E67-95FA-EDA26FA91A8F}">
       <dsp:nvSpPr>
         <dsp:cNvPr id="0" name=""/>
         <dsp:cNvSpPr/>
       </dsp:nvSpPr>
       <dsp:spPr>
         <a:xfrm>
-          <a:off x="754503" y="1151453"/>
-          <a:ext cx="6496442" cy="575726"/>
+          <a:off x="2120019" y="516783"/>
+          <a:ext cx="1514220" cy="757110"/>
         </a:xfrm>
-        <a:prstGeom prst="rect">
-          <a:avLst/>
+        <a:prstGeom prst="roundRect">
+          <a:avLst>
+            <a:gd name="adj" fmla="val 10000"/>
+          </a:avLst>
         </a:prstGeom>
         <a:solidFill>
           <a:schemeClr val="accent1">
@@ -1438,12 +3635,12 @@
         </a:fontRef>
       </dsp:style>
       <dsp:txBody>
-        <a:bodyPr spcFirstLastPara="0" vert="horz" wrap="square" lIns="456983" tIns="71120" rIns="71120" bIns="71120" numCol="1" spcCol="1270" anchor="ctr" anchorCtr="0">
+        <a:bodyPr spcFirstLastPara="0" vert="horz" wrap="square" lIns="10160" tIns="10160" rIns="10160" bIns="10160" numCol="1" spcCol="1270" anchor="ctr" anchorCtr="0">
           <a:noAutofit/>
         </a:bodyPr>
         <a:lstStyle/>
         <a:p>
-          <a:pPr lvl="0" algn="l" defTabSz="1244600">
+          <a:pPr lvl="0" algn="ctr" defTabSz="711200">
             <a:lnSpc>
               <a:spcPct val="90000"/>
             </a:lnSpc>
@@ -1455,45 +3652,49 @@
             </a:spcAft>
           </a:pPr>
           <a:r>
-            <a:rPr lang="zh-CN" altLang="en-US" sz="2800" kern="1200" dirty="0" smtClean="0"/>
-            <a:t>无处不在的</a:t>
+            <a:rPr lang="en-US" altLang="zh-CN" sz="1600" kern="1200" dirty="0" err="1" smtClean="0"/>
+            <a:t>HTMLElement</a:t>
           </a:r>
-          <a:r>
-            <a:rPr lang="en-US" altLang="zh-CN" sz="2800" kern="1200" dirty="0" smtClean="0"/>
-            <a:t>diff</a:t>
-          </a:r>
-          <a:endParaRPr lang="zh-CN" altLang="en-US" sz="2800" kern="1200" dirty="0"/>
+          <a:endParaRPr lang="zh-CN" altLang="en-US" sz="1600" kern="1200" dirty="0"/>
         </a:p>
       </dsp:txBody>
       <dsp:txXfrm>
-        <a:off x="754503" y="1151453"/>
-        <a:ext cx="6496442" cy="575726"/>
+        <a:off x="2142194" y="538958"/>
+        <a:ext cx="1469870" cy="712760"/>
       </dsp:txXfrm>
     </dsp:sp>
-    <dsp:sp modelId="{F3958A8F-50A7-497E-9FAB-5AD1210CF544}">
+    <dsp:sp modelId="{F8C36DA8-75C7-44B8-9A07-F9512D817F6A}">
       <dsp:nvSpPr>
         <dsp:cNvPr id="0" name=""/>
         <dsp:cNvSpPr/>
       </dsp:nvSpPr>
       <dsp:spPr>
         <a:xfrm>
-          <a:off x="394674" y="1079487"/>
-          <a:ext cx="719658" cy="719658"/>
+          <a:off x="1514330" y="1746723"/>
+          <a:ext cx="605688" cy="38583"/>
         </a:xfrm>
-        <a:prstGeom prst="ellipse">
+        <a:custGeom>
           <a:avLst/>
-        </a:prstGeom>
-        <a:solidFill>
-          <a:schemeClr val="lt1">
-            <a:hueOff val="0"/>
-            <a:satOff val="0"/>
-            <a:lumOff val="0"/>
-            <a:alphaOff val="0"/>
-          </a:schemeClr>
-        </a:solidFill>
+          <a:gdLst/>
+          <a:ahLst/>
+          <a:cxnLst/>
+          <a:rect l="0" t="0" r="0" b="0"/>
+          <a:pathLst>
+            <a:path>
+              <a:moveTo>
+                <a:pt x="0" y="19291"/>
+              </a:moveTo>
+              <a:lnTo>
+                <a:pt x="605688" y="19291"/>
+              </a:lnTo>
+            </a:path>
+          </a:pathLst>
+        </a:custGeom>
+        <a:noFill/>
         <a:ln w="12700" cap="flat" cmpd="sng" algn="ctr">
           <a:solidFill>
             <a:schemeClr val="accent1">
+              <a:shade val="60000"/>
               <a:hueOff val="0"/>
               <a:satOff val="0"/>
               <a:lumOff val="0"/>
@@ -1509,7 +3710,7 @@
         <a:lnRef idx="2">
           <a:scrgbClr r="0" g="0" b="0"/>
         </a:lnRef>
-        <a:fillRef idx="1">
+        <a:fillRef idx="0">
           <a:scrgbClr r="0" g="0" b="0"/>
         </a:fillRef>
         <a:effectRef idx="0">
@@ -1517,19 +3718,45 @@
         </a:effectRef>
         <a:fontRef idx="minor"/>
       </dsp:style>
+      <dsp:txBody>
+        <a:bodyPr spcFirstLastPara="0" vert="horz" wrap="square" lIns="12700" tIns="0" rIns="12700" bIns="0" numCol="1" spcCol="1270" anchor="ctr" anchorCtr="0">
+          <a:noAutofit/>
+        </a:bodyPr>
+        <a:lstStyle/>
+        <a:p>
+          <a:pPr lvl="0" algn="ctr" defTabSz="222250">
+            <a:lnSpc>
+              <a:spcPct val="90000"/>
+            </a:lnSpc>
+            <a:spcBef>
+              <a:spcPct val="0"/>
+            </a:spcBef>
+            <a:spcAft>
+              <a:spcPct val="35000"/>
+            </a:spcAft>
+          </a:pPr>
+          <a:endParaRPr lang="zh-CN" altLang="en-US" sz="500" kern="1200"/>
+        </a:p>
+      </dsp:txBody>
+      <dsp:txXfrm>
+        <a:off x="1802032" y="1750873"/>
+        <a:ext cx="30284" cy="30284"/>
+      </dsp:txXfrm>
     </dsp:sp>
-    <dsp:sp modelId="{045D4F48-AEF5-41E3-A97B-002BFBFC1C97}">
+    <dsp:sp modelId="{A41E3F7D-FA4D-41CF-8A41-E599E6AAAADB}">
       <dsp:nvSpPr>
         <dsp:cNvPr id="0" name=""/>
         <dsp:cNvSpPr/>
       </dsp:nvSpPr>
       <dsp:spPr>
         <a:xfrm>
-          <a:off x="754503" y="2015193"/>
-          <a:ext cx="6496442" cy="575726"/>
+          <a:off x="2120019" y="1387460"/>
+          <a:ext cx="1514220" cy="757110"/>
         </a:xfrm>
-        <a:prstGeom prst="rect">
-          <a:avLst/>
+        <a:prstGeom prst="roundRect">
+          <a:avLst>
+            <a:gd name="adj" fmla="val 10000"/>
+          </a:avLst>
         </a:prstGeom>
         <a:solidFill>
           <a:schemeClr val="accent1">
@@ -1568,12 +3795,12 @@
         </a:fontRef>
       </dsp:style>
       <dsp:txBody>
-        <a:bodyPr spcFirstLastPara="0" vert="horz" wrap="square" lIns="456983" tIns="71120" rIns="71120" bIns="71120" numCol="1" spcCol="1270" anchor="ctr" anchorCtr="0">
+        <a:bodyPr spcFirstLastPara="0" vert="horz" wrap="square" lIns="10160" tIns="10160" rIns="10160" bIns="10160" numCol="1" spcCol="1270" anchor="ctr" anchorCtr="0">
           <a:noAutofit/>
         </a:bodyPr>
         <a:lstStyle/>
         <a:p>
-          <a:pPr lvl="0" algn="l" defTabSz="1244600">
+          <a:pPr lvl="0" algn="ctr" defTabSz="711200">
             <a:lnSpc>
               <a:spcPct val="90000"/>
             </a:lnSpc>
@@ -1585,45 +3812,49 @@
             </a:spcAft>
           </a:pPr>
           <a:r>
-            <a:rPr lang="zh-CN" altLang="en-US" sz="2800" kern="1200" dirty="0" smtClean="0"/>
-            <a:t>看不见分不清的</a:t>
+            <a:rPr lang="en-US" altLang="zh-CN" sz="1600" kern="1200" dirty="0" err="1" smtClean="0"/>
+            <a:t>customElements</a:t>
           </a:r>
-          <a:r>
-            <a:rPr lang="en-US" altLang="zh-CN" sz="2800" kern="1200" dirty="0" err="1" smtClean="0"/>
-            <a:t>divdivdiv</a:t>
-          </a:r>
-          <a:endParaRPr lang="zh-CN" altLang="en-US" sz="2800" kern="1200" dirty="0"/>
+          <a:endParaRPr lang="zh-CN" altLang="en-US" sz="1600" kern="1200" dirty="0"/>
         </a:p>
       </dsp:txBody>
       <dsp:txXfrm>
-        <a:off x="754503" y="2015193"/>
-        <a:ext cx="6496442" cy="575726"/>
+        <a:off x="2142194" y="1409635"/>
+        <a:ext cx="1469870" cy="712760"/>
       </dsp:txXfrm>
     </dsp:sp>
-    <dsp:sp modelId="{B104CBBE-5405-4535-A3B0-E6EEB7EB727A}">
+    <dsp:sp modelId="{1AD78B2E-2D99-4CD7-B50E-8B02DDD80302}">
       <dsp:nvSpPr>
         <dsp:cNvPr id="0" name=""/>
         <dsp:cNvSpPr/>
       </dsp:nvSpPr>
       <dsp:spPr>
-        <a:xfrm>
-          <a:off x="394674" y="1943227"/>
-          <a:ext cx="719658" cy="719658"/>
+        <a:xfrm rot="3310531">
+          <a:off x="1286859" y="2182061"/>
+          <a:ext cx="1060630" cy="38583"/>
         </a:xfrm>
-        <a:prstGeom prst="ellipse">
+        <a:custGeom>
           <a:avLst/>
-        </a:prstGeom>
-        <a:solidFill>
-          <a:schemeClr val="lt1">
-            <a:hueOff val="0"/>
-            <a:satOff val="0"/>
-            <a:lumOff val="0"/>
-            <a:alphaOff val="0"/>
-          </a:schemeClr>
-        </a:solidFill>
+          <a:gdLst/>
+          <a:ahLst/>
+          <a:cxnLst/>
+          <a:rect l="0" t="0" r="0" b="0"/>
+          <a:pathLst>
+            <a:path>
+              <a:moveTo>
+                <a:pt x="0" y="19291"/>
+              </a:moveTo>
+              <a:lnTo>
+                <a:pt x="1060630" y="19291"/>
+              </a:lnTo>
+            </a:path>
+          </a:pathLst>
+        </a:custGeom>
+        <a:noFill/>
         <a:ln w="12700" cap="flat" cmpd="sng" algn="ctr">
           <a:solidFill>
             <a:schemeClr val="accent1">
+              <a:shade val="60000"/>
               <a:hueOff val="0"/>
               <a:satOff val="0"/>
               <a:lumOff val="0"/>
@@ -1639,7 +3870,7 @@
         <a:lnRef idx="2">
           <a:scrgbClr r="0" g="0" b="0"/>
         </a:lnRef>
-        <a:fillRef idx="1">
+        <a:fillRef idx="0">
           <a:scrgbClr r="0" g="0" b="0"/>
         </a:fillRef>
         <a:effectRef idx="0">
@@ -1647,19 +3878,45 @@
         </a:effectRef>
         <a:fontRef idx="minor"/>
       </dsp:style>
+      <dsp:txBody>
+        <a:bodyPr spcFirstLastPara="0" vert="horz" wrap="square" lIns="12700" tIns="0" rIns="12700" bIns="0" numCol="1" spcCol="1270" anchor="ctr" anchorCtr="0">
+          <a:noAutofit/>
+        </a:bodyPr>
+        <a:lstStyle/>
+        <a:p>
+          <a:pPr lvl="0" algn="ctr" defTabSz="222250">
+            <a:lnSpc>
+              <a:spcPct val="90000"/>
+            </a:lnSpc>
+            <a:spcBef>
+              <a:spcPct val="0"/>
+            </a:spcBef>
+            <a:spcAft>
+              <a:spcPct val="35000"/>
+            </a:spcAft>
+          </a:pPr>
+          <a:endParaRPr lang="zh-CN" altLang="en-US" sz="500" kern="1200"/>
+        </a:p>
+      </dsp:txBody>
+      <dsp:txXfrm>
+        <a:off x="1790659" y="2174838"/>
+        <a:ext cx="53031" cy="53031"/>
+      </dsp:txXfrm>
     </dsp:sp>
-    <dsp:sp modelId="{A0A7E770-CD20-4A85-B860-14E7E41A6359}">
+    <dsp:sp modelId="{E19A0B7E-5174-4A07-BE49-C874D9FEBD02}">
       <dsp:nvSpPr>
         <dsp:cNvPr id="0" name=""/>
         <dsp:cNvSpPr/>
       </dsp:nvSpPr>
       <dsp:spPr>
         <a:xfrm>
-          <a:off x="424426" y="2878933"/>
-          <a:ext cx="6826519" cy="575726"/>
+          <a:off x="2120019" y="2258137"/>
+          <a:ext cx="1514220" cy="757110"/>
         </a:xfrm>
-        <a:prstGeom prst="rect">
-          <a:avLst/>
+        <a:prstGeom prst="roundRect">
+          <a:avLst>
+            <a:gd name="adj" fmla="val 10000"/>
+          </a:avLst>
         </a:prstGeom>
         <a:solidFill>
           <a:schemeClr val="accent1">
@@ -1698,12 +3955,12 @@
         </a:fontRef>
       </dsp:style>
       <dsp:txBody>
-        <a:bodyPr spcFirstLastPara="0" vert="horz" wrap="square" lIns="456983" tIns="71120" rIns="71120" bIns="71120" numCol="1" spcCol="1270" anchor="ctr" anchorCtr="0">
+        <a:bodyPr spcFirstLastPara="0" vert="horz" wrap="square" lIns="10160" tIns="10160" rIns="10160" bIns="10160" numCol="1" spcCol="1270" anchor="ctr" anchorCtr="0">
           <a:noAutofit/>
         </a:bodyPr>
         <a:lstStyle/>
         <a:p>
-          <a:pPr lvl="0" algn="l" defTabSz="1244600">
+          <a:pPr lvl="0" algn="ctr" defTabSz="711200">
             <a:lnSpc>
               <a:spcPct val="90000"/>
             </a:lnSpc>
@@ -1715,32 +3972,54 @@
             </a:spcAft>
           </a:pPr>
           <a:r>
-            <a:rPr lang="zh-CN" altLang="en-US" sz="2800" kern="1200" dirty="0" smtClean="0"/>
-            <a:t>读不懂的标签</a:t>
+            <a:rPr lang="en-US" altLang="zh-CN" sz="1600" kern="1200" dirty="0" smtClean="0"/>
+            <a:t>define(name, </a:t>
           </a:r>
-          <a:endParaRPr lang="zh-CN" altLang="en-US" sz="2800" kern="1200" dirty="0"/>
+          <a:r>
+            <a:rPr lang="en-US" altLang="zh-CN" sz="1600" kern="1200" dirty="0" err="1" smtClean="0"/>
+            <a:t>Ele</a:t>
+          </a:r>
+          <a:r>
+            <a:rPr lang="en-US" altLang="zh-CN" sz="1600" kern="1200" dirty="0" smtClean="0"/>
+            <a:t>)</a:t>
+          </a:r>
+          <a:endParaRPr lang="zh-CN" altLang="en-US" sz="1600" kern="1200" dirty="0"/>
         </a:p>
       </dsp:txBody>
       <dsp:txXfrm>
-        <a:off x="424426" y="2878933"/>
-        <a:ext cx="6826519" cy="575726"/>
+        <a:off x="2142194" y="2280312"/>
+        <a:ext cx="1469870" cy="712760"/>
       </dsp:txXfrm>
     </dsp:sp>
-    <dsp:sp modelId="{DC27ADE4-9608-4CFB-A587-3DDA821AE324}">
+  </dsp:spTree>
+</dsp:drawing>
+</file>
+
+<file path=ppt/diagrams/drawing3.xml><?xml version="1.0" encoding="utf-8"?>
+<dsp:drawing xmlns:dgm="http://schemas.openxmlformats.org/drawingml/2006/diagram" xmlns:dsp="http://schemas.microsoft.com/office/drawing/2008/diagram" xmlns:a="http://schemas.openxmlformats.org/drawingml/2006/main">
+  <dsp:spTree>
+    <dsp:nvGrpSpPr>
+      <dsp:cNvPr id="0" name=""/>
+      <dsp:cNvGrpSpPr/>
+    </dsp:nvGrpSpPr>
+    <dsp:grpSpPr/>
+    <dsp:sp modelId="{B754F008-6133-4743-B8E7-D297F889C552}">
       <dsp:nvSpPr>
         <dsp:cNvPr id="0" name=""/>
         <dsp:cNvSpPr/>
       </dsp:nvSpPr>
       <dsp:spPr>
         <a:xfrm>
-          <a:off x="64596" y="2806967"/>
-          <a:ext cx="719658" cy="719658"/>
+          <a:off x="110" y="1387460"/>
+          <a:ext cx="1514220" cy="757110"/>
         </a:xfrm>
-        <a:prstGeom prst="ellipse">
-          <a:avLst/>
+        <a:prstGeom prst="roundRect">
+          <a:avLst>
+            <a:gd name="adj" fmla="val 10000"/>
+          </a:avLst>
         </a:prstGeom>
         <a:solidFill>
-          <a:schemeClr val="lt1">
+          <a:schemeClr val="accent1">
             <a:hueOff val="0"/>
             <a:satOff val="0"/>
             <a:lumOff val="0"/>
@@ -1749,7 +4028,7 @@
         </a:solidFill>
         <a:ln w="12700" cap="flat" cmpd="sng" algn="ctr">
           <a:solidFill>
-            <a:schemeClr val="accent1">
+            <a:schemeClr val="lt1">
               <a:hueOff val="0"/>
               <a:satOff val="0"/>
               <a:lumOff val="0"/>
@@ -1771,8 +4050,532 @@
         <a:effectRef idx="0">
           <a:scrgbClr r="0" g="0" b="0"/>
         </a:effectRef>
+        <a:fontRef idx="minor">
+          <a:schemeClr val="lt1"/>
+        </a:fontRef>
+      </dsp:style>
+      <dsp:txBody>
+        <a:bodyPr spcFirstLastPara="0" vert="horz" wrap="square" lIns="10160" tIns="10160" rIns="10160" bIns="10160" numCol="1" spcCol="1270" anchor="ctr" anchorCtr="0">
+          <a:noAutofit/>
+        </a:bodyPr>
+        <a:lstStyle/>
+        <a:p>
+          <a:pPr lvl="0" algn="ctr" defTabSz="711200">
+            <a:lnSpc>
+              <a:spcPct val="90000"/>
+            </a:lnSpc>
+            <a:spcBef>
+              <a:spcPct val="0"/>
+            </a:spcBef>
+            <a:spcAft>
+              <a:spcPct val="35000"/>
+            </a:spcAft>
+          </a:pPr>
+          <a:r>
+            <a:rPr lang="en-US" altLang="zh-CN" sz="1600" kern="1200" dirty="0" smtClean="0">
+              <a:solidFill>
+                <a:srgbClr val="404040"/>
+              </a:solidFill>
+              <a:latin typeface="Arial" panose="020B0604020202020204" pitchFamily="34" charset="0"/>
+              <a:ea typeface="-apple-system"/>
+            </a:rPr>
+            <a:t>Custom Elements</a:t>
+          </a:r>
+          <a:endParaRPr lang="zh-CN" altLang="en-US" sz="1600" kern="1200" dirty="0"/>
+        </a:p>
+      </dsp:txBody>
+      <dsp:txXfrm>
+        <a:off x="22285" y="1409635"/>
+        <a:ext cx="1469870" cy="712760"/>
+      </dsp:txXfrm>
+    </dsp:sp>
+    <dsp:sp modelId="{BD228529-4367-4D2A-930C-46C6B3A9A0B7}">
+      <dsp:nvSpPr>
+        <dsp:cNvPr id="0" name=""/>
+        <dsp:cNvSpPr/>
+      </dsp:nvSpPr>
+      <dsp:spPr>
+        <a:xfrm rot="18289469">
+          <a:off x="1286859" y="1311385"/>
+          <a:ext cx="1060630" cy="38583"/>
+        </a:xfrm>
+        <a:custGeom>
+          <a:avLst/>
+          <a:gdLst/>
+          <a:ahLst/>
+          <a:cxnLst/>
+          <a:rect l="0" t="0" r="0" b="0"/>
+          <a:pathLst>
+            <a:path>
+              <a:moveTo>
+                <a:pt x="0" y="19291"/>
+              </a:moveTo>
+              <a:lnTo>
+                <a:pt x="1060630" y="19291"/>
+              </a:lnTo>
+            </a:path>
+          </a:pathLst>
+        </a:custGeom>
+        <a:noFill/>
+        <a:ln w="12700" cap="flat" cmpd="sng" algn="ctr">
+          <a:solidFill>
+            <a:schemeClr val="accent1">
+              <a:shade val="60000"/>
+              <a:hueOff val="0"/>
+              <a:satOff val="0"/>
+              <a:lumOff val="0"/>
+              <a:alphaOff val="0"/>
+            </a:schemeClr>
+          </a:solidFill>
+          <a:prstDash val="solid"/>
+          <a:miter lim="800000"/>
+        </a:ln>
+        <a:effectLst/>
+      </dsp:spPr>
+      <dsp:style>
+        <a:lnRef idx="2">
+          <a:scrgbClr r="0" g="0" b="0"/>
+        </a:lnRef>
+        <a:fillRef idx="0">
+          <a:scrgbClr r="0" g="0" b="0"/>
+        </a:fillRef>
+        <a:effectRef idx="0">
+          <a:scrgbClr r="0" g="0" b="0"/>
+        </a:effectRef>
         <a:fontRef idx="minor"/>
       </dsp:style>
+      <dsp:txBody>
+        <a:bodyPr spcFirstLastPara="0" vert="horz" wrap="square" lIns="12700" tIns="0" rIns="12700" bIns="0" numCol="1" spcCol="1270" anchor="ctr" anchorCtr="0">
+          <a:noAutofit/>
+        </a:bodyPr>
+        <a:lstStyle/>
+        <a:p>
+          <a:pPr lvl="0" algn="ctr" defTabSz="222250">
+            <a:lnSpc>
+              <a:spcPct val="90000"/>
+            </a:lnSpc>
+            <a:spcBef>
+              <a:spcPct val="0"/>
+            </a:spcBef>
+            <a:spcAft>
+              <a:spcPct val="35000"/>
+            </a:spcAft>
+          </a:pPr>
+          <a:endParaRPr lang="zh-CN" altLang="en-US" sz="500" kern="1200"/>
+        </a:p>
+      </dsp:txBody>
+      <dsp:txXfrm>
+        <a:off x="1790659" y="1304161"/>
+        <a:ext cx="53031" cy="53031"/>
+      </dsp:txXfrm>
+    </dsp:sp>
+    <dsp:sp modelId="{DF3DCC9B-419F-4E67-95FA-EDA26FA91A8F}">
+      <dsp:nvSpPr>
+        <dsp:cNvPr id="0" name=""/>
+        <dsp:cNvSpPr/>
+      </dsp:nvSpPr>
+      <dsp:spPr>
+        <a:xfrm>
+          <a:off x="2120019" y="516783"/>
+          <a:ext cx="1514220" cy="757110"/>
+        </a:xfrm>
+        <a:prstGeom prst="roundRect">
+          <a:avLst>
+            <a:gd name="adj" fmla="val 10000"/>
+          </a:avLst>
+        </a:prstGeom>
+        <a:solidFill>
+          <a:schemeClr val="accent1">
+            <a:hueOff val="0"/>
+            <a:satOff val="0"/>
+            <a:lumOff val="0"/>
+            <a:alphaOff val="0"/>
+          </a:schemeClr>
+        </a:solidFill>
+        <a:ln w="12700" cap="flat" cmpd="sng" algn="ctr">
+          <a:solidFill>
+            <a:schemeClr val="lt1">
+              <a:hueOff val="0"/>
+              <a:satOff val="0"/>
+              <a:lumOff val="0"/>
+              <a:alphaOff val="0"/>
+            </a:schemeClr>
+          </a:solidFill>
+          <a:prstDash val="solid"/>
+          <a:miter lim="800000"/>
+        </a:ln>
+        <a:effectLst/>
+      </dsp:spPr>
+      <dsp:style>
+        <a:lnRef idx="2">
+          <a:scrgbClr r="0" g="0" b="0"/>
+        </a:lnRef>
+        <a:fillRef idx="1">
+          <a:scrgbClr r="0" g="0" b="0"/>
+        </a:fillRef>
+        <a:effectRef idx="0">
+          <a:scrgbClr r="0" g="0" b="0"/>
+        </a:effectRef>
+        <a:fontRef idx="minor">
+          <a:schemeClr val="lt1"/>
+        </a:fontRef>
+      </dsp:style>
+      <dsp:txBody>
+        <a:bodyPr spcFirstLastPara="0" vert="horz" wrap="square" lIns="10160" tIns="10160" rIns="10160" bIns="10160" numCol="1" spcCol="1270" anchor="ctr" anchorCtr="0">
+          <a:noAutofit/>
+        </a:bodyPr>
+        <a:lstStyle/>
+        <a:p>
+          <a:pPr lvl="0" algn="ctr" defTabSz="711200">
+            <a:lnSpc>
+              <a:spcPct val="90000"/>
+            </a:lnSpc>
+            <a:spcBef>
+              <a:spcPct val="0"/>
+            </a:spcBef>
+            <a:spcAft>
+              <a:spcPct val="35000"/>
+            </a:spcAft>
+          </a:pPr>
+          <a:r>
+            <a:rPr lang="en-US" altLang="zh-CN" sz="1600" kern="1200" dirty="0" err="1" smtClean="0"/>
+            <a:t>HTMLElement</a:t>
+          </a:r>
+          <a:endParaRPr lang="zh-CN" altLang="en-US" sz="1600" kern="1200" dirty="0"/>
+        </a:p>
+      </dsp:txBody>
+      <dsp:txXfrm>
+        <a:off x="2142194" y="538958"/>
+        <a:ext cx="1469870" cy="712760"/>
+      </dsp:txXfrm>
+    </dsp:sp>
+    <dsp:sp modelId="{F8C36DA8-75C7-44B8-9A07-F9512D817F6A}">
+      <dsp:nvSpPr>
+        <dsp:cNvPr id="0" name=""/>
+        <dsp:cNvSpPr/>
+      </dsp:nvSpPr>
+      <dsp:spPr>
+        <a:xfrm>
+          <a:off x="1514330" y="1746723"/>
+          <a:ext cx="605688" cy="38583"/>
+        </a:xfrm>
+        <a:custGeom>
+          <a:avLst/>
+          <a:gdLst/>
+          <a:ahLst/>
+          <a:cxnLst/>
+          <a:rect l="0" t="0" r="0" b="0"/>
+          <a:pathLst>
+            <a:path>
+              <a:moveTo>
+                <a:pt x="0" y="19291"/>
+              </a:moveTo>
+              <a:lnTo>
+                <a:pt x="605688" y="19291"/>
+              </a:lnTo>
+            </a:path>
+          </a:pathLst>
+        </a:custGeom>
+        <a:noFill/>
+        <a:ln w="12700" cap="flat" cmpd="sng" algn="ctr">
+          <a:solidFill>
+            <a:schemeClr val="accent1">
+              <a:shade val="60000"/>
+              <a:hueOff val="0"/>
+              <a:satOff val="0"/>
+              <a:lumOff val="0"/>
+              <a:alphaOff val="0"/>
+            </a:schemeClr>
+          </a:solidFill>
+          <a:prstDash val="solid"/>
+          <a:miter lim="800000"/>
+        </a:ln>
+        <a:effectLst/>
+      </dsp:spPr>
+      <dsp:style>
+        <a:lnRef idx="2">
+          <a:scrgbClr r="0" g="0" b="0"/>
+        </a:lnRef>
+        <a:fillRef idx="0">
+          <a:scrgbClr r="0" g="0" b="0"/>
+        </a:fillRef>
+        <a:effectRef idx="0">
+          <a:scrgbClr r="0" g="0" b="0"/>
+        </a:effectRef>
+        <a:fontRef idx="minor"/>
+      </dsp:style>
+      <dsp:txBody>
+        <a:bodyPr spcFirstLastPara="0" vert="horz" wrap="square" lIns="12700" tIns="0" rIns="12700" bIns="0" numCol="1" spcCol="1270" anchor="ctr" anchorCtr="0">
+          <a:noAutofit/>
+        </a:bodyPr>
+        <a:lstStyle/>
+        <a:p>
+          <a:pPr lvl="0" algn="ctr" defTabSz="222250">
+            <a:lnSpc>
+              <a:spcPct val="90000"/>
+            </a:lnSpc>
+            <a:spcBef>
+              <a:spcPct val="0"/>
+            </a:spcBef>
+            <a:spcAft>
+              <a:spcPct val="35000"/>
+            </a:spcAft>
+          </a:pPr>
+          <a:endParaRPr lang="zh-CN" altLang="en-US" sz="500" kern="1200"/>
+        </a:p>
+      </dsp:txBody>
+      <dsp:txXfrm>
+        <a:off x="1802032" y="1750873"/>
+        <a:ext cx="30284" cy="30284"/>
+      </dsp:txXfrm>
+    </dsp:sp>
+    <dsp:sp modelId="{A41E3F7D-FA4D-41CF-8A41-E599E6AAAADB}">
+      <dsp:nvSpPr>
+        <dsp:cNvPr id="0" name=""/>
+        <dsp:cNvSpPr/>
+      </dsp:nvSpPr>
+      <dsp:spPr>
+        <a:xfrm>
+          <a:off x="2120019" y="1387460"/>
+          <a:ext cx="1514220" cy="757110"/>
+        </a:xfrm>
+        <a:prstGeom prst="roundRect">
+          <a:avLst>
+            <a:gd name="adj" fmla="val 10000"/>
+          </a:avLst>
+        </a:prstGeom>
+        <a:solidFill>
+          <a:schemeClr val="accent1">
+            <a:hueOff val="0"/>
+            <a:satOff val="0"/>
+            <a:lumOff val="0"/>
+            <a:alphaOff val="0"/>
+          </a:schemeClr>
+        </a:solidFill>
+        <a:ln w="12700" cap="flat" cmpd="sng" algn="ctr">
+          <a:solidFill>
+            <a:schemeClr val="lt1">
+              <a:hueOff val="0"/>
+              <a:satOff val="0"/>
+              <a:lumOff val="0"/>
+              <a:alphaOff val="0"/>
+            </a:schemeClr>
+          </a:solidFill>
+          <a:prstDash val="solid"/>
+          <a:miter lim="800000"/>
+        </a:ln>
+        <a:effectLst/>
+      </dsp:spPr>
+      <dsp:style>
+        <a:lnRef idx="2">
+          <a:scrgbClr r="0" g="0" b="0"/>
+        </a:lnRef>
+        <a:fillRef idx="1">
+          <a:scrgbClr r="0" g="0" b="0"/>
+        </a:fillRef>
+        <a:effectRef idx="0">
+          <a:scrgbClr r="0" g="0" b="0"/>
+        </a:effectRef>
+        <a:fontRef idx="minor">
+          <a:schemeClr val="lt1"/>
+        </a:fontRef>
+      </dsp:style>
+      <dsp:txBody>
+        <a:bodyPr spcFirstLastPara="0" vert="horz" wrap="square" lIns="10160" tIns="10160" rIns="10160" bIns="10160" numCol="1" spcCol="1270" anchor="ctr" anchorCtr="0">
+          <a:noAutofit/>
+        </a:bodyPr>
+        <a:lstStyle/>
+        <a:p>
+          <a:pPr lvl="0" algn="ctr" defTabSz="711200">
+            <a:lnSpc>
+              <a:spcPct val="90000"/>
+            </a:lnSpc>
+            <a:spcBef>
+              <a:spcPct val="0"/>
+            </a:spcBef>
+            <a:spcAft>
+              <a:spcPct val="35000"/>
+            </a:spcAft>
+          </a:pPr>
+          <a:r>
+            <a:rPr lang="en-US" altLang="zh-CN" sz="1600" kern="1200" dirty="0" err="1" smtClean="0"/>
+            <a:t>customElements</a:t>
+          </a:r>
+          <a:endParaRPr lang="zh-CN" altLang="en-US" sz="1600" kern="1200" dirty="0"/>
+        </a:p>
+      </dsp:txBody>
+      <dsp:txXfrm>
+        <a:off x="2142194" y="1409635"/>
+        <a:ext cx="1469870" cy="712760"/>
+      </dsp:txXfrm>
+    </dsp:sp>
+    <dsp:sp modelId="{1AD78B2E-2D99-4CD7-B50E-8B02DDD80302}">
+      <dsp:nvSpPr>
+        <dsp:cNvPr id="0" name=""/>
+        <dsp:cNvSpPr/>
+      </dsp:nvSpPr>
+      <dsp:spPr>
+        <a:xfrm rot="3310531">
+          <a:off x="1286859" y="2182061"/>
+          <a:ext cx="1060630" cy="38583"/>
+        </a:xfrm>
+        <a:custGeom>
+          <a:avLst/>
+          <a:gdLst/>
+          <a:ahLst/>
+          <a:cxnLst/>
+          <a:rect l="0" t="0" r="0" b="0"/>
+          <a:pathLst>
+            <a:path>
+              <a:moveTo>
+                <a:pt x="0" y="19291"/>
+              </a:moveTo>
+              <a:lnTo>
+                <a:pt x="1060630" y="19291"/>
+              </a:lnTo>
+            </a:path>
+          </a:pathLst>
+        </a:custGeom>
+        <a:noFill/>
+        <a:ln w="12700" cap="flat" cmpd="sng" algn="ctr">
+          <a:solidFill>
+            <a:schemeClr val="accent1">
+              <a:shade val="60000"/>
+              <a:hueOff val="0"/>
+              <a:satOff val="0"/>
+              <a:lumOff val="0"/>
+              <a:alphaOff val="0"/>
+            </a:schemeClr>
+          </a:solidFill>
+          <a:prstDash val="solid"/>
+          <a:miter lim="800000"/>
+        </a:ln>
+        <a:effectLst/>
+      </dsp:spPr>
+      <dsp:style>
+        <a:lnRef idx="2">
+          <a:scrgbClr r="0" g="0" b="0"/>
+        </a:lnRef>
+        <a:fillRef idx="0">
+          <a:scrgbClr r="0" g="0" b="0"/>
+        </a:fillRef>
+        <a:effectRef idx="0">
+          <a:scrgbClr r="0" g="0" b="0"/>
+        </a:effectRef>
+        <a:fontRef idx="minor"/>
+      </dsp:style>
+      <dsp:txBody>
+        <a:bodyPr spcFirstLastPara="0" vert="horz" wrap="square" lIns="12700" tIns="0" rIns="12700" bIns="0" numCol="1" spcCol="1270" anchor="ctr" anchorCtr="0">
+          <a:noAutofit/>
+        </a:bodyPr>
+        <a:lstStyle/>
+        <a:p>
+          <a:pPr lvl="0" algn="ctr" defTabSz="222250">
+            <a:lnSpc>
+              <a:spcPct val="90000"/>
+            </a:lnSpc>
+            <a:spcBef>
+              <a:spcPct val="0"/>
+            </a:spcBef>
+            <a:spcAft>
+              <a:spcPct val="35000"/>
+            </a:spcAft>
+          </a:pPr>
+          <a:endParaRPr lang="zh-CN" altLang="en-US" sz="500" kern="1200"/>
+        </a:p>
+      </dsp:txBody>
+      <dsp:txXfrm>
+        <a:off x="1790659" y="2174838"/>
+        <a:ext cx="53031" cy="53031"/>
+      </dsp:txXfrm>
+    </dsp:sp>
+    <dsp:sp modelId="{E19A0B7E-5174-4A07-BE49-C874D9FEBD02}">
+      <dsp:nvSpPr>
+        <dsp:cNvPr id="0" name=""/>
+        <dsp:cNvSpPr/>
+      </dsp:nvSpPr>
+      <dsp:spPr>
+        <a:xfrm>
+          <a:off x="2120019" y="2258137"/>
+          <a:ext cx="1514220" cy="757110"/>
+        </a:xfrm>
+        <a:prstGeom prst="roundRect">
+          <a:avLst>
+            <a:gd name="adj" fmla="val 10000"/>
+          </a:avLst>
+        </a:prstGeom>
+        <a:solidFill>
+          <a:schemeClr val="accent1">
+            <a:hueOff val="0"/>
+            <a:satOff val="0"/>
+            <a:lumOff val="0"/>
+            <a:alphaOff val="0"/>
+          </a:schemeClr>
+        </a:solidFill>
+        <a:ln w="12700" cap="flat" cmpd="sng" algn="ctr">
+          <a:solidFill>
+            <a:schemeClr val="lt1">
+              <a:hueOff val="0"/>
+              <a:satOff val="0"/>
+              <a:lumOff val="0"/>
+              <a:alphaOff val="0"/>
+            </a:schemeClr>
+          </a:solidFill>
+          <a:prstDash val="solid"/>
+          <a:miter lim="800000"/>
+        </a:ln>
+        <a:effectLst/>
+      </dsp:spPr>
+      <dsp:style>
+        <a:lnRef idx="2">
+          <a:scrgbClr r="0" g="0" b="0"/>
+        </a:lnRef>
+        <a:fillRef idx="1">
+          <a:scrgbClr r="0" g="0" b="0"/>
+        </a:fillRef>
+        <a:effectRef idx="0">
+          <a:scrgbClr r="0" g="0" b="0"/>
+        </a:effectRef>
+        <a:fontRef idx="minor">
+          <a:schemeClr val="lt1"/>
+        </a:fontRef>
+      </dsp:style>
+      <dsp:txBody>
+        <a:bodyPr spcFirstLastPara="0" vert="horz" wrap="square" lIns="10160" tIns="10160" rIns="10160" bIns="10160" numCol="1" spcCol="1270" anchor="ctr" anchorCtr="0">
+          <a:noAutofit/>
+        </a:bodyPr>
+        <a:lstStyle/>
+        <a:p>
+          <a:pPr lvl="0" algn="ctr" defTabSz="711200">
+            <a:lnSpc>
+              <a:spcPct val="90000"/>
+            </a:lnSpc>
+            <a:spcBef>
+              <a:spcPct val="0"/>
+            </a:spcBef>
+            <a:spcAft>
+              <a:spcPct val="35000"/>
+            </a:spcAft>
+          </a:pPr>
+          <a:r>
+            <a:rPr lang="en-US" altLang="zh-CN" sz="1600" kern="1200" dirty="0" smtClean="0"/>
+            <a:t>define(name, </a:t>
+          </a:r>
+          <a:r>
+            <a:rPr lang="en-US" altLang="zh-CN" sz="1600" kern="1200" dirty="0" err="1" smtClean="0"/>
+            <a:t>Ele</a:t>
+          </a:r>
+          <a:r>
+            <a:rPr lang="en-US" altLang="zh-CN" sz="1600" kern="1200" dirty="0" smtClean="0"/>
+            <a:t>)</a:t>
+          </a:r>
+          <a:endParaRPr lang="zh-CN" altLang="en-US" sz="1600" kern="1200" dirty="0"/>
+        </a:p>
+      </dsp:txBody>
+      <dsp:txXfrm>
+        <a:off x="2142194" y="2280312"/>
+        <a:ext cx="1469870" cy="712760"/>
+      </dsp:txXfrm>
     </dsp:sp>
   </dsp:spTree>
 </dsp:drawing>
@@ -3056,7 +5859,2715 @@
 </dgm:layoutDef>
 </file>
 
+<file path=ppt/diagrams/layout2.xml><?xml version="1.0" encoding="utf-8"?>
+<dgm:layoutDef xmlns:dgm="http://schemas.openxmlformats.org/drawingml/2006/diagram" xmlns:a="http://schemas.openxmlformats.org/drawingml/2006/main" uniqueId="urn:microsoft.com/office/officeart/2005/8/layout/hierarchy2">
+  <dgm:title val=""/>
+  <dgm:desc val=""/>
+  <dgm:catLst>
+    <dgm:cat type="hierarchy" pri="5000"/>
+  </dgm:catLst>
+  <dgm:sampData>
+    <dgm:dataModel>
+      <dgm:ptLst>
+        <dgm:pt modelId="0" type="doc"/>
+        <dgm:pt modelId="1">
+          <dgm:prSet phldr="1"/>
+        </dgm:pt>
+        <dgm:pt modelId="2">
+          <dgm:prSet phldr="1"/>
+        </dgm:pt>
+        <dgm:pt modelId="21">
+          <dgm:prSet phldr="1"/>
+        </dgm:pt>
+        <dgm:pt modelId="22">
+          <dgm:prSet phldr="1"/>
+        </dgm:pt>
+        <dgm:pt modelId="3">
+          <dgm:prSet phldr="1"/>
+        </dgm:pt>
+        <dgm:pt modelId="31">
+          <dgm:prSet phldr="1"/>
+        </dgm:pt>
+      </dgm:ptLst>
+      <dgm:cxnLst>
+        <dgm:cxn modelId="4" srcId="0" destId="1" srcOrd="0" destOrd="0"/>
+        <dgm:cxn modelId="5" srcId="1" destId="2" srcOrd="0" destOrd="0"/>
+        <dgm:cxn modelId="6" srcId="1" destId="3" srcOrd="1" destOrd="0"/>
+        <dgm:cxn modelId="23" srcId="2" destId="21" srcOrd="0" destOrd="0"/>
+        <dgm:cxn modelId="24" srcId="2" destId="22" srcOrd="1" destOrd="0"/>
+        <dgm:cxn modelId="33" srcId="3" destId="31" srcOrd="0" destOrd="0"/>
+      </dgm:cxnLst>
+      <dgm:bg/>
+      <dgm:whole/>
+    </dgm:dataModel>
+  </dgm:sampData>
+  <dgm:styleData>
+    <dgm:dataModel>
+      <dgm:ptLst>
+        <dgm:pt modelId="0" type="doc"/>
+        <dgm:pt modelId="1"/>
+        <dgm:pt modelId="11"/>
+        <dgm:pt modelId="12"/>
+      </dgm:ptLst>
+      <dgm:cxnLst>
+        <dgm:cxn modelId="2" srcId="0" destId="1" srcOrd="0" destOrd="0"/>
+        <dgm:cxn modelId="13" srcId="1" destId="11" srcOrd="0" destOrd="0"/>
+        <dgm:cxn modelId="14" srcId="1" destId="12" srcOrd="1" destOrd="0"/>
+      </dgm:cxnLst>
+      <dgm:bg/>
+      <dgm:whole/>
+    </dgm:dataModel>
+  </dgm:styleData>
+  <dgm:clrData>
+    <dgm:dataModel>
+      <dgm:ptLst>
+        <dgm:pt modelId="0" type="doc"/>
+        <dgm:pt modelId="1"/>
+        <dgm:pt modelId="2"/>
+        <dgm:pt modelId="21"/>
+        <dgm:pt modelId="211"/>
+        <dgm:pt modelId="3"/>
+        <dgm:pt modelId="31"/>
+        <dgm:pt modelId="311"/>
+      </dgm:ptLst>
+      <dgm:cxnLst>
+        <dgm:cxn modelId="4" srcId="0" destId="1" srcOrd="0" destOrd="0"/>
+        <dgm:cxn modelId="5" srcId="1" destId="2" srcOrd="0" destOrd="0"/>
+        <dgm:cxn modelId="6" srcId="1" destId="3" srcOrd="1" destOrd="0"/>
+        <dgm:cxn modelId="23" srcId="2" destId="21" srcOrd="0" destOrd="0"/>
+        <dgm:cxn modelId="24" srcId="21" destId="211" srcOrd="0" destOrd="0"/>
+        <dgm:cxn modelId="33" srcId="3" destId="31" srcOrd="0" destOrd="0"/>
+        <dgm:cxn modelId="34" srcId="31" destId="311" srcOrd="0" destOrd="0"/>
+      </dgm:cxnLst>
+      <dgm:bg/>
+      <dgm:whole/>
+    </dgm:dataModel>
+  </dgm:clrData>
+  <dgm:layoutNode name="diagram">
+    <dgm:varLst>
+      <dgm:chPref val="1"/>
+      <dgm:dir/>
+      <dgm:animOne val="branch"/>
+      <dgm:animLvl val="lvl"/>
+      <dgm:resizeHandles val="exact"/>
+    </dgm:varLst>
+    <dgm:choose name="Name0">
+      <dgm:if name="Name1" func="var" arg="dir" op="equ" val="norm">
+        <dgm:alg type="hierChild">
+          <dgm:param type="linDir" val="fromT"/>
+          <dgm:param type="chAlign" val="l"/>
+        </dgm:alg>
+      </dgm:if>
+      <dgm:else name="Name2">
+        <dgm:alg type="hierChild">
+          <dgm:param type="linDir" val="fromT"/>
+          <dgm:param type="chAlign" val="r"/>
+        </dgm:alg>
+      </dgm:else>
+    </dgm:choose>
+    <dgm:shape xmlns:r="http://schemas.openxmlformats.org/officeDocument/2006/relationships" r:blip="">
+      <dgm:adjLst/>
+    </dgm:shape>
+    <dgm:presOf/>
+    <dgm:constrLst>
+      <dgm:constr type="h" for="des" ptType="node" refType="h"/>
+      <dgm:constr type="w" for="des" ptType="node" refType="h" refFor="des" refPtType="node" fact="2"/>
+      <dgm:constr type="sibSp" refType="h" refFor="des" refPtType="node" op="equ" fact="0.15"/>
+      <dgm:constr type="sibSp" for="des" forName="level2hierChild" refType="h" refFor="des" refPtType="node" op="equ" fact="0.15"/>
+      <dgm:constr type="sibSp" for="des" forName="level3hierChild" refType="h" refFor="des" refPtType="node" op="equ" fact="0.15"/>
+      <dgm:constr type="sp" for="des" forName="root1" refType="w" refFor="des" refPtType="node" fact="0.4"/>
+      <dgm:constr type="sp" for="des" forName="root2" refType="sp" refFor="des" refForName="root1" op="equ"/>
+      <dgm:constr type="primFontSz" for="des" ptType="node" op="equ" val="65"/>
+      <dgm:constr type="primFontSz" for="des" forName="connTx" op="equ" val="55"/>
+      <dgm:constr type="primFontSz" for="des" forName="connTx" refType="primFontSz" refFor="des" refPtType="node" op="lte" fact="0.8"/>
+    </dgm:constrLst>
+    <dgm:ruleLst/>
+    <dgm:forEach name="Name3" axis="ch">
+      <dgm:forEach name="Name4" axis="self" ptType="node">
+        <dgm:layoutNode name="root1">
+          <dgm:choose name="Name5">
+            <dgm:if name="Name6" func="var" arg="dir" op="equ" val="norm">
+              <dgm:alg type="hierRoot">
+                <dgm:param type="hierAlign" val="lCtrCh"/>
+              </dgm:alg>
+            </dgm:if>
+            <dgm:else name="Name7">
+              <dgm:alg type="hierRoot">
+                <dgm:param type="hierAlign" val="rCtrCh"/>
+              </dgm:alg>
+            </dgm:else>
+          </dgm:choose>
+          <dgm:shape xmlns:r="http://schemas.openxmlformats.org/officeDocument/2006/relationships" r:blip="">
+            <dgm:adjLst/>
+          </dgm:shape>
+          <dgm:presOf/>
+          <dgm:constrLst/>
+          <dgm:ruleLst/>
+          <dgm:layoutNode name="LevelOneTextNode" styleLbl="node0">
+            <dgm:varLst>
+              <dgm:chPref val="3"/>
+            </dgm:varLst>
+            <dgm:alg type="tx"/>
+            <dgm:shape xmlns:r="http://schemas.openxmlformats.org/officeDocument/2006/relationships" type="roundRect" r:blip="">
+              <dgm:adjLst>
+                <dgm:adj idx="1" val="0.1"/>
+              </dgm:adjLst>
+            </dgm:shape>
+            <dgm:presOf axis="self"/>
+            <dgm:constrLst>
+              <dgm:constr type="tMarg" refType="primFontSz" fact="0.05"/>
+              <dgm:constr type="bMarg" refType="primFontSz" fact="0.05"/>
+              <dgm:constr type="lMarg" refType="primFontSz" fact="0.05"/>
+              <dgm:constr type="rMarg" refType="primFontSz" fact="0.05"/>
+            </dgm:constrLst>
+            <dgm:ruleLst>
+              <dgm:rule type="primFontSz" val="5" fact="NaN" max="NaN"/>
+            </dgm:ruleLst>
+          </dgm:layoutNode>
+          <dgm:layoutNode name="level2hierChild">
+            <dgm:choose name="Name8">
+              <dgm:if name="Name9" func="var" arg="dir" op="equ" val="norm">
+                <dgm:alg type="hierChild">
+                  <dgm:param type="linDir" val="fromT"/>
+                  <dgm:param type="chAlign" val="l"/>
+                </dgm:alg>
+              </dgm:if>
+              <dgm:else name="Name10">
+                <dgm:alg type="hierChild">
+                  <dgm:param type="linDir" val="fromT"/>
+                  <dgm:param type="chAlign" val="r"/>
+                </dgm:alg>
+              </dgm:else>
+            </dgm:choose>
+            <dgm:shape xmlns:r="http://schemas.openxmlformats.org/officeDocument/2006/relationships" r:blip="">
+              <dgm:adjLst/>
+            </dgm:shape>
+            <dgm:presOf/>
+            <dgm:constrLst/>
+            <dgm:ruleLst/>
+            <dgm:forEach name="repeat" axis="ch">
+              <dgm:forEach name="Name11" axis="self" ptType="parTrans" cnt="1">
+                <dgm:layoutNode name="conn2-1">
+                  <dgm:choose name="Name12">
+                    <dgm:if name="Name13" func="var" arg="dir" op="equ" val="norm">
+                      <dgm:alg type="conn">
+                        <dgm:param type="dim" val="1D"/>
+                        <dgm:param type="begPts" val="midR"/>
+                        <dgm:param type="endPts" val="midL"/>
+                        <dgm:param type="endSty" val="noArr"/>
+                      </dgm:alg>
+                    </dgm:if>
+                    <dgm:else name="Name14">
+                      <dgm:alg type="conn">
+                        <dgm:param type="dim" val="1D"/>
+                        <dgm:param type="begPts" val="midL"/>
+                        <dgm:param type="endPts" val="midR"/>
+                        <dgm:param type="endSty" val="noArr"/>
+                      </dgm:alg>
+                    </dgm:else>
+                  </dgm:choose>
+                  <dgm:shape xmlns:r="http://schemas.openxmlformats.org/officeDocument/2006/relationships" type="conn" r:blip="">
+                    <dgm:adjLst/>
+                  </dgm:shape>
+                  <dgm:presOf axis="self"/>
+                  <dgm:constrLst>
+                    <dgm:constr type="w" val="1"/>
+                    <dgm:constr type="h" val="5"/>
+                    <dgm:constr type="connDist"/>
+                    <dgm:constr type="begPad"/>
+                    <dgm:constr type="endPad"/>
+                    <dgm:constr type="userA" for="ch" refType="connDist"/>
+                  </dgm:constrLst>
+                  <dgm:ruleLst/>
+                  <dgm:layoutNode name="connTx">
+                    <dgm:alg type="tx">
+                      <dgm:param type="autoTxRot" val="grav"/>
+                    </dgm:alg>
+                    <dgm:shape xmlns:r="http://schemas.openxmlformats.org/officeDocument/2006/relationships" type="rect" r:blip="" hideGeom="1">
+                      <dgm:adjLst/>
+                    </dgm:shape>
+                    <dgm:presOf axis="self"/>
+                    <dgm:constrLst>
+                      <dgm:constr type="userA"/>
+                      <dgm:constr type="w" refType="userA" fact="0.05"/>
+                      <dgm:constr type="h" refType="userA" fact="0.05"/>
+                      <dgm:constr type="lMarg" val="1"/>
+                      <dgm:constr type="rMarg" val="1"/>
+                      <dgm:constr type="tMarg"/>
+                      <dgm:constr type="bMarg"/>
+                    </dgm:constrLst>
+                    <dgm:ruleLst>
+                      <dgm:rule type="h" val="NaN" fact="0.25" max="NaN"/>
+                      <dgm:rule type="w" val="NaN" fact="0.8" max="NaN"/>
+                      <dgm:rule type="primFontSz" val="5" fact="NaN" max="NaN"/>
+                    </dgm:ruleLst>
+                  </dgm:layoutNode>
+                </dgm:layoutNode>
+              </dgm:forEach>
+              <dgm:forEach name="Name15" axis="self" ptType="node">
+                <dgm:layoutNode name="root2">
+                  <dgm:choose name="Name16">
+                    <dgm:if name="Name17" func="var" arg="dir" op="equ" val="norm">
+                      <dgm:alg type="hierRoot">
+                        <dgm:param type="hierAlign" val="lCtrCh"/>
+                      </dgm:alg>
+                    </dgm:if>
+                    <dgm:else name="Name18">
+                      <dgm:alg type="hierRoot">
+                        <dgm:param type="hierAlign" val="rCtrCh"/>
+                      </dgm:alg>
+                    </dgm:else>
+                  </dgm:choose>
+                  <dgm:shape xmlns:r="http://schemas.openxmlformats.org/officeDocument/2006/relationships" r:blip="">
+                    <dgm:adjLst/>
+                  </dgm:shape>
+                  <dgm:presOf/>
+                  <dgm:constrLst/>
+                  <dgm:ruleLst/>
+                  <dgm:layoutNode name="LevelTwoTextNode">
+                    <dgm:varLst>
+                      <dgm:chPref val="3"/>
+                    </dgm:varLst>
+                    <dgm:alg type="tx"/>
+                    <dgm:shape xmlns:r="http://schemas.openxmlformats.org/officeDocument/2006/relationships" type="roundRect" r:blip="">
+                      <dgm:adjLst>
+                        <dgm:adj idx="1" val="0.1"/>
+                      </dgm:adjLst>
+                    </dgm:shape>
+                    <dgm:presOf axis="self"/>
+                    <dgm:constrLst>
+                      <dgm:constr type="tMarg" refType="primFontSz" fact="0.05"/>
+                      <dgm:constr type="bMarg" refType="primFontSz" fact="0.05"/>
+                      <dgm:constr type="lMarg" refType="primFontSz" fact="0.05"/>
+                      <dgm:constr type="rMarg" refType="primFontSz" fact="0.05"/>
+                    </dgm:constrLst>
+                    <dgm:ruleLst>
+                      <dgm:rule type="primFontSz" val="5" fact="NaN" max="NaN"/>
+                    </dgm:ruleLst>
+                  </dgm:layoutNode>
+                  <dgm:layoutNode name="level3hierChild">
+                    <dgm:choose name="Name19">
+                      <dgm:if name="Name20" func="var" arg="dir" op="equ" val="norm">
+                        <dgm:alg type="hierChild">
+                          <dgm:param type="linDir" val="fromT"/>
+                          <dgm:param type="chAlign" val="l"/>
+                        </dgm:alg>
+                      </dgm:if>
+                      <dgm:else name="Name21">
+                        <dgm:alg type="hierChild">
+                          <dgm:param type="linDir" val="fromT"/>
+                          <dgm:param type="chAlign" val="r"/>
+                        </dgm:alg>
+                      </dgm:else>
+                    </dgm:choose>
+                    <dgm:shape xmlns:r="http://schemas.openxmlformats.org/officeDocument/2006/relationships" r:blip="">
+                      <dgm:adjLst/>
+                    </dgm:shape>
+                    <dgm:presOf/>
+                    <dgm:constrLst/>
+                    <dgm:ruleLst/>
+                    <dgm:forEach name="Name22" ref="repeat"/>
+                  </dgm:layoutNode>
+                </dgm:layoutNode>
+              </dgm:forEach>
+            </dgm:forEach>
+          </dgm:layoutNode>
+        </dgm:layoutNode>
+      </dgm:forEach>
+    </dgm:forEach>
+  </dgm:layoutNode>
+</dgm:layoutDef>
+</file>
+
+<file path=ppt/diagrams/layout3.xml><?xml version="1.0" encoding="utf-8"?>
+<dgm:layoutDef xmlns:dgm="http://schemas.openxmlformats.org/drawingml/2006/diagram" xmlns:a="http://schemas.openxmlformats.org/drawingml/2006/main" uniqueId="urn:microsoft.com/office/officeart/2005/8/layout/hierarchy2">
+  <dgm:title val=""/>
+  <dgm:desc val=""/>
+  <dgm:catLst>
+    <dgm:cat type="hierarchy" pri="5000"/>
+  </dgm:catLst>
+  <dgm:sampData>
+    <dgm:dataModel>
+      <dgm:ptLst>
+        <dgm:pt modelId="0" type="doc"/>
+        <dgm:pt modelId="1">
+          <dgm:prSet phldr="1"/>
+        </dgm:pt>
+        <dgm:pt modelId="2">
+          <dgm:prSet phldr="1"/>
+        </dgm:pt>
+        <dgm:pt modelId="21">
+          <dgm:prSet phldr="1"/>
+        </dgm:pt>
+        <dgm:pt modelId="22">
+          <dgm:prSet phldr="1"/>
+        </dgm:pt>
+        <dgm:pt modelId="3">
+          <dgm:prSet phldr="1"/>
+        </dgm:pt>
+        <dgm:pt modelId="31">
+          <dgm:prSet phldr="1"/>
+        </dgm:pt>
+      </dgm:ptLst>
+      <dgm:cxnLst>
+        <dgm:cxn modelId="4" srcId="0" destId="1" srcOrd="0" destOrd="0"/>
+        <dgm:cxn modelId="5" srcId="1" destId="2" srcOrd="0" destOrd="0"/>
+        <dgm:cxn modelId="6" srcId="1" destId="3" srcOrd="1" destOrd="0"/>
+        <dgm:cxn modelId="23" srcId="2" destId="21" srcOrd="0" destOrd="0"/>
+        <dgm:cxn modelId="24" srcId="2" destId="22" srcOrd="1" destOrd="0"/>
+        <dgm:cxn modelId="33" srcId="3" destId="31" srcOrd="0" destOrd="0"/>
+      </dgm:cxnLst>
+      <dgm:bg/>
+      <dgm:whole/>
+    </dgm:dataModel>
+  </dgm:sampData>
+  <dgm:styleData>
+    <dgm:dataModel>
+      <dgm:ptLst>
+        <dgm:pt modelId="0" type="doc"/>
+        <dgm:pt modelId="1"/>
+        <dgm:pt modelId="11"/>
+        <dgm:pt modelId="12"/>
+      </dgm:ptLst>
+      <dgm:cxnLst>
+        <dgm:cxn modelId="2" srcId="0" destId="1" srcOrd="0" destOrd="0"/>
+        <dgm:cxn modelId="13" srcId="1" destId="11" srcOrd="0" destOrd="0"/>
+        <dgm:cxn modelId="14" srcId="1" destId="12" srcOrd="1" destOrd="0"/>
+      </dgm:cxnLst>
+      <dgm:bg/>
+      <dgm:whole/>
+    </dgm:dataModel>
+  </dgm:styleData>
+  <dgm:clrData>
+    <dgm:dataModel>
+      <dgm:ptLst>
+        <dgm:pt modelId="0" type="doc"/>
+        <dgm:pt modelId="1"/>
+        <dgm:pt modelId="2"/>
+        <dgm:pt modelId="21"/>
+        <dgm:pt modelId="211"/>
+        <dgm:pt modelId="3"/>
+        <dgm:pt modelId="31"/>
+        <dgm:pt modelId="311"/>
+      </dgm:ptLst>
+      <dgm:cxnLst>
+        <dgm:cxn modelId="4" srcId="0" destId="1" srcOrd="0" destOrd="0"/>
+        <dgm:cxn modelId="5" srcId="1" destId="2" srcOrd="0" destOrd="0"/>
+        <dgm:cxn modelId="6" srcId="1" destId="3" srcOrd="1" destOrd="0"/>
+        <dgm:cxn modelId="23" srcId="2" destId="21" srcOrd="0" destOrd="0"/>
+        <dgm:cxn modelId="24" srcId="21" destId="211" srcOrd="0" destOrd="0"/>
+        <dgm:cxn modelId="33" srcId="3" destId="31" srcOrd="0" destOrd="0"/>
+        <dgm:cxn modelId="34" srcId="31" destId="311" srcOrd="0" destOrd="0"/>
+      </dgm:cxnLst>
+      <dgm:bg/>
+      <dgm:whole/>
+    </dgm:dataModel>
+  </dgm:clrData>
+  <dgm:layoutNode name="diagram">
+    <dgm:varLst>
+      <dgm:chPref val="1"/>
+      <dgm:dir/>
+      <dgm:animOne val="branch"/>
+      <dgm:animLvl val="lvl"/>
+      <dgm:resizeHandles val="exact"/>
+    </dgm:varLst>
+    <dgm:choose name="Name0">
+      <dgm:if name="Name1" func="var" arg="dir" op="equ" val="norm">
+        <dgm:alg type="hierChild">
+          <dgm:param type="linDir" val="fromT"/>
+          <dgm:param type="chAlign" val="l"/>
+        </dgm:alg>
+      </dgm:if>
+      <dgm:else name="Name2">
+        <dgm:alg type="hierChild">
+          <dgm:param type="linDir" val="fromT"/>
+          <dgm:param type="chAlign" val="r"/>
+        </dgm:alg>
+      </dgm:else>
+    </dgm:choose>
+    <dgm:shape xmlns:r="http://schemas.openxmlformats.org/officeDocument/2006/relationships" r:blip="">
+      <dgm:adjLst/>
+    </dgm:shape>
+    <dgm:presOf/>
+    <dgm:constrLst>
+      <dgm:constr type="h" for="des" ptType="node" refType="h"/>
+      <dgm:constr type="w" for="des" ptType="node" refType="h" refFor="des" refPtType="node" fact="2"/>
+      <dgm:constr type="sibSp" refType="h" refFor="des" refPtType="node" op="equ" fact="0.15"/>
+      <dgm:constr type="sibSp" for="des" forName="level2hierChild" refType="h" refFor="des" refPtType="node" op="equ" fact="0.15"/>
+      <dgm:constr type="sibSp" for="des" forName="level3hierChild" refType="h" refFor="des" refPtType="node" op="equ" fact="0.15"/>
+      <dgm:constr type="sp" for="des" forName="root1" refType="w" refFor="des" refPtType="node" fact="0.4"/>
+      <dgm:constr type="sp" for="des" forName="root2" refType="sp" refFor="des" refForName="root1" op="equ"/>
+      <dgm:constr type="primFontSz" for="des" ptType="node" op="equ" val="65"/>
+      <dgm:constr type="primFontSz" for="des" forName="connTx" op="equ" val="55"/>
+      <dgm:constr type="primFontSz" for="des" forName="connTx" refType="primFontSz" refFor="des" refPtType="node" op="lte" fact="0.8"/>
+    </dgm:constrLst>
+    <dgm:ruleLst/>
+    <dgm:forEach name="Name3" axis="ch">
+      <dgm:forEach name="Name4" axis="self" ptType="node">
+        <dgm:layoutNode name="root1">
+          <dgm:choose name="Name5">
+            <dgm:if name="Name6" func="var" arg="dir" op="equ" val="norm">
+              <dgm:alg type="hierRoot">
+                <dgm:param type="hierAlign" val="lCtrCh"/>
+              </dgm:alg>
+            </dgm:if>
+            <dgm:else name="Name7">
+              <dgm:alg type="hierRoot">
+                <dgm:param type="hierAlign" val="rCtrCh"/>
+              </dgm:alg>
+            </dgm:else>
+          </dgm:choose>
+          <dgm:shape xmlns:r="http://schemas.openxmlformats.org/officeDocument/2006/relationships" r:blip="">
+            <dgm:adjLst/>
+          </dgm:shape>
+          <dgm:presOf/>
+          <dgm:constrLst/>
+          <dgm:ruleLst/>
+          <dgm:layoutNode name="LevelOneTextNode" styleLbl="node0">
+            <dgm:varLst>
+              <dgm:chPref val="3"/>
+            </dgm:varLst>
+            <dgm:alg type="tx"/>
+            <dgm:shape xmlns:r="http://schemas.openxmlformats.org/officeDocument/2006/relationships" type="roundRect" r:blip="">
+              <dgm:adjLst>
+                <dgm:adj idx="1" val="0.1"/>
+              </dgm:adjLst>
+            </dgm:shape>
+            <dgm:presOf axis="self"/>
+            <dgm:constrLst>
+              <dgm:constr type="tMarg" refType="primFontSz" fact="0.05"/>
+              <dgm:constr type="bMarg" refType="primFontSz" fact="0.05"/>
+              <dgm:constr type="lMarg" refType="primFontSz" fact="0.05"/>
+              <dgm:constr type="rMarg" refType="primFontSz" fact="0.05"/>
+            </dgm:constrLst>
+            <dgm:ruleLst>
+              <dgm:rule type="primFontSz" val="5" fact="NaN" max="NaN"/>
+            </dgm:ruleLst>
+          </dgm:layoutNode>
+          <dgm:layoutNode name="level2hierChild">
+            <dgm:choose name="Name8">
+              <dgm:if name="Name9" func="var" arg="dir" op="equ" val="norm">
+                <dgm:alg type="hierChild">
+                  <dgm:param type="linDir" val="fromT"/>
+                  <dgm:param type="chAlign" val="l"/>
+                </dgm:alg>
+              </dgm:if>
+              <dgm:else name="Name10">
+                <dgm:alg type="hierChild">
+                  <dgm:param type="linDir" val="fromT"/>
+                  <dgm:param type="chAlign" val="r"/>
+                </dgm:alg>
+              </dgm:else>
+            </dgm:choose>
+            <dgm:shape xmlns:r="http://schemas.openxmlformats.org/officeDocument/2006/relationships" r:blip="">
+              <dgm:adjLst/>
+            </dgm:shape>
+            <dgm:presOf/>
+            <dgm:constrLst/>
+            <dgm:ruleLst/>
+            <dgm:forEach name="repeat" axis="ch">
+              <dgm:forEach name="Name11" axis="self" ptType="parTrans" cnt="1">
+                <dgm:layoutNode name="conn2-1">
+                  <dgm:choose name="Name12">
+                    <dgm:if name="Name13" func="var" arg="dir" op="equ" val="norm">
+                      <dgm:alg type="conn">
+                        <dgm:param type="dim" val="1D"/>
+                        <dgm:param type="begPts" val="midR"/>
+                        <dgm:param type="endPts" val="midL"/>
+                        <dgm:param type="endSty" val="noArr"/>
+                      </dgm:alg>
+                    </dgm:if>
+                    <dgm:else name="Name14">
+                      <dgm:alg type="conn">
+                        <dgm:param type="dim" val="1D"/>
+                        <dgm:param type="begPts" val="midL"/>
+                        <dgm:param type="endPts" val="midR"/>
+                        <dgm:param type="endSty" val="noArr"/>
+                      </dgm:alg>
+                    </dgm:else>
+                  </dgm:choose>
+                  <dgm:shape xmlns:r="http://schemas.openxmlformats.org/officeDocument/2006/relationships" type="conn" r:blip="">
+                    <dgm:adjLst/>
+                  </dgm:shape>
+                  <dgm:presOf axis="self"/>
+                  <dgm:constrLst>
+                    <dgm:constr type="w" val="1"/>
+                    <dgm:constr type="h" val="5"/>
+                    <dgm:constr type="connDist"/>
+                    <dgm:constr type="begPad"/>
+                    <dgm:constr type="endPad"/>
+                    <dgm:constr type="userA" for="ch" refType="connDist"/>
+                  </dgm:constrLst>
+                  <dgm:ruleLst/>
+                  <dgm:layoutNode name="connTx">
+                    <dgm:alg type="tx">
+                      <dgm:param type="autoTxRot" val="grav"/>
+                    </dgm:alg>
+                    <dgm:shape xmlns:r="http://schemas.openxmlformats.org/officeDocument/2006/relationships" type="rect" r:blip="" hideGeom="1">
+                      <dgm:adjLst/>
+                    </dgm:shape>
+                    <dgm:presOf axis="self"/>
+                    <dgm:constrLst>
+                      <dgm:constr type="userA"/>
+                      <dgm:constr type="w" refType="userA" fact="0.05"/>
+                      <dgm:constr type="h" refType="userA" fact="0.05"/>
+                      <dgm:constr type="lMarg" val="1"/>
+                      <dgm:constr type="rMarg" val="1"/>
+                      <dgm:constr type="tMarg"/>
+                      <dgm:constr type="bMarg"/>
+                    </dgm:constrLst>
+                    <dgm:ruleLst>
+                      <dgm:rule type="h" val="NaN" fact="0.25" max="NaN"/>
+                      <dgm:rule type="w" val="NaN" fact="0.8" max="NaN"/>
+                      <dgm:rule type="primFontSz" val="5" fact="NaN" max="NaN"/>
+                    </dgm:ruleLst>
+                  </dgm:layoutNode>
+                </dgm:layoutNode>
+              </dgm:forEach>
+              <dgm:forEach name="Name15" axis="self" ptType="node">
+                <dgm:layoutNode name="root2">
+                  <dgm:choose name="Name16">
+                    <dgm:if name="Name17" func="var" arg="dir" op="equ" val="norm">
+                      <dgm:alg type="hierRoot">
+                        <dgm:param type="hierAlign" val="lCtrCh"/>
+                      </dgm:alg>
+                    </dgm:if>
+                    <dgm:else name="Name18">
+                      <dgm:alg type="hierRoot">
+                        <dgm:param type="hierAlign" val="rCtrCh"/>
+                      </dgm:alg>
+                    </dgm:else>
+                  </dgm:choose>
+                  <dgm:shape xmlns:r="http://schemas.openxmlformats.org/officeDocument/2006/relationships" r:blip="">
+                    <dgm:adjLst/>
+                  </dgm:shape>
+                  <dgm:presOf/>
+                  <dgm:constrLst/>
+                  <dgm:ruleLst/>
+                  <dgm:layoutNode name="LevelTwoTextNode">
+                    <dgm:varLst>
+                      <dgm:chPref val="3"/>
+                    </dgm:varLst>
+                    <dgm:alg type="tx"/>
+                    <dgm:shape xmlns:r="http://schemas.openxmlformats.org/officeDocument/2006/relationships" type="roundRect" r:blip="">
+                      <dgm:adjLst>
+                        <dgm:adj idx="1" val="0.1"/>
+                      </dgm:adjLst>
+                    </dgm:shape>
+                    <dgm:presOf axis="self"/>
+                    <dgm:constrLst>
+                      <dgm:constr type="tMarg" refType="primFontSz" fact="0.05"/>
+                      <dgm:constr type="bMarg" refType="primFontSz" fact="0.05"/>
+                      <dgm:constr type="lMarg" refType="primFontSz" fact="0.05"/>
+                      <dgm:constr type="rMarg" refType="primFontSz" fact="0.05"/>
+                    </dgm:constrLst>
+                    <dgm:ruleLst>
+                      <dgm:rule type="primFontSz" val="5" fact="NaN" max="NaN"/>
+                    </dgm:ruleLst>
+                  </dgm:layoutNode>
+                  <dgm:layoutNode name="level3hierChild">
+                    <dgm:choose name="Name19">
+                      <dgm:if name="Name20" func="var" arg="dir" op="equ" val="norm">
+                        <dgm:alg type="hierChild">
+                          <dgm:param type="linDir" val="fromT"/>
+                          <dgm:param type="chAlign" val="l"/>
+                        </dgm:alg>
+                      </dgm:if>
+                      <dgm:else name="Name21">
+                        <dgm:alg type="hierChild">
+                          <dgm:param type="linDir" val="fromT"/>
+                          <dgm:param type="chAlign" val="r"/>
+                        </dgm:alg>
+                      </dgm:else>
+                    </dgm:choose>
+                    <dgm:shape xmlns:r="http://schemas.openxmlformats.org/officeDocument/2006/relationships" r:blip="">
+                      <dgm:adjLst/>
+                    </dgm:shape>
+                    <dgm:presOf/>
+                    <dgm:constrLst/>
+                    <dgm:ruleLst/>
+                    <dgm:forEach name="Name22" ref="repeat"/>
+                  </dgm:layoutNode>
+                </dgm:layoutNode>
+              </dgm:forEach>
+            </dgm:forEach>
+          </dgm:layoutNode>
+        </dgm:layoutNode>
+      </dgm:forEach>
+    </dgm:forEach>
+  </dgm:layoutNode>
+</dgm:layoutDef>
+</file>
+
 <file path=ppt/diagrams/quickStyle1.xml><?xml version="1.0" encoding="utf-8"?>
+<dgm:styleDef xmlns:dgm="http://schemas.openxmlformats.org/drawingml/2006/diagram" xmlns:a="http://schemas.openxmlformats.org/drawingml/2006/main" uniqueId="urn:microsoft.com/office/officeart/2005/8/quickstyle/simple1">
+  <dgm:title val=""/>
+  <dgm:desc val=""/>
+  <dgm:catLst>
+    <dgm:cat type="simple" pri="10100"/>
+  </dgm:catLst>
+  <dgm:scene3d>
+    <a:camera prst="orthographicFront"/>
+    <a:lightRig rig="threePt" dir="t"/>
+  </dgm:scene3d>
+  <dgm:styleLbl name="node0">
+    <dgm:scene3d>
+      <a:camera prst="orthographicFront"/>
+      <a:lightRig rig="threePt" dir="t"/>
+    </dgm:scene3d>
+    <dgm:sp3d/>
+    <dgm:txPr/>
+    <dgm:style>
+      <a:lnRef idx="2">
+        <a:scrgbClr r="0" g="0" b="0"/>
+      </a:lnRef>
+      <a:fillRef idx="1">
+        <a:scrgbClr r="0" g="0" b="0"/>
+      </a:fillRef>
+      <a:effectRef idx="0">
+        <a:scrgbClr r="0" g="0" b="0"/>
+      </a:effectRef>
+      <a:fontRef idx="minor">
+        <a:schemeClr val="lt1"/>
+      </a:fontRef>
+    </dgm:style>
+  </dgm:styleLbl>
+  <dgm:styleLbl name="lnNode1">
+    <dgm:scene3d>
+      <a:camera prst="orthographicFront"/>
+      <a:lightRig rig="threePt" dir="t"/>
+    </dgm:scene3d>
+    <dgm:sp3d/>
+    <dgm:txPr/>
+    <dgm:style>
+      <a:lnRef idx="2">
+        <a:scrgbClr r="0" g="0" b="0"/>
+      </a:lnRef>
+      <a:fillRef idx="1">
+        <a:scrgbClr r="0" g="0" b="0"/>
+      </a:fillRef>
+      <a:effectRef idx="0">
+        <a:scrgbClr r="0" g="0" b="0"/>
+      </a:effectRef>
+      <a:fontRef idx="minor">
+        <a:schemeClr val="lt1"/>
+      </a:fontRef>
+    </dgm:style>
+  </dgm:styleLbl>
+  <dgm:styleLbl name="vennNode1">
+    <dgm:scene3d>
+      <a:camera prst="orthographicFront"/>
+      <a:lightRig rig="threePt" dir="t"/>
+    </dgm:scene3d>
+    <dgm:sp3d/>
+    <dgm:txPr/>
+    <dgm:style>
+      <a:lnRef idx="2">
+        <a:scrgbClr r="0" g="0" b="0"/>
+      </a:lnRef>
+      <a:fillRef idx="1">
+        <a:scrgbClr r="0" g="0" b="0"/>
+      </a:fillRef>
+      <a:effectRef idx="0">
+        <a:scrgbClr r="0" g="0" b="0"/>
+      </a:effectRef>
+      <a:fontRef idx="minor">
+        <a:schemeClr val="tx1"/>
+      </a:fontRef>
+    </dgm:style>
+  </dgm:styleLbl>
+  <dgm:styleLbl name="alignNode1">
+    <dgm:scene3d>
+      <a:camera prst="orthographicFront"/>
+      <a:lightRig rig="threePt" dir="t"/>
+    </dgm:scene3d>
+    <dgm:sp3d/>
+    <dgm:txPr/>
+    <dgm:style>
+      <a:lnRef idx="2">
+        <a:scrgbClr r="0" g="0" b="0"/>
+      </a:lnRef>
+      <a:fillRef idx="1">
+        <a:scrgbClr r="0" g="0" b="0"/>
+      </a:fillRef>
+      <a:effectRef idx="0">
+        <a:scrgbClr r="0" g="0" b="0"/>
+      </a:effectRef>
+      <a:fontRef idx="minor">
+        <a:schemeClr val="lt1"/>
+      </a:fontRef>
+    </dgm:style>
+  </dgm:styleLbl>
+  <dgm:styleLbl name="node1">
+    <dgm:scene3d>
+      <a:camera prst="orthographicFront"/>
+      <a:lightRig rig="threePt" dir="t"/>
+    </dgm:scene3d>
+    <dgm:sp3d/>
+    <dgm:txPr/>
+    <dgm:style>
+      <a:lnRef idx="2">
+        <a:scrgbClr r="0" g="0" b="0"/>
+      </a:lnRef>
+      <a:fillRef idx="1">
+        <a:scrgbClr r="0" g="0" b="0"/>
+      </a:fillRef>
+      <a:effectRef idx="0">
+        <a:scrgbClr r="0" g="0" b="0"/>
+      </a:effectRef>
+      <a:fontRef idx="minor">
+        <a:schemeClr val="lt1"/>
+      </a:fontRef>
+    </dgm:style>
+  </dgm:styleLbl>
+  <dgm:styleLbl name="node2">
+    <dgm:scene3d>
+      <a:camera prst="orthographicFront"/>
+      <a:lightRig rig="threePt" dir="t"/>
+    </dgm:scene3d>
+    <dgm:sp3d/>
+    <dgm:txPr/>
+    <dgm:style>
+      <a:lnRef idx="2">
+        <a:scrgbClr r="0" g="0" b="0"/>
+      </a:lnRef>
+      <a:fillRef idx="1">
+        <a:scrgbClr r="0" g="0" b="0"/>
+      </a:fillRef>
+      <a:effectRef idx="0">
+        <a:scrgbClr r="0" g="0" b="0"/>
+      </a:effectRef>
+      <a:fontRef idx="minor">
+        <a:schemeClr val="lt1"/>
+      </a:fontRef>
+    </dgm:style>
+  </dgm:styleLbl>
+  <dgm:styleLbl name="node3">
+    <dgm:scene3d>
+      <a:camera prst="orthographicFront"/>
+      <a:lightRig rig="threePt" dir="t"/>
+    </dgm:scene3d>
+    <dgm:sp3d/>
+    <dgm:txPr/>
+    <dgm:style>
+      <a:lnRef idx="2">
+        <a:scrgbClr r="0" g="0" b="0"/>
+      </a:lnRef>
+      <a:fillRef idx="1">
+        <a:scrgbClr r="0" g="0" b="0"/>
+      </a:fillRef>
+      <a:effectRef idx="0">
+        <a:scrgbClr r="0" g="0" b="0"/>
+      </a:effectRef>
+      <a:fontRef idx="minor">
+        <a:schemeClr val="lt1"/>
+      </a:fontRef>
+    </dgm:style>
+  </dgm:styleLbl>
+  <dgm:styleLbl name="node4">
+    <dgm:scene3d>
+      <a:camera prst="orthographicFront"/>
+      <a:lightRig rig="threePt" dir="t"/>
+    </dgm:scene3d>
+    <dgm:sp3d/>
+    <dgm:txPr/>
+    <dgm:style>
+      <a:lnRef idx="2">
+        <a:scrgbClr r="0" g="0" b="0"/>
+      </a:lnRef>
+      <a:fillRef idx="1">
+        <a:scrgbClr r="0" g="0" b="0"/>
+      </a:fillRef>
+      <a:effectRef idx="0">
+        <a:scrgbClr r="0" g="0" b="0"/>
+      </a:effectRef>
+      <a:fontRef idx="minor">
+        <a:schemeClr val="lt1"/>
+      </a:fontRef>
+    </dgm:style>
+  </dgm:styleLbl>
+  <dgm:styleLbl name="fgImgPlace1">
+    <dgm:scene3d>
+      <a:camera prst="orthographicFront"/>
+      <a:lightRig rig="threePt" dir="t"/>
+    </dgm:scene3d>
+    <dgm:sp3d/>
+    <dgm:txPr/>
+    <dgm:style>
+      <a:lnRef idx="2">
+        <a:scrgbClr r="0" g="0" b="0"/>
+      </a:lnRef>
+      <a:fillRef idx="1">
+        <a:scrgbClr r="0" g="0" b="0"/>
+      </a:fillRef>
+      <a:effectRef idx="0">
+        <a:scrgbClr r="0" g="0" b="0"/>
+      </a:effectRef>
+      <a:fontRef idx="minor"/>
+    </dgm:style>
+  </dgm:styleLbl>
+  <dgm:styleLbl name="alignImgPlace1">
+    <dgm:scene3d>
+      <a:camera prst="orthographicFront"/>
+      <a:lightRig rig="threePt" dir="t"/>
+    </dgm:scene3d>
+    <dgm:sp3d/>
+    <dgm:txPr/>
+    <dgm:style>
+      <a:lnRef idx="2">
+        <a:scrgbClr r="0" g="0" b="0"/>
+      </a:lnRef>
+      <a:fillRef idx="1">
+        <a:scrgbClr r="0" g="0" b="0"/>
+      </a:fillRef>
+      <a:effectRef idx="0">
+        <a:scrgbClr r="0" g="0" b="0"/>
+      </a:effectRef>
+      <a:fontRef idx="minor"/>
+    </dgm:style>
+  </dgm:styleLbl>
+  <dgm:styleLbl name="bgImgPlace1">
+    <dgm:scene3d>
+      <a:camera prst="orthographicFront"/>
+      <a:lightRig rig="threePt" dir="t"/>
+    </dgm:scene3d>
+    <dgm:sp3d/>
+    <dgm:txPr/>
+    <dgm:style>
+      <a:lnRef idx="2">
+        <a:scrgbClr r="0" g="0" b="0"/>
+      </a:lnRef>
+      <a:fillRef idx="1">
+        <a:scrgbClr r="0" g="0" b="0"/>
+      </a:fillRef>
+      <a:effectRef idx="0">
+        <a:scrgbClr r="0" g="0" b="0"/>
+      </a:effectRef>
+      <a:fontRef idx="minor"/>
+    </dgm:style>
+  </dgm:styleLbl>
+  <dgm:styleLbl name="sibTrans2D1">
+    <dgm:scene3d>
+      <a:camera prst="orthographicFront"/>
+      <a:lightRig rig="threePt" dir="t"/>
+    </dgm:scene3d>
+    <dgm:sp3d/>
+    <dgm:txPr/>
+    <dgm:style>
+      <a:lnRef idx="0">
+        <a:scrgbClr r="0" g="0" b="0"/>
+      </a:lnRef>
+      <a:fillRef idx="1">
+        <a:scrgbClr r="0" g="0" b="0"/>
+      </a:fillRef>
+      <a:effectRef idx="0">
+        <a:scrgbClr r="0" g="0" b="0"/>
+      </a:effectRef>
+      <a:fontRef idx="minor">
+        <a:schemeClr val="lt1"/>
+      </a:fontRef>
+    </dgm:style>
+  </dgm:styleLbl>
+  <dgm:styleLbl name="fgSibTrans2D1">
+    <dgm:scene3d>
+      <a:camera prst="orthographicFront"/>
+      <a:lightRig rig="threePt" dir="t"/>
+    </dgm:scene3d>
+    <dgm:sp3d/>
+    <dgm:txPr/>
+    <dgm:style>
+      <a:lnRef idx="0">
+        <a:scrgbClr r="0" g="0" b="0"/>
+      </a:lnRef>
+      <a:fillRef idx="1">
+        <a:scrgbClr r="0" g="0" b="0"/>
+      </a:fillRef>
+      <a:effectRef idx="0">
+        <a:scrgbClr r="0" g="0" b="0"/>
+      </a:effectRef>
+      <a:fontRef idx="minor">
+        <a:schemeClr val="lt1"/>
+      </a:fontRef>
+    </dgm:style>
+  </dgm:styleLbl>
+  <dgm:styleLbl name="bgSibTrans2D1">
+    <dgm:scene3d>
+      <a:camera prst="orthographicFront"/>
+      <a:lightRig rig="threePt" dir="t"/>
+    </dgm:scene3d>
+    <dgm:sp3d/>
+    <dgm:txPr/>
+    <dgm:style>
+      <a:lnRef idx="0">
+        <a:scrgbClr r="0" g="0" b="0"/>
+      </a:lnRef>
+      <a:fillRef idx="1">
+        <a:scrgbClr r="0" g="0" b="0"/>
+      </a:fillRef>
+      <a:effectRef idx="0">
+        <a:scrgbClr r="0" g="0" b="0"/>
+      </a:effectRef>
+      <a:fontRef idx="minor">
+        <a:schemeClr val="lt1"/>
+      </a:fontRef>
+    </dgm:style>
+  </dgm:styleLbl>
+  <dgm:styleLbl name="sibTrans1D1">
+    <dgm:scene3d>
+      <a:camera prst="orthographicFront"/>
+      <a:lightRig rig="threePt" dir="t"/>
+    </dgm:scene3d>
+    <dgm:sp3d/>
+    <dgm:txPr/>
+    <dgm:style>
+      <a:lnRef idx="1">
+        <a:scrgbClr r="0" g="0" b="0"/>
+      </a:lnRef>
+      <a:fillRef idx="0">
+        <a:scrgbClr r="0" g="0" b="0"/>
+      </a:fillRef>
+      <a:effectRef idx="0">
+        <a:scrgbClr r="0" g="0" b="0"/>
+      </a:effectRef>
+      <a:fontRef idx="minor"/>
+    </dgm:style>
+  </dgm:styleLbl>
+  <dgm:styleLbl name="callout">
+    <dgm:scene3d>
+      <a:camera prst="orthographicFront"/>
+      <a:lightRig rig="threePt" dir="t"/>
+    </dgm:scene3d>
+    <dgm:sp3d/>
+    <dgm:txPr/>
+    <dgm:style>
+      <a:lnRef idx="2">
+        <a:scrgbClr r="0" g="0" b="0"/>
+      </a:lnRef>
+      <a:fillRef idx="1">
+        <a:scrgbClr r="0" g="0" b="0"/>
+      </a:fillRef>
+      <a:effectRef idx="0">
+        <a:scrgbClr r="0" g="0" b="0"/>
+      </a:effectRef>
+      <a:fontRef idx="minor"/>
+    </dgm:style>
+  </dgm:styleLbl>
+  <dgm:styleLbl name="asst0">
+    <dgm:scene3d>
+      <a:camera prst="orthographicFront"/>
+      <a:lightRig rig="threePt" dir="t"/>
+    </dgm:scene3d>
+    <dgm:sp3d/>
+    <dgm:txPr/>
+    <dgm:style>
+      <a:lnRef idx="2">
+        <a:scrgbClr r="0" g="0" b="0"/>
+      </a:lnRef>
+      <a:fillRef idx="1">
+        <a:scrgbClr r="0" g="0" b="0"/>
+      </a:fillRef>
+      <a:effectRef idx="0">
+        <a:scrgbClr r="0" g="0" b="0"/>
+      </a:effectRef>
+      <a:fontRef idx="minor">
+        <a:schemeClr val="lt1"/>
+      </a:fontRef>
+    </dgm:style>
+  </dgm:styleLbl>
+  <dgm:styleLbl name="asst1">
+    <dgm:scene3d>
+      <a:camera prst="orthographicFront"/>
+      <a:lightRig rig="threePt" dir="t"/>
+    </dgm:scene3d>
+    <dgm:sp3d/>
+    <dgm:txPr/>
+    <dgm:style>
+      <a:lnRef idx="2">
+        <a:scrgbClr r="0" g="0" b="0"/>
+      </a:lnRef>
+      <a:fillRef idx="1">
+        <a:scrgbClr r="0" g="0" b="0"/>
+      </a:fillRef>
+      <a:effectRef idx="0">
+        <a:scrgbClr r="0" g="0" b="0"/>
+      </a:effectRef>
+      <a:fontRef idx="minor">
+        <a:schemeClr val="lt1"/>
+      </a:fontRef>
+    </dgm:style>
+  </dgm:styleLbl>
+  <dgm:styleLbl name="asst2">
+    <dgm:scene3d>
+      <a:camera prst="orthographicFront"/>
+      <a:lightRig rig="threePt" dir="t"/>
+    </dgm:scene3d>
+    <dgm:sp3d/>
+    <dgm:txPr/>
+    <dgm:style>
+      <a:lnRef idx="2">
+        <a:scrgbClr r="0" g="0" b="0"/>
+      </a:lnRef>
+      <a:fillRef idx="1">
+        <a:scrgbClr r="0" g="0" b="0"/>
+      </a:fillRef>
+      <a:effectRef idx="0">
+        <a:scrgbClr r="0" g="0" b="0"/>
+      </a:effectRef>
+      <a:fontRef idx="minor">
+        <a:schemeClr val="lt1"/>
+      </a:fontRef>
+    </dgm:style>
+  </dgm:styleLbl>
+  <dgm:styleLbl name="asst3">
+    <dgm:scene3d>
+      <a:camera prst="orthographicFront"/>
+      <a:lightRig rig="threePt" dir="t"/>
+    </dgm:scene3d>
+    <dgm:sp3d/>
+    <dgm:txPr/>
+    <dgm:style>
+      <a:lnRef idx="2">
+        <a:scrgbClr r="0" g="0" b="0"/>
+      </a:lnRef>
+      <a:fillRef idx="1">
+        <a:scrgbClr r="0" g="0" b="0"/>
+      </a:fillRef>
+      <a:effectRef idx="0">
+        <a:scrgbClr r="0" g="0" b="0"/>
+      </a:effectRef>
+      <a:fontRef idx="minor">
+        <a:schemeClr val="lt1"/>
+      </a:fontRef>
+    </dgm:style>
+  </dgm:styleLbl>
+  <dgm:styleLbl name="asst4">
+    <dgm:scene3d>
+      <a:camera prst="orthographicFront"/>
+      <a:lightRig rig="threePt" dir="t"/>
+    </dgm:scene3d>
+    <dgm:sp3d/>
+    <dgm:txPr/>
+    <dgm:style>
+      <a:lnRef idx="2">
+        <a:scrgbClr r="0" g="0" b="0"/>
+      </a:lnRef>
+      <a:fillRef idx="1">
+        <a:scrgbClr r="0" g="0" b="0"/>
+      </a:fillRef>
+      <a:effectRef idx="0">
+        <a:scrgbClr r="0" g="0" b="0"/>
+      </a:effectRef>
+      <a:fontRef idx="minor">
+        <a:schemeClr val="lt1"/>
+      </a:fontRef>
+    </dgm:style>
+  </dgm:styleLbl>
+  <dgm:styleLbl name="parChTrans2D1">
+    <dgm:scene3d>
+      <a:camera prst="orthographicFront"/>
+      <a:lightRig rig="threePt" dir="t"/>
+    </dgm:scene3d>
+    <dgm:sp3d/>
+    <dgm:txPr/>
+    <dgm:style>
+      <a:lnRef idx="2">
+        <a:scrgbClr r="0" g="0" b="0"/>
+      </a:lnRef>
+      <a:fillRef idx="1">
+        <a:scrgbClr r="0" g="0" b="0"/>
+      </a:fillRef>
+      <a:effectRef idx="0">
+        <a:scrgbClr r="0" g="0" b="0"/>
+      </a:effectRef>
+      <a:fontRef idx="minor">
+        <a:schemeClr val="lt1"/>
+      </a:fontRef>
+    </dgm:style>
+  </dgm:styleLbl>
+  <dgm:styleLbl name="parChTrans2D2">
+    <dgm:scene3d>
+      <a:camera prst="orthographicFront"/>
+      <a:lightRig rig="threePt" dir="t"/>
+    </dgm:scene3d>
+    <dgm:sp3d/>
+    <dgm:txPr/>
+    <dgm:style>
+      <a:lnRef idx="2">
+        <a:scrgbClr r="0" g="0" b="0"/>
+      </a:lnRef>
+      <a:fillRef idx="1">
+        <a:scrgbClr r="0" g="0" b="0"/>
+      </a:fillRef>
+      <a:effectRef idx="0">
+        <a:scrgbClr r="0" g="0" b="0"/>
+      </a:effectRef>
+      <a:fontRef idx="minor">
+        <a:schemeClr val="lt1"/>
+      </a:fontRef>
+    </dgm:style>
+  </dgm:styleLbl>
+  <dgm:styleLbl name="parChTrans2D3">
+    <dgm:scene3d>
+      <a:camera prst="orthographicFront"/>
+      <a:lightRig rig="threePt" dir="t"/>
+    </dgm:scene3d>
+    <dgm:sp3d/>
+    <dgm:txPr/>
+    <dgm:style>
+      <a:lnRef idx="2">
+        <a:scrgbClr r="0" g="0" b="0"/>
+      </a:lnRef>
+      <a:fillRef idx="1">
+        <a:scrgbClr r="0" g="0" b="0"/>
+      </a:fillRef>
+      <a:effectRef idx="0">
+        <a:scrgbClr r="0" g="0" b="0"/>
+      </a:effectRef>
+      <a:fontRef idx="minor">
+        <a:schemeClr val="lt1"/>
+      </a:fontRef>
+    </dgm:style>
+  </dgm:styleLbl>
+  <dgm:styleLbl name="parChTrans2D4">
+    <dgm:scene3d>
+      <a:camera prst="orthographicFront"/>
+      <a:lightRig rig="threePt" dir="t"/>
+    </dgm:scene3d>
+    <dgm:sp3d/>
+    <dgm:txPr/>
+    <dgm:style>
+      <a:lnRef idx="2">
+        <a:scrgbClr r="0" g="0" b="0"/>
+      </a:lnRef>
+      <a:fillRef idx="1">
+        <a:scrgbClr r="0" g="0" b="0"/>
+      </a:fillRef>
+      <a:effectRef idx="0">
+        <a:scrgbClr r="0" g="0" b="0"/>
+      </a:effectRef>
+      <a:fontRef idx="minor">
+        <a:schemeClr val="lt1"/>
+      </a:fontRef>
+    </dgm:style>
+  </dgm:styleLbl>
+  <dgm:styleLbl name="parChTrans1D1">
+    <dgm:scene3d>
+      <a:camera prst="orthographicFront"/>
+      <a:lightRig rig="threePt" dir="t"/>
+    </dgm:scene3d>
+    <dgm:sp3d/>
+    <dgm:txPr/>
+    <dgm:style>
+      <a:lnRef idx="2">
+        <a:scrgbClr r="0" g="0" b="0"/>
+      </a:lnRef>
+      <a:fillRef idx="0">
+        <a:scrgbClr r="0" g="0" b="0"/>
+      </a:fillRef>
+      <a:effectRef idx="0">
+        <a:scrgbClr r="0" g="0" b="0"/>
+      </a:effectRef>
+      <a:fontRef idx="minor"/>
+    </dgm:style>
+  </dgm:styleLbl>
+  <dgm:styleLbl name="parChTrans1D2">
+    <dgm:scene3d>
+      <a:camera prst="orthographicFront"/>
+      <a:lightRig rig="threePt" dir="t"/>
+    </dgm:scene3d>
+    <dgm:sp3d/>
+    <dgm:txPr/>
+    <dgm:style>
+      <a:lnRef idx="2">
+        <a:scrgbClr r="0" g="0" b="0"/>
+      </a:lnRef>
+      <a:fillRef idx="0">
+        <a:scrgbClr r="0" g="0" b="0"/>
+      </a:fillRef>
+      <a:effectRef idx="0">
+        <a:scrgbClr r="0" g="0" b="0"/>
+      </a:effectRef>
+      <a:fontRef idx="minor"/>
+    </dgm:style>
+  </dgm:styleLbl>
+  <dgm:styleLbl name="parChTrans1D3">
+    <dgm:scene3d>
+      <a:camera prst="orthographicFront"/>
+      <a:lightRig rig="threePt" dir="t"/>
+    </dgm:scene3d>
+    <dgm:sp3d/>
+    <dgm:txPr/>
+    <dgm:style>
+      <a:lnRef idx="2">
+        <a:scrgbClr r="0" g="0" b="0"/>
+      </a:lnRef>
+      <a:fillRef idx="0">
+        <a:scrgbClr r="0" g="0" b="0"/>
+      </a:fillRef>
+      <a:effectRef idx="0">
+        <a:scrgbClr r="0" g="0" b="0"/>
+      </a:effectRef>
+      <a:fontRef idx="minor"/>
+    </dgm:style>
+  </dgm:styleLbl>
+  <dgm:styleLbl name="parChTrans1D4">
+    <dgm:scene3d>
+      <a:camera prst="orthographicFront"/>
+      <a:lightRig rig="threePt" dir="t"/>
+    </dgm:scene3d>
+    <dgm:sp3d/>
+    <dgm:txPr/>
+    <dgm:style>
+      <a:lnRef idx="2">
+        <a:scrgbClr r="0" g="0" b="0"/>
+      </a:lnRef>
+      <a:fillRef idx="0">
+        <a:scrgbClr r="0" g="0" b="0"/>
+      </a:fillRef>
+      <a:effectRef idx="0">
+        <a:scrgbClr r="0" g="0" b="0"/>
+      </a:effectRef>
+      <a:fontRef idx="minor"/>
+    </dgm:style>
+  </dgm:styleLbl>
+  <dgm:styleLbl name="fgAcc1">
+    <dgm:scene3d>
+      <a:camera prst="orthographicFront"/>
+      <a:lightRig rig="threePt" dir="t"/>
+    </dgm:scene3d>
+    <dgm:sp3d/>
+    <dgm:txPr/>
+    <dgm:style>
+      <a:lnRef idx="2">
+        <a:scrgbClr r="0" g="0" b="0"/>
+      </a:lnRef>
+      <a:fillRef idx="1">
+        <a:scrgbClr r="0" g="0" b="0"/>
+      </a:fillRef>
+      <a:effectRef idx="0">
+        <a:scrgbClr r="0" g="0" b="0"/>
+      </a:effectRef>
+      <a:fontRef idx="minor"/>
+    </dgm:style>
+  </dgm:styleLbl>
+  <dgm:styleLbl name="conFgAcc1">
+    <dgm:scene3d>
+      <a:camera prst="orthographicFront"/>
+      <a:lightRig rig="threePt" dir="t"/>
+    </dgm:scene3d>
+    <dgm:sp3d/>
+    <dgm:txPr/>
+    <dgm:style>
+      <a:lnRef idx="2">
+        <a:scrgbClr r="0" g="0" b="0"/>
+      </a:lnRef>
+      <a:fillRef idx="1">
+        <a:scrgbClr r="0" g="0" b="0"/>
+      </a:fillRef>
+      <a:effectRef idx="0">
+        <a:scrgbClr r="0" g="0" b="0"/>
+      </a:effectRef>
+      <a:fontRef idx="minor"/>
+    </dgm:style>
+  </dgm:styleLbl>
+  <dgm:styleLbl name="alignAcc1">
+    <dgm:scene3d>
+      <a:camera prst="orthographicFront"/>
+      <a:lightRig rig="threePt" dir="t"/>
+    </dgm:scene3d>
+    <dgm:sp3d/>
+    <dgm:txPr/>
+    <dgm:style>
+      <a:lnRef idx="2">
+        <a:scrgbClr r="0" g="0" b="0"/>
+      </a:lnRef>
+      <a:fillRef idx="1">
+        <a:scrgbClr r="0" g="0" b="0"/>
+      </a:fillRef>
+      <a:effectRef idx="0">
+        <a:scrgbClr r="0" g="0" b="0"/>
+      </a:effectRef>
+      <a:fontRef idx="minor"/>
+    </dgm:style>
+  </dgm:styleLbl>
+  <dgm:styleLbl name="trAlignAcc1">
+    <dgm:scene3d>
+      <a:camera prst="orthographicFront"/>
+      <a:lightRig rig="threePt" dir="t"/>
+    </dgm:scene3d>
+    <dgm:sp3d/>
+    <dgm:txPr/>
+    <dgm:style>
+      <a:lnRef idx="1">
+        <a:scrgbClr r="0" g="0" b="0"/>
+      </a:lnRef>
+      <a:fillRef idx="1">
+        <a:scrgbClr r="0" g="0" b="0"/>
+      </a:fillRef>
+      <a:effectRef idx="0">
+        <a:scrgbClr r="0" g="0" b="0"/>
+      </a:effectRef>
+      <a:fontRef idx="minor"/>
+    </dgm:style>
+  </dgm:styleLbl>
+  <dgm:styleLbl name="bgAcc1">
+    <dgm:scene3d>
+      <a:camera prst="orthographicFront"/>
+      <a:lightRig rig="threePt" dir="t"/>
+    </dgm:scene3d>
+    <dgm:sp3d/>
+    <dgm:txPr/>
+    <dgm:style>
+      <a:lnRef idx="2">
+        <a:scrgbClr r="0" g="0" b="0"/>
+      </a:lnRef>
+      <a:fillRef idx="1">
+        <a:scrgbClr r="0" g="0" b="0"/>
+      </a:fillRef>
+      <a:effectRef idx="0">
+        <a:scrgbClr r="0" g="0" b="0"/>
+      </a:effectRef>
+      <a:fontRef idx="minor"/>
+    </dgm:style>
+  </dgm:styleLbl>
+  <dgm:styleLbl name="solidFgAcc1">
+    <dgm:scene3d>
+      <a:camera prst="orthographicFront"/>
+      <a:lightRig rig="threePt" dir="t"/>
+    </dgm:scene3d>
+    <dgm:sp3d/>
+    <dgm:txPr/>
+    <dgm:style>
+      <a:lnRef idx="2">
+        <a:scrgbClr r="0" g="0" b="0"/>
+      </a:lnRef>
+      <a:fillRef idx="1">
+        <a:scrgbClr r="0" g="0" b="0"/>
+      </a:fillRef>
+      <a:effectRef idx="0">
+        <a:scrgbClr r="0" g="0" b="0"/>
+      </a:effectRef>
+      <a:fontRef idx="minor"/>
+    </dgm:style>
+  </dgm:styleLbl>
+  <dgm:styleLbl name="solidAlignAcc1">
+    <dgm:scene3d>
+      <a:camera prst="orthographicFront"/>
+      <a:lightRig rig="threePt" dir="t"/>
+    </dgm:scene3d>
+    <dgm:sp3d/>
+    <dgm:txPr/>
+    <dgm:style>
+      <a:lnRef idx="2">
+        <a:scrgbClr r="0" g="0" b="0"/>
+      </a:lnRef>
+      <a:fillRef idx="1">
+        <a:scrgbClr r="0" g="0" b="0"/>
+      </a:fillRef>
+      <a:effectRef idx="0">
+        <a:scrgbClr r="0" g="0" b="0"/>
+      </a:effectRef>
+      <a:fontRef idx="minor"/>
+    </dgm:style>
+  </dgm:styleLbl>
+  <dgm:styleLbl name="solidBgAcc1">
+    <dgm:scene3d>
+      <a:camera prst="orthographicFront"/>
+      <a:lightRig rig="threePt" dir="t"/>
+    </dgm:scene3d>
+    <dgm:sp3d/>
+    <dgm:txPr/>
+    <dgm:style>
+      <a:lnRef idx="2">
+        <a:scrgbClr r="0" g="0" b="0"/>
+      </a:lnRef>
+      <a:fillRef idx="1">
+        <a:scrgbClr r="0" g="0" b="0"/>
+      </a:fillRef>
+      <a:effectRef idx="0">
+        <a:scrgbClr r="0" g="0" b="0"/>
+      </a:effectRef>
+      <a:fontRef idx="minor"/>
+    </dgm:style>
+  </dgm:styleLbl>
+  <dgm:styleLbl name="fgAccFollowNode1">
+    <dgm:scene3d>
+      <a:camera prst="orthographicFront"/>
+      <a:lightRig rig="threePt" dir="t"/>
+    </dgm:scene3d>
+    <dgm:sp3d/>
+    <dgm:txPr/>
+    <dgm:style>
+      <a:lnRef idx="2">
+        <a:scrgbClr r="0" g="0" b="0"/>
+      </a:lnRef>
+      <a:fillRef idx="1">
+        <a:scrgbClr r="0" g="0" b="0"/>
+      </a:fillRef>
+      <a:effectRef idx="0">
+        <a:scrgbClr r="0" g="0" b="0"/>
+      </a:effectRef>
+      <a:fontRef idx="minor"/>
+    </dgm:style>
+  </dgm:styleLbl>
+  <dgm:styleLbl name="alignAccFollowNode1">
+    <dgm:scene3d>
+      <a:camera prst="orthographicFront"/>
+      <a:lightRig rig="threePt" dir="t"/>
+    </dgm:scene3d>
+    <dgm:sp3d/>
+    <dgm:txPr/>
+    <dgm:style>
+      <a:lnRef idx="2">
+        <a:scrgbClr r="0" g="0" b="0"/>
+      </a:lnRef>
+      <a:fillRef idx="1">
+        <a:scrgbClr r="0" g="0" b="0"/>
+      </a:fillRef>
+      <a:effectRef idx="0">
+        <a:scrgbClr r="0" g="0" b="0"/>
+      </a:effectRef>
+      <a:fontRef idx="minor"/>
+    </dgm:style>
+  </dgm:styleLbl>
+  <dgm:styleLbl name="bgAccFollowNode1">
+    <dgm:scene3d>
+      <a:camera prst="orthographicFront"/>
+      <a:lightRig rig="threePt" dir="t"/>
+    </dgm:scene3d>
+    <dgm:sp3d/>
+    <dgm:txPr/>
+    <dgm:style>
+      <a:lnRef idx="2">
+        <a:scrgbClr r="0" g="0" b="0"/>
+      </a:lnRef>
+      <a:fillRef idx="1">
+        <a:scrgbClr r="0" g="0" b="0"/>
+      </a:fillRef>
+      <a:effectRef idx="0">
+        <a:scrgbClr r="0" g="0" b="0"/>
+      </a:effectRef>
+      <a:fontRef idx="minor"/>
+    </dgm:style>
+  </dgm:styleLbl>
+  <dgm:styleLbl name="fgAcc0">
+    <dgm:scene3d>
+      <a:camera prst="orthographicFront"/>
+      <a:lightRig rig="threePt" dir="t"/>
+    </dgm:scene3d>
+    <dgm:sp3d/>
+    <dgm:txPr/>
+    <dgm:style>
+      <a:lnRef idx="2">
+        <a:scrgbClr r="0" g="0" b="0"/>
+      </a:lnRef>
+      <a:fillRef idx="1">
+        <a:scrgbClr r="0" g="0" b="0"/>
+      </a:fillRef>
+      <a:effectRef idx="0">
+        <a:scrgbClr r="0" g="0" b="0"/>
+      </a:effectRef>
+      <a:fontRef idx="minor"/>
+    </dgm:style>
+  </dgm:styleLbl>
+  <dgm:styleLbl name="fgAcc2">
+    <dgm:scene3d>
+      <a:camera prst="orthographicFront"/>
+      <a:lightRig rig="threePt" dir="t"/>
+    </dgm:scene3d>
+    <dgm:sp3d/>
+    <dgm:txPr/>
+    <dgm:style>
+      <a:lnRef idx="2">
+        <a:scrgbClr r="0" g="0" b="0"/>
+      </a:lnRef>
+      <a:fillRef idx="1">
+        <a:scrgbClr r="0" g="0" b="0"/>
+      </a:fillRef>
+      <a:effectRef idx="0">
+        <a:scrgbClr r="0" g="0" b="0"/>
+      </a:effectRef>
+      <a:fontRef idx="minor"/>
+    </dgm:style>
+  </dgm:styleLbl>
+  <dgm:styleLbl name="fgAcc3">
+    <dgm:scene3d>
+      <a:camera prst="orthographicFront"/>
+      <a:lightRig rig="threePt" dir="t"/>
+    </dgm:scene3d>
+    <dgm:sp3d/>
+    <dgm:txPr/>
+    <dgm:style>
+      <a:lnRef idx="2">
+        <a:scrgbClr r="0" g="0" b="0"/>
+      </a:lnRef>
+      <a:fillRef idx="1">
+        <a:scrgbClr r="0" g="0" b="0"/>
+      </a:fillRef>
+      <a:effectRef idx="0">
+        <a:scrgbClr r="0" g="0" b="0"/>
+      </a:effectRef>
+      <a:fontRef idx="minor"/>
+    </dgm:style>
+  </dgm:styleLbl>
+  <dgm:styleLbl name="fgAcc4">
+    <dgm:scene3d>
+      <a:camera prst="orthographicFront"/>
+      <a:lightRig rig="threePt" dir="t"/>
+    </dgm:scene3d>
+    <dgm:sp3d/>
+    <dgm:txPr/>
+    <dgm:style>
+      <a:lnRef idx="2">
+        <a:scrgbClr r="0" g="0" b="0"/>
+      </a:lnRef>
+      <a:fillRef idx="1">
+        <a:scrgbClr r="0" g="0" b="0"/>
+      </a:fillRef>
+      <a:effectRef idx="0">
+        <a:scrgbClr r="0" g="0" b="0"/>
+      </a:effectRef>
+      <a:fontRef idx="minor"/>
+    </dgm:style>
+  </dgm:styleLbl>
+  <dgm:styleLbl name="bgShp">
+    <dgm:scene3d>
+      <a:camera prst="orthographicFront"/>
+      <a:lightRig rig="threePt" dir="t"/>
+    </dgm:scene3d>
+    <dgm:sp3d/>
+    <dgm:txPr/>
+    <dgm:style>
+      <a:lnRef idx="0">
+        <a:scrgbClr r="0" g="0" b="0"/>
+      </a:lnRef>
+      <a:fillRef idx="1">
+        <a:scrgbClr r="0" g="0" b="0"/>
+      </a:fillRef>
+      <a:effectRef idx="0">
+        <a:scrgbClr r="0" g="0" b="0"/>
+      </a:effectRef>
+      <a:fontRef idx="minor"/>
+    </dgm:style>
+  </dgm:styleLbl>
+  <dgm:styleLbl name="dkBgShp">
+    <dgm:scene3d>
+      <a:camera prst="orthographicFront"/>
+      <a:lightRig rig="threePt" dir="t"/>
+    </dgm:scene3d>
+    <dgm:sp3d/>
+    <dgm:txPr/>
+    <dgm:style>
+      <a:lnRef idx="0">
+        <a:scrgbClr r="0" g="0" b="0"/>
+      </a:lnRef>
+      <a:fillRef idx="1">
+        <a:scrgbClr r="0" g="0" b="0"/>
+      </a:fillRef>
+      <a:effectRef idx="0">
+        <a:scrgbClr r="0" g="0" b="0"/>
+      </a:effectRef>
+      <a:fontRef idx="minor"/>
+    </dgm:style>
+  </dgm:styleLbl>
+  <dgm:styleLbl name="trBgShp">
+    <dgm:scene3d>
+      <a:camera prst="orthographicFront"/>
+      <a:lightRig rig="threePt" dir="t"/>
+    </dgm:scene3d>
+    <dgm:sp3d/>
+    <dgm:txPr/>
+    <dgm:style>
+      <a:lnRef idx="0">
+        <a:scrgbClr r="0" g="0" b="0"/>
+      </a:lnRef>
+      <a:fillRef idx="1">
+        <a:scrgbClr r="0" g="0" b="0"/>
+      </a:fillRef>
+      <a:effectRef idx="0">
+        <a:scrgbClr r="0" g="0" b="0"/>
+      </a:effectRef>
+      <a:fontRef idx="minor"/>
+    </dgm:style>
+  </dgm:styleLbl>
+  <dgm:styleLbl name="fgShp">
+    <dgm:scene3d>
+      <a:camera prst="orthographicFront"/>
+      <a:lightRig rig="threePt" dir="t"/>
+    </dgm:scene3d>
+    <dgm:sp3d/>
+    <dgm:txPr/>
+    <dgm:style>
+      <a:lnRef idx="2">
+        <a:scrgbClr r="0" g="0" b="0"/>
+      </a:lnRef>
+      <a:fillRef idx="1">
+        <a:scrgbClr r="0" g="0" b="0"/>
+      </a:fillRef>
+      <a:effectRef idx="0">
+        <a:scrgbClr r="0" g="0" b="0"/>
+      </a:effectRef>
+      <a:fontRef idx="minor"/>
+    </dgm:style>
+  </dgm:styleLbl>
+  <dgm:styleLbl name="revTx">
+    <dgm:scene3d>
+      <a:camera prst="orthographicFront"/>
+      <a:lightRig rig="threePt" dir="t"/>
+    </dgm:scene3d>
+    <dgm:sp3d/>
+    <dgm:txPr/>
+    <dgm:style>
+      <a:lnRef idx="0">
+        <a:scrgbClr r="0" g="0" b="0"/>
+      </a:lnRef>
+      <a:fillRef idx="0">
+        <a:scrgbClr r="0" g="0" b="0"/>
+      </a:fillRef>
+      <a:effectRef idx="0">
+        <a:scrgbClr r="0" g="0" b="0"/>
+      </a:effectRef>
+      <a:fontRef idx="minor"/>
+    </dgm:style>
+  </dgm:styleLbl>
+</dgm:styleDef>
+</file>
+
+<file path=ppt/diagrams/quickStyle2.xml><?xml version="1.0" encoding="utf-8"?>
+<dgm:styleDef xmlns:dgm="http://schemas.openxmlformats.org/drawingml/2006/diagram" xmlns:a="http://schemas.openxmlformats.org/drawingml/2006/main" uniqueId="urn:microsoft.com/office/officeart/2005/8/quickstyle/simple1">
+  <dgm:title val=""/>
+  <dgm:desc val=""/>
+  <dgm:catLst>
+    <dgm:cat type="simple" pri="10100"/>
+  </dgm:catLst>
+  <dgm:scene3d>
+    <a:camera prst="orthographicFront"/>
+    <a:lightRig rig="threePt" dir="t"/>
+  </dgm:scene3d>
+  <dgm:styleLbl name="node0">
+    <dgm:scene3d>
+      <a:camera prst="orthographicFront"/>
+      <a:lightRig rig="threePt" dir="t"/>
+    </dgm:scene3d>
+    <dgm:sp3d/>
+    <dgm:txPr/>
+    <dgm:style>
+      <a:lnRef idx="2">
+        <a:scrgbClr r="0" g="0" b="0"/>
+      </a:lnRef>
+      <a:fillRef idx="1">
+        <a:scrgbClr r="0" g="0" b="0"/>
+      </a:fillRef>
+      <a:effectRef idx="0">
+        <a:scrgbClr r="0" g="0" b="0"/>
+      </a:effectRef>
+      <a:fontRef idx="minor">
+        <a:schemeClr val="lt1"/>
+      </a:fontRef>
+    </dgm:style>
+  </dgm:styleLbl>
+  <dgm:styleLbl name="lnNode1">
+    <dgm:scene3d>
+      <a:camera prst="orthographicFront"/>
+      <a:lightRig rig="threePt" dir="t"/>
+    </dgm:scene3d>
+    <dgm:sp3d/>
+    <dgm:txPr/>
+    <dgm:style>
+      <a:lnRef idx="2">
+        <a:scrgbClr r="0" g="0" b="0"/>
+      </a:lnRef>
+      <a:fillRef idx="1">
+        <a:scrgbClr r="0" g="0" b="0"/>
+      </a:fillRef>
+      <a:effectRef idx="0">
+        <a:scrgbClr r="0" g="0" b="0"/>
+      </a:effectRef>
+      <a:fontRef idx="minor">
+        <a:schemeClr val="lt1"/>
+      </a:fontRef>
+    </dgm:style>
+  </dgm:styleLbl>
+  <dgm:styleLbl name="vennNode1">
+    <dgm:scene3d>
+      <a:camera prst="orthographicFront"/>
+      <a:lightRig rig="threePt" dir="t"/>
+    </dgm:scene3d>
+    <dgm:sp3d/>
+    <dgm:txPr/>
+    <dgm:style>
+      <a:lnRef idx="2">
+        <a:scrgbClr r="0" g="0" b="0"/>
+      </a:lnRef>
+      <a:fillRef idx="1">
+        <a:scrgbClr r="0" g="0" b="0"/>
+      </a:fillRef>
+      <a:effectRef idx="0">
+        <a:scrgbClr r="0" g="0" b="0"/>
+      </a:effectRef>
+      <a:fontRef idx="minor">
+        <a:schemeClr val="tx1"/>
+      </a:fontRef>
+    </dgm:style>
+  </dgm:styleLbl>
+  <dgm:styleLbl name="alignNode1">
+    <dgm:scene3d>
+      <a:camera prst="orthographicFront"/>
+      <a:lightRig rig="threePt" dir="t"/>
+    </dgm:scene3d>
+    <dgm:sp3d/>
+    <dgm:txPr/>
+    <dgm:style>
+      <a:lnRef idx="2">
+        <a:scrgbClr r="0" g="0" b="0"/>
+      </a:lnRef>
+      <a:fillRef idx="1">
+        <a:scrgbClr r="0" g="0" b="0"/>
+      </a:fillRef>
+      <a:effectRef idx="0">
+        <a:scrgbClr r="0" g="0" b="0"/>
+      </a:effectRef>
+      <a:fontRef idx="minor">
+        <a:schemeClr val="lt1"/>
+      </a:fontRef>
+    </dgm:style>
+  </dgm:styleLbl>
+  <dgm:styleLbl name="node1">
+    <dgm:scene3d>
+      <a:camera prst="orthographicFront"/>
+      <a:lightRig rig="threePt" dir="t"/>
+    </dgm:scene3d>
+    <dgm:sp3d/>
+    <dgm:txPr/>
+    <dgm:style>
+      <a:lnRef idx="2">
+        <a:scrgbClr r="0" g="0" b="0"/>
+      </a:lnRef>
+      <a:fillRef idx="1">
+        <a:scrgbClr r="0" g="0" b="0"/>
+      </a:fillRef>
+      <a:effectRef idx="0">
+        <a:scrgbClr r="0" g="0" b="0"/>
+      </a:effectRef>
+      <a:fontRef idx="minor">
+        <a:schemeClr val="lt1"/>
+      </a:fontRef>
+    </dgm:style>
+  </dgm:styleLbl>
+  <dgm:styleLbl name="node2">
+    <dgm:scene3d>
+      <a:camera prst="orthographicFront"/>
+      <a:lightRig rig="threePt" dir="t"/>
+    </dgm:scene3d>
+    <dgm:sp3d/>
+    <dgm:txPr/>
+    <dgm:style>
+      <a:lnRef idx="2">
+        <a:scrgbClr r="0" g="0" b="0"/>
+      </a:lnRef>
+      <a:fillRef idx="1">
+        <a:scrgbClr r="0" g="0" b="0"/>
+      </a:fillRef>
+      <a:effectRef idx="0">
+        <a:scrgbClr r="0" g="0" b="0"/>
+      </a:effectRef>
+      <a:fontRef idx="minor">
+        <a:schemeClr val="lt1"/>
+      </a:fontRef>
+    </dgm:style>
+  </dgm:styleLbl>
+  <dgm:styleLbl name="node3">
+    <dgm:scene3d>
+      <a:camera prst="orthographicFront"/>
+      <a:lightRig rig="threePt" dir="t"/>
+    </dgm:scene3d>
+    <dgm:sp3d/>
+    <dgm:txPr/>
+    <dgm:style>
+      <a:lnRef idx="2">
+        <a:scrgbClr r="0" g="0" b="0"/>
+      </a:lnRef>
+      <a:fillRef idx="1">
+        <a:scrgbClr r="0" g="0" b="0"/>
+      </a:fillRef>
+      <a:effectRef idx="0">
+        <a:scrgbClr r="0" g="0" b="0"/>
+      </a:effectRef>
+      <a:fontRef idx="minor">
+        <a:schemeClr val="lt1"/>
+      </a:fontRef>
+    </dgm:style>
+  </dgm:styleLbl>
+  <dgm:styleLbl name="node4">
+    <dgm:scene3d>
+      <a:camera prst="orthographicFront"/>
+      <a:lightRig rig="threePt" dir="t"/>
+    </dgm:scene3d>
+    <dgm:sp3d/>
+    <dgm:txPr/>
+    <dgm:style>
+      <a:lnRef idx="2">
+        <a:scrgbClr r="0" g="0" b="0"/>
+      </a:lnRef>
+      <a:fillRef idx="1">
+        <a:scrgbClr r="0" g="0" b="0"/>
+      </a:fillRef>
+      <a:effectRef idx="0">
+        <a:scrgbClr r="0" g="0" b="0"/>
+      </a:effectRef>
+      <a:fontRef idx="minor">
+        <a:schemeClr val="lt1"/>
+      </a:fontRef>
+    </dgm:style>
+  </dgm:styleLbl>
+  <dgm:styleLbl name="fgImgPlace1">
+    <dgm:scene3d>
+      <a:camera prst="orthographicFront"/>
+      <a:lightRig rig="threePt" dir="t"/>
+    </dgm:scene3d>
+    <dgm:sp3d/>
+    <dgm:txPr/>
+    <dgm:style>
+      <a:lnRef idx="2">
+        <a:scrgbClr r="0" g="0" b="0"/>
+      </a:lnRef>
+      <a:fillRef idx="1">
+        <a:scrgbClr r="0" g="0" b="0"/>
+      </a:fillRef>
+      <a:effectRef idx="0">
+        <a:scrgbClr r="0" g="0" b="0"/>
+      </a:effectRef>
+      <a:fontRef idx="minor"/>
+    </dgm:style>
+  </dgm:styleLbl>
+  <dgm:styleLbl name="alignImgPlace1">
+    <dgm:scene3d>
+      <a:camera prst="orthographicFront"/>
+      <a:lightRig rig="threePt" dir="t"/>
+    </dgm:scene3d>
+    <dgm:sp3d/>
+    <dgm:txPr/>
+    <dgm:style>
+      <a:lnRef idx="2">
+        <a:scrgbClr r="0" g="0" b="0"/>
+      </a:lnRef>
+      <a:fillRef idx="1">
+        <a:scrgbClr r="0" g="0" b="0"/>
+      </a:fillRef>
+      <a:effectRef idx="0">
+        <a:scrgbClr r="0" g="0" b="0"/>
+      </a:effectRef>
+      <a:fontRef idx="minor"/>
+    </dgm:style>
+  </dgm:styleLbl>
+  <dgm:styleLbl name="bgImgPlace1">
+    <dgm:scene3d>
+      <a:camera prst="orthographicFront"/>
+      <a:lightRig rig="threePt" dir="t"/>
+    </dgm:scene3d>
+    <dgm:sp3d/>
+    <dgm:txPr/>
+    <dgm:style>
+      <a:lnRef idx="2">
+        <a:scrgbClr r="0" g="0" b="0"/>
+      </a:lnRef>
+      <a:fillRef idx="1">
+        <a:scrgbClr r="0" g="0" b="0"/>
+      </a:fillRef>
+      <a:effectRef idx="0">
+        <a:scrgbClr r="0" g="0" b="0"/>
+      </a:effectRef>
+      <a:fontRef idx="minor"/>
+    </dgm:style>
+  </dgm:styleLbl>
+  <dgm:styleLbl name="sibTrans2D1">
+    <dgm:scene3d>
+      <a:camera prst="orthographicFront"/>
+      <a:lightRig rig="threePt" dir="t"/>
+    </dgm:scene3d>
+    <dgm:sp3d/>
+    <dgm:txPr/>
+    <dgm:style>
+      <a:lnRef idx="0">
+        <a:scrgbClr r="0" g="0" b="0"/>
+      </a:lnRef>
+      <a:fillRef idx="1">
+        <a:scrgbClr r="0" g="0" b="0"/>
+      </a:fillRef>
+      <a:effectRef idx="0">
+        <a:scrgbClr r="0" g="0" b="0"/>
+      </a:effectRef>
+      <a:fontRef idx="minor">
+        <a:schemeClr val="lt1"/>
+      </a:fontRef>
+    </dgm:style>
+  </dgm:styleLbl>
+  <dgm:styleLbl name="fgSibTrans2D1">
+    <dgm:scene3d>
+      <a:camera prst="orthographicFront"/>
+      <a:lightRig rig="threePt" dir="t"/>
+    </dgm:scene3d>
+    <dgm:sp3d/>
+    <dgm:txPr/>
+    <dgm:style>
+      <a:lnRef idx="0">
+        <a:scrgbClr r="0" g="0" b="0"/>
+      </a:lnRef>
+      <a:fillRef idx="1">
+        <a:scrgbClr r="0" g="0" b="0"/>
+      </a:fillRef>
+      <a:effectRef idx="0">
+        <a:scrgbClr r="0" g="0" b="0"/>
+      </a:effectRef>
+      <a:fontRef idx="minor">
+        <a:schemeClr val="lt1"/>
+      </a:fontRef>
+    </dgm:style>
+  </dgm:styleLbl>
+  <dgm:styleLbl name="bgSibTrans2D1">
+    <dgm:scene3d>
+      <a:camera prst="orthographicFront"/>
+      <a:lightRig rig="threePt" dir="t"/>
+    </dgm:scene3d>
+    <dgm:sp3d/>
+    <dgm:txPr/>
+    <dgm:style>
+      <a:lnRef idx="0">
+        <a:scrgbClr r="0" g="0" b="0"/>
+      </a:lnRef>
+      <a:fillRef idx="1">
+        <a:scrgbClr r="0" g="0" b="0"/>
+      </a:fillRef>
+      <a:effectRef idx="0">
+        <a:scrgbClr r="0" g="0" b="0"/>
+      </a:effectRef>
+      <a:fontRef idx="minor">
+        <a:schemeClr val="lt1"/>
+      </a:fontRef>
+    </dgm:style>
+  </dgm:styleLbl>
+  <dgm:styleLbl name="sibTrans1D1">
+    <dgm:scene3d>
+      <a:camera prst="orthographicFront"/>
+      <a:lightRig rig="threePt" dir="t"/>
+    </dgm:scene3d>
+    <dgm:sp3d/>
+    <dgm:txPr/>
+    <dgm:style>
+      <a:lnRef idx="1">
+        <a:scrgbClr r="0" g="0" b="0"/>
+      </a:lnRef>
+      <a:fillRef idx="0">
+        <a:scrgbClr r="0" g="0" b="0"/>
+      </a:fillRef>
+      <a:effectRef idx="0">
+        <a:scrgbClr r="0" g="0" b="0"/>
+      </a:effectRef>
+      <a:fontRef idx="minor"/>
+    </dgm:style>
+  </dgm:styleLbl>
+  <dgm:styleLbl name="callout">
+    <dgm:scene3d>
+      <a:camera prst="orthographicFront"/>
+      <a:lightRig rig="threePt" dir="t"/>
+    </dgm:scene3d>
+    <dgm:sp3d/>
+    <dgm:txPr/>
+    <dgm:style>
+      <a:lnRef idx="2">
+        <a:scrgbClr r="0" g="0" b="0"/>
+      </a:lnRef>
+      <a:fillRef idx="1">
+        <a:scrgbClr r="0" g="0" b="0"/>
+      </a:fillRef>
+      <a:effectRef idx="0">
+        <a:scrgbClr r="0" g="0" b="0"/>
+      </a:effectRef>
+      <a:fontRef idx="minor"/>
+    </dgm:style>
+  </dgm:styleLbl>
+  <dgm:styleLbl name="asst0">
+    <dgm:scene3d>
+      <a:camera prst="orthographicFront"/>
+      <a:lightRig rig="threePt" dir="t"/>
+    </dgm:scene3d>
+    <dgm:sp3d/>
+    <dgm:txPr/>
+    <dgm:style>
+      <a:lnRef idx="2">
+        <a:scrgbClr r="0" g="0" b="0"/>
+      </a:lnRef>
+      <a:fillRef idx="1">
+        <a:scrgbClr r="0" g="0" b="0"/>
+      </a:fillRef>
+      <a:effectRef idx="0">
+        <a:scrgbClr r="0" g="0" b="0"/>
+      </a:effectRef>
+      <a:fontRef idx="minor">
+        <a:schemeClr val="lt1"/>
+      </a:fontRef>
+    </dgm:style>
+  </dgm:styleLbl>
+  <dgm:styleLbl name="asst1">
+    <dgm:scene3d>
+      <a:camera prst="orthographicFront"/>
+      <a:lightRig rig="threePt" dir="t"/>
+    </dgm:scene3d>
+    <dgm:sp3d/>
+    <dgm:txPr/>
+    <dgm:style>
+      <a:lnRef idx="2">
+        <a:scrgbClr r="0" g="0" b="0"/>
+      </a:lnRef>
+      <a:fillRef idx="1">
+        <a:scrgbClr r="0" g="0" b="0"/>
+      </a:fillRef>
+      <a:effectRef idx="0">
+        <a:scrgbClr r="0" g="0" b="0"/>
+      </a:effectRef>
+      <a:fontRef idx="minor">
+        <a:schemeClr val="lt1"/>
+      </a:fontRef>
+    </dgm:style>
+  </dgm:styleLbl>
+  <dgm:styleLbl name="asst2">
+    <dgm:scene3d>
+      <a:camera prst="orthographicFront"/>
+      <a:lightRig rig="threePt" dir="t"/>
+    </dgm:scene3d>
+    <dgm:sp3d/>
+    <dgm:txPr/>
+    <dgm:style>
+      <a:lnRef idx="2">
+        <a:scrgbClr r="0" g="0" b="0"/>
+      </a:lnRef>
+      <a:fillRef idx="1">
+        <a:scrgbClr r="0" g="0" b="0"/>
+      </a:fillRef>
+      <a:effectRef idx="0">
+        <a:scrgbClr r="0" g="0" b="0"/>
+      </a:effectRef>
+      <a:fontRef idx="minor">
+        <a:schemeClr val="lt1"/>
+      </a:fontRef>
+    </dgm:style>
+  </dgm:styleLbl>
+  <dgm:styleLbl name="asst3">
+    <dgm:scene3d>
+      <a:camera prst="orthographicFront"/>
+      <a:lightRig rig="threePt" dir="t"/>
+    </dgm:scene3d>
+    <dgm:sp3d/>
+    <dgm:txPr/>
+    <dgm:style>
+      <a:lnRef idx="2">
+        <a:scrgbClr r="0" g="0" b="0"/>
+      </a:lnRef>
+      <a:fillRef idx="1">
+        <a:scrgbClr r="0" g="0" b="0"/>
+      </a:fillRef>
+      <a:effectRef idx="0">
+        <a:scrgbClr r="0" g="0" b="0"/>
+      </a:effectRef>
+      <a:fontRef idx="minor">
+        <a:schemeClr val="lt1"/>
+      </a:fontRef>
+    </dgm:style>
+  </dgm:styleLbl>
+  <dgm:styleLbl name="asst4">
+    <dgm:scene3d>
+      <a:camera prst="orthographicFront"/>
+      <a:lightRig rig="threePt" dir="t"/>
+    </dgm:scene3d>
+    <dgm:sp3d/>
+    <dgm:txPr/>
+    <dgm:style>
+      <a:lnRef idx="2">
+        <a:scrgbClr r="0" g="0" b="0"/>
+      </a:lnRef>
+      <a:fillRef idx="1">
+        <a:scrgbClr r="0" g="0" b="0"/>
+      </a:fillRef>
+      <a:effectRef idx="0">
+        <a:scrgbClr r="0" g="0" b="0"/>
+      </a:effectRef>
+      <a:fontRef idx="minor">
+        <a:schemeClr val="lt1"/>
+      </a:fontRef>
+    </dgm:style>
+  </dgm:styleLbl>
+  <dgm:styleLbl name="parChTrans2D1">
+    <dgm:scene3d>
+      <a:camera prst="orthographicFront"/>
+      <a:lightRig rig="threePt" dir="t"/>
+    </dgm:scene3d>
+    <dgm:sp3d/>
+    <dgm:txPr/>
+    <dgm:style>
+      <a:lnRef idx="2">
+        <a:scrgbClr r="0" g="0" b="0"/>
+      </a:lnRef>
+      <a:fillRef idx="1">
+        <a:scrgbClr r="0" g="0" b="0"/>
+      </a:fillRef>
+      <a:effectRef idx="0">
+        <a:scrgbClr r="0" g="0" b="0"/>
+      </a:effectRef>
+      <a:fontRef idx="minor">
+        <a:schemeClr val="lt1"/>
+      </a:fontRef>
+    </dgm:style>
+  </dgm:styleLbl>
+  <dgm:styleLbl name="parChTrans2D2">
+    <dgm:scene3d>
+      <a:camera prst="orthographicFront"/>
+      <a:lightRig rig="threePt" dir="t"/>
+    </dgm:scene3d>
+    <dgm:sp3d/>
+    <dgm:txPr/>
+    <dgm:style>
+      <a:lnRef idx="2">
+        <a:scrgbClr r="0" g="0" b="0"/>
+      </a:lnRef>
+      <a:fillRef idx="1">
+        <a:scrgbClr r="0" g="0" b="0"/>
+      </a:fillRef>
+      <a:effectRef idx="0">
+        <a:scrgbClr r="0" g="0" b="0"/>
+      </a:effectRef>
+      <a:fontRef idx="minor">
+        <a:schemeClr val="lt1"/>
+      </a:fontRef>
+    </dgm:style>
+  </dgm:styleLbl>
+  <dgm:styleLbl name="parChTrans2D3">
+    <dgm:scene3d>
+      <a:camera prst="orthographicFront"/>
+      <a:lightRig rig="threePt" dir="t"/>
+    </dgm:scene3d>
+    <dgm:sp3d/>
+    <dgm:txPr/>
+    <dgm:style>
+      <a:lnRef idx="2">
+        <a:scrgbClr r="0" g="0" b="0"/>
+      </a:lnRef>
+      <a:fillRef idx="1">
+        <a:scrgbClr r="0" g="0" b="0"/>
+      </a:fillRef>
+      <a:effectRef idx="0">
+        <a:scrgbClr r="0" g="0" b="0"/>
+      </a:effectRef>
+      <a:fontRef idx="minor">
+        <a:schemeClr val="lt1"/>
+      </a:fontRef>
+    </dgm:style>
+  </dgm:styleLbl>
+  <dgm:styleLbl name="parChTrans2D4">
+    <dgm:scene3d>
+      <a:camera prst="orthographicFront"/>
+      <a:lightRig rig="threePt" dir="t"/>
+    </dgm:scene3d>
+    <dgm:sp3d/>
+    <dgm:txPr/>
+    <dgm:style>
+      <a:lnRef idx="2">
+        <a:scrgbClr r="0" g="0" b="0"/>
+      </a:lnRef>
+      <a:fillRef idx="1">
+        <a:scrgbClr r="0" g="0" b="0"/>
+      </a:fillRef>
+      <a:effectRef idx="0">
+        <a:scrgbClr r="0" g="0" b="0"/>
+      </a:effectRef>
+      <a:fontRef idx="minor">
+        <a:schemeClr val="lt1"/>
+      </a:fontRef>
+    </dgm:style>
+  </dgm:styleLbl>
+  <dgm:styleLbl name="parChTrans1D1">
+    <dgm:scene3d>
+      <a:camera prst="orthographicFront"/>
+      <a:lightRig rig="threePt" dir="t"/>
+    </dgm:scene3d>
+    <dgm:sp3d/>
+    <dgm:txPr/>
+    <dgm:style>
+      <a:lnRef idx="2">
+        <a:scrgbClr r="0" g="0" b="0"/>
+      </a:lnRef>
+      <a:fillRef idx="0">
+        <a:scrgbClr r="0" g="0" b="0"/>
+      </a:fillRef>
+      <a:effectRef idx="0">
+        <a:scrgbClr r="0" g="0" b="0"/>
+      </a:effectRef>
+      <a:fontRef idx="minor"/>
+    </dgm:style>
+  </dgm:styleLbl>
+  <dgm:styleLbl name="parChTrans1D2">
+    <dgm:scene3d>
+      <a:camera prst="orthographicFront"/>
+      <a:lightRig rig="threePt" dir="t"/>
+    </dgm:scene3d>
+    <dgm:sp3d/>
+    <dgm:txPr/>
+    <dgm:style>
+      <a:lnRef idx="2">
+        <a:scrgbClr r="0" g="0" b="0"/>
+      </a:lnRef>
+      <a:fillRef idx="0">
+        <a:scrgbClr r="0" g="0" b="0"/>
+      </a:fillRef>
+      <a:effectRef idx="0">
+        <a:scrgbClr r="0" g="0" b="0"/>
+      </a:effectRef>
+      <a:fontRef idx="minor"/>
+    </dgm:style>
+  </dgm:styleLbl>
+  <dgm:styleLbl name="parChTrans1D3">
+    <dgm:scene3d>
+      <a:camera prst="orthographicFront"/>
+      <a:lightRig rig="threePt" dir="t"/>
+    </dgm:scene3d>
+    <dgm:sp3d/>
+    <dgm:txPr/>
+    <dgm:style>
+      <a:lnRef idx="2">
+        <a:scrgbClr r="0" g="0" b="0"/>
+      </a:lnRef>
+      <a:fillRef idx="0">
+        <a:scrgbClr r="0" g="0" b="0"/>
+      </a:fillRef>
+      <a:effectRef idx="0">
+        <a:scrgbClr r="0" g="0" b="0"/>
+      </a:effectRef>
+      <a:fontRef idx="minor"/>
+    </dgm:style>
+  </dgm:styleLbl>
+  <dgm:styleLbl name="parChTrans1D4">
+    <dgm:scene3d>
+      <a:camera prst="orthographicFront"/>
+      <a:lightRig rig="threePt" dir="t"/>
+    </dgm:scene3d>
+    <dgm:sp3d/>
+    <dgm:txPr/>
+    <dgm:style>
+      <a:lnRef idx="2">
+        <a:scrgbClr r="0" g="0" b="0"/>
+      </a:lnRef>
+      <a:fillRef idx="0">
+        <a:scrgbClr r="0" g="0" b="0"/>
+      </a:fillRef>
+      <a:effectRef idx="0">
+        <a:scrgbClr r="0" g="0" b="0"/>
+      </a:effectRef>
+      <a:fontRef idx="minor"/>
+    </dgm:style>
+  </dgm:styleLbl>
+  <dgm:styleLbl name="fgAcc1">
+    <dgm:scene3d>
+      <a:camera prst="orthographicFront"/>
+      <a:lightRig rig="threePt" dir="t"/>
+    </dgm:scene3d>
+    <dgm:sp3d/>
+    <dgm:txPr/>
+    <dgm:style>
+      <a:lnRef idx="2">
+        <a:scrgbClr r="0" g="0" b="0"/>
+      </a:lnRef>
+      <a:fillRef idx="1">
+        <a:scrgbClr r="0" g="0" b="0"/>
+      </a:fillRef>
+      <a:effectRef idx="0">
+        <a:scrgbClr r="0" g="0" b="0"/>
+      </a:effectRef>
+      <a:fontRef idx="minor"/>
+    </dgm:style>
+  </dgm:styleLbl>
+  <dgm:styleLbl name="conFgAcc1">
+    <dgm:scene3d>
+      <a:camera prst="orthographicFront"/>
+      <a:lightRig rig="threePt" dir="t"/>
+    </dgm:scene3d>
+    <dgm:sp3d/>
+    <dgm:txPr/>
+    <dgm:style>
+      <a:lnRef idx="2">
+        <a:scrgbClr r="0" g="0" b="0"/>
+      </a:lnRef>
+      <a:fillRef idx="1">
+        <a:scrgbClr r="0" g="0" b="0"/>
+      </a:fillRef>
+      <a:effectRef idx="0">
+        <a:scrgbClr r="0" g="0" b="0"/>
+      </a:effectRef>
+      <a:fontRef idx="minor"/>
+    </dgm:style>
+  </dgm:styleLbl>
+  <dgm:styleLbl name="alignAcc1">
+    <dgm:scene3d>
+      <a:camera prst="orthographicFront"/>
+      <a:lightRig rig="threePt" dir="t"/>
+    </dgm:scene3d>
+    <dgm:sp3d/>
+    <dgm:txPr/>
+    <dgm:style>
+      <a:lnRef idx="2">
+        <a:scrgbClr r="0" g="0" b="0"/>
+      </a:lnRef>
+      <a:fillRef idx="1">
+        <a:scrgbClr r="0" g="0" b="0"/>
+      </a:fillRef>
+      <a:effectRef idx="0">
+        <a:scrgbClr r="0" g="0" b="0"/>
+      </a:effectRef>
+      <a:fontRef idx="minor"/>
+    </dgm:style>
+  </dgm:styleLbl>
+  <dgm:styleLbl name="trAlignAcc1">
+    <dgm:scene3d>
+      <a:camera prst="orthographicFront"/>
+      <a:lightRig rig="threePt" dir="t"/>
+    </dgm:scene3d>
+    <dgm:sp3d/>
+    <dgm:txPr/>
+    <dgm:style>
+      <a:lnRef idx="1">
+        <a:scrgbClr r="0" g="0" b="0"/>
+      </a:lnRef>
+      <a:fillRef idx="1">
+        <a:scrgbClr r="0" g="0" b="0"/>
+      </a:fillRef>
+      <a:effectRef idx="0">
+        <a:scrgbClr r="0" g="0" b="0"/>
+      </a:effectRef>
+      <a:fontRef idx="minor"/>
+    </dgm:style>
+  </dgm:styleLbl>
+  <dgm:styleLbl name="bgAcc1">
+    <dgm:scene3d>
+      <a:camera prst="orthographicFront"/>
+      <a:lightRig rig="threePt" dir="t"/>
+    </dgm:scene3d>
+    <dgm:sp3d/>
+    <dgm:txPr/>
+    <dgm:style>
+      <a:lnRef idx="2">
+        <a:scrgbClr r="0" g="0" b="0"/>
+      </a:lnRef>
+      <a:fillRef idx="1">
+        <a:scrgbClr r="0" g="0" b="0"/>
+      </a:fillRef>
+      <a:effectRef idx="0">
+        <a:scrgbClr r="0" g="0" b="0"/>
+      </a:effectRef>
+      <a:fontRef idx="minor"/>
+    </dgm:style>
+  </dgm:styleLbl>
+  <dgm:styleLbl name="solidFgAcc1">
+    <dgm:scene3d>
+      <a:camera prst="orthographicFront"/>
+      <a:lightRig rig="threePt" dir="t"/>
+    </dgm:scene3d>
+    <dgm:sp3d/>
+    <dgm:txPr/>
+    <dgm:style>
+      <a:lnRef idx="2">
+        <a:scrgbClr r="0" g="0" b="0"/>
+      </a:lnRef>
+      <a:fillRef idx="1">
+        <a:scrgbClr r="0" g="0" b="0"/>
+      </a:fillRef>
+      <a:effectRef idx="0">
+        <a:scrgbClr r="0" g="0" b="0"/>
+      </a:effectRef>
+      <a:fontRef idx="minor"/>
+    </dgm:style>
+  </dgm:styleLbl>
+  <dgm:styleLbl name="solidAlignAcc1">
+    <dgm:scene3d>
+      <a:camera prst="orthographicFront"/>
+      <a:lightRig rig="threePt" dir="t"/>
+    </dgm:scene3d>
+    <dgm:sp3d/>
+    <dgm:txPr/>
+    <dgm:style>
+      <a:lnRef idx="2">
+        <a:scrgbClr r="0" g="0" b="0"/>
+      </a:lnRef>
+      <a:fillRef idx="1">
+        <a:scrgbClr r="0" g="0" b="0"/>
+      </a:fillRef>
+      <a:effectRef idx="0">
+        <a:scrgbClr r="0" g="0" b="0"/>
+      </a:effectRef>
+      <a:fontRef idx="minor"/>
+    </dgm:style>
+  </dgm:styleLbl>
+  <dgm:styleLbl name="solidBgAcc1">
+    <dgm:scene3d>
+      <a:camera prst="orthographicFront"/>
+      <a:lightRig rig="threePt" dir="t"/>
+    </dgm:scene3d>
+    <dgm:sp3d/>
+    <dgm:txPr/>
+    <dgm:style>
+      <a:lnRef idx="2">
+        <a:scrgbClr r="0" g="0" b="0"/>
+      </a:lnRef>
+      <a:fillRef idx="1">
+        <a:scrgbClr r="0" g="0" b="0"/>
+      </a:fillRef>
+      <a:effectRef idx="0">
+        <a:scrgbClr r="0" g="0" b="0"/>
+      </a:effectRef>
+      <a:fontRef idx="minor"/>
+    </dgm:style>
+  </dgm:styleLbl>
+  <dgm:styleLbl name="fgAccFollowNode1">
+    <dgm:scene3d>
+      <a:camera prst="orthographicFront"/>
+      <a:lightRig rig="threePt" dir="t"/>
+    </dgm:scene3d>
+    <dgm:sp3d/>
+    <dgm:txPr/>
+    <dgm:style>
+      <a:lnRef idx="2">
+        <a:scrgbClr r="0" g="0" b="0"/>
+      </a:lnRef>
+      <a:fillRef idx="1">
+        <a:scrgbClr r="0" g="0" b="0"/>
+      </a:fillRef>
+      <a:effectRef idx="0">
+        <a:scrgbClr r="0" g="0" b="0"/>
+      </a:effectRef>
+      <a:fontRef idx="minor"/>
+    </dgm:style>
+  </dgm:styleLbl>
+  <dgm:styleLbl name="alignAccFollowNode1">
+    <dgm:scene3d>
+      <a:camera prst="orthographicFront"/>
+      <a:lightRig rig="threePt" dir="t"/>
+    </dgm:scene3d>
+    <dgm:sp3d/>
+    <dgm:txPr/>
+    <dgm:style>
+      <a:lnRef idx="2">
+        <a:scrgbClr r="0" g="0" b="0"/>
+      </a:lnRef>
+      <a:fillRef idx="1">
+        <a:scrgbClr r="0" g="0" b="0"/>
+      </a:fillRef>
+      <a:effectRef idx="0">
+        <a:scrgbClr r="0" g="0" b="0"/>
+      </a:effectRef>
+      <a:fontRef idx="minor"/>
+    </dgm:style>
+  </dgm:styleLbl>
+  <dgm:styleLbl name="bgAccFollowNode1">
+    <dgm:scene3d>
+      <a:camera prst="orthographicFront"/>
+      <a:lightRig rig="threePt" dir="t"/>
+    </dgm:scene3d>
+    <dgm:sp3d/>
+    <dgm:txPr/>
+    <dgm:style>
+      <a:lnRef idx="2">
+        <a:scrgbClr r="0" g="0" b="0"/>
+      </a:lnRef>
+      <a:fillRef idx="1">
+        <a:scrgbClr r="0" g="0" b="0"/>
+      </a:fillRef>
+      <a:effectRef idx="0">
+        <a:scrgbClr r="0" g="0" b="0"/>
+      </a:effectRef>
+      <a:fontRef idx="minor"/>
+    </dgm:style>
+  </dgm:styleLbl>
+  <dgm:styleLbl name="fgAcc0">
+    <dgm:scene3d>
+      <a:camera prst="orthographicFront"/>
+      <a:lightRig rig="threePt" dir="t"/>
+    </dgm:scene3d>
+    <dgm:sp3d/>
+    <dgm:txPr/>
+    <dgm:style>
+      <a:lnRef idx="2">
+        <a:scrgbClr r="0" g="0" b="0"/>
+      </a:lnRef>
+      <a:fillRef idx="1">
+        <a:scrgbClr r="0" g="0" b="0"/>
+      </a:fillRef>
+      <a:effectRef idx="0">
+        <a:scrgbClr r="0" g="0" b="0"/>
+      </a:effectRef>
+      <a:fontRef idx="minor"/>
+    </dgm:style>
+  </dgm:styleLbl>
+  <dgm:styleLbl name="fgAcc2">
+    <dgm:scene3d>
+      <a:camera prst="orthographicFront"/>
+      <a:lightRig rig="threePt" dir="t"/>
+    </dgm:scene3d>
+    <dgm:sp3d/>
+    <dgm:txPr/>
+    <dgm:style>
+      <a:lnRef idx="2">
+        <a:scrgbClr r="0" g="0" b="0"/>
+      </a:lnRef>
+      <a:fillRef idx="1">
+        <a:scrgbClr r="0" g="0" b="0"/>
+      </a:fillRef>
+      <a:effectRef idx="0">
+        <a:scrgbClr r="0" g="0" b="0"/>
+      </a:effectRef>
+      <a:fontRef idx="minor"/>
+    </dgm:style>
+  </dgm:styleLbl>
+  <dgm:styleLbl name="fgAcc3">
+    <dgm:scene3d>
+      <a:camera prst="orthographicFront"/>
+      <a:lightRig rig="threePt" dir="t"/>
+    </dgm:scene3d>
+    <dgm:sp3d/>
+    <dgm:txPr/>
+    <dgm:style>
+      <a:lnRef idx="2">
+        <a:scrgbClr r="0" g="0" b="0"/>
+      </a:lnRef>
+      <a:fillRef idx="1">
+        <a:scrgbClr r="0" g="0" b="0"/>
+      </a:fillRef>
+      <a:effectRef idx="0">
+        <a:scrgbClr r="0" g="0" b="0"/>
+      </a:effectRef>
+      <a:fontRef idx="minor"/>
+    </dgm:style>
+  </dgm:styleLbl>
+  <dgm:styleLbl name="fgAcc4">
+    <dgm:scene3d>
+      <a:camera prst="orthographicFront"/>
+      <a:lightRig rig="threePt" dir="t"/>
+    </dgm:scene3d>
+    <dgm:sp3d/>
+    <dgm:txPr/>
+    <dgm:style>
+      <a:lnRef idx="2">
+        <a:scrgbClr r="0" g="0" b="0"/>
+      </a:lnRef>
+      <a:fillRef idx="1">
+        <a:scrgbClr r="0" g="0" b="0"/>
+      </a:fillRef>
+      <a:effectRef idx="0">
+        <a:scrgbClr r="0" g="0" b="0"/>
+      </a:effectRef>
+      <a:fontRef idx="minor"/>
+    </dgm:style>
+  </dgm:styleLbl>
+  <dgm:styleLbl name="bgShp">
+    <dgm:scene3d>
+      <a:camera prst="orthographicFront"/>
+      <a:lightRig rig="threePt" dir="t"/>
+    </dgm:scene3d>
+    <dgm:sp3d/>
+    <dgm:txPr/>
+    <dgm:style>
+      <a:lnRef idx="0">
+        <a:scrgbClr r="0" g="0" b="0"/>
+      </a:lnRef>
+      <a:fillRef idx="1">
+        <a:scrgbClr r="0" g="0" b="0"/>
+      </a:fillRef>
+      <a:effectRef idx="0">
+        <a:scrgbClr r="0" g="0" b="0"/>
+      </a:effectRef>
+      <a:fontRef idx="minor"/>
+    </dgm:style>
+  </dgm:styleLbl>
+  <dgm:styleLbl name="dkBgShp">
+    <dgm:scene3d>
+      <a:camera prst="orthographicFront"/>
+      <a:lightRig rig="threePt" dir="t"/>
+    </dgm:scene3d>
+    <dgm:sp3d/>
+    <dgm:txPr/>
+    <dgm:style>
+      <a:lnRef idx="0">
+        <a:scrgbClr r="0" g="0" b="0"/>
+      </a:lnRef>
+      <a:fillRef idx="1">
+        <a:scrgbClr r="0" g="0" b="0"/>
+      </a:fillRef>
+      <a:effectRef idx="0">
+        <a:scrgbClr r="0" g="0" b="0"/>
+      </a:effectRef>
+      <a:fontRef idx="minor"/>
+    </dgm:style>
+  </dgm:styleLbl>
+  <dgm:styleLbl name="trBgShp">
+    <dgm:scene3d>
+      <a:camera prst="orthographicFront"/>
+      <a:lightRig rig="threePt" dir="t"/>
+    </dgm:scene3d>
+    <dgm:sp3d/>
+    <dgm:txPr/>
+    <dgm:style>
+      <a:lnRef idx="0">
+        <a:scrgbClr r="0" g="0" b="0"/>
+      </a:lnRef>
+      <a:fillRef idx="1">
+        <a:scrgbClr r="0" g="0" b="0"/>
+      </a:fillRef>
+      <a:effectRef idx="0">
+        <a:scrgbClr r="0" g="0" b="0"/>
+      </a:effectRef>
+      <a:fontRef idx="minor"/>
+    </dgm:style>
+  </dgm:styleLbl>
+  <dgm:styleLbl name="fgShp">
+    <dgm:scene3d>
+      <a:camera prst="orthographicFront"/>
+      <a:lightRig rig="threePt" dir="t"/>
+    </dgm:scene3d>
+    <dgm:sp3d/>
+    <dgm:txPr/>
+    <dgm:style>
+      <a:lnRef idx="2">
+        <a:scrgbClr r="0" g="0" b="0"/>
+      </a:lnRef>
+      <a:fillRef idx="1">
+        <a:scrgbClr r="0" g="0" b="0"/>
+      </a:fillRef>
+      <a:effectRef idx="0">
+        <a:scrgbClr r="0" g="0" b="0"/>
+      </a:effectRef>
+      <a:fontRef idx="minor"/>
+    </dgm:style>
+  </dgm:styleLbl>
+  <dgm:styleLbl name="revTx">
+    <dgm:scene3d>
+      <a:camera prst="orthographicFront"/>
+      <a:lightRig rig="threePt" dir="t"/>
+    </dgm:scene3d>
+    <dgm:sp3d/>
+    <dgm:txPr/>
+    <dgm:style>
+      <a:lnRef idx="0">
+        <a:scrgbClr r="0" g="0" b="0"/>
+      </a:lnRef>
+      <a:fillRef idx="0">
+        <a:scrgbClr r="0" g="0" b="0"/>
+      </a:fillRef>
+      <a:effectRef idx="0">
+        <a:scrgbClr r="0" g="0" b="0"/>
+      </a:effectRef>
+      <a:fontRef idx="minor"/>
+    </dgm:style>
+  </dgm:styleLbl>
+</dgm:styleDef>
+</file>
+
+<file path=ppt/diagrams/quickStyle3.xml><?xml version="1.0" encoding="utf-8"?>
 <dgm:styleDef xmlns:dgm="http://schemas.openxmlformats.org/drawingml/2006/diagram" xmlns:a="http://schemas.openxmlformats.org/drawingml/2006/main" uniqueId="urn:microsoft.com/office/officeart/2005/8/quickstyle/simple1">
   <dgm:title val=""/>
   <dgm:desc val=""/>
@@ -4172,7 +9683,7 @@
           <a:p>
             <a:fld id="{96C0E108-500F-4D8B-B2AA-9A0592FD1777}" type="datetimeFigureOut">
               <a:rPr lang="zh-CN" altLang="en-US" smtClean="0"/>
-              <a:t>2022/6/14</a:t>
+              <a:t>2022/6/15</a:t>
             </a:fld>
             <a:endParaRPr lang="zh-CN" altLang="en-US"/>
           </a:p>
@@ -4673,7 +10184,7 @@
           <a:p>
             <a:fld id="{AB5A4311-4766-49D6-999F-2921BF181D74}" type="slidenum">
               <a:rPr lang="zh-CN" altLang="en-US" smtClean="0"/>
-              <a:t>14</a:t>
+              <a:t>15</a:t>
             </a:fld>
             <a:endParaRPr lang="zh-CN" altLang="en-US"/>
           </a:p>
@@ -4823,7 +10334,7 @@
           <a:p>
             <a:fld id="{AFB21ECB-9A5A-440D-B541-31DBC5A5CD6B}" type="datetimeFigureOut">
               <a:rPr lang="zh-CN" altLang="en-US" smtClean="0"/>
-              <a:t>2022/6/14</a:t>
+              <a:t>2022/6/15</a:t>
             </a:fld>
             <a:endParaRPr lang="zh-CN" altLang="en-US"/>
           </a:p>
@@ -4993,7 +10504,7 @@
           <a:p>
             <a:fld id="{AFB21ECB-9A5A-440D-B541-31DBC5A5CD6B}" type="datetimeFigureOut">
               <a:rPr lang="zh-CN" altLang="en-US" smtClean="0"/>
-              <a:t>2022/6/14</a:t>
+              <a:t>2022/6/15</a:t>
             </a:fld>
             <a:endParaRPr lang="zh-CN" altLang="en-US"/>
           </a:p>
@@ -5173,7 +10684,7 @@
           <a:p>
             <a:fld id="{AFB21ECB-9A5A-440D-B541-31DBC5A5CD6B}" type="datetimeFigureOut">
               <a:rPr lang="zh-CN" altLang="en-US" smtClean="0"/>
-              <a:t>2022/6/14</a:t>
+              <a:t>2022/6/15</a:t>
             </a:fld>
             <a:endParaRPr lang="zh-CN" altLang="en-US"/>
           </a:p>
@@ -5556,7 +11067,7 @@
           <a:p>
             <a:fld id="{AFB21ECB-9A5A-440D-B541-31DBC5A5CD6B}" type="datetimeFigureOut">
               <a:rPr lang="zh-CN" altLang="en-US" smtClean="0"/>
-              <a:t>2022/6/14</a:t>
+              <a:t>2022/6/15</a:t>
             </a:fld>
             <a:endParaRPr lang="zh-CN" altLang="en-US"/>
           </a:p>
@@ -5802,7 +11313,7 @@
           <a:p>
             <a:fld id="{AFB21ECB-9A5A-440D-B541-31DBC5A5CD6B}" type="datetimeFigureOut">
               <a:rPr lang="zh-CN" altLang="en-US" smtClean="0"/>
-              <a:t>2022/6/14</a:t>
+              <a:t>2022/6/15</a:t>
             </a:fld>
             <a:endParaRPr lang="zh-CN" altLang="en-US"/>
           </a:p>
@@ -6034,7 +11545,7 @@
           <a:p>
             <a:fld id="{AFB21ECB-9A5A-440D-B541-31DBC5A5CD6B}" type="datetimeFigureOut">
               <a:rPr lang="zh-CN" altLang="en-US" smtClean="0"/>
-              <a:t>2022/6/14</a:t>
+              <a:t>2022/6/15</a:t>
             </a:fld>
             <a:endParaRPr lang="zh-CN" altLang="en-US"/>
           </a:p>
@@ -6401,7 +11912,7 @@
           <a:p>
             <a:fld id="{AFB21ECB-9A5A-440D-B541-31DBC5A5CD6B}" type="datetimeFigureOut">
               <a:rPr lang="zh-CN" altLang="en-US" smtClean="0"/>
-              <a:t>2022/6/14</a:t>
+              <a:t>2022/6/15</a:t>
             </a:fld>
             <a:endParaRPr lang="zh-CN" altLang="en-US"/>
           </a:p>
@@ -6519,7 +12030,7 @@
           <a:p>
             <a:fld id="{AFB21ECB-9A5A-440D-B541-31DBC5A5CD6B}" type="datetimeFigureOut">
               <a:rPr lang="zh-CN" altLang="en-US" smtClean="0"/>
-              <a:t>2022/6/14</a:t>
+              <a:t>2022/6/15</a:t>
             </a:fld>
             <a:endParaRPr lang="zh-CN" altLang="en-US"/>
           </a:p>
@@ -6614,7 +12125,7 @@
           <a:p>
             <a:fld id="{AFB21ECB-9A5A-440D-B541-31DBC5A5CD6B}" type="datetimeFigureOut">
               <a:rPr lang="zh-CN" altLang="en-US" smtClean="0"/>
-              <a:t>2022/6/14</a:t>
+              <a:t>2022/6/15</a:t>
             </a:fld>
             <a:endParaRPr lang="zh-CN" altLang="en-US"/>
           </a:p>
@@ -6891,7 +12402,7 @@
           <a:p>
             <a:fld id="{AFB21ECB-9A5A-440D-B541-31DBC5A5CD6B}" type="datetimeFigureOut">
               <a:rPr lang="zh-CN" altLang="en-US" smtClean="0"/>
-              <a:t>2022/6/14</a:t>
+              <a:t>2022/6/15</a:t>
             </a:fld>
             <a:endParaRPr lang="zh-CN" altLang="en-US"/>
           </a:p>
@@ -7148,7 +12659,7 @@
           <a:p>
             <a:fld id="{AFB21ECB-9A5A-440D-B541-31DBC5A5CD6B}" type="datetimeFigureOut">
               <a:rPr lang="zh-CN" altLang="en-US" smtClean="0"/>
-              <a:t>2022/6/14</a:t>
+              <a:t>2022/6/15</a:t>
             </a:fld>
             <a:endParaRPr lang="zh-CN" altLang="en-US"/>
           </a:p>
@@ -7361,7 +12872,7 @@
           <a:p>
             <a:fld id="{AFB21ECB-9A5A-440D-B541-31DBC5A5CD6B}" type="datetimeFigureOut">
               <a:rPr lang="zh-CN" altLang="en-US" smtClean="0"/>
-              <a:t>2022/6/14</a:t>
+              <a:t>2022/6/15</a:t>
             </a:fld>
             <a:endParaRPr lang="zh-CN" altLang="en-US"/>
           </a:p>
@@ -7848,13 +13359,6 @@
               </a:rPr>
               <a:t>Web Components</a:t>
             </a:r>
-            <a:endParaRPr kumimoji="1" lang="en-US" altLang="zh-CN" sz="4800" dirty="0" smtClean="0">
-              <a:solidFill>
-                <a:schemeClr val="bg1"/>
-              </a:solidFill>
-              <a:latin typeface="Microsoft YaHei" panose="020B0503020204020204" pitchFamily="34" charset="-122"/>
-              <a:ea typeface="Microsoft YaHei" panose="020B0503020204020204" pitchFamily="34" charset="-122"/>
-            </a:endParaRPr>
           </a:p>
           <a:p>
             <a:r>
@@ -7897,13 +13401,6 @@
               </a:rPr>
               <a:t>赵威亚</a:t>
             </a:r>
-            <a:endParaRPr kumimoji="1" lang="zh-CN" altLang="en-US" sz="2800" dirty="0">
-              <a:solidFill>
-                <a:schemeClr val="bg1"/>
-              </a:solidFill>
-              <a:latin typeface="Microsoft YaHei" panose="020B0503020204020204" pitchFamily="34" charset="-122"/>
-              <a:ea typeface="Microsoft YaHei" panose="020B0503020204020204" pitchFamily="34" charset="-122"/>
-            </a:endParaRPr>
           </a:p>
         </p:txBody>
       </p:sp>
@@ -8430,36 +13927,81 @@
           </a:p>
         </p:txBody>
       </p:sp>
-      <p:sp>
-        <p:nvSpPr>
-          <p:cNvPr id="4" name="矩形 3"/>
-          <p:cNvSpPr/>
+      <p:pic>
+        <p:nvPicPr>
+          <p:cNvPr id="3" name="图片 2"/>
+          <p:cNvPicPr>
+            <a:picLocks noChangeAspect="1"/>
+          </p:cNvPicPr>
           <p:nvPr/>
-        </p:nvSpPr>
+        </p:nvPicPr>
+        <p:blipFill>
+          <a:blip r:embed="rId2"/>
+          <a:stretch>
+            <a:fillRect/>
+          </a:stretch>
+        </p:blipFill>
         <p:spPr>
           <a:xfrm>
-            <a:off x="557259" y="1965331"/>
-            <a:ext cx="2005677" cy="369332"/>
+            <a:off x="4305940" y="1681408"/>
+            <a:ext cx="7534577" cy="4569764"/>
           </a:xfrm>
           <a:prstGeom prst="rect">
             <a:avLst/>
           </a:prstGeom>
         </p:spPr>
+      </p:pic>
+      <p:graphicFrame>
+        <p:nvGraphicFramePr>
+          <p:cNvPr id="5" name="图示 4"/>
+          <p:cNvGraphicFramePr/>
+          <p:nvPr>
+            <p:extLst>
+              <p:ext uri="{D42A27DB-BD31-4B8C-83A1-F6EECF244321}">
+                <p14:modId xmlns:p14="http://schemas.microsoft.com/office/powerpoint/2010/main" val="158843926"/>
+              </p:ext>
+            </p:extLst>
+          </p:nvPr>
+        </p:nvGraphicFramePr>
+        <p:xfrm>
+          <a:off x="341222" y="1179670"/>
+          <a:ext cx="3634350" cy="3532031"/>
+        </p:xfrm>
+        <a:graphic>
+          <a:graphicData uri="http://schemas.openxmlformats.org/drawingml/2006/diagram">
+            <dgm:relIds xmlns:dgm="http://schemas.openxmlformats.org/drawingml/2006/diagram" xmlns:r="http://schemas.openxmlformats.org/officeDocument/2006/relationships" r:dm="rId3" r:lo="rId4" r:qs="rId5" r:cs="rId6"/>
+          </a:graphicData>
+        </a:graphic>
+      </p:graphicFrame>
+      <p:sp>
+        <p:nvSpPr>
+          <p:cNvPr id="7" name="文本框 6"/>
+          <p:cNvSpPr txBox="1"/>
+          <p:nvPr/>
+        </p:nvSpPr>
+        <p:spPr>
+          <a:xfrm>
+            <a:off x="775503" y="5121930"/>
+            <a:ext cx="2631939" cy="369332"/>
+          </a:xfrm>
+          <a:prstGeom prst="rect">
+            <a:avLst/>
+          </a:prstGeom>
+          <a:noFill/>
+        </p:spPr>
         <p:txBody>
-          <a:bodyPr wrap="none">
+          <a:bodyPr wrap="none" rtlCol="0">
             <a:spAutoFit/>
           </a:bodyPr>
           <a:lstStyle/>
           <a:p>
             <a:r>
-              <a:rPr lang="en-US" altLang="zh-CN" dirty="0" smtClean="0">
-                <a:solidFill>
-                  <a:srgbClr val="404040"/>
-                </a:solidFill>
-                <a:latin typeface="Arial" panose="020B0604020202020204" pitchFamily="34" charset="0"/>
-                <a:ea typeface="-apple-system"/>
-              </a:rPr>
-              <a:t>Custom Elements</a:t>
+              <a:rPr lang="en-US" altLang="zh-CN" dirty="0" err="1" smtClean="0"/>
+              <a:t>customElements</a:t>
+            </a:r>
+            <a:r>
+              <a:rPr lang="en-US" altLang="zh-CN" dirty="0" smtClean="0"/>
+              <a:t>: demo01</a:t>
             </a:r>
           </a:p>
         </p:txBody>
@@ -8485,6 +14027,206 @@
 </file>
 
 <file path=ppt/slides/slide14.xml><?xml version="1.0" encoding="utf-8"?>
+<p:sld xmlns:a="http://schemas.openxmlformats.org/drawingml/2006/main" xmlns:r="http://schemas.openxmlformats.org/officeDocument/2006/relationships" xmlns:p="http://schemas.openxmlformats.org/presentationml/2006/main">
+  <p:cSld>
+    <p:spTree>
+      <p:nvGrpSpPr>
+        <p:cNvPr id="1" name=""/>
+        <p:cNvGrpSpPr/>
+        <p:nvPr/>
+      </p:nvGrpSpPr>
+      <p:grpSpPr>
+        <a:xfrm>
+          <a:off x="0" y="0"/>
+          <a:ext cx="0" cy="0"/>
+          <a:chOff x="0" y="0"/>
+          <a:chExt cx="0" cy="0"/>
+        </a:xfrm>
+      </p:grpSpPr>
+      <p:sp>
+        <p:nvSpPr>
+          <p:cNvPr id="2" name="页脚占位符 1"/>
+          <p:cNvSpPr>
+            <a:spLocks noGrp="1"/>
+          </p:cNvSpPr>
+          <p:nvPr>
+            <p:ph type="ftr" sz="quarter" idx="3"/>
+          </p:nvPr>
+        </p:nvSpPr>
+        <p:spPr/>
+        <p:txBody>
+          <a:bodyPr/>
+          <a:lstStyle/>
+          <a:p>
+            <a:fld id="{96727D3B-1B81-5549-9B2F-B47ED2EA5FA0}" type="slidenum">
+              <a:rPr kumimoji="1" lang="en-US" altLang="zh-CN" smtClean="0"/>
+              <a:t>14</a:t>
+            </a:fld>
+            <a:endParaRPr kumimoji="1" lang="zh-CN" altLang="en-US" dirty="0"/>
+          </a:p>
+        </p:txBody>
+      </p:sp>
+      <p:sp>
+        <p:nvSpPr>
+          <p:cNvPr id="6" name="文本框 5"/>
+          <p:cNvSpPr txBox="1"/>
+          <p:nvPr/>
+        </p:nvSpPr>
+        <p:spPr>
+          <a:xfrm>
+            <a:off x="92365" y="184666"/>
+            <a:ext cx="11748152" cy="584775"/>
+          </a:xfrm>
+          <a:prstGeom prst="rect">
+            <a:avLst/>
+          </a:prstGeom>
+          <a:noFill/>
+        </p:spPr>
+        <p:txBody>
+          <a:bodyPr wrap="none" rtlCol="0" anchor="t">
+            <a:spAutoFit/>
+          </a:bodyPr>
+          <a:lstStyle/>
+          <a:p>
+            <a:r>
+              <a:rPr lang="en-US" altLang="zh-CN" sz="3200" b="1" dirty="0" smtClean="0">
+                <a:solidFill>
+                  <a:srgbClr val="3D68BF"/>
+                </a:solidFill>
+                <a:latin typeface="Microsoft YaHei" panose="020B0503020204020204" pitchFamily="34" charset="-122"/>
+                <a:ea typeface="Microsoft YaHei" panose="020B0503020204020204" pitchFamily="34" charset="-122"/>
+                <a:cs typeface="Arial" panose="020B0604020202090204" pitchFamily="34" charset="0"/>
+                <a:sym typeface="+mn-ea"/>
+              </a:rPr>
+              <a:t>3. </a:t>
+            </a:r>
+            <a:r>
+              <a:rPr lang="en-US" altLang="zh-CN" sz="3200" b="1" dirty="0">
+                <a:solidFill>
+                  <a:srgbClr val="3D68BF"/>
+                </a:solidFill>
+                <a:latin typeface="Microsoft YaHei" panose="020B0503020204020204" pitchFamily="34" charset="-122"/>
+                <a:ea typeface="Microsoft YaHei" panose="020B0503020204020204" pitchFamily="34" charset="-122"/>
+                <a:cs typeface="Arial" panose="020B0604020202090204" pitchFamily="34" charset="0"/>
+              </a:rPr>
+              <a:t>Custom </a:t>
+            </a:r>
+            <a:r>
+              <a:rPr lang="en-US" altLang="zh-CN" sz="3200" b="1" dirty="0" smtClean="0">
+                <a:solidFill>
+                  <a:srgbClr val="3D68BF"/>
+                </a:solidFill>
+                <a:latin typeface="Microsoft YaHei" panose="020B0503020204020204" pitchFamily="34" charset="-122"/>
+                <a:ea typeface="Microsoft YaHei" panose="020B0503020204020204" pitchFamily="34" charset="-122"/>
+                <a:cs typeface="Arial" panose="020B0604020202090204" pitchFamily="34" charset="0"/>
+              </a:rPr>
+              <a:t>Elements &amp; Shadow DOM &amp; HTML templates</a:t>
+            </a:r>
+            <a:endParaRPr lang="en-US" altLang="zh-CN" sz="3200" b="1" dirty="0">
+              <a:solidFill>
+                <a:srgbClr val="3D68BF"/>
+              </a:solidFill>
+              <a:latin typeface="Microsoft YaHei" panose="020B0503020204020204" pitchFamily="34" charset="-122"/>
+              <a:ea typeface="Microsoft YaHei" panose="020B0503020204020204" pitchFamily="34" charset="-122"/>
+              <a:cs typeface="Arial" panose="020B0604020202090204" pitchFamily="34" charset="0"/>
+            </a:endParaRPr>
+          </a:p>
+        </p:txBody>
+      </p:sp>
+      <p:pic>
+        <p:nvPicPr>
+          <p:cNvPr id="3" name="图片 2"/>
+          <p:cNvPicPr>
+            <a:picLocks noChangeAspect="1"/>
+          </p:cNvPicPr>
+          <p:nvPr/>
+        </p:nvPicPr>
+        <p:blipFill>
+          <a:blip r:embed="rId2"/>
+          <a:stretch>
+            <a:fillRect/>
+          </a:stretch>
+        </p:blipFill>
+        <p:spPr>
+          <a:xfrm>
+            <a:off x="4305940" y="1681408"/>
+            <a:ext cx="7534577" cy="4569764"/>
+          </a:xfrm>
+          <a:prstGeom prst="rect">
+            <a:avLst/>
+          </a:prstGeom>
+        </p:spPr>
+      </p:pic>
+      <p:graphicFrame>
+        <p:nvGraphicFramePr>
+          <p:cNvPr id="5" name="图示 4"/>
+          <p:cNvGraphicFramePr/>
+          <p:nvPr/>
+        </p:nvGraphicFramePr>
+        <p:xfrm>
+          <a:off x="341222" y="1179670"/>
+          <a:ext cx="3634350" cy="3532031"/>
+        </p:xfrm>
+        <a:graphic>
+          <a:graphicData uri="http://schemas.openxmlformats.org/drawingml/2006/diagram">
+            <dgm:relIds xmlns:dgm="http://schemas.openxmlformats.org/drawingml/2006/diagram" xmlns:r="http://schemas.openxmlformats.org/officeDocument/2006/relationships" r:dm="rId3" r:lo="rId4" r:qs="rId5" r:cs="rId6"/>
+          </a:graphicData>
+        </a:graphic>
+      </p:graphicFrame>
+      <p:sp>
+        <p:nvSpPr>
+          <p:cNvPr id="8" name="文本框 7"/>
+          <p:cNvSpPr txBox="1"/>
+          <p:nvPr/>
+        </p:nvSpPr>
+        <p:spPr>
+          <a:xfrm>
+            <a:off x="653969" y="5081419"/>
+            <a:ext cx="2631939" cy="369332"/>
+          </a:xfrm>
+          <a:prstGeom prst="rect">
+            <a:avLst/>
+          </a:prstGeom>
+          <a:noFill/>
+        </p:spPr>
+        <p:txBody>
+          <a:bodyPr wrap="none" rtlCol="0">
+            <a:spAutoFit/>
+          </a:bodyPr>
+          <a:lstStyle/>
+          <a:p>
+            <a:r>
+              <a:rPr lang="en-US" altLang="zh-CN" dirty="0" err="1" smtClean="0"/>
+              <a:t>customElements</a:t>
+            </a:r>
+            <a:r>
+              <a:rPr lang="en-US" altLang="zh-CN" dirty="0" smtClean="0"/>
+              <a:t>: demo02</a:t>
+            </a:r>
+          </a:p>
+        </p:txBody>
+      </p:sp>
+    </p:spTree>
+    <p:extLst>
+      <p:ext uri="{BB962C8B-B14F-4D97-AF65-F5344CB8AC3E}">
+        <p14:creationId xmlns:p14="http://schemas.microsoft.com/office/powerpoint/2010/main" val="4131763629"/>
+      </p:ext>
+    </p:extLst>
+  </p:cSld>
+  <p:clrMapOvr>
+    <a:masterClrMapping/>
+  </p:clrMapOvr>
+  <p:timing>
+    <p:tnLst>
+      <p:par>
+        <p:cTn id="1" dur="indefinite" restart="never" nodeType="tmRoot"/>
+      </p:par>
+    </p:tnLst>
+  </p:timing>
+</p:sld>
+</file>
+
+<file path=ppt/slides/slide15.xml><?xml version="1.0" encoding="utf-8"?>
 <p:sld xmlns:a="http://schemas.openxmlformats.org/drawingml/2006/main" xmlns:r="http://schemas.openxmlformats.org/officeDocument/2006/relationships" xmlns:p="http://schemas.openxmlformats.org/presentationml/2006/main">
   <p:cSld>
     <p:spTree>
@@ -9934,13 +15676,6 @@
               </a:rPr>
               <a:t>Web Components</a:t>
             </a:r>
-            <a:endParaRPr kumimoji="1" lang="en-US" altLang="zh-CN" sz="2000" dirty="0" smtClean="0">
-              <a:solidFill>
-                <a:schemeClr val="bg1"/>
-              </a:solidFill>
-              <a:latin typeface="Microsoft YaHei" panose="020B0503020204020204" pitchFamily="34" charset="-122"/>
-              <a:ea typeface="Microsoft YaHei" panose="020B0503020204020204" pitchFamily="34" charset="-122"/>
-            </a:endParaRPr>
           </a:p>
           <a:p>
             <a:pPr marL="457200" indent="-457200">
@@ -10465,11 +16200,7 @@
             </a:r>
             <a:r>
               <a:rPr lang="en-US" altLang="zh-CN" dirty="0" smtClean="0"/>
-              <a:t>virtual</a:t>
-            </a:r>
-            <a:r>
-              <a:rPr lang="en-US" altLang="zh-CN" dirty="0" smtClean="0"/>
-              <a:t> DOM</a:t>
+              <a:t>virtual DOM</a:t>
             </a:r>
           </a:p>
           <a:p>

--- a/webComponents/web Componts.pptx
+++ b/webComponents/web Componts.pptx
@@ -5,7 +5,7 @@
     <p:sldMasterId id="2147483709" r:id="rId1"/>
   </p:sldMasterIdLst>
   <p:notesMasterIdLst>
-    <p:notesMasterId r:id="rId17"/>
+    <p:notesMasterId r:id="rId20"/>
   </p:notesMasterIdLst>
   <p:sldIdLst>
     <p:sldId id="257" r:id="rId2"/>
@@ -22,7 +22,10 @@
     <p:sldId id="271" r:id="rId13"/>
     <p:sldId id="272" r:id="rId14"/>
     <p:sldId id="273" r:id="rId15"/>
-    <p:sldId id="262" r:id="rId16"/>
+    <p:sldId id="274" r:id="rId16"/>
+    <p:sldId id="275" r:id="rId17"/>
+    <p:sldId id="262" r:id="rId18"/>
+    <p:sldId id="276" r:id="rId19"/>
   </p:sldIdLst>
   <p:sldSz cx="12192000" cy="6858000"/>
   <p:notesSz cx="6858000" cy="9144000"/>
@@ -877,753 +880,6 @@
 </file>
 
 <file path=ppt/diagrams/colors2.xml><?xml version="1.0" encoding="utf-8"?>
-<dgm:colorsDef xmlns:dgm="http://schemas.openxmlformats.org/drawingml/2006/diagram" xmlns:a="http://schemas.openxmlformats.org/drawingml/2006/main" uniqueId="urn:microsoft.com/office/officeart/2005/8/colors/accent1_2">
-  <dgm:title val=""/>
-  <dgm:desc val=""/>
-  <dgm:catLst>
-    <dgm:cat type="accent1" pri="11200"/>
-  </dgm:catLst>
-  <dgm:styleLbl name="node0">
-    <dgm:fillClrLst meth="repeat">
-      <a:schemeClr val="accent1"/>
-    </dgm:fillClrLst>
-    <dgm:linClrLst meth="repeat">
-      <a:schemeClr val="lt1"/>
-    </dgm:linClrLst>
-    <dgm:effectClrLst/>
-    <dgm:txLinClrLst/>
-    <dgm:txFillClrLst/>
-    <dgm:txEffectClrLst/>
-  </dgm:styleLbl>
-  <dgm:styleLbl name="alignNode1">
-    <dgm:fillClrLst meth="repeat">
-      <a:schemeClr val="accent1"/>
-    </dgm:fillClrLst>
-    <dgm:linClrLst meth="repeat">
-      <a:schemeClr val="accent1"/>
-    </dgm:linClrLst>
-    <dgm:effectClrLst/>
-    <dgm:txLinClrLst/>
-    <dgm:txFillClrLst/>
-    <dgm:txEffectClrLst/>
-  </dgm:styleLbl>
-  <dgm:styleLbl name="node1">
-    <dgm:fillClrLst meth="repeat">
-      <a:schemeClr val="accent1"/>
-    </dgm:fillClrLst>
-    <dgm:linClrLst meth="repeat">
-      <a:schemeClr val="lt1"/>
-    </dgm:linClrLst>
-    <dgm:effectClrLst/>
-    <dgm:txLinClrLst/>
-    <dgm:txFillClrLst/>
-    <dgm:txEffectClrLst/>
-  </dgm:styleLbl>
-  <dgm:styleLbl name="lnNode1">
-    <dgm:fillClrLst meth="repeat">
-      <a:schemeClr val="accent1"/>
-    </dgm:fillClrLst>
-    <dgm:linClrLst meth="repeat">
-      <a:schemeClr val="lt1"/>
-    </dgm:linClrLst>
-    <dgm:effectClrLst/>
-    <dgm:txLinClrLst/>
-    <dgm:txFillClrLst/>
-    <dgm:txEffectClrLst/>
-  </dgm:styleLbl>
-  <dgm:styleLbl name="vennNode1">
-    <dgm:fillClrLst meth="repeat">
-      <a:schemeClr val="accent1">
-        <a:alpha val="50000"/>
-      </a:schemeClr>
-    </dgm:fillClrLst>
-    <dgm:linClrLst meth="repeat">
-      <a:schemeClr val="lt1"/>
-    </dgm:linClrLst>
-    <dgm:effectClrLst/>
-    <dgm:txLinClrLst/>
-    <dgm:txFillClrLst/>
-    <dgm:txEffectClrLst/>
-  </dgm:styleLbl>
-  <dgm:styleLbl name="node2">
-    <dgm:fillClrLst meth="repeat">
-      <a:schemeClr val="accent1"/>
-    </dgm:fillClrLst>
-    <dgm:linClrLst meth="repeat">
-      <a:schemeClr val="lt1"/>
-    </dgm:linClrLst>
-    <dgm:effectClrLst/>
-    <dgm:txLinClrLst/>
-    <dgm:txFillClrLst/>
-    <dgm:txEffectClrLst/>
-  </dgm:styleLbl>
-  <dgm:styleLbl name="node3">
-    <dgm:fillClrLst meth="repeat">
-      <a:schemeClr val="accent1"/>
-    </dgm:fillClrLst>
-    <dgm:linClrLst meth="repeat">
-      <a:schemeClr val="lt1"/>
-    </dgm:linClrLst>
-    <dgm:effectClrLst/>
-    <dgm:txLinClrLst/>
-    <dgm:txFillClrLst/>
-    <dgm:txEffectClrLst/>
-  </dgm:styleLbl>
-  <dgm:styleLbl name="node4">
-    <dgm:fillClrLst meth="repeat">
-      <a:schemeClr val="accent1"/>
-    </dgm:fillClrLst>
-    <dgm:linClrLst meth="repeat">
-      <a:schemeClr val="lt1"/>
-    </dgm:linClrLst>
-    <dgm:effectClrLst/>
-    <dgm:txLinClrLst/>
-    <dgm:txFillClrLst/>
-    <dgm:txEffectClrLst/>
-  </dgm:styleLbl>
-  <dgm:styleLbl name="fgImgPlace1">
-    <dgm:fillClrLst meth="repeat">
-      <a:schemeClr val="accent1">
-        <a:tint val="50000"/>
-      </a:schemeClr>
-    </dgm:fillClrLst>
-    <dgm:linClrLst meth="repeat">
-      <a:schemeClr val="lt1"/>
-    </dgm:linClrLst>
-    <dgm:effectClrLst/>
-    <dgm:txLinClrLst/>
-    <dgm:txFillClrLst meth="repeat">
-      <a:schemeClr val="lt1"/>
-    </dgm:txFillClrLst>
-    <dgm:txEffectClrLst/>
-  </dgm:styleLbl>
-  <dgm:styleLbl name="alignImgPlace1">
-    <dgm:fillClrLst meth="repeat">
-      <a:schemeClr val="accent1">
-        <a:tint val="50000"/>
-      </a:schemeClr>
-    </dgm:fillClrLst>
-    <dgm:linClrLst meth="repeat">
-      <a:schemeClr val="lt1"/>
-    </dgm:linClrLst>
-    <dgm:effectClrLst/>
-    <dgm:txLinClrLst/>
-    <dgm:txFillClrLst meth="repeat">
-      <a:schemeClr val="lt1"/>
-    </dgm:txFillClrLst>
-    <dgm:txEffectClrLst/>
-  </dgm:styleLbl>
-  <dgm:styleLbl name="bgImgPlace1">
-    <dgm:fillClrLst meth="repeat">
-      <a:schemeClr val="accent1">
-        <a:tint val="50000"/>
-      </a:schemeClr>
-    </dgm:fillClrLst>
-    <dgm:linClrLst meth="repeat">
-      <a:schemeClr val="lt1"/>
-    </dgm:linClrLst>
-    <dgm:effectClrLst/>
-    <dgm:txLinClrLst/>
-    <dgm:txFillClrLst meth="repeat">
-      <a:schemeClr val="lt1"/>
-    </dgm:txFillClrLst>
-    <dgm:txEffectClrLst/>
-  </dgm:styleLbl>
-  <dgm:styleLbl name="sibTrans2D1">
-    <dgm:fillClrLst meth="repeat">
-      <a:schemeClr val="accent1">
-        <a:tint val="60000"/>
-      </a:schemeClr>
-    </dgm:fillClrLst>
-    <dgm:linClrLst meth="repeat">
-      <a:schemeClr val="accent1">
-        <a:tint val="60000"/>
-      </a:schemeClr>
-    </dgm:linClrLst>
-    <dgm:effectClrLst/>
-    <dgm:txLinClrLst/>
-    <dgm:txFillClrLst/>
-    <dgm:txEffectClrLst/>
-  </dgm:styleLbl>
-  <dgm:styleLbl name="fgSibTrans2D1">
-    <dgm:fillClrLst meth="repeat">
-      <a:schemeClr val="accent1">
-        <a:tint val="60000"/>
-      </a:schemeClr>
-    </dgm:fillClrLst>
-    <dgm:linClrLst meth="repeat">
-      <a:schemeClr val="accent1">
-        <a:tint val="60000"/>
-      </a:schemeClr>
-    </dgm:linClrLst>
-    <dgm:effectClrLst/>
-    <dgm:txLinClrLst/>
-    <dgm:txFillClrLst/>
-    <dgm:txEffectClrLst/>
-  </dgm:styleLbl>
-  <dgm:styleLbl name="bgSibTrans2D1">
-    <dgm:fillClrLst meth="repeat">
-      <a:schemeClr val="accent1">
-        <a:tint val="60000"/>
-      </a:schemeClr>
-    </dgm:fillClrLst>
-    <dgm:linClrLst meth="repeat">
-      <a:schemeClr val="accent1">
-        <a:tint val="60000"/>
-      </a:schemeClr>
-    </dgm:linClrLst>
-    <dgm:effectClrLst/>
-    <dgm:txLinClrLst/>
-    <dgm:txFillClrLst/>
-    <dgm:txEffectClrLst/>
-  </dgm:styleLbl>
-  <dgm:styleLbl name="sibTrans1D1">
-    <dgm:fillClrLst meth="repeat">
-      <a:schemeClr val="accent1"/>
-    </dgm:fillClrLst>
-    <dgm:linClrLst meth="repeat">
-      <a:schemeClr val="accent1"/>
-    </dgm:linClrLst>
-    <dgm:effectClrLst/>
-    <dgm:txLinClrLst/>
-    <dgm:txFillClrLst meth="repeat">
-      <a:schemeClr val="tx1"/>
-    </dgm:txFillClrLst>
-    <dgm:txEffectClrLst/>
-  </dgm:styleLbl>
-  <dgm:styleLbl name="callout">
-    <dgm:fillClrLst meth="repeat">
-      <a:schemeClr val="accent1"/>
-    </dgm:fillClrLst>
-    <dgm:linClrLst meth="repeat">
-      <a:schemeClr val="accent1">
-        <a:tint val="50000"/>
-      </a:schemeClr>
-    </dgm:linClrLst>
-    <dgm:effectClrLst/>
-    <dgm:txLinClrLst/>
-    <dgm:txFillClrLst meth="repeat">
-      <a:schemeClr val="tx1"/>
-    </dgm:txFillClrLst>
-    <dgm:txEffectClrLst/>
-  </dgm:styleLbl>
-  <dgm:styleLbl name="asst0">
-    <dgm:fillClrLst meth="repeat">
-      <a:schemeClr val="accent1"/>
-    </dgm:fillClrLst>
-    <dgm:linClrLst meth="repeat">
-      <a:schemeClr val="lt1"/>
-    </dgm:linClrLst>
-    <dgm:effectClrLst/>
-    <dgm:txLinClrLst/>
-    <dgm:txFillClrLst/>
-    <dgm:txEffectClrLst/>
-  </dgm:styleLbl>
-  <dgm:styleLbl name="asst1">
-    <dgm:fillClrLst meth="repeat">
-      <a:schemeClr val="accent1"/>
-    </dgm:fillClrLst>
-    <dgm:linClrLst meth="repeat">
-      <a:schemeClr val="lt1"/>
-    </dgm:linClrLst>
-    <dgm:effectClrLst/>
-    <dgm:txLinClrLst/>
-    <dgm:txFillClrLst/>
-    <dgm:txEffectClrLst/>
-  </dgm:styleLbl>
-  <dgm:styleLbl name="asst2">
-    <dgm:fillClrLst meth="repeat">
-      <a:schemeClr val="accent1"/>
-    </dgm:fillClrLst>
-    <dgm:linClrLst meth="repeat">
-      <a:schemeClr val="lt1"/>
-    </dgm:linClrLst>
-    <dgm:effectClrLst/>
-    <dgm:txLinClrLst/>
-    <dgm:txFillClrLst/>
-    <dgm:txEffectClrLst/>
-  </dgm:styleLbl>
-  <dgm:styleLbl name="asst3">
-    <dgm:fillClrLst meth="repeat">
-      <a:schemeClr val="accent1"/>
-    </dgm:fillClrLst>
-    <dgm:linClrLst meth="repeat">
-      <a:schemeClr val="lt1"/>
-    </dgm:linClrLst>
-    <dgm:effectClrLst/>
-    <dgm:txLinClrLst/>
-    <dgm:txFillClrLst/>
-    <dgm:txEffectClrLst/>
-  </dgm:styleLbl>
-  <dgm:styleLbl name="asst4">
-    <dgm:fillClrLst meth="repeat">
-      <a:schemeClr val="accent1"/>
-    </dgm:fillClrLst>
-    <dgm:linClrLst meth="repeat">
-      <a:schemeClr val="lt1"/>
-    </dgm:linClrLst>
-    <dgm:effectClrLst/>
-    <dgm:txLinClrLst/>
-    <dgm:txFillClrLst/>
-    <dgm:txEffectClrLst/>
-  </dgm:styleLbl>
-  <dgm:styleLbl name="parChTrans2D1">
-    <dgm:fillClrLst meth="repeat">
-      <a:schemeClr val="accent1">
-        <a:tint val="60000"/>
-      </a:schemeClr>
-    </dgm:fillClrLst>
-    <dgm:linClrLst meth="repeat">
-      <a:schemeClr val="accent1">
-        <a:tint val="60000"/>
-      </a:schemeClr>
-    </dgm:linClrLst>
-    <dgm:effectClrLst/>
-    <dgm:txLinClrLst/>
-    <dgm:txFillClrLst meth="repeat">
-      <a:schemeClr val="lt1"/>
-    </dgm:txFillClrLst>
-    <dgm:txEffectClrLst/>
-  </dgm:styleLbl>
-  <dgm:styleLbl name="parChTrans2D2">
-    <dgm:fillClrLst meth="repeat">
-      <a:schemeClr val="accent1"/>
-    </dgm:fillClrLst>
-    <dgm:linClrLst meth="repeat">
-      <a:schemeClr val="accent1"/>
-    </dgm:linClrLst>
-    <dgm:effectClrLst/>
-    <dgm:txLinClrLst/>
-    <dgm:txFillClrLst meth="repeat">
-      <a:schemeClr val="lt1"/>
-    </dgm:txFillClrLst>
-    <dgm:txEffectClrLst/>
-  </dgm:styleLbl>
-  <dgm:styleLbl name="parChTrans2D3">
-    <dgm:fillClrLst meth="repeat">
-      <a:schemeClr val="accent1"/>
-    </dgm:fillClrLst>
-    <dgm:linClrLst meth="repeat">
-      <a:schemeClr val="accent1"/>
-    </dgm:linClrLst>
-    <dgm:effectClrLst/>
-    <dgm:txLinClrLst/>
-    <dgm:txFillClrLst meth="repeat">
-      <a:schemeClr val="lt1"/>
-    </dgm:txFillClrLst>
-    <dgm:txEffectClrLst/>
-  </dgm:styleLbl>
-  <dgm:styleLbl name="parChTrans2D4">
-    <dgm:fillClrLst meth="repeat">
-      <a:schemeClr val="accent1"/>
-    </dgm:fillClrLst>
-    <dgm:linClrLst meth="repeat">
-      <a:schemeClr val="accent1"/>
-    </dgm:linClrLst>
-    <dgm:effectClrLst/>
-    <dgm:txLinClrLst/>
-    <dgm:txFillClrLst meth="repeat">
-      <a:schemeClr val="lt1"/>
-    </dgm:txFillClrLst>
-    <dgm:txEffectClrLst/>
-  </dgm:styleLbl>
-  <dgm:styleLbl name="parChTrans1D1">
-    <dgm:fillClrLst meth="repeat">
-      <a:schemeClr val="accent1"/>
-    </dgm:fillClrLst>
-    <dgm:linClrLst meth="repeat">
-      <a:schemeClr val="accent1">
-        <a:shade val="60000"/>
-      </a:schemeClr>
-    </dgm:linClrLst>
-    <dgm:effectClrLst/>
-    <dgm:txLinClrLst/>
-    <dgm:txFillClrLst meth="repeat">
-      <a:schemeClr val="tx1"/>
-    </dgm:txFillClrLst>
-    <dgm:txEffectClrLst/>
-  </dgm:styleLbl>
-  <dgm:styleLbl name="parChTrans1D2">
-    <dgm:fillClrLst meth="repeat">
-      <a:schemeClr val="accent1"/>
-    </dgm:fillClrLst>
-    <dgm:linClrLst meth="repeat">
-      <a:schemeClr val="accent1">
-        <a:shade val="60000"/>
-      </a:schemeClr>
-    </dgm:linClrLst>
-    <dgm:effectClrLst/>
-    <dgm:txLinClrLst/>
-    <dgm:txFillClrLst meth="repeat">
-      <a:schemeClr val="tx1"/>
-    </dgm:txFillClrLst>
-    <dgm:txEffectClrLst/>
-  </dgm:styleLbl>
-  <dgm:styleLbl name="parChTrans1D3">
-    <dgm:fillClrLst meth="repeat">
-      <a:schemeClr val="accent1"/>
-    </dgm:fillClrLst>
-    <dgm:linClrLst meth="repeat">
-      <a:schemeClr val="accent1">
-        <a:shade val="80000"/>
-      </a:schemeClr>
-    </dgm:linClrLst>
-    <dgm:effectClrLst/>
-    <dgm:txLinClrLst/>
-    <dgm:txFillClrLst meth="repeat">
-      <a:schemeClr val="tx1"/>
-    </dgm:txFillClrLst>
-    <dgm:txEffectClrLst/>
-  </dgm:styleLbl>
-  <dgm:styleLbl name="parChTrans1D4">
-    <dgm:fillClrLst meth="repeat">
-      <a:schemeClr val="accent1"/>
-    </dgm:fillClrLst>
-    <dgm:linClrLst meth="repeat">
-      <a:schemeClr val="accent1">
-        <a:shade val="80000"/>
-      </a:schemeClr>
-    </dgm:linClrLst>
-    <dgm:effectClrLst/>
-    <dgm:txLinClrLst/>
-    <dgm:txFillClrLst meth="repeat">
-      <a:schemeClr val="tx1"/>
-    </dgm:txFillClrLst>
-    <dgm:txEffectClrLst/>
-  </dgm:styleLbl>
-  <dgm:styleLbl name="fgAcc1">
-    <dgm:fillClrLst meth="repeat">
-      <a:schemeClr val="lt1">
-        <a:alpha val="90000"/>
-      </a:schemeClr>
-    </dgm:fillClrLst>
-    <dgm:linClrLst meth="repeat">
-      <a:schemeClr val="accent1"/>
-    </dgm:linClrLst>
-    <dgm:effectClrLst/>
-    <dgm:txLinClrLst/>
-    <dgm:txFillClrLst meth="repeat">
-      <a:schemeClr val="dk1"/>
-    </dgm:txFillClrLst>
-    <dgm:txEffectClrLst/>
-  </dgm:styleLbl>
-  <dgm:styleLbl name="conFgAcc1">
-    <dgm:fillClrLst meth="repeat">
-      <a:schemeClr val="lt1">
-        <a:alpha val="90000"/>
-      </a:schemeClr>
-    </dgm:fillClrLst>
-    <dgm:linClrLst meth="repeat">
-      <a:schemeClr val="accent1"/>
-    </dgm:linClrLst>
-    <dgm:effectClrLst/>
-    <dgm:txLinClrLst/>
-    <dgm:txFillClrLst meth="repeat">
-      <a:schemeClr val="dk1"/>
-    </dgm:txFillClrLst>
-    <dgm:txEffectClrLst/>
-  </dgm:styleLbl>
-  <dgm:styleLbl name="alignAcc1">
-    <dgm:fillClrLst meth="repeat">
-      <a:schemeClr val="lt1">
-        <a:alpha val="90000"/>
-      </a:schemeClr>
-    </dgm:fillClrLst>
-    <dgm:linClrLst meth="repeat">
-      <a:schemeClr val="accent1"/>
-    </dgm:linClrLst>
-    <dgm:effectClrLst/>
-    <dgm:txLinClrLst/>
-    <dgm:txFillClrLst meth="repeat">
-      <a:schemeClr val="dk1"/>
-    </dgm:txFillClrLst>
-    <dgm:txEffectClrLst/>
-  </dgm:styleLbl>
-  <dgm:styleLbl name="trAlignAcc1">
-    <dgm:fillClrLst meth="repeat">
-      <a:schemeClr val="lt1">
-        <a:alpha val="40000"/>
-      </a:schemeClr>
-    </dgm:fillClrLst>
-    <dgm:linClrLst meth="repeat">
-      <a:schemeClr val="accent1"/>
-    </dgm:linClrLst>
-    <dgm:effectClrLst/>
-    <dgm:txLinClrLst/>
-    <dgm:txFillClrLst meth="repeat">
-      <a:schemeClr val="dk1"/>
-    </dgm:txFillClrLst>
-    <dgm:txEffectClrLst/>
-  </dgm:styleLbl>
-  <dgm:styleLbl name="bgAcc1">
-    <dgm:fillClrLst meth="repeat">
-      <a:schemeClr val="lt1">
-        <a:alpha val="90000"/>
-      </a:schemeClr>
-    </dgm:fillClrLst>
-    <dgm:linClrLst meth="repeat">
-      <a:schemeClr val="accent1"/>
-    </dgm:linClrLst>
-    <dgm:effectClrLst/>
-    <dgm:txLinClrLst/>
-    <dgm:txFillClrLst meth="repeat">
-      <a:schemeClr val="dk1"/>
-    </dgm:txFillClrLst>
-    <dgm:txEffectClrLst/>
-  </dgm:styleLbl>
-  <dgm:styleLbl name="solidFgAcc1">
-    <dgm:fillClrLst meth="repeat">
-      <a:schemeClr val="lt1"/>
-    </dgm:fillClrLst>
-    <dgm:linClrLst meth="repeat">
-      <a:schemeClr val="accent1"/>
-    </dgm:linClrLst>
-    <dgm:effectClrLst/>
-    <dgm:txLinClrLst/>
-    <dgm:txFillClrLst meth="repeat">
-      <a:schemeClr val="dk1"/>
-    </dgm:txFillClrLst>
-    <dgm:txEffectClrLst/>
-  </dgm:styleLbl>
-  <dgm:styleLbl name="solidAlignAcc1">
-    <dgm:fillClrLst meth="repeat">
-      <a:schemeClr val="lt1"/>
-    </dgm:fillClrLst>
-    <dgm:linClrLst meth="repeat">
-      <a:schemeClr val="accent1"/>
-    </dgm:linClrLst>
-    <dgm:effectClrLst/>
-    <dgm:txLinClrLst/>
-    <dgm:txFillClrLst meth="repeat">
-      <a:schemeClr val="dk1"/>
-    </dgm:txFillClrLst>
-    <dgm:txEffectClrLst/>
-  </dgm:styleLbl>
-  <dgm:styleLbl name="solidBgAcc1">
-    <dgm:fillClrLst meth="repeat">
-      <a:schemeClr val="lt1"/>
-    </dgm:fillClrLst>
-    <dgm:linClrLst meth="repeat">
-      <a:schemeClr val="accent1"/>
-    </dgm:linClrLst>
-    <dgm:effectClrLst/>
-    <dgm:txLinClrLst/>
-    <dgm:txFillClrLst meth="repeat">
-      <a:schemeClr val="dk1"/>
-    </dgm:txFillClrLst>
-    <dgm:txEffectClrLst/>
-  </dgm:styleLbl>
-  <dgm:styleLbl name="fgAccFollowNode1">
-    <dgm:fillClrLst meth="repeat">
-      <a:schemeClr val="accent1">
-        <a:alpha val="90000"/>
-        <a:tint val="40000"/>
-      </a:schemeClr>
-    </dgm:fillClrLst>
-    <dgm:linClrLst meth="repeat">
-      <a:schemeClr val="accent1">
-        <a:alpha val="90000"/>
-        <a:tint val="40000"/>
-      </a:schemeClr>
-    </dgm:linClrLst>
-    <dgm:effectClrLst/>
-    <dgm:txLinClrLst/>
-    <dgm:txFillClrLst meth="repeat">
-      <a:schemeClr val="dk1"/>
-    </dgm:txFillClrLst>
-    <dgm:txEffectClrLst/>
-  </dgm:styleLbl>
-  <dgm:styleLbl name="alignAccFollowNode1">
-    <dgm:fillClrLst meth="repeat">
-      <a:schemeClr val="accent1">
-        <a:alpha val="90000"/>
-        <a:tint val="40000"/>
-      </a:schemeClr>
-    </dgm:fillClrLst>
-    <dgm:linClrLst meth="repeat">
-      <a:schemeClr val="accent1">
-        <a:alpha val="90000"/>
-        <a:tint val="40000"/>
-      </a:schemeClr>
-    </dgm:linClrLst>
-    <dgm:effectClrLst/>
-    <dgm:txLinClrLst/>
-    <dgm:txFillClrLst meth="repeat">
-      <a:schemeClr val="dk1"/>
-    </dgm:txFillClrLst>
-    <dgm:txEffectClrLst/>
-  </dgm:styleLbl>
-  <dgm:styleLbl name="bgAccFollowNode1">
-    <dgm:fillClrLst meth="repeat">
-      <a:schemeClr val="accent1">
-        <a:alpha val="90000"/>
-        <a:tint val="40000"/>
-      </a:schemeClr>
-    </dgm:fillClrLst>
-    <dgm:linClrLst meth="repeat">
-      <a:schemeClr val="accent1">
-        <a:alpha val="90000"/>
-        <a:tint val="40000"/>
-      </a:schemeClr>
-    </dgm:linClrLst>
-    <dgm:effectClrLst/>
-    <dgm:txLinClrLst/>
-    <dgm:txFillClrLst meth="repeat">
-      <a:schemeClr val="dk1"/>
-    </dgm:txFillClrLst>
-    <dgm:txEffectClrLst/>
-  </dgm:styleLbl>
-  <dgm:styleLbl name="fgAcc0">
-    <dgm:fillClrLst meth="repeat">
-      <a:schemeClr val="lt1">
-        <a:alpha val="90000"/>
-      </a:schemeClr>
-    </dgm:fillClrLst>
-    <dgm:linClrLst meth="repeat">
-      <a:schemeClr val="accent1"/>
-    </dgm:linClrLst>
-    <dgm:effectClrLst/>
-    <dgm:txLinClrLst/>
-    <dgm:txFillClrLst meth="repeat">
-      <a:schemeClr val="dk1"/>
-    </dgm:txFillClrLst>
-    <dgm:txEffectClrLst/>
-  </dgm:styleLbl>
-  <dgm:styleLbl name="fgAcc2">
-    <dgm:fillClrLst meth="repeat">
-      <a:schemeClr val="lt1">
-        <a:alpha val="90000"/>
-      </a:schemeClr>
-    </dgm:fillClrLst>
-    <dgm:linClrLst meth="repeat">
-      <a:schemeClr val="accent1"/>
-    </dgm:linClrLst>
-    <dgm:effectClrLst/>
-    <dgm:txLinClrLst/>
-    <dgm:txFillClrLst meth="repeat">
-      <a:schemeClr val="dk1"/>
-    </dgm:txFillClrLst>
-    <dgm:txEffectClrLst/>
-  </dgm:styleLbl>
-  <dgm:styleLbl name="fgAcc3">
-    <dgm:fillClrLst meth="repeat">
-      <a:schemeClr val="lt1">
-        <a:alpha val="90000"/>
-      </a:schemeClr>
-    </dgm:fillClrLst>
-    <dgm:linClrLst meth="repeat">
-      <a:schemeClr val="accent1"/>
-    </dgm:linClrLst>
-    <dgm:effectClrLst/>
-    <dgm:txLinClrLst/>
-    <dgm:txFillClrLst meth="repeat">
-      <a:schemeClr val="dk1"/>
-    </dgm:txFillClrLst>
-    <dgm:txEffectClrLst/>
-  </dgm:styleLbl>
-  <dgm:styleLbl name="fgAcc4">
-    <dgm:fillClrLst meth="repeat">
-      <a:schemeClr val="lt1">
-        <a:alpha val="90000"/>
-      </a:schemeClr>
-    </dgm:fillClrLst>
-    <dgm:linClrLst meth="repeat">
-      <a:schemeClr val="accent1"/>
-    </dgm:linClrLst>
-    <dgm:effectClrLst/>
-    <dgm:txLinClrLst/>
-    <dgm:txFillClrLst meth="repeat">
-      <a:schemeClr val="dk1"/>
-    </dgm:txFillClrLst>
-    <dgm:txEffectClrLst/>
-  </dgm:styleLbl>
-  <dgm:styleLbl name="bgShp">
-    <dgm:fillClrLst meth="repeat">
-      <a:schemeClr val="accent1">
-        <a:tint val="40000"/>
-      </a:schemeClr>
-    </dgm:fillClrLst>
-    <dgm:linClrLst meth="repeat">
-      <a:schemeClr val="accent1"/>
-    </dgm:linClrLst>
-    <dgm:effectClrLst/>
-    <dgm:txLinClrLst/>
-    <dgm:txFillClrLst meth="repeat">
-      <a:schemeClr val="dk1"/>
-    </dgm:txFillClrLst>
-    <dgm:txEffectClrLst/>
-  </dgm:styleLbl>
-  <dgm:styleLbl name="dkBgShp">
-    <dgm:fillClrLst meth="repeat">
-      <a:schemeClr val="accent1">
-        <a:shade val="80000"/>
-      </a:schemeClr>
-    </dgm:fillClrLst>
-    <dgm:linClrLst meth="repeat">
-      <a:schemeClr val="accent1"/>
-    </dgm:linClrLst>
-    <dgm:effectClrLst/>
-    <dgm:txLinClrLst/>
-    <dgm:txFillClrLst meth="repeat">
-      <a:schemeClr val="lt1"/>
-    </dgm:txFillClrLst>
-    <dgm:txEffectClrLst/>
-  </dgm:styleLbl>
-  <dgm:styleLbl name="trBgShp">
-    <dgm:fillClrLst meth="repeat">
-      <a:schemeClr val="accent1">
-        <a:tint val="50000"/>
-        <a:alpha val="40000"/>
-      </a:schemeClr>
-    </dgm:fillClrLst>
-    <dgm:linClrLst meth="repeat">
-      <a:schemeClr val="accent1"/>
-    </dgm:linClrLst>
-    <dgm:effectClrLst/>
-    <dgm:txLinClrLst/>
-    <dgm:txFillClrLst meth="repeat">
-      <a:schemeClr val="lt1"/>
-    </dgm:txFillClrLst>
-    <dgm:txEffectClrLst/>
-  </dgm:styleLbl>
-  <dgm:styleLbl name="fgShp">
-    <dgm:fillClrLst meth="repeat">
-      <a:schemeClr val="accent1">
-        <a:tint val="60000"/>
-      </a:schemeClr>
-    </dgm:fillClrLst>
-    <dgm:linClrLst meth="repeat">
-      <a:schemeClr val="lt1"/>
-    </dgm:linClrLst>
-    <dgm:effectClrLst/>
-    <dgm:txLinClrLst/>
-    <dgm:txFillClrLst meth="repeat">
-      <a:schemeClr val="dk1"/>
-    </dgm:txFillClrLst>
-    <dgm:txEffectClrLst/>
-  </dgm:styleLbl>
-  <dgm:styleLbl name="revTx">
-    <dgm:fillClrLst meth="repeat">
-      <a:schemeClr val="lt1">
-        <a:alpha val="0"/>
-      </a:schemeClr>
-    </dgm:fillClrLst>
-    <dgm:linClrLst meth="repeat">
-      <a:schemeClr val="dk1">
-        <a:alpha val="0"/>
-      </a:schemeClr>
-    </dgm:linClrLst>
-    <dgm:effectClrLst/>
-    <dgm:txLinClrLst/>
-    <dgm:txFillClrLst meth="repeat">
-      <a:schemeClr val="tx1"/>
-    </dgm:txFillClrLst>
-    <dgm:txEffectClrLst/>
-  </dgm:styleLbl>
-</dgm:colorsDef>
-</file>
-
-<file path=ppt/diagrams/colors3.xml><?xml version="1.0" encoding="utf-8"?>
 <dgm:colorsDef xmlns:dgm="http://schemas.openxmlformats.org/drawingml/2006/diagram" xmlns:a="http://schemas.openxmlformats.org/drawingml/2006/main" uniqueId="urn:microsoft.com/office/officeart/2005/8/colors/accent1_2">
   <dgm:title val=""/>
   <dgm:desc val=""/>
@@ -2912,6 +2168,13 @@
         </dgm:presLayoutVars>
       </dgm:prSet>
       <dgm:spPr/>
+      <dgm:t>
+        <a:bodyPr/>
+        <a:lstStyle/>
+        <a:p>
+          <a:endParaRPr lang="zh-CN" altLang="en-US"/>
+        </a:p>
+      </dgm:t>
     </dgm:pt>
     <dgm:pt modelId="{C077A129-C28C-4167-BEEC-5792567B1337}" type="pres">
       <dgm:prSet presAssocID="{5886DA34-5D32-4ADA-973A-D9E92FF1FAED}" presName="root1" presStyleCnt="0"/>
@@ -2939,10 +2202,24 @@
     <dgm:pt modelId="{BD228529-4367-4D2A-930C-46C6B3A9A0B7}" type="pres">
       <dgm:prSet presAssocID="{6819E42D-34BB-4E3C-BD14-280AB0CD9F51}" presName="conn2-1" presStyleLbl="parChTrans1D2" presStyleIdx="0" presStyleCnt="3"/>
       <dgm:spPr/>
+      <dgm:t>
+        <a:bodyPr/>
+        <a:lstStyle/>
+        <a:p>
+          <a:endParaRPr lang="zh-CN" altLang="en-US"/>
+        </a:p>
+      </dgm:t>
     </dgm:pt>
     <dgm:pt modelId="{4C172460-6350-4E90-8458-0F317DBC5CE0}" type="pres">
       <dgm:prSet presAssocID="{6819E42D-34BB-4E3C-BD14-280AB0CD9F51}" presName="connTx" presStyleLbl="parChTrans1D2" presStyleIdx="0" presStyleCnt="3"/>
       <dgm:spPr/>
+      <dgm:t>
+        <a:bodyPr/>
+        <a:lstStyle/>
+        <a:p>
+          <a:endParaRPr lang="zh-CN" altLang="en-US"/>
+        </a:p>
+      </dgm:t>
     </dgm:pt>
     <dgm:pt modelId="{29837749-5BAF-4EA5-B204-5BCEF5277F82}" type="pres">
       <dgm:prSet presAssocID="{50ED6453-A4A9-4B62-9C59-4B861ACB7FF1}" presName="root2" presStyleCnt="0"/>
@@ -2955,6 +2232,13 @@
         </dgm:presLayoutVars>
       </dgm:prSet>
       <dgm:spPr/>
+      <dgm:t>
+        <a:bodyPr/>
+        <a:lstStyle/>
+        <a:p>
+          <a:endParaRPr lang="zh-CN" altLang="en-US"/>
+        </a:p>
+      </dgm:t>
     </dgm:pt>
     <dgm:pt modelId="{55242990-BA2E-4226-B504-A3732E97F380}" type="pres">
       <dgm:prSet presAssocID="{50ED6453-A4A9-4B62-9C59-4B861ACB7FF1}" presName="level3hierChild" presStyleCnt="0"/>
@@ -2963,10 +2247,24 @@
     <dgm:pt modelId="{F8C36DA8-75C7-44B8-9A07-F9512D817F6A}" type="pres">
       <dgm:prSet presAssocID="{4B7F96FB-BD66-403E-B051-A494EA89F97C}" presName="conn2-1" presStyleLbl="parChTrans1D2" presStyleIdx="1" presStyleCnt="3"/>
       <dgm:spPr/>
+      <dgm:t>
+        <a:bodyPr/>
+        <a:lstStyle/>
+        <a:p>
+          <a:endParaRPr lang="zh-CN" altLang="en-US"/>
+        </a:p>
+      </dgm:t>
     </dgm:pt>
     <dgm:pt modelId="{DE60C95E-65BE-4365-B40B-24A5860D9413}" type="pres">
       <dgm:prSet presAssocID="{4B7F96FB-BD66-403E-B051-A494EA89F97C}" presName="connTx" presStyleLbl="parChTrans1D2" presStyleIdx="1" presStyleCnt="3"/>
       <dgm:spPr/>
+      <dgm:t>
+        <a:bodyPr/>
+        <a:lstStyle/>
+        <a:p>
+          <a:endParaRPr lang="zh-CN" altLang="en-US"/>
+        </a:p>
+      </dgm:t>
     </dgm:pt>
     <dgm:pt modelId="{C9790290-4468-431E-8AB0-F90C3CE8CA0A}" type="pres">
       <dgm:prSet presAssocID="{3B5E1CBD-D2ED-4574-A0D5-A2E6CA9112C1}" presName="root2" presStyleCnt="0"/>
@@ -2979,6 +2277,13 @@
         </dgm:presLayoutVars>
       </dgm:prSet>
       <dgm:spPr/>
+      <dgm:t>
+        <a:bodyPr/>
+        <a:lstStyle/>
+        <a:p>
+          <a:endParaRPr lang="zh-CN" altLang="en-US"/>
+        </a:p>
+      </dgm:t>
     </dgm:pt>
     <dgm:pt modelId="{A469A066-4903-4E2B-8137-72D471BE1FD8}" type="pres">
       <dgm:prSet presAssocID="{3B5E1CBD-D2ED-4574-A0D5-A2E6CA9112C1}" presName="level3hierChild" presStyleCnt="0"/>
@@ -2987,10 +2292,24 @@
     <dgm:pt modelId="{1AD78B2E-2D99-4CD7-B50E-8B02DDD80302}" type="pres">
       <dgm:prSet presAssocID="{41E05C28-2972-4660-AC8D-8038D23D4266}" presName="conn2-1" presStyleLbl="parChTrans1D2" presStyleIdx="2" presStyleCnt="3"/>
       <dgm:spPr/>
+      <dgm:t>
+        <a:bodyPr/>
+        <a:lstStyle/>
+        <a:p>
+          <a:endParaRPr lang="zh-CN" altLang="en-US"/>
+        </a:p>
+      </dgm:t>
     </dgm:pt>
     <dgm:pt modelId="{96BCCA7C-94FC-45D3-90C4-F4FC0E1DC541}" type="pres">
       <dgm:prSet presAssocID="{41E05C28-2972-4660-AC8D-8038D23D4266}" presName="connTx" presStyleLbl="parChTrans1D2" presStyleIdx="2" presStyleCnt="3"/>
       <dgm:spPr/>
+      <dgm:t>
+        <a:bodyPr/>
+        <a:lstStyle/>
+        <a:p>
+          <a:endParaRPr lang="zh-CN" altLang="en-US"/>
+        </a:p>
+      </dgm:t>
     </dgm:pt>
     <dgm:pt modelId="{9CF50223-0AB8-4BEE-A4C7-0ED38B61FEC1}" type="pres">
       <dgm:prSet presAssocID="{7EC5456D-F8B1-484E-9CCC-A5E484C5B6C1}" presName="root2" presStyleCnt="0"/>
@@ -3017,21 +2336,21 @@
     </dgm:pt>
   </dgm:ptLst>
   <dgm:cxnLst>
+    <dgm:cxn modelId="{8DC27FDC-A5F2-4511-8E95-3AAC1A6B151A}" type="presOf" srcId="{4B7F96FB-BD66-403E-B051-A494EA89F97C}" destId="{F8C36DA8-75C7-44B8-9A07-F9512D817F6A}" srcOrd="0" destOrd="0" presId="urn:microsoft.com/office/officeart/2005/8/layout/hierarchy2"/>
+    <dgm:cxn modelId="{41E43FA6-6C5C-4DE0-80CF-1D4AC5064AC8}" srcId="{5886DA34-5D32-4ADA-973A-D9E92FF1FAED}" destId="{7EC5456D-F8B1-484E-9CCC-A5E484C5B6C1}" srcOrd="2" destOrd="0" parTransId="{41E05C28-2972-4660-AC8D-8038D23D4266}" sibTransId="{8585A957-FF48-4BA9-A543-781075A9F24B}"/>
+    <dgm:cxn modelId="{83E2DB47-65CC-470F-AFA7-1248E8ACE4D4}" srcId="{5886DA34-5D32-4ADA-973A-D9E92FF1FAED}" destId="{3B5E1CBD-D2ED-4574-A0D5-A2E6CA9112C1}" srcOrd="1" destOrd="0" parTransId="{4B7F96FB-BD66-403E-B051-A494EA89F97C}" sibTransId="{90DAC3FC-21BD-43B8-9317-47D138E97B77}"/>
+    <dgm:cxn modelId="{922FF2E6-98CD-43F3-87F8-EA7BC0B46EB5}" type="presOf" srcId="{4B7F96FB-BD66-403E-B051-A494EA89F97C}" destId="{DE60C95E-65BE-4365-B40B-24A5860D9413}" srcOrd="1" destOrd="0" presId="urn:microsoft.com/office/officeart/2005/8/layout/hierarchy2"/>
+    <dgm:cxn modelId="{D9E82A8F-D480-4346-B460-F11FC0CAA2FC}" type="presOf" srcId="{5886DA34-5D32-4ADA-973A-D9E92FF1FAED}" destId="{B754F008-6133-4743-B8E7-D297F889C552}" srcOrd="0" destOrd="0" presId="urn:microsoft.com/office/officeart/2005/8/layout/hierarchy2"/>
+    <dgm:cxn modelId="{58A97096-A401-47A3-83BA-FD957F5DA6CC}" type="presOf" srcId="{7EC5456D-F8B1-484E-9CCC-A5E484C5B6C1}" destId="{E19A0B7E-5174-4A07-BE49-C874D9FEBD02}" srcOrd="0" destOrd="0" presId="urn:microsoft.com/office/officeart/2005/8/layout/hierarchy2"/>
     <dgm:cxn modelId="{60412E9A-5C45-4BB6-8571-CD646B82D5A1}" type="presOf" srcId="{3B5E1CBD-D2ED-4574-A0D5-A2E6CA9112C1}" destId="{A41E3F7D-FA4D-41CF-8A41-E599E6AAAADB}" srcOrd="0" destOrd="0" presId="urn:microsoft.com/office/officeart/2005/8/layout/hierarchy2"/>
+    <dgm:cxn modelId="{06162947-C46A-4F05-905B-8463F6FCE0EF}" type="presOf" srcId="{9EADD6EA-42F7-4857-991C-697DB63761DA}" destId="{F7F96C41-2A8A-4F4A-A9FB-B2AD2AA6A75B}" srcOrd="0" destOrd="0" presId="urn:microsoft.com/office/officeart/2005/8/layout/hierarchy2"/>
+    <dgm:cxn modelId="{52206446-9AAE-4655-AF0D-A6B69C38EF22}" type="presOf" srcId="{6819E42D-34BB-4E3C-BD14-280AB0CD9F51}" destId="{BD228529-4367-4D2A-930C-46C6B3A9A0B7}" srcOrd="0" destOrd="0" presId="urn:microsoft.com/office/officeart/2005/8/layout/hierarchy2"/>
+    <dgm:cxn modelId="{E67BE753-27E0-49B9-B897-24C47E46EBBE}" type="presOf" srcId="{6819E42D-34BB-4E3C-BD14-280AB0CD9F51}" destId="{4C172460-6350-4E90-8458-0F317DBC5CE0}" srcOrd="1" destOrd="0" presId="urn:microsoft.com/office/officeart/2005/8/layout/hierarchy2"/>
+    <dgm:cxn modelId="{848C367E-B5E6-4722-A79D-7FF27FA0F5E9}" type="presOf" srcId="{41E05C28-2972-4660-AC8D-8038D23D4266}" destId="{96BCCA7C-94FC-45D3-90C4-F4FC0E1DC541}" srcOrd="1" destOrd="0" presId="urn:microsoft.com/office/officeart/2005/8/layout/hierarchy2"/>
+    <dgm:cxn modelId="{7D8460BC-7C96-4EFC-ABF5-9331029DCEC9}" srcId="{9EADD6EA-42F7-4857-991C-697DB63761DA}" destId="{5886DA34-5D32-4ADA-973A-D9E92FF1FAED}" srcOrd="0" destOrd="0" parTransId="{D151F72F-F315-4A10-9EA4-FC3113AF3D24}" sibTransId="{6D3A3184-3F63-4755-A86D-B75926D5EB7E}"/>
     <dgm:cxn modelId="{1AB0F146-DAF8-49E9-8C6D-8F5B1F5CD989}" type="presOf" srcId="{50ED6453-A4A9-4B62-9C59-4B861ACB7FF1}" destId="{DF3DCC9B-419F-4E67-95FA-EDA26FA91A8F}" srcOrd="0" destOrd="0" presId="urn:microsoft.com/office/officeart/2005/8/layout/hierarchy2"/>
-    <dgm:cxn modelId="{7D8460BC-7C96-4EFC-ABF5-9331029DCEC9}" srcId="{9EADD6EA-42F7-4857-991C-697DB63761DA}" destId="{5886DA34-5D32-4ADA-973A-D9E92FF1FAED}" srcOrd="0" destOrd="0" parTransId="{D151F72F-F315-4A10-9EA4-FC3113AF3D24}" sibTransId="{6D3A3184-3F63-4755-A86D-B75926D5EB7E}"/>
-    <dgm:cxn modelId="{41E43FA6-6C5C-4DE0-80CF-1D4AC5064AC8}" srcId="{5886DA34-5D32-4ADA-973A-D9E92FF1FAED}" destId="{7EC5456D-F8B1-484E-9CCC-A5E484C5B6C1}" srcOrd="2" destOrd="0" parTransId="{41E05C28-2972-4660-AC8D-8038D23D4266}" sibTransId="{8585A957-FF48-4BA9-A543-781075A9F24B}"/>
-    <dgm:cxn modelId="{922FF2E6-98CD-43F3-87F8-EA7BC0B46EB5}" type="presOf" srcId="{4B7F96FB-BD66-403E-B051-A494EA89F97C}" destId="{DE60C95E-65BE-4365-B40B-24A5860D9413}" srcOrd="1" destOrd="0" presId="urn:microsoft.com/office/officeart/2005/8/layout/hierarchy2"/>
-    <dgm:cxn modelId="{83E2DB47-65CC-470F-AFA7-1248E8ACE4D4}" srcId="{5886DA34-5D32-4ADA-973A-D9E92FF1FAED}" destId="{3B5E1CBD-D2ED-4574-A0D5-A2E6CA9112C1}" srcOrd="1" destOrd="0" parTransId="{4B7F96FB-BD66-403E-B051-A494EA89F97C}" sibTransId="{90DAC3FC-21BD-43B8-9317-47D138E97B77}"/>
-    <dgm:cxn modelId="{D9E82A8F-D480-4346-B460-F11FC0CAA2FC}" type="presOf" srcId="{5886DA34-5D32-4ADA-973A-D9E92FF1FAED}" destId="{B754F008-6133-4743-B8E7-D297F889C552}" srcOrd="0" destOrd="0" presId="urn:microsoft.com/office/officeart/2005/8/layout/hierarchy2"/>
-    <dgm:cxn modelId="{06162947-C46A-4F05-905B-8463F6FCE0EF}" type="presOf" srcId="{9EADD6EA-42F7-4857-991C-697DB63761DA}" destId="{F7F96C41-2A8A-4F4A-A9FB-B2AD2AA6A75B}" srcOrd="0" destOrd="0" presId="urn:microsoft.com/office/officeart/2005/8/layout/hierarchy2"/>
-    <dgm:cxn modelId="{E67BE753-27E0-49B9-B897-24C47E46EBBE}" type="presOf" srcId="{6819E42D-34BB-4E3C-BD14-280AB0CD9F51}" destId="{4C172460-6350-4E90-8458-0F317DBC5CE0}" srcOrd="1" destOrd="0" presId="urn:microsoft.com/office/officeart/2005/8/layout/hierarchy2"/>
     <dgm:cxn modelId="{F89896D5-D45A-4751-9B21-3564D124DE03}" srcId="{5886DA34-5D32-4ADA-973A-D9E92FF1FAED}" destId="{50ED6453-A4A9-4B62-9C59-4B861ACB7FF1}" srcOrd="0" destOrd="0" parTransId="{6819E42D-34BB-4E3C-BD14-280AB0CD9F51}" sibTransId="{963B6512-A0C4-44BC-A5BE-562A24082FF9}"/>
-    <dgm:cxn modelId="{52206446-9AAE-4655-AF0D-A6B69C38EF22}" type="presOf" srcId="{6819E42D-34BB-4E3C-BD14-280AB0CD9F51}" destId="{BD228529-4367-4D2A-930C-46C6B3A9A0B7}" srcOrd="0" destOrd="0" presId="urn:microsoft.com/office/officeart/2005/8/layout/hierarchy2"/>
-    <dgm:cxn modelId="{848C367E-B5E6-4722-A79D-7FF27FA0F5E9}" type="presOf" srcId="{41E05C28-2972-4660-AC8D-8038D23D4266}" destId="{96BCCA7C-94FC-45D3-90C4-F4FC0E1DC541}" srcOrd="1" destOrd="0" presId="urn:microsoft.com/office/officeart/2005/8/layout/hierarchy2"/>
-    <dgm:cxn modelId="{58A97096-A401-47A3-83BA-FD957F5DA6CC}" type="presOf" srcId="{7EC5456D-F8B1-484E-9CCC-A5E484C5B6C1}" destId="{E19A0B7E-5174-4A07-BE49-C874D9FEBD02}" srcOrd="0" destOrd="0" presId="urn:microsoft.com/office/officeart/2005/8/layout/hierarchy2"/>
     <dgm:cxn modelId="{F3195752-FB69-4402-BD48-0452677F63B0}" type="presOf" srcId="{41E05C28-2972-4660-AC8D-8038D23D4266}" destId="{1AD78B2E-2D99-4CD7-B50E-8B02DDD80302}" srcOrd="0" destOrd="0" presId="urn:microsoft.com/office/officeart/2005/8/layout/hierarchy2"/>
-    <dgm:cxn modelId="{8DC27FDC-A5F2-4511-8E95-3AAC1A6B151A}" type="presOf" srcId="{4B7F96FB-BD66-403E-B051-A494EA89F97C}" destId="{F8C36DA8-75C7-44B8-9A07-F9512D817F6A}" srcOrd="0" destOrd="0" presId="urn:microsoft.com/office/officeart/2005/8/layout/hierarchy2"/>
     <dgm:cxn modelId="{F4210A71-FA93-41A8-A9B9-DA4536182955}" type="presParOf" srcId="{F7F96C41-2A8A-4F4A-A9FB-B2AD2AA6A75B}" destId="{C077A129-C28C-4167-BEEC-5792567B1337}" srcOrd="0" destOrd="0" presId="urn:microsoft.com/office/officeart/2005/8/layout/hierarchy2"/>
     <dgm:cxn modelId="{6752C81B-A289-434D-87B5-466AAD974B35}" type="presParOf" srcId="{C077A129-C28C-4167-BEEC-5792567B1337}" destId="{B754F008-6133-4743-B8E7-D297F889C552}" srcOrd="0" destOrd="0" presId="urn:microsoft.com/office/officeart/2005/8/layout/hierarchy2"/>
     <dgm:cxn modelId="{94D53BD2-ADE6-4218-836A-2B5F27580E4B}" type="presParOf" srcId="{C077A129-C28C-4167-BEEC-5792567B1337}" destId="{1ED6A051-3959-4FD6-AD29-3654FA28C3DC}" srcOrd="1" destOrd="0" presId="urn:microsoft.com/office/officeart/2005/8/layout/hierarchy2"/>
@@ -3061,342 +2380,6 @@
 </dgm:dataModel>
 </file>
 
-<file path=ppt/diagrams/data3.xml><?xml version="1.0" encoding="utf-8"?>
-<dgm:dataModel xmlns:dgm="http://schemas.openxmlformats.org/drawingml/2006/diagram" xmlns:a="http://schemas.openxmlformats.org/drawingml/2006/main">
-  <dgm:ptLst>
-    <dgm:pt modelId="{9EADD6EA-42F7-4857-991C-697DB63761DA}" type="doc">
-      <dgm:prSet loTypeId="urn:microsoft.com/office/officeart/2005/8/layout/hierarchy2" loCatId="hierarchy" qsTypeId="urn:microsoft.com/office/officeart/2005/8/quickstyle/simple1" qsCatId="simple" csTypeId="urn:microsoft.com/office/officeart/2005/8/colors/accent1_2" csCatId="accent1" phldr="1"/>
-      <dgm:spPr/>
-      <dgm:t>
-        <a:bodyPr/>
-        <a:lstStyle/>
-        <a:p>
-          <a:endParaRPr lang="zh-CN" altLang="en-US"/>
-        </a:p>
-      </dgm:t>
-    </dgm:pt>
-    <dgm:pt modelId="{5886DA34-5D32-4ADA-973A-D9E92FF1FAED}">
-      <dgm:prSet phldrT="[文本]"/>
-      <dgm:spPr/>
-      <dgm:t>
-        <a:bodyPr/>
-        <a:lstStyle/>
-        <a:p>
-          <a:r>
-            <a:rPr lang="en-US" altLang="zh-CN" dirty="0" smtClean="0">
-              <a:solidFill>
-                <a:srgbClr val="404040"/>
-              </a:solidFill>
-              <a:latin typeface="Arial" panose="020B0604020202020204" pitchFamily="34" charset="0"/>
-              <a:ea typeface="-apple-system"/>
-            </a:rPr>
-            <a:t>Custom Elements</a:t>
-          </a:r>
-          <a:endParaRPr lang="zh-CN" altLang="en-US" dirty="0"/>
-        </a:p>
-      </dgm:t>
-    </dgm:pt>
-    <dgm:pt modelId="{D151F72F-F315-4A10-9EA4-FC3113AF3D24}" type="parTrans" cxnId="{7D8460BC-7C96-4EFC-ABF5-9331029DCEC9}">
-      <dgm:prSet/>
-      <dgm:spPr/>
-      <dgm:t>
-        <a:bodyPr/>
-        <a:lstStyle/>
-        <a:p>
-          <a:endParaRPr lang="zh-CN" altLang="en-US"/>
-        </a:p>
-      </dgm:t>
-    </dgm:pt>
-    <dgm:pt modelId="{6D3A3184-3F63-4755-A86D-B75926D5EB7E}" type="sibTrans" cxnId="{7D8460BC-7C96-4EFC-ABF5-9331029DCEC9}">
-      <dgm:prSet/>
-      <dgm:spPr/>
-      <dgm:t>
-        <a:bodyPr/>
-        <a:lstStyle/>
-        <a:p>
-          <a:endParaRPr lang="zh-CN" altLang="en-US"/>
-        </a:p>
-      </dgm:t>
-    </dgm:pt>
-    <dgm:pt modelId="{50ED6453-A4A9-4B62-9C59-4B861ACB7FF1}">
-      <dgm:prSet phldrT="[文本]"/>
-      <dgm:spPr/>
-      <dgm:t>
-        <a:bodyPr/>
-        <a:lstStyle/>
-        <a:p>
-          <a:r>
-            <a:rPr lang="en-US" altLang="zh-CN" dirty="0" err="1" smtClean="0"/>
-            <a:t>HTMLElement</a:t>
-          </a:r>
-          <a:endParaRPr lang="zh-CN" altLang="en-US" dirty="0"/>
-        </a:p>
-      </dgm:t>
-    </dgm:pt>
-    <dgm:pt modelId="{6819E42D-34BB-4E3C-BD14-280AB0CD9F51}" type="parTrans" cxnId="{F89896D5-D45A-4751-9B21-3564D124DE03}">
-      <dgm:prSet/>
-      <dgm:spPr/>
-      <dgm:t>
-        <a:bodyPr/>
-        <a:lstStyle/>
-        <a:p>
-          <a:endParaRPr lang="zh-CN" altLang="en-US"/>
-        </a:p>
-      </dgm:t>
-    </dgm:pt>
-    <dgm:pt modelId="{963B6512-A0C4-44BC-A5BE-562A24082FF9}" type="sibTrans" cxnId="{F89896D5-D45A-4751-9B21-3564D124DE03}">
-      <dgm:prSet/>
-      <dgm:spPr/>
-      <dgm:t>
-        <a:bodyPr/>
-        <a:lstStyle/>
-        <a:p>
-          <a:endParaRPr lang="zh-CN" altLang="en-US"/>
-        </a:p>
-      </dgm:t>
-    </dgm:pt>
-    <dgm:pt modelId="{3B5E1CBD-D2ED-4574-A0D5-A2E6CA9112C1}">
-      <dgm:prSet phldrT="[文本]"/>
-      <dgm:spPr/>
-      <dgm:t>
-        <a:bodyPr/>
-        <a:lstStyle/>
-        <a:p>
-          <a:r>
-            <a:rPr lang="en-US" altLang="zh-CN" dirty="0" err="1" smtClean="0"/>
-            <a:t>customElements</a:t>
-          </a:r>
-          <a:endParaRPr lang="zh-CN" altLang="en-US" dirty="0"/>
-        </a:p>
-      </dgm:t>
-    </dgm:pt>
-    <dgm:pt modelId="{4B7F96FB-BD66-403E-B051-A494EA89F97C}" type="parTrans" cxnId="{83E2DB47-65CC-470F-AFA7-1248E8ACE4D4}">
-      <dgm:prSet/>
-      <dgm:spPr/>
-      <dgm:t>
-        <a:bodyPr/>
-        <a:lstStyle/>
-        <a:p>
-          <a:endParaRPr lang="zh-CN" altLang="en-US"/>
-        </a:p>
-      </dgm:t>
-    </dgm:pt>
-    <dgm:pt modelId="{90DAC3FC-21BD-43B8-9317-47D138E97B77}" type="sibTrans" cxnId="{83E2DB47-65CC-470F-AFA7-1248E8ACE4D4}">
-      <dgm:prSet/>
-      <dgm:spPr/>
-      <dgm:t>
-        <a:bodyPr/>
-        <a:lstStyle/>
-        <a:p>
-          <a:endParaRPr lang="zh-CN" altLang="en-US"/>
-        </a:p>
-      </dgm:t>
-    </dgm:pt>
-    <dgm:pt modelId="{7EC5456D-F8B1-484E-9CCC-A5E484C5B6C1}">
-      <dgm:prSet/>
-      <dgm:spPr/>
-      <dgm:t>
-        <a:bodyPr/>
-        <a:lstStyle/>
-        <a:p>
-          <a:r>
-            <a:rPr lang="en-US" altLang="zh-CN" dirty="0" smtClean="0"/>
-            <a:t>define(name, </a:t>
-          </a:r>
-          <a:r>
-            <a:rPr lang="en-US" altLang="zh-CN" dirty="0" err="1" smtClean="0"/>
-            <a:t>Ele</a:t>
-          </a:r>
-          <a:r>
-            <a:rPr lang="en-US" altLang="zh-CN" dirty="0" smtClean="0"/>
-            <a:t>)</a:t>
-          </a:r>
-          <a:endParaRPr lang="zh-CN" altLang="en-US" dirty="0"/>
-        </a:p>
-      </dgm:t>
-    </dgm:pt>
-    <dgm:pt modelId="{41E05C28-2972-4660-AC8D-8038D23D4266}" type="parTrans" cxnId="{41E43FA6-6C5C-4DE0-80CF-1D4AC5064AC8}">
-      <dgm:prSet/>
-      <dgm:spPr/>
-      <dgm:t>
-        <a:bodyPr/>
-        <a:lstStyle/>
-        <a:p>
-          <a:endParaRPr lang="zh-CN" altLang="en-US"/>
-        </a:p>
-      </dgm:t>
-    </dgm:pt>
-    <dgm:pt modelId="{8585A957-FF48-4BA9-A543-781075A9F24B}" type="sibTrans" cxnId="{41E43FA6-6C5C-4DE0-80CF-1D4AC5064AC8}">
-      <dgm:prSet/>
-      <dgm:spPr/>
-      <dgm:t>
-        <a:bodyPr/>
-        <a:lstStyle/>
-        <a:p>
-          <a:endParaRPr lang="zh-CN" altLang="en-US"/>
-        </a:p>
-      </dgm:t>
-    </dgm:pt>
-    <dgm:pt modelId="{F7F96C41-2A8A-4F4A-A9FB-B2AD2AA6A75B}" type="pres">
-      <dgm:prSet presAssocID="{9EADD6EA-42F7-4857-991C-697DB63761DA}" presName="diagram" presStyleCnt="0">
-        <dgm:presLayoutVars>
-          <dgm:chPref val="1"/>
-          <dgm:dir/>
-          <dgm:animOne val="branch"/>
-          <dgm:animLvl val="lvl"/>
-          <dgm:resizeHandles val="exact"/>
-        </dgm:presLayoutVars>
-      </dgm:prSet>
-      <dgm:spPr/>
-    </dgm:pt>
-    <dgm:pt modelId="{C077A129-C28C-4167-BEEC-5792567B1337}" type="pres">
-      <dgm:prSet presAssocID="{5886DA34-5D32-4ADA-973A-D9E92FF1FAED}" presName="root1" presStyleCnt="0"/>
-      <dgm:spPr/>
-    </dgm:pt>
-    <dgm:pt modelId="{B754F008-6133-4743-B8E7-D297F889C552}" type="pres">
-      <dgm:prSet presAssocID="{5886DA34-5D32-4ADA-973A-D9E92FF1FAED}" presName="LevelOneTextNode" presStyleLbl="node0" presStyleIdx="0" presStyleCnt="1">
-        <dgm:presLayoutVars>
-          <dgm:chPref val="3"/>
-        </dgm:presLayoutVars>
-      </dgm:prSet>
-      <dgm:spPr/>
-      <dgm:t>
-        <a:bodyPr/>
-        <a:lstStyle/>
-        <a:p>
-          <a:endParaRPr lang="zh-CN" altLang="en-US"/>
-        </a:p>
-      </dgm:t>
-    </dgm:pt>
-    <dgm:pt modelId="{1ED6A051-3959-4FD6-AD29-3654FA28C3DC}" type="pres">
-      <dgm:prSet presAssocID="{5886DA34-5D32-4ADA-973A-D9E92FF1FAED}" presName="level2hierChild" presStyleCnt="0"/>
-      <dgm:spPr/>
-    </dgm:pt>
-    <dgm:pt modelId="{BD228529-4367-4D2A-930C-46C6B3A9A0B7}" type="pres">
-      <dgm:prSet presAssocID="{6819E42D-34BB-4E3C-BD14-280AB0CD9F51}" presName="conn2-1" presStyleLbl="parChTrans1D2" presStyleIdx="0" presStyleCnt="3"/>
-      <dgm:spPr/>
-    </dgm:pt>
-    <dgm:pt modelId="{4C172460-6350-4E90-8458-0F317DBC5CE0}" type="pres">
-      <dgm:prSet presAssocID="{6819E42D-34BB-4E3C-BD14-280AB0CD9F51}" presName="connTx" presStyleLbl="parChTrans1D2" presStyleIdx="0" presStyleCnt="3"/>
-      <dgm:spPr/>
-    </dgm:pt>
-    <dgm:pt modelId="{29837749-5BAF-4EA5-B204-5BCEF5277F82}" type="pres">
-      <dgm:prSet presAssocID="{50ED6453-A4A9-4B62-9C59-4B861ACB7FF1}" presName="root2" presStyleCnt="0"/>
-      <dgm:spPr/>
-    </dgm:pt>
-    <dgm:pt modelId="{DF3DCC9B-419F-4E67-95FA-EDA26FA91A8F}" type="pres">
-      <dgm:prSet presAssocID="{50ED6453-A4A9-4B62-9C59-4B861ACB7FF1}" presName="LevelTwoTextNode" presStyleLbl="node2" presStyleIdx="0" presStyleCnt="3">
-        <dgm:presLayoutVars>
-          <dgm:chPref val="3"/>
-        </dgm:presLayoutVars>
-      </dgm:prSet>
-      <dgm:spPr/>
-    </dgm:pt>
-    <dgm:pt modelId="{55242990-BA2E-4226-B504-A3732E97F380}" type="pres">
-      <dgm:prSet presAssocID="{50ED6453-A4A9-4B62-9C59-4B861ACB7FF1}" presName="level3hierChild" presStyleCnt="0"/>
-      <dgm:spPr/>
-    </dgm:pt>
-    <dgm:pt modelId="{F8C36DA8-75C7-44B8-9A07-F9512D817F6A}" type="pres">
-      <dgm:prSet presAssocID="{4B7F96FB-BD66-403E-B051-A494EA89F97C}" presName="conn2-1" presStyleLbl="parChTrans1D2" presStyleIdx="1" presStyleCnt="3"/>
-      <dgm:spPr/>
-    </dgm:pt>
-    <dgm:pt modelId="{DE60C95E-65BE-4365-B40B-24A5860D9413}" type="pres">
-      <dgm:prSet presAssocID="{4B7F96FB-BD66-403E-B051-A494EA89F97C}" presName="connTx" presStyleLbl="parChTrans1D2" presStyleIdx="1" presStyleCnt="3"/>
-      <dgm:spPr/>
-    </dgm:pt>
-    <dgm:pt modelId="{C9790290-4468-431E-8AB0-F90C3CE8CA0A}" type="pres">
-      <dgm:prSet presAssocID="{3B5E1CBD-D2ED-4574-A0D5-A2E6CA9112C1}" presName="root2" presStyleCnt="0"/>
-      <dgm:spPr/>
-    </dgm:pt>
-    <dgm:pt modelId="{A41E3F7D-FA4D-41CF-8A41-E599E6AAAADB}" type="pres">
-      <dgm:prSet presAssocID="{3B5E1CBD-D2ED-4574-A0D5-A2E6CA9112C1}" presName="LevelTwoTextNode" presStyleLbl="node2" presStyleIdx="1" presStyleCnt="3">
-        <dgm:presLayoutVars>
-          <dgm:chPref val="3"/>
-        </dgm:presLayoutVars>
-      </dgm:prSet>
-      <dgm:spPr/>
-    </dgm:pt>
-    <dgm:pt modelId="{A469A066-4903-4E2B-8137-72D471BE1FD8}" type="pres">
-      <dgm:prSet presAssocID="{3B5E1CBD-D2ED-4574-A0D5-A2E6CA9112C1}" presName="level3hierChild" presStyleCnt="0"/>
-      <dgm:spPr/>
-    </dgm:pt>
-    <dgm:pt modelId="{1AD78B2E-2D99-4CD7-B50E-8B02DDD80302}" type="pres">
-      <dgm:prSet presAssocID="{41E05C28-2972-4660-AC8D-8038D23D4266}" presName="conn2-1" presStyleLbl="parChTrans1D2" presStyleIdx="2" presStyleCnt="3"/>
-      <dgm:spPr/>
-    </dgm:pt>
-    <dgm:pt modelId="{96BCCA7C-94FC-45D3-90C4-F4FC0E1DC541}" type="pres">
-      <dgm:prSet presAssocID="{41E05C28-2972-4660-AC8D-8038D23D4266}" presName="connTx" presStyleLbl="parChTrans1D2" presStyleIdx="2" presStyleCnt="3"/>
-      <dgm:spPr/>
-    </dgm:pt>
-    <dgm:pt modelId="{9CF50223-0AB8-4BEE-A4C7-0ED38B61FEC1}" type="pres">
-      <dgm:prSet presAssocID="{7EC5456D-F8B1-484E-9CCC-A5E484C5B6C1}" presName="root2" presStyleCnt="0"/>
-      <dgm:spPr/>
-    </dgm:pt>
-    <dgm:pt modelId="{E19A0B7E-5174-4A07-BE49-C874D9FEBD02}" type="pres">
-      <dgm:prSet presAssocID="{7EC5456D-F8B1-484E-9CCC-A5E484C5B6C1}" presName="LevelTwoTextNode" presStyleLbl="node2" presStyleIdx="2" presStyleCnt="3">
-        <dgm:presLayoutVars>
-          <dgm:chPref val="3"/>
-        </dgm:presLayoutVars>
-      </dgm:prSet>
-      <dgm:spPr/>
-      <dgm:t>
-        <a:bodyPr/>
-        <a:lstStyle/>
-        <a:p>
-          <a:endParaRPr lang="zh-CN" altLang="en-US"/>
-        </a:p>
-      </dgm:t>
-    </dgm:pt>
-    <dgm:pt modelId="{386E3F3C-BAFD-400B-A9A0-F4D87F01DC50}" type="pres">
-      <dgm:prSet presAssocID="{7EC5456D-F8B1-484E-9CCC-A5E484C5B6C1}" presName="level3hierChild" presStyleCnt="0"/>
-      <dgm:spPr/>
-    </dgm:pt>
-  </dgm:ptLst>
-  <dgm:cxnLst>
-    <dgm:cxn modelId="{0656EFB7-6A69-43D3-9F44-2FCB973225E7}" type="presOf" srcId="{41E05C28-2972-4660-AC8D-8038D23D4266}" destId="{96BCCA7C-94FC-45D3-90C4-F4FC0E1DC541}" srcOrd="1" destOrd="0" presId="urn:microsoft.com/office/officeart/2005/8/layout/hierarchy2"/>
-    <dgm:cxn modelId="{41E43FA6-6C5C-4DE0-80CF-1D4AC5064AC8}" srcId="{5886DA34-5D32-4ADA-973A-D9E92FF1FAED}" destId="{7EC5456D-F8B1-484E-9CCC-A5E484C5B6C1}" srcOrd="2" destOrd="0" parTransId="{41E05C28-2972-4660-AC8D-8038D23D4266}" sibTransId="{8585A957-FF48-4BA9-A543-781075A9F24B}"/>
-    <dgm:cxn modelId="{228DFF31-4C4E-45F3-BA4F-43F69EC0B354}" type="presOf" srcId="{41E05C28-2972-4660-AC8D-8038D23D4266}" destId="{1AD78B2E-2D99-4CD7-B50E-8B02DDD80302}" srcOrd="0" destOrd="0" presId="urn:microsoft.com/office/officeart/2005/8/layout/hierarchy2"/>
-    <dgm:cxn modelId="{83E2DB47-65CC-470F-AFA7-1248E8ACE4D4}" srcId="{5886DA34-5D32-4ADA-973A-D9E92FF1FAED}" destId="{3B5E1CBD-D2ED-4574-A0D5-A2E6CA9112C1}" srcOrd="1" destOrd="0" parTransId="{4B7F96FB-BD66-403E-B051-A494EA89F97C}" sibTransId="{90DAC3FC-21BD-43B8-9317-47D138E97B77}"/>
-    <dgm:cxn modelId="{0549079B-D0A7-4F37-B9B0-CD5F197D238B}" type="presOf" srcId="{50ED6453-A4A9-4B62-9C59-4B861ACB7FF1}" destId="{DF3DCC9B-419F-4E67-95FA-EDA26FA91A8F}" srcOrd="0" destOrd="0" presId="urn:microsoft.com/office/officeart/2005/8/layout/hierarchy2"/>
-    <dgm:cxn modelId="{A095802C-3534-4427-BDE7-30E6CD740607}" type="presOf" srcId="{9EADD6EA-42F7-4857-991C-697DB63761DA}" destId="{F7F96C41-2A8A-4F4A-A9FB-B2AD2AA6A75B}" srcOrd="0" destOrd="0" presId="urn:microsoft.com/office/officeart/2005/8/layout/hierarchy2"/>
-    <dgm:cxn modelId="{867559E7-8D7E-4264-9890-F8E193ABF96E}" type="presOf" srcId="{7EC5456D-F8B1-484E-9CCC-A5E484C5B6C1}" destId="{E19A0B7E-5174-4A07-BE49-C874D9FEBD02}" srcOrd="0" destOrd="0" presId="urn:microsoft.com/office/officeart/2005/8/layout/hierarchy2"/>
-    <dgm:cxn modelId="{8988D402-58C9-4106-8DA0-AF08955B6F6A}" type="presOf" srcId="{5886DA34-5D32-4ADA-973A-D9E92FF1FAED}" destId="{B754F008-6133-4743-B8E7-D297F889C552}" srcOrd="0" destOrd="0" presId="urn:microsoft.com/office/officeart/2005/8/layout/hierarchy2"/>
-    <dgm:cxn modelId="{9968E276-D183-4C13-809D-6DE5836AF82E}" type="presOf" srcId="{4B7F96FB-BD66-403E-B051-A494EA89F97C}" destId="{F8C36DA8-75C7-44B8-9A07-F9512D817F6A}" srcOrd="0" destOrd="0" presId="urn:microsoft.com/office/officeart/2005/8/layout/hierarchy2"/>
-    <dgm:cxn modelId="{C56D73EB-4772-466F-9B39-57ADCD5D3523}" type="presOf" srcId="{4B7F96FB-BD66-403E-B051-A494EA89F97C}" destId="{DE60C95E-65BE-4365-B40B-24A5860D9413}" srcOrd="1" destOrd="0" presId="urn:microsoft.com/office/officeart/2005/8/layout/hierarchy2"/>
-    <dgm:cxn modelId="{07DB829F-7F64-451B-A424-7DB396348E64}" type="presOf" srcId="{6819E42D-34BB-4E3C-BD14-280AB0CD9F51}" destId="{BD228529-4367-4D2A-930C-46C6B3A9A0B7}" srcOrd="0" destOrd="0" presId="urn:microsoft.com/office/officeart/2005/8/layout/hierarchy2"/>
-    <dgm:cxn modelId="{06DCB1F4-F2D6-42ED-B033-DF1CB8C19FFA}" type="presOf" srcId="{3B5E1CBD-D2ED-4574-A0D5-A2E6CA9112C1}" destId="{A41E3F7D-FA4D-41CF-8A41-E599E6AAAADB}" srcOrd="0" destOrd="0" presId="urn:microsoft.com/office/officeart/2005/8/layout/hierarchy2"/>
-    <dgm:cxn modelId="{1F550DE6-8D0E-4D09-9594-668FA5C8D924}" type="presOf" srcId="{6819E42D-34BB-4E3C-BD14-280AB0CD9F51}" destId="{4C172460-6350-4E90-8458-0F317DBC5CE0}" srcOrd="1" destOrd="0" presId="urn:microsoft.com/office/officeart/2005/8/layout/hierarchy2"/>
-    <dgm:cxn modelId="{7D8460BC-7C96-4EFC-ABF5-9331029DCEC9}" srcId="{9EADD6EA-42F7-4857-991C-697DB63761DA}" destId="{5886DA34-5D32-4ADA-973A-D9E92FF1FAED}" srcOrd="0" destOrd="0" parTransId="{D151F72F-F315-4A10-9EA4-FC3113AF3D24}" sibTransId="{6D3A3184-3F63-4755-A86D-B75926D5EB7E}"/>
-    <dgm:cxn modelId="{F89896D5-D45A-4751-9B21-3564D124DE03}" srcId="{5886DA34-5D32-4ADA-973A-D9E92FF1FAED}" destId="{50ED6453-A4A9-4B62-9C59-4B861ACB7FF1}" srcOrd="0" destOrd="0" parTransId="{6819E42D-34BB-4E3C-BD14-280AB0CD9F51}" sibTransId="{963B6512-A0C4-44BC-A5BE-562A24082FF9}"/>
-    <dgm:cxn modelId="{1DAF0204-1385-4A8F-A57C-AA777BFE38C8}" type="presParOf" srcId="{F7F96C41-2A8A-4F4A-A9FB-B2AD2AA6A75B}" destId="{C077A129-C28C-4167-BEEC-5792567B1337}" srcOrd="0" destOrd="0" presId="urn:microsoft.com/office/officeart/2005/8/layout/hierarchy2"/>
-    <dgm:cxn modelId="{E88AA2E8-4353-4789-9883-471E2289F609}" type="presParOf" srcId="{C077A129-C28C-4167-BEEC-5792567B1337}" destId="{B754F008-6133-4743-B8E7-D297F889C552}" srcOrd="0" destOrd="0" presId="urn:microsoft.com/office/officeart/2005/8/layout/hierarchy2"/>
-    <dgm:cxn modelId="{3C528B67-B177-4455-BEA0-1CD20EC3E540}" type="presParOf" srcId="{C077A129-C28C-4167-BEEC-5792567B1337}" destId="{1ED6A051-3959-4FD6-AD29-3654FA28C3DC}" srcOrd="1" destOrd="0" presId="urn:microsoft.com/office/officeart/2005/8/layout/hierarchy2"/>
-    <dgm:cxn modelId="{B332D9A9-1878-417A-838D-3B5C9ECA5AF8}" type="presParOf" srcId="{1ED6A051-3959-4FD6-AD29-3654FA28C3DC}" destId="{BD228529-4367-4D2A-930C-46C6B3A9A0B7}" srcOrd="0" destOrd="0" presId="urn:microsoft.com/office/officeart/2005/8/layout/hierarchy2"/>
-    <dgm:cxn modelId="{538EFAB5-A774-4C51-A1F3-7C4E85BE3204}" type="presParOf" srcId="{BD228529-4367-4D2A-930C-46C6B3A9A0B7}" destId="{4C172460-6350-4E90-8458-0F317DBC5CE0}" srcOrd="0" destOrd="0" presId="urn:microsoft.com/office/officeart/2005/8/layout/hierarchy2"/>
-    <dgm:cxn modelId="{0407B5F4-8EA3-4FC3-8C95-F78EC3BA4A8E}" type="presParOf" srcId="{1ED6A051-3959-4FD6-AD29-3654FA28C3DC}" destId="{29837749-5BAF-4EA5-B204-5BCEF5277F82}" srcOrd="1" destOrd="0" presId="urn:microsoft.com/office/officeart/2005/8/layout/hierarchy2"/>
-    <dgm:cxn modelId="{62896B92-EF33-42CA-AED2-DEB25FDA8605}" type="presParOf" srcId="{29837749-5BAF-4EA5-B204-5BCEF5277F82}" destId="{DF3DCC9B-419F-4E67-95FA-EDA26FA91A8F}" srcOrd="0" destOrd="0" presId="urn:microsoft.com/office/officeart/2005/8/layout/hierarchy2"/>
-    <dgm:cxn modelId="{51F6A8D9-7031-442F-9D6C-B3456271798C}" type="presParOf" srcId="{29837749-5BAF-4EA5-B204-5BCEF5277F82}" destId="{55242990-BA2E-4226-B504-A3732E97F380}" srcOrd="1" destOrd="0" presId="urn:microsoft.com/office/officeart/2005/8/layout/hierarchy2"/>
-    <dgm:cxn modelId="{C3F52556-EF43-46BA-9F54-B0B99C5B775E}" type="presParOf" srcId="{1ED6A051-3959-4FD6-AD29-3654FA28C3DC}" destId="{F8C36DA8-75C7-44B8-9A07-F9512D817F6A}" srcOrd="2" destOrd="0" presId="urn:microsoft.com/office/officeart/2005/8/layout/hierarchy2"/>
-    <dgm:cxn modelId="{1FCCFD41-5BAD-4D42-A83B-AB7A128CD306}" type="presParOf" srcId="{F8C36DA8-75C7-44B8-9A07-F9512D817F6A}" destId="{DE60C95E-65BE-4365-B40B-24A5860D9413}" srcOrd="0" destOrd="0" presId="urn:microsoft.com/office/officeart/2005/8/layout/hierarchy2"/>
-    <dgm:cxn modelId="{9251311B-F93B-47A4-BC08-4FEEEC162FE0}" type="presParOf" srcId="{1ED6A051-3959-4FD6-AD29-3654FA28C3DC}" destId="{C9790290-4468-431E-8AB0-F90C3CE8CA0A}" srcOrd="3" destOrd="0" presId="urn:microsoft.com/office/officeart/2005/8/layout/hierarchy2"/>
-    <dgm:cxn modelId="{70BBB0AE-0CFA-410A-9A9F-10301781A219}" type="presParOf" srcId="{C9790290-4468-431E-8AB0-F90C3CE8CA0A}" destId="{A41E3F7D-FA4D-41CF-8A41-E599E6AAAADB}" srcOrd="0" destOrd="0" presId="urn:microsoft.com/office/officeart/2005/8/layout/hierarchy2"/>
-    <dgm:cxn modelId="{D3A918EC-4681-49C4-A7BF-3E8069C4EF0B}" type="presParOf" srcId="{C9790290-4468-431E-8AB0-F90C3CE8CA0A}" destId="{A469A066-4903-4E2B-8137-72D471BE1FD8}" srcOrd="1" destOrd="0" presId="urn:microsoft.com/office/officeart/2005/8/layout/hierarchy2"/>
-    <dgm:cxn modelId="{BA267B64-789F-4713-AFF1-03F505C95876}" type="presParOf" srcId="{1ED6A051-3959-4FD6-AD29-3654FA28C3DC}" destId="{1AD78B2E-2D99-4CD7-B50E-8B02DDD80302}" srcOrd="4" destOrd="0" presId="urn:microsoft.com/office/officeart/2005/8/layout/hierarchy2"/>
-    <dgm:cxn modelId="{8C34FCA3-F6A6-4B6C-90BC-76052CCB4B54}" type="presParOf" srcId="{1AD78B2E-2D99-4CD7-B50E-8B02DDD80302}" destId="{96BCCA7C-94FC-45D3-90C4-F4FC0E1DC541}" srcOrd="0" destOrd="0" presId="urn:microsoft.com/office/officeart/2005/8/layout/hierarchy2"/>
-    <dgm:cxn modelId="{B864A430-83D3-4336-B724-419FB6B506AE}" type="presParOf" srcId="{1ED6A051-3959-4FD6-AD29-3654FA28C3DC}" destId="{9CF50223-0AB8-4BEE-A4C7-0ED38B61FEC1}" srcOrd="5" destOrd="0" presId="urn:microsoft.com/office/officeart/2005/8/layout/hierarchy2"/>
-    <dgm:cxn modelId="{402D15D1-74DE-47FE-A871-72C12F011D72}" type="presParOf" srcId="{9CF50223-0AB8-4BEE-A4C7-0ED38B61FEC1}" destId="{E19A0B7E-5174-4A07-BE49-C874D9FEBD02}" srcOrd="0" destOrd="0" presId="urn:microsoft.com/office/officeart/2005/8/layout/hierarchy2"/>
-    <dgm:cxn modelId="{E48A6034-137B-4CBB-944E-4C0BF213B6C7}" type="presParOf" srcId="{9CF50223-0AB8-4BEE-A4C7-0ED38B61FEC1}" destId="{386E3F3C-BAFD-400B-A9A0-F4D87F01DC50}" srcOrd="1" destOrd="0" presId="urn:microsoft.com/office/officeart/2005/8/layout/hierarchy2"/>
-  </dgm:cxnLst>
-  <dgm:bg/>
-  <dgm:whole/>
-  <dgm:extLst>
-    <a:ext uri="http://schemas.microsoft.com/office/drawing/2008/diagram">
-      <dsp:dataModelExt xmlns:dsp="http://schemas.microsoft.com/office/drawing/2008/diagram" relId="rId7" minVer="http://schemas.openxmlformats.org/drawingml/2006/diagram"/>
-    </a:ext>
-  </dgm:extLst>
-</dgm:dataModel>
-</file>
-
 <file path=ppt/diagrams/drawing1.xml><?xml version="1.0" encoding="utf-8"?>
 <dsp:drawing xmlns:dgm="http://schemas.openxmlformats.org/drawingml/2006/diagram" xmlns:dsp="http://schemas.microsoft.com/office/drawing/2008/diagram" xmlns:a="http://schemas.openxmlformats.org/drawingml/2006/main">
   <dsp:spTree>
@@ -3405,32 +2388,64 @@
       <dsp:cNvGrpSpPr/>
     </dsp:nvGrpSpPr>
     <dsp:grpSpPr/>
-  </dsp:spTree>
-</dsp:drawing>
-</file>
-
-<file path=ppt/diagrams/drawing2.xml><?xml version="1.0" encoding="utf-8"?>
-<dsp:drawing xmlns:dgm="http://schemas.openxmlformats.org/drawingml/2006/diagram" xmlns:dsp="http://schemas.microsoft.com/office/drawing/2008/diagram" xmlns:a="http://schemas.openxmlformats.org/drawingml/2006/main">
-  <dsp:spTree>
-    <dsp:nvGrpSpPr>
-      <dsp:cNvPr id="0" name=""/>
-      <dsp:cNvGrpSpPr/>
-    </dsp:nvGrpSpPr>
-    <dsp:grpSpPr/>
-    <dsp:sp modelId="{B754F008-6133-4743-B8E7-D297F889C552}">
+    <dsp:sp modelId="{781D2BA9-01B8-4B7C-82D6-94E995C3B482}">
       <dsp:nvSpPr>
         <dsp:cNvPr id="0" name=""/>
         <dsp:cNvSpPr/>
       </dsp:nvSpPr>
       <dsp:spPr>
         <a:xfrm>
-          <a:off x="110" y="1387460"/>
-          <a:ext cx="1514220" cy="757110"/>
+          <a:off x="-4230453" y="-649088"/>
+          <a:ext cx="5040550" cy="5040550"/>
         </a:xfrm>
-        <a:prstGeom prst="roundRect">
+        <a:prstGeom prst="blockArc">
           <a:avLst>
-            <a:gd name="adj" fmla="val 10000"/>
+            <a:gd name="adj1" fmla="val 18900000"/>
+            <a:gd name="adj2" fmla="val 2700000"/>
+            <a:gd name="adj3" fmla="val 429"/>
           </a:avLst>
+        </a:prstGeom>
+        <a:noFill/>
+        <a:ln w="12700" cap="flat" cmpd="sng" algn="ctr">
+          <a:solidFill>
+            <a:schemeClr val="accent1">
+              <a:shade val="60000"/>
+              <a:hueOff val="0"/>
+              <a:satOff val="0"/>
+              <a:lumOff val="0"/>
+              <a:alphaOff val="0"/>
+            </a:schemeClr>
+          </a:solidFill>
+          <a:prstDash val="solid"/>
+          <a:miter lim="800000"/>
+        </a:ln>
+        <a:effectLst/>
+      </dsp:spPr>
+      <dsp:style>
+        <a:lnRef idx="2">
+          <a:scrgbClr r="0" g="0" b="0"/>
+        </a:lnRef>
+        <a:fillRef idx="0">
+          <a:scrgbClr r="0" g="0" b="0"/>
+        </a:fillRef>
+        <a:effectRef idx="0">
+          <a:scrgbClr r="0" g="0" b="0"/>
+        </a:effectRef>
+        <a:fontRef idx="minor"/>
+      </dsp:style>
+    </dsp:sp>
+    <dsp:sp modelId="{70ABE1E6-AAF8-4A13-8929-D138719B5DAC}">
+      <dsp:nvSpPr>
+        <dsp:cNvPr id="0" name=""/>
+        <dsp:cNvSpPr/>
+      </dsp:nvSpPr>
+      <dsp:spPr>
+        <a:xfrm>
+          <a:off x="424426" y="287713"/>
+          <a:ext cx="6826519" cy="575726"/>
+        </a:xfrm>
+        <a:prstGeom prst="rect">
+          <a:avLst/>
         </a:prstGeom>
         <a:solidFill>
           <a:schemeClr val="accent1">
@@ -3469,12 +2484,12 @@
         </a:fontRef>
       </dsp:style>
       <dsp:txBody>
-        <a:bodyPr spcFirstLastPara="0" vert="horz" wrap="square" lIns="10160" tIns="10160" rIns="10160" bIns="10160" numCol="1" spcCol="1270" anchor="ctr" anchorCtr="0">
+        <a:bodyPr spcFirstLastPara="0" vert="horz" wrap="square" lIns="456983" tIns="71120" rIns="71120" bIns="71120" numCol="1" spcCol="1270" anchor="ctr" anchorCtr="0">
           <a:noAutofit/>
         </a:bodyPr>
         <a:lstStyle/>
         <a:p>
-          <a:pPr lvl="0" algn="ctr" defTabSz="711200">
+          <a:pPr lvl="0" algn="l" defTabSz="1244600">
             <a:lnSpc>
               <a:spcPct val="90000"/>
             </a:lnSpc>
@@ -3486,55 +2501,45 @@
             </a:spcAft>
           </a:pPr>
           <a:r>
-            <a:rPr lang="en-US" altLang="zh-CN" sz="1600" kern="1200" dirty="0" smtClean="0">
-              <a:solidFill>
-                <a:srgbClr val="404040"/>
-              </a:solidFill>
-              <a:latin typeface="Arial" panose="020B0604020202020204" pitchFamily="34" charset="0"/>
-              <a:ea typeface="-apple-system"/>
-            </a:rPr>
-            <a:t>Custom Elements</a:t>
+            <a:rPr lang="zh-CN" altLang="en-US" sz="2800" kern="1200" dirty="0" smtClean="0"/>
+            <a:t>虚拟</a:t>
           </a:r>
-          <a:endParaRPr lang="zh-CN" altLang="en-US" sz="1600" kern="1200" dirty="0"/>
+          <a:r>
+            <a:rPr lang="en-US" altLang="zh-CN" sz="2800" kern="1200" dirty="0" err="1" smtClean="0"/>
+            <a:t>dom</a:t>
+          </a:r>
+          <a:endParaRPr lang="zh-CN" altLang="en-US" sz="2800" kern="1200" dirty="0"/>
         </a:p>
       </dsp:txBody>
       <dsp:txXfrm>
-        <a:off x="22285" y="1409635"/>
-        <a:ext cx="1469870" cy="712760"/>
+        <a:off x="424426" y="287713"/>
+        <a:ext cx="6826519" cy="575726"/>
       </dsp:txXfrm>
     </dsp:sp>
-    <dsp:sp modelId="{BD228529-4367-4D2A-930C-46C6B3A9A0B7}">
+    <dsp:sp modelId="{AB6C5970-6B6B-4CC0-9945-08DC0B17EE3E}">
       <dsp:nvSpPr>
         <dsp:cNvPr id="0" name=""/>
         <dsp:cNvSpPr/>
       </dsp:nvSpPr>
       <dsp:spPr>
-        <a:xfrm rot="18289469">
-          <a:off x="1286859" y="1311385"/>
-          <a:ext cx="1060630" cy="38583"/>
+        <a:xfrm>
+          <a:off x="64596" y="215747"/>
+          <a:ext cx="719658" cy="719658"/>
         </a:xfrm>
-        <a:custGeom>
+        <a:prstGeom prst="ellipse">
           <a:avLst/>
-          <a:gdLst/>
-          <a:ahLst/>
-          <a:cxnLst/>
-          <a:rect l="0" t="0" r="0" b="0"/>
-          <a:pathLst>
-            <a:path>
-              <a:moveTo>
-                <a:pt x="0" y="19291"/>
-              </a:moveTo>
-              <a:lnTo>
-                <a:pt x="1060630" y="19291"/>
-              </a:lnTo>
-            </a:path>
-          </a:pathLst>
-        </a:custGeom>
-        <a:noFill/>
+        </a:prstGeom>
+        <a:solidFill>
+          <a:schemeClr val="lt1">
+            <a:hueOff val="0"/>
+            <a:satOff val="0"/>
+            <a:lumOff val="0"/>
+            <a:alphaOff val="0"/>
+          </a:schemeClr>
+        </a:solidFill>
         <a:ln w="12700" cap="flat" cmpd="sng" algn="ctr">
           <a:solidFill>
             <a:schemeClr val="accent1">
-              <a:shade val="60000"/>
               <a:hueOff val="0"/>
               <a:satOff val="0"/>
               <a:lumOff val="0"/>
@@ -3550,7 +2555,7 @@
         <a:lnRef idx="2">
           <a:scrgbClr r="0" g="0" b="0"/>
         </a:lnRef>
-        <a:fillRef idx="0">
+        <a:fillRef idx="1">
           <a:scrgbClr r="0" g="0" b="0"/>
         </a:fillRef>
         <a:effectRef idx="0">
@@ -3558,45 +2563,19 @@
         </a:effectRef>
         <a:fontRef idx="minor"/>
       </dsp:style>
-      <dsp:txBody>
-        <a:bodyPr spcFirstLastPara="0" vert="horz" wrap="square" lIns="12700" tIns="0" rIns="12700" bIns="0" numCol="1" spcCol="1270" anchor="ctr" anchorCtr="0">
-          <a:noAutofit/>
-        </a:bodyPr>
-        <a:lstStyle/>
-        <a:p>
-          <a:pPr lvl="0" algn="ctr" defTabSz="222250">
-            <a:lnSpc>
-              <a:spcPct val="90000"/>
-            </a:lnSpc>
-            <a:spcBef>
-              <a:spcPct val="0"/>
-            </a:spcBef>
-            <a:spcAft>
-              <a:spcPct val="35000"/>
-            </a:spcAft>
-          </a:pPr>
-          <a:endParaRPr lang="zh-CN" altLang="en-US" sz="500" kern="1200"/>
-        </a:p>
-      </dsp:txBody>
-      <dsp:txXfrm>
-        <a:off x="1790659" y="1304161"/>
-        <a:ext cx="53031" cy="53031"/>
-      </dsp:txXfrm>
     </dsp:sp>
-    <dsp:sp modelId="{DF3DCC9B-419F-4E67-95FA-EDA26FA91A8F}">
+    <dsp:sp modelId="{1D193561-E8A1-42D7-8316-5840CB872E79}">
       <dsp:nvSpPr>
         <dsp:cNvPr id="0" name=""/>
         <dsp:cNvSpPr/>
       </dsp:nvSpPr>
       <dsp:spPr>
         <a:xfrm>
-          <a:off x="2120019" y="516783"/>
-          <a:ext cx="1514220" cy="757110"/>
+          <a:off x="754503" y="1151453"/>
+          <a:ext cx="6496442" cy="575726"/>
         </a:xfrm>
-        <a:prstGeom prst="roundRect">
-          <a:avLst>
-            <a:gd name="adj" fmla="val 10000"/>
-          </a:avLst>
+        <a:prstGeom prst="rect">
+          <a:avLst/>
         </a:prstGeom>
         <a:solidFill>
           <a:schemeClr val="accent1">
@@ -3635,12 +2614,12 @@
         </a:fontRef>
       </dsp:style>
       <dsp:txBody>
-        <a:bodyPr spcFirstLastPara="0" vert="horz" wrap="square" lIns="10160" tIns="10160" rIns="10160" bIns="10160" numCol="1" spcCol="1270" anchor="ctr" anchorCtr="0">
+        <a:bodyPr spcFirstLastPara="0" vert="horz" wrap="square" lIns="456983" tIns="71120" rIns="71120" bIns="71120" numCol="1" spcCol="1270" anchor="ctr" anchorCtr="0">
           <a:noAutofit/>
         </a:bodyPr>
         <a:lstStyle/>
         <a:p>
-          <a:pPr lvl="0" algn="ctr" defTabSz="711200">
+          <a:pPr lvl="0" algn="l" defTabSz="1244600">
             <a:lnSpc>
               <a:spcPct val="90000"/>
             </a:lnSpc>
@@ -3652,49 +2631,45 @@
             </a:spcAft>
           </a:pPr>
           <a:r>
-            <a:rPr lang="en-US" altLang="zh-CN" sz="1600" kern="1200" dirty="0" err="1" smtClean="0"/>
-            <a:t>HTMLElement</a:t>
+            <a:rPr lang="zh-CN" altLang="en-US" sz="2800" kern="1200" dirty="0" smtClean="0"/>
+            <a:t>无处不在的</a:t>
           </a:r>
-          <a:endParaRPr lang="zh-CN" altLang="en-US" sz="1600" kern="1200" dirty="0"/>
+          <a:r>
+            <a:rPr lang="en-US" altLang="zh-CN" sz="2800" kern="1200" dirty="0" smtClean="0"/>
+            <a:t>diff</a:t>
+          </a:r>
+          <a:endParaRPr lang="zh-CN" altLang="en-US" sz="2800" kern="1200" dirty="0"/>
         </a:p>
       </dsp:txBody>
       <dsp:txXfrm>
-        <a:off x="2142194" y="538958"/>
-        <a:ext cx="1469870" cy="712760"/>
+        <a:off x="754503" y="1151453"/>
+        <a:ext cx="6496442" cy="575726"/>
       </dsp:txXfrm>
     </dsp:sp>
-    <dsp:sp modelId="{F8C36DA8-75C7-44B8-9A07-F9512D817F6A}">
+    <dsp:sp modelId="{F3958A8F-50A7-497E-9FAB-5AD1210CF544}">
       <dsp:nvSpPr>
         <dsp:cNvPr id="0" name=""/>
         <dsp:cNvSpPr/>
       </dsp:nvSpPr>
       <dsp:spPr>
         <a:xfrm>
-          <a:off x="1514330" y="1746723"/>
-          <a:ext cx="605688" cy="38583"/>
+          <a:off x="394674" y="1079487"/>
+          <a:ext cx="719658" cy="719658"/>
         </a:xfrm>
-        <a:custGeom>
+        <a:prstGeom prst="ellipse">
           <a:avLst/>
-          <a:gdLst/>
-          <a:ahLst/>
-          <a:cxnLst/>
-          <a:rect l="0" t="0" r="0" b="0"/>
-          <a:pathLst>
-            <a:path>
-              <a:moveTo>
-                <a:pt x="0" y="19291"/>
-              </a:moveTo>
-              <a:lnTo>
-                <a:pt x="605688" y="19291"/>
-              </a:lnTo>
-            </a:path>
-          </a:pathLst>
-        </a:custGeom>
-        <a:noFill/>
+        </a:prstGeom>
+        <a:solidFill>
+          <a:schemeClr val="lt1">
+            <a:hueOff val="0"/>
+            <a:satOff val="0"/>
+            <a:lumOff val="0"/>
+            <a:alphaOff val="0"/>
+          </a:schemeClr>
+        </a:solidFill>
         <a:ln w="12700" cap="flat" cmpd="sng" algn="ctr">
           <a:solidFill>
             <a:schemeClr val="accent1">
-              <a:shade val="60000"/>
               <a:hueOff val="0"/>
               <a:satOff val="0"/>
               <a:lumOff val="0"/>
@@ -3710,7 +2685,7 @@
         <a:lnRef idx="2">
           <a:scrgbClr r="0" g="0" b="0"/>
         </a:lnRef>
-        <a:fillRef idx="0">
+        <a:fillRef idx="1">
           <a:scrgbClr r="0" g="0" b="0"/>
         </a:fillRef>
         <a:effectRef idx="0">
@@ -3718,45 +2693,19 @@
         </a:effectRef>
         <a:fontRef idx="minor"/>
       </dsp:style>
-      <dsp:txBody>
-        <a:bodyPr spcFirstLastPara="0" vert="horz" wrap="square" lIns="12700" tIns="0" rIns="12700" bIns="0" numCol="1" spcCol="1270" anchor="ctr" anchorCtr="0">
-          <a:noAutofit/>
-        </a:bodyPr>
-        <a:lstStyle/>
-        <a:p>
-          <a:pPr lvl="0" algn="ctr" defTabSz="222250">
-            <a:lnSpc>
-              <a:spcPct val="90000"/>
-            </a:lnSpc>
-            <a:spcBef>
-              <a:spcPct val="0"/>
-            </a:spcBef>
-            <a:spcAft>
-              <a:spcPct val="35000"/>
-            </a:spcAft>
-          </a:pPr>
-          <a:endParaRPr lang="zh-CN" altLang="en-US" sz="500" kern="1200"/>
-        </a:p>
-      </dsp:txBody>
-      <dsp:txXfrm>
-        <a:off x="1802032" y="1750873"/>
-        <a:ext cx="30284" cy="30284"/>
-      </dsp:txXfrm>
     </dsp:sp>
-    <dsp:sp modelId="{A41E3F7D-FA4D-41CF-8A41-E599E6AAAADB}">
+    <dsp:sp modelId="{045D4F48-AEF5-41E3-A97B-002BFBFC1C97}">
       <dsp:nvSpPr>
         <dsp:cNvPr id="0" name=""/>
         <dsp:cNvSpPr/>
       </dsp:nvSpPr>
       <dsp:spPr>
         <a:xfrm>
-          <a:off x="2120019" y="1387460"/>
-          <a:ext cx="1514220" cy="757110"/>
+          <a:off x="754503" y="2015193"/>
+          <a:ext cx="6496442" cy="575726"/>
         </a:xfrm>
-        <a:prstGeom prst="roundRect">
-          <a:avLst>
-            <a:gd name="adj" fmla="val 10000"/>
-          </a:avLst>
+        <a:prstGeom prst="rect">
+          <a:avLst/>
         </a:prstGeom>
         <a:solidFill>
           <a:schemeClr val="accent1">
@@ -3795,12 +2744,12 @@
         </a:fontRef>
       </dsp:style>
       <dsp:txBody>
-        <a:bodyPr spcFirstLastPara="0" vert="horz" wrap="square" lIns="10160" tIns="10160" rIns="10160" bIns="10160" numCol="1" spcCol="1270" anchor="ctr" anchorCtr="0">
+        <a:bodyPr spcFirstLastPara="0" vert="horz" wrap="square" lIns="456983" tIns="71120" rIns="71120" bIns="71120" numCol="1" spcCol="1270" anchor="ctr" anchorCtr="0">
           <a:noAutofit/>
         </a:bodyPr>
         <a:lstStyle/>
         <a:p>
-          <a:pPr lvl="0" algn="ctr" defTabSz="711200">
+          <a:pPr lvl="0" algn="l" defTabSz="1244600">
             <a:lnSpc>
               <a:spcPct val="90000"/>
             </a:lnSpc>
@@ -3812,49 +2761,45 @@
             </a:spcAft>
           </a:pPr>
           <a:r>
-            <a:rPr lang="en-US" altLang="zh-CN" sz="1600" kern="1200" dirty="0" err="1" smtClean="0"/>
-            <a:t>customElements</a:t>
+            <a:rPr lang="zh-CN" altLang="en-US" sz="2800" kern="1200" dirty="0" smtClean="0"/>
+            <a:t>看不见分不清的</a:t>
           </a:r>
-          <a:endParaRPr lang="zh-CN" altLang="en-US" sz="1600" kern="1200" dirty="0"/>
+          <a:r>
+            <a:rPr lang="en-US" altLang="zh-CN" sz="2800" kern="1200" dirty="0" err="1" smtClean="0"/>
+            <a:t>divdivdiv</a:t>
+          </a:r>
+          <a:endParaRPr lang="zh-CN" altLang="en-US" sz="2800" kern="1200" dirty="0"/>
         </a:p>
       </dsp:txBody>
       <dsp:txXfrm>
-        <a:off x="2142194" y="1409635"/>
-        <a:ext cx="1469870" cy="712760"/>
+        <a:off x="754503" y="2015193"/>
+        <a:ext cx="6496442" cy="575726"/>
       </dsp:txXfrm>
     </dsp:sp>
-    <dsp:sp modelId="{1AD78B2E-2D99-4CD7-B50E-8B02DDD80302}">
+    <dsp:sp modelId="{B104CBBE-5405-4535-A3B0-E6EEB7EB727A}">
       <dsp:nvSpPr>
         <dsp:cNvPr id="0" name=""/>
         <dsp:cNvSpPr/>
       </dsp:nvSpPr>
       <dsp:spPr>
-        <a:xfrm rot="3310531">
-          <a:off x="1286859" y="2182061"/>
-          <a:ext cx="1060630" cy="38583"/>
+        <a:xfrm>
+          <a:off x="394674" y="1943227"/>
+          <a:ext cx="719658" cy="719658"/>
         </a:xfrm>
-        <a:custGeom>
+        <a:prstGeom prst="ellipse">
           <a:avLst/>
-          <a:gdLst/>
-          <a:ahLst/>
-          <a:cxnLst/>
-          <a:rect l="0" t="0" r="0" b="0"/>
-          <a:pathLst>
-            <a:path>
-              <a:moveTo>
-                <a:pt x="0" y="19291"/>
-              </a:moveTo>
-              <a:lnTo>
-                <a:pt x="1060630" y="19291"/>
-              </a:lnTo>
-            </a:path>
-          </a:pathLst>
-        </a:custGeom>
-        <a:noFill/>
+        </a:prstGeom>
+        <a:solidFill>
+          <a:schemeClr val="lt1">
+            <a:hueOff val="0"/>
+            <a:satOff val="0"/>
+            <a:lumOff val="0"/>
+            <a:alphaOff val="0"/>
+          </a:schemeClr>
+        </a:solidFill>
         <a:ln w="12700" cap="flat" cmpd="sng" algn="ctr">
           <a:solidFill>
             <a:schemeClr val="accent1">
-              <a:shade val="60000"/>
               <a:hueOff val="0"/>
               <a:satOff val="0"/>
               <a:lumOff val="0"/>
@@ -3870,7 +2815,7 @@
         <a:lnRef idx="2">
           <a:scrgbClr r="0" g="0" b="0"/>
         </a:lnRef>
-        <a:fillRef idx="0">
+        <a:fillRef idx="1">
           <a:scrgbClr r="0" g="0" b="0"/>
         </a:fillRef>
         <a:effectRef idx="0">
@@ -3878,45 +2823,19 @@
         </a:effectRef>
         <a:fontRef idx="minor"/>
       </dsp:style>
-      <dsp:txBody>
-        <a:bodyPr spcFirstLastPara="0" vert="horz" wrap="square" lIns="12700" tIns="0" rIns="12700" bIns="0" numCol="1" spcCol="1270" anchor="ctr" anchorCtr="0">
-          <a:noAutofit/>
-        </a:bodyPr>
-        <a:lstStyle/>
-        <a:p>
-          <a:pPr lvl="0" algn="ctr" defTabSz="222250">
-            <a:lnSpc>
-              <a:spcPct val="90000"/>
-            </a:lnSpc>
-            <a:spcBef>
-              <a:spcPct val="0"/>
-            </a:spcBef>
-            <a:spcAft>
-              <a:spcPct val="35000"/>
-            </a:spcAft>
-          </a:pPr>
-          <a:endParaRPr lang="zh-CN" altLang="en-US" sz="500" kern="1200"/>
-        </a:p>
-      </dsp:txBody>
-      <dsp:txXfrm>
-        <a:off x="1790659" y="2174838"/>
-        <a:ext cx="53031" cy="53031"/>
-      </dsp:txXfrm>
     </dsp:sp>
-    <dsp:sp modelId="{E19A0B7E-5174-4A07-BE49-C874D9FEBD02}">
+    <dsp:sp modelId="{A0A7E770-CD20-4A85-B860-14E7E41A6359}">
       <dsp:nvSpPr>
         <dsp:cNvPr id="0" name=""/>
         <dsp:cNvSpPr/>
       </dsp:nvSpPr>
       <dsp:spPr>
         <a:xfrm>
-          <a:off x="2120019" y="2258137"/>
-          <a:ext cx="1514220" cy="757110"/>
+          <a:off x="424426" y="2878933"/>
+          <a:ext cx="6826519" cy="575726"/>
         </a:xfrm>
-        <a:prstGeom prst="roundRect">
-          <a:avLst>
-            <a:gd name="adj" fmla="val 10000"/>
-          </a:avLst>
+        <a:prstGeom prst="rect">
+          <a:avLst/>
         </a:prstGeom>
         <a:solidFill>
           <a:schemeClr val="accent1">
@@ -3955,12 +2874,12 @@
         </a:fontRef>
       </dsp:style>
       <dsp:txBody>
-        <a:bodyPr spcFirstLastPara="0" vert="horz" wrap="square" lIns="10160" tIns="10160" rIns="10160" bIns="10160" numCol="1" spcCol="1270" anchor="ctr" anchorCtr="0">
+        <a:bodyPr spcFirstLastPara="0" vert="horz" wrap="square" lIns="456983" tIns="71120" rIns="71120" bIns="71120" numCol="1" spcCol="1270" anchor="ctr" anchorCtr="0">
           <a:noAutofit/>
         </a:bodyPr>
         <a:lstStyle/>
         <a:p>
-          <a:pPr lvl="0" algn="ctr" defTabSz="711200">
+          <a:pPr lvl="0" algn="l" defTabSz="1244600">
             <a:lnSpc>
               <a:spcPct val="90000"/>
             </a:lnSpc>
@@ -3972,30 +2891,70 @@
             </a:spcAft>
           </a:pPr>
           <a:r>
-            <a:rPr lang="en-US" altLang="zh-CN" sz="1600" kern="1200" dirty="0" smtClean="0"/>
-            <a:t>define(name, </a:t>
+            <a:rPr lang="zh-CN" altLang="en-US" sz="2800" kern="1200" dirty="0" smtClean="0"/>
+            <a:t>读不懂的标签</a:t>
           </a:r>
-          <a:r>
-            <a:rPr lang="en-US" altLang="zh-CN" sz="1600" kern="1200" dirty="0" err="1" smtClean="0"/>
-            <a:t>Ele</a:t>
-          </a:r>
-          <a:r>
-            <a:rPr lang="en-US" altLang="zh-CN" sz="1600" kern="1200" dirty="0" smtClean="0"/>
-            <a:t>)</a:t>
-          </a:r>
-          <a:endParaRPr lang="zh-CN" altLang="en-US" sz="1600" kern="1200" dirty="0"/>
+          <a:endParaRPr lang="zh-CN" altLang="en-US" sz="2800" kern="1200" dirty="0"/>
         </a:p>
       </dsp:txBody>
       <dsp:txXfrm>
-        <a:off x="2142194" y="2280312"/>
-        <a:ext cx="1469870" cy="712760"/>
+        <a:off x="424426" y="2878933"/>
+        <a:ext cx="6826519" cy="575726"/>
       </dsp:txXfrm>
+    </dsp:sp>
+    <dsp:sp modelId="{DC27ADE4-9608-4CFB-A587-3DDA821AE324}">
+      <dsp:nvSpPr>
+        <dsp:cNvPr id="0" name=""/>
+        <dsp:cNvSpPr/>
+      </dsp:nvSpPr>
+      <dsp:spPr>
+        <a:xfrm>
+          <a:off x="64596" y="2806967"/>
+          <a:ext cx="719658" cy="719658"/>
+        </a:xfrm>
+        <a:prstGeom prst="ellipse">
+          <a:avLst/>
+        </a:prstGeom>
+        <a:solidFill>
+          <a:schemeClr val="lt1">
+            <a:hueOff val="0"/>
+            <a:satOff val="0"/>
+            <a:lumOff val="0"/>
+            <a:alphaOff val="0"/>
+          </a:schemeClr>
+        </a:solidFill>
+        <a:ln w="12700" cap="flat" cmpd="sng" algn="ctr">
+          <a:solidFill>
+            <a:schemeClr val="accent1">
+              <a:hueOff val="0"/>
+              <a:satOff val="0"/>
+              <a:lumOff val="0"/>
+              <a:alphaOff val="0"/>
+            </a:schemeClr>
+          </a:solidFill>
+          <a:prstDash val="solid"/>
+          <a:miter lim="800000"/>
+        </a:ln>
+        <a:effectLst/>
+      </dsp:spPr>
+      <dsp:style>
+        <a:lnRef idx="2">
+          <a:scrgbClr r="0" g="0" b="0"/>
+        </a:lnRef>
+        <a:fillRef idx="1">
+          <a:scrgbClr r="0" g="0" b="0"/>
+        </a:fillRef>
+        <a:effectRef idx="0">
+          <a:scrgbClr r="0" g="0" b="0"/>
+        </a:effectRef>
+        <a:fontRef idx="minor"/>
+      </dsp:style>
     </dsp:sp>
   </dsp:spTree>
 </dsp:drawing>
 </file>
 
-<file path=ppt/diagrams/drawing3.xml><?xml version="1.0" encoding="utf-8"?>
+<file path=ppt/diagrams/drawing2.xml><?xml version="1.0" encoding="utf-8"?>
 <dsp:drawing xmlns:dgm="http://schemas.openxmlformats.org/drawingml/2006/diagram" xmlns:dsp="http://schemas.microsoft.com/office/drawing/2008/diagram" xmlns:a="http://schemas.openxmlformats.org/drawingml/2006/main">
   <dsp:spTree>
     <dsp:nvGrpSpPr>
@@ -6179,326 +5138,6 @@
 </dgm:layoutDef>
 </file>
 
-<file path=ppt/diagrams/layout3.xml><?xml version="1.0" encoding="utf-8"?>
-<dgm:layoutDef xmlns:dgm="http://schemas.openxmlformats.org/drawingml/2006/diagram" xmlns:a="http://schemas.openxmlformats.org/drawingml/2006/main" uniqueId="urn:microsoft.com/office/officeart/2005/8/layout/hierarchy2">
-  <dgm:title val=""/>
-  <dgm:desc val=""/>
-  <dgm:catLst>
-    <dgm:cat type="hierarchy" pri="5000"/>
-  </dgm:catLst>
-  <dgm:sampData>
-    <dgm:dataModel>
-      <dgm:ptLst>
-        <dgm:pt modelId="0" type="doc"/>
-        <dgm:pt modelId="1">
-          <dgm:prSet phldr="1"/>
-        </dgm:pt>
-        <dgm:pt modelId="2">
-          <dgm:prSet phldr="1"/>
-        </dgm:pt>
-        <dgm:pt modelId="21">
-          <dgm:prSet phldr="1"/>
-        </dgm:pt>
-        <dgm:pt modelId="22">
-          <dgm:prSet phldr="1"/>
-        </dgm:pt>
-        <dgm:pt modelId="3">
-          <dgm:prSet phldr="1"/>
-        </dgm:pt>
-        <dgm:pt modelId="31">
-          <dgm:prSet phldr="1"/>
-        </dgm:pt>
-      </dgm:ptLst>
-      <dgm:cxnLst>
-        <dgm:cxn modelId="4" srcId="0" destId="1" srcOrd="0" destOrd="0"/>
-        <dgm:cxn modelId="5" srcId="1" destId="2" srcOrd="0" destOrd="0"/>
-        <dgm:cxn modelId="6" srcId="1" destId="3" srcOrd="1" destOrd="0"/>
-        <dgm:cxn modelId="23" srcId="2" destId="21" srcOrd="0" destOrd="0"/>
-        <dgm:cxn modelId="24" srcId="2" destId="22" srcOrd="1" destOrd="0"/>
-        <dgm:cxn modelId="33" srcId="3" destId="31" srcOrd="0" destOrd="0"/>
-      </dgm:cxnLst>
-      <dgm:bg/>
-      <dgm:whole/>
-    </dgm:dataModel>
-  </dgm:sampData>
-  <dgm:styleData>
-    <dgm:dataModel>
-      <dgm:ptLst>
-        <dgm:pt modelId="0" type="doc"/>
-        <dgm:pt modelId="1"/>
-        <dgm:pt modelId="11"/>
-        <dgm:pt modelId="12"/>
-      </dgm:ptLst>
-      <dgm:cxnLst>
-        <dgm:cxn modelId="2" srcId="0" destId="1" srcOrd="0" destOrd="0"/>
-        <dgm:cxn modelId="13" srcId="1" destId="11" srcOrd="0" destOrd="0"/>
-        <dgm:cxn modelId="14" srcId="1" destId="12" srcOrd="1" destOrd="0"/>
-      </dgm:cxnLst>
-      <dgm:bg/>
-      <dgm:whole/>
-    </dgm:dataModel>
-  </dgm:styleData>
-  <dgm:clrData>
-    <dgm:dataModel>
-      <dgm:ptLst>
-        <dgm:pt modelId="0" type="doc"/>
-        <dgm:pt modelId="1"/>
-        <dgm:pt modelId="2"/>
-        <dgm:pt modelId="21"/>
-        <dgm:pt modelId="211"/>
-        <dgm:pt modelId="3"/>
-        <dgm:pt modelId="31"/>
-        <dgm:pt modelId="311"/>
-      </dgm:ptLst>
-      <dgm:cxnLst>
-        <dgm:cxn modelId="4" srcId="0" destId="1" srcOrd="0" destOrd="0"/>
-        <dgm:cxn modelId="5" srcId="1" destId="2" srcOrd="0" destOrd="0"/>
-        <dgm:cxn modelId="6" srcId="1" destId="3" srcOrd="1" destOrd="0"/>
-        <dgm:cxn modelId="23" srcId="2" destId="21" srcOrd="0" destOrd="0"/>
-        <dgm:cxn modelId="24" srcId="21" destId="211" srcOrd="0" destOrd="0"/>
-        <dgm:cxn modelId="33" srcId="3" destId="31" srcOrd="0" destOrd="0"/>
-        <dgm:cxn modelId="34" srcId="31" destId="311" srcOrd="0" destOrd="0"/>
-      </dgm:cxnLst>
-      <dgm:bg/>
-      <dgm:whole/>
-    </dgm:dataModel>
-  </dgm:clrData>
-  <dgm:layoutNode name="diagram">
-    <dgm:varLst>
-      <dgm:chPref val="1"/>
-      <dgm:dir/>
-      <dgm:animOne val="branch"/>
-      <dgm:animLvl val="lvl"/>
-      <dgm:resizeHandles val="exact"/>
-    </dgm:varLst>
-    <dgm:choose name="Name0">
-      <dgm:if name="Name1" func="var" arg="dir" op="equ" val="norm">
-        <dgm:alg type="hierChild">
-          <dgm:param type="linDir" val="fromT"/>
-          <dgm:param type="chAlign" val="l"/>
-        </dgm:alg>
-      </dgm:if>
-      <dgm:else name="Name2">
-        <dgm:alg type="hierChild">
-          <dgm:param type="linDir" val="fromT"/>
-          <dgm:param type="chAlign" val="r"/>
-        </dgm:alg>
-      </dgm:else>
-    </dgm:choose>
-    <dgm:shape xmlns:r="http://schemas.openxmlformats.org/officeDocument/2006/relationships" r:blip="">
-      <dgm:adjLst/>
-    </dgm:shape>
-    <dgm:presOf/>
-    <dgm:constrLst>
-      <dgm:constr type="h" for="des" ptType="node" refType="h"/>
-      <dgm:constr type="w" for="des" ptType="node" refType="h" refFor="des" refPtType="node" fact="2"/>
-      <dgm:constr type="sibSp" refType="h" refFor="des" refPtType="node" op="equ" fact="0.15"/>
-      <dgm:constr type="sibSp" for="des" forName="level2hierChild" refType="h" refFor="des" refPtType="node" op="equ" fact="0.15"/>
-      <dgm:constr type="sibSp" for="des" forName="level3hierChild" refType="h" refFor="des" refPtType="node" op="equ" fact="0.15"/>
-      <dgm:constr type="sp" for="des" forName="root1" refType="w" refFor="des" refPtType="node" fact="0.4"/>
-      <dgm:constr type="sp" for="des" forName="root2" refType="sp" refFor="des" refForName="root1" op="equ"/>
-      <dgm:constr type="primFontSz" for="des" ptType="node" op="equ" val="65"/>
-      <dgm:constr type="primFontSz" for="des" forName="connTx" op="equ" val="55"/>
-      <dgm:constr type="primFontSz" for="des" forName="connTx" refType="primFontSz" refFor="des" refPtType="node" op="lte" fact="0.8"/>
-    </dgm:constrLst>
-    <dgm:ruleLst/>
-    <dgm:forEach name="Name3" axis="ch">
-      <dgm:forEach name="Name4" axis="self" ptType="node">
-        <dgm:layoutNode name="root1">
-          <dgm:choose name="Name5">
-            <dgm:if name="Name6" func="var" arg="dir" op="equ" val="norm">
-              <dgm:alg type="hierRoot">
-                <dgm:param type="hierAlign" val="lCtrCh"/>
-              </dgm:alg>
-            </dgm:if>
-            <dgm:else name="Name7">
-              <dgm:alg type="hierRoot">
-                <dgm:param type="hierAlign" val="rCtrCh"/>
-              </dgm:alg>
-            </dgm:else>
-          </dgm:choose>
-          <dgm:shape xmlns:r="http://schemas.openxmlformats.org/officeDocument/2006/relationships" r:blip="">
-            <dgm:adjLst/>
-          </dgm:shape>
-          <dgm:presOf/>
-          <dgm:constrLst/>
-          <dgm:ruleLst/>
-          <dgm:layoutNode name="LevelOneTextNode" styleLbl="node0">
-            <dgm:varLst>
-              <dgm:chPref val="3"/>
-            </dgm:varLst>
-            <dgm:alg type="tx"/>
-            <dgm:shape xmlns:r="http://schemas.openxmlformats.org/officeDocument/2006/relationships" type="roundRect" r:blip="">
-              <dgm:adjLst>
-                <dgm:adj idx="1" val="0.1"/>
-              </dgm:adjLst>
-            </dgm:shape>
-            <dgm:presOf axis="self"/>
-            <dgm:constrLst>
-              <dgm:constr type="tMarg" refType="primFontSz" fact="0.05"/>
-              <dgm:constr type="bMarg" refType="primFontSz" fact="0.05"/>
-              <dgm:constr type="lMarg" refType="primFontSz" fact="0.05"/>
-              <dgm:constr type="rMarg" refType="primFontSz" fact="0.05"/>
-            </dgm:constrLst>
-            <dgm:ruleLst>
-              <dgm:rule type="primFontSz" val="5" fact="NaN" max="NaN"/>
-            </dgm:ruleLst>
-          </dgm:layoutNode>
-          <dgm:layoutNode name="level2hierChild">
-            <dgm:choose name="Name8">
-              <dgm:if name="Name9" func="var" arg="dir" op="equ" val="norm">
-                <dgm:alg type="hierChild">
-                  <dgm:param type="linDir" val="fromT"/>
-                  <dgm:param type="chAlign" val="l"/>
-                </dgm:alg>
-              </dgm:if>
-              <dgm:else name="Name10">
-                <dgm:alg type="hierChild">
-                  <dgm:param type="linDir" val="fromT"/>
-                  <dgm:param type="chAlign" val="r"/>
-                </dgm:alg>
-              </dgm:else>
-            </dgm:choose>
-            <dgm:shape xmlns:r="http://schemas.openxmlformats.org/officeDocument/2006/relationships" r:blip="">
-              <dgm:adjLst/>
-            </dgm:shape>
-            <dgm:presOf/>
-            <dgm:constrLst/>
-            <dgm:ruleLst/>
-            <dgm:forEach name="repeat" axis="ch">
-              <dgm:forEach name="Name11" axis="self" ptType="parTrans" cnt="1">
-                <dgm:layoutNode name="conn2-1">
-                  <dgm:choose name="Name12">
-                    <dgm:if name="Name13" func="var" arg="dir" op="equ" val="norm">
-                      <dgm:alg type="conn">
-                        <dgm:param type="dim" val="1D"/>
-                        <dgm:param type="begPts" val="midR"/>
-                        <dgm:param type="endPts" val="midL"/>
-                        <dgm:param type="endSty" val="noArr"/>
-                      </dgm:alg>
-                    </dgm:if>
-                    <dgm:else name="Name14">
-                      <dgm:alg type="conn">
-                        <dgm:param type="dim" val="1D"/>
-                        <dgm:param type="begPts" val="midL"/>
-                        <dgm:param type="endPts" val="midR"/>
-                        <dgm:param type="endSty" val="noArr"/>
-                      </dgm:alg>
-                    </dgm:else>
-                  </dgm:choose>
-                  <dgm:shape xmlns:r="http://schemas.openxmlformats.org/officeDocument/2006/relationships" type="conn" r:blip="">
-                    <dgm:adjLst/>
-                  </dgm:shape>
-                  <dgm:presOf axis="self"/>
-                  <dgm:constrLst>
-                    <dgm:constr type="w" val="1"/>
-                    <dgm:constr type="h" val="5"/>
-                    <dgm:constr type="connDist"/>
-                    <dgm:constr type="begPad"/>
-                    <dgm:constr type="endPad"/>
-                    <dgm:constr type="userA" for="ch" refType="connDist"/>
-                  </dgm:constrLst>
-                  <dgm:ruleLst/>
-                  <dgm:layoutNode name="connTx">
-                    <dgm:alg type="tx">
-                      <dgm:param type="autoTxRot" val="grav"/>
-                    </dgm:alg>
-                    <dgm:shape xmlns:r="http://schemas.openxmlformats.org/officeDocument/2006/relationships" type="rect" r:blip="" hideGeom="1">
-                      <dgm:adjLst/>
-                    </dgm:shape>
-                    <dgm:presOf axis="self"/>
-                    <dgm:constrLst>
-                      <dgm:constr type="userA"/>
-                      <dgm:constr type="w" refType="userA" fact="0.05"/>
-                      <dgm:constr type="h" refType="userA" fact="0.05"/>
-                      <dgm:constr type="lMarg" val="1"/>
-                      <dgm:constr type="rMarg" val="1"/>
-                      <dgm:constr type="tMarg"/>
-                      <dgm:constr type="bMarg"/>
-                    </dgm:constrLst>
-                    <dgm:ruleLst>
-                      <dgm:rule type="h" val="NaN" fact="0.25" max="NaN"/>
-                      <dgm:rule type="w" val="NaN" fact="0.8" max="NaN"/>
-                      <dgm:rule type="primFontSz" val="5" fact="NaN" max="NaN"/>
-                    </dgm:ruleLst>
-                  </dgm:layoutNode>
-                </dgm:layoutNode>
-              </dgm:forEach>
-              <dgm:forEach name="Name15" axis="self" ptType="node">
-                <dgm:layoutNode name="root2">
-                  <dgm:choose name="Name16">
-                    <dgm:if name="Name17" func="var" arg="dir" op="equ" val="norm">
-                      <dgm:alg type="hierRoot">
-                        <dgm:param type="hierAlign" val="lCtrCh"/>
-                      </dgm:alg>
-                    </dgm:if>
-                    <dgm:else name="Name18">
-                      <dgm:alg type="hierRoot">
-                        <dgm:param type="hierAlign" val="rCtrCh"/>
-                      </dgm:alg>
-                    </dgm:else>
-                  </dgm:choose>
-                  <dgm:shape xmlns:r="http://schemas.openxmlformats.org/officeDocument/2006/relationships" r:blip="">
-                    <dgm:adjLst/>
-                  </dgm:shape>
-                  <dgm:presOf/>
-                  <dgm:constrLst/>
-                  <dgm:ruleLst/>
-                  <dgm:layoutNode name="LevelTwoTextNode">
-                    <dgm:varLst>
-                      <dgm:chPref val="3"/>
-                    </dgm:varLst>
-                    <dgm:alg type="tx"/>
-                    <dgm:shape xmlns:r="http://schemas.openxmlformats.org/officeDocument/2006/relationships" type="roundRect" r:blip="">
-                      <dgm:adjLst>
-                        <dgm:adj idx="1" val="0.1"/>
-                      </dgm:adjLst>
-                    </dgm:shape>
-                    <dgm:presOf axis="self"/>
-                    <dgm:constrLst>
-                      <dgm:constr type="tMarg" refType="primFontSz" fact="0.05"/>
-                      <dgm:constr type="bMarg" refType="primFontSz" fact="0.05"/>
-                      <dgm:constr type="lMarg" refType="primFontSz" fact="0.05"/>
-                      <dgm:constr type="rMarg" refType="primFontSz" fact="0.05"/>
-                    </dgm:constrLst>
-                    <dgm:ruleLst>
-                      <dgm:rule type="primFontSz" val="5" fact="NaN" max="NaN"/>
-                    </dgm:ruleLst>
-                  </dgm:layoutNode>
-                  <dgm:layoutNode name="level3hierChild">
-                    <dgm:choose name="Name19">
-                      <dgm:if name="Name20" func="var" arg="dir" op="equ" val="norm">
-                        <dgm:alg type="hierChild">
-                          <dgm:param type="linDir" val="fromT"/>
-                          <dgm:param type="chAlign" val="l"/>
-                        </dgm:alg>
-                      </dgm:if>
-                      <dgm:else name="Name21">
-                        <dgm:alg type="hierChild">
-                          <dgm:param type="linDir" val="fromT"/>
-                          <dgm:param type="chAlign" val="r"/>
-                        </dgm:alg>
-                      </dgm:else>
-                    </dgm:choose>
-                    <dgm:shape xmlns:r="http://schemas.openxmlformats.org/officeDocument/2006/relationships" r:blip="">
-                      <dgm:adjLst/>
-                    </dgm:shape>
-                    <dgm:presOf/>
-                    <dgm:constrLst/>
-                    <dgm:ruleLst/>
-                    <dgm:forEach name="Name22" ref="repeat"/>
-                  </dgm:layoutNode>
-                </dgm:layoutNode>
-              </dgm:forEach>
-            </dgm:forEach>
-          </dgm:layoutNode>
-        </dgm:layoutNode>
-      </dgm:forEach>
-    </dgm:forEach>
-  </dgm:layoutNode>
-</dgm:layoutDef>
-</file>
-
 <file path=ppt/diagrams/quickStyle1.xml><?xml version="1.0" encoding="utf-8"?>
 <dgm:styleDef xmlns:dgm="http://schemas.openxmlformats.org/drawingml/2006/diagram" xmlns:a="http://schemas.openxmlformats.org/drawingml/2006/main" uniqueId="urn:microsoft.com/office/officeart/2005/8/quickstyle/simple1">
   <dgm:title val=""/>
@@ -7534,1040 +6173,6 @@
 </file>
 
 <file path=ppt/diagrams/quickStyle2.xml><?xml version="1.0" encoding="utf-8"?>
-<dgm:styleDef xmlns:dgm="http://schemas.openxmlformats.org/drawingml/2006/diagram" xmlns:a="http://schemas.openxmlformats.org/drawingml/2006/main" uniqueId="urn:microsoft.com/office/officeart/2005/8/quickstyle/simple1">
-  <dgm:title val=""/>
-  <dgm:desc val=""/>
-  <dgm:catLst>
-    <dgm:cat type="simple" pri="10100"/>
-  </dgm:catLst>
-  <dgm:scene3d>
-    <a:camera prst="orthographicFront"/>
-    <a:lightRig rig="threePt" dir="t"/>
-  </dgm:scene3d>
-  <dgm:styleLbl name="node0">
-    <dgm:scene3d>
-      <a:camera prst="orthographicFront"/>
-      <a:lightRig rig="threePt" dir="t"/>
-    </dgm:scene3d>
-    <dgm:sp3d/>
-    <dgm:txPr/>
-    <dgm:style>
-      <a:lnRef idx="2">
-        <a:scrgbClr r="0" g="0" b="0"/>
-      </a:lnRef>
-      <a:fillRef idx="1">
-        <a:scrgbClr r="0" g="0" b="0"/>
-      </a:fillRef>
-      <a:effectRef idx="0">
-        <a:scrgbClr r="0" g="0" b="0"/>
-      </a:effectRef>
-      <a:fontRef idx="minor">
-        <a:schemeClr val="lt1"/>
-      </a:fontRef>
-    </dgm:style>
-  </dgm:styleLbl>
-  <dgm:styleLbl name="lnNode1">
-    <dgm:scene3d>
-      <a:camera prst="orthographicFront"/>
-      <a:lightRig rig="threePt" dir="t"/>
-    </dgm:scene3d>
-    <dgm:sp3d/>
-    <dgm:txPr/>
-    <dgm:style>
-      <a:lnRef idx="2">
-        <a:scrgbClr r="0" g="0" b="0"/>
-      </a:lnRef>
-      <a:fillRef idx="1">
-        <a:scrgbClr r="0" g="0" b="0"/>
-      </a:fillRef>
-      <a:effectRef idx="0">
-        <a:scrgbClr r="0" g="0" b="0"/>
-      </a:effectRef>
-      <a:fontRef idx="minor">
-        <a:schemeClr val="lt1"/>
-      </a:fontRef>
-    </dgm:style>
-  </dgm:styleLbl>
-  <dgm:styleLbl name="vennNode1">
-    <dgm:scene3d>
-      <a:camera prst="orthographicFront"/>
-      <a:lightRig rig="threePt" dir="t"/>
-    </dgm:scene3d>
-    <dgm:sp3d/>
-    <dgm:txPr/>
-    <dgm:style>
-      <a:lnRef idx="2">
-        <a:scrgbClr r="0" g="0" b="0"/>
-      </a:lnRef>
-      <a:fillRef idx="1">
-        <a:scrgbClr r="0" g="0" b="0"/>
-      </a:fillRef>
-      <a:effectRef idx="0">
-        <a:scrgbClr r="0" g="0" b="0"/>
-      </a:effectRef>
-      <a:fontRef idx="minor">
-        <a:schemeClr val="tx1"/>
-      </a:fontRef>
-    </dgm:style>
-  </dgm:styleLbl>
-  <dgm:styleLbl name="alignNode1">
-    <dgm:scene3d>
-      <a:camera prst="orthographicFront"/>
-      <a:lightRig rig="threePt" dir="t"/>
-    </dgm:scene3d>
-    <dgm:sp3d/>
-    <dgm:txPr/>
-    <dgm:style>
-      <a:lnRef idx="2">
-        <a:scrgbClr r="0" g="0" b="0"/>
-      </a:lnRef>
-      <a:fillRef idx="1">
-        <a:scrgbClr r="0" g="0" b="0"/>
-      </a:fillRef>
-      <a:effectRef idx="0">
-        <a:scrgbClr r="0" g="0" b="0"/>
-      </a:effectRef>
-      <a:fontRef idx="minor">
-        <a:schemeClr val="lt1"/>
-      </a:fontRef>
-    </dgm:style>
-  </dgm:styleLbl>
-  <dgm:styleLbl name="node1">
-    <dgm:scene3d>
-      <a:camera prst="orthographicFront"/>
-      <a:lightRig rig="threePt" dir="t"/>
-    </dgm:scene3d>
-    <dgm:sp3d/>
-    <dgm:txPr/>
-    <dgm:style>
-      <a:lnRef idx="2">
-        <a:scrgbClr r="0" g="0" b="0"/>
-      </a:lnRef>
-      <a:fillRef idx="1">
-        <a:scrgbClr r="0" g="0" b="0"/>
-      </a:fillRef>
-      <a:effectRef idx="0">
-        <a:scrgbClr r="0" g="0" b="0"/>
-      </a:effectRef>
-      <a:fontRef idx="minor">
-        <a:schemeClr val="lt1"/>
-      </a:fontRef>
-    </dgm:style>
-  </dgm:styleLbl>
-  <dgm:styleLbl name="node2">
-    <dgm:scene3d>
-      <a:camera prst="orthographicFront"/>
-      <a:lightRig rig="threePt" dir="t"/>
-    </dgm:scene3d>
-    <dgm:sp3d/>
-    <dgm:txPr/>
-    <dgm:style>
-      <a:lnRef idx="2">
-        <a:scrgbClr r="0" g="0" b="0"/>
-      </a:lnRef>
-      <a:fillRef idx="1">
-        <a:scrgbClr r="0" g="0" b="0"/>
-      </a:fillRef>
-      <a:effectRef idx="0">
-        <a:scrgbClr r="0" g="0" b="0"/>
-      </a:effectRef>
-      <a:fontRef idx="minor">
-        <a:schemeClr val="lt1"/>
-      </a:fontRef>
-    </dgm:style>
-  </dgm:styleLbl>
-  <dgm:styleLbl name="node3">
-    <dgm:scene3d>
-      <a:camera prst="orthographicFront"/>
-      <a:lightRig rig="threePt" dir="t"/>
-    </dgm:scene3d>
-    <dgm:sp3d/>
-    <dgm:txPr/>
-    <dgm:style>
-      <a:lnRef idx="2">
-        <a:scrgbClr r="0" g="0" b="0"/>
-      </a:lnRef>
-      <a:fillRef idx="1">
-        <a:scrgbClr r="0" g="0" b="0"/>
-      </a:fillRef>
-      <a:effectRef idx="0">
-        <a:scrgbClr r="0" g="0" b="0"/>
-      </a:effectRef>
-      <a:fontRef idx="minor">
-        <a:schemeClr val="lt1"/>
-      </a:fontRef>
-    </dgm:style>
-  </dgm:styleLbl>
-  <dgm:styleLbl name="node4">
-    <dgm:scene3d>
-      <a:camera prst="orthographicFront"/>
-      <a:lightRig rig="threePt" dir="t"/>
-    </dgm:scene3d>
-    <dgm:sp3d/>
-    <dgm:txPr/>
-    <dgm:style>
-      <a:lnRef idx="2">
-        <a:scrgbClr r="0" g="0" b="0"/>
-      </a:lnRef>
-      <a:fillRef idx="1">
-        <a:scrgbClr r="0" g="0" b="0"/>
-      </a:fillRef>
-      <a:effectRef idx="0">
-        <a:scrgbClr r="0" g="0" b="0"/>
-      </a:effectRef>
-      <a:fontRef idx="minor">
-        <a:schemeClr val="lt1"/>
-      </a:fontRef>
-    </dgm:style>
-  </dgm:styleLbl>
-  <dgm:styleLbl name="fgImgPlace1">
-    <dgm:scene3d>
-      <a:camera prst="orthographicFront"/>
-      <a:lightRig rig="threePt" dir="t"/>
-    </dgm:scene3d>
-    <dgm:sp3d/>
-    <dgm:txPr/>
-    <dgm:style>
-      <a:lnRef idx="2">
-        <a:scrgbClr r="0" g="0" b="0"/>
-      </a:lnRef>
-      <a:fillRef idx="1">
-        <a:scrgbClr r="0" g="0" b="0"/>
-      </a:fillRef>
-      <a:effectRef idx="0">
-        <a:scrgbClr r="0" g="0" b="0"/>
-      </a:effectRef>
-      <a:fontRef idx="minor"/>
-    </dgm:style>
-  </dgm:styleLbl>
-  <dgm:styleLbl name="alignImgPlace1">
-    <dgm:scene3d>
-      <a:camera prst="orthographicFront"/>
-      <a:lightRig rig="threePt" dir="t"/>
-    </dgm:scene3d>
-    <dgm:sp3d/>
-    <dgm:txPr/>
-    <dgm:style>
-      <a:lnRef idx="2">
-        <a:scrgbClr r="0" g="0" b="0"/>
-      </a:lnRef>
-      <a:fillRef idx="1">
-        <a:scrgbClr r="0" g="0" b="0"/>
-      </a:fillRef>
-      <a:effectRef idx="0">
-        <a:scrgbClr r="0" g="0" b="0"/>
-      </a:effectRef>
-      <a:fontRef idx="minor"/>
-    </dgm:style>
-  </dgm:styleLbl>
-  <dgm:styleLbl name="bgImgPlace1">
-    <dgm:scene3d>
-      <a:camera prst="orthographicFront"/>
-      <a:lightRig rig="threePt" dir="t"/>
-    </dgm:scene3d>
-    <dgm:sp3d/>
-    <dgm:txPr/>
-    <dgm:style>
-      <a:lnRef idx="2">
-        <a:scrgbClr r="0" g="0" b="0"/>
-      </a:lnRef>
-      <a:fillRef idx="1">
-        <a:scrgbClr r="0" g="0" b="0"/>
-      </a:fillRef>
-      <a:effectRef idx="0">
-        <a:scrgbClr r="0" g="0" b="0"/>
-      </a:effectRef>
-      <a:fontRef idx="minor"/>
-    </dgm:style>
-  </dgm:styleLbl>
-  <dgm:styleLbl name="sibTrans2D1">
-    <dgm:scene3d>
-      <a:camera prst="orthographicFront"/>
-      <a:lightRig rig="threePt" dir="t"/>
-    </dgm:scene3d>
-    <dgm:sp3d/>
-    <dgm:txPr/>
-    <dgm:style>
-      <a:lnRef idx="0">
-        <a:scrgbClr r="0" g="0" b="0"/>
-      </a:lnRef>
-      <a:fillRef idx="1">
-        <a:scrgbClr r="0" g="0" b="0"/>
-      </a:fillRef>
-      <a:effectRef idx="0">
-        <a:scrgbClr r="0" g="0" b="0"/>
-      </a:effectRef>
-      <a:fontRef idx="minor">
-        <a:schemeClr val="lt1"/>
-      </a:fontRef>
-    </dgm:style>
-  </dgm:styleLbl>
-  <dgm:styleLbl name="fgSibTrans2D1">
-    <dgm:scene3d>
-      <a:camera prst="orthographicFront"/>
-      <a:lightRig rig="threePt" dir="t"/>
-    </dgm:scene3d>
-    <dgm:sp3d/>
-    <dgm:txPr/>
-    <dgm:style>
-      <a:lnRef idx="0">
-        <a:scrgbClr r="0" g="0" b="0"/>
-      </a:lnRef>
-      <a:fillRef idx="1">
-        <a:scrgbClr r="0" g="0" b="0"/>
-      </a:fillRef>
-      <a:effectRef idx="0">
-        <a:scrgbClr r="0" g="0" b="0"/>
-      </a:effectRef>
-      <a:fontRef idx="minor">
-        <a:schemeClr val="lt1"/>
-      </a:fontRef>
-    </dgm:style>
-  </dgm:styleLbl>
-  <dgm:styleLbl name="bgSibTrans2D1">
-    <dgm:scene3d>
-      <a:camera prst="orthographicFront"/>
-      <a:lightRig rig="threePt" dir="t"/>
-    </dgm:scene3d>
-    <dgm:sp3d/>
-    <dgm:txPr/>
-    <dgm:style>
-      <a:lnRef idx="0">
-        <a:scrgbClr r="0" g="0" b="0"/>
-      </a:lnRef>
-      <a:fillRef idx="1">
-        <a:scrgbClr r="0" g="0" b="0"/>
-      </a:fillRef>
-      <a:effectRef idx="0">
-        <a:scrgbClr r="0" g="0" b="0"/>
-      </a:effectRef>
-      <a:fontRef idx="minor">
-        <a:schemeClr val="lt1"/>
-      </a:fontRef>
-    </dgm:style>
-  </dgm:styleLbl>
-  <dgm:styleLbl name="sibTrans1D1">
-    <dgm:scene3d>
-      <a:camera prst="orthographicFront"/>
-      <a:lightRig rig="threePt" dir="t"/>
-    </dgm:scene3d>
-    <dgm:sp3d/>
-    <dgm:txPr/>
-    <dgm:style>
-      <a:lnRef idx="1">
-        <a:scrgbClr r="0" g="0" b="0"/>
-      </a:lnRef>
-      <a:fillRef idx="0">
-        <a:scrgbClr r="0" g="0" b="0"/>
-      </a:fillRef>
-      <a:effectRef idx="0">
-        <a:scrgbClr r="0" g="0" b="0"/>
-      </a:effectRef>
-      <a:fontRef idx="minor"/>
-    </dgm:style>
-  </dgm:styleLbl>
-  <dgm:styleLbl name="callout">
-    <dgm:scene3d>
-      <a:camera prst="orthographicFront"/>
-      <a:lightRig rig="threePt" dir="t"/>
-    </dgm:scene3d>
-    <dgm:sp3d/>
-    <dgm:txPr/>
-    <dgm:style>
-      <a:lnRef idx="2">
-        <a:scrgbClr r="0" g="0" b="0"/>
-      </a:lnRef>
-      <a:fillRef idx="1">
-        <a:scrgbClr r="0" g="0" b="0"/>
-      </a:fillRef>
-      <a:effectRef idx="0">
-        <a:scrgbClr r="0" g="0" b="0"/>
-      </a:effectRef>
-      <a:fontRef idx="minor"/>
-    </dgm:style>
-  </dgm:styleLbl>
-  <dgm:styleLbl name="asst0">
-    <dgm:scene3d>
-      <a:camera prst="orthographicFront"/>
-      <a:lightRig rig="threePt" dir="t"/>
-    </dgm:scene3d>
-    <dgm:sp3d/>
-    <dgm:txPr/>
-    <dgm:style>
-      <a:lnRef idx="2">
-        <a:scrgbClr r="0" g="0" b="0"/>
-      </a:lnRef>
-      <a:fillRef idx="1">
-        <a:scrgbClr r="0" g="0" b="0"/>
-      </a:fillRef>
-      <a:effectRef idx="0">
-        <a:scrgbClr r="0" g="0" b="0"/>
-      </a:effectRef>
-      <a:fontRef idx="minor">
-        <a:schemeClr val="lt1"/>
-      </a:fontRef>
-    </dgm:style>
-  </dgm:styleLbl>
-  <dgm:styleLbl name="asst1">
-    <dgm:scene3d>
-      <a:camera prst="orthographicFront"/>
-      <a:lightRig rig="threePt" dir="t"/>
-    </dgm:scene3d>
-    <dgm:sp3d/>
-    <dgm:txPr/>
-    <dgm:style>
-      <a:lnRef idx="2">
-        <a:scrgbClr r="0" g="0" b="0"/>
-      </a:lnRef>
-      <a:fillRef idx="1">
-        <a:scrgbClr r="0" g="0" b="0"/>
-      </a:fillRef>
-      <a:effectRef idx="0">
-        <a:scrgbClr r="0" g="0" b="0"/>
-      </a:effectRef>
-      <a:fontRef idx="minor">
-        <a:schemeClr val="lt1"/>
-      </a:fontRef>
-    </dgm:style>
-  </dgm:styleLbl>
-  <dgm:styleLbl name="asst2">
-    <dgm:scene3d>
-      <a:camera prst="orthographicFront"/>
-      <a:lightRig rig="threePt" dir="t"/>
-    </dgm:scene3d>
-    <dgm:sp3d/>
-    <dgm:txPr/>
-    <dgm:style>
-      <a:lnRef idx="2">
-        <a:scrgbClr r="0" g="0" b="0"/>
-      </a:lnRef>
-      <a:fillRef idx="1">
-        <a:scrgbClr r="0" g="0" b="0"/>
-      </a:fillRef>
-      <a:effectRef idx="0">
-        <a:scrgbClr r="0" g="0" b="0"/>
-      </a:effectRef>
-      <a:fontRef idx="minor">
-        <a:schemeClr val="lt1"/>
-      </a:fontRef>
-    </dgm:style>
-  </dgm:styleLbl>
-  <dgm:styleLbl name="asst3">
-    <dgm:scene3d>
-      <a:camera prst="orthographicFront"/>
-      <a:lightRig rig="threePt" dir="t"/>
-    </dgm:scene3d>
-    <dgm:sp3d/>
-    <dgm:txPr/>
-    <dgm:style>
-      <a:lnRef idx="2">
-        <a:scrgbClr r="0" g="0" b="0"/>
-      </a:lnRef>
-      <a:fillRef idx="1">
-        <a:scrgbClr r="0" g="0" b="0"/>
-      </a:fillRef>
-      <a:effectRef idx="0">
-        <a:scrgbClr r="0" g="0" b="0"/>
-      </a:effectRef>
-      <a:fontRef idx="minor">
-        <a:schemeClr val="lt1"/>
-      </a:fontRef>
-    </dgm:style>
-  </dgm:styleLbl>
-  <dgm:styleLbl name="asst4">
-    <dgm:scene3d>
-      <a:camera prst="orthographicFront"/>
-      <a:lightRig rig="threePt" dir="t"/>
-    </dgm:scene3d>
-    <dgm:sp3d/>
-    <dgm:txPr/>
-    <dgm:style>
-      <a:lnRef idx="2">
-        <a:scrgbClr r="0" g="0" b="0"/>
-      </a:lnRef>
-      <a:fillRef idx="1">
-        <a:scrgbClr r="0" g="0" b="0"/>
-      </a:fillRef>
-      <a:effectRef idx="0">
-        <a:scrgbClr r="0" g="0" b="0"/>
-      </a:effectRef>
-      <a:fontRef idx="minor">
-        <a:schemeClr val="lt1"/>
-      </a:fontRef>
-    </dgm:style>
-  </dgm:styleLbl>
-  <dgm:styleLbl name="parChTrans2D1">
-    <dgm:scene3d>
-      <a:camera prst="orthographicFront"/>
-      <a:lightRig rig="threePt" dir="t"/>
-    </dgm:scene3d>
-    <dgm:sp3d/>
-    <dgm:txPr/>
-    <dgm:style>
-      <a:lnRef idx="2">
-        <a:scrgbClr r="0" g="0" b="0"/>
-      </a:lnRef>
-      <a:fillRef idx="1">
-        <a:scrgbClr r="0" g="0" b="0"/>
-      </a:fillRef>
-      <a:effectRef idx="0">
-        <a:scrgbClr r="0" g="0" b="0"/>
-      </a:effectRef>
-      <a:fontRef idx="minor">
-        <a:schemeClr val="lt1"/>
-      </a:fontRef>
-    </dgm:style>
-  </dgm:styleLbl>
-  <dgm:styleLbl name="parChTrans2D2">
-    <dgm:scene3d>
-      <a:camera prst="orthographicFront"/>
-      <a:lightRig rig="threePt" dir="t"/>
-    </dgm:scene3d>
-    <dgm:sp3d/>
-    <dgm:txPr/>
-    <dgm:style>
-      <a:lnRef idx="2">
-        <a:scrgbClr r="0" g="0" b="0"/>
-      </a:lnRef>
-      <a:fillRef idx="1">
-        <a:scrgbClr r="0" g="0" b="0"/>
-      </a:fillRef>
-      <a:effectRef idx="0">
-        <a:scrgbClr r="0" g="0" b="0"/>
-      </a:effectRef>
-      <a:fontRef idx="minor">
-        <a:schemeClr val="lt1"/>
-      </a:fontRef>
-    </dgm:style>
-  </dgm:styleLbl>
-  <dgm:styleLbl name="parChTrans2D3">
-    <dgm:scene3d>
-      <a:camera prst="orthographicFront"/>
-      <a:lightRig rig="threePt" dir="t"/>
-    </dgm:scene3d>
-    <dgm:sp3d/>
-    <dgm:txPr/>
-    <dgm:style>
-      <a:lnRef idx="2">
-        <a:scrgbClr r="0" g="0" b="0"/>
-      </a:lnRef>
-      <a:fillRef idx="1">
-        <a:scrgbClr r="0" g="0" b="0"/>
-      </a:fillRef>
-      <a:effectRef idx="0">
-        <a:scrgbClr r="0" g="0" b="0"/>
-      </a:effectRef>
-      <a:fontRef idx="minor">
-        <a:schemeClr val="lt1"/>
-      </a:fontRef>
-    </dgm:style>
-  </dgm:styleLbl>
-  <dgm:styleLbl name="parChTrans2D4">
-    <dgm:scene3d>
-      <a:camera prst="orthographicFront"/>
-      <a:lightRig rig="threePt" dir="t"/>
-    </dgm:scene3d>
-    <dgm:sp3d/>
-    <dgm:txPr/>
-    <dgm:style>
-      <a:lnRef idx="2">
-        <a:scrgbClr r="0" g="0" b="0"/>
-      </a:lnRef>
-      <a:fillRef idx="1">
-        <a:scrgbClr r="0" g="0" b="0"/>
-      </a:fillRef>
-      <a:effectRef idx="0">
-        <a:scrgbClr r="0" g="0" b="0"/>
-      </a:effectRef>
-      <a:fontRef idx="minor">
-        <a:schemeClr val="lt1"/>
-      </a:fontRef>
-    </dgm:style>
-  </dgm:styleLbl>
-  <dgm:styleLbl name="parChTrans1D1">
-    <dgm:scene3d>
-      <a:camera prst="orthographicFront"/>
-      <a:lightRig rig="threePt" dir="t"/>
-    </dgm:scene3d>
-    <dgm:sp3d/>
-    <dgm:txPr/>
-    <dgm:style>
-      <a:lnRef idx="2">
-        <a:scrgbClr r="0" g="0" b="0"/>
-      </a:lnRef>
-      <a:fillRef idx="0">
-        <a:scrgbClr r="0" g="0" b="0"/>
-      </a:fillRef>
-      <a:effectRef idx="0">
-        <a:scrgbClr r="0" g="0" b="0"/>
-      </a:effectRef>
-      <a:fontRef idx="minor"/>
-    </dgm:style>
-  </dgm:styleLbl>
-  <dgm:styleLbl name="parChTrans1D2">
-    <dgm:scene3d>
-      <a:camera prst="orthographicFront"/>
-      <a:lightRig rig="threePt" dir="t"/>
-    </dgm:scene3d>
-    <dgm:sp3d/>
-    <dgm:txPr/>
-    <dgm:style>
-      <a:lnRef idx="2">
-        <a:scrgbClr r="0" g="0" b="0"/>
-      </a:lnRef>
-      <a:fillRef idx="0">
-        <a:scrgbClr r="0" g="0" b="0"/>
-      </a:fillRef>
-      <a:effectRef idx="0">
-        <a:scrgbClr r="0" g="0" b="0"/>
-      </a:effectRef>
-      <a:fontRef idx="minor"/>
-    </dgm:style>
-  </dgm:styleLbl>
-  <dgm:styleLbl name="parChTrans1D3">
-    <dgm:scene3d>
-      <a:camera prst="orthographicFront"/>
-      <a:lightRig rig="threePt" dir="t"/>
-    </dgm:scene3d>
-    <dgm:sp3d/>
-    <dgm:txPr/>
-    <dgm:style>
-      <a:lnRef idx="2">
-        <a:scrgbClr r="0" g="0" b="0"/>
-      </a:lnRef>
-      <a:fillRef idx="0">
-        <a:scrgbClr r="0" g="0" b="0"/>
-      </a:fillRef>
-      <a:effectRef idx="0">
-        <a:scrgbClr r="0" g="0" b="0"/>
-      </a:effectRef>
-      <a:fontRef idx="minor"/>
-    </dgm:style>
-  </dgm:styleLbl>
-  <dgm:styleLbl name="parChTrans1D4">
-    <dgm:scene3d>
-      <a:camera prst="orthographicFront"/>
-      <a:lightRig rig="threePt" dir="t"/>
-    </dgm:scene3d>
-    <dgm:sp3d/>
-    <dgm:txPr/>
-    <dgm:style>
-      <a:lnRef idx="2">
-        <a:scrgbClr r="0" g="0" b="0"/>
-      </a:lnRef>
-      <a:fillRef idx="0">
-        <a:scrgbClr r="0" g="0" b="0"/>
-      </a:fillRef>
-      <a:effectRef idx="0">
-        <a:scrgbClr r="0" g="0" b="0"/>
-      </a:effectRef>
-      <a:fontRef idx="minor"/>
-    </dgm:style>
-  </dgm:styleLbl>
-  <dgm:styleLbl name="fgAcc1">
-    <dgm:scene3d>
-      <a:camera prst="orthographicFront"/>
-      <a:lightRig rig="threePt" dir="t"/>
-    </dgm:scene3d>
-    <dgm:sp3d/>
-    <dgm:txPr/>
-    <dgm:style>
-      <a:lnRef idx="2">
-        <a:scrgbClr r="0" g="0" b="0"/>
-      </a:lnRef>
-      <a:fillRef idx="1">
-        <a:scrgbClr r="0" g="0" b="0"/>
-      </a:fillRef>
-      <a:effectRef idx="0">
-        <a:scrgbClr r="0" g="0" b="0"/>
-      </a:effectRef>
-      <a:fontRef idx="minor"/>
-    </dgm:style>
-  </dgm:styleLbl>
-  <dgm:styleLbl name="conFgAcc1">
-    <dgm:scene3d>
-      <a:camera prst="orthographicFront"/>
-      <a:lightRig rig="threePt" dir="t"/>
-    </dgm:scene3d>
-    <dgm:sp3d/>
-    <dgm:txPr/>
-    <dgm:style>
-      <a:lnRef idx="2">
-        <a:scrgbClr r="0" g="0" b="0"/>
-      </a:lnRef>
-      <a:fillRef idx="1">
-        <a:scrgbClr r="0" g="0" b="0"/>
-      </a:fillRef>
-      <a:effectRef idx="0">
-        <a:scrgbClr r="0" g="0" b="0"/>
-      </a:effectRef>
-      <a:fontRef idx="minor"/>
-    </dgm:style>
-  </dgm:styleLbl>
-  <dgm:styleLbl name="alignAcc1">
-    <dgm:scene3d>
-      <a:camera prst="orthographicFront"/>
-      <a:lightRig rig="threePt" dir="t"/>
-    </dgm:scene3d>
-    <dgm:sp3d/>
-    <dgm:txPr/>
-    <dgm:style>
-      <a:lnRef idx="2">
-        <a:scrgbClr r="0" g="0" b="0"/>
-      </a:lnRef>
-      <a:fillRef idx="1">
-        <a:scrgbClr r="0" g="0" b="0"/>
-      </a:fillRef>
-      <a:effectRef idx="0">
-        <a:scrgbClr r="0" g="0" b="0"/>
-      </a:effectRef>
-      <a:fontRef idx="minor"/>
-    </dgm:style>
-  </dgm:styleLbl>
-  <dgm:styleLbl name="trAlignAcc1">
-    <dgm:scene3d>
-      <a:camera prst="orthographicFront"/>
-      <a:lightRig rig="threePt" dir="t"/>
-    </dgm:scene3d>
-    <dgm:sp3d/>
-    <dgm:txPr/>
-    <dgm:style>
-      <a:lnRef idx="1">
-        <a:scrgbClr r="0" g="0" b="0"/>
-      </a:lnRef>
-      <a:fillRef idx="1">
-        <a:scrgbClr r="0" g="0" b="0"/>
-      </a:fillRef>
-      <a:effectRef idx="0">
-        <a:scrgbClr r="0" g="0" b="0"/>
-      </a:effectRef>
-      <a:fontRef idx="minor"/>
-    </dgm:style>
-  </dgm:styleLbl>
-  <dgm:styleLbl name="bgAcc1">
-    <dgm:scene3d>
-      <a:camera prst="orthographicFront"/>
-      <a:lightRig rig="threePt" dir="t"/>
-    </dgm:scene3d>
-    <dgm:sp3d/>
-    <dgm:txPr/>
-    <dgm:style>
-      <a:lnRef idx="2">
-        <a:scrgbClr r="0" g="0" b="0"/>
-      </a:lnRef>
-      <a:fillRef idx="1">
-        <a:scrgbClr r="0" g="0" b="0"/>
-      </a:fillRef>
-      <a:effectRef idx="0">
-        <a:scrgbClr r="0" g="0" b="0"/>
-      </a:effectRef>
-      <a:fontRef idx="minor"/>
-    </dgm:style>
-  </dgm:styleLbl>
-  <dgm:styleLbl name="solidFgAcc1">
-    <dgm:scene3d>
-      <a:camera prst="orthographicFront"/>
-      <a:lightRig rig="threePt" dir="t"/>
-    </dgm:scene3d>
-    <dgm:sp3d/>
-    <dgm:txPr/>
-    <dgm:style>
-      <a:lnRef idx="2">
-        <a:scrgbClr r="0" g="0" b="0"/>
-      </a:lnRef>
-      <a:fillRef idx="1">
-        <a:scrgbClr r="0" g="0" b="0"/>
-      </a:fillRef>
-      <a:effectRef idx="0">
-        <a:scrgbClr r="0" g="0" b="0"/>
-      </a:effectRef>
-      <a:fontRef idx="minor"/>
-    </dgm:style>
-  </dgm:styleLbl>
-  <dgm:styleLbl name="solidAlignAcc1">
-    <dgm:scene3d>
-      <a:camera prst="orthographicFront"/>
-      <a:lightRig rig="threePt" dir="t"/>
-    </dgm:scene3d>
-    <dgm:sp3d/>
-    <dgm:txPr/>
-    <dgm:style>
-      <a:lnRef idx="2">
-        <a:scrgbClr r="0" g="0" b="0"/>
-      </a:lnRef>
-      <a:fillRef idx="1">
-        <a:scrgbClr r="0" g="0" b="0"/>
-      </a:fillRef>
-      <a:effectRef idx="0">
-        <a:scrgbClr r="0" g="0" b="0"/>
-      </a:effectRef>
-      <a:fontRef idx="minor"/>
-    </dgm:style>
-  </dgm:styleLbl>
-  <dgm:styleLbl name="solidBgAcc1">
-    <dgm:scene3d>
-      <a:camera prst="orthographicFront"/>
-      <a:lightRig rig="threePt" dir="t"/>
-    </dgm:scene3d>
-    <dgm:sp3d/>
-    <dgm:txPr/>
-    <dgm:style>
-      <a:lnRef idx="2">
-        <a:scrgbClr r="0" g="0" b="0"/>
-      </a:lnRef>
-      <a:fillRef idx="1">
-        <a:scrgbClr r="0" g="0" b="0"/>
-      </a:fillRef>
-      <a:effectRef idx="0">
-        <a:scrgbClr r="0" g="0" b="0"/>
-      </a:effectRef>
-      <a:fontRef idx="minor"/>
-    </dgm:style>
-  </dgm:styleLbl>
-  <dgm:styleLbl name="fgAccFollowNode1">
-    <dgm:scene3d>
-      <a:camera prst="orthographicFront"/>
-      <a:lightRig rig="threePt" dir="t"/>
-    </dgm:scene3d>
-    <dgm:sp3d/>
-    <dgm:txPr/>
-    <dgm:style>
-      <a:lnRef idx="2">
-        <a:scrgbClr r="0" g="0" b="0"/>
-      </a:lnRef>
-      <a:fillRef idx="1">
-        <a:scrgbClr r="0" g="0" b="0"/>
-      </a:fillRef>
-      <a:effectRef idx="0">
-        <a:scrgbClr r="0" g="0" b="0"/>
-      </a:effectRef>
-      <a:fontRef idx="minor"/>
-    </dgm:style>
-  </dgm:styleLbl>
-  <dgm:styleLbl name="alignAccFollowNode1">
-    <dgm:scene3d>
-      <a:camera prst="orthographicFront"/>
-      <a:lightRig rig="threePt" dir="t"/>
-    </dgm:scene3d>
-    <dgm:sp3d/>
-    <dgm:txPr/>
-    <dgm:style>
-      <a:lnRef idx="2">
-        <a:scrgbClr r="0" g="0" b="0"/>
-      </a:lnRef>
-      <a:fillRef idx="1">
-        <a:scrgbClr r="0" g="0" b="0"/>
-      </a:fillRef>
-      <a:effectRef idx="0">
-        <a:scrgbClr r="0" g="0" b="0"/>
-      </a:effectRef>
-      <a:fontRef idx="minor"/>
-    </dgm:style>
-  </dgm:styleLbl>
-  <dgm:styleLbl name="bgAccFollowNode1">
-    <dgm:scene3d>
-      <a:camera prst="orthographicFront"/>
-      <a:lightRig rig="threePt" dir="t"/>
-    </dgm:scene3d>
-    <dgm:sp3d/>
-    <dgm:txPr/>
-    <dgm:style>
-      <a:lnRef idx="2">
-        <a:scrgbClr r="0" g="0" b="0"/>
-      </a:lnRef>
-      <a:fillRef idx="1">
-        <a:scrgbClr r="0" g="0" b="0"/>
-      </a:fillRef>
-      <a:effectRef idx="0">
-        <a:scrgbClr r="0" g="0" b="0"/>
-      </a:effectRef>
-      <a:fontRef idx="minor"/>
-    </dgm:style>
-  </dgm:styleLbl>
-  <dgm:styleLbl name="fgAcc0">
-    <dgm:scene3d>
-      <a:camera prst="orthographicFront"/>
-      <a:lightRig rig="threePt" dir="t"/>
-    </dgm:scene3d>
-    <dgm:sp3d/>
-    <dgm:txPr/>
-    <dgm:style>
-      <a:lnRef idx="2">
-        <a:scrgbClr r="0" g="0" b="0"/>
-      </a:lnRef>
-      <a:fillRef idx="1">
-        <a:scrgbClr r="0" g="0" b="0"/>
-      </a:fillRef>
-      <a:effectRef idx="0">
-        <a:scrgbClr r="0" g="0" b="0"/>
-      </a:effectRef>
-      <a:fontRef idx="minor"/>
-    </dgm:style>
-  </dgm:styleLbl>
-  <dgm:styleLbl name="fgAcc2">
-    <dgm:scene3d>
-      <a:camera prst="orthographicFront"/>
-      <a:lightRig rig="threePt" dir="t"/>
-    </dgm:scene3d>
-    <dgm:sp3d/>
-    <dgm:txPr/>
-    <dgm:style>
-      <a:lnRef idx="2">
-        <a:scrgbClr r="0" g="0" b="0"/>
-      </a:lnRef>
-      <a:fillRef idx="1">
-        <a:scrgbClr r="0" g="0" b="0"/>
-      </a:fillRef>
-      <a:effectRef idx="0">
-        <a:scrgbClr r="0" g="0" b="0"/>
-      </a:effectRef>
-      <a:fontRef idx="minor"/>
-    </dgm:style>
-  </dgm:styleLbl>
-  <dgm:styleLbl name="fgAcc3">
-    <dgm:scene3d>
-      <a:camera prst="orthographicFront"/>
-      <a:lightRig rig="threePt" dir="t"/>
-    </dgm:scene3d>
-    <dgm:sp3d/>
-    <dgm:txPr/>
-    <dgm:style>
-      <a:lnRef idx="2">
-        <a:scrgbClr r="0" g="0" b="0"/>
-      </a:lnRef>
-      <a:fillRef idx="1">
-        <a:scrgbClr r="0" g="0" b="0"/>
-      </a:fillRef>
-      <a:effectRef idx="0">
-        <a:scrgbClr r="0" g="0" b="0"/>
-      </a:effectRef>
-      <a:fontRef idx="minor"/>
-    </dgm:style>
-  </dgm:styleLbl>
-  <dgm:styleLbl name="fgAcc4">
-    <dgm:scene3d>
-      <a:camera prst="orthographicFront"/>
-      <a:lightRig rig="threePt" dir="t"/>
-    </dgm:scene3d>
-    <dgm:sp3d/>
-    <dgm:txPr/>
-    <dgm:style>
-      <a:lnRef idx="2">
-        <a:scrgbClr r="0" g="0" b="0"/>
-      </a:lnRef>
-      <a:fillRef idx="1">
-        <a:scrgbClr r="0" g="0" b="0"/>
-      </a:fillRef>
-      <a:effectRef idx="0">
-        <a:scrgbClr r="0" g="0" b="0"/>
-      </a:effectRef>
-      <a:fontRef idx="minor"/>
-    </dgm:style>
-  </dgm:styleLbl>
-  <dgm:styleLbl name="bgShp">
-    <dgm:scene3d>
-      <a:camera prst="orthographicFront"/>
-      <a:lightRig rig="threePt" dir="t"/>
-    </dgm:scene3d>
-    <dgm:sp3d/>
-    <dgm:txPr/>
-    <dgm:style>
-      <a:lnRef idx="0">
-        <a:scrgbClr r="0" g="0" b="0"/>
-      </a:lnRef>
-      <a:fillRef idx="1">
-        <a:scrgbClr r="0" g="0" b="0"/>
-      </a:fillRef>
-      <a:effectRef idx="0">
-        <a:scrgbClr r="0" g="0" b="0"/>
-      </a:effectRef>
-      <a:fontRef idx="minor"/>
-    </dgm:style>
-  </dgm:styleLbl>
-  <dgm:styleLbl name="dkBgShp">
-    <dgm:scene3d>
-      <a:camera prst="orthographicFront"/>
-      <a:lightRig rig="threePt" dir="t"/>
-    </dgm:scene3d>
-    <dgm:sp3d/>
-    <dgm:txPr/>
-    <dgm:style>
-      <a:lnRef idx="0">
-        <a:scrgbClr r="0" g="0" b="0"/>
-      </a:lnRef>
-      <a:fillRef idx="1">
-        <a:scrgbClr r="0" g="0" b="0"/>
-      </a:fillRef>
-      <a:effectRef idx="0">
-        <a:scrgbClr r="0" g="0" b="0"/>
-      </a:effectRef>
-      <a:fontRef idx="minor"/>
-    </dgm:style>
-  </dgm:styleLbl>
-  <dgm:styleLbl name="trBgShp">
-    <dgm:scene3d>
-      <a:camera prst="orthographicFront"/>
-      <a:lightRig rig="threePt" dir="t"/>
-    </dgm:scene3d>
-    <dgm:sp3d/>
-    <dgm:txPr/>
-    <dgm:style>
-      <a:lnRef idx="0">
-        <a:scrgbClr r="0" g="0" b="0"/>
-      </a:lnRef>
-      <a:fillRef idx="1">
-        <a:scrgbClr r="0" g="0" b="0"/>
-      </a:fillRef>
-      <a:effectRef idx="0">
-        <a:scrgbClr r="0" g="0" b="0"/>
-      </a:effectRef>
-      <a:fontRef idx="minor"/>
-    </dgm:style>
-  </dgm:styleLbl>
-  <dgm:styleLbl name="fgShp">
-    <dgm:scene3d>
-      <a:camera prst="orthographicFront"/>
-      <a:lightRig rig="threePt" dir="t"/>
-    </dgm:scene3d>
-    <dgm:sp3d/>
-    <dgm:txPr/>
-    <dgm:style>
-      <a:lnRef idx="2">
-        <a:scrgbClr r="0" g="0" b="0"/>
-      </a:lnRef>
-      <a:fillRef idx="1">
-        <a:scrgbClr r="0" g="0" b="0"/>
-      </a:fillRef>
-      <a:effectRef idx="0">
-        <a:scrgbClr r="0" g="0" b="0"/>
-      </a:effectRef>
-      <a:fontRef idx="minor"/>
-    </dgm:style>
-  </dgm:styleLbl>
-  <dgm:styleLbl name="revTx">
-    <dgm:scene3d>
-      <a:camera prst="orthographicFront"/>
-      <a:lightRig rig="threePt" dir="t"/>
-    </dgm:scene3d>
-    <dgm:sp3d/>
-    <dgm:txPr/>
-    <dgm:style>
-      <a:lnRef idx="0">
-        <a:scrgbClr r="0" g="0" b="0"/>
-      </a:lnRef>
-      <a:fillRef idx="0">
-        <a:scrgbClr r="0" g="0" b="0"/>
-      </a:fillRef>
-      <a:effectRef idx="0">
-        <a:scrgbClr r="0" g="0" b="0"/>
-      </a:effectRef>
-      <a:fontRef idx="minor"/>
-    </dgm:style>
-  </dgm:styleLbl>
-</dgm:styleDef>
-</file>
-
-<file path=ppt/diagrams/quickStyle3.xml><?xml version="1.0" encoding="utf-8"?>
 <dgm:styleDef xmlns:dgm="http://schemas.openxmlformats.org/drawingml/2006/diagram" xmlns:a="http://schemas.openxmlformats.org/drawingml/2006/main" uniqueId="urn:microsoft.com/office/officeart/2005/8/quickstyle/simple1">
   <dgm:title val=""/>
   <dgm:desc val=""/>
@@ -9683,7 +7288,7 @@
           <a:p>
             <a:fld id="{96C0E108-500F-4D8B-B2AA-9A0592FD1777}" type="datetimeFigureOut">
               <a:rPr lang="zh-CN" altLang="en-US" smtClean="0"/>
-              <a:t>2022/6/15</a:t>
+              <a:t>2022/6/21</a:t>
             </a:fld>
             <a:endParaRPr lang="zh-CN" altLang="en-US"/>
           </a:p>
@@ -10184,7 +7789,7 @@
           <a:p>
             <a:fld id="{AB5A4311-4766-49D6-999F-2921BF181D74}" type="slidenum">
               <a:rPr lang="zh-CN" altLang="en-US" smtClean="0"/>
-              <a:t>15</a:t>
+              <a:t>17</a:t>
             </a:fld>
             <a:endParaRPr lang="zh-CN" altLang="en-US"/>
           </a:p>
@@ -10194,6 +7799,90 @@
     <p:extLst>
       <p:ext uri="{BB962C8B-B14F-4D97-AF65-F5344CB8AC3E}">
         <p14:creationId xmlns:p14="http://schemas.microsoft.com/office/powerpoint/2010/main" val="2276385930"/>
+      </p:ext>
+    </p:extLst>
+  </p:cSld>
+  <p:clrMapOvr>
+    <a:masterClrMapping/>
+  </p:clrMapOvr>
+</p:notes>
+</file>
+
+<file path=ppt/notesSlides/notesSlide4.xml><?xml version="1.0" encoding="utf-8"?>
+<p:notes xmlns:a="http://schemas.openxmlformats.org/drawingml/2006/main" xmlns:r="http://schemas.openxmlformats.org/officeDocument/2006/relationships" xmlns:p="http://schemas.openxmlformats.org/presentationml/2006/main">
+  <p:cSld>
+    <p:spTree>
+      <p:nvGrpSpPr>
+        <p:cNvPr id="1" name=""/>
+        <p:cNvGrpSpPr/>
+        <p:nvPr/>
+      </p:nvGrpSpPr>
+      <p:grpSpPr>
+        <a:xfrm>
+          <a:off x="0" y="0"/>
+          <a:ext cx="0" cy="0"/>
+          <a:chOff x="0" y="0"/>
+          <a:chExt cx="0" cy="0"/>
+        </a:xfrm>
+      </p:grpSpPr>
+      <p:sp>
+        <p:nvSpPr>
+          <p:cNvPr id="2" name="幻灯片图像占位符 1"/>
+          <p:cNvSpPr>
+            <a:spLocks noGrp="1" noRot="1" noChangeAspect="1"/>
+          </p:cNvSpPr>
+          <p:nvPr>
+            <p:ph type="sldImg"/>
+          </p:nvPr>
+        </p:nvSpPr>
+        <p:spPr/>
+      </p:sp>
+      <p:sp>
+        <p:nvSpPr>
+          <p:cNvPr id="3" name="备注占位符 2"/>
+          <p:cNvSpPr>
+            <a:spLocks noGrp="1"/>
+          </p:cNvSpPr>
+          <p:nvPr>
+            <p:ph type="body" idx="1"/>
+          </p:nvPr>
+        </p:nvSpPr>
+        <p:spPr/>
+        <p:txBody>
+          <a:bodyPr/>
+          <a:lstStyle/>
+          <a:p>
+            <a:endParaRPr lang="zh-CN" altLang="en-US" dirty="0"/>
+          </a:p>
+        </p:txBody>
+      </p:sp>
+      <p:sp>
+        <p:nvSpPr>
+          <p:cNvPr id="4" name="灯片编号占位符 3"/>
+          <p:cNvSpPr>
+            <a:spLocks noGrp="1"/>
+          </p:cNvSpPr>
+          <p:nvPr>
+            <p:ph type="sldNum" sz="quarter" idx="10"/>
+          </p:nvPr>
+        </p:nvSpPr>
+        <p:spPr/>
+        <p:txBody>
+          <a:bodyPr/>
+          <a:lstStyle/>
+          <a:p>
+            <a:fld id="{AB5A4311-4766-49D6-999F-2921BF181D74}" type="slidenum">
+              <a:rPr lang="zh-CN" altLang="en-US" smtClean="0"/>
+              <a:t>18</a:t>
+            </a:fld>
+            <a:endParaRPr lang="zh-CN" altLang="en-US"/>
+          </a:p>
+        </p:txBody>
+      </p:sp>
+    </p:spTree>
+    <p:extLst>
+      <p:ext uri="{BB962C8B-B14F-4D97-AF65-F5344CB8AC3E}">
+        <p14:creationId xmlns:p14="http://schemas.microsoft.com/office/powerpoint/2010/main" val="4050169221"/>
       </p:ext>
     </p:extLst>
   </p:cSld>
@@ -10334,7 +8023,7 @@
           <a:p>
             <a:fld id="{AFB21ECB-9A5A-440D-B541-31DBC5A5CD6B}" type="datetimeFigureOut">
               <a:rPr lang="zh-CN" altLang="en-US" smtClean="0"/>
-              <a:t>2022/6/15</a:t>
+              <a:t>2022/6/21</a:t>
             </a:fld>
             <a:endParaRPr lang="zh-CN" altLang="en-US"/>
           </a:p>
@@ -10504,7 +8193,7 @@
           <a:p>
             <a:fld id="{AFB21ECB-9A5A-440D-B541-31DBC5A5CD6B}" type="datetimeFigureOut">
               <a:rPr lang="zh-CN" altLang="en-US" smtClean="0"/>
-              <a:t>2022/6/15</a:t>
+              <a:t>2022/6/21</a:t>
             </a:fld>
             <a:endParaRPr lang="zh-CN" altLang="en-US"/>
           </a:p>
@@ -10684,7 +8373,7 @@
           <a:p>
             <a:fld id="{AFB21ECB-9A5A-440D-B541-31DBC5A5CD6B}" type="datetimeFigureOut">
               <a:rPr lang="zh-CN" altLang="en-US" smtClean="0"/>
-              <a:t>2022/6/15</a:t>
+              <a:t>2022/6/21</a:t>
             </a:fld>
             <a:endParaRPr lang="zh-CN" altLang="en-US"/>
           </a:p>
@@ -11067,7 +8756,7 @@
           <a:p>
             <a:fld id="{AFB21ECB-9A5A-440D-B541-31DBC5A5CD6B}" type="datetimeFigureOut">
               <a:rPr lang="zh-CN" altLang="en-US" smtClean="0"/>
-              <a:t>2022/6/15</a:t>
+              <a:t>2022/6/21</a:t>
             </a:fld>
             <a:endParaRPr lang="zh-CN" altLang="en-US"/>
           </a:p>
@@ -11313,7 +9002,7 @@
           <a:p>
             <a:fld id="{AFB21ECB-9A5A-440D-B541-31DBC5A5CD6B}" type="datetimeFigureOut">
               <a:rPr lang="zh-CN" altLang="en-US" smtClean="0"/>
-              <a:t>2022/6/15</a:t>
+              <a:t>2022/6/21</a:t>
             </a:fld>
             <a:endParaRPr lang="zh-CN" altLang="en-US"/>
           </a:p>
@@ -11545,7 +9234,7 @@
           <a:p>
             <a:fld id="{AFB21ECB-9A5A-440D-B541-31DBC5A5CD6B}" type="datetimeFigureOut">
               <a:rPr lang="zh-CN" altLang="en-US" smtClean="0"/>
-              <a:t>2022/6/15</a:t>
+              <a:t>2022/6/21</a:t>
             </a:fld>
             <a:endParaRPr lang="zh-CN" altLang="en-US"/>
           </a:p>
@@ -11912,7 +9601,7 @@
           <a:p>
             <a:fld id="{AFB21ECB-9A5A-440D-B541-31DBC5A5CD6B}" type="datetimeFigureOut">
               <a:rPr lang="zh-CN" altLang="en-US" smtClean="0"/>
-              <a:t>2022/6/15</a:t>
+              <a:t>2022/6/21</a:t>
             </a:fld>
             <a:endParaRPr lang="zh-CN" altLang="en-US"/>
           </a:p>
@@ -12030,7 +9719,7 @@
           <a:p>
             <a:fld id="{AFB21ECB-9A5A-440D-B541-31DBC5A5CD6B}" type="datetimeFigureOut">
               <a:rPr lang="zh-CN" altLang="en-US" smtClean="0"/>
-              <a:t>2022/6/15</a:t>
+              <a:t>2022/6/21</a:t>
             </a:fld>
             <a:endParaRPr lang="zh-CN" altLang="en-US"/>
           </a:p>
@@ -12125,7 +9814,7 @@
           <a:p>
             <a:fld id="{AFB21ECB-9A5A-440D-B541-31DBC5A5CD6B}" type="datetimeFigureOut">
               <a:rPr lang="zh-CN" altLang="en-US" smtClean="0"/>
-              <a:t>2022/6/15</a:t>
+              <a:t>2022/6/21</a:t>
             </a:fld>
             <a:endParaRPr lang="zh-CN" altLang="en-US"/>
           </a:p>
@@ -12402,7 +10091,7 @@
           <a:p>
             <a:fld id="{AFB21ECB-9A5A-440D-B541-31DBC5A5CD6B}" type="datetimeFigureOut">
               <a:rPr lang="zh-CN" altLang="en-US" smtClean="0"/>
-              <a:t>2022/6/15</a:t>
+              <a:t>2022/6/21</a:t>
             </a:fld>
             <a:endParaRPr lang="zh-CN" altLang="en-US"/>
           </a:p>
@@ -12659,7 +10348,7 @@
           <a:p>
             <a:fld id="{AFB21ECB-9A5A-440D-B541-31DBC5A5CD6B}" type="datetimeFigureOut">
               <a:rPr lang="zh-CN" altLang="en-US" smtClean="0"/>
-              <a:t>2022/6/15</a:t>
+              <a:t>2022/6/21</a:t>
             </a:fld>
             <a:endParaRPr lang="zh-CN" altLang="en-US"/>
           </a:p>
@@ -12872,7 +10561,7 @@
           <a:p>
             <a:fld id="{AFB21ECB-9A5A-440D-B541-31DBC5A5CD6B}" type="datetimeFigureOut">
               <a:rPr lang="zh-CN" altLang="en-US" smtClean="0"/>
-              <a:t>2022/6/15</a:t>
+              <a:t>2022/6/21</a:t>
             </a:fld>
             <a:endParaRPr lang="zh-CN" altLang="en-US"/>
           </a:p>
@@ -14133,9 +11822,42 @@
           </a:p>
         </p:txBody>
       </p:sp>
+      <p:sp>
+        <p:nvSpPr>
+          <p:cNvPr id="8" name="文本框 7"/>
+          <p:cNvSpPr txBox="1"/>
+          <p:nvPr/>
+        </p:nvSpPr>
+        <p:spPr>
+          <a:xfrm>
+            <a:off x="492726" y="2509361"/>
+            <a:ext cx="2631939" cy="369332"/>
+          </a:xfrm>
+          <a:prstGeom prst="rect">
+            <a:avLst/>
+          </a:prstGeom>
+          <a:noFill/>
+        </p:spPr>
+        <p:txBody>
+          <a:bodyPr wrap="none" rtlCol="0">
+            <a:spAutoFit/>
+          </a:bodyPr>
+          <a:lstStyle/>
+          <a:p>
+            <a:r>
+              <a:rPr lang="en-US" altLang="zh-CN" dirty="0" err="1" smtClean="0"/>
+              <a:t>customElements</a:t>
+            </a:r>
+            <a:r>
+              <a:rPr lang="en-US" altLang="zh-CN" dirty="0" smtClean="0"/>
+              <a:t>: demo02</a:t>
+            </a:r>
+          </a:p>
+        </p:txBody>
+      </p:sp>
       <p:pic>
         <p:nvPicPr>
-          <p:cNvPr id="3" name="图片 2"/>
+          <p:cNvPr id="4" name="图片 3"/>
           <p:cNvPicPr>
             <a:picLocks noChangeAspect="1"/>
           </p:cNvPicPr>
@@ -14149,40 +11871,24 @@
         </p:blipFill>
         <p:spPr>
           <a:xfrm>
-            <a:off x="4305940" y="1681408"/>
-            <a:ext cx="7534577" cy="4569764"/>
+            <a:off x="492726" y="3086290"/>
+            <a:ext cx="10610850" cy="3124200"/>
           </a:xfrm>
           <a:prstGeom prst="rect">
             <a:avLst/>
           </a:prstGeom>
         </p:spPr>
       </p:pic>
-      <p:graphicFrame>
-        <p:nvGraphicFramePr>
-          <p:cNvPr id="5" name="图示 4"/>
-          <p:cNvGraphicFramePr/>
-          <p:nvPr/>
-        </p:nvGraphicFramePr>
-        <p:xfrm>
-          <a:off x="341222" y="1179670"/>
-          <a:ext cx="3634350" cy="3532031"/>
-        </p:xfrm>
-        <a:graphic>
-          <a:graphicData uri="http://schemas.openxmlformats.org/drawingml/2006/diagram">
-            <dgm:relIds xmlns:dgm="http://schemas.openxmlformats.org/drawingml/2006/diagram" xmlns:r="http://schemas.openxmlformats.org/officeDocument/2006/relationships" r:dm="rId3" r:lo="rId4" r:qs="rId5" r:cs="rId6"/>
-          </a:graphicData>
-        </a:graphic>
-      </p:graphicFrame>
       <p:sp>
         <p:nvSpPr>
-          <p:cNvPr id="8" name="文本框 7"/>
+          <p:cNvPr id="7" name="文本框 6"/>
           <p:cNvSpPr txBox="1"/>
           <p:nvPr/>
         </p:nvSpPr>
         <p:spPr>
           <a:xfrm>
-            <a:off x="653969" y="5081419"/>
-            <a:ext cx="2631939" cy="369332"/>
+            <a:off x="598604" y="1287705"/>
+            <a:ext cx="8802410" cy="1569660"/>
           </a:xfrm>
           <a:prstGeom prst="rect">
             <a:avLst/>
@@ -14196,13 +11902,72 @@
           <a:lstStyle/>
           <a:p>
             <a:r>
-              <a:rPr lang="en-US" altLang="zh-CN" dirty="0" err="1" smtClean="0"/>
-              <a:t>customElements</a:t>
-            </a:r>
-            <a:r>
-              <a:rPr lang="en-US" altLang="zh-CN" dirty="0" smtClean="0"/>
-              <a:t>: demo02</a:t>
-            </a:r>
+              <a:rPr lang="zh-CN" altLang="en-US" sz="2400" dirty="0" smtClean="0"/>
+              <a:t>生命周期</a:t>
+            </a:r>
+            <a:r>
+              <a:rPr lang="en-US" altLang="zh-CN" sz="2400" dirty="0" smtClean="0"/>
+              <a:t>: </a:t>
+            </a:r>
+            <a:r>
+              <a:rPr lang="zh-CN" altLang="en-US" sz="2400" dirty="0" smtClean="0"/>
+              <a:t>连接到文档 </a:t>
+            </a:r>
+            <a:r>
+              <a:rPr lang="en-US" altLang="zh-CN" sz="2400" dirty="0" smtClean="0"/>
+              <a:t>-&gt;</a:t>
+            </a:r>
+          </a:p>
+          <a:p>
+            <a:r>
+              <a:rPr lang="en-US" altLang="zh-CN" sz="2400" dirty="0"/>
+              <a:t>	</a:t>
+            </a:r>
+            <a:r>
+              <a:rPr lang="en-US" altLang="zh-CN" sz="2400" dirty="0" smtClean="0"/>
+              <a:t>	 	</a:t>
+            </a:r>
+            <a:r>
+              <a:rPr lang="zh-CN" altLang="en-US" sz="2400" dirty="0" smtClean="0"/>
+              <a:t>属性变化监听 </a:t>
+            </a:r>
+            <a:r>
+              <a:rPr lang="en-US" altLang="zh-CN" sz="2400" dirty="0" smtClean="0"/>
+              <a:t>-&gt;</a:t>
+            </a:r>
+          </a:p>
+          <a:p>
+            <a:r>
+              <a:rPr lang="en-US" altLang="zh-CN" sz="2400" dirty="0"/>
+              <a:t>	</a:t>
+            </a:r>
+            <a:r>
+              <a:rPr lang="en-US" altLang="zh-CN" sz="2400" dirty="0" smtClean="0"/>
+              <a:t>				</a:t>
+            </a:r>
+            <a:r>
+              <a:rPr lang="zh-CN" altLang="en-US" sz="2400" dirty="0" smtClean="0"/>
+              <a:t>属性变化回调 </a:t>
+            </a:r>
+            <a:r>
+              <a:rPr lang="en-US" altLang="zh-CN" sz="2400" dirty="0" smtClean="0"/>
+              <a:t>-&gt; </a:t>
+            </a:r>
+          </a:p>
+          <a:p>
+            <a:r>
+              <a:rPr lang="en-US" altLang="zh-CN" sz="2400" dirty="0"/>
+              <a:t>	</a:t>
+            </a:r>
+            <a:r>
+              <a:rPr lang="en-US" altLang="zh-CN" sz="2400" dirty="0" smtClean="0"/>
+              <a:t>						</a:t>
+            </a:r>
+            <a:r>
+              <a:rPr lang="zh-CN" altLang="en-US" sz="2400" dirty="0" smtClean="0"/>
+              <a:t>文档中断开链接</a:t>
+            </a:r>
+            <a:endParaRPr lang="zh-CN" altLang="en-US" sz="2400" dirty="0"/>
           </a:p>
         </p:txBody>
       </p:sp>
@@ -14245,6 +12010,426 @@
       </p:grpSpPr>
       <p:sp>
         <p:nvSpPr>
+          <p:cNvPr id="2" name="页脚占位符 1"/>
+          <p:cNvSpPr>
+            <a:spLocks noGrp="1"/>
+          </p:cNvSpPr>
+          <p:nvPr>
+            <p:ph type="ftr" sz="quarter" idx="3"/>
+          </p:nvPr>
+        </p:nvSpPr>
+        <p:spPr/>
+        <p:txBody>
+          <a:bodyPr/>
+          <a:lstStyle/>
+          <a:p>
+            <a:fld id="{96727D3B-1B81-5549-9B2F-B47ED2EA5FA0}" type="slidenum">
+              <a:rPr kumimoji="1" lang="en-US" altLang="zh-CN" smtClean="0"/>
+              <a:t>15</a:t>
+            </a:fld>
+            <a:endParaRPr kumimoji="1" lang="zh-CN" altLang="en-US" dirty="0"/>
+          </a:p>
+        </p:txBody>
+      </p:sp>
+      <p:sp>
+        <p:nvSpPr>
+          <p:cNvPr id="6" name="文本框 5"/>
+          <p:cNvSpPr txBox="1"/>
+          <p:nvPr/>
+        </p:nvSpPr>
+        <p:spPr>
+          <a:xfrm>
+            <a:off x="92365" y="184666"/>
+            <a:ext cx="11748152" cy="584775"/>
+          </a:xfrm>
+          <a:prstGeom prst="rect">
+            <a:avLst/>
+          </a:prstGeom>
+          <a:noFill/>
+        </p:spPr>
+        <p:txBody>
+          <a:bodyPr wrap="none" rtlCol="0" anchor="t">
+            <a:spAutoFit/>
+          </a:bodyPr>
+          <a:lstStyle/>
+          <a:p>
+            <a:r>
+              <a:rPr lang="en-US" altLang="zh-CN" sz="3200" b="1" dirty="0" smtClean="0">
+                <a:solidFill>
+                  <a:srgbClr val="3D68BF"/>
+                </a:solidFill>
+                <a:latin typeface="Microsoft YaHei" panose="020B0503020204020204" pitchFamily="34" charset="-122"/>
+                <a:ea typeface="Microsoft YaHei" panose="020B0503020204020204" pitchFamily="34" charset="-122"/>
+                <a:cs typeface="Arial" panose="020B0604020202090204" pitchFamily="34" charset="0"/>
+                <a:sym typeface="+mn-ea"/>
+              </a:rPr>
+              <a:t>3. </a:t>
+            </a:r>
+            <a:r>
+              <a:rPr lang="en-US" altLang="zh-CN" sz="3200" b="1" dirty="0">
+                <a:solidFill>
+                  <a:srgbClr val="3D68BF"/>
+                </a:solidFill>
+                <a:latin typeface="Microsoft YaHei" panose="020B0503020204020204" pitchFamily="34" charset="-122"/>
+                <a:ea typeface="Microsoft YaHei" panose="020B0503020204020204" pitchFamily="34" charset="-122"/>
+                <a:cs typeface="Arial" panose="020B0604020202090204" pitchFamily="34" charset="0"/>
+              </a:rPr>
+              <a:t>Custom </a:t>
+            </a:r>
+            <a:r>
+              <a:rPr lang="en-US" altLang="zh-CN" sz="3200" b="1" dirty="0" smtClean="0">
+                <a:solidFill>
+                  <a:srgbClr val="3D68BF"/>
+                </a:solidFill>
+                <a:latin typeface="Microsoft YaHei" panose="020B0503020204020204" pitchFamily="34" charset="-122"/>
+                <a:ea typeface="Microsoft YaHei" panose="020B0503020204020204" pitchFamily="34" charset="-122"/>
+                <a:cs typeface="Arial" panose="020B0604020202090204" pitchFamily="34" charset="0"/>
+              </a:rPr>
+              <a:t>Elements &amp; Shadow DOM &amp; HTML templates</a:t>
+            </a:r>
+            <a:endParaRPr lang="en-US" altLang="zh-CN" sz="3200" b="1" dirty="0">
+              <a:solidFill>
+                <a:srgbClr val="3D68BF"/>
+              </a:solidFill>
+              <a:latin typeface="Microsoft YaHei" panose="020B0503020204020204" pitchFamily="34" charset="-122"/>
+              <a:ea typeface="Microsoft YaHei" panose="020B0503020204020204" pitchFamily="34" charset="-122"/>
+              <a:cs typeface="Arial" panose="020B0604020202090204" pitchFamily="34" charset="0"/>
+            </a:endParaRPr>
+          </a:p>
+        </p:txBody>
+      </p:sp>
+      <p:sp>
+        <p:nvSpPr>
+          <p:cNvPr id="8" name="文本框 7"/>
+          <p:cNvSpPr txBox="1"/>
+          <p:nvPr/>
+        </p:nvSpPr>
+        <p:spPr>
+          <a:xfrm>
+            <a:off x="492726" y="1460210"/>
+            <a:ext cx="4554837" cy="461665"/>
+          </a:xfrm>
+          <a:prstGeom prst="rect">
+            <a:avLst/>
+          </a:prstGeom>
+          <a:noFill/>
+        </p:spPr>
+        <p:txBody>
+          <a:bodyPr wrap="none" rtlCol="0">
+            <a:spAutoFit/>
+          </a:bodyPr>
+          <a:lstStyle/>
+          <a:p>
+            <a:r>
+              <a:rPr lang="en-US" altLang="zh-CN" sz="2400" dirty="0" smtClean="0"/>
+              <a:t>Shadow DOM: </a:t>
+            </a:r>
+            <a:r>
+              <a:rPr lang="zh-CN" altLang="en-US" sz="2400" dirty="0" smtClean="0"/>
+              <a:t>独立</a:t>
+            </a:r>
+            <a:r>
+              <a:rPr lang="en-US" altLang="zh-CN" sz="2400" dirty="0" smtClean="0"/>
+              <a:t>DOM</a:t>
+            </a:r>
+            <a:r>
+              <a:rPr lang="zh-CN" altLang="en-US" sz="2400" dirty="0" smtClean="0"/>
+              <a:t>子文档树</a:t>
+            </a:r>
+            <a:endParaRPr lang="en-US" altLang="zh-CN" sz="2400" dirty="0" smtClean="0"/>
+          </a:p>
+        </p:txBody>
+      </p:sp>
+      <p:sp>
+        <p:nvSpPr>
+          <p:cNvPr id="7" name="文本框 6"/>
+          <p:cNvSpPr txBox="1"/>
+          <p:nvPr/>
+        </p:nvSpPr>
+        <p:spPr>
+          <a:xfrm>
+            <a:off x="492726" y="2298847"/>
+            <a:ext cx="1877437" cy="1569660"/>
+          </a:xfrm>
+          <a:prstGeom prst="rect">
+            <a:avLst/>
+          </a:prstGeom>
+          <a:noFill/>
+        </p:spPr>
+        <p:txBody>
+          <a:bodyPr wrap="none" rtlCol="0">
+            <a:spAutoFit/>
+          </a:bodyPr>
+          <a:lstStyle/>
+          <a:p>
+            <a:pPr marL="457200" indent="-457200">
+              <a:buAutoNum type="arabicPeriod"/>
+            </a:pPr>
+            <a:r>
+              <a:rPr lang="zh-CN" altLang="en-US" sz="2400" dirty="0" smtClean="0"/>
+              <a:t>独立组件</a:t>
+            </a:r>
+            <a:endParaRPr lang="en-US" altLang="zh-CN" sz="2400" dirty="0" smtClean="0"/>
+          </a:p>
+          <a:p>
+            <a:pPr marL="457200" indent="-457200">
+              <a:buAutoNum type="arabicPeriod"/>
+            </a:pPr>
+            <a:r>
+              <a:rPr lang="zh-CN" altLang="en-US" sz="2400" dirty="0" smtClean="0"/>
+              <a:t>样式设置</a:t>
+            </a:r>
+            <a:endParaRPr lang="en-US" altLang="zh-CN" sz="2400" dirty="0" smtClean="0"/>
+          </a:p>
+          <a:p>
+            <a:pPr marL="457200" indent="-457200">
+              <a:buAutoNum type="arabicPeriod"/>
+            </a:pPr>
+            <a:r>
+              <a:rPr lang="zh-CN" altLang="en-US" sz="2400" dirty="0" smtClean="0"/>
+              <a:t>行为操作</a:t>
+            </a:r>
+            <a:endParaRPr lang="en-US" altLang="zh-CN" sz="2400" dirty="0" smtClean="0"/>
+          </a:p>
+          <a:p>
+            <a:pPr marL="457200" indent="-457200">
+              <a:buAutoNum type="arabicPeriod"/>
+            </a:pPr>
+            <a:r>
+              <a:rPr lang="zh-CN" altLang="en-US" sz="2400" dirty="0"/>
+              <a:t>复用</a:t>
+            </a:r>
+          </a:p>
+        </p:txBody>
+      </p:sp>
+    </p:spTree>
+    <p:extLst>
+      <p:ext uri="{BB962C8B-B14F-4D97-AF65-F5344CB8AC3E}">
+        <p14:creationId xmlns:p14="http://schemas.microsoft.com/office/powerpoint/2010/main" val="4191541819"/>
+      </p:ext>
+    </p:extLst>
+  </p:cSld>
+  <p:clrMapOvr>
+    <a:masterClrMapping/>
+  </p:clrMapOvr>
+  <p:timing>
+    <p:tnLst>
+      <p:par>
+        <p:cTn id="1" dur="indefinite" restart="never" nodeType="tmRoot"/>
+      </p:par>
+    </p:tnLst>
+  </p:timing>
+</p:sld>
+</file>
+
+<file path=ppt/slides/slide16.xml><?xml version="1.0" encoding="utf-8"?>
+<p:sld xmlns:a="http://schemas.openxmlformats.org/drawingml/2006/main" xmlns:r="http://schemas.openxmlformats.org/officeDocument/2006/relationships" xmlns:p="http://schemas.openxmlformats.org/presentationml/2006/main">
+  <p:cSld>
+    <p:spTree>
+      <p:nvGrpSpPr>
+        <p:cNvPr id="1" name=""/>
+        <p:cNvGrpSpPr/>
+        <p:nvPr/>
+      </p:nvGrpSpPr>
+      <p:grpSpPr>
+        <a:xfrm>
+          <a:off x="0" y="0"/>
+          <a:ext cx="0" cy="0"/>
+          <a:chOff x="0" y="0"/>
+          <a:chExt cx="0" cy="0"/>
+        </a:xfrm>
+      </p:grpSpPr>
+      <p:sp>
+        <p:nvSpPr>
+          <p:cNvPr id="2" name="页脚占位符 1"/>
+          <p:cNvSpPr>
+            <a:spLocks noGrp="1"/>
+          </p:cNvSpPr>
+          <p:nvPr>
+            <p:ph type="ftr" sz="quarter" idx="3"/>
+          </p:nvPr>
+        </p:nvSpPr>
+        <p:spPr/>
+        <p:txBody>
+          <a:bodyPr/>
+          <a:lstStyle/>
+          <a:p>
+            <a:fld id="{96727D3B-1B81-5549-9B2F-B47ED2EA5FA0}" type="slidenum">
+              <a:rPr kumimoji="1" lang="en-US" altLang="zh-CN" smtClean="0"/>
+              <a:t>16</a:t>
+            </a:fld>
+            <a:endParaRPr kumimoji="1" lang="zh-CN" altLang="en-US" dirty="0"/>
+          </a:p>
+        </p:txBody>
+      </p:sp>
+      <p:sp>
+        <p:nvSpPr>
+          <p:cNvPr id="6" name="文本框 5"/>
+          <p:cNvSpPr txBox="1"/>
+          <p:nvPr/>
+        </p:nvSpPr>
+        <p:spPr>
+          <a:xfrm>
+            <a:off x="92365" y="184666"/>
+            <a:ext cx="11748152" cy="584775"/>
+          </a:xfrm>
+          <a:prstGeom prst="rect">
+            <a:avLst/>
+          </a:prstGeom>
+          <a:noFill/>
+        </p:spPr>
+        <p:txBody>
+          <a:bodyPr wrap="none" rtlCol="0" anchor="t">
+            <a:spAutoFit/>
+          </a:bodyPr>
+          <a:lstStyle/>
+          <a:p>
+            <a:r>
+              <a:rPr lang="en-US" altLang="zh-CN" sz="3200" b="1" dirty="0" smtClean="0">
+                <a:solidFill>
+                  <a:srgbClr val="3D68BF"/>
+                </a:solidFill>
+                <a:latin typeface="Microsoft YaHei" panose="020B0503020204020204" pitchFamily="34" charset="-122"/>
+                <a:ea typeface="Microsoft YaHei" panose="020B0503020204020204" pitchFamily="34" charset="-122"/>
+                <a:cs typeface="Arial" panose="020B0604020202090204" pitchFamily="34" charset="0"/>
+                <a:sym typeface="+mn-ea"/>
+              </a:rPr>
+              <a:t>3. </a:t>
+            </a:r>
+            <a:r>
+              <a:rPr lang="en-US" altLang="zh-CN" sz="3200" b="1" dirty="0">
+                <a:solidFill>
+                  <a:srgbClr val="3D68BF"/>
+                </a:solidFill>
+                <a:latin typeface="Microsoft YaHei" panose="020B0503020204020204" pitchFamily="34" charset="-122"/>
+                <a:ea typeface="Microsoft YaHei" panose="020B0503020204020204" pitchFamily="34" charset="-122"/>
+                <a:cs typeface="Arial" panose="020B0604020202090204" pitchFamily="34" charset="0"/>
+              </a:rPr>
+              <a:t>Custom </a:t>
+            </a:r>
+            <a:r>
+              <a:rPr lang="en-US" altLang="zh-CN" sz="3200" b="1" dirty="0" smtClean="0">
+                <a:solidFill>
+                  <a:srgbClr val="3D68BF"/>
+                </a:solidFill>
+                <a:latin typeface="Microsoft YaHei" panose="020B0503020204020204" pitchFamily="34" charset="-122"/>
+                <a:ea typeface="Microsoft YaHei" panose="020B0503020204020204" pitchFamily="34" charset="-122"/>
+                <a:cs typeface="Arial" panose="020B0604020202090204" pitchFamily="34" charset="0"/>
+              </a:rPr>
+              <a:t>Elements &amp; Shadow DOM &amp; HTML templates</a:t>
+            </a:r>
+            <a:endParaRPr lang="en-US" altLang="zh-CN" sz="3200" b="1" dirty="0">
+              <a:solidFill>
+                <a:srgbClr val="3D68BF"/>
+              </a:solidFill>
+              <a:latin typeface="Microsoft YaHei" panose="020B0503020204020204" pitchFamily="34" charset="-122"/>
+              <a:ea typeface="Microsoft YaHei" panose="020B0503020204020204" pitchFamily="34" charset="-122"/>
+              <a:cs typeface="Arial" panose="020B0604020202090204" pitchFamily="34" charset="0"/>
+            </a:endParaRPr>
+          </a:p>
+        </p:txBody>
+      </p:sp>
+      <p:sp>
+        <p:nvSpPr>
+          <p:cNvPr id="8" name="文本框 7"/>
+          <p:cNvSpPr txBox="1"/>
+          <p:nvPr/>
+        </p:nvSpPr>
+        <p:spPr>
+          <a:xfrm>
+            <a:off x="492726" y="1460210"/>
+            <a:ext cx="3191964" cy="461665"/>
+          </a:xfrm>
+          <a:prstGeom prst="rect">
+            <a:avLst/>
+          </a:prstGeom>
+          <a:noFill/>
+        </p:spPr>
+        <p:txBody>
+          <a:bodyPr wrap="none" rtlCol="0">
+            <a:spAutoFit/>
+          </a:bodyPr>
+          <a:lstStyle/>
+          <a:p>
+            <a:r>
+              <a:rPr lang="en-US" altLang="zh-CN" sz="2400" dirty="0" smtClean="0"/>
+              <a:t>HTML</a:t>
+            </a:r>
+            <a:r>
+              <a:rPr lang="zh-CN" altLang="en-US" sz="2400" dirty="0" smtClean="0"/>
+              <a:t>模板</a:t>
+            </a:r>
+            <a:r>
+              <a:rPr lang="en-US" altLang="zh-CN" sz="2400" dirty="0" smtClean="0"/>
+              <a:t>: &lt;template&gt; </a:t>
+            </a:r>
+            <a:endParaRPr lang="en-US" altLang="zh-CN" sz="2400" dirty="0" smtClean="0"/>
+          </a:p>
+        </p:txBody>
+      </p:sp>
+      <p:pic>
+        <p:nvPicPr>
+          <p:cNvPr id="3" name="图片 2"/>
+          <p:cNvPicPr>
+            <a:picLocks noChangeAspect="1"/>
+          </p:cNvPicPr>
+          <p:nvPr/>
+        </p:nvPicPr>
+        <p:blipFill>
+          <a:blip r:embed="rId2"/>
+          <a:stretch>
+            <a:fillRect/>
+          </a:stretch>
+        </p:blipFill>
+        <p:spPr>
+          <a:xfrm>
+            <a:off x="492726" y="2437096"/>
+            <a:ext cx="2105025" cy="1733550"/>
+          </a:xfrm>
+          <a:prstGeom prst="rect">
+            <a:avLst/>
+          </a:prstGeom>
+        </p:spPr>
+      </p:pic>
+    </p:spTree>
+    <p:extLst>
+      <p:ext uri="{BB962C8B-B14F-4D97-AF65-F5344CB8AC3E}">
+        <p14:creationId xmlns:p14="http://schemas.microsoft.com/office/powerpoint/2010/main" val="2118054906"/>
+      </p:ext>
+    </p:extLst>
+  </p:cSld>
+  <p:clrMapOvr>
+    <a:masterClrMapping/>
+  </p:clrMapOvr>
+  <p:timing>
+    <p:tnLst>
+      <p:par>
+        <p:cTn id="1" dur="indefinite" restart="never" nodeType="tmRoot"/>
+      </p:par>
+    </p:tnLst>
+  </p:timing>
+</p:sld>
+</file>
+
+<file path=ppt/slides/slide17.xml><?xml version="1.0" encoding="utf-8"?>
+<p:sld xmlns:a="http://schemas.openxmlformats.org/drawingml/2006/main" xmlns:r="http://schemas.openxmlformats.org/officeDocument/2006/relationships" xmlns:p="http://schemas.openxmlformats.org/presentationml/2006/main">
+  <p:cSld>
+    <p:spTree>
+      <p:nvGrpSpPr>
+        <p:cNvPr id="1" name=""/>
+        <p:cNvGrpSpPr/>
+        <p:nvPr/>
+      </p:nvGrpSpPr>
+      <p:grpSpPr>
+        <a:xfrm>
+          <a:off x="0" y="0"/>
+          <a:ext cx="0" cy="0"/>
+          <a:chOff x="0" y="0"/>
+          <a:chExt cx="0" cy="0"/>
+        </a:xfrm>
+      </p:grpSpPr>
+      <p:sp>
+        <p:nvSpPr>
           <p:cNvPr id="2" name="标题 1"/>
           <p:cNvSpPr>
             <a:spLocks noGrp="1"/>
@@ -14255,1267 +12440,151 @@
         </p:nvSpPr>
         <p:spPr>
           <a:xfrm>
-            <a:off x="339970" y="1145575"/>
+            <a:off x="526236" y="2065752"/>
             <a:ext cx="6755969" cy="366632"/>
           </a:xfrm>
         </p:spPr>
         <p:txBody>
           <a:bodyPr>
-            <a:normAutofit fontScale="90000"/>
+            <a:normAutofit/>
           </a:bodyPr>
           <a:lstStyle/>
           <a:p>
             <a:r>
-              <a:rPr kumimoji="1" lang="en-US" altLang="zh-CN" dirty="0" smtClean="0"/>
-              <a:t>Pack</a:t>
-            </a:r>
-            <a:r>
-              <a:rPr kumimoji="1" lang="zh-CN" altLang="en-US" dirty="0" smtClean="0"/>
-              <a:t>格式简析</a:t>
-            </a:r>
-            <a:endParaRPr kumimoji="1" lang="zh-CN" altLang="en-US" dirty="0"/>
+              <a:rPr kumimoji="1" lang="zh-CN" altLang="en-US" sz="2000" dirty="0" smtClean="0"/>
+              <a:t>相关拓展</a:t>
+            </a:r>
+            <a:endParaRPr kumimoji="1" lang="zh-CN" altLang="en-US" sz="2000" dirty="0"/>
           </a:p>
         </p:txBody>
       </p:sp>
       <p:sp>
         <p:nvSpPr>
-          <p:cNvPr id="13" name="矩形 12"/>
-          <p:cNvSpPr/>
-          <p:nvPr/>
-        </p:nvSpPr>
-        <p:spPr>
-          <a:xfrm>
-            <a:off x="1333255" y="1905497"/>
-            <a:ext cx="1097280" cy="330364"/>
-          </a:xfrm>
-          <a:prstGeom prst="rect">
-            <a:avLst/>
-          </a:prstGeom>
-        </p:spPr>
-        <p:style>
-          <a:lnRef idx="2">
-            <a:schemeClr val="accent1">
-              <a:shade val="50000"/>
-            </a:schemeClr>
-          </a:lnRef>
-          <a:fillRef idx="1">
-            <a:schemeClr val="accent1"/>
-          </a:fillRef>
-          <a:effectRef idx="0">
-            <a:schemeClr val="accent1"/>
-          </a:effectRef>
-          <a:fontRef idx="minor">
-            <a:schemeClr val="lt1"/>
-          </a:fontRef>
-        </p:style>
-        <p:txBody>
-          <a:bodyPr rtlCol="0" anchor="ctr"/>
-          <a:lstStyle/>
-          <a:p>
-            <a:pPr algn="ctr"/>
-            <a:r>
-              <a:rPr lang="en-US" altLang="zh-CN" dirty="0" smtClean="0"/>
-              <a:t>Version</a:t>
-            </a:r>
-            <a:endParaRPr lang="zh-CN" altLang="en-US" dirty="0"/>
-          </a:p>
-        </p:txBody>
-      </p:sp>
-      <p:sp>
-        <p:nvSpPr>
-          <p:cNvPr id="14" name="矩形 13"/>
-          <p:cNvSpPr/>
-          <p:nvPr/>
-        </p:nvSpPr>
-        <p:spPr>
-          <a:xfrm>
-            <a:off x="2554421" y="1905497"/>
-            <a:ext cx="3928970" cy="330364"/>
-          </a:xfrm>
-          <a:prstGeom prst="rect">
-            <a:avLst/>
-          </a:prstGeom>
-        </p:spPr>
-        <p:style>
-          <a:lnRef idx="2">
-            <a:schemeClr val="accent1">
-              <a:shade val="50000"/>
-            </a:schemeClr>
-          </a:lnRef>
-          <a:fillRef idx="1">
-            <a:schemeClr val="accent1"/>
-          </a:fillRef>
-          <a:effectRef idx="0">
-            <a:schemeClr val="accent1"/>
-          </a:effectRef>
-          <a:fontRef idx="minor">
-            <a:schemeClr val="lt1"/>
-          </a:fontRef>
-        </p:style>
-        <p:txBody>
-          <a:bodyPr rtlCol="0" anchor="ctr"/>
-          <a:lstStyle/>
-          <a:p>
-            <a:pPr algn="ctr"/>
-            <a:r>
-              <a:rPr lang="en-US" altLang="zh-CN" dirty="0" smtClean="0"/>
-              <a:t>Pack Data</a:t>
-            </a:r>
-            <a:endParaRPr lang="zh-CN" altLang="en-US" dirty="0"/>
-          </a:p>
-        </p:txBody>
-      </p:sp>
-      <p:sp>
-        <p:nvSpPr>
-          <p:cNvPr id="19" name="矩形 18"/>
-          <p:cNvSpPr/>
-          <p:nvPr/>
-        </p:nvSpPr>
-        <p:spPr>
-          <a:xfrm>
-            <a:off x="1333254" y="2742222"/>
-            <a:ext cx="1504335" cy="330364"/>
-          </a:xfrm>
-          <a:prstGeom prst="rect">
-            <a:avLst/>
-          </a:prstGeom>
-        </p:spPr>
-        <p:style>
-          <a:lnRef idx="2">
-            <a:schemeClr val="accent1">
-              <a:shade val="50000"/>
-            </a:schemeClr>
-          </a:lnRef>
-          <a:fillRef idx="1">
-            <a:schemeClr val="accent1"/>
-          </a:fillRef>
-          <a:effectRef idx="0">
-            <a:schemeClr val="accent1"/>
-          </a:effectRef>
-          <a:fontRef idx="minor">
-            <a:schemeClr val="lt1"/>
-          </a:fontRef>
-        </p:style>
-        <p:txBody>
-          <a:bodyPr rtlCol="0" anchor="ctr"/>
-          <a:lstStyle/>
-          <a:p>
-            <a:pPr algn="ctr"/>
-            <a:r>
-              <a:rPr lang="en-US" altLang="zh-CN" dirty="0" smtClean="0"/>
-              <a:t>Proto frame1</a:t>
-            </a:r>
-            <a:endParaRPr lang="zh-CN" altLang="en-US" dirty="0"/>
-          </a:p>
-        </p:txBody>
-      </p:sp>
-      <p:sp>
-        <p:nvSpPr>
-          <p:cNvPr id="20" name="矩形 19"/>
-          <p:cNvSpPr/>
-          <p:nvPr/>
-        </p:nvSpPr>
-        <p:spPr>
-          <a:xfrm>
-            <a:off x="2925097" y="2742222"/>
-            <a:ext cx="1641003" cy="330364"/>
-          </a:xfrm>
-          <a:prstGeom prst="rect">
-            <a:avLst/>
-          </a:prstGeom>
-        </p:spPr>
-        <p:style>
-          <a:lnRef idx="2">
-            <a:schemeClr val="accent1">
-              <a:shade val="50000"/>
-            </a:schemeClr>
-          </a:lnRef>
-          <a:fillRef idx="1">
-            <a:schemeClr val="accent1"/>
-          </a:fillRef>
-          <a:effectRef idx="0">
-            <a:schemeClr val="accent1"/>
-          </a:effectRef>
-          <a:fontRef idx="minor">
-            <a:schemeClr val="lt1"/>
-          </a:fontRef>
-        </p:style>
-        <p:txBody>
-          <a:bodyPr rtlCol="0" anchor="ctr"/>
-          <a:lstStyle/>
-          <a:p>
-            <a:pPr algn="ctr"/>
-            <a:r>
-              <a:rPr lang="en-US" altLang="zh-CN" dirty="0" smtClean="0"/>
-              <a:t>image frame1</a:t>
-            </a:r>
-            <a:endParaRPr lang="zh-CN" altLang="en-US" dirty="0"/>
-          </a:p>
-        </p:txBody>
-      </p:sp>
-      <p:sp>
-        <p:nvSpPr>
-          <p:cNvPr id="21" name="矩形 20"/>
-          <p:cNvSpPr/>
-          <p:nvPr/>
-        </p:nvSpPr>
-        <p:spPr>
-          <a:xfrm>
-            <a:off x="4635910" y="2742222"/>
-            <a:ext cx="1523015" cy="330364"/>
-          </a:xfrm>
-          <a:prstGeom prst="rect">
-            <a:avLst/>
-          </a:prstGeom>
-        </p:spPr>
-        <p:style>
-          <a:lnRef idx="2">
-            <a:schemeClr val="accent1">
-              <a:shade val="50000"/>
-            </a:schemeClr>
-          </a:lnRef>
-          <a:fillRef idx="1">
-            <a:schemeClr val="accent1"/>
-          </a:fillRef>
-          <a:effectRef idx="0">
-            <a:schemeClr val="accent1"/>
-          </a:effectRef>
-          <a:fontRef idx="minor">
-            <a:schemeClr val="lt1"/>
-          </a:fontRef>
-        </p:style>
-        <p:txBody>
-          <a:bodyPr rtlCol="0" anchor="ctr"/>
-          <a:lstStyle/>
-          <a:p>
-            <a:pPr algn="ctr"/>
-            <a:r>
-              <a:rPr lang="en-US" altLang="zh-CN" dirty="0" smtClean="0"/>
-              <a:t>Proto frame2</a:t>
-            </a:r>
-            <a:endParaRPr lang="zh-CN" altLang="en-US" dirty="0"/>
-          </a:p>
-        </p:txBody>
-      </p:sp>
-      <p:sp>
-        <p:nvSpPr>
-          <p:cNvPr id="22" name="矩形 21"/>
-          <p:cNvSpPr/>
-          <p:nvPr/>
-        </p:nvSpPr>
-        <p:spPr>
-          <a:xfrm>
-            <a:off x="6227753" y="2742222"/>
-            <a:ext cx="1630187" cy="330364"/>
-          </a:xfrm>
-          <a:prstGeom prst="rect">
-            <a:avLst/>
-          </a:prstGeom>
-        </p:spPr>
-        <p:style>
-          <a:lnRef idx="2">
-            <a:schemeClr val="accent1">
-              <a:shade val="50000"/>
-            </a:schemeClr>
-          </a:lnRef>
-          <a:fillRef idx="1">
-            <a:schemeClr val="accent1"/>
-          </a:fillRef>
-          <a:effectRef idx="0">
-            <a:schemeClr val="accent1"/>
-          </a:effectRef>
-          <a:fontRef idx="minor">
-            <a:schemeClr val="lt1"/>
-          </a:fontRef>
-        </p:style>
-        <p:txBody>
-          <a:bodyPr rtlCol="0" anchor="ctr"/>
-          <a:lstStyle/>
-          <a:p>
-            <a:pPr algn="ctr"/>
-            <a:r>
-              <a:rPr lang="en-US" altLang="zh-CN" dirty="0" smtClean="0"/>
-              <a:t>image frame2</a:t>
-            </a:r>
-            <a:endParaRPr lang="zh-CN" altLang="en-US" dirty="0"/>
-          </a:p>
-        </p:txBody>
-      </p:sp>
-      <p:sp>
-        <p:nvSpPr>
-          <p:cNvPr id="23" name="矩形 22"/>
-          <p:cNvSpPr/>
-          <p:nvPr/>
-        </p:nvSpPr>
-        <p:spPr>
-          <a:xfrm>
-            <a:off x="7991661" y="2742222"/>
-            <a:ext cx="1481720" cy="330364"/>
-          </a:xfrm>
-          <a:prstGeom prst="rect">
-            <a:avLst/>
-          </a:prstGeom>
-        </p:spPr>
-        <p:style>
-          <a:lnRef idx="2">
-            <a:schemeClr val="accent1">
-              <a:shade val="50000"/>
-            </a:schemeClr>
-          </a:lnRef>
-          <a:fillRef idx="1">
-            <a:schemeClr val="accent1"/>
-          </a:fillRef>
-          <a:effectRef idx="0">
-            <a:schemeClr val="accent1"/>
-          </a:effectRef>
-          <a:fontRef idx="minor">
-            <a:schemeClr val="lt1"/>
-          </a:fontRef>
-        </p:style>
-        <p:txBody>
-          <a:bodyPr rtlCol="0" anchor="ctr"/>
-          <a:lstStyle/>
-          <a:p>
-            <a:pPr algn="ctr"/>
-            <a:r>
-              <a:rPr lang="en-US" altLang="zh-CN" dirty="0" smtClean="0"/>
-              <a:t>……</a:t>
-            </a:r>
-            <a:endParaRPr lang="zh-CN" altLang="en-US" dirty="0"/>
-          </a:p>
-        </p:txBody>
-      </p:sp>
-      <p:sp>
-        <p:nvSpPr>
-          <p:cNvPr id="25" name="矩形 24"/>
-          <p:cNvSpPr/>
-          <p:nvPr/>
-        </p:nvSpPr>
-        <p:spPr>
-          <a:xfrm>
-            <a:off x="1321454" y="4508096"/>
-            <a:ext cx="2029379" cy="330364"/>
-          </a:xfrm>
-          <a:prstGeom prst="rect">
-            <a:avLst/>
-          </a:prstGeom>
-        </p:spPr>
-        <p:style>
-          <a:lnRef idx="2">
-            <a:schemeClr val="accent1">
-              <a:shade val="50000"/>
-            </a:schemeClr>
-          </a:lnRef>
-          <a:fillRef idx="1">
-            <a:schemeClr val="accent1"/>
-          </a:fillRef>
-          <a:effectRef idx="0">
-            <a:schemeClr val="accent1"/>
-          </a:effectRef>
-          <a:fontRef idx="minor">
-            <a:schemeClr val="lt1"/>
-          </a:fontRef>
-        </p:style>
-        <p:txBody>
-          <a:bodyPr rtlCol="0" anchor="ctr"/>
-          <a:lstStyle/>
-          <a:p>
-            <a:pPr algn="ctr"/>
-            <a:r>
-              <a:rPr lang="en-US" altLang="zh-CN" dirty="0"/>
-              <a:t>t</a:t>
-            </a:r>
-            <a:r>
-              <a:rPr lang="en-US" altLang="zh-CN" dirty="0" smtClean="0"/>
-              <a:t>otal size(4 byte)</a:t>
-            </a:r>
-            <a:endParaRPr lang="zh-CN" altLang="en-US" dirty="0"/>
-          </a:p>
-        </p:txBody>
-      </p:sp>
-      <p:sp>
-        <p:nvSpPr>
-          <p:cNvPr id="26" name="矩形 25"/>
-          <p:cNvSpPr/>
-          <p:nvPr/>
-        </p:nvSpPr>
-        <p:spPr>
-          <a:xfrm>
-            <a:off x="2837589" y="3559283"/>
-            <a:ext cx="1362750" cy="330364"/>
-          </a:xfrm>
-          <a:prstGeom prst="rect">
-            <a:avLst/>
-          </a:prstGeom>
-        </p:spPr>
-        <p:style>
-          <a:lnRef idx="2">
-            <a:schemeClr val="accent1">
-              <a:shade val="50000"/>
-            </a:schemeClr>
-          </a:lnRef>
-          <a:fillRef idx="1">
-            <a:schemeClr val="accent1"/>
-          </a:fillRef>
-          <a:effectRef idx="0">
-            <a:schemeClr val="accent1"/>
-          </a:effectRef>
-          <a:fontRef idx="minor">
-            <a:schemeClr val="lt1"/>
-          </a:fontRef>
-        </p:style>
-        <p:txBody>
-          <a:bodyPr rtlCol="0" anchor="ctr"/>
-          <a:lstStyle/>
-          <a:p>
-            <a:pPr algn="ctr"/>
-            <a:r>
-              <a:rPr lang="en-US" altLang="zh-CN" dirty="0" smtClean="0"/>
-              <a:t>Proto data</a:t>
-            </a:r>
-            <a:endParaRPr lang="zh-CN" altLang="en-US" dirty="0"/>
-          </a:p>
-        </p:txBody>
-      </p:sp>
-      <p:sp>
-        <p:nvSpPr>
-          <p:cNvPr id="29" name="矩形 28"/>
-          <p:cNvSpPr/>
-          <p:nvPr/>
-        </p:nvSpPr>
-        <p:spPr>
-          <a:xfrm>
-            <a:off x="1348188" y="3558300"/>
-            <a:ext cx="1362750" cy="330364"/>
-          </a:xfrm>
-          <a:prstGeom prst="rect">
-            <a:avLst/>
-          </a:prstGeom>
-        </p:spPr>
-        <p:style>
-          <a:lnRef idx="2">
-            <a:schemeClr val="accent1">
-              <a:shade val="50000"/>
-            </a:schemeClr>
-          </a:lnRef>
-          <a:fillRef idx="1">
-            <a:schemeClr val="accent1"/>
-          </a:fillRef>
-          <a:effectRef idx="0">
-            <a:schemeClr val="accent1"/>
-          </a:effectRef>
-          <a:fontRef idx="minor">
-            <a:schemeClr val="lt1"/>
-          </a:fontRef>
-        </p:style>
-        <p:txBody>
-          <a:bodyPr rtlCol="0" anchor="ctr"/>
-          <a:lstStyle/>
-          <a:p>
-            <a:pPr algn="ctr"/>
-            <a:r>
-              <a:rPr lang="en-US" altLang="zh-CN" dirty="0" smtClean="0"/>
-              <a:t>Size(4 byte)</a:t>
-            </a:r>
-            <a:endParaRPr lang="zh-CN" altLang="en-US" dirty="0"/>
-          </a:p>
-        </p:txBody>
-      </p:sp>
-      <p:sp>
-        <p:nvSpPr>
-          <p:cNvPr id="30" name="矩形 29"/>
-          <p:cNvSpPr/>
-          <p:nvPr/>
-        </p:nvSpPr>
-        <p:spPr>
-          <a:xfrm>
-            <a:off x="3518964" y="4508096"/>
-            <a:ext cx="2029379" cy="330364"/>
-          </a:xfrm>
-          <a:prstGeom prst="rect">
-            <a:avLst/>
-          </a:prstGeom>
-        </p:spPr>
-        <p:style>
-          <a:lnRef idx="2">
-            <a:schemeClr val="accent1">
-              <a:shade val="50000"/>
-            </a:schemeClr>
-          </a:lnRef>
-          <a:fillRef idx="1">
-            <a:schemeClr val="accent1"/>
-          </a:fillRef>
-          <a:effectRef idx="0">
-            <a:schemeClr val="accent1"/>
-          </a:effectRef>
-          <a:fontRef idx="minor">
-            <a:schemeClr val="lt1"/>
-          </a:fontRef>
-        </p:style>
-        <p:txBody>
-          <a:bodyPr rtlCol="0" anchor="ctr"/>
-          <a:lstStyle/>
-          <a:p>
-            <a:pPr algn="ctr"/>
-            <a:r>
-              <a:rPr lang="en-US" altLang="zh-CN" dirty="0" smtClean="0"/>
-              <a:t>Image unit1</a:t>
-            </a:r>
-            <a:endParaRPr lang="zh-CN" altLang="en-US" dirty="0"/>
-          </a:p>
-        </p:txBody>
-      </p:sp>
-      <p:sp>
-        <p:nvSpPr>
-          <p:cNvPr id="31" name="矩形 30"/>
-          <p:cNvSpPr/>
-          <p:nvPr/>
-        </p:nvSpPr>
-        <p:spPr>
-          <a:xfrm>
-            <a:off x="5828561" y="4508096"/>
-            <a:ext cx="2029379" cy="330364"/>
-          </a:xfrm>
-          <a:prstGeom prst="rect">
-            <a:avLst/>
-          </a:prstGeom>
-        </p:spPr>
-        <p:style>
-          <a:lnRef idx="2">
-            <a:schemeClr val="accent1">
-              <a:shade val="50000"/>
-            </a:schemeClr>
-          </a:lnRef>
-          <a:fillRef idx="1">
-            <a:schemeClr val="accent1"/>
-          </a:fillRef>
-          <a:effectRef idx="0">
-            <a:schemeClr val="accent1"/>
-          </a:effectRef>
-          <a:fontRef idx="minor">
-            <a:schemeClr val="lt1"/>
-          </a:fontRef>
-        </p:style>
-        <p:txBody>
-          <a:bodyPr rtlCol="0" anchor="ctr"/>
-          <a:lstStyle/>
-          <a:p>
-            <a:pPr algn="ctr"/>
-            <a:r>
-              <a:rPr lang="en-US" altLang="zh-CN" dirty="0" smtClean="0"/>
-              <a:t>Image unit2</a:t>
-            </a:r>
-            <a:endParaRPr lang="zh-CN" altLang="en-US" dirty="0"/>
-          </a:p>
-        </p:txBody>
-      </p:sp>
-      <p:sp>
-        <p:nvSpPr>
-          <p:cNvPr id="32" name="矩形 31"/>
-          <p:cNvSpPr/>
-          <p:nvPr/>
-        </p:nvSpPr>
-        <p:spPr>
-          <a:xfrm>
-            <a:off x="8138158" y="4513013"/>
-            <a:ext cx="1481720" cy="330364"/>
-          </a:xfrm>
-          <a:prstGeom prst="rect">
-            <a:avLst/>
-          </a:prstGeom>
-        </p:spPr>
-        <p:style>
-          <a:lnRef idx="2">
-            <a:schemeClr val="accent1">
-              <a:shade val="50000"/>
-            </a:schemeClr>
-          </a:lnRef>
-          <a:fillRef idx="1">
-            <a:schemeClr val="accent1"/>
-          </a:fillRef>
-          <a:effectRef idx="0">
-            <a:schemeClr val="accent1"/>
-          </a:effectRef>
-          <a:fontRef idx="minor">
-            <a:schemeClr val="lt1"/>
-          </a:fontRef>
-        </p:style>
-        <p:txBody>
-          <a:bodyPr rtlCol="0" anchor="ctr"/>
-          <a:lstStyle/>
-          <a:p>
-            <a:pPr algn="ctr"/>
-            <a:r>
-              <a:rPr lang="en-US" altLang="zh-CN" dirty="0" smtClean="0"/>
-              <a:t>……</a:t>
-            </a:r>
-            <a:endParaRPr lang="zh-CN" altLang="en-US" dirty="0"/>
-          </a:p>
-        </p:txBody>
-      </p:sp>
-      <p:sp>
-        <p:nvSpPr>
-          <p:cNvPr id="34" name="矩形 33"/>
-          <p:cNvSpPr/>
-          <p:nvPr/>
-        </p:nvSpPr>
-        <p:spPr>
-          <a:xfrm>
-            <a:off x="1232964" y="5456910"/>
-            <a:ext cx="2029379" cy="330364"/>
-          </a:xfrm>
-          <a:prstGeom prst="rect">
-            <a:avLst/>
-          </a:prstGeom>
-        </p:spPr>
-        <p:style>
-          <a:lnRef idx="2">
-            <a:schemeClr val="accent1">
-              <a:shade val="50000"/>
-            </a:schemeClr>
-          </a:lnRef>
-          <a:fillRef idx="1">
-            <a:schemeClr val="accent1"/>
-          </a:fillRef>
-          <a:effectRef idx="0">
-            <a:schemeClr val="accent1"/>
-          </a:effectRef>
-          <a:fontRef idx="minor">
-            <a:schemeClr val="lt1"/>
-          </a:fontRef>
-        </p:style>
-        <p:txBody>
-          <a:bodyPr rtlCol="0" anchor="ctr"/>
-          <a:lstStyle/>
-          <a:p>
-            <a:pPr algn="ctr"/>
-            <a:r>
-              <a:rPr lang="en-US" altLang="zh-CN" dirty="0" smtClean="0"/>
-              <a:t>size(4 byte)</a:t>
-            </a:r>
-            <a:endParaRPr lang="zh-CN" altLang="en-US" dirty="0"/>
-          </a:p>
-        </p:txBody>
-      </p:sp>
-      <p:sp>
-        <p:nvSpPr>
-          <p:cNvPr id="35" name="矩形 34"/>
-          <p:cNvSpPr/>
-          <p:nvPr/>
-        </p:nvSpPr>
-        <p:spPr>
-          <a:xfrm>
-            <a:off x="3430473" y="5456909"/>
-            <a:ext cx="2029379" cy="330364"/>
-          </a:xfrm>
-          <a:prstGeom prst="rect">
-            <a:avLst/>
-          </a:prstGeom>
-        </p:spPr>
-        <p:style>
-          <a:lnRef idx="2">
-            <a:schemeClr val="accent1">
-              <a:shade val="50000"/>
-            </a:schemeClr>
-          </a:lnRef>
-          <a:fillRef idx="1">
-            <a:schemeClr val="accent1"/>
-          </a:fillRef>
-          <a:effectRef idx="0">
-            <a:schemeClr val="accent1"/>
-          </a:effectRef>
-          <a:fontRef idx="minor">
-            <a:schemeClr val="lt1"/>
-          </a:fontRef>
-        </p:style>
-        <p:txBody>
-          <a:bodyPr rtlCol="0" anchor="ctr"/>
-          <a:lstStyle/>
-          <a:p>
-            <a:pPr algn="ctr"/>
-            <a:r>
-              <a:rPr lang="en-US" altLang="zh-CN" dirty="0" smtClean="0"/>
-              <a:t>Image data1</a:t>
-            </a:r>
-            <a:endParaRPr lang="zh-CN" altLang="en-US" dirty="0"/>
-          </a:p>
-        </p:txBody>
-      </p:sp>
-      <p:cxnSp>
-        <p:nvCxnSpPr>
-          <p:cNvPr id="37" name="肘形连接符 36"/>
-          <p:cNvCxnSpPr>
-            <a:stCxn id="14" idx="2"/>
-            <a:endCxn id="19" idx="0"/>
-          </p:cNvCxnSpPr>
-          <p:nvPr/>
-        </p:nvCxnSpPr>
-        <p:spPr>
-          <a:xfrm rot="5400000">
-            <a:off x="3048984" y="1272299"/>
-            <a:ext cx="506361" cy="2433484"/>
-          </a:xfrm>
-          <a:prstGeom prst="bentConnector3">
-            <a:avLst>
-              <a:gd name="adj1" fmla="val 50000"/>
-            </a:avLst>
-          </a:prstGeom>
-          <a:ln>
-            <a:tailEnd type="triangle"/>
-          </a:ln>
-        </p:spPr>
-        <p:style>
-          <a:lnRef idx="3">
-            <a:schemeClr val="accent1"/>
-          </a:lnRef>
-          <a:fillRef idx="0">
-            <a:schemeClr val="accent1"/>
-          </a:fillRef>
-          <a:effectRef idx="2">
-            <a:schemeClr val="accent1"/>
-          </a:effectRef>
-          <a:fontRef idx="minor">
-            <a:schemeClr val="tx1"/>
-          </a:fontRef>
-        </p:style>
-      </p:cxnSp>
-      <p:cxnSp>
-        <p:nvCxnSpPr>
-          <p:cNvPr id="44" name="肘形连接符 43"/>
-          <p:cNvCxnSpPr>
-            <a:stCxn id="22" idx="2"/>
-            <a:endCxn id="25" idx="0"/>
-          </p:cNvCxnSpPr>
-          <p:nvPr/>
-        </p:nvCxnSpPr>
-        <p:spPr>
-          <a:xfrm rot="5400000">
-            <a:off x="3971741" y="1436990"/>
-            <a:ext cx="1435510" cy="4706703"/>
-          </a:xfrm>
-          <a:prstGeom prst="bentConnector3">
-            <a:avLst>
-              <a:gd name="adj1" fmla="val 68493"/>
-            </a:avLst>
-          </a:prstGeom>
-          <a:ln>
-            <a:tailEnd type="triangle"/>
-          </a:ln>
-        </p:spPr>
-        <p:style>
-          <a:lnRef idx="3">
-            <a:schemeClr val="accent1"/>
-          </a:lnRef>
-          <a:fillRef idx="0">
-            <a:schemeClr val="accent1"/>
-          </a:fillRef>
-          <a:effectRef idx="2">
-            <a:schemeClr val="accent1"/>
-          </a:effectRef>
-          <a:fontRef idx="minor">
-            <a:schemeClr val="tx1"/>
-          </a:fontRef>
-        </p:style>
-      </p:cxnSp>
-      <p:cxnSp>
-        <p:nvCxnSpPr>
-          <p:cNvPr id="47" name="肘形连接符 46"/>
-          <p:cNvCxnSpPr>
-            <a:stCxn id="30" idx="2"/>
-            <a:endCxn id="34" idx="0"/>
-          </p:cNvCxnSpPr>
-          <p:nvPr/>
-        </p:nvCxnSpPr>
-        <p:spPr>
-          <a:xfrm rot="5400000">
-            <a:off x="3081429" y="4004685"/>
-            <a:ext cx="618450" cy="2286000"/>
-          </a:xfrm>
-          <a:prstGeom prst="bentConnector3">
-            <a:avLst/>
-          </a:prstGeom>
-          <a:ln>
-            <a:tailEnd type="triangle"/>
-          </a:ln>
-        </p:spPr>
-        <p:style>
-          <a:lnRef idx="3">
-            <a:schemeClr val="accent1"/>
-          </a:lnRef>
-          <a:fillRef idx="0">
-            <a:schemeClr val="accent1"/>
-          </a:fillRef>
-          <a:effectRef idx="2">
-            <a:schemeClr val="accent1"/>
-          </a:effectRef>
-          <a:fontRef idx="minor">
-            <a:schemeClr val="tx1"/>
-          </a:fontRef>
-        </p:style>
-      </p:cxnSp>
-      <p:cxnSp>
-        <p:nvCxnSpPr>
-          <p:cNvPr id="49" name="肘形连接符 48"/>
-          <p:cNvCxnSpPr>
-            <a:stCxn id="21" idx="2"/>
-            <a:endCxn id="29" idx="0"/>
-          </p:cNvCxnSpPr>
-          <p:nvPr/>
-        </p:nvCxnSpPr>
-        <p:spPr>
-          <a:xfrm rot="5400000">
-            <a:off x="3470634" y="1631516"/>
-            <a:ext cx="485714" cy="3367855"/>
-          </a:xfrm>
-          <a:prstGeom prst="bentConnector3">
-            <a:avLst/>
-          </a:prstGeom>
-          <a:ln>
-            <a:tailEnd type="triangle"/>
-          </a:ln>
-        </p:spPr>
-        <p:style>
-          <a:lnRef idx="3">
-            <a:schemeClr val="accent1"/>
-          </a:lnRef>
-          <a:fillRef idx="0">
-            <a:schemeClr val="accent1"/>
-          </a:fillRef>
-          <a:effectRef idx="2">
-            <a:schemeClr val="accent1"/>
-          </a:effectRef>
-          <a:fontRef idx="minor">
-            <a:schemeClr val="tx1"/>
-          </a:fontRef>
-        </p:style>
-      </p:cxnSp>
-      <p:sp>
-        <p:nvSpPr>
-          <p:cNvPr id="24" name="标题 1"/>
-          <p:cNvSpPr txBox="1">
-            <a:spLocks/>
-          </p:cNvSpPr>
-          <p:nvPr/>
-        </p:nvSpPr>
-        <p:spPr>
-          <a:xfrm>
-            <a:off x="326921" y="334295"/>
-            <a:ext cx="10515600" cy="621407"/>
-          </a:xfrm>
-          <a:prstGeom prst="rect">
-            <a:avLst/>
-          </a:prstGeom>
-        </p:spPr>
-        <p:txBody>
-          <a:bodyPr vert="horz" lIns="91440" tIns="45720" rIns="91440" bIns="45720" rtlCol="0" anchor="ctr">
-            <a:normAutofit/>
-          </a:bodyPr>
-          <a:lstStyle>
-            <a:lvl1pPr algn="l" defTabSz="914400" rtl="0" eaLnBrk="1" latinLnBrk="0" hangingPunct="1">
-              <a:lnSpc>
-                <a:spcPct val="90000"/>
-              </a:lnSpc>
-              <a:spcBef>
-                <a:spcPct val="0"/>
-              </a:spcBef>
-              <a:buNone/>
-              <a:defRPr sz="2200" b="0" i="0" kern="1200">
-                <a:solidFill>
-                  <a:schemeClr val="bg1"/>
-                </a:solidFill>
-                <a:latin typeface="Source Han Sans CN Normal" charset="-122"/>
-                <a:ea typeface="Source Han Sans CN Normal" charset="-122"/>
-                <a:cs typeface="Source Han Sans CN Normal" charset="-122"/>
-              </a:defRPr>
-            </a:lvl1pPr>
-          </a:lstStyle>
-          <a:p>
-            <a:r>
-              <a:rPr lang="en-US" altLang="zh-CN" sz="2400" b="1" dirty="0" smtClean="0"/>
-              <a:t>Pack</a:t>
-            </a:r>
-            <a:r>
-              <a:rPr lang="zh-CN" altLang="en-US" sz="2400" b="1" dirty="0"/>
-              <a:t>分解</a:t>
-            </a:r>
-          </a:p>
-        </p:txBody>
-      </p:sp>
-      <p:sp>
-        <p:nvSpPr>
-          <p:cNvPr id="39" name="云形标注 38"/>
-          <p:cNvSpPr/>
-          <p:nvPr/>
-        </p:nvSpPr>
-        <p:spPr>
-          <a:xfrm>
-            <a:off x="6883559" y="5541886"/>
-            <a:ext cx="2398093" cy="996565"/>
-          </a:xfrm>
-          <a:prstGeom prst="cloudCallout">
-            <a:avLst>
-              <a:gd name="adj1" fmla="val -105924"/>
-              <a:gd name="adj2" fmla="val -29744"/>
-            </a:avLst>
-          </a:prstGeom>
-          <a:solidFill>
-            <a:schemeClr val="bg1"/>
-          </a:solidFill>
-        </p:spPr>
-        <p:style>
-          <a:lnRef idx="2">
-            <a:schemeClr val="accent1">
-              <a:shade val="50000"/>
-            </a:schemeClr>
-          </a:lnRef>
-          <a:fillRef idx="1">
-            <a:schemeClr val="accent1"/>
-          </a:fillRef>
-          <a:effectRef idx="0">
-            <a:schemeClr val="accent1"/>
-          </a:effectRef>
-          <a:fontRef idx="minor">
-            <a:schemeClr val="lt1"/>
-          </a:fontRef>
-        </p:style>
-        <p:txBody>
-          <a:bodyPr rtlCol="0" anchor="ctr"/>
-          <a:lstStyle/>
-          <a:p>
-            <a:pPr algn="ctr"/>
-            <a:r>
-              <a:rPr lang="zh-CN" altLang="en-US" sz="1200" dirty="0" smtClean="0">
-                <a:solidFill>
-                  <a:schemeClr val="tx1"/>
-                </a:solidFill>
-              </a:rPr>
-              <a:t>图、</a:t>
-            </a:r>
-            <a:r>
-              <a:rPr lang="en-US" altLang="zh-CN" sz="1200" dirty="0" smtClean="0">
-                <a:solidFill>
-                  <a:schemeClr val="tx1"/>
-                </a:solidFill>
-              </a:rPr>
-              <a:t>parsing</a:t>
-            </a:r>
-            <a:r>
-              <a:rPr lang="zh-CN" altLang="en-US" sz="1200" dirty="0" smtClean="0">
-                <a:solidFill>
-                  <a:schemeClr val="tx1"/>
-                </a:solidFill>
-              </a:rPr>
-              <a:t>、</a:t>
-            </a:r>
-            <a:r>
-              <a:rPr lang="en-US" altLang="zh-CN" sz="1200" dirty="0" smtClean="0">
-                <a:solidFill>
-                  <a:schemeClr val="tx1"/>
-                </a:solidFill>
-              </a:rPr>
-              <a:t>lane parsing</a:t>
-            </a:r>
-            <a:r>
-              <a:rPr lang="zh-CN" altLang="en-US" sz="1200" dirty="0" smtClean="0">
-                <a:solidFill>
-                  <a:schemeClr val="tx1"/>
-                </a:solidFill>
-              </a:rPr>
-              <a:t>等</a:t>
-            </a:r>
-            <a:endParaRPr lang="zh-CN" altLang="en-US" sz="1200" dirty="0">
-              <a:solidFill>
-                <a:schemeClr val="tx1"/>
-              </a:solidFill>
-            </a:endParaRPr>
-          </a:p>
-        </p:txBody>
-      </p:sp>
-      <p:sp>
-        <p:nvSpPr>
-          <p:cNvPr id="41" name="左大括号 40"/>
-          <p:cNvSpPr/>
-          <p:nvPr/>
-        </p:nvSpPr>
-        <p:spPr>
-          <a:xfrm rot="16200000">
-            <a:off x="6495826" y="3334420"/>
-            <a:ext cx="293690" cy="3382410"/>
-          </a:xfrm>
-          <a:prstGeom prst="leftBrace">
-            <a:avLst>
-              <a:gd name="adj1" fmla="val 89477"/>
-              <a:gd name="adj2" fmla="val 90161"/>
-            </a:avLst>
-          </a:prstGeom>
-          <a:ln w="19050">
-            <a:solidFill>
-              <a:schemeClr val="accent2"/>
-            </a:solidFill>
-          </a:ln>
-        </p:spPr>
-        <p:style>
-          <a:lnRef idx="1">
-            <a:schemeClr val="accent1"/>
-          </a:lnRef>
-          <a:fillRef idx="0">
-            <a:schemeClr val="accent1"/>
-          </a:fillRef>
-          <a:effectRef idx="0">
-            <a:schemeClr val="accent1"/>
-          </a:effectRef>
-          <a:fontRef idx="minor">
-            <a:schemeClr val="tx1"/>
-          </a:fontRef>
-        </p:style>
-        <p:txBody>
-          <a:bodyPr rtlCol="0" anchor="ctr"/>
-          <a:lstStyle/>
-          <a:p>
-            <a:pPr algn="ctr"/>
-            <a:endParaRPr lang="zh-CN" altLang="en-US"/>
-          </a:p>
-        </p:txBody>
-      </p:sp>
-      <p:sp>
-        <p:nvSpPr>
-          <p:cNvPr id="45" name="文本框 44"/>
+          <p:cNvPr id="33" name="文本框 32"/>
           <p:cNvSpPr txBox="1"/>
           <p:nvPr/>
         </p:nvSpPr>
         <p:spPr>
           <a:xfrm>
-            <a:off x="7293564" y="5201680"/>
-            <a:ext cx="2853326" cy="276999"/>
+            <a:off x="92365" y="184666"/>
+            <a:ext cx="1497526" cy="584775"/>
           </a:xfrm>
           <a:prstGeom prst="rect">
             <a:avLst/>
           </a:prstGeom>
-          <a:solidFill>
-            <a:schemeClr val="accent2">
-              <a:lumMod val="60000"/>
-              <a:lumOff val="40000"/>
-            </a:schemeClr>
-          </a:solidFill>
+          <a:noFill/>
         </p:spPr>
         <p:txBody>
-          <a:bodyPr wrap="square" rtlCol="0">
+          <a:bodyPr wrap="none" rtlCol="0" anchor="t">
             <a:spAutoFit/>
           </a:bodyPr>
           <a:lstStyle/>
           <a:p>
             <a:r>
-              <a:rPr lang="zh-CN" altLang="en-US" sz="1200" dirty="0" smtClean="0"/>
-              <a:t>同一帧不同</a:t>
-            </a:r>
-            <a:r>
-              <a:rPr lang="en-US" altLang="zh-CN" sz="1200" dirty="0" smtClean="0"/>
-              <a:t>camera</a:t>
-            </a:r>
-            <a:r>
-              <a:rPr lang="zh-CN" altLang="en-US" sz="1200" dirty="0" smtClean="0"/>
-              <a:t>对应的不同的数据</a:t>
-            </a:r>
+              <a:rPr lang="en-US" altLang="zh-CN" sz="3200" b="1" dirty="0" smtClean="0">
+                <a:solidFill>
+                  <a:srgbClr val="3D68BF"/>
+                </a:solidFill>
+                <a:latin typeface="Microsoft YaHei" panose="020B0503020204020204" pitchFamily="34" charset="-122"/>
+                <a:ea typeface="Microsoft YaHei" panose="020B0503020204020204" pitchFamily="34" charset="-122"/>
+                <a:cs typeface="Arial" panose="020B0604020202090204" pitchFamily="34" charset="0"/>
+              </a:rPr>
+              <a:t>4. </a:t>
+            </a:r>
+            <a:r>
+              <a:rPr lang="zh-CN" altLang="en-US" sz="3200" b="1" dirty="0" smtClean="0">
+                <a:solidFill>
+                  <a:srgbClr val="3D68BF"/>
+                </a:solidFill>
+                <a:latin typeface="Microsoft YaHei" panose="020B0503020204020204" pitchFamily="34" charset="-122"/>
+                <a:ea typeface="Microsoft YaHei" panose="020B0503020204020204" pitchFamily="34" charset="-122"/>
+                <a:cs typeface="Arial" panose="020B0604020202090204" pitchFamily="34" charset="0"/>
+              </a:rPr>
+              <a:t>拓展</a:t>
+            </a:r>
+            <a:endParaRPr lang="en-US" altLang="zh-CN" sz="3200" b="1" dirty="0">
+              <a:solidFill>
+                <a:srgbClr val="3D68BF"/>
+              </a:solidFill>
+              <a:latin typeface="Microsoft YaHei" panose="020B0503020204020204" pitchFamily="34" charset="-122"/>
+              <a:ea typeface="Microsoft YaHei" panose="020B0503020204020204" pitchFamily="34" charset="-122"/>
+              <a:cs typeface="Arial" panose="020B0604020202090204" pitchFamily="34" charset="0"/>
+            </a:endParaRPr>
           </a:p>
         </p:txBody>
       </p:sp>
       <p:sp>
         <p:nvSpPr>
-          <p:cNvPr id="50" name="流程图: 可选过程 49"/>
-          <p:cNvSpPr/>
+          <p:cNvPr id="4" name="文本框 3"/>
+          <p:cNvSpPr txBox="1"/>
           <p:nvPr/>
         </p:nvSpPr>
         <p:spPr>
           <a:xfrm>
-            <a:off x="7620980" y="3276135"/>
-            <a:ext cx="1739330" cy="770454"/>
+            <a:off x="1241659" y="3253339"/>
+            <a:ext cx="9212265" cy="923330"/>
           </a:xfrm>
-          <a:prstGeom prst="flowChartAlternateProcess">
+          <a:prstGeom prst="rect">
             <a:avLst/>
           </a:prstGeom>
-          <a:solidFill>
-            <a:schemeClr val="bg1"/>
-          </a:solidFill>
+          <a:noFill/>
         </p:spPr>
-        <p:style>
-          <a:lnRef idx="2">
-            <a:schemeClr val="accent1">
-              <a:shade val="50000"/>
-            </a:schemeClr>
-          </a:lnRef>
-          <a:fillRef idx="1">
-            <a:schemeClr val="accent1"/>
-          </a:fillRef>
-          <a:effectRef idx="0">
-            <a:schemeClr val="accent1"/>
-          </a:effectRef>
-          <a:fontRef idx="minor">
-            <a:schemeClr val="lt1"/>
-          </a:fontRef>
-        </p:style>
         <p:txBody>
-          <a:bodyPr rtlCol="0" anchor="ctr"/>
+          <a:bodyPr wrap="none" rtlCol="0">
+            <a:spAutoFit/>
+          </a:bodyPr>
           <a:lstStyle/>
           <a:p>
-            <a:pPr algn="ctr"/>
-            <a:r>
-              <a:rPr lang="zh-CN" altLang="en-US" sz="1200" dirty="0">
-                <a:solidFill>
-                  <a:schemeClr val="tx1"/>
-                </a:solidFill>
-              </a:rPr>
-              <a:t>障碍物、</a:t>
-            </a:r>
-            <a:r>
-              <a:rPr lang="en-US" altLang="zh-CN" sz="1200" dirty="0">
-                <a:solidFill>
-                  <a:schemeClr val="tx1"/>
-                </a:solidFill>
-              </a:rPr>
-              <a:t>lane</a:t>
-            </a:r>
-            <a:r>
-              <a:rPr lang="zh-CN" altLang="en-US" sz="1200" dirty="0">
-                <a:solidFill>
-                  <a:schemeClr val="tx1"/>
-                </a:solidFill>
-              </a:rPr>
-              <a:t>、</a:t>
-            </a:r>
-            <a:r>
-              <a:rPr lang="en-US" altLang="zh-CN" sz="1200" dirty="0">
-                <a:solidFill>
-                  <a:schemeClr val="tx1"/>
-                </a:solidFill>
-              </a:rPr>
-              <a:t>sensor</a:t>
-            </a:r>
-            <a:r>
-              <a:rPr lang="zh-CN" altLang="en-US" sz="1200" dirty="0">
-                <a:solidFill>
-                  <a:schemeClr val="tx1"/>
-                </a:solidFill>
-              </a:rPr>
-              <a:t>、</a:t>
-            </a:r>
-            <a:r>
-              <a:rPr lang="en-US" altLang="zh-CN" sz="1200" dirty="0">
-                <a:solidFill>
-                  <a:schemeClr val="tx1"/>
-                </a:solidFill>
-              </a:rPr>
-              <a:t>camera</a:t>
-            </a:r>
-            <a:r>
-              <a:rPr lang="zh-CN" altLang="en-US" sz="1200" dirty="0" smtClean="0">
-                <a:solidFill>
-                  <a:schemeClr val="tx1"/>
-                </a:solidFill>
-              </a:rPr>
-              <a:t>等</a:t>
-            </a:r>
-            <a:r>
-              <a:rPr lang="en-US" altLang="zh-CN" sz="1200" dirty="0" smtClean="0">
-                <a:solidFill>
-                  <a:schemeClr val="tx1"/>
-                </a:solidFill>
-              </a:rPr>
-              <a:t>proto</a:t>
-            </a:r>
-            <a:r>
-              <a:rPr lang="zh-CN" altLang="en-US" sz="1200" dirty="0" smtClean="0">
-                <a:solidFill>
-                  <a:schemeClr val="tx1"/>
-                </a:solidFill>
-              </a:rPr>
-              <a:t>信息</a:t>
-            </a:r>
-            <a:endParaRPr lang="zh-CN" altLang="en-US" sz="1200" dirty="0">
-              <a:solidFill>
-                <a:schemeClr val="tx1"/>
-              </a:solidFill>
-            </a:endParaRPr>
-          </a:p>
-        </p:txBody>
-      </p:sp>
-      <p:cxnSp>
-        <p:nvCxnSpPr>
-          <p:cNvPr id="54" name="直接箭头连接符 53"/>
-          <p:cNvCxnSpPr>
-            <a:stCxn id="26" idx="3"/>
-            <a:endCxn id="50" idx="1"/>
-          </p:cNvCxnSpPr>
-          <p:nvPr/>
-        </p:nvCxnSpPr>
-        <p:spPr>
-          <a:xfrm flipV="1">
-            <a:off x="4200339" y="3661362"/>
-            <a:ext cx="3420641" cy="63103"/>
-          </a:xfrm>
-          <a:prstGeom prst="straightConnector1">
-            <a:avLst/>
-          </a:prstGeom>
-          <a:ln w="19050">
-            <a:solidFill>
-              <a:schemeClr val="accent2"/>
-            </a:solidFill>
-            <a:tailEnd type="triangle"/>
-          </a:ln>
-        </p:spPr>
-        <p:style>
-          <a:lnRef idx="1">
-            <a:schemeClr val="accent1"/>
-          </a:lnRef>
-          <a:fillRef idx="0">
-            <a:schemeClr val="accent1"/>
-          </a:fillRef>
-          <a:effectRef idx="0">
-            <a:schemeClr val="accent1"/>
-          </a:effectRef>
-          <a:fontRef idx="minor">
-            <a:schemeClr val="tx1"/>
-          </a:fontRef>
-        </p:style>
-      </p:cxnSp>
-      <p:sp>
-        <p:nvSpPr>
-          <p:cNvPr id="58" name="棱台 57">
-            <a:hlinkClick r:id="rId3" action="ppaction://hlinksldjump"/>
-          </p:cNvPr>
-          <p:cNvSpPr/>
-          <p:nvPr/>
-        </p:nvSpPr>
-        <p:spPr>
-          <a:xfrm>
-            <a:off x="11602065" y="6292645"/>
-            <a:ext cx="304800" cy="373626"/>
-          </a:xfrm>
-          <a:prstGeom prst="bevel">
-            <a:avLst/>
-          </a:prstGeom>
-        </p:spPr>
-        <p:style>
-          <a:lnRef idx="2">
-            <a:schemeClr val="accent1">
-              <a:shade val="50000"/>
-            </a:schemeClr>
-          </a:lnRef>
-          <a:fillRef idx="1">
-            <a:schemeClr val="accent1"/>
-          </a:fillRef>
-          <a:effectRef idx="0">
-            <a:schemeClr val="accent1"/>
-          </a:effectRef>
-          <a:fontRef idx="minor">
-            <a:schemeClr val="lt1"/>
-          </a:fontRef>
-        </p:style>
-        <p:txBody>
-          <a:bodyPr rtlCol="0" anchor="ctr"/>
-          <a:lstStyle/>
-          <a:p>
-            <a:pPr algn="ctr"/>
-            <a:endParaRPr lang="zh-CN" altLang="en-US"/>
+            <a:r>
+              <a:rPr lang="en-US" altLang="zh-CN" dirty="0" err="1" smtClean="0"/>
+              <a:t>Webcomponentsjs</a:t>
+            </a:r>
+            <a:r>
+              <a:rPr lang="en-US" altLang="zh-CN" dirty="0" smtClean="0"/>
+              <a:t>: </a:t>
+            </a:r>
+            <a:r>
+              <a:rPr lang="zh-CN" altLang="en-US" dirty="0" smtClean="0"/>
+              <a:t>提供一系列</a:t>
+            </a:r>
+            <a:r>
+              <a:rPr lang="en-US" altLang="zh-CN" dirty="0" err="1"/>
+              <a:t>Polyfill</a:t>
+            </a:r>
+            <a:r>
+              <a:rPr lang="en-US" altLang="zh-CN" dirty="0"/>
+              <a:t>(https://github.com/webcomponents/webcomponentsjs)</a:t>
+            </a:r>
+          </a:p>
+          <a:p>
+            <a:r>
+              <a:rPr lang="en-US" altLang="zh-CN" dirty="0" smtClean="0"/>
+              <a:t>Polymer: </a:t>
+            </a:r>
+            <a:r>
+              <a:rPr lang="zh-CN" altLang="en-US" dirty="0" smtClean="0"/>
+              <a:t>轻量框架</a:t>
+            </a:r>
+            <a:r>
+              <a:rPr lang="en-US" altLang="zh-CN" dirty="0"/>
+              <a:t>https://github.com/Polymer/polymer</a:t>
+            </a:r>
+            <a:endParaRPr lang="en-US" altLang="zh-CN" dirty="0" smtClean="0"/>
+          </a:p>
+          <a:p>
+            <a:r>
+              <a:rPr lang="en-US" altLang="zh-CN" dirty="0" smtClean="0"/>
+              <a:t>Web components like</a:t>
+            </a:r>
+            <a:r>
+              <a:rPr lang="zh-CN" altLang="en-US" dirty="0" smtClean="0"/>
+              <a:t>框架</a:t>
+            </a:r>
+            <a:r>
+              <a:rPr lang="en-US" altLang="zh-CN" dirty="0"/>
+              <a:t>: Aurelia, React(https://reactjs.org/docs/react-component.html), </a:t>
+            </a:r>
+            <a:endParaRPr lang="en-US" altLang="zh-CN" dirty="0" smtClean="0"/>
           </a:p>
         </p:txBody>
       </p:sp>
@@ -15523,6 +12592,174 @@
     <p:extLst>
       <p:ext uri="{BB962C8B-B14F-4D97-AF65-F5344CB8AC3E}">
         <p14:creationId xmlns:p14="http://schemas.microsoft.com/office/powerpoint/2010/main" val="2205019398"/>
+      </p:ext>
+    </p:extLst>
+  </p:cSld>
+  <p:clrMapOvr>
+    <a:masterClrMapping/>
+  </p:clrMapOvr>
+  <mc:AlternateContent xmlns:mc="http://schemas.openxmlformats.org/markup-compatibility/2006" xmlns:p14="http://schemas.microsoft.com/office/powerpoint/2010/main">
+    <mc:Choice Requires="p14">
+      <p:transition p14:dur="10" advClick="0"/>
+    </mc:Choice>
+    <mc:Fallback xmlns="">
+      <p:transition advClick="0"/>
+    </mc:Fallback>
+  </mc:AlternateContent>
+  <p:timing>
+    <p:tnLst>
+      <p:par>
+        <p:cTn id="1" dur="indefinite" restart="never" nodeType="tmRoot"/>
+      </p:par>
+    </p:tnLst>
+  </p:timing>
+</p:sld>
+</file>
+
+<file path=ppt/slides/slide18.xml><?xml version="1.0" encoding="utf-8"?>
+<p:sld xmlns:a="http://schemas.openxmlformats.org/drawingml/2006/main" xmlns:r="http://schemas.openxmlformats.org/officeDocument/2006/relationships" xmlns:p="http://schemas.openxmlformats.org/presentationml/2006/main">
+  <p:cSld>
+    <p:spTree>
+      <p:nvGrpSpPr>
+        <p:cNvPr id="1" name=""/>
+        <p:cNvGrpSpPr/>
+        <p:nvPr/>
+      </p:nvGrpSpPr>
+      <p:grpSpPr>
+        <a:xfrm>
+          <a:off x="0" y="0"/>
+          <a:ext cx="0" cy="0"/>
+          <a:chOff x="0" y="0"/>
+          <a:chExt cx="0" cy="0"/>
+        </a:xfrm>
+      </p:grpSpPr>
+      <p:sp>
+        <p:nvSpPr>
+          <p:cNvPr id="2" name="标题 1"/>
+          <p:cNvSpPr>
+            <a:spLocks noGrp="1"/>
+          </p:cNvSpPr>
+          <p:nvPr>
+            <p:ph type="title"/>
+          </p:nvPr>
+        </p:nvSpPr>
+        <p:spPr>
+          <a:xfrm>
+            <a:off x="526236" y="2065752"/>
+            <a:ext cx="6755969" cy="366632"/>
+          </a:xfrm>
+        </p:spPr>
+        <p:txBody>
+          <a:bodyPr>
+            <a:normAutofit/>
+          </a:bodyPr>
+          <a:lstStyle/>
+          <a:p>
+            <a:r>
+              <a:rPr kumimoji="1" lang="zh-CN" altLang="en-US" sz="2000" dirty="0" smtClean="0"/>
+              <a:t>相关参考链接</a:t>
+            </a:r>
+            <a:endParaRPr kumimoji="1" lang="zh-CN" altLang="en-US" sz="2000" dirty="0"/>
+          </a:p>
+        </p:txBody>
+      </p:sp>
+      <p:sp>
+        <p:nvSpPr>
+          <p:cNvPr id="33" name="文本框 32"/>
+          <p:cNvSpPr txBox="1"/>
+          <p:nvPr/>
+        </p:nvSpPr>
+        <p:spPr>
+          <a:xfrm>
+            <a:off x="92365" y="184666"/>
+            <a:ext cx="1497526" cy="584775"/>
+          </a:xfrm>
+          <a:prstGeom prst="rect">
+            <a:avLst/>
+          </a:prstGeom>
+          <a:noFill/>
+        </p:spPr>
+        <p:txBody>
+          <a:bodyPr wrap="none" rtlCol="0" anchor="t">
+            <a:spAutoFit/>
+          </a:bodyPr>
+          <a:lstStyle/>
+          <a:p>
+            <a:r>
+              <a:rPr lang="en-US" altLang="zh-CN" sz="3200" b="1" dirty="0" smtClean="0">
+                <a:solidFill>
+                  <a:srgbClr val="3D68BF"/>
+                </a:solidFill>
+                <a:latin typeface="Microsoft YaHei" panose="020B0503020204020204" pitchFamily="34" charset="-122"/>
+                <a:ea typeface="Microsoft YaHei" panose="020B0503020204020204" pitchFamily="34" charset="-122"/>
+                <a:cs typeface="Arial" panose="020B0604020202090204" pitchFamily="34" charset="0"/>
+              </a:rPr>
+              <a:t>4. </a:t>
+            </a:r>
+            <a:r>
+              <a:rPr lang="zh-CN" altLang="en-US" sz="3200" b="1" dirty="0" smtClean="0">
+                <a:solidFill>
+                  <a:srgbClr val="3D68BF"/>
+                </a:solidFill>
+                <a:latin typeface="Microsoft YaHei" panose="020B0503020204020204" pitchFamily="34" charset="-122"/>
+                <a:ea typeface="Microsoft YaHei" panose="020B0503020204020204" pitchFamily="34" charset="-122"/>
+                <a:cs typeface="Arial" panose="020B0604020202090204" pitchFamily="34" charset="0"/>
+              </a:rPr>
+              <a:t>拓展</a:t>
+            </a:r>
+            <a:endParaRPr lang="en-US" altLang="zh-CN" sz="3200" b="1" dirty="0">
+              <a:solidFill>
+                <a:srgbClr val="3D68BF"/>
+              </a:solidFill>
+              <a:latin typeface="Microsoft YaHei" panose="020B0503020204020204" pitchFamily="34" charset="-122"/>
+              <a:ea typeface="Microsoft YaHei" panose="020B0503020204020204" pitchFamily="34" charset="-122"/>
+              <a:cs typeface="Arial" panose="020B0604020202090204" pitchFamily="34" charset="0"/>
+            </a:endParaRPr>
+          </a:p>
+        </p:txBody>
+      </p:sp>
+      <p:sp>
+        <p:nvSpPr>
+          <p:cNvPr id="3" name="文本框 2"/>
+          <p:cNvSpPr txBox="1"/>
+          <p:nvPr/>
+        </p:nvSpPr>
+        <p:spPr>
+          <a:xfrm>
+            <a:off x="526236" y="3032855"/>
+            <a:ext cx="2357377" cy="369332"/>
+          </a:xfrm>
+          <a:prstGeom prst="rect">
+            <a:avLst/>
+          </a:prstGeom>
+          <a:noFill/>
+        </p:spPr>
+        <p:txBody>
+          <a:bodyPr wrap="none" rtlCol="0">
+            <a:spAutoFit/>
+          </a:bodyPr>
+          <a:lstStyle/>
+          <a:p>
+            <a:r>
+              <a:rPr lang="en-US" altLang="zh-CN" dirty="0" smtClean="0">
+                <a:hlinkClick r:id="rId3"/>
+              </a:rPr>
+              <a:t>MDN </a:t>
+            </a:r>
+            <a:r>
+              <a:rPr lang="en-US" altLang="zh-CN" dirty="0" err="1" smtClean="0">
+                <a:hlinkClick r:id="rId3"/>
+              </a:rPr>
+              <a:t>WebComponents</a:t>
+            </a:r>
+            <a:endParaRPr lang="zh-CN" altLang="en-US" dirty="0"/>
+          </a:p>
+        </p:txBody>
+      </p:sp>
+    </p:spTree>
+    <p:extLst>
+      <p:ext uri="{BB962C8B-B14F-4D97-AF65-F5344CB8AC3E}">
+        <p14:creationId xmlns:p14="http://schemas.microsoft.com/office/powerpoint/2010/main" val="1834514847"/>
       </p:ext>
     </p:extLst>
   </p:cSld>
@@ -17732,8 +14969,8 @@
         </p:nvSpPr>
         <p:spPr>
           <a:xfrm>
-            <a:off x="470535" y="1769047"/>
-            <a:ext cx="5658260" cy="2585323"/>
+            <a:off x="470534" y="1212783"/>
+            <a:ext cx="6170897" cy="4708981"/>
           </a:xfrm>
           <a:prstGeom prst="rect">
             <a:avLst/>
@@ -17751,7 +14988,7 @@
               <a:buAutoNum type="arabicPeriod"/>
             </a:pPr>
             <a:r>
-              <a:rPr lang="zh-CN" altLang="en-US" dirty="0" smtClean="0">
+              <a:rPr lang="zh-CN" altLang="en-US" sz="2000" dirty="0" smtClean="0">
                 <a:solidFill>
                   <a:srgbClr val="404040"/>
                 </a:solidFill>
@@ -17761,7 +14998,7 @@
               <a:t>只是一套规范</a:t>
             </a:r>
             <a:r>
-              <a:rPr lang="en-US" altLang="zh-CN" dirty="0" smtClean="0">
+              <a:rPr lang="en-US" altLang="zh-CN" sz="2000" dirty="0" smtClean="0">
                 <a:solidFill>
                   <a:srgbClr val="404040"/>
                 </a:solidFill>
@@ -17771,7 +15008,7 @@
               <a:t>, </a:t>
             </a:r>
             <a:r>
-              <a:rPr lang="zh-CN" altLang="en-US" dirty="0" smtClean="0">
+              <a:rPr lang="zh-CN" altLang="en-US" sz="2000" dirty="0" smtClean="0">
                 <a:solidFill>
                   <a:srgbClr val="404040"/>
                 </a:solidFill>
@@ -17781,7 +15018,7 @@
               <a:t>这套规范</a:t>
             </a:r>
             <a:r>
-              <a:rPr lang="en-US" altLang="zh-CN" dirty="0" smtClean="0">
+              <a:rPr lang="en-US" altLang="zh-CN" sz="2000" dirty="0" smtClean="0">
                 <a:solidFill>
                   <a:srgbClr val="404040"/>
                 </a:solidFill>
@@ -17791,16 +15028,26 @@
               <a:t>, </a:t>
             </a:r>
             <a:r>
-              <a:rPr lang="zh-CN" altLang="en-US" dirty="0" smtClean="0">
+              <a:rPr lang="zh-CN" altLang="en-US" sz="2000" dirty="0" smtClean="0">
                 <a:solidFill>
                   <a:srgbClr val="404040"/>
                 </a:solidFill>
                 <a:latin typeface="Arial" panose="020B0604020202020204" pitchFamily="34" charset="0"/>
                 <a:ea typeface="-apple-system"/>
               </a:rPr>
-              <a:t>指定了我们，可以不局限与框架的方式进行组件开发</a:t>
-            </a:r>
-            <a:endParaRPr lang="en-US" altLang="zh-CN" dirty="0" smtClean="0">
+              <a:t>指定了我们，可以不局限与框架的方式进行组件</a:t>
+            </a:r>
+            <a:r>
+              <a:rPr lang="zh-CN" altLang="en-US" sz="2000" dirty="0" smtClean="0">
+                <a:solidFill>
+                  <a:srgbClr val="404040"/>
+                </a:solidFill>
+                <a:latin typeface="Arial" panose="020B0604020202020204" pitchFamily="34" charset="0"/>
+                <a:ea typeface="-apple-system"/>
+              </a:rPr>
+              <a:t>开发</a:t>
+            </a:r>
+            <a:endParaRPr lang="en-US" altLang="zh-CN" sz="2000" dirty="0" smtClean="0">
               <a:solidFill>
                 <a:srgbClr val="404040"/>
               </a:solidFill>
@@ -17814,7 +15061,7 @@
               <a:buAutoNum type="arabicPeriod"/>
             </a:pPr>
             <a:r>
-              <a:rPr lang="zh-CN" altLang="en-US" dirty="0" smtClean="0">
+              <a:rPr lang="zh-CN" altLang="en-US" sz="2000" dirty="0" smtClean="0">
                 <a:solidFill>
                   <a:srgbClr val="404040"/>
                 </a:solidFill>
@@ -17824,7 +15071,7 @@
               <a:t>可以自定义近似</a:t>
             </a:r>
             <a:r>
-              <a:rPr lang="en-US" altLang="zh-CN" dirty="0" smtClean="0">
+              <a:rPr lang="en-US" altLang="zh-CN" sz="2000" dirty="0" smtClean="0">
                 <a:solidFill>
                   <a:srgbClr val="404040"/>
                 </a:solidFill>
@@ -17834,7 +15081,7 @@
               <a:t>【</a:t>
             </a:r>
             <a:r>
-              <a:rPr lang="zh-CN" altLang="en-US" dirty="0" smtClean="0">
+              <a:rPr lang="zh-CN" altLang="en-US" sz="2000" dirty="0" smtClean="0">
                 <a:solidFill>
                   <a:srgbClr val="404040"/>
                 </a:solidFill>
@@ -17844,7 +15091,7 @@
               <a:t>原生</a:t>
             </a:r>
             <a:r>
-              <a:rPr lang="en-US" altLang="zh-CN" dirty="0" smtClean="0">
+              <a:rPr lang="en-US" altLang="zh-CN" sz="2000" dirty="0" smtClean="0">
                 <a:solidFill>
                   <a:srgbClr val="404040"/>
                 </a:solidFill>
@@ -17854,7 +15101,7 @@
               <a:t>】</a:t>
             </a:r>
             <a:r>
-              <a:rPr lang="zh-CN" altLang="en-US" dirty="0" smtClean="0">
+              <a:rPr lang="zh-CN" altLang="en-US" sz="2000" dirty="0" smtClean="0">
                 <a:solidFill>
                   <a:srgbClr val="404040"/>
                 </a:solidFill>
@@ -17864,7 +15111,7 @@
               <a:t>的标签，标签的语义更方面我们理解代码与结构，同时标签作为组件，开发中能在一定程度上让</a:t>
             </a:r>
             <a:r>
-              <a:rPr lang="en-US" altLang="zh-CN" dirty="0" smtClean="0">
+              <a:rPr lang="en-US" altLang="zh-CN" sz="2000" dirty="0" smtClean="0">
                 <a:solidFill>
                   <a:srgbClr val="404040"/>
                 </a:solidFill>
@@ -17874,7 +15121,7 @@
               <a:t>【</a:t>
             </a:r>
             <a:r>
-              <a:rPr lang="zh-CN" altLang="en-US" dirty="0" smtClean="0">
+              <a:rPr lang="zh-CN" altLang="en-US" sz="2000" dirty="0" smtClean="0">
                 <a:solidFill>
                   <a:srgbClr val="404040"/>
                 </a:solidFill>
@@ -17884,7 +15131,7 @@
               <a:t>组件</a:t>
             </a:r>
             <a:r>
-              <a:rPr lang="en-US" altLang="zh-CN" dirty="0" smtClean="0">
+              <a:rPr lang="en-US" altLang="zh-CN" sz="2000" dirty="0" smtClean="0">
                 <a:solidFill>
                   <a:srgbClr val="404040"/>
                 </a:solidFill>
@@ -17894,7 +15141,7 @@
               <a:t>】</a:t>
             </a:r>
             <a:r>
-              <a:rPr lang="zh-CN" altLang="en-US" dirty="0" smtClean="0">
+              <a:rPr lang="zh-CN" altLang="en-US" sz="2000" dirty="0" smtClean="0">
                 <a:solidFill>
                   <a:srgbClr val="404040"/>
                 </a:solidFill>
@@ -17903,7 +15150,7 @@
               </a:rPr>
               <a:t>成为隔离的插件</a:t>
             </a:r>
-            <a:endParaRPr lang="en-US" altLang="zh-CN" dirty="0" smtClean="0">
+            <a:endParaRPr lang="en-US" altLang="zh-CN" sz="2000" dirty="0" smtClean="0">
               <a:solidFill>
                 <a:srgbClr val="404040"/>
               </a:solidFill>
@@ -17917,7 +15164,7 @@
               <a:buAutoNum type="arabicPeriod"/>
             </a:pPr>
             <a:r>
-              <a:rPr lang="zh-CN" altLang="en-US" dirty="0">
+              <a:rPr lang="zh-CN" altLang="en-US" sz="2000" dirty="0">
                 <a:solidFill>
                   <a:srgbClr val="404040"/>
                 </a:solidFill>
@@ -17927,7 +15174,7 @@
               <a:t>目的</a:t>
             </a:r>
             <a:r>
-              <a:rPr lang="zh-CN" altLang="en-US" dirty="0" smtClean="0">
+              <a:rPr lang="zh-CN" altLang="en-US" sz="2000" dirty="0" smtClean="0">
                 <a:solidFill>
                   <a:srgbClr val="404040"/>
                 </a:solidFill>
@@ -17936,7 +15183,7 @@
               </a:rPr>
               <a:t>是增强通用性，更底成本的解决通用组件迁移老大难的问题。</a:t>
             </a:r>
-            <a:endParaRPr lang="en-US" altLang="zh-CN" dirty="0">
+            <a:endParaRPr lang="en-US" altLang="zh-CN" sz="2000" dirty="0">
               <a:solidFill>
                 <a:srgbClr val="404040"/>
               </a:solidFill>
@@ -17951,7 +15198,7 @@
               <a:buAutoNum type="arabicPeriod"/>
             </a:pPr>
             <a:r>
-              <a:rPr lang="zh-CN" altLang="en-US" dirty="0" smtClean="0">
+              <a:rPr lang="zh-CN" altLang="en-US" sz="2000" dirty="0" smtClean="0">
                 <a:solidFill>
                   <a:srgbClr val="404040"/>
                 </a:solidFill>
@@ -17962,7 +15209,7 @@
               <a:t>他与</a:t>
             </a:r>
             <a:r>
-              <a:rPr lang="en-US" altLang="zh-CN" dirty="0" smtClean="0">
+              <a:rPr lang="en-US" altLang="zh-CN" sz="2000" dirty="0" smtClean="0">
                 <a:solidFill>
                   <a:srgbClr val="404040"/>
                 </a:solidFill>
@@ -17973,7 +15220,7 @@
               <a:t>react, </a:t>
             </a:r>
             <a:r>
-              <a:rPr lang="en-US" altLang="zh-CN" dirty="0" err="1" smtClean="0">
+              <a:rPr lang="en-US" altLang="zh-CN" sz="2000" dirty="0" err="1" smtClean="0">
                 <a:solidFill>
                   <a:srgbClr val="404040"/>
                 </a:solidFill>
@@ -17984,7 +15231,7 @@
               <a:t>vue</a:t>
             </a:r>
             <a:r>
-              <a:rPr lang="zh-CN" altLang="en-US" dirty="0" smtClean="0">
+              <a:rPr lang="zh-CN" altLang="en-US" sz="2000" dirty="0" smtClean="0">
                 <a:solidFill>
                   <a:srgbClr val="404040"/>
                 </a:solidFill>
@@ -17995,7 +15242,7 @@
               <a:t>定位完全不同，却能在</a:t>
             </a:r>
             <a:r>
-              <a:rPr lang="en-US" altLang="zh-CN" dirty="0" smtClean="0">
+              <a:rPr lang="en-US" altLang="zh-CN" sz="2000" dirty="0" smtClean="0">
                 <a:solidFill>
                   <a:srgbClr val="404040"/>
                 </a:solidFill>
@@ -18006,7 +15253,7 @@
               <a:t>react</a:t>
             </a:r>
             <a:r>
-              <a:rPr lang="zh-CN" altLang="en-US" dirty="0" smtClean="0">
+              <a:rPr lang="zh-CN" altLang="en-US" sz="2000" dirty="0" smtClean="0">
                 <a:solidFill>
                   <a:srgbClr val="404040"/>
                 </a:solidFill>
@@ -18017,7 +15264,7 @@
               <a:t>和</a:t>
             </a:r>
             <a:r>
-              <a:rPr lang="en-US" altLang="zh-CN" dirty="0" err="1" smtClean="0">
+              <a:rPr lang="en-US" altLang="zh-CN" sz="2000" dirty="0" err="1" smtClean="0">
                 <a:solidFill>
                   <a:srgbClr val="404040"/>
                 </a:solidFill>
@@ -18028,7 +15275,7 @@
               <a:t>vue</a:t>
             </a:r>
             <a:r>
-              <a:rPr lang="zh-CN" altLang="en-US" dirty="0" smtClean="0">
+              <a:rPr lang="zh-CN" altLang="en-US" sz="2000" dirty="0" smtClean="0">
                 <a:solidFill>
                   <a:srgbClr val="404040"/>
                 </a:solidFill>
@@ -18036,9 +15283,282 @@
                 <a:ea typeface="-apple-system"/>
                 <a:sym typeface="Wingdings" panose="05000000000000000000" pitchFamily="2" charset="2"/>
               </a:rPr>
-              <a:t>中完美集成</a:t>
-            </a:r>
-            <a:endParaRPr lang="en-US" altLang="zh-CN" dirty="0" smtClean="0">
+              <a:t>中完美</a:t>
+            </a:r>
+            <a:r>
+              <a:rPr lang="zh-CN" altLang="en-US" sz="2000" dirty="0" smtClean="0">
+                <a:solidFill>
+                  <a:srgbClr val="404040"/>
+                </a:solidFill>
+                <a:latin typeface="Arial" panose="020B0604020202020204" pitchFamily="34" charset="0"/>
+                <a:ea typeface="-apple-system"/>
+                <a:sym typeface="Wingdings" panose="05000000000000000000" pitchFamily="2" charset="2"/>
+              </a:rPr>
+              <a:t>集成</a:t>
+            </a:r>
+            <a:endParaRPr lang="en-US" altLang="zh-CN" sz="2000" dirty="0" smtClean="0">
+              <a:solidFill>
+                <a:srgbClr val="404040"/>
+              </a:solidFill>
+              <a:latin typeface="Arial" panose="020B0604020202020204" pitchFamily="34" charset="0"/>
+              <a:ea typeface="-apple-system"/>
+              <a:sym typeface="Wingdings" panose="05000000000000000000" pitchFamily="2" charset="2"/>
+            </a:endParaRPr>
+          </a:p>
+          <a:p>
+            <a:pPr marL="342900" indent="-342900">
+              <a:buFont typeface="+mj-lt"/>
+              <a:buAutoNum type="arabicPeriod"/>
+            </a:pPr>
+            <a:r>
+              <a:rPr lang="zh-CN" altLang="en-US" sz="2000" dirty="0">
+                <a:solidFill>
+                  <a:srgbClr val="404040"/>
+                </a:solidFill>
+                <a:latin typeface="Arial" panose="020B0604020202020204" pitchFamily="34" charset="0"/>
+                <a:ea typeface="-apple-system"/>
+                <a:sym typeface="Wingdings" panose="05000000000000000000" pitchFamily="2" charset="2"/>
+              </a:rPr>
+              <a:t>原</a:t>
+            </a:r>
+            <a:r>
+              <a:rPr lang="zh-CN" altLang="en-US" sz="2000" dirty="0" smtClean="0">
+                <a:solidFill>
+                  <a:srgbClr val="404040"/>
+                </a:solidFill>
+                <a:latin typeface="Arial" panose="020B0604020202020204" pitchFamily="34" charset="0"/>
+                <a:ea typeface="-apple-system"/>
+                <a:sym typeface="Wingdings" panose="05000000000000000000" pitchFamily="2" charset="2"/>
+              </a:rPr>
+              <a:t>生</a:t>
+            </a:r>
+            <a:r>
+              <a:rPr lang="zh-CN" altLang="en-US" sz="2000" dirty="0">
+                <a:solidFill>
+                  <a:srgbClr val="404040"/>
+                </a:solidFill>
+                <a:latin typeface="Arial" panose="020B0604020202020204" pitchFamily="34" charset="0"/>
+                <a:ea typeface="-apple-system"/>
+                <a:sym typeface="Wingdings" panose="05000000000000000000" pitchFamily="2" charset="2"/>
+              </a:rPr>
+              <a:t>无依赖</a:t>
+            </a:r>
+            <a:r>
+              <a:rPr lang="zh-CN" altLang="en-US" sz="2000" dirty="0" smtClean="0">
+                <a:solidFill>
+                  <a:srgbClr val="404040"/>
+                </a:solidFill>
+                <a:latin typeface="Arial" panose="020B0604020202020204" pitchFamily="34" charset="0"/>
+                <a:ea typeface="-apple-system"/>
+                <a:sym typeface="Wingdings" panose="05000000000000000000" pitchFamily="2" charset="2"/>
+              </a:rPr>
+              <a:t> </a:t>
+            </a:r>
+            <a:r>
+              <a:rPr lang="en-US" altLang="zh-CN" sz="2000" dirty="0" smtClean="0">
+                <a:solidFill>
+                  <a:srgbClr val="404040"/>
+                </a:solidFill>
+                <a:latin typeface="Arial" panose="020B0604020202020204" pitchFamily="34" charset="0"/>
+                <a:ea typeface="-apple-system"/>
+                <a:sym typeface="Wingdings" panose="05000000000000000000" pitchFamily="2" charset="2"/>
+              </a:rPr>
+              <a:t>+ </a:t>
+            </a:r>
+            <a:r>
+              <a:rPr lang="zh-CN" altLang="en-US" sz="2000" dirty="0" smtClean="0">
+                <a:solidFill>
+                  <a:srgbClr val="404040"/>
+                </a:solidFill>
+                <a:latin typeface="Arial" panose="020B0604020202020204" pitchFamily="34" charset="0"/>
+                <a:ea typeface="-apple-system"/>
+                <a:sym typeface="Wingdings" panose="05000000000000000000" pitchFamily="2" charset="2"/>
+              </a:rPr>
+              <a:t>兼容各大框架 </a:t>
+            </a:r>
+            <a:r>
+              <a:rPr lang="en-US" altLang="zh-CN" sz="2000" dirty="0" smtClean="0">
+                <a:solidFill>
+                  <a:srgbClr val="404040"/>
+                </a:solidFill>
+                <a:latin typeface="Arial" panose="020B0604020202020204" pitchFamily="34" charset="0"/>
+                <a:ea typeface="-apple-system"/>
+                <a:sym typeface="Wingdings" panose="05000000000000000000" pitchFamily="2" charset="2"/>
+              </a:rPr>
+              <a:t>+ </a:t>
+            </a:r>
+            <a:r>
+              <a:rPr lang="zh-CN" altLang="en-US" sz="2000" dirty="0" smtClean="0">
+                <a:solidFill>
+                  <a:srgbClr val="404040"/>
+                </a:solidFill>
+                <a:latin typeface="Arial" panose="020B0604020202020204" pitchFamily="34" charset="0"/>
+                <a:ea typeface="-apple-system"/>
+                <a:sym typeface="Wingdings" panose="05000000000000000000" pitchFamily="2" charset="2"/>
+              </a:rPr>
+              <a:t>性能</a:t>
+            </a:r>
+            <a:r>
+              <a:rPr lang="en-US" altLang="zh-CN" sz="2000" dirty="0" smtClean="0">
+                <a:solidFill>
+                  <a:srgbClr val="404040"/>
+                </a:solidFill>
+                <a:latin typeface="Arial" panose="020B0604020202020204" pitchFamily="34" charset="0"/>
+                <a:ea typeface="-apple-system"/>
+                <a:sym typeface="Wingdings" panose="05000000000000000000" pitchFamily="2" charset="2"/>
+              </a:rPr>
+              <a:t>(</a:t>
+            </a:r>
+            <a:r>
+              <a:rPr lang="zh-CN" altLang="en-US" sz="2000" dirty="0" smtClean="0">
+                <a:solidFill>
+                  <a:srgbClr val="404040"/>
+                </a:solidFill>
+                <a:latin typeface="Arial" panose="020B0604020202020204" pitchFamily="34" charset="0"/>
+                <a:ea typeface="-apple-system"/>
+                <a:sym typeface="Wingdings" panose="05000000000000000000" pitchFamily="2" charset="2"/>
+              </a:rPr>
+              <a:t>本身的异步渲染，手动的按需注册加载， 组件隔离降低重绘重排，没有虚拟</a:t>
+            </a:r>
+            <a:r>
+              <a:rPr lang="en-US" altLang="zh-CN" sz="2000" dirty="0" err="1" smtClean="0">
+                <a:solidFill>
+                  <a:srgbClr val="404040"/>
+                </a:solidFill>
+                <a:latin typeface="Arial" panose="020B0604020202020204" pitchFamily="34" charset="0"/>
+                <a:ea typeface="-apple-system"/>
+                <a:sym typeface="Wingdings" panose="05000000000000000000" pitchFamily="2" charset="2"/>
+              </a:rPr>
+              <a:t>dom</a:t>
+            </a:r>
+            <a:r>
+              <a:rPr lang="zh-CN" altLang="en-US" sz="2000" dirty="0" smtClean="0">
+                <a:solidFill>
+                  <a:srgbClr val="404040"/>
+                </a:solidFill>
+                <a:latin typeface="Arial" panose="020B0604020202020204" pitchFamily="34" charset="0"/>
+                <a:ea typeface="-apple-system"/>
+                <a:sym typeface="Wingdings" panose="05000000000000000000" pitchFamily="2" charset="2"/>
+              </a:rPr>
+              <a:t>也没有虚拟</a:t>
+            </a:r>
+            <a:r>
+              <a:rPr lang="en-US" altLang="zh-CN" sz="2000" dirty="0" err="1" smtClean="0">
+                <a:solidFill>
+                  <a:srgbClr val="404040"/>
+                </a:solidFill>
+                <a:latin typeface="Arial" panose="020B0604020202020204" pitchFamily="34" charset="0"/>
+                <a:ea typeface="-apple-system"/>
+                <a:sym typeface="Wingdings" panose="05000000000000000000" pitchFamily="2" charset="2"/>
+              </a:rPr>
+              <a:t>dom</a:t>
+            </a:r>
+            <a:r>
+              <a:rPr lang="zh-CN" altLang="en-US" sz="2000" dirty="0" smtClean="0">
+                <a:solidFill>
+                  <a:srgbClr val="404040"/>
+                </a:solidFill>
+                <a:latin typeface="Arial" panose="020B0604020202020204" pitchFamily="34" charset="0"/>
+                <a:ea typeface="-apple-system"/>
+                <a:sym typeface="Wingdings" panose="05000000000000000000" pitchFamily="2" charset="2"/>
+              </a:rPr>
+              <a:t>没有过于额外的编译与协调，</a:t>
+            </a:r>
+            <a:r>
+              <a:rPr lang="en-US" altLang="zh-CN" sz="2000" dirty="0" err="1" smtClean="0">
+                <a:solidFill>
+                  <a:srgbClr val="404040"/>
+                </a:solidFill>
+                <a:latin typeface="Arial" panose="020B0604020202020204" pitchFamily="34" charset="0"/>
+                <a:ea typeface="-apple-system"/>
+                <a:sym typeface="Wingdings" panose="05000000000000000000" pitchFamily="2" charset="2"/>
+              </a:rPr>
+              <a:t>DocumentFragement</a:t>
+            </a:r>
+            <a:r>
+              <a:rPr lang="zh-CN" altLang="en-US" sz="2000" dirty="0" smtClean="0">
+                <a:solidFill>
+                  <a:srgbClr val="404040"/>
+                </a:solidFill>
+                <a:latin typeface="Arial" panose="020B0604020202020204" pitchFamily="34" charset="0"/>
+                <a:ea typeface="-apple-system"/>
+                <a:sym typeface="Wingdings" panose="05000000000000000000" pitchFamily="2" charset="2"/>
+              </a:rPr>
+              <a:t>的</a:t>
+            </a:r>
+            <a:r>
+              <a:rPr lang="en-US" altLang="zh-CN" sz="2000" dirty="0" smtClean="0">
+                <a:solidFill>
+                  <a:srgbClr val="404040"/>
+                </a:solidFill>
+                <a:latin typeface="Arial" panose="020B0604020202020204" pitchFamily="34" charset="0"/>
+                <a:ea typeface="-apple-system"/>
+                <a:sym typeface="Wingdings" panose="05000000000000000000" pitchFamily="2" charset="2"/>
+              </a:rPr>
+              <a:t>template</a:t>
+            </a:r>
+            <a:r>
+              <a:rPr lang="zh-CN" altLang="en-US" sz="2000" dirty="0" smtClean="0">
+                <a:solidFill>
+                  <a:srgbClr val="404040"/>
+                </a:solidFill>
+                <a:latin typeface="Arial" panose="020B0604020202020204" pitchFamily="34" charset="0"/>
+                <a:ea typeface="-apple-system"/>
+                <a:sym typeface="Wingdings" panose="05000000000000000000" pitchFamily="2" charset="2"/>
+              </a:rPr>
+              <a:t>技术相比</a:t>
+            </a:r>
+            <a:r>
+              <a:rPr lang="en-US" altLang="zh-CN" sz="2000" dirty="0" err="1" smtClean="0">
+                <a:solidFill>
+                  <a:srgbClr val="404040"/>
+                </a:solidFill>
+                <a:latin typeface="Arial" panose="020B0604020202020204" pitchFamily="34" charset="0"/>
+                <a:ea typeface="-apple-system"/>
+                <a:sym typeface="Wingdings" panose="05000000000000000000" pitchFamily="2" charset="2"/>
+              </a:rPr>
+              <a:t>jsx</a:t>
+            </a:r>
+            <a:r>
+              <a:rPr lang="zh-CN" altLang="en-US" sz="2000" dirty="0" smtClean="0">
+                <a:solidFill>
+                  <a:srgbClr val="404040"/>
+                </a:solidFill>
+                <a:latin typeface="Arial" panose="020B0604020202020204" pitchFamily="34" charset="0"/>
+                <a:ea typeface="-apple-system"/>
+                <a:sym typeface="Wingdings" panose="05000000000000000000" pitchFamily="2" charset="2"/>
+              </a:rPr>
+              <a:t>堆栈内存占用略小</a:t>
+            </a:r>
+            <a:r>
+              <a:rPr lang="en-US" altLang="zh-CN" sz="2000" dirty="0" smtClean="0">
+                <a:solidFill>
+                  <a:srgbClr val="404040"/>
+                </a:solidFill>
+                <a:latin typeface="Arial" panose="020B0604020202020204" pitchFamily="34" charset="0"/>
+                <a:ea typeface="-apple-system"/>
+                <a:sym typeface="Wingdings" panose="05000000000000000000" pitchFamily="2" charset="2"/>
+              </a:rPr>
+              <a:t>)</a:t>
+            </a:r>
+          </a:p>
+          <a:p>
+            <a:pPr marL="342900" indent="-342900">
+              <a:buFont typeface="+mj-lt"/>
+              <a:buAutoNum type="arabicPeriod"/>
+            </a:pPr>
+            <a:r>
+              <a:rPr lang="zh-CN" altLang="en-US" sz="2000" dirty="0" smtClean="0">
+                <a:solidFill>
+                  <a:srgbClr val="404040"/>
+                </a:solidFill>
+                <a:latin typeface="Arial" panose="020B0604020202020204" pitchFamily="34" charset="0"/>
+                <a:ea typeface="-apple-system"/>
+                <a:sym typeface="Wingdings" panose="05000000000000000000" pitchFamily="2" charset="2"/>
+              </a:rPr>
+              <a:t>可读性</a:t>
+            </a:r>
+            <a:endParaRPr lang="en-US" altLang="zh-CN" sz="2000" dirty="0" smtClean="0">
               <a:solidFill>
                 <a:srgbClr val="404040"/>
               </a:solidFill>

--- a/webComponents/web Componts.pptx
+++ b/webComponents/web Componts.pptx
@@ -5,7 +5,7 @@
     <p:sldMasterId id="2147483709" r:id="rId1"/>
   </p:sldMasterIdLst>
   <p:notesMasterIdLst>
-    <p:notesMasterId r:id="rId20"/>
+    <p:notesMasterId r:id="rId21"/>
   </p:notesMasterIdLst>
   <p:sldIdLst>
     <p:sldId id="257" r:id="rId2"/>
@@ -22,10 +22,11 @@
     <p:sldId id="271" r:id="rId13"/>
     <p:sldId id="272" r:id="rId14"/>
     <p:sldId id="273" r:id="rId15"/>
-    <p:sldId id="274" r:id="rId16"/>
-    <p:sldId id="275" r:id="rId17"/>
-    <p:sldId id="262" r:id="rId18"/>
-    <p:sldId id="276" r:id="rId19"/>
+    <p:sldId id="275" r:id="rId16"/>
+    <p:sldId id="277" r:id="rId17"/>
+    <p:sldId id="274" r:id="rId18"/>
+    <p:sldId id="262" r:id="rId19"/>
+    <p:sldId id="276" r:id="rId20"/>
   </p:sldIdLst>
   <p:sldSz cx="12192000" cy="6858000"/>
   <p:notesSz cx="6858000" cy="9144000"/>
@@ -2388,568 +2389,6 @@
       <dsp:cNvGrpSpPr/>
     </dsp:nvGrpSpPr>
     <dsp:grpSpPr/>
-    <dsp:sp modelId="{781D2BA9-01B8-4B7C-82D6-94E995C3B482}">
-      <dsp:nvSpPr>
-        <dsp:cNvPr id="0" name=""/>
-        <dsp:cNvSpPr/>
-      </dsp:nvSpPr>
-      <dsp:spPr>
-        <a:xfrm>
-          <a:off x="-4230453" y="-649088"/>
-          <a:ext cx="5040550" cy="5040550"/>
-        </a:xfrm>
-        <a:prstGeom prst="blockArc">
-          <a:avLst>
-            <a:gd name="adj1" fmla="val 18900000"/>
-            <a:gd name="adj2" fmla="val 2700000"/>
-            <a:gd name="adj3" fmla="val 429"/>
-          </a:avLst>
-        </a:prstGeom>
-        <a:noFill/>
-        <a:ln w="12700" cap="flat" cmpd="sng" algn="ctr">
-          <a:solidFill>
-            <a:schemeClr val="accent1">
-              <a:shade val="60000"/>
-              <a:hueOff val="0"/>
-              <a:satOff val="0"/>
-              <a:lumOff val="0"/>
-              <a:alphaOff val="0"/>
-            </a:schemeClr>
-          </a:solidFill>
-          <a:prstDash val="solid"/>
-          <a:miter lim="800000"/>
-        </a:ln>
-        <a:effectLst/>
-      </dsp:spPr>
-      <dsp:style>
-        <a:lnRef idx="2">
-          <a:scrgbClr r="0" g="0" b="0"/>
-        </a:lnRef>
-        <a:fillRef idx="0">
-          <a:scrgbClr r="0" g="0" b="0"/>
-        </a:fillRef>
-        <a:effectRef idx="0">
-          <a:scrgbClr r="0" g="0" b="0"/>
-        </a:effectRef>
-        <a:fontRef idx="minor"/>
-      </dsp:style>
-    </dsp:sp>
-    <dsp:sp modelId="{70ABE1E6-AAF8-4A13-8929-D138719B5DAC}">
-      <dsp:nvSpPr>
-        <dsp:cNvPr id="0" name=""/>
-        <dsp:cNvSpPr/>
-      </dsp:nvSpPr>
-      <dsp:spPr>
-        <a:xfrm>
-          <a:off x="424426" y="287713"/>
-          <a:ext cx="6826519" cy="575726"/>
-        </a:xfrm>
-        <a:prstGeom prst="rect">
-          <a:avLst/>
-        </a:prstGeom>
-        <a:solidFill>
-          <a:schemeClr val="accent1">
-            <a:hueOff val="0"/>
-            <a:satOff val="0"/>
-            <a:lumOff val="0"/>
-            <a:alphaOff val="0"/>
-          </a:schemeClr>
-        </a:solidFill>
-        <a:ln w="12700" cap="flat" cmpd="sng" algn="ctr">
-          <a:solidFill>
-            <a:schemeClr val="lt1">
-              <a:hueOff val="0"/>
-              <a:satOff val="0"/>
-              <a:lumOff val="0"/>
-              <a:alphaOff val="0"/>
-            </a:schemeClr>
-          </a:solidFill>
-          <a:prstDash val="solid"/>
-          <a:miter lim="800000"/>
-        </a:ln>
-        <a:effectLst/>
-      </dsp:spPr>
-      <dsp:style>
-        <a:lnRef idx="2">
-          <a:scrgbClr r="0" g="0" b="0"/>
-        </a:lnRef>
-        <a:fillRef idx="1">
-          <a:scrgbClr r="0" g="0" b="0"/>
-        </a:fillRef>
-        <a:effectRef idx="0">
-          <a:scrgbClr r="0" g="0" b="0"/>
-        </a:effectRef>
-        <a:fontRef idx="minor">
-          <a:schemeClr val="lt1"/>
-        </a:fontRef>
-      </dsp:style>
-      <dsp:txBody>
-        <a:bodyPr spcFirstLastPara="0" vert="horz" wrap="square" lIns="456983" tIns="71120" rIns="71120" bIns="71120" numCol="1" spcCol="1270" anchor="ctr" anchorCtr="0">
-          <a:noAutofit/>
-        </a:bodyPr>
-        <a:lstStyle/>
-        <a:p>
-          <a:pPr lvl="0" algn="l" defTabSz="1244600">
-            <a:lnSpc>
-              <a:spcPct val="90000"/>
-            </a:lnSpc>
-            <a:spcBef>
-              <a:spcPct val="0"/>
-            </a:spcBef>
-            <a:spcAft>
-              <a:spcPct val="35000"/>
-            </a:spcAft>
-          </a:pPr>
-          <a:r>
-            <a:rPr lang="zh-CN" altLang="en-US" sz="2800" kern="1200" dirty="0" smtClean="0"/>
-            <a:t>虚拟</a:t>
-          </a:r>
-          <a:r>
-            <a:rPr lang="en-US" altLang="zh-CN" sz="2800" kern="1200" dirty="0" err="1" smtClean="0"/>
-            <a:t>dom</a:t>
-          </a:r>
-          <a:endParaRPr lang="zh-CN" altLang="en-US" sz="2800" kern="1200" dirty="0"/>
-        </a:p>
-      </dsp:txBody>
-      <dsp:txXfrm>
-        <a:off x="424426" y="287713"/>
-        <a:ext cx="6826519" cy="575726"/>
-      </dsp:txXfrm>
-    </dsp:sp>
-    <dsp:sp modelId="{AB6C5970-6B6B-4CC0-9945-08DC0B17EE3E}">
-      <dsp:nvSpPr>
-        <dsp:cNvPr id="0" name=""/>
-        <dsp:cNvSpPr/>
-      </dsp:nvSpPr>
-      <dsp:spPr>
-        <a:xfrm>
-          <a:off x="64596" y="215747"/>
-          <a:ext cx="719658" cy="719658"/>
-        </a:xfrm>
-        <a:prstGeom prst="ellipse">
-          <a:avLst/>
-        </a:prstGeom>
-        <a:solidFill>
-          <a:schemeClr val="lt1">
-            <a:hueOff val="0"/>
-            <a:satOff val="0"/>
-            <a:lumOff val="0"/>
-            <a:alphaOff val="0"/>
-          </a:schemeClr>
-        </a:solidFill>
-        <a:ln w="12700" cap="flat" cmpd="sng" algn="ctr">
-          <a:solidFill>
-            <a:schemeClr val="accent1">
-              <a:hueOff val="0"/>
-              <a:satOff val="0"/>
-              <a:lumOff val="0"/>
-              <a:alphaOff val="0"/>
-            </a:schemeClr>
-          </a:solidFill>
-          <a:prstDash val="solid"/>
-          <a:miter lim="800000"/>
-        </a:ln>
-        <a:effectLst/>
-      </dsp:spPr>
-      <dsp:style>
-        <a:lnRef idx="2">
-          <a:scrgbClr r="0" g="0" b="0"/>
-        </a:lnRef>
-        <a:fillRef idx="1">
-          <a:scrgbClr r="0" g="0" b="0"/>
-        </a:fillRef>
-        <a:effectRef idx="0">
-          <a:scrgbClr r="0" g="0" b="0"/>
-        </a:effectRef>
-        <a:fontRef idx="minor"/>
-      </dsp:style>
-    </dsp:sp>
-    <dsp:sp modelId="{1D193561-E8A1-42D7-8316-5840CB872E79}">
-      <dsp:nvSpPr>
-        <dsp:cNvPr id="0" name=""/>
-        <dsp:cNvSpPr/>
-      </dsp:nvSpPr>
-      <dsp:spPr>
-        <a:xfrm>
-          <a:off x="754503" y="1151453"/>
-          <a:ext cx="6496442" cy="575726"/>
-        </a:xfrm>
-        <a:prstGeom prst="rect">
-          <a:avLst/>
-        </a:prstGeom>
-        <a:solidFill>
-          <a:schemeClr val="accent1">
-            <a:hueOff val="0"/>
-            <a:satOff val="0"/>
-            <a:lumOff val="0"/>
-            <a:alphaOff val="0"/>
-          </a:schemeClr>
-        </a:solidFill>
-        <a:ln w="12700" cap="flat" cmpd="sng" algn="ctr">
-          <a:solidFill>
-            <a:schemeClr val="lt1">
-              <a:hueOff val="0"/>
-              <a:satOff val="0"/>
-              <a:lumOff val="0"/>
-              <a:alphaOff val="0"/>
-            </a:schemeClr>
-          </a:solidFill>
-          <a:prstDash val="solid"/>
-          <a:miter lim="800000"/>
-        </a:ln>
-        <a:effectLst/>
-      </dsp:spPr>
-      <dsp:style>
-        <a:lnRef idx="2">
-          <a:scrgbClr r="0" g="0" b="0"/>
-        </a:lnRef>
-        <a:fillRef idx="1">
-          <a:scrgbClr r="0" g="0" b="0"/>
-        </a:fillRef>
-        <a:effectRef idx="0">
-          <a:scrgbClr r="0" g="0" b="0"/>
-        </a:effectRef>
-        <a:fontRef idx="minor">
-          <a:schemeClr val="lt1"/>
-        </a:fontRef>
-      </dsp:style>
-      <dsp:txBody>
-        <a:bodyPr spcFirstLastPara="0" vert="horz" wrap="square" lIns="456983" tIns="71120" rIns="71120" bIns="71120" numCol="1" spcCol="1270" anchor="ctr" anchorCtr="0">
-          <a:noAutofit/>
-        </a:bodyPr>
-        <a:lstStyle/>
-        <a:p>
-          <a:pPr lvl="0" algn="l" defTabSz="1244600">
-            <a:lnSpc>
-              <a:spcPct val="90000"/>
-            </a:lnSpc>
-            <a:spcBef>
-              <a:spcPct val="0"/>
-            </a:spcBef>
-            <a:spcAft>
-              <a:spcPct val="35000"/>
-            </a:spcAft>
-          </a:pPr>
-          <a:r>
-            <a:rPr lang="zh-CN" altLang="en-US" sz="2800" kern="1200" dirty="0" smtClean="0"/>
-            <a:t>无处不在的</a:t>
-          </a:r>
-          <a:r>
-            <a:rPr lang="en-US" altLang="zh-CN" sz="2800" kern="1200" dirty="0" smtClean="0"/>
-            <a:t>diff</a:t>
-          </a:r>
-          <a:endParaRPr lang="zh-CN" altLang="en-US" sz="2800" kern="1200" dirty="0"/>
-        </a:p>
-      </dsp:txBody>
-      <dsp:txXfrm>
-        <a:off x="754503" y="1151453"/>
-        <a:ext cx="6496442" cy="575726"/>
-      </dsp:txXfrm>
-    </dsp:sp>
-    <dsp:sp modelId="{F3958A8F-50A7-497E-9FAB-5AD1210CF544}">
-      <dsp:nvSpPr>
-        <dsp:cNvPr id="0" name=""/>
-        <dsp:cNvSpPr/>
-      </dsp:nvSpPr>
-      <dsp:spPr>
-        <a:xfrm>
-          <a:off x="394674" y="1079487"/>
-          <a:ext cx="719658" cy="719658"/>
-        </a:xfrm>
-        <a:prstGeom prst="ellipse">
-          <a:avLst/>
-        </a:prstGeom>
-        <a:solidFill>
-          <a:schemeClr val="lt1">
-            <a:hueOff val="0"/>
-            <a:satOff val="0"/>
-            <a:lumOff val="0"/>
-            <a:alphaOff val="0"/>
-          </a:schemeClr>
-        </a:solidFill>
-        <a:ln w="12700" cap="flat" cmpd="sng" algn="ctr">
-          <a:solidFill>
-            <a:schemeClr val="accent1">
-              <a:hueOff val="0"/>
-              <a:satOff val="0"/>
-              <a:lumOff val="0"/>
-              <a:alphaOff val="0"/>
-            </a:schemeClr>
-          </a:solidFill>
-          <a:prstDash val="solid"/>
-          <a:miter lim="800000"/>
-        </a:ln>
-        <a:effectLst/>
-      </dsp:spPr>
-      <dsp:style>
-        <a:lnRef idx="2">
-          <a:scrgbClr r="0" g="0" b="0"/>
-        </a:lnRef>
-        <a:fillRef idx="1">
-          <a:scrgbClr r="0" g="0" b="0"/>
-        </a:fillRef>
-        <a:effectRef idx="0">
-          <a:scrgbClr r="0" g="0" b="0"/>
-        </a:effectRef>
-        <a:fontRef idx="minor"/>
-      </dsp:style>
-    </dsp:sp>
-    <dsp:sp modelId="{045D4F48-AEF5-41E3-A97B-002BFBFC1C97}">
-      <dsp:nvSpPr>
-        <dsp:cNvPr id="0" name=""/>
-        <dsp:cNvSpPr/>
-      </dsp:nvSpPr>
-      <dsp:spPr>
-        <a:xfrm>
-          <a:off x="754503" y="2015193"/>
-          <a:ext cx="6496442" cy="575726"/>
-        </a:xfrm>
-        <a:prstGeom prst="rect">
-          <a:avLst/>
-        </a:prstGeom>
-        <a:solidFill>
-          <a:schemeClr val="accent1">
-            <a:hueOff val="0"/>
-            <a:satOff val="0"/>
-            <a:lumOff val="0"/>
-            <a:alphaOff val="0"/>
-          </a:schemeClr>
-        </a:solidFill>
-        <a:ln w="12700" cap="flat" cmpd="sng" algn="ctr">
-          <a:solidFill>
-            <a:schemeClr val="lt1">
-              <a:hueOff val="0"/>
-              <a:satOff val="0"/>
-              <a:lumOff val="0"/>
-              <a:alphaOff val="0"/>
-            </a:schemeClr>
-          </a:solidFill>
-          <a:prstDash val="solid"/>
-          <a:miter lim="800000"/>
-        </a:ln>
-        <a:effectLst/>
-      </dsp:spPr>
-      <dsp:style>
-        <a:lnRef idx="2">
-          <a:scrgbClr r="0" g="0" b="0"/>
-        </a:lnRef>
-        <a:fillRef idx="1">
-          <a:scrgbClr r="0" g="0" b="0"/>
-        </a:fillRef>
-        <a:effectRef idx="0">
-          <a:scrgbClr r="0" g="0" b="0"/>
-        </a:effectRef>
-        <a:fontRef idx="minor">
-          <a:schemeClr val="lt1"/>
-        </a:fontRef>
-      </dsp:style>
-      <dsp:txBody>
-        <a:bodyPr spcFirstLastPara="0" vert="horz" wrap="square" lIns="456983" tIns="71120" rIns="71120" bIns="71120" numCol="1" spcCol="1270" anchor="ctr" anchorCtr="0">
-          <a:noAutofit/>
-        </a:bodyPr>
-        <a:lstStyle/>
-        <a:p>
-          <a:pPr lvl="0" algn="l" defTabSz="1244600">
-            <a:lnSpc>
-              <a:spcPct val="90000"/>
-            </a:lnSpc>
-            <a:spcBef>
-              <a:spcPct val="0"/>
-            </a:spcBef>
-            <a:spcAft>
-              <a:spcPct val="35000"/>
-            </a:spcAft>
-          </a:pPr>
-          <a:r>
-            <a:rPr lang="zh-CN" altLang="en-US" sz="2800" kern="1200" dirty="0" smtClean="0"/>
-            <a:t>看不见分不清的</a:t>
-          </a:r>
-          <a:r>
-            <a:rPr lang="en-US" altLang="zh-CN" sz="2800" kern="1200" dirty="0" err="1" smtClean="0"/>
-            <a:t>divdivdiv</a:t>
-          </a:r>
-          <a:endParaRPr lang="zh-CN" altLang="en-US" sz="2800" kern="1200" dirty="0"/>
-        </a:p>
-      </dsp:txBody>
-      <dsp:txXfrm>
-        <a:off x="754503" y="2015193"/>
-        <a:ext cx="6496442" cy="575726"/>
-      </dsp:txXfrm>
-    </dsp:sp>
-    <dsp:sp modelId="{B104CBBE-5405-4535-A3B0-E6EEB7EB727A}">
-      <dsp:nvSpPr>
-        <dsp:cNvPr id="0" name=""/>
-        <dsp:cNvSpPr/>
-      </dsp:nvSpPr>
-      <dsp:spPr>
-        <a:xfrm>
-          <a:off x="394674" y="1943227"/>
-          <a:ext cx="719658" cy="719658"/>
-        </a:xfrm>
-        <a:prstGeom prst="ellipse">
-          <a:avLst/>
-        </a:prstGeom>
-        <a:solidFill>
-          <a:schemeClr val="lt1">
-            <a:hueOff val="0"/>
-            <a:satOff val="0"/>
-            <a:lumOff val="0"/>
-            <a:alphaOff val="0"/>
-          </a:schemeClr>
-        </a:solidFill>
-        <a:ln w="12700" cap="flat" cmpd="sng" algn="ctr">
-          <a:solidFill>
-            <a:schemeClr val="accent1">
-              <a:hueOff val="0"/>
-              <a:satOff val="0"/>
-              <a:lumOff val="0"/>
-              <a:alphaOff val="0"/>
-            </a:schemeClr>
-          </a:solidFill>
-          <a:prstDash val="solid"/>
-          <a:miter lim="800000"/>
-        </a:ln>
-        <a:effectLst/>
-      </dsp:spPr>
-      <dsp:style>
-        <a:lnRef idx="2">
-          <a:scrgbClr r="0" g="0" b="0"/>
-        </a:lnRef>
-        <a:fillRef idx="1">
-          <a:scrgbClr r="0" g="0" b="0"/>
-        </a:fillRef>
-        <a:effectRef idx="0">
-          <a:scrgbClr r="0" g="0" b="0"/>
-        </a:effectRef>
-        <a:fontRef idx="minor"/>
-      </dsp:style>
-    </dsp:sp>
-    <dsp:sp modelId="{A0A7E770-CD20-4A85-B860-14E7E41A6359}">
-      <dsp:nvSpPr>
-        <dsp:cNvPr id="0" name=""/>
-        <dsp:cNvSpPr/>
-      </dsp:nvSpPr>
-      <dsp:spPr>
-        <a:xfrm>
-          <a:off x="424426" y="2878933"/>
-          <a:ext cx="6826519" cy="575726"/>
-        </a:xfrm>
-        <a:prstGeom prst="rect">
-          <a:avLst/>
-        </a:prstGeom>
-        <a:solidFill>
-          <a:schemeClr val="accent1">
-            <a:hueOff val="0"/>
-            <a:satOff val="0"/>
-            <a:lumOff val="0"/>
-            <a:alphaOff val="0"/>
-          </a:schemeClr>
-        </a:solidFill>
-        <a:ln w="12700" cap="flat" cmpd="sng" algn="ctr">
-          <a:solidFill>
-            <a:schemeClr val="lt1">
-              <a:hueOff val="0"/>
-              <a:satOff val="0"/>
-              <a:lumOff val="0"/>
-              <a:alphaOff val="0"/>
-            </a:schemeClr>
-          </a:solidFill>
-          <a:prstDash val="solid"/>
-          <a:miter lim="800000"/>
-        </a:ln>
-        <a:effectLst/>
-      </dsp:spPr>
-      <dsp:style>
-        <a:lnRef idx="2">
-          <a:scrgbClr r="0" g="0" b="0"/>
-        </a:lnRef>
-        <a:fillRef idx="1">
-          <a:scrgbClr r="0" g="0" b="0"/>
-        </a:fillRef>
-        <a:effectRef idx="0">
-          <a:scrgbClr r="0" g="0" b="0"/>
-        </a:effectRef>
-        <a:fontRef idx="minor">
-          <a:schemeClr val="lt1"/>
-        </a:fontRef>
-      </dsp:style>
-      <dsp:txBody>
-        <a:bodyPr spcFirstLastPara="0" vert="horz" wrap="square" lIns="456983" tIns="71120" rIns="71120" bIns="71120" numCol="1" spcCol="1270" anchor="ctr" anchorCtr="0">
-          <a:noAutofit/>
-        </a:bodyPr>
-        <a:lstStyle/>
-        <a:p>
-          <a:pPr lvl="0" algn="l" defTabSz="1244600">
-            <a:lnSpc>
-              <a:spcPct val="90000"/>
-            </a:lnSpc>
-            <a:spcBef>
-              <a:spcPct val="0"/>
-            </a:spcBef>
-            <a:spcAft>
-              <a:spcPct val="35000"/>
-            </a:spcAft>
-          </a:pPr>
-          <a:r>
-            <a:rPr lang="zh-CN" altLang="en-US" sz="2800" kern="1200" dirty="0" smtClean="0"/>
-            <a:t>读不懂的标签</a:t>
-          </a:r>
-          <a:endParaRPr lang="zh-CN" altLang="en-US" sz="2800" kern="1200" dirty="0"/>
-        </a:p>
-      </dsp:txBody>
-      <dsp:txXfrm>
-        <a:off x="424426" y="2878933"/>
-        <a:ext cx="6826519" cy="575726"/>
-      </dsp:txXfrm>
-    </dsp:sp>
-    <dsp:sp modelId="{DC27ADE4-9608-4CFB-A587-3DDA821AE324}">
-      <dsp:nvSpPr>
-        <dsp:cNvPr id="0" name=""/>
-        <dsp:cNvSpPr/>
-      </dsp:nvSpPr>
-      <dsp:spPr>
-        <a:xfrm>
-          <a:off x="64596" y="2806967"/>
-          <a:ext cx="719658" cy="719658"/>
-        </a:xfrm>
-        <a:prstGeom prst="ellipse">
-          <a:avLst/>
-        </a:prstGeom>
-        <a:solidFill>
-          <a:schemeClr val="lt1">
-            <a:hueOff val="0"/>
-            <a:satOff val="0"/>
-            <a:lumOff val="0"/>
-            <a:alphaOff val="0"/>
-          </a:schemeClr>
-        </a:solidFill>
-        <a:ln w="12700" cap="flat" cmpd="sng" algn="ctr">
-          <a:solidFill>
-            <a:schemeClr val="accent1">
-              <a:hueOff val="0"/>
-              <a:satOff val="0"/>
-              <a:lumOff val="0"/>
-              <a:alphaOff val="0"/>
-            </a:schemeClr>
-          </a:solidFill>
-          <a:prstDash val="solid"/>
-          <a:miter lim="800000"/>
-        </a:ln>
-        <a:effectLst/>
-      </dsp:spPr>
-      <dsp:style>
-        <a:lnRef idx="2">
-          <a:scrgbClr r="0" g="0" b="0"/>
-        </a:lnRef>
-        <a:fillRef idx="1">
-          <a:scrgbClr r="0" g="0" b="0"/>
-        </a:fillRef>
-        <a:effectRef idx="0">
-          <a:scrgbClr r="0" g="0" b="0"/>
-        </a:effectRef>
-        <a:fontRef idx="minor"/>
-      </dsp:style>
-    </dsp:sp>
   </dsp:spTree>
 </dsp:drawing>
 </file>
@@ -7789,7 +7228,7 @@
           <a:p>
             <a:fld id="{AB5A4311-4766-49D6-999F-2921BF181D74}" type="slidenum">
               <a:rPr lang="zh-CN" altLang="en-US" smtClean="0"/>
-              <a:t>17</a:t>
+              <a:t>18</a:t>
             </a:fld>
             <a:endParaRPr lang="zh-CN" altLang="en-US"/>
           </a:p>
@@ -7873,7 +7312,7 @@
           <a:p>
             <a:fld id="{AB5A4311-4766-49D6-999F-2921BF181D74}" type="slidenum">
               <a:rPr lang="zh-CN" altLang="en-US" smtClean="0"/>
-              <a:t>18</a:t>
+              <a:t>19</a:t>
             </a:fld>
             <a:endParaRPr lang="zh-CN" altLang="en-US"/>
           </a:p>
@@ -11671,7 +11110,7 @@
         <p:spPr>
           <a:xfrm>
             <a:off x="775503" y="5121930"/>
-            <a:ext cx="2631939" cy="369332"/>
+            <a:ext cx="2497287" cy="369332"/>
           </a:xfrm>
           <a:prstGeom prst="rect">
             <a:avLst/>
@@ -11685,13 +11124,10 @@
           <a:lstStyle/>
           <a:p>
             <a:r>
-              <a:rPr lang="en-US" altLang="zh-CN" dirty="0" err="1" smtClean="0"/>
-              <a:t>customElements</a:t>
-            </a:r>
-            <a:r>
-              <a:rPr lang="en-US" altLang="zh-CN" dirty="0" smtClean="0"/>
-              <a:t>: demo01</a:t>
-            </a:r>
+              <a:rPr lang="en-US" altLang="zh-CN" dirty="0"/>
+              <a:t>demo01-customElement</a:t>
+            </a:r>
+            <a:endParaRPr lang="en-US" altLang="zh-CN" dirty="0" smtClean="0"/>
           </a:p>
         </p:txBody>
       </p:sp>
@@ -11734,6 +11170,98 @@
       </p:grpSpPr>
       <p:sp>
         <p:nvSpPr>
+          <p:cNvPr id="7" name="文本框 6"/>
+          <p:cNvSpPr txBox="1"/>
+          <p:nvPr/>
+        </p:nvSpPr>
+        <p:spPr>
+          <a:xfrm>
+            <a:off x="598604" y="1287705"/>
+            <a:ext cx="8802410" cy="1569660"/>
+          </a:xfrm>
+          <a:prstGeom prst="rect">
+            <a:avLst/>
+          </a:prstGeom>
+          <a:noFill/>
+        </p:spPr>
+        <p:txBody>
+          <a:bodyPr wrap="none" rtlCol="0">
+            <a:spAutoFit/>
+          </a:bodyPr>
+          <a:lstStyle/>
+          <a:p>
+            <a:r>
+              <a:rPr lang="zh-CN" altLang="en-US" sz="2400" dirty="0" smtClean="0"/>
+              <a:t>生命周期</a:t>
+            </a:r>
+            <a:r>
+              <a:rPr lang="en-US" altLang="zh-CN" sz="2400" dirty="0" smtClean="0"/>
+              <a:t>: </a:t>
+            </a:r>
+            <a:r>
+              <a:rPr lang="zh-CN" altLang="en-US" sz="2400" dirty="0" smtClean="0"/>
+              <a:t>连接到文档 </a:t>
+            </a:r>
+            <a:r>
+              <a:rPr lang="en-US" altLang="zh-CN" sz="2400" dirty="0" smtClean="0"/>
+              <a:t>-&gt;</a:t>
+            </a:r>
+          </a:p>
+          <a:p>
+            <a:r>
+              <a:rPr lang="en-US" altLang="zh-CN" sz="2400" dirty="0"/>
+              <a:t>	</a:t>
+            </a:r>
+            <a:r>
+              <a:rPr lang="en-US" altLang="zh-CN" sz="2400" dirty="0" smtClean="0"/>
+              <a:t>	 	</a:t>
+            </a:r>
+            <a:r>
+              <a:rPr lang="zh-CN" altLang="en-US" sz="2400" dirty="0" smtClean="0"/>
+              <a:t>属性变化监听 </a:t>
+            </a:r>
+            <a:r>
+              <a:rPr lang="en-US" altLang="zh-CN" sz="2400" dirty="0" smtClean="0"/>
+              <a:t>-&gt;</a:t>
+            </a:r>
+          </a:p>
+          <a:p>
+            <a:r>
+              <a:rPr lang="en-US" altLang="zh-CN" sz="2400" dirty="0"/>
+              <a:t>	</a:t>
+            </a:r>
+            <a:r>
+              <a:rPr lang="en-US" altLang="zh-CN" sz="2400" dirty="0" smtClean="0"/>
+              <a:t>				</a:t>
+            </a:r>
+            <a:r>
+              <a:rPr lang="zh-CN" altLang="en-US" sz="2400" dirty="0" smtClean="0"/>
+              <a:t>属性变化回调 </a:t>
+            </a:r>
+            <a:r>
+              <a:rPr lang="en-US" altLang="zh-CN" sz="2400" dirty="0" smtClean="0"/>
+              <a:t>-&gt; </a:t>
+            </a:r>
+          </a:p>
+          <a:p>
+            <a:r>
+              <a:rPr lang="en-US" altLang="zh-CN" sz="2400" dirty="0"/>
+              <a:t>	</a:t>
+            </a:r>
+            <a:r>
+              <a:rPr lang="en-US" altLang="zh-CN" sz="2400" dirty="0" smtClean="0"/>
+              <a:t>						</a:t>
+            </a:r>
+            <a:r>
+              <a:rPr lang="zh-CN" altLang="en-US" sz="2400" dirty="0" smtClean="0"/>
+              <a:t>文档中断开链接</a:t>
+            </a:r>
+            <a:endParaRPr lang="zh-CN" altLang="en-US" sz="2400" dirty="0"/>
+          </a:p>
+        </p:txBody>
+      </p:sp>
+      <p:sp>
+        <p:nvSpPr>
           <p:cNvPr id="2" name="页脚占位符 1"/>
           <p:cNvSpPr>
             <a:spLocks noGrp="1"/>
@@ -11831,7 +11359,7 @@
         <p:spPr>
           <a:xfrm>
             <a:off x="492726" y="2509361"/>
-            <a:ext cx="2631939" cy="369332"/>
+            <a:ext cx="1783758" cy="369332"/>
           </a:xfrm>
           <a:prstGeom prst="rect">
             <a:avLst/>
@@ -11845,13 +11373,10 @@
           <a:lstStyle/>
           <a:p>
             <a:r>
-              <a:rPr lang="en-US" altLang="zh-CN" dirty="0" err="1" smtClean="0"/>
-              <a:t>customElements</a:t>
-            </a:r>
-            <a:r>
-              <a:rPr lang="en-US" altLang="zh-CN" dirty="0" smtClean="0"/>
-              <a:t>: demo02</a:t>
-            </a:r>
+              <a:rPr lang="en-US" altLang="zh-CN" dirty="0"/>
+              <a:t>demo02-lifecycle</a:t>
+            </a:r>
+            <a:endParaRPr lang="en-US" altLang="zh-CN" dirty="0" smtClean="0"/>
           </a:p>
         </p:txBody>
       </p:sp>
@@ -11879,98 +11404,6 @@
           </a:prstGeom>
         </p:spPr>
       </p:pic>
-      <p:sp>
-        <p:nvSpPr>
-          <p:cNvPr id="7" name="文本框 6"/>
-          <p:cNvSpPr txBox="1"/>
-          <p:nvPr/>
-        </p:nvSpPr>
-        <p:spPr>
-          <a:xfrm>
-            <a:off x="598604" y="1287705"/>
-            <a:ext cx="8802410" cy="1569660"/>
-          </a:xfrm>
-          <a:prstGeom prst="rect">
-            <a:avLst/>
-          </a:prstGeom>
-          <a:noFill/>
-        </p:spPr>
-        <p:txBody>
-          <a:bodyPr wrap="none" rtlCol="0">
-            <a:spAutoFit/>
-          </a:bodyPr>
-          <a:lstStyle/>
-          <a:p>
-            <a:r>
-              <a:rPr lang="zh-CN" altLang="en-US" sz="2400" dirty="0" smtClean="0"/>
-              <a:t>生命周期</a:t>
-            </a:r>
-            <a:r>
-              <a:rPr lang="en-US" altLang="zh-CN" sz="2400" dirty="0" smtClean="0"/>
-              <a:t>: </a:t>
-            </a:r>
-            <a:r>
-              <a:rPr lang="zh-CN" altLang="en-US" sz="2400" dirty="0" smtClean="0"/>
-              <a:t>连接到文档 </a:t>
-            </a:r>
-            <a:r>
-              <a:rPr lang="en-US" altLang="zh-CN" sz="2400" dirty="0" smtClean="0"/>
-              <a:t>-&gt;</a:t>
-            </a:r>
-          </a:p>
-          <a:p>
-            <a:r>
-              <a:rPr lang="en-US" altLang="zh-CN" sz="2400" dirty="0"/>
-              <a:t>	</a:t>
-            </a:r>
-            <a:r>
-              <a:rPr lang="en-US" altLang="zh-CN" sz="2400" dirty="0" smtClean="0"/>
-              <a:t>	 	</a:t>
-            </a:r>
-            <a:r>
-              <a:rPr lang="zh-CN" altLang="en-US" sz="2400" dirty="0" smtClean="0"/>
-              <a:t>属性变化监听 </a:t>
-            </a:r>
-            <a:r>
-              <a:rPr lang="en-US" altLang="zh-CN" sz="2400" dirty="0" smtClean="0"/>
-              <a:t>-&gt;</a:t>
-            </a:r>
-          </a:p>
-          <a:p>
-            <a:r>
-              <a:rPr lang="en-US" altLang="zh-CN" sz="2400" dirty="0"/>
-              <a:t>	</a:t>
-            </a:r>
-            <a:r>
-              <a:rPr lang="en-US" altLang="zh-CN" sz="2400" dirty="0" smtClean="0"/>
-              <a:t>				</a:t>
-            </a:r>
-            <a:r>
-              <a:rPr lang="zh-CN" altLang="en-US" sz="2400" dirty="0" smtClean="0"/>
-              <a:t>属性变化回调 </a:t>
-            </a:r>
-            <a:r>
-              <a:rPr lang="en-US" altLang="zh-CN" sz="2400" dirty="0" smtClean="0"/>
-              <a:t>-&gt; </a:t>
-            </a:r>
-          </a:p>
-          <a:p>
-            <a:r>
-              <a:rPr lang="en-US" altLang="zh-CN" sz="2400" dirty="0"/>
-              <a:t>	</a:t>
-            </a:r>
-            <a:r>
-              <a:rPr lang="en-US" altLang="zh-CN" sz="2400" dirty="0" smtClean="0"/>
-              <a:t>						</a:t>
-            </a:r>
-            <a:r>
-              <a:rPr lang="zh-CN" altLang="en-US" sz="2400" dirty="0" smtClean="0"/>
-              <a:t>文档中断开链接</a:t>
-            </a:r>
-            <a:endParaRPr lang="zh-CN" altLang="en-US" sz="2400" dirty="0"/>
-          </a:p>
-        </p:txBody>
-      </p:sp>
     </p:spTree>
     <p:extLst>
       <p:ext uri="{BB962C8B-B14F-4D97-AF65-F5344CB8AC3E}">
@@ -12106,8 +11539,8 @@
         </p:nvSpPr>
         <p:spPr>
           <a:xfrm>
-            <a:off x="492726" y="1460210"/>
-            <a:ext cx="4554837" cy="461665"/>
+            <a:off x="350133" y="1450585"/>
+            <a:ext cx="3191964" cy="461665"/>
           </a:xfrm>
           <a:prstGeom prst="rect">
             <a:avLst/>
@@ -12122,82 +11555,91 @@
           <a:p>
             <a:r>
               <a:rPr lang="en-US" altLang="zh-CN" sz="2400" dirty="0" smtClean="0"/>
-              <a:t>Shadow DOM: </a:t>
+              <a:t>HTML</a:t>
             </a:r>
             <a:r>
               <a:rPr lang="zh-CN" altLang="en-US" sz="2400" dirty="0" smtClean="0"/>
-              <a:t>独立</a:t>
+              <a:t>模板</a:t>
             </a:r>
             <a:r>
               <a:rPr lang="en-US" altLang="zh-CN" sz="2400" dirty="0" smtClean="0"/>
-              <a:t>DOM</a:t>
-            </a:r>
-            <a:r>
-              <a:rPr lang="zh-CN" altLang="en-US" sz="2400" dirty="0" smtClean="0"/>
-              <a:t>子文档树</a:t>
-            </a:r>
-            <a:endParaRPr lang="en-US" altLang="zh-CN" sz="2400" dirty="0" smtClean="0"/>
+              <a:t>: &lt;template&gt; </a:t>
+            </a:r>
           </a:p>
         </p:txBody>
       </p:sp>
+      <p:pic>
+        <p:nvPicPr>
+          <p:cNvPr id="3" name="图片 2"/>
+          <p:cNvPicPr>
+            <a:picLocks noChangeAspect="1"/>
+          </p:cNvPicPr>
+          <p:nvPr/>
+        </p:nvPicPr>
+        <p:blipFill>
+          <a:blip r:embed="rId2"/>
+          <a:stretch>
+            <a:fillRect/>
+          </a:stretch>
+        </p:blipFill>
+        <p:spPr>
+          <a:xfrm>
+            <a:off x="1272372" y="2754730"/>
+            <a:ext cx="2105025" cy="1733550"/>
+          </a:xfrm>
+          <a:prstGeom prst="rect">
+            <a:avLst/>
+          </a:prstGeom>
+        </p:spPr>
+      </p:pic>
+      <p:pic>
+        <p:nvPicPr>
+          <p:cNvPr id="4" name="图片 3"/>
+          <p:cNvPicPr>
+            <a:picLocks noChangeAspect="1"/>
+          </p:cNvPicPr>
+          <p:nvPr/>
+        </p:nvPicPr>
+        <p:blipFill>
+          <a:blip r:embed="rId3"/>
+          <a:stretch>
+            <a:fillRect/>
+          </a:stretch>
+        </p:blipFill>
+        <p:spPr>
+          <a:xfrm>
+            <a:off x="3631398" y="889143"/>
+            <a:ext cx="8452848" cy="5968857"/>
+          </a:xfrm>
+          <a:prstGeom prst="rect">
+            <a:avLst/>
+          </a:prstGeom>
+        </p:spPr>
+      </p:pic>
       <p:sp>
         <p:nvSpPr>
-          <p:cNvPr id="7" name="文本框 6"/>
-          <p:cNvSpPr txBox="1"/>
+          <p:cNvPr id="5" name="矩形 4"/>
+          <p:cNvSpPr/>
           <p:nvPr/>
         </p:nvSpPr>
         <p:spPr>
           <a:xfrm>
-            <a:off x="492726" y="2298847"/>
-            <a:ext cx="1877437" cy="1569660"/>
+            <a:off x="533231" y="5631934"/>
+            <a:ext cx="1879938" cy="369332"/>
           </a:xfrm>
           <a:prstGeom prst="rect">
             <a:avLst/>
           </a:prstGeom>
-          <a:noFill/>
         </p:spPr>
         <p:txBody>
-          <a:bodyPr wrap="none" rtlCol="0">
+          <a:bodyPr wrap="none">
             <a:spAutoFit/>
           </a:bodyPr>
           <a:lstStyle/>
           <a:p>
-            <a:pPr marL="457200" indent="-457200">
-              <a:buAutoNum type="arabicPeriod"/>
-            </a:pPr>
-            <a:r>
-              <a:rPr lang="zh-CN" altLang="en-US" sz="2400" dirty="0" smtClean="0"/>
-              <a:t>独立组件</a:t>
-            </a:r>
-            <a:endParaRPr lang="en-US" altLang="zh-CN" sz="2400" dirty="0" smtClean="0"/>
-          </a:p>
-          <a:p>
-            <a:pPr marL="457200" indent="-457200">
-              <a:buAutoNum type="arabicPeriod"/>
-            </a:pPr>
-            <a:r>
-              <a:rPr lang="zh-CN" altLang="en-US" sz="2400" dirty="0" smtClean="0"/>
-              <a:t>样式设置</a:t>
-            </a:r>
-            <a:endParaRPr lang="en-US" altLang="zh-CN" sz="2400" dirty="0" smtClean="0"/>
-          </a:p>
-          <a:p>
-            <a:pPr marL="457200" indent="-457200">
-              <a:buAutoNum type="arabicPeriod"/>
-            </a:pPr>
-            <a:r>
-              <a:rPr lang="zh-CN" altLang="en-US" sz="2400" dirty="0" smtClean="0"/>
-              <a:t>行为操作</a:t>
-            </a:r>
-            <a:endParaRPr lang="en-US" altLang="zh-CN" sz="2400" dirty="0" smtClean="0"/>
-          </a:p>
-          <a:p>
-            <a:pPr marL="457200" indent="-457200">
-              <a:buAutoNum type="arabicPeriod"/>
-            </a:pPr>
-            <a:r>
-              <a:rPr lang="zh-CN" altLang="en-US" sz="2400" dirty="0"/>
-              <a:t>复用</a:t>
+            <a:r>
+              <a:rPr lang="zh-CN" altLang="en-US" dirty="0"/>
+              <a:t>demo03-template</a:t>
             </a:r>
           </a:p>
         </p:txBody>
@@ -12205,7 +11647,7 @@
     </p:spTree>
     <p:extLst>
       <p:ext uri="{BB962C8B-B14F-4D97-AF65-F5344CB8AC3E}">
-        <p14:creationId xmlns:p14="http://schemas.microsoft.com/office/powerpoint/2010/main" val="4191541819"/>
+        <p14:creationId xmlns:p14="http://schemas.microsoft.com/office/powerpoint/2010/main" val="2118054906"/>
       </p:ext>
     </p:extLst>
   </p:cSld>
@@ -12337,8 +11779,8 @@
         </p:nvSpPr>
         <p:spPr>
           <a:xfrm>
-            <a:off x="492726" y="1460210"/>
-            <a:ext cx="3191964" cy="461665"/>
+            <a:off x="523200" y="1161828"/>
+            <a:ext cx="4423070" cy="461665"/>
           </a:xfrm>
           <a:prstGeom prst="rect">
             <a:avLst/>
@@ -12352,6 +11794,10 @@
           <a:lstStyle/>
           <a:p>
             <a:r>
+              <a:rPr lang="zh-CN" altLang="en-US" sz="2400" dirty="0" smtClean="0"/>
+              <a:t>带样式的</a:t>
+            </a:r>
+            <a:r>
               <a:rPr lang="en-US" altLang="zh-CN" sz="2400" dirty="0" smtClean="0"/>
               <a:t>HTML</a:t>
             </a:r>
@@ -12363,13 +11809,12 @@
               <a:rPr lang="en-US" altLang="zh-CN" sz="2400" dirty="0" smtClean="0"/>
               <a:t>: &lt;template&gt; </a:t>
             </a:r>
-            <a:endParaRPr lang="en-US" altLang="zh-CN" sz="2400" dirty="0" smtClean="0"/>
           </a:p>
         </p:txBody>
       </p:sp>
       <p:pic>
         <p:nvPicPr>
-          <p:cNvPr id="3" name="图片 2"/>
+          <p:cNvPr id="5" name="图片 4"/>
           <p:cNvPicPr>
             <a:picLocks noChangeAspect="1"/>
           </p:cNvPicPr>
@@ -12383,18 +11828,114 @@
         </p:blipFill>
         <p:spPr>
           <a:xfrm>
-            <a:off x="492726" y="2437096"/>
-            <a:ext cx="2105025" cy="1733550"/>
+            <a:off x="523200" y="3912055"/>
+            <a:ext cx="1390650" cy="1057275"/>
           </a:xfrm>
           <a:prstGeom prst="rect">
             <a:avLst/>
           </a:prstGeom>
         </p:spPr>
       </p:pic>
+      <p:pic>
+        <p:nvPicPr>
+          <p:cNvPr id="7" name="图片 6"/>
+          <p:cNvPicPr>
+            <a:picLocks noChangeAspect="1"/>
+          </p:cNvPicPr>
+          <p:nvPr/>
+        </p:nvPicPr>
+        <p:blipFill>
+          <a:blip r:embed="rId3"/>
+          <a:stretch>
+            <a:fillRect/>
+          </a:stretch>
+        </p:blipFill>
+        <p:spPr>
+          <a:xfrm>
+            <a:off x="3641620" y="1876719"/>
+            <a:ext cx="8362950" cy="4953000"/>
+          </a:xfrm>
+          <a:prstGeom prst="rect">
+            <a:avLst/>
+          </a:prstGeom>
+        </p:spPr>
+      </p:pic>
+      <p:sp>
+        <p:nvSpPr>
+          <p:cNvPr id="9" name="等于号 8"/>
+          <p:cNvSpPr/>
+          <p:nvPr/>
+        </p:nvSpPr>
+        <p:spPr>
+          <a:xfrm>
+            <a:off x="2277535" y="3983492"/>
+            <a:ext cx="914400" cy="914400"/>
+          </a:xfrm>
+          <a:prstGeom prst="mathEqual">
+            <a:avLst/>
+          </a:prstGeom>
+        </p:spPr>
+        <p:style>
+          <a:lnRef idx="2">
+            <a:schemeClr val="accent1">
+              <a:shade val="50000"/>
+            </a:schemeClr>
+          </a:lnRef>
+          <a:fillRef idx="1">
+            <a:schemeClr val="accent1"/>
+          </a:fillRef>
+          <a:effectRef idx="0">
+            <a:schemeClr val="accent1"/>
+          </a:effectRef>
+          <a:fontRef idx="minor">
+            <a:schemeClr val="lt1"/>
+          </a:fontRef>
+        </p:style>
+        <p:txBody>
+          <a:bodyPr rtlCol="0" anchor="ctr"/>
+          <a:lstStyle/>
+          <a:p>
+            <a:pPr algn="ctr"/>
+            <a:endParaRPr lang="zh-CN" altLang="en-US">
+              <a:solidFill>
+                <a:schemeClr val="tx1"/>
+              </a:solidFill>
+            </a:endParaRPr>
+          </a:p>
+        </p:txBody>
+      </p:sp>
+      <p:sp>
+        <p:nvSpPr>
+          <p:cNvPr id="10" name="矩形 9"/>
+          <p:cNvSpPr/>
+          <p:nvPr/>
+        </p:nvSpPr>
+        <p:spPr>
+          <a:xfrm>
+            <a:off x="523200" y="3058003"/>
+            <a:ext cx="2316596" cy="369332"/>
+          </a:xfrm>
+          <a:prstGeom prst="rect">
+            <a:avLst/>
+          </a:prstGeom>
+        </p:spPr>
+        <p:txBody>
+          <a:bodyPr wrap="none">
+            <a:spAutoFit/>
+          </a:bodyPr>
+          <a:lstStyle/>
+          <a:p>
+            <a:r>
+              <a:rPr lang="zh-CN" altLang="en-US" dirty="0"/>
+              <a:t>demo04-templatestyle</a:t>
+            </a:r>
+          </a:p>
+        </p:txBody>
+      </p:sp>
     </p:spTree>
     <p:extLst>
       <p:ext uri="{BB962C8B-B14F-4D97-AF65-F5344CB8AC3E}">
-        <p14:creationId xmlns:p14="http://schemas.microsoft.com/office/powerpoint/2010/main" val="2118054906"/>
+        <p14:creationId xmlns:p14="http://schemas.microsoft.com/office/powerpoint/2010/main" val="2387074582"/>
       </p:ext>
     </p:extLst>
   </p:cSld>
@@ -12412,6 +11953,313 @@
 </file>
 
 <file path=ppt/slides/slide17.xml><?xml version="1.0" encoding="utf-8"?>
+<p:sld xmlns:a="http://schemas.openxmlformats.org/drawingml/2006/main" xmlns:r="http://schemas.openxmlformats.org/officeDocument/2006/relationships" xmlns:p="http://schemas.openxmlformats.org/presentationml/2006/main">
+  <p:cSld>
+    <p:spTree>
+      <p:nvGrpSpPr>
+        <p:cNvPr id="1" name=""/>
+        <p:cNvGrpSpPr/>
+        <p:nvPr/>
+      </p:nvGrpSpPr>
+      <p:grpSpPr>
+        <a:xfrm>
+          <a:off x="0" y="0"/>
+          <a:ext cx="0" cy="0"/>
+          <a:chOff x="0" y="0"/>
+          <a:chExt cx="0" cy="0"/>
+        </a:xfrm>
+      </p:grpSpPr>
+      <p:sp>
+        <p:nvSpPr>
+          <p:cNvPr id="2" name="页脚占位符 1"/>
+          <p:cNvSpPr>
+            <a:spLocks noGrp="1"/>
+          </p:cNvSpPr>
+          <p:nvPr>
+            <p:ph type="ftr" sz="quarter" idx="3"/>
+          </p:nvPr>
+        </p:nvSpPr>
+        <p:spPr/>
+        <p:txBody>
+          <a:bodyPr/>
+          <a:lstStyle/>
+          <a:p>
+            <a:fld id="{96727D3B-1B81-5549-9B2F-B47ED2EA5FA0}" type="slidenum">
+              <a:rPr kumimoji="1" lang="en-US" altLang="zh-CN" smtClean="0"/>
+              <a:t>17</a:t>
+            </a:fld>
+            <a:endParaRPr kumimoji="1" lang="zh-CN" altLang="en-US" dirty="0"/>
+          </a:p>
+        </p:txBody>
+      </p:sp>
+      <p:sp>
+        <p:nvSpPr>
+          <p:cNvPr id="6" name="文本框 5"/>
+          <p:cNvSpPr txBox="1"/>
+          <p:nvPr/>
+        </p:nvSpPr>
+        <p:spPr>
+          <a:xfrm>
+            <a:off x="92365" y="184666"/>
+            <a:ext cx="11748152" cy="584775"/>
+          </a:xfrm>
+          <a:prstGeom prst="rect">
+            <a:avLst/>
+          </a:prstGeom>
+          <a:noFill/>
+        </p:spPr>
+        <p:txBody>
+          <a:bodyPr wrap="none" rtlCol="0" anchor="t">
+            <a:spAutoFit/>
+          </a:bodyPr>
+          <a:lstStyle/>
+          <a:p>
+            <a:r>
+              <a:rPr lang="en-US" altLang="zh-CN" sz="3200" b="1" dirty="0" smtClean="0">
+                <a:solidFill>
+                  <a:srgbClr val="3D68BF"/>
+                </a:solidFill>
+                <a:latin typeface="Microsoft YaHei" panose="020B0503020204020204" pitchFamily="34" charset="-122"/>
+                <a:ea typeface="Microsoft YaHei" panose="020B0503020204020204" pitchFamily="34" charset="-122"/>
+                <a:cs typeface="Arial" panose="020B0604020202090204" pitchFamily="34" charset="0"/>
+                <a:sym typeface="+mn-ea"/>
+              </a:rPr>
+              <a:t>3. </a:t>
+            </a:r>
+            <a:r>
+              <a:rPr lang="en-US" altLang="zh-CN" sz="3200" b="1" dirty="0">
+                <a:solidFill>
+                  <a:srgbClr val="3D68BF"/>
+                </a:solidFill>
+                <a:latin typeface="Microsoft YaHei" panose="020B0503020204020204" pitchFamily="34" charset="-122"/>
+                <a:ea typeface="Microsoft YaHei" panose="020B0503020204020204" pitchFamily="34" charset="-122"/>
+                <a:cs typeface="Arial" panose="020B0604020202090204" pitchFamily="34" charset="0"/>
+              </a:rPr>
+              <a:t>Custom </a:t>
+            </a:r>
+            <a:r>
+              <a:rPr lang="en-US" altLang="zh-CN" sz="3200" b="1" dirty="0" smtClean="0">
+                <a:solidFill>
+                  <a:srgbClr val="3D68BF"/>
+                </a:solidFill>
+                <a:latin typeface="Microsoft YaHei" panose="020B0503020204020204" pitchFamily="34" charset="-122"/>
+                <a:ea typeface="Microsoft YaHei" panose="020B0503020204020204" pitchFamily="34" charset="-122"/>
+                <a:cs typeface="Arial" panose="020B0604020202090204" pitchFamily="34" charset="0"/>
+              </a:rPr>
+              <a:t>Elements &amp; Shadow DOM &amp; HTML templates</a:t>
+            </a:r>
+            <a:endParaRPr lang="en-US" altLang="zh-CN" sz="3200" b="1" dirty="0">
+              <a:solidFill>
+                <a:srgbClr val="3D68BF"/>
+              </a:solidFill>
+              <a:latin typeface="Microsoft YaHei" panose="020B0503020204020204" pitchFamily="34" charset="-122"/>
+              <a:ea typeface="Microsoft YaHei" panose="020B0503020204020204" pitchFamily="34" charset="-122"/>
+              <a:cs typeface="Arial" panose="020B0604020202090204" pitchFamily="34" charset="0"/>
+            </a:endParaRPr>
+          </a:p>
+        </p:txBody>
+      </p:sp>
+      <p:sp>
+        <p:nvSpPr>
+          <p:cNvPr id="8" name="文本框 7"/>
+          <p:cNvSpPr txBox="1"/>
+          <p:nvPr/>
+        </p:nvSpPr>
+        <p:spPr>
+          <a:xfrm>
+            <a:off x="492726" y="1460210"/>
+            <a:ext cx="4554837" cy="461665"/>
+          </a:xfrm>
+          <a:prstGeom prst="rect">
+            <a:avLst/>
+          </a:prstGeom>
+          <a:noFill/>
+        </p:spPr>
+        <p:txBody>
+          <a:bodyPr wrap="none" rtlCol="0">
+            <a:spAutoFit/>
+          </a:bodyPr>
+          <a:lstStyle/>
+          <a:p>
+            <a:r>
+              <a:rPr lang="en-US" altLang="zh-CN" sz="2400" dirty="0" smtClean="0"/>
+              <a:t>Shadow DOM: </a:t>
+            </a:r>
+            <a:r>
+              <a:rPr lang="zh-CN" altLang="en-US" sz="2400" dirty="0" smtClean="0"/>
+              <a:t>独立</a:t>
+            </a:r>
+            <a:r>
+              <a:rPr lang="en-US" altLang="zh-CN" sz="2400" dirty="0" smtClean="0"/>
+              <a:t>DOM</a:t>
+            </a:r>
+            <a:r>
+              <a:rPr lang="zh-CN" altLang="en-US" sz="2400" dirty="0" smtClean="0"/>
+              <a:t>子文档树</a:t>
+            </a:r>
+            <a:endParaRPr lang="en-US" altLang="zh-CN" sz="2400" dirty="0" smtClean="0"/>
+          </a:p>
+        </p:txBody>
+      </p:sp>
+      <p:sp>
+        <p:nvSpPr>
+          <p:cNvPr id="7" name="文本框 6"/>
+          <p:cNvSpPr txBox="1"/>
+          <p:nvPr/>
+        </p:nvSpPr>
+        <p:spPr>
+          <a:xfrm>
+            <a:off x="492726" y="2298847"/>
+            <a:ext cx="1877437" cy="1569660"/>
+          </a:xfrm>
+          <a:prstGeom prst="rect">
+            <a:avLst/>
+          </a:prstGeom>
+          <a:noFill/>
+        </p:spPr>
+        <p:txBody>
+          <a:bodyPr wrap="none" rtlCol="0">
+            <a:spAutoFit/>
+          </a:bodyPr>
+          <a:lstStyle/>
+          <a:p>
+            <a:pPr marL="457200" indent="-457200">
+              <a:buAutoNum type="arabicPeriod"/>
+            </a:pPr>
+            <a:r>
+              <a:rPr lang="zh-CN" altLang="en-US" sz="2400" dirty="0" smtClean="0"/>
+              <a:t>独立组件</a:t>
+            </a:r>
+            <a:endParaRPr lang="en-US" altLang="zh-CN" sz="2400" dirty="0" smtClean="0"/>
+          </a:p>
+          <a:p>
+            <a:pPr marL="457200" indent="-457200">
+              <a:buAutoNum type="arabicPeriod"/>
+            </a:pPr>
+            <a:r>
+              <a:rPr lang="zh-CN" altLang="en-US" sz="2400" dirty="0" smtClean="0"/>
+              <a:t>样式设置</a:t>
+            </a:r>
+            <a:endParaRPr lang="en-US" altLang="zh-CN" sz="2400" dirty="0" smtClean="0"/>
+          </a:p>
+          <a:p>
+            <a:pPr marL="457200" indent="-457200">
+              <a:buAutoNum type="arabicPeriod"/>
+            </a:pPr>
+            <a:r>
+              <a:rPr lang="zh-CN" altLang="en-US" sz="2400" dirty="0" smtClean="0"/>
+              <a:t>行为操作</a:t>
+            </a:r>
+            <a:endParaRPr lang="en-US" altLang="zh-CN" sz="2400" dirty="0" smtClean="0"/>
+          </a:p>
+          <a:p>
+            <a:pPr marL="457200" indent="-457200">
+              <a:buAutoNum type="arabicPeriod"/>
+            </a:pPr>
+            <a:r>
+              <a:rPr lang="zh-CN" altLang="en-US" sz="2400" dirty="0"/>
+              <a:t>复用</a:t>
+            </a:r>
+          </a:p>
+        </p:txBody>
+      </p:sp>
+      <p:sp>
+        <p:nvSpPr>
+          <p:cNvPr id="4" name="矩形 3"/>
+          <p:cNvSpPr/>
+          <p:nvPr/>
+        </p:nvSpPr>
+        <p:spPr>
+          <a:xfrm>
+            <a:off x="6999147" y="5630473"/>
+            <a:ext cx="2188676" cy="369332"/>
+          </a:xfrm>
+          <a:prstGeom prst="rect">
+            <a:avLst/>
+          </a:prstGeom>
+        </p:spPr>
+        <p:txBody>
+          <a:bodyPr wrap="none">
+            <a:spAutoFit/>
+          </a:bodyPr>
+          <a:lstStyle/>
+          <a:p>
+            <a:r>
+              <a:rPr lang="zh-CN" altLang="en-US" dirty="0"/>
+              <a:t>demo05-shadowdom</a:t>
+            </a:r>
+          </a:p>
+        </p:txBody>
+      </p:sp>
+      <p:pic>
+        <p:nvPicPr>
+          <p:cNvPr id="5" name="图片 4"/>
+          <p:cNvPicPr>
+            <a:picLocks noChangeAspect="1"/>
+          </p:cNvPicPr>
+          <p:nvPr/>
+        </p:nvPicPr>
+        <p:blipFill>
+          <a:blip r:embed="rId2"/>
+          <a:stretch>
+            <a:fillRect/>
+          </a:stretch>
+        </p:blipFill>
+        <p:spPr>
+          <a:xfrm>
+            <a:off x="92365" y="5110481"/>
+            <a:ext cx="5053605" cy="1536676"/>
+          </a:xfrm>
+          <a:prstGeom prst="rect">
+            <a:avLst/>
+          </a:prstGeom>
+        </p:spPr>
+      </p:pic>
+      <p:pic>
+        <p:nvPicPr>
+          <p:cNvPr id="3" name="图片 2"/>
+          <p:cNvPicPr>
+            <a:picLocks noChangeAspect="1"/>
+          </p:cNvPicPr>
+          <p:nvPr/>
+        </p:nvPicPr>
+        <p:blipFill>
+          <a:blip r:embed="rId3"/>
+          <a:stretch>
+            <a:fillRect/>
+          </a:stretch>
+        </p:blipFill>
+        <p:spPr>
+          <a:xfrm>
+            <a:off x="3768902" y="2258782"/>
+            <a:ext cx="8372475" cy="3219450"/>
+          </a:xfrm>
+          <a:prstGeom prst="rect">
+            <a:avLst/>
+          </a:prstGeom>
+        </p:spPr>
+      </p:pic>
+    </p:spTree>
+    <p:extLst>
+      <p:ext uri="{BB962C8B-B14F-4D97-AF65-F5344CB8AC3E}">
+        <p14:creationId xmlns:p14="http://schemas.microsoft.com/office/powerpoint/2010/main" val="4191541819"/>
+      </p:ext>
+    </p:extLst>
+  </p:cSld>
+  <p:clrMapOvr>
+    <a:masterClrMapping/>
+  </p:clrMapOvr>
+  <p:timing>
+    <p:tnLst>
+      <p:par>
+        <p:cTn id="1" dur="indefinite" restart="never" nodeType="tmRoot"/>
+      </p:par>
+    </p:tnLst>
+  </p:timing>
+</p:sld>
+</file>
+
+<file path=ppt/slides/slide18.xml><?xml version="1.0" encoding="utf-8"?>
 <p:sld xmlns:a="http://schemas.openxmlformats.org/drawingml/2006/main" xmlns:r="http://schemas.openxmlformats.org/officeDocument/2006/relationships" xmlns:p="http://schemas.openxmlformats.org/presentationml/2006/main">
   <p:cSld>
     <p:spTree>
@@ -12616,7 +12464,7 @@
 </p:sld>
 </file>
 
-<file path=ppt/slides/slide18.xml><?xml version="1.0" encoding="utf-8"?>
+<file path=ppt/slides/slide19.xml><?xml version="1.0" encoding="utf-8"?>
 <p:sld xmlns:a="http://schemas.openxmlformats.org/drawingml/2006/main" xmlns:r="http://schemas.openxmlformats.org/officeDocument/2006/relationships" xmlns:p="http://schemas.openxmlformats.org/presentationml/2006/main">
   <p:cSld>
     <p:spTree>
@@ -15035,17 +14883,7 @@
                 <a:latin typeface="Arial" panose="020B0604020202020204" pitchFamily="34" charset="0"/>
                 <a:ea typeface="-apple-system"/>
               </a:rPr>
-              <a:t>指定了我们，可以不局限与框架的方式进行组件</a:t>
-            </a:r>
-            <a:r>
-              <a:rPr lang="zh-CN" altLang="en-US" sz="2000" dirty="0" smtClean="0">
-                <a:solidFill>
-                  <a:srgbClr val="404040"/>
-                </a:solidFill>
-                <a:latin typeface="Arial" panose="020B0604020202020204" pitchFamily="34" charset="0"/>
-                <a:ea typeface="-apple-system"/>
-              </a:rPr>
-              <a:t>开发</a:t>
+              <a:t>指定了我们，可以不局限与框架的方式进行组件开发</a:t>
             </a:r>
             <a:endParaRPr lang="en-US" altLang="zh-CN" sz="2000" dirty="0" smtClean="0">
               <a:solidFill>
@@ -15283,18 +15121,7 @@
                 <a:ea typeface="-apple-system"/>
                 <a:sym typeface="Wingdings" panose="05000000000000000000" pitchFamily="2" charset="2"/>
               </a:rPr>
-              <a:t>中完美</a:t>
-            </a:r>
-            <a:r>
-              <a:rPr lang="zh-CN" altLang="en-US" sz="2000" dirty="0" smtClean="0">
-                <a:solidFill>
-                  <a:srgbClr val="404040"/>
-                </a:solidFill>
-                <a:latin typeface="Arial" panose="020B0604020202020204" pitchFamily="34" charset="0"/>
-                <a:ea typeface="-apple-system"/>
-                <a:sym typeface="Wingdings" panose="05000000000000000000" pitchFamily="2" charset="2"/>
-              </a:rPr>
-              <a:t>集成</a:t>
+              <a:t>中完美集成</a:t>
             </a:r>
             <a:endParaRPr lang="en-US" altLang="zh-CN" sz="2000" dirty="0" smtClean="0">
               <a:solidFill>

--- a/webComponents/web Componts.pptx
+++ b/webComponents/web Componts.pptx
@@ -5,7 +5,7 @@
     <p:sldMasterId id="2147483709" r:id="rId1"/>
   </p:sldMasterIdLst>
   <p:notesMasterIdLst>
-    <p:notesMasterId r:id="rId21"/>
+    <p:notesMasterId r:id="rId29"/>
   </p:notesMasterIdLst>
   <p:sldIdLst>
     <p:sldId id="257" r:id="rId2"/>
@@ -25,8 +25,16 @@
     <p:sldId id="275" r:id="rId16"/>
     <p:sldId id="277" r:id="rId17"/>
     <p:sldId id="274" r:id="rId18"/>
-    <p:sldId id="262" r:id="rId19"/>
-    <p:sldId id="276" r:id="rId20"/>
+    <p:sldId id="278" r:id="rId19"/>
+    <p:sldId id="279" r:id="rId20"/>
+    <p:sldId id="280" r:id="rId21"/>
+    <p:sldId id="262" r:id="rId22"/>
+    <p:sldId id="282" r:id="rId23"/>
+    <p:sldId id="283" r:id="rId24"/>
+    <p:sldId id="284" r:id="rId25"/>
+    <p:sldId id="285" r:id="rId26"/>
+    <p:sldId id="286" r:id="rId27"/>
+    <p:sldId id="276" r:id="rId28"/>
   </p:sldIdLst>
   <p:sldSz cx="12192000" cy="6858000"/>
   <p:notesSz cx="6858000" cy="9144000"/>
@@ -2401,580 +2409,6 @@
       <dsp:cNvGrpSpPr/>
     </dsp:nvGrpSpPr>
     <dsp:grpSpPr/>
-    <dsp:sp modelId="{B754F008-6133-4743-B8E7-D297F889C552}">
-      <dsp:nvSpPr>
-        <dsp:cNvPr id="0" name=""/>
-        <dsp:cNvSpPr/>
-      </dsp:nvSpPr>
-      <dsp:spPr>
-        <a:xfrm>
-          <a:off x="110" y="1387460"/>
-          <a:ext cx="1514220" cy="757110"/>
-        </a:xfrm>
-        <a:prstGeom prst="roundRect">
-          <a:avLst>
-            <a:gd name="adj" fmla="val 10000"/>
-          </a:avLst>
-        </a:prstGeom>
-        <a:solidFill>
-          <a:schemeClr val="accent1">
-            <a:hueOff val="0"/>
-            <a:satOff val="0"/>
-            <a:lumOff val="0"/>
-            <a:alphaOff val="0"/>
-          </a:schemeClr>
-        </a:solidFill>
-        <a:ln w="12700" cap="flat" cmpd="sng" algn="ctr">
-          <a:solidFill>
-            <a:schemeClr val="lt1">
-              <a:hueOff val="0"/>
-              <a:satOff val="0"/>
-              <a:lumOff val="0"/>
-              <a:alphaOff val="0"/>
-            </a:schemeClr>
-          </a:solidFill>
-          <a:prstDash val="solid"/>
-          <a:miter lim="800000"/>
-        </a:ln>
-        <a:effectLst/>
-      </dsp:spPr>
-      <dsp:style>
-        <a:lnRef idx="2">
-          <a:scrgbClr r="0" g="0" b="0"/>
-        </a:lnRef>
-        <a:fillRef idx="1">
-          <a:scrgbClr r="0" g="0" b="0"/>
-        </a:fillRef>
-        <a:effectRef idx="0">
-          <a:scrgbClr r="0" g="0" b="0"/>
-        </a:effectRef>
-        <a:fontRef idx="minor">
-          <a:schemeClr val="lt1"/>
-        </a:fontRef>
-      </dsp:style>
-      <dsp:txBody>
-        <a:bodyPr spcFirstLastPara="0" vert="horz" wrap="square" lIns="10160" tIns="10160" rIns="10160" bIns="10160" numCol="1" spcCol="1270" anchor="ctr" anchorCtr="0">
-          <a:noAutofit/>
-        </a:bodyPr>
-        <a:lstStyle/>
-        <a:p>
-          <a:pPr lvl="0" algn="ctr" defTabSz="711200">
-            <a:lnSpc>
-              <a:spcPct val="90000"/>
-            </a:lnSpc>
-            <a:spcBef>
-              <a:spcPct val="0"/>
-            </a:spcBef>
-            <a:spcAft>
-              <a:spcPct val="35000"/>
-            </a:spcAft>
-          </a:pPr>
-          <a:r>
-            <a:rPr lang="en-US" altLang="zh-CN" sz="1600" kern="1200" dirty="0" smtClean="0">
-              <a:solidFill>
-                <a:srgbClr val="404040"/>
-              </a:solidFill>
-              <a:latin typeface="Arial" panose="020B0604020202020204" pitchFamily="34" charset="0"/>
-              <a:ea typeface="-apple-system"/>
-            </a:rPr>
-            <a:t>Custom Elements</a:t>
-          </a:r>
-          <a:endParaRPr lang="zh-CN" altLang="en-US" sz="1600" kern="1200" dirty="0"/>
-        </a:p>
-      </dsp:txBody>
-      <dsp:txXfrm>
-        <a:off x="22285" y="1409635"/>
-        <a:ext cx="1469870" cy="712760"/>
-      </dsp:txXfrm>
-    </dsp:sp>
-    <dsp:sp modelId="{BD228529-4367-4D2A-930C-46C6B3A9A0B7}">
-      <dsp:nvSpPr>
-        <dsp:cNvPr id="0" name=""/>
-        <dsp:cNvSpPr/>
-      </dsp:nvSpPr>
-      <dsp:spPr>
-        <a:xfrm rot="18289469">
-          <a:off x="1286859" y="1311385"/>
-          <a:ext cx="1060630" cy="38583"/>
-        </a:xfrm>
-        <a:custGeom>
-          <a:avLst/>
-          <a:gdLst/>
-          <a:ahLst/>
-          <a:cxnLst/>
-          <a:rect l="0" t="0" r="0" b="0"/>
-          <a:pathLst>
-            <a:path>
-              <a:moveTo>
-                <a:pt x="0" y="19291"/>
-              </a:moveTo>
-              <a:lnTo>
-                <a:pt x="1060630" y="19291"/>
-              </a:lnTo>
-            </a:path>
-          </a:pathLst>
-        </a:custGeom>
-        <a:noFill/>
-        <a:ln w="12700" cap="flat" cmpd="sng" algn="ctr">
-          <a:solidFill>
-            <a:schemeClr val="accent1">
-              <a:shade val="60000"/>
-              <a:hueOff val="0"/>
-              <a:satOff val="0"/>
-              <a:lumOff val="0"/>
-              <a:alphaOff val="0"/>
-            </a:schemeClr>
-          </a:solidFill>
-          <a:prstDash val="solid"/>
-          <a:miter lim="800000"/>
-        </a:ln>
-        <a:effectLst/>
-      </dsp:spPr>
-      <dsp:style>
-        <a:lnRef idx="2">
-          <a:scrgbClr r="0" g="0" b="0"/>
-        </a:lnRef>
-        <a:fillRef idx="0">
-          <a:scrgbClr r="0" g="0" b="0"/>
-        </a:fillRef>
-        <a:effectRef idx="0">
-          <a:scrgbClr r="0" g="0" b="0"/>
-        </a:effectRef>
-        <a:fontRef idx="minor"/>
-      </dsp:style>
-      <dsp:txBody>
-        <a:bodyPr spcFirstLastPara="0" vert="horz" wrap="square" lIns="12700" tIns="0" rIns="12700" bIns="0" numCol="1" spcCol="1270" anchor="ctr" anchorCtr="0">
-          <a:noAutofit/>
-        </a:bodyPr>
-        <a:lstStyle/>
-        <a:p>
-          <a:pPr lvl="0" algn="ctr" defTabSz="222250">
-            <a:lnSpc>
-              <a:spcPct val="90000"/>
-            </a:lnSpc>
-            <a:spcBef>
-              <a:spcPct val="0"/>
-            </a:spcBef>
-            <a:spcAft>
-              <a:spcPct val="35000"/>
-            </a:spcAft>
-          </a:pPr>
-          <a:endParaRPr lang="zh-CN" altLang="en-US" sz="500" kern="1200"/>
-        </a:p>
-      </dsp:txBody>
-      <dsp:txXfrm>
-        <a:off x="1790659" y="1304161"/>
-        <a:ext cx="53031" cy="53031"/>
-      </dsp:txXfrm>
-    </dsp:sp>
-    <dsp:sp modelId="{DF3DCC9B-419F-4E67-95FA-EDA26FA91A8F}">
-      <dsp:nvSpPr>
-        <dsp:cNvPr id="0" name=""/>
-        <dsp:cNvSpPr/>
-      </dsp:nvSpPr>
-      <dsp:spPr>
-        <a:xfrm>
-          <a:off x="2120019" y="516783"/>
-          <a:ext cx="1514220" cy="757110"/>
-        </a:xfrm>
-        <a:prstGeom prst="roundRect">
-          <a:avLst>
-            <a:gd name="adj" fmla="val 10000"/>
-          </a:avLst>
-        </a:prstGeom>
-        <a:solidFill>
-          <a:schemeClr val="accent1">
-            <a:hueOff val="0"/>
-            <a:satOff val="0"/>
-            <a:lumOff val="0"/>
-            <a:alphaOff val="0"/>
-          </a:schemeClr>
-        </a:solidFill>
-        <a:ln w="12700" cap="flat" cmpd="sng" algn="ctr">
-          <a:solidFill>
-            <a:schemeClr val="lt1">
-              <a:hueOff val="0"/>
-              <a:satOff val="0"/>
-              <a:lumOff val="0"/>
-              <a:alphaOff val="0"/>
-            </a:schemeClr>
-          </a:solidFill>
-          <a:prstDash val="solid"/>
-          <a:miter lim="800000"/>
-        </a:ln>
-        <a:effectLst/>
-      </dsp:spPr>
-      <dsp:style>
-        <a:lnRef idx="2">
-          <a:scrgbClr r="0" g="0" b="0"/>
-        </a:lnRef>
-        <a:fillRef idx="1">
-          <a:scrgbClr r="0" g="0" b="0"/>
-        </a:fillRef>
-        <a:effectRef idx="0">
-          <a:scrgbClr r="0" g="0" b="0"/>
-        </a:effectRef>
-        <a:fontRef idx="minor">
-          <a:schemeClr val="lt1"/>
-        </a:fontRef>
-      </dsp:style>
-      <dsp:txBody>
-        <a:bodyPr spcFirstLastPara="0" vert="horz" wrap="square" lIns="10160" tIns="10160" rIns="10160" bIns="10160" numCol="1" spcCol="1270" anchor="ctr" anchorCtr="0">
-          <a:noAutofit/>
-        </a:bodyPr>
-        <a:lstStyle/>
-        <a:p>
-          <a:pPr lvl="0" algn="ctr" defTabSz="711200">
-            <a:lnSpc>
-              <a:spcPct val="90000"/>
-            </a:lnSpc>
-            <a:spcBef>
-              <a:spcPct val="0"/>
-            </a:spcBef>
-            <a:spcAft>
-              <a:spcPct val="35000"/>
-            </a:spcAft>
-          </a:pPr>
-          <a:r>
-            <a:rPr lang="en-US" altLang="zh-CN" sz="1600" kern="1200" dirty="0" err="1" smtClean="0"/>
-            <a:t>HTMLElement</a:t>
-          </a:r>
-          <a:endParaRPr lang="zh-CN" altLang="en-US" sz="1600" kern="1200" dirty="0"/>
-        </a:p>
-      </dsp:txBody>
-      <dsp:txXfrm>
-        <a:off x="2142194" y="538958"/>
-        <a:ext cx="1469870" cy="712760"/>
-      </dsp:txXfrm>
-    </dsp:sp>
-    <dsp:sp modelId="{F8C36DA8-75C7-44B8-9A07-F9512D817F6A}">
-      <dsp:nvSpPr>
-        <dsp:cNvPr id="0" name=""/>
-        <dsp:cNvSpPr/>
-      </dsp:nvSpPr>
-      <dsp:spPr>
-        <a:xfrm>
-          <a:off x="1514330" y="1746723"/>
-          <a:ext cx="605688" cy="38583"/>
-        </a:xfrm>
-        <a:custGeom>
-          <a:avLst/>
-          <a:gdLst/>
-          <a:ahLst/>
-          <a:cxnLst/>
-          <a:rect l="0" t="0" r="0" b="0"/>
-          <a:pathLst>
-            <a:path>
-              <a:moveTo>
-                <a:pt x="0" y="19291"/>
-              </a:moveTo>
-              <a:lnTo>
-                <a:pt x="605688" y="19291"/>
-              </a:lnTo>
-            </a:path>
-          </a:pathLst>
-        </a:custGeom>
-        <a:noFill/>
-        <a:ln w="12700" cap="flat" cmpd="sng" algn="ctr">
-          <a:solidFill>
-            <a:schemeClr val="accent1">
-              <a:shade val="60000"/>
-              <a:hueOff val="0"/>
-              <a:satOff val="0"/>
-              <a:lumOff val="0"/>
-              <a:alphaOff val="0"/>
-            </a:schemeClr>
-          </a:solidFill>
-          <a:prstDash val="solid"/>
-          <a:miter lim="800000"/>
-        </a:ln>
-        <a:effectLst/>
-      </dsp:spPr>
-      <dsp:style>
-        <a:lnRef idx="2">
-          <a:scrgbClr r="0" g="0" b="0"/>
-        </a:lnRef>
-        <a:fillRef idx="0">
-          <a:scrgbClr r="0" g="0" b="0"/>
-        </a:fillRef>
-        <a:effectRef idx="0">
-          <a:scrgbClr r="0" g="0" b="0"/>
-        </a:effectRef>
-        <a:fontRef idx="minor"/>
-      </dsp:style>
-      <dsp:txBody>
-        <a:bodyPr spcFirstLastPara="0" vert="horz" wrap="square" lIns="12700" tIns="0" rIns="12700" bIns="0" numCol="1" spcCol="1270" anchor="ctr" anchorCtr="0">
-          <a:noAutofit/>
-        </a:bodyPr>
-        <a:lstStyle/>
-        <a:p>
-          <a:pPr lvl="0" algn="ctr" defTabSz="222250">
-            <a:lnSpc>
-              <a:spcPct val="90000"/>
-            </a:lnSpc>
-            <a:spcBef>
-              <a:spcPct val="0"/>
-            </a:spcBef>
-            <a:spcAft>
-              <a:spcPct val="35000"/>
-            </a:spcAft>
-          </a:pPr>
-          <a:endParaRPr lang="zh-CN" altLang="en-US" sz="500" kern="1200"/>
-        </a:p>
-      </dsp:txBody>
-      <dsp:txXfrm>
-        <a:off x="1802032" y="1750873"/>
-        <a:ext cx="30284" cy="30284"/>
-      </dsp:txXfrm>
-    </dsp:sp>
-    <dsp:sp modelId="{A41E3F7D-FA4D-41CF-8A41-E599E6AAAADB}">
-      <dsp:nvSpPr>
-        <dsp:cNvPr id="0" name=""/>
-        <dsp:cNvSpPr/>
-      </dsp:nvSpPr>
-      <dsp:spPr>
-        <a:xfrm>
-          <a:off x="2120019" y="1387460"/>
-          <a:ext cx="1514220" cy="757110"/>
-        </a:xfrm>
-        <a:prstGeom prst="roundRect">
-          <a:avLst>
-            <a:gd name="adj" fmla="val 10000"/>
-          </a:avLst>
-        </a:prstGeom>
-        <a:solidFill>
-          <a:schemeClr val="accent1">
-            <a:hueOff val="0"/>
-            <a:satOff val="0"/>
-            <a:lumOff val="0"/>
-            <a:alphaOff val="0"/>
-          </a:schemeClr>
-        </a:solidFill>
-        <a:ln w="12700" cap="flat" cmpd="sng" algn="ctr">
-          <a:solidFill>
-            <a:schemeClr val="lt1">
-              <a:hueOff val="0"/>
-              <a:satOff val="0"/>
-              <a:lumOff val="0"/>
-              <a:alphaOff val="0"/>
-            </a:schemeClr>
-          </a:solidFill>
-          <a:prstDash val="solid"/>
-          <a:miter lim="800000"/>
-        </a:ln>
-        <a:effectLst/>
-      </dsp:spPr>
-      <dsp:style>
-        <a:lnRef idx="2">
-          <a:scrgbClr r="0" g="0" b="0"/>
-        </a:lnRef>
-        <a:fillRef idx="1">
-          <a:scrgbClr r="0" g="0" b="0"/>
-        </a:fillRef>
-        <a:effectRef idx="0">
-          <a:scrgbClr r="0" g="0" b="0"/>
-        </a:effectRef>
-        <a:fontRef idx="minor">
-          <a:schemeClr val="lt1"/>
-        </a:fontRef>
-      </dsp:style>
-      <dsp:txBody>
-        <a:bodyPr spcFirstLastPara="0" vert="horz" wrap="square" lIns="10160" tIns="10160" rIns="10160" bIns="10160" numCol="1" spcCol="1270" anchor="ctr" anchorCtr="0">
-          <a:noAutofit/>
-        </a:bodyPr>
-        <a:lstStyle/>
-        <a:p>
-          <a:pPr lvl="0" algn="ctr" defTabSz="711200">
-            <a:lnSpc>
-              <a:spcPct val="90000"/>
-            </a:lnSpc>
-            <a:spcBef>
-              <a:spcPct val="0"/>
-            </a:spcBef>
-            <a:spcAft>
-              <a:spcPct val="35000"/>
-            </a:spcAft>
-          </a:pPr>
-          <a:r>
-            <a:rPr lang="en-US" altLang="zh-CN" sz="1600" kern="1200" dirty="0" err="1" smtClean="0"/>
-            <a:t>customElements</a:t>
-          </a:r>
-          <a:endParaRPr lang="zh-CN" altLang="en-US" sz="1600" kern="1200" dirty="0"/>
-        </a:p>
-      </dsp:txBody>
-      <dsp:txXfrm>
-        <a:off x="2142194" y="1409635"/>
-        <a:ext cx="1469870" cy="712760"/>
-      </dsp:txXfrm>
-    </dsp:sp>
-    <dsp:sp modelId="{1AD78B2E-2D99-4CD7-B50E-8B02DDD80302}">
-      <dsp:nvSpPr>
-        <dsp:cNvPr id="0" name=""/>
-        <dsp:cNvSpPr/>
-      </dsp:nvSpPr>
-      <dsp:spPr>
-        <a:xfrm rot="3310531">
-          <a:off x="1286859" y="2182061"/>
-          <a:ext cx="1060630" cy="38583"/>
-        </a:xfrm>
-        <a:custGeom>
-          <a:avLst/>
-          <a:gdLst/>
-          <a:ahLst/>
-          <a:cxnLst/>
-          <a:rect l="0" t="0" r="0" b="0"/>
-          <a:pathLst>
-            <a:path>
-              <a:moveTo>
-                <a:pt x="0" y="19291"/>
-              </a:moveTo>
-              <a:lnTo>
-                <a:pt x="1060630" y="19291"/>
-              </a:lnTo>
-            </a:path>
-          </a:pathLst>
-        </a:custGeom>
-        <a:noFill/>
-        <a:ln w="12700" cap="flat" cmpd="sng" algn="ctr">
-          <a:solidFill>
-            <a:schemeClr val="accent1">
-              <a:shade val="60000"/>
-              <a:hueOff val="0"/>
-              <a:satOff val="0"/>
-              <a:lumOff val="0"/>
-              <a:alphaOff val="0"/>
-            </a:schemeClr>
-          </a:solidFill>
-          <a:prstDash val="solid"/>
-          <a:miter lim="800000"/>
-        </a:ln>
-        <a:effectLst/>
-      </dsp:spPr>
-      <dsp:style>
-        <a:lnRef idx="2">
-          <a:scrgbClr r="0" g="0" b="0"/>
-        </a:lnRef>
-        <a:fillRef idx="0">
-          <a:scrgbClr r="0" g="0" b="0"/>
-        </a:fillRef>
-        <a:effectRef idx="0">
-          <a:scrgbClr r="0" g="0" b="0"/>
-        </a:effectRef>
-        <a:fontRef idx="minor"/>
-      </dsp:style>
-      <dsp:txBody>
-        <a:bodyPr spcFirstLastPara="0" vert="horz" wrap="square" lIns="12700" tIns="0" rIns="12700" bIns="0" numCol="1" spcCol="1270" anchor="ctr" anchorCtr="0">
-          <a:noAutofit/>
-        </a:bodyPr>
-        <a:lstStyle/>
-        <a:p>
-          <a:pPr lvl="0" algn="ctr" defTabSz="222250">
-            <a:lnSpc>
-              <a:spcPct val="90000"/>
-            </a:lnSpc>
-            <a:spcBef>
-              <a:spcPct val="0"/>
-            </a:spcBef>
-            <a:spcAft>
-              <a:spcPct val="35000"/>
-            </a:spcAft>
-          </a:pPr>
-          <a:endParaRPr lang="zh-CN" altLang="en-US" sz="500" kern="1200"/>
-        </a:p>
-      </dsp:txBody>
-      <dsp:txXfrm>
-        <a:off x="1790659" y="2174838"/>
-        <a:ext cx="53031" cy="53031"/>
-      </dsp:txXfrm>
-    </dsp:sp>
-    <dsp:sp modelId="{E19A0B7E-5174-4A07-BE49-C874D9FEBD02}">
-      <dsp:nvSpPr>
-        <dsp:cNvPr id="0" name=""/>
-        <dsp:cNvSpPr/>
-      </dsp:nvSpPr>
-      <dsp:spPr>
-        <a:xfrm>
-          <a:off x="2120019" y="2258137"/>
-          <a:ext cx="1514220" cy="757110"/>
-        </a:xfrm>
-        <a:prstGeom prst="roundRect">
-          <a:avLst>
-            <a:gd name="adj" fmla="val 10000"/>
-          </a:avLst>
-        </a:prstGeom>
-        <a:solidFill>
-          <a:schemeClr val="accent1">
-            <a:hueOff val="0"/>
-            <a:satOff val="0"/>
-            <a:lumOff val="0"/>
-            <a:alphaOff val="0"/>
-          </a:schemeClr>
-        </a:solidFill>
-        <a:ln w="12700" cap="flat" cmpd="sng" algn="ctr">
-          <a:solidFill>
-            <a:schemeClr val="lt1">
-              <a:hueOff val="0"/>
-              <a:satOff val="0"/>
-              <a:lumOff val="0"/>
-              <a:alphaOff val="0"/>
-            </a:schemeClr>
-          </a:solidFill>
-          <a:prstDash val="solid"/>
-          <a:miter lim="800000"/>
-        </a:ln>
-        <a:effectLst/>
-      </dsp:spPr>
-      <dsp:style>
-        <a:lnRef idx="2">
-          <a:scrgbClr r="0" g="0" b="0"/>
-        </a:lnRef>
-        <a:fillRef idx="1">
-          <a:scrgbClr r="0" g="0" b="0"/>
-        </a:fillRef>
-        <a:effectRef idx="0">
-          <a:scrgbClr r="0" g="0" b="0"/>
-        </a:effectRef>
-        <a:fontRef idx="minor">
-          <a:schemeClr val="lt1"/>
-        </a:fontRef>
-      </dsp:style>
-      <dsp:txBody>
-        <a:bodyPr spcFirstLastPara="0" vert="horz" wrap="square" lIns="10160" tIns="10160" rIns="10160" bIns="10160" numCol="1" spcCol="1270" anchor="ctr" anchorCtr="0">
-          <a:noAutofit/>
-        </a:bodyPr>
-        <a:lstStyle/>
-        <a:p>
-          <a:pPr lvl="0" algn="ctr" defTabSz="711200">
-            <a:lnSpc>
-              <a:spcPct val="90000"/>
-            </a:lnSpc>
-            <a:spcBef>
-              <a:spcPct val="0"/>
-            </a:spcBef>
-            <a:spcAft>
-              <a:spcPct val="35000"/>
-            </a:spcAft>
-          </a:pPr>
-          <a:r>
-            <a:rPr lang="en-US" altLang="zh-CN" sz="1600" kern="1200" dirty="0" smtClean="0"/>
-            <a:t>define(name, </a:t>
-          </a:r>
-          <a:r>
-            <a:rPr lang="en-US" altLang="zh-CN" sz="1600" kern="1200" dirty="0" err="1" smtClean="0"/>
-            <a:t>Ele</a:t>
-          </a:r>
-          <a:r>
-            <a:rPr lang="en-US" altLang="zh-CN" sz="1600" kern="1200" dirty="0" smtClean="0"/>
-            <a:t>)</a:t>
-          </a:r>
-          <a:endParaRPr lang="zh-CN" altLang="en-US" sz="1600" kern="1200" dirty="0"/>
-        </a:p>
-      </dsp:txBody>
-      <dsp:txXfrm>
-        <a:off x="2142194" y="2280312"/>
-        <a:ext cx="1469870" cy="712760"/>
-      </dsp:txXfrm>
-    </dsp:sp>
   </dsp:spTree>
 </dsp:drawing>
 </file>
@@ -6727,7 +6161,7 @@
           <a:p>
             <a:fld id="{96C0E108-500F-4D8B-B2AA-9A0592FD1777}" type="datetimeFigureOut">
               <a:rPr lang="zh-CN" altLang="en-US" smtClean="0"/>
-              <a:t>2022/6/21</a:t>
+              <a:t>2022/6/22</a:t>
             </a:fld>
             <a:endParaRPr lang="zh-CN" altLang="en-US"/>
           </a:p>
@@ -7228,7 +6662,7 @@
           <a:p>
             <a:fld id="{AB5A4311-4766-49D6-999F-2921BF181D74}" type="slidenum">
               <a:rPr lang="zh-CN" altLang="en-US" smtClean="0"/>
-              <a:t>18</a:t>
+              <a:t>21</a:t>
             </a:fld>
             <a:endParaRPr lang="zh-CN" altLang="en-US"/>
           </a:p>
@@ -7312,7 +6746,427 @@
           <a:p>
             <a:fld id="{AB5A4311-4766-49D6-999F-2921BF181D74}" type="slidenum">
               <a:rPr lang="zh-CN" altLang="en-US" smtClean="0"/>
-              <a:t>19</a:t>
+              <a:t>22</a:t>
+            </a:fld>
+            <a:endParaRPr lang="zh-CN" altLang="en-US"/>
+          </a:p>
+        </p:txBody>
+      </p:sp>
+    </p:spTree>
+    <p:extLst>
+      <p:ext uri="{BB962C8B-B14F-4D97-AF65-F5344CB8AC3E}">
+        <p14:creationId xmlns:p14="http://schemas.microsoft.com/office/powerpoint/2010/main" val="318465793"/>
+      </p:ext>
+    </p:extLst>
+  </p:cSld>
+  <p:clrMapOvr>
+    <a:masterClrMapping/>
+  </p:clrMapOvr>
+</p:notes>
+</file>
+
+<file path=ppt/notesSlides/notesSlide5.xml><?xml version="1.0" encoding="utf-8"?>
+<p:notes xmlns:a="http://schemas.openxmlformats.org/drawingml/2006/main" xmlns:r="http://schemas.openxmlformats.org/officeDocument/2006/relationships" xmlns:p="http://schemas.openxmlformats.org/presentationml/2006/main">
+  <p:cSld>
+    <p:spTree>
+      <p:nvGrpSpPr>
+        <p:cNvPr id="1" name=""/>
+        <p:cNvGrpSpPr/>
+        <p:nvPr/>
+      </p:nvGrpSpPr>
+      <p:grpSpPr>
+        <a:xfrm>
+          <a:off x="0" y="0"/>
+          <a:ext cx="0" cy="0"/>
+          <a:chOff x="0" y="0"/>
+          <a:chExt cx="0" cy="0"/>
+        </a:xfrm>
+      </p:grpSpPr>
+      <p:sp>
+        <p:nvSpPr>
+          <p:cNvPr id="2" name="幻灯片图像占位符 1"/>
+          <p:cNvSpPr>
+            <a:spLocks noGrp="1" noRot="1" noChangeAspect="1"/>
+          </p:cNvSpPr>
+          <p:nvPr>
+            <p:ph type="sldImg"/>
+          </p:nvPr>
+        </p:nvSpPr>
+        <p:spPr/>
+      </p:sp>
+      <p:sp>
+        <p:nvSpPr>
+          <p:cNvPr id="3" name="备注占位符 2"/>
+          <p:cNvSpPr>
+            <a:spLocks noGrp="1"/>
+          </p:cNvSpPr>
+          <p:nvPr>
+            <p:ph type="body" idx="1"/>
+          </p:nvPr>
+        </p:nvSpPr>
+        <p:spPr/>
+        <p:txBody>
+          <a:bodyPr/>
+          <a:lstStyle/>
+          <a:p>
+            <a:endParaRPr lang="zh-CN" altLang="en-US" dirty="0"/>
+          </a:p>
+        </p:txBody>
+      </p:sp>
+      <p:sp>
+        <p:nvSpPr>
+          <p:cNvPr id="4" name="灯片编号占位符 3"/>
+          <p:cNvSpPr>
+            <a:spLocks noGrp="1"/>
+          </p:cNvSpPr>
+          <p:nvPr>
+            <p:ph type="sldNum" sz="quarter" idx="10"/>
+          </p:nvPr>
+        </p:nvSpPr>
+        <p:spPr/>
+        <p:txBody>
+          <a:bodyPr/>
+          <a:lstStyle/>
+          <a:p>
+            <a:fld id="{AB5A4311-4766-49D6-999F-2921BF181D74}" type="slidenum">
+              <a:rPr lang="zh-CN" altLang="en-US" smtClean="0"/>
+              <a:t>23</a:t>
+            </a:fld>
+            <a:endParaRPr lang="zh-CN" altLang="en-US"/>
+          </a:p>
+        </p:txBody>
+      </p:sp>
+    </p:spTree>
+    <p:extLst>
+      <p:ext uri="{BB962C8B-B14F-4D97-AF65-F5344CB8AC3E}">
+        <p14:creationId xmlns:p14="http://schemas.microsoft.com/office/powerpoint/2010/main" val="2630450121"/>
+      </p:ext>
+    </p:extLst>
+  </p:cSld>
+  <p:clrMapOvr>
+    <a:masterClrMapping/>
+  </p:clrMapOvr>
+</p:notes>
+</file>
+
+<file path=ppt/notesSlides/notesSlide6.xml><?xml version="1.0" encoding="utf-8"?>
+<p:notes xmlns:a="http://schemas.openxmlformats.org/drawingml/2006/main" xmlns:r="http://schemas.openxmlformats.org/officeDocument/2006/relationships" xmlns:p="http://schemas.openxmlformats.org/presentationml/2006/main">
+  <p:cSld>
+    <p:spTree>
+      <p:nvGrpSpPr>
+        <p:cNvPr id="1" name=""/>
+        <p:cNvGrpSpPr/>
+        <p:nvPr/>
+      </p:nvGrpSpPr>
+      <p:grpSpPr>
+        <a:xfrm>
+          <a:off x="0" y="0"/>
+          <a:ext cx="0" cy="0"/>
+          <a:chOff x="0" y="0"/>
+          <a:chExt cx="0" cy="0"/>
+        </a:xfrm>
+      </p:grpSpPr>
+      <p:sp>
+        <p:nvSpPr>
+          <p:cNvPr id="2" name="幻灯片图像占位符 1"/>
+          <p:cNvSpPr>
+            <a:spLocks noGrp="1" noRot="1" noChangeAspect="1"/>
+          </p:cNvSpPr>
+          <p:nvPr>
+            <p:ph type="sldImg"/>
+          </p:nvPr>
+        </p:nvSpPr>
+        <p:spPr/>
+      </p:sp>
+      <p:sp>
+        <p:nvSpPr>
+          <p:cNvPr id="3" name="备注占位符 2"/>
+          <p:cNvSpPr>
+            <a:spLocks noGrp="1"/>
+          </p:cNvSpPr>
+          <p:nvPr>
+            <p:ph type="body" idx="1"/>
+          </p:nvPr>
+        </p:nvSpPr>
+        <p:spPr/>
+        <p:txBody>
+          <a:bodyPr/>
+          <a:lstStyle/>
+          <a:p>
+            <a:endParaRPr lang="zh-CN" altLang="en-US" dirty="0"/>
+          </a:p>
+        </p:txBody>
+      </p:sp>
+      <p:sp>
+        <p:nvSpPr>
+          <p:cNvPr id="4" name="灯片编号占位符 3"/>
+          <p:cNvSpPr>
+            <a:spLocks noGrp="1"/>
+          </p:cNvSpPr>
+          <p:nvPr>
+            <p:ph type="sldNum" sz="quarter" idx="10"/>
+          </p:nvPr>
+        </p:nvSpPr>
+        <p:spPr/>
+        <p:txBody>
+          <a:bodyPr/>
+          <a:lstStyle/>
+          <a:p>
+            <a:fld id="{AB5A4311-4766-49D6-999F-2921BF181D74}" type="slidenum">
+              <a:rPr lang="zh-CN" altLang="en-US" smtClean="0"/>
+              <a:t>24</a:t>
+            </a:fld>
+            <a:endParaRPr lang="zh-CN" altLang="en-US"/>
+          </a:p>
+        </p:txBody>
+      </p:sp>
+    </p:spTree>
+    <p:extLst>
+      <p:ext uri="{BB962C8B-B14F-4D97-AF65-F5344CB8AC3E}">
+        <p14:creationId xmlns:p14="http://schemas.microsoft.com/office/powerpoint/2010/main" val="288519600"/>
+      </p:ext>
+    </p:extLst>
+  </p:cSld>
+  <p:clrMapOvr>
+    <a:masterClrMapping/>
+  </p:clrMapOvr>
+</p:notes>
+</file>
+
+<file path=ppt/notesSlides/notesSlide7.xml><?xml version="1.0" encoding="utf-8"?>
+<p:notes xmlns:a="http://schemas.openxmlformats.org/drawingml/2006/main" xmlns:r="http://schemas.openxmlformats.org/officeDocument/2006/relationships" xmlns:p="http://schemas.openxmlformats.org/presentationml/2006/main">
+  <p:cSld>
+    <p:spTree>
+      <p:nvGrpSpPr>
+        <p:cNvPr id="1" name=""/>
+        <p:cNvGrpSpPr/>
+        <p:nvPr/>
+      </p:nvGrpSpPr>
+      <p:grpSpPr>
+        <a:xfrm>
+          <a:off x="0" y="0"/>
+          <a:ext cx="0" cy="0"/>
+          <a:chOff x="0" y="0"/>
+          <a:chExt cx="0" cy="0"/>
+        </a:xfrm>
+      </p:grpSpPr>
+      <p:sp>
+        <p:nvSpPr>
+          <p:cNvPr id="2" name="幻灯片图像占位符 1"/>
+          <p:cNvSpPr>
+            <a:spLocks noGrp="1" noRot="1" noChangeAspect="1"/>
+          </p:cNvSpPr>
+          <p:nvPr>
+            <p:ph type="sldImg"/>
+          </p:nvPr>
+        </p:nvSpPr>
+        <p:spPr/>
+      </p:sp>
+      <p:sp>
+        <p:nvSpPr>
+          <p:cNvPr id="3" name="备注占位符 2"/>
+          <p:cNvSpPr>
+            <a:spLocks noGrp="1"/>
+          </p:cNvSpPr>
+          <p:nvPr>
+            <p:ph type="body" idx="1"/>
+          </p:nvPr>
+        </p:nvSpPr>
+        <p:spPr/>
+        <p:txBody>
+          <a:bodyPr/>
+          <a:lstStyle/>
+          <a:p>
+            <a:endParaRPr lang="zh-CN" altLang="en-US" dirty="0"/>
+          </a:p>
+        </p:txBody>
+      </p:sp>
+      <p:sp>
+        <p:nvSpPr>
+          <p:cNvPr id="4" name="灯片编号占位符 3"/>
+          <p:cNvSpPr>
+            <a:spLocks noGrp="1"/>
+          </p:cNvSpPr>
+          <p:nvPr>
+            <p:ph type="sldNum" sz="quarter" idx="10"/>
+          </p:nvPr>
+        </p:nvSpPr>
+        <p:spPr/>
+        <p:txBody>
+          <a:bodyPr/>
+          <a:lstStyle/>
+          <a:p>
+            <a:fld id="{AB5A4311-4766-49D6-999F-2921BF181D74}" type="slidenum">
+              <a:rPr lang="zh-CN" altLang="en-US" smtClean="0"/>
+              <a:t>25</a:t>
+            </a:fld>
+            <a:endParaRPr lang="zh-CN" altLang="en-US"/>
+          </a:p>
+        </p:txBody>
+      </p:sp>
+    </p:spTree>
+    <p:extLst>
+      <p:ext uri="{BB962C8B-B14F-4D97-AF65-F5344CB8AC3E}">
+        <p14:creationId xmlns:p14="http://schemas.microsoft.com/office/powerpoint/2010/main" val="702176263"/>
+      </p:ext>
+    </p:extLst>
+  </p:cSld>
+  <p:clrMapOvr>
+    <a:masterClrMapping/>
+  </p:clrMapOvr>
+</p:notes>
+</file>
+
+<file path=ppt/notesSlides/notesSlide8.xml><?xml version="1.0" encoding="utf-8"?>
+<p:notes xmlns:a="http://schemas.openxmlformats.org/drawingml/2006/main" xmlns:r="http://schemas.openxmlformats.org/officeDocument/2006/relationships" xmlns:p="http://schemas.openxmlformats.org/presentationml/2006/main">
+  <p:cSld>
+    <p:spTree>
+      <p:nvGrpSpPr>
+        <p:cNvPr id="1" name=""/>
+        <p:cNvGrpSpPr/>
+        <p:nvPr/>
+      </p:nvGrpSpPr>
+      <p:grpSpPr>
+        <a:xfrm>
+          <a:off x="0" y="0"/>
+          <a:ext cx="0" cy="0"/>
+          <a:chOff x="0" y="0"/>
+          <a:chExt cx="0" cy="0"/>
+        </a:xfrm>
+      </p:grpSpPr>
+      <p:sp>
+        <p:nvSpPr>
+          <p:cNvPr id="2" name="幻灯片图像占位符 1"/>
+          <p:cNvSpPr>
+            <a:spLocks noGrp="1" noRot="1" noChangeAspect="1"/>
+          </p:cNvSpPr>
+          <p:nvPr>
+            <p:ph type="sldImg"/>
+          </p:nvPr>
+        </p:nvSpPr>
+        <p:spPr/>
+      </p:sp>
+      <p:sp>
+        <p:nvSpPr>
+          <p:cNvPr id="3" name="备注占位符 2"/>
+          <p:cNvSpPr>
+            <a:spLocks noGrp="1"/>
+          </p:cNvSpPr>
+          <p:nvPr>
+            <p:ph type="body" idx="1"/>
+          </p:nvPr>
+        </p:nvSpPr>
+        <p:spPr/>
+        <p:txBody>
+          <a:bodyPr/>
+          <a:lstStyle/>
+          <a:p>
+            <a:endParaRPr lang="zh-CN" altLang="en-US" dirty="0"/>
+          </a:p>
+        </p:txBody>
+      </p:sp>
+      <p:sp>
+        <p:nvSpPr>
+          <p:cNvPr id="4" name="灯片编号占位符 3"/>
+          <p:cNvSpPr>
+            <a:spLocks noGrp="1"/>
+          </p:cNvSpPr>
+          <p:nvPr>
+            <p:ph type="sldNum" sz="quarter" idx="10"/>
+          </p:nvPr>
+        </p:nvSpPr>
+        <p:spPr/>
+        <p:txBody>
+          <a:bodyPr/>
+          <a:lstStyle/>
+          <a:p>
+            <a:fld id="{AB5A4311-4766-49D6-999F-2921BF181D74}" type="slidenum">
+              <a:rPr lang="zh-CN" altLang="en-US" smtClean="0"/>
+              <a:t>26</a:t>
+            </a:fld>
+            <a:endParaRPr lang="zh-CN" altLang="en-US"/>
+          </a:p>
+        </p:txBody>
+      </p:sp>
+    </p:spTree>
+    <p:extLst>
+      <p:ext uri="{BB962C8B-B14F-4D97-AF65-F5344CB8AC3E}">
+        <p14:creationId xmlns:p14="http://schemas.microsoft.com/office/powerpoint/2010/main" val="928262102"/>
+      </p:ext>
+    </p:extLst>
+  </p:cSld>
+  <p:clrMapOvr>
+    <a:masterClrMapping/>
+  </p:clrMapOvr>
+</p:notes>
+</file>
+
+<file path=ppt/notesSlides/notesSlide9.xml><?xml version="1.0" encoding="utf-8"?>
+<p:notes xmlns:a="http://schemas.openxmlformats.org/drawingml/2006/main" xmlns:r="http://schemas.openxmlformats.org/officeDocument/2006/relationships" xmlns:p="http://schemas.openxmlformats.org/presentationml/2006/main">
+  <p:cSld>
+    <p:spTree>
+      <p:nvGrpSpPr>
+        <p:cNvPr id="1" name=""/>
+        <p:cNvGrpSpPr/>
+        <p:nvPr/>
+      </p:nvGrpSpPr>
+      <p:grpSpPr>
+        <a:xfrm>
+          <a:off x="0" y="0"/>
+          <a:ext cx="0" cy="0"/>
+          <a:chOff x="0" y="0"/>
+          <a:chExt cx="0" cy="0"/>
+        </a:xfrm>
+      </p:grpSpPr>
+      <p:sp>
+        <p:nvSpPr>
+          <p:cNvPr id="2" name="幻灯片图像占位符 1"/>
+          <p:cNvSpPr>
+            <a:spLocks noGrp="1" noRot="1" noChangeAspect="1"/>
+          </p:cNvSpPr>
+          <p:nvPr>
+            <p:ph type="sldImg"/>
+          </p:nvPr>
+        </p:nvSpPr>
+        <p:spPr/>
+      </p:sp>
+      <p:sp>
+        <p:nvSpPr>
+          <p:cNvPr id="3" name="备注占位符 2"/>
+          <p:cNvSpPr>
+            <a:spLocks noGrp="1"/>
+          </p:cNvSpPr>
+          <p:nvPr>
+            <p:ph type="body" idx="1"/>
+          </p:nvPr>
+        </p:nvSpPr>
+        <p:spPr/>
+        <p:txBody>
+          <a:bodyPr/>
+          <a:lstStyle/>
+          <a:p>
+            <a:endParaRPr lang="zh-CN" altLang="en-US" dirty="0"/>
+          </a:p>
+        </p:txBody>
+      </p:sp>
+      <p:sp>
+        <p:nvSpPr>
+          <p:cNvPr id="4" name="灯片编号占位符 3"/>
+          <p:cNvSpPr>
+            <a:spLocks noGrp="1"/>
+          </p:cNvSpPr>
+          <p:nvPr>
+            <p:ph type="sldNum" sz="quarter" idx="10"/>
+          </p:nvPr>
+        </p:nvSpPr>
+        <p:spPr/>
+        <p:txBody>
+          <a:bodyPr/>
+          <a:lstStyle/>
+          <a:p>
+            <a:fld id="{AB5A4311-4766-49D6-999F-2921BF181D74}" type="slidenum">
+              <a:rPr lang="zh-CN" altLang="en-US" smtClean="0"/>
+              <a:t>27</a:t>
             </a:fld>
             <a:endParaRPr lang="zh-CN" altLang="en-US"/>
           </a:p>
@@ -7462,7 +7316,7 @@
           <a:p>
             <a:fld id="{AFB21ECB-9A5A-440D-B541-31DBC5A5CD6B}" type="datetimeFigureOut">
               <a:rPr lang="zh-CN" altLang="en-US" smtClean="0"/>
-              <a:t>2022/6/21</a:t>
+              <a:t>2022/6/22</a:t>
             </a:fld>
             <a:endParaRPr lang="zh-CN" altLang="en-US"/>
           </a:p>
@@ -7632,7 +7486,7 @@
           <a:p>
             <a:fld id="{AFB21ECB-9A5A-440D-B541-31DBC5A5CD6B}" type="datetimeFigureOut">
               <a:rPr lang="zh-CN" altLang="en-US" smtClean="0"/>
-              <a:t>2022/6/21</a:t>
+              <a:t>2022/6/22</a:t>
             </a:fld>
             <a:endParaRPr lang="zh-CN" altLang="en-US"/>
           </a:p>
@@ -7812,7 +7666,7 @@
           <a:p>
             <a:fld id="{AFB21ECB-9A5A-440D-B541-31DBC5A5CD6B}" type="datetimeFigureOut">
               <a:rPr lang="zh-CN" altLang="en-US" smtClean="0"/>
-              <a:t>2022/6/21</a:t>
+              <a:t>2022/6/22</a:t>
             </a:fld>
             <a:endParaRPr lang="zh-CN" altLang="en-US"/>
           </a:p>
@@ -8195,7 +8049,7 @@
           <a:p>
             <a:fld id="{AFB21ECB-9A5A-440D-B541-31DBC5A5CD6B}" type="datetimeFigureOut">
               <a:rPr lang="zh-CN" altLang="en-US" smtClean="0"/>
-              <a:t>2022/6/21</a:t>
+              <a:t>2022/6/22</a:t>
             </a:fld>
             <a:endParaRPr lang="zh-CN" altLang="en-US"/>
           </a:p>
@@ -8441,7 +8295,7 @@
           <a:p>
             <a:fld id="{AFB21ECB-9A5A-440D-B541-31DBC5A5CD6B}" type="datetimeFigureOut">
               <a:rPr lang="zh-CN" altLang="en-US" smtClean="0"/>
-              <a:t>2022/6/21</a:t>
+              <a:t>2022/6/22</a:t>
             </a:fld>
             <a:endParaRPr lang="zh-CN" altLang="en-US"/>
           </a:p>
@@ -8673,7 +8527,7 @@
           <a:p>
             <a:fld id="{AFB21ECB-9A5A-440D-B541-31DBC5A5CD6B}" type="datetimeFigureOut">
               <a:rPr lang="zh-CN" altLang="en-US" smtClean="0"/>
-              <a:t>2022/6/21</a:t>
+              <a:t>2022/6/22</a:t>
             </a:fld>
             <a:endParaRPr lang="zh-CN" altLang="en-US"/>
           </a:p>
@@ -9040,7 +8894,7 @@
           <a:p>
             <a:fld id="{AFB21ECB-9A5A-440D-B541-31DBC5A5CD6B}" type="datetimeFigureOut">
               <a:rPr lang="zh-CN" altLang="en-US" smtClean="0"/>
-              <a:t>2022/6/21</a:t>
+              <a:t>2022/6/22</a:t>
             </a:fld>
             <a:endParaRPr lang="zh-CN" altLang="en-US"/>
           </a:p>
@@ -9158,7 +9012,7 @@
           <a:p>
             <a:fld id="{AFB21ECB-9A5A-440D-B541-31DBC5A5CD6B}" type="datetimeFigureOut">
               <a:rPr lang="zh-CN" altLang="en-US" smtClean="0"/>
-              <a:t>2022/6/21</a:t>
+              <a:t>2022/6/22</a:t>
             </a:fld>
             <a:endParaRPr lang="zh-CN" altLang="en-US"/>
           </a:p>
@@ -9253,7 +9107,7 @@
           <a:p>
             <a:fld id="{AFB21ECB-9A5A-440D-B541-31DBC5A5CD6B}" type="datetimeFigureOut">
               <a:rPr lang="zh-CN" altLang="en-US" smtClean="0"/>
-              <a:t>2022/6/21</a:t>
+              <a:t>2022/6/22</a:t>
             </a:fld>
             <a:endParaRPr lang="zh-CN" altLang="en-US"/>
           </a:p>
@@ -9530,7 +9384,7 @@
           <a:p>
             <a:fld id="{AFB21ECB-9A5A-440D-B541-31DBC5A5CD6B}" type="datetimeFigureOut">
               <a:rPr lang="zh-CN" altLang="en-US" smtClean="0"/>
-              <a:t>2022/6/21</a:t>
+              <a:t>2022/6/22</a:t>
             </a:fld>
             <a:endParaRPr lang="zh-CN" altLang="en-US"/>
           </a:p>
@@ -9787,7 +9641,7 @@
           <a:p>
             <a:fld id="{AFB21ECB-9A5A-440D-B541-31DBC5A5CD6B}" type="datetimeFigureOut">
               <a:rPr lang="zh-CN" altLang="en-US" smtClean="0"/>
-              <a:t>2022/6/21</a:t>
+              <a:t>2022/6/22</a:t>
             </a:fld>
             <a:endParaRPr lang="zh-CN" altLang="en-US"/>
           </a:p>
@@ -10000,7 +9854,7 @@
           <a:p>
             <a:fld id="{AFB21ECB-9A5A-440D-B541-31DBC5A5CD6B}" type="datetimeFigureOut">
               <a:rPr lang="zh-CN" altLang="en-US" smtClean="0"/>
-              <a:t>2022/6/21</a:t>
+              <a:t>2022/6/22</a:t>
             </a:fld>
             <a:endParaRPr lang="zh-CN" altLang="en-US"/>
           </a:p>
@@ -11932,6 +11786,30 @@
           </a:p>
         </p:txBody>
       </p:sp>
+      <p:pic>
+        <p:nvPicPr>
+          <p:cNvPr id="3" name="图片 2"/>
+          <p:cNvPicPr>
+            <a:picLocks noChangeAspect="1"/>
+          </p:cNvPicPr>
+          <p:nvPr/>
+        </p:nvPicPr>
+        <p:blipFill>
+          <a:blip r:embed="rId4"/>
+          <a:stretch>
+            <a:fillRect/>
+          </a:stretch>
+        </p:blipFill>
+        <p:spPr>
+          <a:xfrm>
+            <a:off x="1235470" y="5525487"/>
+            <a:ext cx="2316596" cy="1281522"/>
+          </a:xfrm>
+          <a:prstGeom prst="rect">
+            <a:avLst/>
+          </a:prstGeom>
+        </p:spPr>
+      </p:pic>
     </p:spTree>
     <p:extLst>
       <p:ext uri="{BB962C8B-B14F-4D97-AF65-F5344CB8AC3E}">
@@ -12068,7 +11946,7 @@
         <p:spPr>
           <a:xfrm>
             <a:off x="492726" y="1460210"/>
-            <a:ext cx="4554837" cy="461665"/>
+            <a:ext cx="8710654" cy="461665"/>
           </a:xfrm>
           <a:prstGeom prst="rect">
             <a:avLst/>
@@ -12095,7 +11973,19 @@
             </a:r>
             <a:r>
               <a:rPr lang="zh-CN" altLang="en-US" sz="2400" dirty="0" smtClean="0"/>
-              <a:t>子文档树</a:t>
+              <a:t>子文档</a:t>
+            </a:r>
+            <a:r>
+              <a:rPr lang="zh-CN" altLang="en-US" sz="2400" dirty="0" smtClean="0"/>
+              <a:t>树，最常用的场景</a:t>
+            </a:r>
+            <a:r>
+              <a:rPr lang="en-US" altLang="zh-CN" sz="2400" dirty="0" smtClean="0"/>
+              <a:t>&lt;video&gt;</a:t>
+            </a:r>
+            <a:r>
+              <a:rPr lang="en-US" altLang="zh-CN" sz="2400" dirty="0"/>
+              <a:t>controls</a:t>
             </a:r>
             <a:endParaRPr lang="en-US" altLang="zh-CN" sz="2400" dirty="0" smtClean="0"/>
           </a:p>
@@ -12276,46 +12166,63 @@
           <a:chExt cx="0" cy="0"/>
         </a:xfrm>
       </p:grpSpPr>
-      <p:sp>
-        <p:nvSpPr>
-          <p:cNvPr id="2" name="标题 1"/>
+      <p:pic>
+        <p:nvPicPr>
+          <p:cNvPr id="9" name="图片 8"/>
+          <p:cNvPicPr>
+            <a:picLocks noChangeAspect="1"/>
+          </p:cNvPicPr>
+          <p:nvPr/>
+        </p:nvPicPr>
+        <p:blipFill>
+          <a:blip r:embed="rId2"/>
+          <a:stretch>
+            <a:fillRect/>
+          </a:stretch>
+        </p:blipFill>
+        <p:spPr>
+          <a:xfrm>
+            <a:off x="320641" y="1734751"/>
+            <a:ext cx="9105900" cy="4752975"/>
+          </a:xfrm>
+          <a:prstGeom prst="rect">
+            <a:avLst/>
+          </a:prstGeom>
+        </p:spPr>
+      </p:pic>
+      <p:sp>
+        <p:nvSpPr>
+          <p:cNvPr id="2" name="页脚占位符 1"/>
           <p:cNvSpPr>
             <a:spLocks noGrp="1"/>
           </p:cNvSpPr>
           <p:nvPr>
-            <p:ph type="title"/>
+            <p:ph type="ftr" sz="quarter" idx="3"/>
           </p:nvPr>
         </p:nvSpPr>
-        <p:spPr>
-          <a:xfrm>
-            <a:off x="526236" y="2065752"/>
-            <a:ext cx="6755969" cy="366632"/>
-          </a:xfrm>
-        </p:spPr>
-        <p:txBody>
-          <a:bodyPr>
-            <a:normAutofit/>
-          </a:bodyPr>
+        <p:spPr/>
+        <p:txBody>
+          <a:bodyPr/>
           <a:lstStyle/>
           <a:p>
-            <a:r>
-              <a:rPr kumimoji="1" lang="zh-CN" altLang="en-US" sz="2000" dirty="0" smtClean="0"/>
-              <a:t>相关拓展</a:t>
-            </a:r>
-            <a:endParaRPr kumimoji="1" lang="zh-CN" altLang="en-US" sz="2000" dirty="0"/>
-          </a:p>
-        </p:txBody>
-      </p:sp>
-      <p:sp>
-        <p:nvSpPr>
-          <p:cNvPr id="33" name="文本框 32"/>
+            <a:fld id="{96727D3B-1B81-5549-9B2F-B47ED2EA5FA0}" type="slidenum">
+              <a:rPr kumimoji="1" lang="en-US" altLang="zh-CN" smtClean="0"/>
+              <a:t>18</a:t>
+            </a:fld>
+            <a:endParaRPr kumimoji="1" lang="zh-CN" altLang="en-US" dirty="0"/>
+          </a:p>
+        </p:txBody>
+      </p:sp>
+      <p:sp>
+        <p:nvSpPr>
+          <p:cNvPr id="6" name="文本框 5"/>
           <p:cNvSpPr txBox="1"/>
           <p:nvPr/>
         </p:nvSpPr>
         <p:spPr>
           <a:xfrm>
             <a:off x="92365" y="184666"/>
-            <a:ext cx="1497526" cy="584775"/>
+            <a:ext cx="11748152" cy="584775"/>
           </a:xfrm>
           <a:prstGeom prst="rect">
             <a:avLst/>
@@ -12328,6 +12235,29 @@
           </a:bodyPr>
           <a:lstStyle/>
           <a:p>
+            <a:r>
+              <a:rPr lang="en-US" altLang="zh-CN" sz="3200" b="1" dirty="0" smtClean="0">
+                <a:solidFill>
+                  <a:srgbClr val="3D68BF"/>
+                </a:solidFill>
+                <a:latin typeface="Microsoft YaHei" panose="020B0503020204020204" pitchFamily="34" charset="-122"/>
+                <a:ea typeface="Microsoft YaHei" panose="020B0503020204020204" pitchFamily="34" charset="-122"/>
+                <a:cs typeface="Arial" panose="020B0604020202090204" pitchFamily="34" charset="0"/>
+                <a:sym typeface="+mn-ea"/>
+              </a:rPr>
+              <a:t>3. </a:t>
+            </a:r>
+            <a:r>
+              <a:rPr lang="en-US" altLang="zh-CN" sz="3200" b="1" dirty="0">
+                <a:solidFill>
+                  <a:srgbClr val="3D68BF"/>
+                </a:solidFill>
+                <a:latin typeface="Microsoft YaHei" panose="020B0503020204020204" pitchFamily="34" charset="-122"/>
+                <a:ea typeface="Microsoft YaHei" panose="020B0503020204020204" pitchFamily="34" charset="-122"/>
+                <a:cs typeface="Arial" panose="020B0604020202090204" pitchFamily="34" charset="0"/>
+              </a:rPr>
+              <a:t>Custom </a:t>
+            </a:r>
             <a:r>
               <a:rPr lang="en-US" altLang="zh-CN" sz="3200" b="1" dirty="0" smtClean="0">
                 <a:solidFill>
@@ -12337,18 +12267,7 @@
                 <a:ea typeface="Microsoft YaHei" panose="020B0503020204020204" pitchFamily="34" charset="-122"/>
                 <a:cs typeface="Arial" panose="020B0604020202090204" pitchFamily="34" charset="0"/>
               </a:rPr>
-              <a:t>4. </a:t>
-            </a:r>
-            <a:r>
-              <a:rPr lang="zh-CN" altLang="en-US" sz="3200" b="1" dirty="0" smtClean="0">
-                <a:solidFill>
-                  <a:srgbClr val="3D68BF"/>
-                </a:solidFill>
-                <a:latin typeface="Microsoft YaHei" panose="020B0503020204020204" pitchFamily="34" charset="-122"/>
-                <a:ea typeface="Microsoft YaHei" panose="020B0503020204020204" pitchFamily="34" charset="-122"/>
-                <a:cs typeface="Arial" panose="020B0604020202090204" pitchFamily="34" charset="0"/>
-              </a:rPr>
-              <a:t>拓展</a:t>
+              <a:t>Elements &amp; Shadow DOM &amp; HTML templates</a:t>
             </a:r>
             <a:endParaRPr lang="en-US" altLang="zh-CN" sz="3200" b="1" dirty="0">
               <a:solidFill>
@@ -12363,14 +12282,14 @@
       </p:sp>
       <p:sp>
         <p:nvSpPr>
-          <p:cNvPr id="4" name="文本框 3"/>
+          <p:cNvPr id="8" name="文本框 7"/>
           <p:cNvSpPr txBox="1"/>
           <p:nvPr/>
         </p:nvSpPr>
         <p:spPr>
           <a:xfrm>
-            <a:off x="1241659" y="3253339"/>
-            <a:ext cx="9212265" cy="923330"/>
+            <a:off x="320641" y="1123326"/>
+            <a:ext cx="6433556" cy="461665"/>
           </a:xfrm>
           <a:prstGeom prst="rect">
             <a:avLst/>
@@ -12384,76 +12303,71 @@
           <a:lstStyle/>
           <a:p>
             <a:r>
-              <a:rPr lang="en-US" altLang="zh-CN" dirty="0" err="1" smtClean="0"/>
-              <a:t>Webcomponentsjs</a:t>
-            </a:r>
-            <a:r>
-              <a:rPr lang="en-US" altLang="zh-CN" dirty="0" smtClean="0"/>
-              <a:t>: </a:t>
-            </a:r>
-            <a:r>
-              <a:rPr lang="zh-CN" altLang="en-US" dirty="0" smtClean="0"/>
-              <a:t>提供一系列</a:t>
-            </a:r>
-            <a:r>
-              <a:rPr lang="en-US" altLang="zh-CN" dirty="0" err="1"/>
-              <a:t>Polyfill</a:t>
-            </a:r>
-            <a:r>
-              <a:rPr lang="en-US" altLang="zh-CN" dirty="0"/>
-              <a:t>(https://github.com/webcomponents/webcomponentsjs)</a:t>
-            </a:r>
-          </a:p>
-          <a:p>
-            <a:r>
-              <a:rPr lang="en-US" altLang="zh-CN" dirty="0" smtClean="0"/>
-              <a:t>Polymer: </a:t>
-            </a:r>
-            <a:r>
-              <a:rPr lang="zh-CN" altLang="en-US" dirty="0" smtClean="0"/>
-              <a:t>轻量框架</a:t>
-            </a:r>
-            <a:r>
-              <a:rPr lang="en-US" altLang="zh-CN" dirty="0"/>
-              <a:t>https://github.com/Polymer/polymer</a:t>
-            </a:r>
-            <a:endParaRPr lang="en-US" altLang="zh-CN" dirty="0" smtClean="0"/>
-          </a:p>
-          <a:p>
-            <a:r>
-              <a:rPr lang="en-US" altLang="zh-CN" dirty="0" smtClean="0"/>
-              <a:t>Web components like</a:t>
-            </a:r>
-            <a:r>
-              <a:rPr lang="zh-CN" altLang="en-US" dirty="0" smtClean="0"/>
-              <a:t>框架</a:t>
-            </a:r>
-            <a:r>
-              <a:rPr lang="en-US" altLang="zh-CN" dirty="0"/>
-              <a:t>: Aurelia, React(https://reactjs.org/docs/react-component.html), </a:t>
-            </a:r>
-            <a:endParaRPr lang="en-US" altLang="zh-CN" dirty="0" smtClean="0"/>
+              <a:rPr lang="en-US" altLang="zh-CN" sz="2400" dirty="0" smtClean="0"/>
+              <a:t>Shadow DOM: </a:t>
+            </a:r>
+            <a:r>
+              <a:rPr lang="en-US" altLang="zh-CN" sz="2400" dirty="0" smtClean="0"/>
+              <a:t>props =&gt; </a:t>
+            </a:r>
+            <a:r>
+              <a:rPr lang="zh-CN" altLang="en-US" sz="2400" dirty="0" smtClean="0"/>
+              <a:t>基于对</a:t>
+            </a:r>
+            <a:r>
+              <a:rPr lang="en-US" altLang="zh-CN" sz="2400" dirty="0" smtClean="0"/>
+              <a:t>Attributes</a:t>
+            </a:r>
+            <a:r>
+              <a:rPr lang="zh-CN" altLang="en-US" sz="2400" dirty="0" smtClean="0"/>
+              <a:t>的</a:t>
+            </a:r>
+            <a:r>
+              <a:rPr lang="en-US" altLang="zh-CN" sz="2400" dirty="0" smtClean="0"/>
+              <a:t>watch</a:t>
+            </a:r>
+            <a:endParaRPr lang="en-US" altLang="zh-CN" sz="2400" dirty="0" smtClean="0"/>
+          </a:p>
+        </p:txBody>
+      </p:sp>
+      <p:sp>
+        <p:nvSpPr>
+          <p:cNvPr id="10" name="矩形 9"/>
+          <p:cNvSpPr/>
+          <p:nvPr/>
+        </p:nvSpPr>
+        <p:spPr>
+          <a:xfrm>
+            <a:off x="9665026" y="3698197"/>
+            <a:ext cx="1563185" cy="369332"/>
+          </a:xfrm>
+          <a:prstGeom prst="rect">
+            <a:avLst/>
+          </a:prstGeom>
+        </p:spPr>
+        <p:txBody>
+          <a:bodyPr wrap="none">
+            <a:spAutoFit/>
+          </a:bodyPr>
+          <a:lstStyle/>
+          <a:p>
+            <a:r>
+              <a:rPr lang="zh-CN" altLang="en-US" dirty="0"/>
+              <a:t>demo06-props</a:t>
+            </a:r>
           </a:p>
         </p:txBody>
       </p:sp>
     </p:spTree>
     <p:extLst>
       <p:ext uri="{BB962C8B-B14F-4D97-AF65-F5344CB8AC3E}">
-        <p14:creationId xmlns:p14="http://schemas.microsoft.com/office/powerpoint/2010/main" val="2205019398"/>
+        <p14:creationId xmlns:p14="http://schemas.microsoft.com/office/powerpoint/2010/main" val="2670818259"/>
       </p:ext>
     </p:extLst>
   </p:cSld>
   <p:clrMapOvr>
     <a:masterClrMapping/>
   </p:clrMapOvr>
-  <mc:AlternateContent xmlns:mc="http://schemas.openxmlformats.org/markup-compatibility/2006" xmlns:p14="http://schemas.microsoft.com/office/powerpoint/2010/main">
-    <mc:Choice Requires="p14">
-      <p:transition p14:dur="10" advClick="0"/>
-    </mc:Choice>
-    <mc:Fallback xmlns="">
-      <p:transition advClick="0"/>
-    </mc:Fallback>
-  </mc:AlternateContent>
   <p:timing>
     <p:tnLst>
       <p:par>
@@ -12483,44 +12397,37 @@
       </p:grpSpPr>
       <p:sp>
         <p:nvSpPr>
-          <p:cNvPr id="2" name="标题 1"/>
+          <p:cNvPr id="2" name="页脚占位符 1"/>
           <p:cNvSpPr>
             <a:spLocks noGrp="1"/>
           </p:cNvSpPr>
           <p:nvPr>
-            <p:ph type="title"/>
+            <p:ph type="ftr" sz="quarter" idx="3"/>
           </p:nvPr>
         </p:nvSpPr>
-        <p:spPr>
-          <a:xfrm>
-            <a:off x="526236" y="2065752"/>
-            <a:ext cx="6755969" cy="366632"/>
-          </a:xfrm>
-        </p:spPr>
-        <p:txBody>
-          <a:bodyPr>
-            <a:normAutofit/>
-          </a:bodyPr>
+        <p:spPr/>
+        <p:txBody>
+          <a:bodyPr/>
           <a:lstStyle/>
           <a:p>
-            <a:r>
-              <a:rPr kumimoji="1" lang="zh-CN" altLang="en-US" sz="2000" dirty="0" smtClean="0"/>
-              <a:t>相关参考链接</a:t>
-            </a:r>
-            <a:endParaRPr kumimoji="1" lang="zh-CN" altLang="en-US" sz="2000" dirty="0"/>
-          </a:p>
-        </p:txBody>
-      </p:sp>
-      <p:sp>
-        <p:nvSpPr>
-          <p:cNvPr id="33" name="文本框 32"/>
+            <a:fld id="{96727D3B-1B81-5549-9B2F-B47ED2EA5FA0}" type="slidenum">
+              <a:rPr kumimoji="1" lang="en-US" altLang="zh-CN" smtClean="0"/>
+              <a:t>19</a:t>
+            </a:fld>
+            <a:endParaRPr kumimoji="1" lang="zh-CN" altLang="en-US" dirty="0"/>
+          </a:p>
+        </p:txBody>
+      </p:sp>
+      <p:sp>
+        <p:nvSpPr>
+          <p:cNvPr id="6" name="文本框 5"/>
           <p:cNvSpPr txBox="1"/>
           <p:nvPr/>
         </p:nvSpPr>
         <p:spPr>
           <a:xfrm>
             <a:off x="92365" y="184666"/>
-            <a:ext cx="1497526" cy="584775"/>
+            <a:ext cx="11748152" cy="584775"/>
           </a:xfrm>
           <a:prstGeom prst="rect">
             <a:avLst/>
@@ -12533,6 +12440,29 @@
           </a:bodyPr>
           <a:lstStyle/>
           <a:p>
+            <a:r>
+              <a:rPr lang="en-US" altLang="zh-CN" sz="3200" b="1" dirty="0" smtClean="0">
+                <a:solidFill>
+                  <a:srgbClr val="3D68BF"/>
+                </a:solidFill>
+                <a:latin typeface="Microsoft YaHei" panose="020B0503020204020204" pitchFamily="34" charset="-122"/>
+                <a:ea typeface="Microsoft YaHei" panose="020B0503020204020204" pitchFamily="34" charset="-122"/>
+                <a:cs typeface="Arial" panose="020B0604020202090204" pitchFamily="34" charset="0"/>
+                <a:sym typeface="+mn-ea"/>
+              </a:rPr>
+              <a:t>3. </a:t>
+            </a:r>
+            <a:r>
+              <a:rPr lang="en-US" altLang="zh-CN" sz="3200" b="1" dirty="0">
+                <a:solidFill>
+                  <a:srgbClr val="3D68BF"/>
+                </a:solidFill>
+                <a:latin typeface="Microsoft YaHei" panose="020B0503020204020204" pitchFamily="34" charset="-122"/>
+                <a:ea typeface="Microsoft YaHei" panose="020B0503020204020204" pitchFamily="34" charset="-122"/>
+                <a:cs typeface="Arial" panose="020B0604020202090204" pitchFamily="34" charset="0"/>
+              </a:rPr>
+              <a:t>Custom </a:t>
+            </a:r>
             <a:r>
               <a:rPr lang="en-US" altLang="zh-CN" sz="3200" b="1" dirty="0" smtClean="0">
                 <a:solidFill>
@@ -12542,18 +12472,7 @@
                 <a:ea typeface="Microsoft YaHei" panose="020B0503020204020204" pitchFamily="34" charset="-122"/>
                 <a:cs typeface="Arial" panose="020B0604020202090204" pitchFamily="34" charset="0"/>
               </a:rPr>
-              <a:t>4. </a:t>
-            </a:r>
-            <a:r>
-              <a:rPr lang="zh-CN" altLang="en-US" sz="3200" b="1" dirty="0" smtClean="0">
-                <a:solidFill>
-                  <a:srgbClr val="3D68BF"/>
-                </a:solidFill>
-                <a:latin typeface="Microsoft YaHei" panose="020B0503020204020204" pitchFamily="34" charset="-122"/>
-                <a:ea typeface="Microsoft YaHei" panose="020B0503020204020204" pitchFamily="34" charset="-122"/>
-                <a:cs typeface="Arial" panose="020B0604020202090204" pitchFamily="34" charset="0"/>
-              </a:rPr>
-              <a:t>拓展</a:t>
+              <a:t>Elements &amp; Shadow DOM &amp; HTML templates</a:t>
             </a:r>
             <a:endParaRPr lang="en-US" altLang="zh-CN" sz="3200" b="1" dirty="0">
               <a:solidFill>
@@ -12568,14 +12487,14 @@
       </p:sp>
       <p:sp>
         <p:nvSpPr>
-          <p:cNvPr id="3" name="文本框 2"/>
+          <p:cNvPr id="8" name="文本框 7"/>
           <p:cNvSpPr txBox="1"/>
           <p:nvPr/>
         </p:nvSpPr>
         <p:spPr>
           <a:xfrm>
-            <a:off x="526236" y="3032855"/>
-            <a:ext cx="2357377" cy="369332"/>
+            <a:off x="320641" y="1123326"/>
+            <a:ext cx="4492320" cy="461665"/>
           </a:xfrm>
           <a:prstGeom prst="rect">
             <a:avLst/>
@@ -12589,39 +12508,107 @@
           <a:lstStyle/>
           <a:p>
             <a:r>
-              <a:rPr lang="en-US" altLang="zh-CN" dirty="0" smtClean="0">
-                <a:hlinkClick r:id="rId3"/>
-              </a:rPr>
-              <a:t>MDN </a:t>
-            </a:r>
-            <a:r>
-              <a:rPr lang="en-US" altLang="zh-CN" dirty="0" err="1" smtClean="0">
-                <a:hlinkClick r:id="rId3"/>
-              </a:rPr>
-              <a:t>WebComponents</a:t>
-            </a:r>
-            <a:endParaRPr lang="zh-CN" altLang="en-US" dirty="0"/>
-          </a:p>
-        </p:txBody>
-      </p:sp>
+              <a:rPr lang="en-US" altLang="zh-CN" sz="2400" dirty="0" smtClean="0"/>
+              <a:t>Shadow DOM: </a:t>
+            </a:r>
+            <a:r>
+              <a:rPr lang="en-US" altLang="zh-CN" sz="2400" dirty="0" smtClean="0"/>
+              <a:t>slot =&gt; </a:t>
+            </a:r>
+            <a:r>
+              <a:rPr lang="zh-CN" altLang="en-US" sz="2400" dirty="0" smtClean="0"/>
+              <a:t>元素的插槽</a:t>
+            </a:r>
+            <a:endParaRPr lang="en-US" altLang="zh-CN" sz="2400" dirty="0" smtClean="0"/>
+          </a:p>
+        </p:txBody>
+      </p:sp>
+      <p:sp>
+        <p:nvSpPr>
+          <p:cNvPr id="10" name="矩形 9"/>
+          <p:cNvSpPr/>
+          <p:nvPr/>
+        </p:nvSpPr>
+        <p:spPr>
+          <a:xfrm>
+            <a:off x="9452627" y="5050238"/>
+            <a:ext cx="1374094" cy="369332"/>
+          </a:xfrm>
+          <a:prstGeom prst="rect">
+            <a:avLst/>
+          </a:prstGeom>
+        </p:spPr>
+        <p:txBody>
+          <a:bodyPr wrap="none">
+            <a:spAutoFit/>
+          </a:bodyPr>
+          <a:lstStyle/>
+          <a:p>
+            <a:r>
+              <a:rPr lang="en-US" altLang="zh-CN" dirty="0" smtClean="0"/>
+              <a:t>demo07-slot</a:t>
+            </a:r>
+          </a:p>
+        </p:txBody>
+      </p:sp>
+      <p:pic>
+        <p:nvPicPr>
+          <p:cNvPr id="3" name="图片 2"/>
+          <p:cNvPicPr>
+            <a:picLocks noChangeAspect="1"/>
+          </p:cNvPicPr>
+          <p:nvPr/>
+        </p:nvPicPr>
+        <p:blipFill>
+          <a:blip r:embed="rId2"/>
+          <a:stretch>
+            <a:fillRect/>
+          </a:stretch>
+        </p:blipFill>
+        <p:spPr>
+          <a:xfrm>
+            <a:off x="834066" y="1683044"/>
+            <a:ext cx="7762875" cy="4781550"/>
+          </a:xfrm>
+          <a:prstGeom prst="rect">
+            <a:avLst/>
+          </a:prstGeom>
+        </p:spPr>
+      </p:pic>
+      <p:pic>
+        <p:nvPicPr>
+          <p:cNvPr id="5" name="图片 4"/>
+          <p:cNvPicPr>
+            <a:picLocks noChangeAspect="1"/>
+          </p:cNvPicPr>
+          <p:nvPr/>
+        </p:nvPicPr>
+        <p:blipFill>
+          <a:blip r:embed="rId3"/>
+          <a:stretch>
+            <a:fillRect/>
+          </a:stretch>
+        </p:blipFill>
+        <p:spPr>
+          <a:xfrm>
+            <a:off x="9239562" y="2261068"/>
+            <a:ext cx="1800225" cy="1666875"/>
+          </a:xfrm>
+          <a:prstGeom prst="rect">
+            <a:avLst/>
+          </a:prstGeom>
+        </p:spPr>
+      </p:pic>
     </p:spTree>
     <p:extLst>
       <p:ext uri="{BB962C8B-B14F-4D97-AF65-F5344CB8AC3E}">
-        <p14:creationId xmlns:p14="http://schemas.microsoft.com/office/powerpoint/2010/main" val="1834514847"/>
+        <p14:creationId xmlns:p14="http://schemas.microsoft.com/office/powerpoint/2010/main" val="286474874"/>
       </p:ext>
     </p:extLst>
   </p:cSld>
   <p:clrMapOvr>
     <a:masterClrMapping/>
   </p:clrMapOvr>
-  <mc:AlternateContent xmlns:mc="http://schemas.openxmlformats.org/markup-compatibility/2006" xmlns:p14="http://schemas.microsoft.com/office/powerpoint/2010/main">
-    <mc:Choice Requires="p14">
-      <p:transition p14:dur="10" advClick="0"/>
-    </mc:Choice>
-    <mc:Fallback xmlns="">
-      <p:transition advClick="0"/>
-    </mc:Fallback>
-  </mc:AlternateContent>
   <p:timing>
     <p:tnLst>
       <p:par>
@@ -12819,6 +12806,1901 @@
   <p:clrMapOvr>
     <a:masterClrMapping/>
   </p:clrMapOvr>
+  <p:timing>
+    <p:tnLst>
+      <p:par>
+        <p:cTn id="1" dur="indefinite" restart="never" nodeType="tmRoot"/>
+      </p:par>
+    </p:tnLst>
+  </p:timing>
+</p:sld>
+</file>
+
+<file path=ppt/slides/slide20.xml><?xml version="1.0" encoding="utf-8"?>
+<p:sld xmlns:a="http://schemas.openxmlformats.org/drawingml/2006/main" xmlns:r="http://schemas.openxmlformats.org/officeDocument/2006/relationships" xmlns:p="http://schemas.openxmlformats.org/presentationml/2006/main">
+  <p:cSld>
+    <p:spTree>
+      <p:nvGrpSpPr>
+        <p:cNvPr id="1" name=""/>
+        <p:cNvGrpSpPr/>
+        <p:nvPr/>
+      </p:nvGrpSpPr>
+      <p:grpSpPr>
+        <a:xfrm>
+          <a:off x="0" y="0"/>
+          <a:ext cx="0" cy="0"/>
+          <a:chOff x="0" y="0"/>
+          <a:chExt cx="0" cy="0"/>
+        </a:xfrm>
+      </p:grpSpPr>
+      <p:sp>
+        <p:nvSpPr>
+          <p:cNvPr id="2" name="页脚占位符 1"/>
+          <p:cNvSpPr>
+            <a:spLocks noGrp="1"/>
+          </p:cNvSpPr>
+          <p:nvPr>
+            <p:ph type="ftr" sz="quarter" idx="3"/>
+          </p:nvPr>
+        </p:nvSpPr>
+        <p:spPr/>
+        <p:txBody>
+          <a:bodyPr/>
+          <a:lstStyle/>
+          <a:p>
+            <a:fld id="{96727D3B-1B81-5549-9B2F-B47ED2EA5FA0}" type="slidenum">
+              <a:rPr kumimoji="1" lang="en-US" altLang="zh-CN" smtClean="0"/>
+              <a:t>20</a:t>
+            </a:fld>
+            <a:endParaRPr kumimoji="1" lang="zh-CN" altLang="en-US" dirty="0"/>
+          </a:p>
+        </p:txBody>
+      </p:sp>
+      <p:sp>
+        <p:nvSpPr>
+          <p:cNvPr id="6" name="文本框 5"/>
+          <p:cNvSpPr txBox="1"/>
+          <p:nvPr/>
+        </p:nvSpPr>
+        <p:spPr>
+          <a:xfrm>
+            <a:off x="92365" y="184666"/>
+            <a:ext cx="11748152" cy="584775"/>
+          </a:xfrm>
+          <a:prstGeom prst="rect">
+            <a:avLst/>
+          </a:prstGeom>
+          <a:noFill/>
+        </p:spPr>
+        <p:txBody>
+          <a:bodyPr wrap="none" rtlCol="0" anchor="t">
+            <a:spAutoFit/>
+          </a:bodyPr>
+          <a:lstStyle/>
+          <a:p>
+            <a:r>
+              <a:rPr lang="en-US" altLang="zh-CN" sz="3200" b="1" dirty="0" smtClean="0">
+                <a:solidFill>
+                  <a:srgbClr val="3D68BF"/>
+                </a:solidFill>
+                <a:latin typeface="Microsoft YaHei" panose="020B0503020204020204" pitchFamily="34" charset="-122"/>
+                <a:ea typeface="Microsoft YaHei" panose="020B0503020204020204" pitchFamily="34" charset="-122"/>
+                <a:cs typeface="Arial" panose="020B0604020202090204" pitchFamily="34" charset="0"/>
+                <a:sym typeface="+mn-ea"/>
+              </a:rPr>
+              <a:t>3. </a:t>
+            </a:r>
+            <a:r>
+              <a:rPr lang="en-US" altLang="zh-CN" sz="3200" b="1" dirty="0">
+                <a:solidFill>
+                  <a:srgbClr val="3D68BF"/>
+                </a:solidFill>
+                <a:latin typeface="Microsoft YaHei" panose="020B0503020204020204" pitchFamily="34" charset="-122"/>
+                <a:ea typeface="Microsoft YaHei" panose="020B0503020204020204" pitchFamily="34" charset="-122"/>
+                <a:cs typeface="Arial" panose="020B0604020202090204" pitchFamily="34" charset="0"/>
+              </a:rPr>
+              <a:t>Custom </a:t>
+            </a:r>
+            <a:r>
+              <a:rPr lang="en-US" altLang="zh-CN" sz="3200" b="1" dirty="0" smtClean="0">
+                <a:solidFill>
+                  <a:srgbClr val="3D68BF"/>
+                </a:solidFill>
+                <a:latin typeface="Microsoft YaHei" panose="020B0503020204020204" pitchFamily="34" charset="-122"/>
+                <a:ea typeface="Microsoft YaHei" panose="020B0503020204020204" pitchFamily="34" charset="-122"/>
+                <a:cs typeface="Arial" panose="020B0604020202090204" pitchFamily="34" charset="0"/>
+              </a:rPr>
+              <a:t>Elements &amp; Shadow DOM &amp; HTML templates</a:t>
+            </a:r>
+            <a:endParaRPr lang="en-US" altLang="zh-CN" sz="3200" b="1" dirty="0">
+              <a:solidFill>
+                <a:srgbClr val="3D68BF"/>
+              </a:solidFill>
+              <a:latin typeface="Microsoft YaHei" panose="020B0503020204020204" pitchFamily="34" charset="-122"/>
+              <a:ea typeface="Microsoft YaHei" panose="020B0503020204020204" pitchFamily="34" charset="-122"/>
+              <a:cs typeface="Arial" panose="020B0604020202090204" pitchFamily="34" charset="0"/>
+            </a:endParaRPr>
+          </a:p>
+        </p:txBody>
+      </p:sp>
+      <p:sp>
+        <p:nvSpPr>
+          <p:cNvPr id="8" name="文本框 7"/>
+          <p:cNvSpPr txBox="1"/>
+          <p:nvPr/>
+        </p:nvSpPr>
+        <p:spPr>
+          <a:xfrm>
+            <a:off x="320641" y="1123326"/>
+            <a:ext cx="2878096" cy="461665"/>
+          </a:xfrm>
+          <a:prstGeom prst="rect">
+            <a:avLst/>
+          </a:prstGeom>
+          <a:noFill/>
+        </p:spPr>
+        <p:txBody>
+          <a:bodyPr wrap="none" rtlCol="0">
+            <a:spAutoFit/>
+          </a:bodyPr>
+          <a:lstStyle/>
+          <a:p>
+            <a:r>
+              <a:rPr lang="en-US" altLang="zh-CN" sz="2400" dirty="0" smtClean="0"/>
+              <a:t>Shadow DOM: </a:t>
+            </a:r>
+            <a:r>
+              <a:rPr lang="en-US" altLang="zh-CN" sz="2400" dirty="0" smtClean="0"/>
+              <a:t>EVENT</a:t>
+            </a:r>
+            <a:endParaRPr lang="en-US" altLang="zh-CN" sz="2400" dirty="0" smtClean="0"/>
+          </a:p>
+        </p:txBody>
+      </p:sp>
+      <p:sp>
+        <p:nvSpPr>
+          <p:cNvPr id="10" name="矩形 9"/>
+          <p:cNvSpPr/>
+          <p:nvPr/>
+        </p:nvSpPr>
+        <p:spPr>
+          <a:xfrm>
+            <a:off x="8422724" y="5570002"/>
+            <a:ext cx="1650708" cy="369332"/>
+          </a:xfrm>
+          <a:prstGeom prst="rect">
+            <a:avLst/>
+          </a:prstGeom>
+        </p:spPr>
+        <p:txBody>
+          <a:bodyPr wrap="none">
+            <a:spAutoFit/>
+          </a:bodyPr>
+          <a:lstStyle/>
+          <a:p>
+            <a:r>
+              <a:rPr lang="en-US" altLang="zh-CN" dirty="0"/>
+              <a:t>demo08-events</a:t>
+            </a:r>
+            <a:endParaRPr lang="en-US" altLang="zh-CN" dirty="0" smtClean="0"/>
+          </a:p>
+        </p:txBody>
+      </p:sp>
+      <p:pic>
+        <p:nvPicPr>
+          <p:cNvPr id="4" name="图片 3"/>
+          <p:cNvPicPr>
+            <a:picLocks noChangeAspect="1"/>
+          </p:cNvPicPr>
+          <p:nvPr/>
+        </p:nvPicPr>
+        <p:blipFill>
+          <a:blip r:embed="rId2"/>
+          <a:stretch>
+            <a:fillRect/>
+          </a:stretch>
+        </p:blipFill>
+        <p:spPr>
+          <a:xfrm>
+            <a:off x="320641" y="1747485"/>
+            <a:ext cx="6997566" cy="4717109"/>
+          </a:xfrm>
+          <a:prstGeom prst="rect">
+            <a:avLst/>
+          </a:prstGeom>
+        </p:spPr>
+      </p:pic>
+      <p:sp>
+        <p:nvSpPr>
+          <p:cNvPr id="9" name="矩形 8"/>
+          <p:cNvSpPr/>
+          <p:nvPr/>
+        </p:nvSpPr>
+        <p:spPr>
+          <a:xfrm>
+            <a:off x="8219760" y="2402355"/>
+            <a:ext cx="2647163" cy="923330"/>
+          </a:xfrm>
+          <a:prstGeom prst="rect">
+            <a:avLst/>
+          </a:prstGeom>
+        </p:spPr>
+        <p:txBody>
+          <a:bodyPr wrap="square">
+            <a:spAutoFit/>
+          </a:bodyPr>
+          <a:lstStyle/>
+          <a:p>
+            <a:r>
+              <a:rPr lang="zh-CN" altLang="en-US" dirty="0" smtClean="0"/>
+              <a:t>与</a:t>
+            </a:r>
+            <a:r>
+              <a:rPr lang="en-US" altLang="zh-CN" dirty="0" err="1" smtClean="0"/>
+              <a:t>dom</a:t>
+            </a:r>
+            <a:r>
+              <a:rPr lang="zh-CN" altLang="en-US" dirty="0" smtClean="0"/>
+              <a:t>操作基本一致</a:t>
+            </a:r>
+            <a:r>
+              <a:rPr lang="en-US" altLang="zh-CN" dirty="0" smtClean="0"/>
+              <a:t>, </a:t>
+            </a:r>
+          </a:p>
+          <a:p>
+            <a:r>
+              <a:rPr lang="zh-CN" altLang="en-US" dirty="0" smtClean="0"/>
+              <a:t>就是选中元素，绑定事件这一套</a:t>
+            </a:r>
+            <a:endParaRPr lang="en-US" altLang="zh-CN" dirty="0" smtClean="0"/>
+          </a:p>
+        </p:txBody>
+      </p:sp>
+      <p:sp>
+        <p:nvSpPr>
+          <p:cNvPr id="11" name="矩形 10"/>
+          <p:cNvSpPr/>
+          <p:nvPr/>
+        </p:nvSpPr>
+        <p:spPr>
+          <a:xfrm>
+            <a:off x="8219760" y="3922377"/>
+            <a:ext cx="2647163" cy="1200329"/>
+          </a:xfrm>
+          <a:prstGeom prst="rect">
+            <a:avLst/>
+          </a:prstGeom>
+        </p:spPr>
+        <p:txBody>
+          <a:bodyPr wrap="square">
+            <a:spAutoFit/>
+          </a:bodyPr>
+          <a:lstStyle/>
+          <a:p>
+            <a:r>
+              <a:rPr lang="zh-CN" altLang="en-US" dirty="0" smtClean="0"/>
+              <a:t>至此</a:t>
+            </a:r>
+            <a:r>
+              <a:rPr lang="en-US" altLang="zh-CN" dirty="0" smtClean="0"/>
+              <a:t>, </a:t>
+            </a:r>
+            <a:r>
+              <a:rPr lang="zh-CN" altLang="en-US" dirty="0" smtClean="0"/>
+              <a:t>再用脚本将</a:t>
+            </a:r>
+            <a:r>
+              <a:rPr lang="en-US" altLang="zh-CN" dirty="0" smtClean="0"/>
+              <a:t>template</a:t>
+            </a:r>
+            <a:r>
+              <a:rPr lang="zh-CN" altLang="en-US" dirty="0" smtClean="0"/>
+              <a:t>注入网页</a:t>
+            </a:r>
+            <a:r>
+              <a:rPr lang="en-US" altLang="zh-CN" dirty="0" smtClean="0"/>
+              <a:t>, </a:t>
+            </a:r>
+            <a:r>
+              <a:rPr lang="zh-CN" altLang="en-US" dirty="0" smtClean="0"/>
+              <a:t>封装成为</a:t>
+            </a:r>
+            <a:r>
+              <a:rPr lang="en-US" altLang="zh-CN" dirty="0" err="1" smtClean="0"/>
+              <a:t>js</a:t>
+            </a:r>
+            <a:r>
+              <a:rPr lang="zh-CN" altLang="en-US" dirty="0" smtClean="0"/>
+              <a:t>独立组件后</a:t>
+            </a:r>
+            <a:r>
+              <a:rPr lang="en-US" altLang="zh-CN" dirty="0" smtClean="0"/>
+              <a:t>, </a:t>
+            </a:r>
+            <a:r>
+              <a:rPr lang="zh-CN" altLang="en-US" dirty="0" smtClean="0"/>
+              <a:t>即可任意使用组件了。</a:t>
+            </a:r>
+            <a:endParaRPr lang="en-US" altLang="zh-CN" dirty="0" smtClean="0"/>
+          </a:p>
+        </p:txBody>
+      </p:sp>
+    </p:spTree>
+    <p:extLst>
+      <p:ext uri="{BB962C8B-B14F-4D97-AF65-F5344CB8AC3E}">
+        <p14:creationId xmlns:p14="http://schemas.microsoft.com/office/powerpoint/2010/main" val="802540694"/>
+      </p:ext>
+    </p:extLst>
+  </p:cSld>
+  <p:clrMapOvr>
+    <a:masterClrMapping/>
+  </p:clrMapOvr>
+  <p:timing>
+    <p:tnLst>
+      <p:par>
+        <p:cTn id="1" dur="indefinite" restart="never" nodeType="tmRoot"/>
+      </p:par>
+    </p:tnLst>
+  </p:timing>
+</p:sld>
+</file>
+
+<file path=ppt/slides/slide21.xml><?xml version="1.0" encoding="utf-8"?>
+<p:sld xmlns:a="http://schemas.openxmlformats.org/drawingml/2006/main" xmlns:r="http://schemas.openxmlformats.org/officeDocument/2006/relationships" xmlns:p="http://schemas.openxmlformats.org/presentationml/2006/main">
+  <p:cSld>
+    <p:spTree>
+      <p:nvGrpSpPr>
+        <p:cNvPr id="1" name=""/>
+        <p:cNvGrpSpPr/>
+        <p:nvPr/>
+      </p:nvGrpSpPr>
+      <p:grpSpPr>
+        <a:xfrm>
+          <a:off x="0" y="0"/>
+          <a:ext cx="0" cy="0"/>
+          <a:chOff x="0" y="0"/>
+          <a:chExt cx="0" cy="0"/>
+        </a:xfrm>
+      </p:grpSpPr>
+      <p:sp>
+        <p:nvSpPr>
+          <p:cNvPr id="33" name="文本框 32"/>
+          <p:cNvSpPr txBox="1"/>
+          <p:nvPr/>
+        </p:nvSpPr>
+        <p:spPr>
+          <a:xfrm>
+            <a:off x="92365" y="184666"/>
+            <a:ext cx="1497526" cy="584775"/>
+          </a:xfrm>
+          <a:prstGeom prst="rect">
+            <a:avLst/>
+          </a:prstGeom>
+          <a:noFill/>
+        </p:spPr>
+        <p:txBody>
+          <a:bodyPr wrap="none" rtlCol="0" anchor="t">
+            <a:spAutoFit/>
+          </a:bodyPr>
+          <a:lstStyle/>
+          <a:p>
+            <a:r>
+              <a:rPr lang="en-US" altLang="zh-CN" sz="3200" b="1" dirty="0" smtClean="0">
+                <a:solidFill>
+                  <a:srgbClr val="3D68BF"/>
+                </a:solidFill>
+                <a:latin typeface="Microsoft YaHei" panose="020B0503020204020204" pitchFamily="34" charset="-122"/>
+                <a:ea typeface="Microsoft YaHei" panose="020B0503020204020204" pitchFamily="34" charset="-122"/>
+                <a:cs typeface="Arial" panose="020B0604020202090204" pitchFamily="34" charset="0"/>
+              </a:rPr>
+              <a:t>4. </a:t>
+            </a:r>
+            <a:r>
+              <a:rPr lang="zh-CN" altLang="en-US" sz="3200" b="1" dirty="0" smtClean="0">
+                <a:solidFill>
+                  <a:srgbClr val="3D68BF"/>
+                </a:solidFill>
+                <a:latin typeface="Microsoft YaHei" panose="020B0503020204020204" pitchFamily="34" charset="-122"/>
+                <a:ea typeface="Microsoft YaHei" panose="020B0503020204020204" pitchFamily="34" charset="-122"/>
+                <a:cs typeface="Arial" panose="020B0604020202090204" pitchFamily="34" charset="0"/>
+              </a:rPr>
+              <a:t>拓展</a:t>
+            </a:r>
+            <a:endParaRPr lang="en-US" altLang="zh-CN" sz="3200" b="1" dirty="0">
+              <a:solidFill>
+                <a:srgbClr val="3D68BF"/>
+              </a:solidFill>
+              <a:latin typeface="Microsoft YaHei" panose="020B0503020204020204" pitchFamily="34" charset="-122"/>
+              <a:ea typeface="Microsoft YaHei" panose="020B0503020204020204" pitchFamily="34" charset="-122"/>
+              <a:cs typeface="Arial" panose="020B0604020202090204" pitchFamily="34" charset="0"/>
+            </a:endParaRPr>
+          </a:p>
+        </p:txBody>
+      </p:sp>
+      <p:sp>
+        <p:nvSpPr>
+          <p:cNvPr id="5" name="文本框 4"/>
+          <p:cNvSpPr txBox="1"/>
+          <p:nvPr/>
+        </p:nvSpPr>
+        <p:spPr>
+          <a:xfrm>
+            <a:off x="742398" y="1356057"/>
+            <a:ext cx="2511713" cy="461665"/>
+          </a:xfrm>
+          <a:prstGeom prst="rect">
+            <a:avLst/>
+          </a:prstGeom>
+          <a:noFill/>
+        </p:spPr>
+        <p:txBody>
+          <a:bodyPr wrap="none" rtlCol="0">
+            <a:spAutoFit/>
+          </a:bodyPr>
+          <a:lstStyle/>
+          <a:p>
+            <a:r>
+              <a:rPr lang="zh-CN" altLang="en-US" sz="2400" dirty="0" smtClean="0"/>
+              <a:t>相关库</a:t>
+            </a:r>
+            <a:r>
+              <a:rPr lang="en-US" altLang="zh-CN" sz="2400" dirty="0" smtClean="0"/>
+              <a:t>: </a:t>
+            </a:r>
+            <a:r>
+              <a:rPr lang="zh-CN" altLang="en-US" sz="2400" dirty="0" smtClean="0">
+                <a:hlinkClick r:id="rId3"/>
+              </a:rPr>
+              <a:t>微软</a:t>
+            </a:r>
+            <a:r>
+              <a:rPr lang="en-US" altLang="zh-CN" sz="2400" dirty="0" smtClean="0">
+                <a:hlinkClick r:id="rId3"/>
+              </a:rPr>
+              <a:t>Fast</a:t>
+            </a:r>
+            <a:r>
+              <a:rPr lang="en-US" altLang="zh-CN" sz="2400" dirty="0" smtClean="0"/>
+              <a:t>  </a:t>
+            </a:r>
+          </a:p>
+        </p:txBody>
+      </p:sp>
+      <p:pic>
+        <p:nvPicPr>
+          <p:cNvPr id="7" name="图片 6"/>
+          <p:cNvPicPr>
+            <a:picLocks noChangeAspect="1"/>
+          </p:cNvPicPr>
+          <p:nvPr/>
+        </p:nvPicPr>
+        <p:blipFill>
+          <a:blip r:embed="rId4"/>
+          <a:stretch>
+            <a:fillRect/>
+          </a:stretch>
+        </p:blipFill>
+        <p:spPr>
+          <a:xfrm>
+            <a:off x="8083918" y="477053"/>
+            <a:ext cx="2800350" cy="5019675"/>
+          </a:xfrm>
+          <a:prstGeom prst="rect">
+            <a:avLst/>
+          </a:prstGeom>
+        </p:spPr>
+      </p:pic>
+      <p:pic>
+        <p:nvPicPr>
+          <p:cNvPr id="8" name="图片 7"/>
+          <p:cNvPicPr>
+            <a:picLocks noChangeAspect="1"/>
+          </p:cNvPicPr>
+          <p:nvPr/>
+        </p:nvPicPr>
+        <p:blipFill>
+          <a:blip r:embed="rId5"/>
+          <a:stretch>
+            <a:fillRect/>
+          </a:stretch>
+        </p:blipFill>
+        <p:spPr>
+          <a:xfrm>
+            <a:off x="742398" y="2866005"/>
+            <a:ext cx="6029325" cy="2371725"/>
+          </a:xfrm>
+          <a:prstGeom prst="rect">
+            <a:avLst/>
+          </a:prstGeom>
+        </p:spPr>
+      </p:pic>
+    </p:spTree>
+    <p:extLst>
+      <p:ext uri="{BB962C8B-B14F-4D97-AF65-F5344CB8AC3E}">
+        <p14:creationId xmlns:p14="http://schemas.microsoft.com/office/powerpoint/2010/main" val="2205019398"/>
+      </p:ext>
+    </p:extLst>
+  </p:cSld>
+  <p:clrMapOvr>
+    <a:masterClrMapping/>
+  </p:clrMapOvr>
+  <mc:AlternateContent xmlns:mc="http://schemas.openxmlformats.org/markup-compatibility/2006" xmlns:p14="http://schemas.microsoft.com/office/powerpoint/2010/main">
+    <mc:Choice Requires="p14">
+      <p:transition p14:dur="10" advClick="0"/>
+    </mc:Choice>
+    <mc:Fallback xmlns="">
+      <p:transition advClick="0"/>
+    </mc:Fallback>
+  </mc:AlternateContent>
+  <p:timing>
+    <p:tnLst>
+      <p:par>
+        <p:cTn id="1" dur="indefinite" restart="never" nodeType="tmRoot"/>
+      </p:par>
+    </p:tnLst>
+  </p:timing>
+</p:sld>
+</file>
+
+<file path=ppt/slides/slide22.xml><?xml version="1.0" encoding="utf-8"?>
+<p:sld xmlns:a="http://schemas.openxmlformats.org/drawingml/2006/main" xmlns:r="http://schemas.openxmlformats.org/officeDocument/2006/relationships" xmlns:p="http://schemas.openxmlformats.org/presentationml/2006/main">
+  <p:cSld>
+    <p:spTree>
+      <p:nvGrpSpPr>
+        <p:cNvPr id="1" name=""/>
+        <p:cNvGrpSpPr/>
+        <p:nvPr/>
+      </p:nvGrpSpPr>
+      <p:grpSpPr>
+        <a:xfrm>
+          <a:off x="0" y="0"/>
+          <a:ext cx="0" cy="0"/>
+          <a:chOff x="0" y="0"/>
+          <a:chExt cx="0" cy="0"/>
+        </a:xfrm>
+      </p:grpSpPr>
+      <p:sp>
+        <p:nvSpPr>
+          <p:cNvPr id="33" name="文本框 32"/>
+          <p:cNvSpPr txBox="1"/>
+          <p:nvPr/>
+        </p:nvSpPr>
+        <p:spPr>
+          <a:xfrm>
+            <a:off x="92365" y="184666"/>
+            <a:ext cx="1497526" cy="584775"/>
+          </a:xfrm>
+          <a:prstGeom prst="rect">
+            <a:avLst/>
+          </a:prstGeom>
+          <a:noFill/>
+        </p:spPr>
+        <p:txBody>
+          <a:bodyPr wrap="none" rtlCol="0" anchor="t">
+            <a:spAutoFit/>
+          </a:bodyPr>
+          <a:lstStyle/>
+          <a:p>
+            <a:r>
+              <a:rPr lang="en-US" altLang="zh-CN" sz="3200" b="1" dirty="0" smtClean="0">
+                <a:solidFill>
+                  <a:srgbClr val="3D68BF"/>
+                </a:solidFill>
+                <a:latin typeface="Microsoft YaHei" panose="020B0503020204020204" pitchFamily="34" charset="-122"/>
+                <a:ea typeface="Microsoft YaHei" panose="020B0503020204020204" pitchFamily="34" charset="-122"/>
+                <a:cs typeface="Arial" panose="020B0604020202090204" pitchFamily="34" charset="0"/>
+              </a:rPr>
+              <a:t>4. </a:t>
+            </a:r>
+            <a:r>
+              <a:rPr lang="zh-CN" altLang="en-US" sz="3200" b="1" dirty="0" smtClean="0">
+                <a:solidFill>
+                  <a:srgbClr val="3D68BF"/>
+                </a:solidFill>
+                <a:latin typeface="Microsoft YaHei" panose="020B0503020204020204" pitchFamily="34" charset="-122"/>
+                <a:ea typeface="Microsoft YaHei" panose="020B0503020204020204" pitchFamily="34" charset="-122"/>
+                <a:cs typeface="Arial" panose="020B0604020202090204" pitchFamily="34" charset="0"/>
+              </a:rPr>
+              <a:t>拓展</a:t>
+            </a:r>
+            <a:endParaRPr lang="en-US" altLang="zh-CN" sz="3200" b="1" dirty="0">
+              <a:solidFill>
+                <a:srgbClr val="3D68BF"/>
+              </a:solidFill>
+              <a:latin typeface="Microsoft YaHei" panose="020B0503020204020204" pitchFamily="34" charset="-122"/>
+              <a:ea typeface="Microsoft YaHei" panose="020B0503020204020204" pitchFamily="34" charset="-122"/>
+              <a:cs typeface="Arial" panose="020B0604020202090204" pitchFamily="34" charset="0"/>
+            </a:endParaRPr>
+          </a:p>
+        </p:txBody>
+      </p:sp>
+      <p:sp>
+        <p:nvSpPr>
+          <p:cNvPr id="5" name="文本框 4"/>
+          <p:cNvSpPr txBox="1"/>
+          <p:nvPr/>
+        </p:nvSpPr>
+        <p:spPr>
+          <a:xfrm>
+            <a:off x="742398" y="1356057"/>
+            <a:ext cx="3140603" cy="461665"/>
+          </a:xfrm>
+          <a:prstGeom prst="rect">
+            <a:avLst/>
+          </a:prstGeom>
+          <a:noFill/>
+        </p:spPr>
+        <p:txBody>
+          <a:bodyPr wrap="none" rtlCol="0">
+            <a:spAutoFit/>
+          </a:bodyPr>
+          <a:lstStyle/>
+          <a:p>
+            <a:r>
+              <a:rPr lang="zh-CN" altLang="en-US" sz="2400" dirty="0" smtClean="0"/>
+              <a:t>相关库</a:t>
+            </a:r>
+            <a:r>
+              <a:rPr lang="en-US" altLang="zh-CN" sz="2400" dirty="0" smtClean="0"/>
+              <a:t>: </a:t>
+            </a:r>
+            <a:r>
+              <a:rPr lang="zh-CN" altLang="en-US" sz="2400" dirty="0"/>
+              <a:t> </a:t>
+            </a:r>
+            <a:r>
+              <a:rPr lang="en-US" altLang="zh-CN" sz="2400" dirty="0" smtClean="0">
+                <a:hlinkClick r:id="rId3"/>
+              </a:rPr>
+              <a:t>GooooogleLit  </a:t>
+            </a:r>
+            <a:endParaRPr lang="en-US" altLang="zh-CN" sz="2400" dirty="0" smtClean="0"/>
+          </a:p>
+        </p:txBody>
+      </p:sp>
+      <p:pic>
+        <p:nvPicPr>
+          <p:cNvPr id="2" name="图片 1"/>
+          <p:cNvPicPr>
+            <a:picLocks noChangeAspect="1"/>
+          </p:cNvPicPr>
+          <p:nvPr/>
+        </p:nvPicPr>
+        <p:blipFill>
+          <a:blip r:embed="rId4"/>
+          <a:stretch>
+            <a:fillRect/>
+          </a:stretch>
+        </p:blipFill>
+        <p:spPr>
+          <a:xfrm>
+            <a:off x="6151446" y="2857423"/>
+            <a:ext cx="5730850" cy="2465347"/>
+          </a:xfrm>
+          <a:prstGeom prst="rect">
+            <a:avLst/>
+          </a:prstGeom>
+        </p:spPr>
+      </p:pic>
+      <p:pic>
+        <p:nvPicPr>
+          <p:cNvPr id="3" name="图片 2"/>
+          <p:cNvPicPr>
+            <a:picLocks noChangeAspect="1"/>
+          </p:cNvPicPr>
+          <p:nvPr/>
+        </p:nvPicPr>
+        <p:blipFill>
+          <a:blip r:embed="rId5"/>
+          <a:stretch>
+            <a:fillRect/>
+          </a:stretch>
+        </p:blipFill>
+        <p:spPr>
+          <a:xfrm>
+            <a:off x="742398" y="2409074"/>
+            <a:ext cx="5200650" cy="3657600"/>
+          </a:xfrm>
+          <a:prstGeom prst="rect">
+            <a:avLst/>
+          </a:prstGeom>
+        </p:spPr>
+      </p:pic>
+    </p:spTree>
+    <p:extLst>
+      <p:ext uri="{BB962C8B-B14F-4D97-AF65-F5344CB8AC3E}">
+        <p14:creationId xmlns:p14="http://schemas.microsoft.com/office/powerpoint/2010/main" val="1461242331"/>
+      </p:ext>
+    </p:extLst>
+  </p:cSld>
+  <p:clrMapOvr>
+    <a:masterClrMapping/>
+  </p:clrMapOvr>
+  <mc:AlternateContent xmlns:mc="http://schemas.openxmlformats.org/markup-compatibility/2006" xmlns:p14="http://schemas.microsoft.com/office/powerpoint/2010/main">
+    <mc:Choice Requires="p14">
+      <p:transition p14:dur="10" advClick="0"/>
+    </mc:Choice>
+    <mc:Fallback xmlns="">
+      <p:transition advClick="0"/>
+    </mc:Fallback>
+  </mc:AlternateContent>
+  <p:timing>
+    <p:tnLst>
+      <p:par>
+        <p:cTn id="1" dur="indefinite" restart="never" nodeType="tmRoot"/>
+      </p:par>
+    </p:tnLst>
+  </p:timing>
+</p:sld>
+</file>
+
+<file path=ppt/slides/slide23.xml><?xml version="1.0" encoding="utf-8"?>
+<p:sld xmlns:a="http://schemas.openxmlformats.org/drawingml/2006/main" xmlns:r="http://schemas.openxmlformats.org/officeDocument/2006/relationships" xmlns:p="http://schemas.openxmlformats.org/presentationml/2006/main">
+  <p:cSld>
+    <p:spTree>
+      <p:nvGrpSpPr>
+        <p:cNvPr id="1" name=""/>
+        <p:cNvGrpSpPr/>
+        <p:nvPr/>
+      </p:nvGrpSpPr>
+      <p:grpSpPr>
+        <a:xfrm>
+          <a:off x="0" y="0"/>
+          <a:ext cx="0" cy="0"/>
+          <a:chOff x="0" y="0"/>
+          <a:chExt cx="0" cy="0"/>
+        </a:xfrm>
+      </p:grpSpPr>
+      <p:sp>
+        <p:nvSpPr>
+          <p:cNvPr id="33" name="文本框 32"/>
+          <p:cNvSpPr txBox="1"/>
+          <p:nvPr/>
+        </p:nvSpPr>
+        <p:spPr>
+          <a:xfrm>
+            <a:off x="92365" y="184666"/>
+            <a:ext cx="1497526" cy="584775"/>
+          </a:xfrm>
+          <a:prstGeom prst="rect">
+            <a:avLst/>
+          </a:prstGeom>
+          <a:noFill/>
+        </p:spPr>
+        <p:txBody>
+          <a:bodyPr wrap="none" rtlCol="0" anchor="t">
+            <a:spAutoFit/>
+          </a:bodyPr>
+          <a:lstStyle/>
+          <a:p>
+            <a:r>
+              <a:rPr lang="en-US" altLang="zh-CN" sz="3200" b="1" dirty="0" smtClean="0">
+                <a:solidFill>
+                  <a:srgbClr val="3D68BF"/>
+                </a:solidFill>
+                <a:latin typeface="Microsoft YaHei" panose="020B0503020204020204" pitchFamily="34" charset="-122"/>
+                <a:ea typeface="Microsoft YaHei" panose="020B0503020204020204" pitchFamily="34" charset="-122"/>
+                <a:cs typeface="Arial" panose="020B0604020202090204" pitchFamily="34" charset="0"/>
+              </a:rPr>
+              <a:t>4. </a:t>
+            </a:r>
+            <a:r>
+              <a:rPr lang="zh-CN" altLang="en-US" sz="3200" b="1" dirty="0" smtClean="0">
+                <a:solidFill>
+                  <a:srgbClr val="3D68BF"/>
+                </a:solidFill>
+                <a:latin typeface="Microsoft YaHei" panose="020B0503020204020204" pitchFamily="34" charset="-122"/>
+                <a:ea typeface="Microsoft YaHei" panose="020B0503020204020204" pitchFamily="34" charset="-122"/>
+                <a:cs typeface="Arial" panose="020B0604020202090204" pitchFamily="34" charset="0"/>
+              </a:rPr>
+              <a:t>拓展</a:t>
+            </a:r>
+            <a:endParaRPr lang="en-US" altLang="zh-CN" sz="3200" b="1" dirty="0">
+              <a:solidFill>
+                <a:srgbClr val="3D68BF"/>
+              </a:solidFill>
+              <a:latin typeface="Microsoft YaHei" panose="020B0503020204020204" pitchFamily="34" charset="-122"/>
+              <a:ea typeface="Microsoft YaHei" panose="020B0503020204020204" pitchFamily="34" charset="-122"/>
+              <a:cs typeface="Arial" panose="020B0604020202090204" pitchFamily="34" charset="0"/>
+            </a:endParaRPr>
+          </a:p>
+        </p:txBody>
+      </p:sp>
+      <p:sp>
+        <p:nvSpPr>
+          <p:cNvPr id="5" name="文本框 4"/>
+          <p:cNvSpPr txBox="1"/>
+          <p:nvPr/>
+        </p:nvSpPr>
+        <p:spPr>
+          <a:xfrm>
+            <a:off x="742398" y="1356057"/>
+            <a:ext cx="2417650" cy="461665"/>
+          </a:xfrm>
+          <a:prstGeom prst="rect">
+            <a:avLst/>
+          </a:prstGeom>
+          <a:noFill/>
+        </p:spPr>
+        <p:txBody>
+          <a:bodyPr wrap="none" rtlCol="0">
+            <a:spAutoFit/>
+          </a:bodyPr>
+          <a:lstStyle/>
+          <a:p>
+            <a:r>
+              <a:rPr lang="zh-CN" altLang="en-US" sz="2400" dirty="0" smtClean="0"/>
+              <a:t>相关库</a:t>
+            </a:r>
+            <a:r>
+              <a:rPr lang="en-US" altLang="zh-CN" sz="2400" dirty="0" smtClean="0"/>
+              <a:t>: </a:t>
+            </a:r>
+            <a:r>
+              <a:rPr lang="zh-CN" altLang="en-US" sz="2400" dirty="0" smtClean="0">
+                <a:hlinkClick r:id="rId3"/>
+              </a:rPr>
+              <a:t>腾讯</a:t>
+            </a:r>
+            <a:r>
+              <a:rPr lang="en-US" altLang="zh-CN" sz="2400" dirty="0" smtClean="0">
+                <a:hlinkClick r:id="rId3"/>
+              </a:rPr>
+              <a:t>OMI</a:t>
+            </a:r>
+            <a:endParaRPr lang="en-US" altLang="zh-CN" sz="2400" dirty="0" smtClean="0"/>
+          </a:p>
+        </p:txBody>
+      </p:sp>
+      <p:pic>
+        <p:nvPicPr>
+          <p:cNvPr id="2" name="图片 1"/>
+          <p:cNvPicPr>
+            <a:picLocks noChangeAspect="1"/>
+          </p:cNvPicPr>
+          <p:nvPr/>
+        </p:nvPicPr>
+        <p:blipFill>
+          <a:blip r:embed="rId4"/>
+          <a:stretch>
+            <a:fillRect/>
+          </a:stretch>
+        </p:blipFill>
+        <p:spPr>
+          <a:xfrm>
+            <a:off x="7121240" y="209939"/>
+            <a:ext cx="4092192" cy="6587689"/>
+          </a:xfrm>
+          <a:prstGeom prst="rect">
+            <a:avLst/>
+          </a:prstGeom>
+        </p:spPr>
+      </p:pic>
+      <p:pic>
+        <p:nvPicPr>
+          <p:cNvPr id="3" name="图片 2"/>
+          <p:cNvPicPr>
+            <a:picLocks noChangeAspect="1"/>
+          </p:cNvPicPr>
+          <p:nvPr/>
+        </p:nvPicPr>
+        <p:blipFill>
+          <a:blip r:embed="rId5"/>
+          <a:stretch>
+            <a:fillRect/>
+          </a:stretch>
+        </p:blipFill>
+        <p:spPr>
+          <a:xfrm>
+            <a:off x="742398" y="2855445"/>
+            <a:ext cx="5584411" cy="2236320"/>
+          </a:xfrm>
+          <a:prstGeom prst="rect">
+            <a:avLst/>
+          </a:prstGeom>
+        </p:spPr>
+      </p:pic>
+    </p:spTree>
+    <p:extLst>
+      <p:ext uri="{BB962C8B-B14F-4D97-AF65-F5344CB8AC3E}">
+        <p14:creationId xmlns:p14="http://schemas.microsoft.com/office/powerpoint/2010/main" val="4251821573"/>
+      </p:ext>
+    </p:extLst>
+  </p:cSld>
+  <p:clrMapOvr>
+    <a:masterClrMapping/>
+  </p:clrMapOvr>
+  <mc:AlternateContent xmlns:mc="http://schemas.openxmlformats.org/markup-compatibility/2006" xmlns:p14="http://schemas.microsoft.com/office/powerpoint/2010/main">
+    <mc:Choice Requires="p14">
+      <p:transition p14:dur="10" advClick="0"/>
+    </mc:Choice>
+    <mc:Fallback xmlns="">
+      <p:transition advClick="0"/>
+    </mc:Fallback>
+  </mc:AlternateContent>
+  <p:timing>
+    <p:tnLst>
+      <p:par>
+        <p:cTn id="1" dur="indefinite" restart="never" nodeType="tmRoot"/>
+      </p:par>
+    </p:tnLst>
+  </p:timing>
+</p:sld>
+</file>
+
+<file path=ppt/slides/slide24.xml><?xml version="1.0" encoding="utf-8"?>
+<p:sld xmlns:a="http://schemas.openxmlformats.org/drawingml/2006/main" xmlns:r="http://schemas.openxmlformats.org/officeDocument/2006/relationships" xmlns:p="http://schemas.openxmlformats.org/presentationml/2006/main">
+  <p:cSld>
+    <p:spTree>
+      <p:nvGrpSpPr>
+        <p:cNvPr id="1" name=""/>
+        <p:cNvGrpSpPr/>
+        <p:nvPr/>
+      </p:nvGrpSpPr>
+      <p:grpSpPr>
+        <a:xfrm>
+          <a:off x="0" y="0"/>
+          <a:ext cx="0" cy="0"/>
+          <a:chOff x="0" y="0"/>
+          <a:chExt cx="0" cy="0"/>
+        </a:xfrm>
+      </p:grpSpPr>
+      <p:sp>
+        <p:nvSpPr>
+          <p:cNvPr id="33" name="文本框 32"/>
+          <p:cNvSpPr txBox="1"/>
+          <p:nvPr/>
+        </p:nvSpPr>
+        <p:spPr>
+          <a:xfrm>
+            <a:off x="92365" y="184666"/>
+            <a:ext cx="1497526" cy="584775"/>
+          </a:xfrm>
+          <a:prstGeom prst="rect">
+            <a:avLst/>
+          </a:prstGeom>
+          <a:noFill/>
+        </p:spPr>
+        <p:txBody>
+          <a:bodyPr wrap="none" rtlCol="0" anchor="t">
+            <a:spAutoFit/>
+          </a:bodyPr>
+          <a:lstStyle/>
+          <a:p>
+            <a:r>
+              <a:rPr lang="en-US" altLang="zh-CN" sz="3200" b="1" dirty="0" smtClean="0">
+                <a:solidFill>
+                  <a:srgbClr val="3D68BF"/>
+                </a:solidFill>
+                <a:latin typeface="Microsoft YaHei" panose="020B0503020204020204" pitchFamily="34" charset="-122"/>
+                <a:ea typeface="Microsoft YaHei" panose="020B0503020204020204" pitchFamily="34" charset="-122"/>
+                <a:cs typeface="Arial" panose="020B0604020202090204" pitchFamily="34" charset="0"/>
+              </a:rPr>
+              <a:t>4. </a:t>
+            </a:r>
+            <a:r>
+              <a:rPr lang="zh-CN" altLang="en-US" sz="3200" b="1" dirty="0" smtClean="0">
+                <a:solidFill>
+                  <a:srgbClr val="3D68BF"/>
+                </a:solidFill>
+                <a:latin typeface="Microsoft YaHei" panose="020B0503020204020204" pitchFamily="34" charset="-122"/>
+                <a:ea typeface="Microsoft YaHei" panose="020B0503020204020204" pitchFamily="34" charset="-122"/>
+                <a:cs typeface="Arial" panose="020B0604020202090204" pitchFamily="34" charset="0"/>
+              </a:rPr>
+              <a:t>拓展</a:t>
+            </a:r>
+            <a:endParaRPr lang="en-US" altLang="zh-CN" sz="3200" b="1" dirty="0">
+              <a:solidFill>
+                <a:srgbClr val="3D68BF"/>
+              </a:solidFill>
+              <a:latin typeface="Microsoft YaHei" panose="020B0503020204020204" pitchFamily="34" charset="-122"/>
+              <a:ea typeface="Microsoft YaHei" panose="020B0503020204020204" pitchFamily="34" charset="-122"/>
+              <a:cs typeface="Arial" panose="020B0604020202090204" pitchFamily="34" charset="0"/>
+            </a:endParaRPr>
+          </a:p>
+        </p:txBody>
+      </p:sp>
+      <p:sp>
+        <p:nvSpPr>
+          <p:cNvPr id="5" name="文本框 4"/>
+          <p:cNvSpPr txBox="1"/>
+          <p:nvPr/>
+        </p:nvSpPr>
+        <p:spPr>
+          <a:xfrm>
+            <a:off x="742398" y="1356057"/>
+            <a:ext cx="3449983" cy="461665"/>
+          </a:xfrm>
+          <a:prstGeom prst="rect">
+            <a:avLst/>
+          </a:prstGeom>
+          <a:noFill/>
+        </p:spPr>
+        <p:txBody>
+          <a:bodyPr wrap="none" rtlCol="0">
+            <a:spAutoFit/>
+          </a:bodyPr>
+          <a:lstStyle/>
+          <a:p>
+            <a:r>
+              <a:rPr lang="en-US" altLang="zh-CN" sz="2400" dirty="0" err="1" smtClean="0"/>
+              <a:t>Polyfill</a:t>
+            </a:r>
+            <a:r>
+              <a:rPr lang="en-US" altLang="zh-CN" sz="2400" dirty="0" smtClean="0"/>
+              <a:t>: </a:t>
+            </a:r>
+            <a:r>
+              <a:rPr lang="en-US" altLang="zh-CN" sz="2400" dirty="0" smtClean="0">
+                <a:hlinkClick r:id="rId3"/>
+              </a:rPr>
+              <a:t>webcomponentsjs</a:t>
+            </a:r>
+            <a:endParaRPr lang="en-US" altLang="zh-CN" sz="2400" dirty="0" smtClean="0"/>
+          </a:p>
+        </p:txBody>
+      </p:sp>
+      <p:sp>
+        <p:nvSpPr>
+          <p:cNvPr id="9" name="文本框 8"/>
+          <p:cNvSpPr txBox="1"/>
+          <p:nvPr/>
+        </p:nvSpPr>
+        <p:spPr>
+          <a:xfrm>
+            <a:off x="742397" y="2173505"/>
+            <a:ext cx="2597442" cy="461665"/>
+          </a:xfrm>
+          <a:prstGeom prst="rect">
+            <a:avLst/>
+          </a:prstGeom>
+          <a:noFill/>
+        </p:spPr>
+        <p:txBody>
+          <a:bodyPr wrap="none" rtlCol="0">
+            <a:spAutoFit/>
+          </a:bodyPr>
+          <a:lstStyle/>
+          <a:p>
+            <a:r>
+              <a:rPr lang="zh-CN" altLang="en-US" sz="2400" dirty="0"/>
+              <a:t>轻</a:t>
+            </a:r>
+            <a:r>
+              <a:rPr lang="zh-CN" altLang="en-US" sz="2400" dirty="0" smtClean="0"/>
+              <a:t>量框架</a:t>
+            </a:r>
+            <a:r>
+              <a:rPr lang="en-US" altLang="zh-CN" sz="2400" dirty="0" smtClean="0"/>
+              <a:t>: </a:t>
+            </a:r>
+            <a:r>
+              <a:rPr lang="en-US" altLang="zh-CN" sz="2400" dirty="0" smtClean="0">
+                <a:hlinkClick r:id="rId4"/>
+              </a:rPr>
+              <a:t>Polymer</a:t>
+            </a:r>
+            <a:endParaRPr lang="en-US" altLang="zh-CN" sz="2400" dirty="0" smtClean="0"/>
+          </a:p>
+        </p:txBody>
+      </p:sp>
+      <p:pic>
+        <p:nvPicPr>
+          <p:cNvPr id="2" name="图片 1"/>
+          <p:cNvPicPr>
+            <a:picLocks noChangeAspect="1"/>
+          </p:cNvPicPr>
+          <p:nvPr/>
+        </p:nvPicPr>
+        <p:blipFill>
+          <a:blip r:embed="rId5"/>
+          <a:stretch>
+            <a:fillRect/>
+          </a:stretch>
+        </p:blipFill>
+        <p:spPr>
+          <a:xfrm>
+            <a:off x="742397" y="2823967"/>
+            <a:ext cx="5781675" cy="2571750"/>
+          </a:xfrm>
+          <a:prstGeom prst="rect">
+            <a:avLst/>
+          </a:prstGeom>
+        </p:spPr>
+      </p:pic>
+      <p:pic>
+        <p:nvPicPr>
+          <p:cNvPr id="3" name="图片 2"/>
+          <p:cNvPicPr>
+            <a:picLocks noChangeAspect="1"/>
+          </p:cNvPicPr>
+          <p:nvPr/>
+        </p:nvPicPr>
+        <p:blipFill>
+          <a:blip r:embed="rId6"/>
+          <a:stretch>
+            <a:fillRect/>
+          </a:stretch>
+        </p:blipFill>
+        <p:spPr>
+          <a:xfrm>
+            <a:off x="7272337" y="1357117"/>
+            <a:ext cx="3783652" cy="3542142"/>
+          </a:xfrm>
+          <a:prstGeom prst="rect">
+            <a:avLst/>
+          </a:prstGeom>
+        </p:spPr>
+      </p:pic>
+    </p:spTree>
+    <p:extLst>
+      <p:ext uri="{BB962C8B-B14F-4D97-AF65-F5344CB8AC3E}">
+        <p14:creationId xmlns:p14="http://schemas.microsoft.com/office/powerpoint/2010/main" val="1686076817"/>
+      </p:ext>
+    </p:extLst>
+  </p:cSld>
+  <p:clrMapOvr>
+    <a:masterClrMapping/>
+  </p:clrMapOvr>
+  <mc:AlternateContent xmlns:mc="http://schemas.openxmlformats.org/markup-compatibility/2006" xmlns:p14="http://schemas.microsoft.com/office/powerpoint/2010/main">
+    <mc:Choice Requires="p14">
+      <p:transition p14:dur="10" advClick="0"/>
+    </mc:Choice>
+    <mc:Fallback xmlns="">
+      <p:transition advClick="0"/>
+    </mc:Fallback>
+  </mc:AlternateContent>
+  <p:timing>
+    <p:tnLst>
+      <p:par>
+        <p:cTn id="1" dur="indefinite" restart="never" nodeType="tmRoot"/>
+      </p:par>
+    </p:tnLst>
+  </p:timing>
+</p:sld>
+</file>
+
+<file path=ppt/slides/slide25.xml><?xml version="1.0" encoding="utf-8"?>
+<p:sld xmlns:a="http://schemas.openxmlformats.org/drawingml/2006/main" xmlns:r="http://schemas.openxmlformats.org/officeDocument/2006/relationships" xmlns:p="http://schemas.openxmlformats.org/presentationml/2006/main">
+  <p:cSld>
+    <p:spTree>
+      <p:nvGrpSpPr>
+        <p:cNvPr id="1" name=""/>
+        <p:cNvGrpSpPr/>
+        <p:nvPr/>
+      </p:nvGrpSpPr>
+      <p:grpSpPr>
+        <a:xfrm>
+          <a:off x="0" y="0"/>
+          <a:ext cx="0" cy="0"/>
+          <a:chOff x="0" y="0"/>
+          <a:chExt cx="0" cy="0"/>
+        </a:xfrm>
+      </p:grpSpPr>
+      <p:sp>
+        <p:nvSpPr>
+          <p:cNvPr id="33" name="文本框 32"/>
+          <p:cNvSpPr txBox="1"/>
+          <p:nvPr/>
+        </p:nvSpPr>
+        <p:spPr>
+          <a:xfrm>
+            <a:off x="92365" y="184666"/>
+            <a:ext cx="1497526" cy="584775"/>
+          </a:xfrm>
+          <a:prstGeom prst="rect">
+            <a:avLst/>
+          </a:prstGeom>
+          <a:noFill/>
+        </p:spPr>
+        <p:txBody>
+          <a:bodyPr wrap="none" rtlCol="0" anchor="t">
+            <a:spAutoFit/>
+          </a:bodyPr>
+          <a:lstStyle/>
+          <a:p>
+            <a:r>
+              <a:rPr lang="en-US" altLang="zh-CN" sz="3200" b="1" dirty="0" smtClean="0">
+                <a:solidFill>
+                  <a:srgbClr val="3D68BF"/>
+                </a:solidFill>
+                <a:latin typeface="Microsoft YaHei" panose="020B0503020204020204" pitchFamily="34" charset="-122"/>
+                <a:ea typeface="Microsoft YaHei" panose="020B0503020204020204" pitchFamily="34" charset="-122"/>
+                <a:cs typeface="Arial" panose="020B0604020202090204" pitchFamily="34" charset="0"/>
+              </a:rPr>
+              <a:t>4. </a:t>
+            </a:r>
+            <a:r>
+              <a:rPr lang="zh-CN" altLang="en-US" sz="3200" b="1" dirty="0" smtClean="0">
+                <a:solidFill>
+                  <a:srgbClr val="3D68BF"/>
+                </a:solidFill>
+                <a:latin typeface="Microsoft YaHei" panose="020B0503020204020204" pitchFamily="34" charset="-122"/>
+                <a:ea typeface="Microsoft YaHei" panose="020B0503020204020204" pitchFamily="34" charset="-122"/>
+                <a:cs typeface="Arial" panose="020B0604020202090204" pitchFamily="34" charset="0"/>
+              </a:rPr>
+              <a:t>拓展</a:t>
+            </a:r>
+            <a:endParaRPr lang="en-US" altLang="zh-CN" sz="3200" b="1" dirty="0">
+              <a:solidFill>
+                <a:srgbClr val="3D68BF"/>
+              </a:solidFill>
+              <a:latin typeface="Microsoft YaHei" panose="020B0503020204020204" pitchFamily="34" charset="-122"/>
+              <a:ea typeface="Microsoft YaHei" panose="020B0503020204020204" pitchFamily="34" charset="-122"/>
+              <a:cs typeface="Arial" panose="020B0604020202090204" pitchFamily="34" charset="0"/>
+            </a:endParaRPr>
+          </a:p>
+        </p:txBody>
+      </p:sp>
+      <p:sp>
+        <p:nvSpPr>
+          <p:cNvPr id="5" name="文本框 4"/>
+          <p:cNvSpPr txBox="1"/>
+          <p:nvPr/>
+        </p:nvSpPr>
+        <p:spPr>
+          <a:xfrm>
+            <a:off x="742398" y="1356057"/>
+            <a:ext cx="2192652" cy="461665"/>
+          </a:xfrm>
+          <a:prstGeom prst="rect">
+            <a:avLst/>
+          </a:prstGeom>
+          <a:noFill/>
+        </p:spPr>
+        <p:txBody>
+          <a:bodyPr wrap="none" rtlCol="0">
+            <a:spAutoFit/>
+          </a:bodyPr>
+          <a:lstStyle/>
+          <a:p>
+            <a:r>
+              <a:rPr lang="en-US" altLang="zh-CN" sz="2400" dirty="0" smtClean="0">
+                <a:hlinkClick r:id="rId3"/>
+              </a:rPr>
+              <a:t>React</a:t>
+            </a:r>
+            <a:r>
+              <a:rPr lang="zh-CN" altLang="en-US" sz="2400" dirty="0" smtClean="0">
+                <a:hlinkClick r:id="rId3"/>
+              </a:rPr>
+              <a:t>中的使用</a:t>
+            </a:r>
+            <a:endParaRPr lang="en-US" altLang="zh-CN" sz="2400" dirty="0" smtClean="0"/>
+          </a:p>
+        </p:txBody>
+      </p:sp>
+      <p:pic>
+        <p:nvPicPr>
+          <p:cNvPr id="4" name="图片 3"/>
+          <p:cNvPicPr>
+            <a:picLocks noChangeAspect="1"/>
+          </p:cNvPicPr>
+          <p:nvPr/>
+        </p:nvPicPr>
+        <p:blipFill>
+          <a:blip r:embed="rId4"/>
+          <a:stretch>
+            <a:fillRect/>
+          </a:stretch>
+        </p:blipFill>
+        <p:spPr>
+          <a:xfrm>
+            <a:off x="841128" y="2089963"/>
+            <a:ext cx="5905500" cy="1038225"/>
+          </a:xfrm>
+          <a:prstGeom prst="rect">
+            <a:avLst/>
+          </a:prstGeom>
+        </p:spPr>
+      </p:pic>
+      <p:pic>
+        <p:nvPicPr>
+          <p:cNvPr id="6" name="图片 5"/>
+          <p:cNvPicPr>
+            <a:picLocks noChangeAspect="1"/>
+          </p:cNvPicPr>
+          <p:nvPr/>
+        </p:nvPicPr>
+        <p:blipFill>
+          <a:blip r:embed="rId5"/>
+          <a:stretch>
+            <a:fillRect/>
+          </a:stretch>
+        </p:blipFill>
+        <p:spPr>
+          <a:xfrm>
+            <a:off x="841128" y="3566962"/>
+            <a:ext cx="6524625" cy="2438400"/>
+          </a:xfrm>
+          <a:prstGeom prst="rect">
+            <a:avLst/>
+          </a:prstGeom>
+        </p:spPr>
+      </p:pic>
+    </p:spTree>
+    <p:extLst>
+      <p:ext uri="{BB962C8B-B14F-4D97-AF65-F5344CB8AC3E}">
+        <p14:creationId xmlns:p14="http://schemas.microsoft.com/office/powerpoint/2010/main" val="3548128683"/>
+      </p:ext>
+    </p:extLst>
+  </p:cSld>
+  <p:clrMapOvr>
+    <a:masterClrMapping/>
+  </p:clrMapOvr>
+  <mc:AlternateContent xmlns:mc="http://schemas.openxmlformats.org/markup-compatibility/2006" xmlns:p14="http://schemas.microsoft.com/office/powerpoint/2010/main">
+    <mc:Choice Requires="p14">
+      <p:transition p14:dur="10" advClick="0"/>
+    </mc:Choice>
+    <mc:Fallback xmlns="">
+      <p:transition advClick="0"/>
+    </mc:Fallback>
+  </mc:AlternateContent>
+  <p:timing>
+    <p:tnLst>
+      <p:par>
+        <p:cTn id="1" dur="indefinite" restart="never" nodeType="tmRoot"/>
+      </p:par>
+    </p:tnLst>
+  </p:timing>
+</p:sld>
+</file>
+
+<file path=ppt/slides/slide26.xml><?xml version="1.0" encoding="utf-8"?>
+<p:sld xmlns:a="http://schemas.openxmlformats.org/drawingml/2006/main" xmlns:r="http://schemas.openxmlformats.org/officeDocument/2006/relationships" xmlns:p="http://schemas.openxmlformats.org/presentationml/2006/main">
+  <p:cSld>
+    <p:spTree>
+      <p:nvGrpSpPr>
+        <p:cNvPr id="1" name=""/>
+        <p:cNvGrpSpPr/>
+        <p:nvPr/>
+      </p:nvGrpSpPr>
+      <p:grpSpPr>
+        <a:xfrm>
+          <a:off x="0" y="0"/>
+          <a:ext cx="0" cy="0"/>
+          <a:chOff x="0" y="0"/>
+          <a:chExt cx="0" cy="0"/>
+        </a:xfrm>
+      </p:grpSpPr>
+      <p:sp>
+        <p:nvSpPr>
+          <p:cNvPr id="33" name="文本框 32"/>
+          <p:cNvSpPr txBox="1"/>
+          <p:nvPr/>
+        </p:nvSpPr>
+        <p:spPr>
+          <a:xfrm>
+            <a:off x="92365" y="184666"/>
+            <a:ext cx="1497526" cy="584775"/>
+          </a:xfrm>
+          <a:prstGeom prst="rect">
+            <a:avLst/>
+          </a:prstGeom>
+          <a:noFill/>
+        </p:spPr>
+        <p:txBody>
+          <a:bodyPr wrap="none" rtlCol="0" anchor="t">
+            <a:spAutoFit/>
+          </a:bodyPr>
+          <a:lstStyle/>
+          <a:p>
+            <a:r>
+              <a:rPr lang="en-US" altLang="zh-CN" sz="3200" b="1" dirty="0" smtClean="0">
+                <a:solidFill>
+                  <a:srgbClr val="3D68BF"/>
+                </a:solidFill>
+                <a:latin typeface="Microsoft YaHei" panose="020B0503020204020204" pitchFamily="34" charset="-122"/>
+                <a:ea typeface="Microsoft YaHei" panose="020B0503020204020204" pitchFamily="34" charset="-122"/>
+                <a:cs typeface="Arial" panose="020B0604020202090204" pitchFamily="34" charset="0"/>
+              </a:rPr>
+              <a:t>4. </a:t>
+            </a:r>
+            <a:r>
+              <a:rPr lang="zh-CN" altLang="en-US" sz="3200" b="1" dirty="0" smtClean="0">
+                <a:solidFill>
+                  <a:srgbClr val="3D68BF"/>
+                </a:solidFill>
+                <a:latin typeface="Microsoft YaHei" panose="020B0503020204020204" pitchFamily="34" charset="-122"/>
+                <a:ea typeface="Microsoft YaHei" panose="020B0503020204020204" pitchFamily="34" charset="-122"/>
+                <a:cs typeface="Arial" panose="020B0604020202090204" pitchFamily="34" charset="0"/>
+              </a:rPr>
+              <a:t>拓展</a:t>
+            </a:r>
+            <a:endParaRPr lang="en-US" altLang="zh-CN" sz="3200" b="1" dirty="0">
+              <a:solidFill>
+                <a:srgbClr val="3D68BF"/>
+              </a:solidFill>
+              <a:latin typeface="Microsoft YaHei" panose="020B0503020204020204" pitchFamily="34" charset="-122"/>
+              <a:ea typeface="Microsoft YaHei" panose="020B0503020204020204" pitchFamily="34" charset="-122"/>
+              <a:cs typeface="Arial" panose="020B0604020202090204" pitchFamily="34" charset="0"/>
+            </a:endParaRPr>
+          </a:p>
+        </p:txBody>
+      </p:sp>
+      <p:sp>
+        <p:nvSpPr>
+          <p:cNvPr id="5" name="文本框 4"/>
+          <p:cNvSpPr txBox="1"/>
+          <p:nvPr/>
+        </p:nvSpPr>
+        <p:spPr>
+          <a:xfrm>
+            <a:off x="732773" y="3188715"/>
+            <a:ext cx="1898790" cy="461665"/>
+          </a:xfrm>
+          <a:prstGeom prst="rect">
+            <a:avLst/>
+          </a:prstGeom>
+          <a:noFill/>
+        </p:spPr>
+        <p:txBody>
+          <a:bodyPr wrap="none" rtlCol="0">
+            <a:spAutoFit/>
+          </a:bodyPr>
+          <a:lstStyle/>
+          <a:p>
+            <a:r>
+              <a:rPr lang="en-US" altLang="zh-CN" sz="2400" dirty="0" smtClean="0">
+                <a:hlinkClick r:id="rId3"/>
+              </a:rPr>
+              <a:t>Vue</a:t>
+            </a:r>
+            <a:r>
+              <a:rPr lang="zh-CN" altLang="en-US" sz="2400" dirty="0" smtClean="0">
+                <a:hlinkClick r:id="rId3"/>
+              </a:rPr>
+              <a:t>中的使用</a:t>
+            </a:r>
+            <a:endParaRPr lang="en-US" altLang="zh-CN" sz="2400" dirty="0" smtClean="0"/>
+          </a:p>
+        </p:txBody>
+      </p:sp>
+      <p:pic>
+        <p:nvPicPr>
+          <p:cNvPr id="2" name="图片 1"/>
+          <p:cNvPicPr>
+            <a:picLocks noChangeAspect="1"/>
+          </p:cNvPicPr>
+          <p:nvPr/>
+        </p:nvPicPr>
+        <p:blipFill>
+          <a:blip r:embed="rId4"/>
+          <a:stretch>
+            <a:fillRect/>
+          </a:stretch>
+        </p:blipFill>
+        <p:spPr>
+          <a:xfrm>
+            <a:off x="3676850" y="298382"/>
+            <a:ext cx="6479559" cy="6358897"/>
+          </a:xfrm>
+          <a:prstGeom prst="rect">
+            <a:avLst/>
+          </a:prstGeom>
+        </p:spPr>
+      </p:pic>
+      <p:pic>
+        <p:nvPicPr>
+          <p:cNvPr id="7" name="图片 6"/>
+          <p:cNvPicPr>
+            <a:picLocks noChangeAspect="1"/>
+          </p:cNvPicPr>
+          <p:nvPr/>
+        </p:nvPicPr>
+        <p:blipFill>
+          <a:blip r:embed="rId5"/>
+          <a:stretch>
+            <a:fillRect/>
+          </a:stretch>
+        </p:blipFill>
+        <p:spPr>
+          <a:xfrm>
+            <a:off x="901118" y="3802429"/>
+            <a:ext cx="1562100" cy="952500"/>
+          </a:xfrm>
+          <a:prstGeom prst="rect">
+            <a:avLst/>
+          </a:prstGeom>
+        </p:spPr>
+      </p:pic>
+    </p:spTree>
+    <p:extLst>
+      <p:ext uri="{BB962C8B-B14F-4D97-AF65-F5344CB8AC3E}">
+        <p14:creationId xmlns:p14="http://schemas.microsoft.com/office/powerpoint/2010/main" val="2575294188"/>
+      </p:ext>
+    </p:extLst>
+  </p:cSld>
+  <p:clrMapOvr>
+    <a:masterClrMapping/>
+  </p:clrMapOvr>
+  <mc:AlternateContent xmlns:mc="http://schemas.openxmlformats.org/markup-compatibility/2006" xmlns:p14="http://schemas.microsoft.com/office/powerpoint/2010/main">
+    <mc:Choice Requires="p14">
+      <p:transition p14:dur="10" advClick="0"/>
+    </mc:Choice>
+    <mc:Fallback xmlns="">
+      <p:transition advClick="0"/>
+    </mc:Fallback>
+  </mc:AlternateContent>
+  <p:timing>
+    <p:tnLst>
+      <p:par>
+        <p:cTn id="1" dur="indefinite" restart="never" nodeType="tmRoot"/>
+      </p:par>
+    </p:tnLst>
+  </p:timing>
+</p:sld>
+</file>
+
+<file path=ppt/slides/slide27.xml><?xml version="1.0" encoding="utf-8"?>
+<p:sld xmlns:a="http://schemas.openxmlformats.org/drawingml/2006/main" xmlns:r="http://schemas.openxmlformats.org/officeDocument/2006/relationships" xmlns:p="http://schemas.openxmlformats.org/presentationml/2006/main">
+  <p:cSld>
+    <p:spTree>
+      <p:nvGrpSpPr>
+        <p:cNvPr id="1" name=""/>
+        <p:cNvGrpSpPr/>
+        <p:nvPr/>
+      </p:nvGrpSpPr>
+      <p:grpSpPr>
+        <a:xfrm>
+          <a:off x="0" y="0"/>
+          <a:ext cx="0" cy="0"/>
+          <a:chOff x="0" y="0"/>
+          <a:chExt cx="0" cy="0"/>
+        </a:xfrm>
+      </p:grpSpPr>
+      <p:sp>
+        <p:nvSpPr>
+          <p:cNvPr id="2" name="标题 1"/>
+          <p:cNvSpPr>
+            <a:spLocks noGrp="1"/>
+          </p:cNvSpPr>
+          <p:nvPr>
+            <p:ph type="title"/>
+          </p:nvPr>
+        </p:nvSpPr>
+        <p:spPr>
+          <a:xfrm>
+            <a:off x="526236" y="2065752"/>
+            <a:ext cx="6755969" cy="366632"/>
+          </a:xfrm>
+        </p:spPr>
+        <p:txBody>
+          <a:bodyPr>
+            <a:normAutofit/>
+          </a:bodyPr>
+          <a:lstStyle/>
+          <a:p>
+            <a:r>
+              <a:rPr kumimoji="1" lang="zh-CN" altLang="en-US" sz="2000" dirty="0" smtClean="0"/>
+              <a:t>相关参考链接</a:t>
+            </a:r>
+            <a:endParaRPr kumimoji="1" lang="zh-CN" altLang="en-US" sz="2000" dirty="0"/>
+          </a:p>
+        </p:txBody>
+      </p:sp>
+      <p:sp>
+        <p:nvSpPr>
+          <p:cNvPr id="33" name="文本框 32"/>
+          <p:cNvSpPr txBox="1"/>
+          <p:nvPr/>
+        </p:nvSpPr>
+        <p:spPr>
+          <a:xfrm>
+            <a:off x="92365" y="184666"/>
+            <a:ext cx="1497526" cy="584775"/>
+          </a:xfrm>
+          <a:prstGeom prst="rect">
+            <a:avLst/>
+          </a:prstGeom>
+          <a:noFill/>
+        </p:spPr>
+        <p:txBody>
+          <a:bodyPr wrap="none" rtlCol="0" anchor="t">
+            <a:spAutoFit/>
+          </a:bodyPr>
+          <a:lstStyle/>
+          <a:p>
+            <a:r>
+              <a:rPr lang="en-US" altLang="zh-CN" sz="3200" b="1" dirty="0" smtClean="0">
+                <a:solidFill>
+                  <a:srgbClr val="3D68BF"/>
+                </a:solidFill>
+                <a:latin typeface="Microsoft YaHei" panose="020B0503020204020204" pitchFamily="34" charset="-122"/>
+                <a:ea typeface="Microsoft YaHei" panose="020B0503020204020204" pitchFamily="34" charset="-122"/>
+                <a:cs typeface="Arial" panose="020B0604020202090204" pitchFamily="34" charset="0"/>
+              </a:rPr>
+              <a:t>4. </a:t>
+            </a:r>
+            <a:r>
+              <a:rPr lang="zh-CN" altLang="en-US" sz="3200" b="1" dirty="0" smtClean="0">
+                <a:solidFill>
+                  <a:srgbClr val="3D68BF"/>
+                </a:solidFill>
+                <a:latin typeface="Microsoft YaHei" panose="020B0503020204020204" pitchFamily="34" charset="-122"/>
+                <a:ea typeface="Microsoft YaHei" panose="020B0503020204020204" pitchFamily="34" charset="-122"/>
+                <a:cs typeface="Arial" panose="020B0604020202090204" pitchFamily="34" charset="0"/>
+              </a:rPr>
+              <a:t>拓展</a:t>
+            </a:r>
+            <a:endParaRPr lang="en-US" altLang="zh-CN" sz="3200" b="1" dirty="0">
+              <a:solidFill>
+                <a:srgbClr val="3D68BF"/>
+              </a:solidFill>
+              <a:latin typeface="Microsoft YaHei" panose="020B0503020204020204" pitchFamily="34" charset="-122"/>
+              <a:ea typeface="Microsoft YaHei" panose="020B0503020204020204" pitchFamily="34" charset="-122"/>
+              <a:cs typeface="Arial" panose="020B0604020202090204" pitchFamily="34" charset="0"/>
+            </a:endParaRPr>
+          </a:p>
+        </p:txBody>
+      </p:sp>
+      <p:sp>
+        <p:nvSpPr>
+          <p:cNvPr id="3" name="文本框 2"/>
+          <p:cNvSpPr txBox="1"/>
+          <p:nvPr/>
+        </p:nvSpPr>
+        <p:spPr>
+          <a:xfrm>
+            <a:off x="526236" y="3032855"/>
+            <a:ext cx="2357377" cy="369332"/>
+          </a:xfrm>
+          <a:prstGeom prst="rect">
+            <a:avLst/>
+          </a:prstGeom>
+          <a:noFill/>
+        </p:spPr>
+        <p:txBody>
+          <a:bodyPr wrap="none" rtlCol="0">
+            <a:spAutoFit/>
+          </a:bodyPr>
+          <a:lstStyle/>
+          <a:p>
+            <a:r>
+              <a:rPr lang="en-US" altLang="zh-CN" dirty="0" smtClean="0">
+                <a:hlinkClick r:id="rId3"/>
+              </a:rPr>
+              <a:t>MDN </a:t>
+            </a:r>
+            <a:r>
+              <a:rPr lang="en-US" altLang="zh-CN" dirty="0" err="1" smtClean="0">
+                <a:hlinkClick r:id="rId3"/>
+              </a:rPr>
+              <a:t>WebComponents</a:t>
+            </a:r>
+            <a:endParaRPr lang="zh-CN" altLang="en-US" dirty="0"/>
+          </a:p>
+        </p:txBody>
+      </p:sp>
+      <p:sp>
+        <p:nvSpPr>
+          <p:cNvPr id="4" name="文本框 3"/>
+          <p:cNvSpPr txBox="1"/>
+          <p:nvPr/>
+        </p:nvSpPr>
+        <p:spPr>
+          <a:xfrm>
+            <a:off x="526236" y="3730261"/>
+            <a:ext cx="2506455" cy="369332"/>
+          </a:xfrm>
+          <a:prstGeom prst="rect">
+            <a:avLst/>
+          </a:prstGeom>
+          <a:noFill/>
+        </p:spPr>
+        <p:txBody>
+          <a:bodyPr wrap="none" rtlCol="0">
+            <a:spAutoFit/>
+          </a:bodyPr>
+          <a:lstStyle/>
+          <a:p>
+            <a:r>
+              <a:rPr lang="en-US" altLang="zh-CN" dirty="0" smtClean="0">
+                <a:hlinkClick r:id="rId4"/>
+              </a:rPr>
+              <a:t>Web Components - </a:t>
+            </a:r>
+            <a:r>
+              <a:rPr lang="zh-CN" altLang="en-US" dirty="0" smtClean="0">
+                <a:hlinkClick r:id="rId4"/>
+              </a:rPr>
+              <a:t>简书</a:t>
+            </a:r>
+            <a:endParaRPr lang="zh-CN" altLang="en-US" dirty="0"/>
+          </a:p>
+        </p:txBody>
+      </p:sp>
+      <p:sp>
+        <p:nvSpPr>
+          <p:cNvPr id="5" name="文本框 4"/>
+          <p:cNvSpPr txBox="1"/>
+          <p:nvPr/>
+        </p:nvSpPr>
+        <p:spPr>
+          <a:xfrm>
+            <a:off x="4206241" y="3032855"/>
+            <a:ext cx="2465996" cy="369332"/>
+          </a:xfrm>
+          <a:prstGeom prst="rect">
+            <a:avLst/>
+          </a:prstGeom>
+          <a:noFill/>
+        </p:spPr>
+        <p:txBody>
+          <a:bodyPr wrap="none" rtlCol="0">
+            <a:spAutoFit/>
+          </a:bodyPr>
+          <a:lstStyle/>
+          <a:p>
+            <a:r>
+              <a:rPr lang="en-US" altLang="zh-CN" dirty="0" smtClean="0">
+                <a:hlinkClick r:id="rId5"/>
+              </a:rPr>
+              <a:t>Web Components</a:t>
+            </a:r>
+            <a:r>
+              <a:rPr lang="zh-CN" altLang="en-US" dirty="0" smtClean="0">
+                <a:hlinkClick r:id="rId5"/>
+              </a:rPr>
+              <a:t>与</a:t>
+            </a:r>
+            <a:r>
+              <a:rPr lang="en-US" altLang="zh-CN" dirty="0" smtClean="0">
+                <a:hlinkClick r:id="rId5"/>
+              </a:rPr>
+              <a:t>SEO</a:t>
+            </a:r>
+            <a:endParaRPr lang="zh-CN" altLang="en-US" dirty="0"/>
+          </a:p>
+        </p:txBody>
+      </p:sp>
+      <p:sp>
+        <p:nvSpPr>
+          <p:cNvPr id="6" name="文本框 5"/>
+          <p:cNvSpPr txBox="1"/>
+          <p:nvPr/>
+        </p:nvSpPr>
+        <p:spPr>
+          <a:xfrm>
+            <a:off x="4206241" y="3725659"/>
+            <a:ext cx="669158" cy="369332"/>
+          </a:xfrm>
+          <a:prstGeom prst="rect">
+            <a:avLst/>
+          </a:prstGeom>
+          <a:noFill/>
+        </p:spPr>
+        <p:txBody>
+          <a:bodyPr wrap="none" rtlCol="0">
+            <a:spAutoFit/>
+          </a:bodyPr>
+          <a:lstStyle/>
+          <a:p>
+            <a:r>
+              <a:rPr lang="en-US" altLang="zh-CN" dirty="0" smtClean="0">
+                <a:hlinkClick r:id="rId6"/>
+              </a:rPr>
+              <a:t>X-tag</a:t>
+            </a:r>
+            <a:endParaRPr lang="zh-CN" altLang="en-US" dirty="0"/>
+          </a:p>
+        </p:txBody>
+      </p:sp>
+      <p:sp>
+        <p:nvSpPr>
+          <p:cNvPr id="8" name="文本框 7"/>
+          <p:cNvSpPr txBox="1"/>
+          <p:nvPr/>
+        </p:nvSpPr>
+        <p:spPr>
+          <a:xfrm>
+            <a:off x="526236" y="4418463"/>
+            <a:ext cx="1812804" cy="369332"/>
+          </a:xfrm>
+          <a:prstGeom prst="rect">
+            <a:avLst/>
+          </a:prstGeom>
+          <a:noFill/>
+        </p:spPr>
+        <p:txBody>
+          <a:bodyPr wrap="none" rtlCol="0">
+            <a:spAutoFit/>
+          </a:bodyPr>
+          <a:lstStyle/>
+          <a:p>
+            <a:r>
+              <a:rPr lang="en-US" altLang="zh-CN" dirty="0">
+                <a:hlinkClick r:id="rId7"/>
+              </a:rPr>
+              <a:t>custom-elements</a:t>
+            </a:r>
+            <a:endParaRPr lang="zh-CN" altLang="en-US" dirty="0"/>
+          </a:p>
+        </p:txBody>
+      </p:sp>
+      <p:sp>
+        <p:nvSpPr>
+          <p:cNvPr id="9" name="文本框 8"/>
+          <p:cNvSpPr txBox="1"/>
+          <p:nvPr/>
+        </p:nvSpPr>
+        <p:spPr>
+          <a:xfrm>
+            <a:off x="4206241" y="4418463"/>
+            <a:ext cx="2587247" cy="369332"/>
+          </a:xfrm>
+          <a:prstGeom prst="rect">
+            <a:avLst/>
+          </a:prstGeom>
+          <a:noFill/>
+        </p:spPr>
+        <p:txBody>
+          <a:bodyPr wrap="none" rtlCol="0">
+            <a:spAutoFit/>
+          </a:bodyPr>
+          <a:lstStyle/>
+          <a:p>
+            <a:r>
+              <a:rPr lang="en-US" altLang="zh-CN" dirty="0">
+                <a:hlinkClick r:id="rId8"/>
+              </a:rPr>
+              <a:t>web-components-tutorial</a:t>
+            </a:r>
+            <a:endParaRPr lang="zh-CN" altLang="en-US" dirty="0"/>
+          </a:p>
+        </p:txBody>
+      </p:sp>
+      <p:sp>
+        <p:nvSpPr>
+          <p:cNvPr id="10" name="文本框 9"/>
+          <p:cNvSpPr txBox="1"/>
+          <p:nvPr/>
+        </p:nvSpPr>
+        <p:spPr>
+          <a:xfrm>
+            <a:off x="526236" y="5106665"/>
+            <a:ext cx="1189236" cy="369332"/>
+          </a:xfrm>
+          <a:prstGeom prst="rect">
+            <a:avLst/>
+          </a:prstGeom>
+          <a:noFill/>
+        </p:spPr>
+        <p:txBody>
+          <a:bodyPr wrap="none" rtlCol="0">
+            <a:spAutoFit/>
+          </a:bodyPr>
+          <a:lstStyle/>
+          <a:p>
+            <a:r>
+              <a:rPr lang="en-US" altLang="zh-CN" dirty="0" smtClean="0">
+                <a:hlinkClick r:id="rId9"/>
+              </a:rPr>
+              <a:t>LitElement</a:t>
+            </a:r>
+            <a:endParaRPr lang="zh-CN" altLang="en-US" dirty="0"/>
+          </a:p>
+        </p:txBody>
+      </p:sp>
+    </p:spTree>
+    <p:extLst>
+      <p:ext uri="{BB962C8B-B14F-4D97-AF65-F5344CB8AC3E}">
+        <p14:creationId xmlns:p14="http://schemas.microsoft.com/office/powerpoint/2010/main" val="1834514847"/>
+      </p:ext>
+    </p:extLst>
+  </p:cSld>
+  <p:clrMapOvr>
+    <a:masterClrMapping/>
+  </p:clrMapOvr>
+  <mc:AlternateContent xmlns:mc="http://schemas.openxmlformats.org/markup-compatibility/2006" xmlns:p14="http://schemas.microsoft.com/office/powerpoint/2010/main">
+    <mc:Choice Requires="p14">
+      <p:transition p14:dur="10" advClick="0"/>
+    </mc:Choice>
+    <mc:Fallback xmlns="">
+      <p:transition advClick="0"/>
+    </mc:Fallback>
+  </mc:AlternateContent>
   <p:timing>
     <p:tnLst>
       <p:par>
@@ -13858,7 +15740,7 @@
         </p:blipFill>
         <p:spPr>
           <a:xfrm>
-            <a:off x="470535" y="3073320"/>
+            <a:off x="470535" y="3670086"/>
             <a:ext cx="4552950" cy="1895475"/>
           </a:xfrm>
           <a:prstGeom prst="rect">
@@ -13916,6 +15798,60 @@
               <a:rPr lang="en-US" altLang="zh-CN" dirty="0" smtClean="0"/>
               <a:t>YouTube</a:t>
             </a:r>
+          </a:p>
+        </p:txBody>
+      </p:sp>
+      <p:pic>
+        <p:nvPicPr>
+          <p:cNvPr id="3" name="图片 2"/>
+          <p:cNvPicPr>
+            <a:picLocks noChangeAspect="1"/>
+          </p:cNvPicPr>
+          <p:nvPr/>
+        </p:nvPicPr>
+        <p:blipFill>
+          <a:blip r:embed="rId4"/>
+          <a:stretch>
+            <a:fillRect/>
+          </a:stretch>
+        </p:blipFill>
+        <p:spPr>
+          <a:xfrm>
+            <a:off x="470535" y="2006520"/>
+            <a:ext cx="4086225" cy="1162050"/>
+          </a:xfrm>
+          <a:prstGeom prst="rect">
+            <a:avLst/>
+          </a:prstGeom>
+        </p:spPr>
+      </p:pic>
+      <p:sp>
+        <p:nvSpPr>
+          <p:cNvPr id="10" name="文本框 9"/>
+          <p:cNvSpPr txBox="1"/>
+          <p:nvPr/>
+        </p:nvSpPr>
+        <p:spPr>
+          <a:xfrm>
+            <a:off x="1842484" y="1548518"/>
+            <a:ext cx="3004185" cy="369332"/>
+          </a:xfrm>
+          <a:prstGeom prst="rect">
+            <a:avLst/>
+          </a:prstGeom>
+          <a:noFill/>
+        </p:spPr>
+        <p:txBody>
+          <a:bodyPr wrap="square" rtlCol="0">
+            <a:spAutoFit/>
+          </a:bodyPr>
+          <a:lstStyle/>
+          <a:p>
+            <a:r>
+              <a:rPr lang="en-US" altLang="zh-CN" dirty="0" err="1" smtClean="0"/>
+              <a:t>bilibli</a:t>
+            </a:r>
+            <a:endParaRPr lang="en-US" altLang="zh-CN" dirty="0" smtClean="0"/>
           </a:p>
         </p:txBody>
       </p:sp>
